--- a/會議記錄/會議記錄.pptx
+++ b/會議記錄/會議記錄.pptx
@@ -5162,7 +5162,7 @@
           <p:nvPr>
             <p:extLst>
               <p:ext uri="{D42A27DB-BD31-4B8C-83A1-F6EECF244321}">
-                <p14:modId xmlns:p14="http://schemas.microsoft.com/office/powerpoint/2010/main" val="3409271248"/>
+                <p14:modId xmlns:p14="http://schemas.microsoft.com/office/powerpoint/2010/main" val="3715714049"/>
               </p:ext>
             </p:extLst>
           </p:nvPr>
@@ -5206,10 +5206,17 @@
                     </a:ext>
                   </a:extLst>
                 </a:gridCol>
-                <a:gridCol w="1915160">
+                <a:gridCol w="187597">
                   <a:extLst>
                     <a:ext uri="{9D8B030D-6E8A-4147-A177-3AD203B41FA5}">
                       <a16:colId xmlns:a16="http://schemas.microsoft.com/office/drawing/2014/main" val="111746225"/>
+                    </a:ext>
+                  </a:extLst>
+                </a:gridCol>
+                <a:gridCol w="1727563">
+                  <a:extLst>
+                    <a:ext uri="{9D8B030D-6E8A-4147-A177-3AD203B41FA5}">
+                      <a16:colId xmlns:a16="http://schemas.microsoft.com/office/drawing/2014/main" val="577963095"/>
                     </a:ext>
                   </a:extLst>
                 </a:gridCol>
@@ -5282,7 +5289,7 @@
                   </a:txBody>
                   <a:tcPr/>
                 </a:tc>
-                <a:tc>
+                <a:tc gridSpan="2">
                   <a:txBody>
                     <a:bodyPr/>
                     <a:lstStyle/>
@@ -5294,6 +5301,19 @@
                         </a:rPr>
                         <a:t>後端</a:t>
                       </a:r>
+                      <a:endParaRPr lang="zh-TW" altLang="en-US" dirty="0">
+                        <a:latin typeface="微軟正黑體" panose="020B0604030504040204" pitchFamily="34" charset="-120"/>
+                        <a:ea typeface="微軟正黑體" panose="020B0604030504040204" pitchFamily="34" charset="-120"/>
+                      </a:endParaRPr>
+                    </a:p>
+                  </a:txBody>
+                  <a:tcPr/>
+                </a:tc>
+                <a:tc hMerge="1">
+                  <a:txBody>
+                    <a:bodyPr/>
+                    <a:lstStyle/>
+                    <a:p>
                       <a:endParaRPr lang="zh-TW" altLang="en-US" dirty="0">
                         <a:latin typeface="微軟正黑體" panose="020B0604030504040204" pitchFamily="34" charset="-120"/>
                         <a:ea typeface="微軟正黑體" panose="020B0604030504040204" pitchFamily="34" charset="-120"/>
@@ -5470,7 +5490,7 @@
                   </a:txBody>
                   <a:tcPr/>
                 </a:tc>
-                <a:tc>
+                <a:tc gridSpan="2">
                   <a:txBody>
                     <a:bodyPr/>
                     <a:lstStyle/>
@@ -5510,7 +5530,27 @@
                           <a:latin typeface="微軟正黑體" panose="020B0604030504040204" pitchFamily="34" charset="-120"/>
                           <a:ea typeface="微軟正黑體" panose="020B0604030504040204" pitchFamily="34" charset="-120"/>
                         </a:rPr>
-                        <a:t>資料庫指令整理</a:t>
+                        <a:t>資料庫指令</a:t>
+                      </a:r>
+                      <a:r>
+                        <a:rPr lang="zh-TW" altLang="en-US" dirty="0" smtClean="0">
+                          <a:solidFill>
+                            <a:srgbClr val="FFFF00"/>
+                          </a:solidFill>
+                          <a:latin typeface="微軟正黑體" panose="020B0604030504040204" pitchFamily="34" charset="-120"/>
+                          <a:ea typeface="微軟正黑體" panose="020B0604030504040204" pitchFamily="34" charset="-120"/>
+                        </a:rPr>
+                        <a:t>整理、學</a:t>
+                      </a:r>
+                      <a:r>
+                        <a:rPr lang="en-US" altLang="zh-TW" dirty="0" err="1" smtClean="0">
+                          <a:solidFill>
+                            <a:srgbClr val="FFFF00"/>
+                          </a:solidFill>
+                          <a:latin typeface="微軟正黑體" panose="020B0604030504040204" pitchFamily="34" charset="-120"/>
+                          <a:ea typeface="微軟正黑體" panose="020B0604030504040204" pitchFamily="34" charset="-120"/>
+                        </a:rPr>
+                        <a:t>FastAPI</a:t>
                       </a:r>
                       <a:endParaRPr lang="en-US" altLang="zh-TW" dirty="0" smtClean="0">
                         <a:solidFill>
@@ -5539,7 +5579,7 @@
                           <a:latin typeface="微軟正黑體" panose="020B0604030504040204" pitchFamily="34" charset="-120"/>
                           <a:ea typeface="微軟正黑體" panose="020B0604030504040204" pitchFamily="34" charset="-120"/>
                         </a:rPr>
-                        <a:t>待開會確定</a:t>
+                        <a:t>圖片相關以外</a:t>
                       </a:r>
                       <a:r>
                         <a:rPr lang="en-US" altLang="zh-TW" dirty="0" smtClean="0">
@@ -5551,6 +5591,29 @@
                         </a:rPr>
                         <a:t>]</a:t>
                       </a:r>
+                      <a:endParaRPr lang="en-US" altLang="zh-TW" dirty="0" smtClean="0">
+                        <a:solidFill>
+                          <a:srgbClr val="00B0F0"/>
+                        </a:solidFill>
+                        <a:latin typeface="微軟正黑體" panose="020B0604030504040204" pitchFamily="34" charset="-120"/>
+                        <a:ea typeface="微軟正黑體" panose="020B0604030504040204" pitchFamily="34" charset="-120"/>
+                      </a:endParaRPr>
+                    </a:p>
+                  </a:txBody>
+                  <a:tcPr/>
+                </a:tc>
+                <a:tc hMerge="1">
+                  <a:txBody>
+                    <a:bodyPr/>
+                    <a:lstStyle/>
+                    <a:p>
+                      <a:endParaRPr lang="en-US" altLang="zh-TW" dirty="0" smtClean="0">
+                        <a:solidFill>
+                          <a:srgbClr val="FFFF00"/>
+                        </a:solidFill>
+                        <a:latin typeface="微軟正黑體" panose="020B0604030504040204" pitchFamily="34" charset="-120"/>
+                        <a:ea typeface="微軟正黑體" panose="020B0604030504040204" pitchFamily="34" charset="-120"/>
+                      </a:endParaRPr>
                     </a:p>
                   </a:txBody>
                   <a:tcPr/>
@@ -5560,26 +5623,7 @@
                     <a:bodyPr/>
                     <a:lstStyle/>
                     <a:p>
-                      <a:r>
-                        <a:rPr lang="zh-TW" altLang="en-US" dirty="0" smtClean="0">
-                          <a:solidFill>
-                            <a:srgbClr val="FFFF00"/>
-                          </a:solidFill>
-                          <a:latin typeface="微軟正黑體" panose="020B0604030504040204" pitchFamily="34" charset="-120"/>
-                          <a:ea typeface="微軟正黑體" panose="020B0604030504040204" pitchFamily="34" charset="-120"/>
-                        </a:rPr>
-                        <a:t>功能情境說明</a:t>
-                      </a:r>
-                      <a:r>
-                        <a:rPr lang="en-US" altLang="zh-TW" dirty="0" smtClean="0">
-                          <a:solidFill>
-                            <a:srgbClr val="FFFF00"/>
-                          </a:solidFill>
-                          <a:latin typeface="微軟正黑體" panose="020B0604030504040204" pitchFamily="34" charset="-120"/>
-                          <a:ea typeface="微軟正黑體" panose="020B0604030504040204" pitchFamily="34" charset="-120"/>
-                        </a:rPr>
-                        <a:t>word</a:t>
-                      </a:r>
+                      <a:endParaRPr lang="zh-TW" altLang="en-US" dirty="0"/>
                     </a:p>
                   </a:txBody>
                   <a:tcPr/>
@@ -5780,7 +5824,7 @@
                   </a:txBody>
                   <a:tcPr/>
                 </a:tc>
-                <a:tc>
+                <a:tc gridSpan="2">
                   <a:txBody>
                     <a:bodyPr/>
                     <a:lstStyle/>
@@ -5793,7 +5837,17 @@
                           <a:latin typeface="微軟正黑體" panose="020B0604030504040204" pitchFamily="34" charset="-120"/>
                           <a:ea typeface="微軟正黑體" panose="020B0604030504040204" pitchFamily="34" charset="-120"/>
                         </a:rPr>
-                        <a:t>模型與後端串接研究</a:t>
+                        <a:t>模型與後端串接</a:t>
+                      </a:r>
+                      <a:r>
+                        <a:rPr lang="zh-TW" altLang="en-US" dirty="0" smtClean="0">
+                          <a:solidFill>
+                            <a:srgbClr val="FFFF00"/>
+                          </a:solidFill>
+                          <a:latin typeface="微軟正黑體" panose="020B0604030504040204" pitchFamily="34" charset="-120"/>
+                          <a:ea typeface="微軟正黑體" panose="020B0604030504040204" pitchFamily="34" charset="-120"/>
+                        </a:rPr>
+                        <a:t>研究</a:t>
                       </a:r>
                       <a:endParaRPr lang="en-US" altLang="zh-TW" dirty="0" smtClean="0">
                         <a:solidFill>
@@ -5839,7 +5893,7 @@
                           <a:latin typeface="微軟正黑體" panose="020B0604030504040204" pitchFamily="34" charset="-120"/>
                           <a:ea typeface="微軟正黑體" panose="020B0604030504040204" pitchFamily="34" charset="-120"/>
                         </a:rPr>
-                        <a:t>待開會確定</a:t>
+                        <a:t>登入功能與資料庫串接</a:t>
                       </a:r>
                       <a:r>
                         <a:rPr lang="en-US" altLang="zh-TW" dirty="0" smtClean="0">
@@ -5862,116 +5916,7 @@
                   </a:txBody>
                   <a:tcPr/>
                 </a:tc>
-                <a:tc>
-                  <a:txBody>
-                    <a:bodyPr/>
-                    <a:lstStyle/>
-                    <a:p>
-                      <a:endParaRPr lang="zh-TW" altLang="en-US" dirty="0">
-                        <a:latin typeface="微軟正黑體" panose="020B0604030504040204" pitchFamily="34" charset="-120"/>
-                        <a:ea typeface="微軟正黑體" panose="020B0604030504040204" pitchFamily="34" charset="-120"/>
-                      </a:endParaRPr>
-                    </a:p>
-                  </a:txBody>
-                  <a:tcPr/>
-                </a:tc>
-                <a:tc>
-                  <a:txBody>
-                    <a:bodyPr/>
-                    <a:lstStyle/>
-                    <a:p>
-                      <a:endParaRPr lang="zh-TW" altLang="en-US" dirty="0">
-                        <a:latin typeface="微軟正黑體" panose="020B0604030504040204" pitchFamily="34" charset="-120"/>
-                        <a:ea typeface="微軟正黑體" panose="020B0604030504040204" pitchFamily="34" charset="-120"/>
-                      </a:endParaRPr>
-                    </a:p>
-                  </a:txBody>
-                  <a:tcPr/>
-                </a:tc>
-                <a:extLst>
-                  <a:ext uri="{0D108BD9-81ED-4DB2-BD59-A6C34878D82A}">
-                    <a16:rowId xmlns:a16="http://schemas.microsoft.com/office/drawing/2014/main" val="537463078"/>
-                  </a:ext>
-                </a:extLst>
-              </a:tr>
-              <a:tr h="637474">
-                <a:tc>
-                  <a:txBody>
-                    <a:bodyPr/>
-                    <a:lstStyle/>
-                    <a:p>
-                      <a:r>
-                        <a:rPr lang="zh-TW" altLang="en-US" dirty="0" smtClean="0">
-                          <a:latin typeface="微軟正黑體" panose="020B0604030504040204" pitchFamily="34" charset="-120"/>
-                          <a:ea typeface="微軟正黑體" panose="020B0604030504040204" pitchFamily="34" charset="-120"/>
-                        </a:rPr>
-                        <a:t>第三週</a:t>
-                      </a:r>
-                      <a:endParaRPr lang="zh-TW" altLang="en-US" dirty="0">
-                        <a:latin typeface="微軟正黑體" panose="020B0604030504040204" pitchFamily="34" charset="-120"/>
-                        <a:ea typeface="微軟正黑體" panose="020B0604030504040204" pitchFamily="34" charset="-120"/>
-                      </a:endParaRPr>
-                    </a:p>
-                  </a:txBody>
-                  <a:tcPr/>
-                </a:tc>
-                <a:tc>
-                  <a:txBody>
-                    <a:bodyPr/>
-                    <a:lstStyle/>
-                    <a:p>
-                      <a:pPr algn="dist"/>
-                      <a:r>
-                        <a:rPr lang="en-US" altLang="zh-TW" dirty="0" smtClean="0">
-                          <a:latin typeface="微軟正黑體" panose="020B0604030504040204" pitchFamily="34" charset="-120"/>
-                          <a:ea typeface="微軟正黑體" panose="020B0604030504040204" pitchFamily="34" charset="-120"/>
-                        </a:rPr>
-                        <a:t>3/27(</a:t>
-                      </a:r>
-                      <a:r>
-                        <a:rPr lang="zh-TW" altLang="en-US" dirty="0" smtClean="0">
-                          <a:latin typeface="微軟正黑體" panose="020B0604030504040204" pitchFamily="34" charset="-120"/>
-                          <a:ea typeface="微軟正黑體" panose="020B0604030504040204" pitchFamily="34" charset="-120"/>
-                        </a:rPr>
-                        <a:t>四</a:t>
-                      </a:r>
-                      <a:r>
-                        <a:rPr lang="en-US" altLang="zh-TW" dirty="0" smtClean="0">
-                          <a:latin typeface="微軟正黑體" panose="020B0604030504040204" pitchFamily="34" charset="-120"/>
-                          <a:ea typeface="微軟正黑體" panose="020B0604030504040204" pitchFamily="34" charset="-120"/>
-                        </a:rPr>
-                        <a:t>)</a:t>
-                      </a:r>
-                      <a:r>
-                        <a:rPr lang="en-US" altLang="zh-TW" baseline="0" dirty="0" smtClean="0">
-                          <a:latin typeface="微軟正黑體" panose="020B0604030504040204" pitchFamily="34" charset="-120"/>
-                          <a:ea typeface="微軟正黑體" panose="020B0604030504040204" pitchFamily="34" charset="-120"/>
-                        </a:rPr>
-                        <a:t> – 4/2(</a:t>
-                      </a:r>
-                      <a:r>
-                        <a:rPr lang="zh-TW" altLang="en-US" baseline="0" dirty="0" smtClean="0">
-                          <a:latin typeface="微軟正黑體" panose="020B0604030504040204" pitchFamily="34" charset="-120"/>
-                          <a:ea typeface="微軟正黑體" panose="020B0604030504040204" pitchFamily="34" charset="-120"/>
-                        </a:rPr>
-                        <a:t>三</a:t>
-                      </a:r>
-                      <a:r>
-                        <a:rPr lang="en-US" altLang="zh-TW" baseline="0" dirty="0" smtClean="0">
-                          <a:latin typeface="微軟正黑體" panose="020B0604030504040204" pitchFamily="34" charset="-120"/>
-                          <a:ea typeface="微軟正黑體" panose="020B0604030504040204" pitchFamily="34" charset="-120"/>
-                        </a:rPr>
-                        <a:t>)</a:t>
-                      </a:r>
-                      <a:endParaRPr lang="zh-TW" altLang="en-US" dirty="0">
-                        <a:latin typeface="微軟正黑體" panose="020B0604030504040204" pitchFamily="34" charset="-120"/>
-                        <a:ea typeface="微軟正黑體" panose="020B0604030504040204" pitchFamily="34" charset="-120"/>
-                      </a:endParaRPr>
-                    </a:p>
-                  </a:txBody>
-                  <a:tcPr/>
-                </a:tc>
-                <a:tc>
+                <a:tc hMerge="1">
                   <a:txBody>
                     <a:bodyPr/>
                     <a:lstStyle/>
@@ -6014,16 +5959,135 @@
                           <a:latin typeface="微軟正黑體" panose="020B0604030504040204" pitchFamily="34" charset="-120"/>
                           <a:ea typeface="微軟正黑體" panose="020B0604030504040204" pitchFamily="34" charset="-120"/>
                         </a:rPr>
-                        <a:t>模型與後端串接</a:t>
-                      </a:r>
-                      <a:endParaRPr lang="en-US" altLang="zh-TW" dirty="0" smtClean="0">
-                        <a:solidFill>
-                          <a:srgbClr val="FFFF00"/>
-                        </a:solidFill>
+                        <a:t>功能情境說明</a:t>
+                      </a:r>
+                      <a:r>
+                        <a:rPr lang="en-US" altLang="zh-TW" dirty="0" smtClean="0">
+                          <a:solidFill>
+                            <a:srgbClr val="FFFF00"/>
+                          </a:solidFill>
+                          <a:latin typeface="微軟正黑體" panose="020B0604030504040204" pitchFamily="34" charset="-120"/>
+                          <a:ea typeface="微軟正黑體" panose="020B0604030504040204" pitchFamily="34" charset="-120"/>
+                        </a:rPr>
+                        <a:t>word</a:t>
+                      </a:r>
+                    </a:p>
+                  </a:txBody>
+                  <a:tcPr/>
+                </a:tc>
+                <a:tc>
+                  <a:txBody>
+                    <a:bodyPr/>
+                    <a:lstStyle/>
+                    <a:p>
+                      <a:endParaRPr lang="zh-TW" altLang="en-US" dirty="0">
                         <a:latin typeface="微軟正黑體" panose="020B0604030504040204" pitchFamily="34" charset="-120"/>
                         <a:ea typeface="微軟正黑體" panose="020B0604030504040204" pitchFamily="34" charset="-120"/>
                       </a:endParaRPr>
                     </a:p>
+                  </a:txBody>
+                  <a:tcPr/>
+                </a:tc>
+                <a:extLst>
+                  <a:ext uri="{0D108BD9-81ED-4DB2-BD59-A6C34878D82A}">
+                    <a16:rowId xmlns:a16="http://schemas.microsoft.com/office/drawing/2014/main" val="537463078"/>
+                  </a:ext>
+                </a:extLst>
+              </a:tr>
+              <a:tr h="637474">
+                <a:tc>
+                  <a:txBody>
+                    <a:bodyPr/>
+                    <a:lstStyle/>
+                    <a:p>
+                      <a:r>
+                        <a:rPr lang="zh-TW" altLang="en-US" dirty="0" smtClean="0">
+                          <a:latin typeface="微軟正黑體" panose="020B0604030504040204" pitchFamily="34" charset="-120"/>
+                          <a:ea typeface="微軟正黑體" panose="020B0604030504040204" pitchFamily="34" charset="-120"/>
+                        </a:rPr>
+                        <a:t>第三週</a:t>
+                      </a:r>
+                      <a:endParaRPr lang="zh-TW" altLang="en-US" dirty="0">
+                        <a:latin typeface="微軟正黑體" panose="020B0604030504040204" pitchFamily="34" charset="-120"/>
+                        <a:ea typeface="微軟正黑體" panose="020B0604030504040204" pitchFamily="34" charset="-120"/>
+                      </a:endParaRPr>
+                    </a:p>
+                  </a:txBody>
+                  <a:tcPr/>
+                </a:tc>
+                <a:tc>
+                  <a:txBody>
+                    <a:bodyPr/>
+                    <a:lstStyle/>
+                    <a:p>
+                      <a:pPr algn="dist"/>
+                      <a:r>
+                        <a:rPr lang="en-US" altLang="zh-TW" dirty="0" smtClean="0">
+                          <a:latin typeface="微軟正黑體" panose="020B0604030504040204" pitchFamily="34" charset="-120"/>
+                          <a:ea typeface="微軟正黑體" panose="020B0604030504040204" pitchFamily="34" charset="-120"/>
+                        </a:rPr>
+                        <a:t>3/27(</a:t>
+                      </a:r>
+                      <a:r>
+                        <a:rPr lang="zh-TW" altLang="en-US" dirty="0" smtClean="0">
+                          <a:latin typeface="微軟正黑體" panose="020B0604030504040204" pitchFamily="34" charset="-120"/>
+                          <a:ea typeface="微軟正黑體" panose="020B0604030504040204" pitchFamily="34" charset="-120"/>
+                        </a:rPr>
+                        <a:t>四</a:t>
+                      </a:r>
+                      <a:r>
+                        <a:rPr lang="en-US" altLang="zh-TW" dirty="0" smtClean="0">
+                          <a:latin typeface="微軟正黑體" panose="020B0604030504040204" pitchFamily="34" charset="-120"/>
+                          <a:ea typeface="微軟正黑體" panose="020B0604030504040204" pitchFamily="34" charset="-120"/>
+                        </a:rPr>
+                        <a:t>)</a:t>
+                      </a:r>
+                      <a:r>
+                        <a:rPr lang="en-US" altLang="zh-TW" baseline="0" dirty="0" smtClean="0">
+                          <a:latin typeface="微軟正黑體" panose="020B0604030504040204" pitchFamily="34" charset="-120"/>
+                          <a:ea typeface="微軟正黑體" panose="020B0604030504040204" pitchFamily="34" charset="-120"/>
+                        </a:rPr>
+                        <a:t> – 4/2(</a:t>
+                      </a:r>
+                      <a:r>
+                        <a:rPr lang="zh-TW" altLang="en-US" baseline="0" dirty="0" smtClean="0">
+                          <a:latin typeface="微軟正黑體" panose="020B0604030504040204" pitchFamily="34" charset="-120"/>
+                          <a:ea typeface="微軟正黑體" panose="020B0604030504040204" pitchFamily="34" charset="-120"/>
+                        </a:rPr>
+                        <a:t>三</a:t>
+                      </a:r>
+                      <a:r>
+                        <a:rPr lang="en-US" altLang="zh-TW" baseline="0" dirty="0" smtClean="0">
+                          <a:latin typeface="微軟正黑體" panose="020B0604030504040204" pitchFamily="34" charset="-120"/>
+                          <a:ea typeface="微軟正黑體" panose="020B0604030504040204" pitchFamily="34" charset="-120"/>
+                        </a:rPr>
+                        <a:t>)</a:t>
+                      </a:r>
+                      <a:endParaRPr lang="zh-TW" altLang="en-US" dirty="0">
+                        <a:latin typeface="微軟正黑體" panose="020B0604030504040204" pitchFamily="34" charset="-120"/>
+                        <a:ea typeface="微軟正黑體" panose="020B0604030504040204" pitchFamily="34" charset="-120"/>
+                      </a:endParaRPr>
+                    </a:p>
+                  </a:txBody>
+                  <a:tcPr/>
+                </a:tc>
+                <a:tc>
+                  <a:txBody>
+                    <a:bodyPr/>
+                    <a:lstStyle/>
+                    <a:p>
+                      <a:endParaRPr lang="zh-TW" altLang="en-US" dirty="0">
+                        <a:latin typeface="微軟正黑體" panose="020B0604030504040204" pitchFamily="34" charset="-120"/>
+                        <a:ea typeface="微軟正黑體" panose="020B0604030504040204" pitchFamily="34" charset="-120"/>
+                      </a:endParaRPr>
+                    </a:p>
+                  </a:txBody>
+                  <a:tcPr/>
+                </a:tc>
+                <a:tc gridSpan="2">
+                  <a:txBody>
+                    <a:bodyPr/>
+                    <a:lstStyle/>
                     <a:p>
                       <a:pPr marL="0" marR="0" lvl="0" indent="0" algn="l" defTabSz="914400" rtl="0" eaLnBrk="1" fontAlgn="auto" latinLnBrk="0" hangingPunct="1">
                         <a:lnSpc>
@@ -6043,50 +6107,23 @@
                         <a:defRPr/>
                       </a:pPr>
                       <a:r>
-                        <a:rPr lang="en-US" altLang="zh-TW" dirty="0" smtClean="0">
-                          <a:solidFill>
-                            <a:srgbClr val="00B0F0"/>
-                          </a:solidFill>
-                          <a:latin typeface="微軟正黑體" panose="020B0604030504040204" pitchFamily="34" charset="-120"/>
-                          <a:ea typeface="微軟正黑體" panose="020B0604030504040204" pitchFamily="34" charset="-120"/>
-                        </a:rPr>
-                        <a:t>API[</a:t>
-                      </a:r>
-                      <a:r>
                         <a:rPr lang="zh-TW" altLang="en-US" dirty="0" smtClean="0">
                           <a:solidFill>
-                            <a:srgbClr val="00B0F0"/>
+                            <a:srgbClr val="FFFF00"/>
                           </a:solidFill>
                           <a:latin typeface="微軟正黑體" panose="020B0604030504040204" pitchFamily="34" charset="-120"/>
                           <a:ea typeface="微軟正黑體" panose="020B0604030504040204" pitchFamily="34" charset="-120"/>
                         </a:rPr>
-                        <a:t>待開會確定</a:t>
-                      </a:r>
-                      <a:r>
-                        <a:rPr lang="en-US" altLang="zh-TW" dirty="0" smtClean="0">
-                          <a:solidFill>
-                            <a:srgbClr val="00B0F0"/>
-                          </a:solidFill>
-                          <a:latin typeface="微軟正黑體" panose="020B0604030504040204" pitchFamily="34" charset="-120"/>
-                          <a:ea typeface="微軟正黑體" panose="020B0604030504040204" pitchFamily="34" charset="-120"/>
-                        </a:rPr>
-                        <a:t>]</a:t>
-                      </a:r>
-                      <a:endParaRPr lang="zh-TW" altLang="en-US" dirty="0" smtClean="0">
+                        <a:t>模型與後端串接</a:t>
+                      </a:r>
+                      <a:endParaRPr lang="en-US" altLang="zh-TW" dirty="0" smtClean="0">
                         <a:solidFill>
-                          <a:srgbClr val="00B0F0"/>
+                          <a:srgbClr val="FFFF00"/>
                         </a:solidFill>
                         <a:latin typeface="微軟正黑體" panose="020B0604030504040204" pitchFamily="34" charset="-120"/>
                         <a:ea typeface="微軟正黑體" panose="020B0604030504040204" pitchFamily="34" charset="-120"/>
                       </a:endParaRPr>
                     </a:p>
-                  </a:txBody>
-                  <a:tcPr/>
-                </a:tc>
-                <a:tc>
-                  <a:txBody>
-                    <a:bodyPr/>
-                    <a:lstStyle/>
                     <a:p>
                       <a:pPr marL="0" marR="0" lvl="0" indent="0" algn="l" defTabSz="914400" rtl="0" eaLnBrk="1" fontAlgn="auto" latinLnBrk="0" hangingPunct="1">
                         <a:lnSpc>
@@ -6106,28 +6143,38 @@
                         <a:defRPr/>
                       </a:pPr>
                       <a:r>
+                        <a:rPr lang="en-US" altLang="zh-TW" dirty="0" smtClean="0">
+                          <a:solidFill>
+                            <a:srgbClr val="00B0F0"/>
+                          </a:solidFill>
+                          <a:latin typeface="微軟正黑體" panose="020B0604030504040204" pitchFamily="34" charset="-120"/>
+                          <a:ea typeface="微軟正黑體" panose="020B0604030504040204" pitchFamily="34" charset="-120"/>
+                        </a:rPr>
+                        <a:t>API[</a:t>
+                      </a:r>
+                      <a:r>
                         <a:rPr lang="zh-TW" altLang="en-US" dirty="0" smtClean="0">
                           <a:solidFill>
-                            <a:srgbClr val="92D050"/>
+                            <a:srgbClr val="00B0F0"/>
                           </a:solidFill>
                           <a:latin typeface="微軟正黑體" panose="020B0604030504040204" pitchFamily="34" charset="-120"/>
                           <a:ea typeface="微軟正黑體" panose="020B0604030504040204" pitchFamily="34" charset="-120"/>
                         </a:rPr>
-                        <a:t>實驗數據整理</a:t>
+                        <a:t>圖片相關</a:t>
                       </a:r>
                       <a:r>
                         <a:rPr lang="en-US" altLang="zh-TW" dirty="0" smtClean="0">
                           <a:solidFill>
-                            <a:srgbClr val="92D050"/>
+                            <a:srgbClr val="00B0F0"/>
                           </a:solidFill>
                           <a:latin typeface="微軟正黑體" panose="020B0604030504040204" pitchFamily="34" charset="-120"/>
                           <a:ea typeface="微軟正黑體" panose="020B0604030504040204" pitchFamily="34" charset="-120"/>
                         </a:rPr>
-                        <a:t>PPT</a:t>
+                        <a:t>]</a:t>
                       </a:r>
                       <a:endParaRPr lang="zh-TW" altLang="en-US" dirty="0" smtClean="0">
                         <a:solidFill>
-                          <a:srgbClr val="92D050"/>
+                          <a:srgbClr val="00B0F0"/>
                         </a:solidFill>
                         <a:latin typeface="微軟正黑體" panose="020B0604030504040204" pitchFamily="34" charset="-120"/>
                         <a:ea typeface="微軟正黑體" panose="020B0604030504040204" pitchFamily="34" charset="-120"/>
@@ -6136,7 +6183,7 @@
                   </a:txBody>
                   <a:tcPr/>
                 </a:tc>
-                <a:tc>
+                <a:tc hMerge="1">
                   <a:txBody>
                     <a:bodyPr/>
                     <a:lstStyle/>
@@ -6158,17 +6205,7 @@
                         <a:tabLst/>
                         <a:defRPr/>
                       </a:pPr>
-                      <a:r>
-                        <a:rPr lang="zh-TW" altLang="en-US" dirty="0" smtClean="0">
-                          <a:solidFill>
-                            <a:srgbClr val="92D050"/>
-                          </a:solidFill>
-                          <a:latin typeface="微軟正黑體" panose="020B0604030504040204" pitchFamily="34" charset="-120"/>
-                          <a:ea typeface="微軟正黑體" panose="020B0604030504040204" pitchFamily="34" charset="-120"/>
-                        </a:rPr>
-                        <a:t>登入</a:t>
-                      </a:r>
-                      <a:endParaRPr lang="en-US" altLang="zh-TW" dirty="0" smtClean="0">
+                      <a:endParaRPr lang="zh-TW" altLang="en-US" dirty="0" smtClean="0">
                         <a:solidFill>
                           <a:srgbClr val="92D050"/>
                         </a:solidFill>
@@ -6176,6 +6213,13 @@
                         <a:ea typeface="微軟正黑體" panose="020B0604030504040204" pitchFamily="34" charset="-120"/>
                       </a:endParaRPr>
                     </a:p>
+                  </a:txBody>
+                  <a:tcPr/>
+                </a:tc>
+                <a:tc>
+                  <a:txBody>
+                    <a:bodyPr/>
+                    <a:lstStyle/>
                     <a:p>
                       <a:pPr marL="0" marR="0" lvl="0" indent="0" algn="l" defTabSz="914400" rtl="0" eaLnBrk="1" fontAlgn="auto" latinLnBrk="0" hangingPunct="1">
                         <a:lnSpc>
@@ -6202,408 +6246,19 @@
                           <a:latin typeface="微軟正黑體" panose="020B0604030504040204" pitchFamily="34" charset="-120"/>
                           <a:ea typeface="微軟正黑體" panose="020B0604030504040204" pitchFamily="34" charset="-120"/>
                         </a:rPr>
-                        <a:t>新增成員</a:t>
-                      </a:r>
-                      <a:endParaRPr lang="en-US" altLang="zh-TW" dirty="0" smtClean="0">
-                        <a:solidFill>
-                          <a:srgbClr val="92D050"/>
-                        </a:solidFill>
-                        <a:latin typeface="微軟正黑體" panose="020B0604030504040204" pitchFamily="34" charset="-120"/>
-                        <a:ea typeface="微軟正黑體" panose="020B0604030504040204" pitchFamily="34" charset="-120"/>
-                      </a:endParaRPr>
-                    </a:p>
-                  </a:txBody>
-                  <a:tcPr/>
-                </a:tc>
-                <a:extLst>
-                  <a:ext uri="{0D108BD9-81ED-4DB2-BD59-A6C34878D82A}">
-                    <a16:rowId xmlns:a16="http://schemas.microsoft.com/office/drawing/2014/main" val="3994093650"/>
-                  </a:ext>
-                </a:extLst>
-              </a:tr>
-              <a:tr h="364271">
-                <a:tc>
-                  <a:txBody>
-                    <a:bodyPr/>
-                    <a:lstStyle/>
-                    <a:p>
-                      <a:endParaRPr lang="zh-TW" altLang="en-US" dirty="0">
-                        <a:latin typeface="微軟正黑體" panose="020B0604030504040204" pitchFamily="34" charset="-120"/>
-                        <a:ea typeface="微軟正黑體" panose="020B0604030504040204" pitchFamily="34" charset="-120"/>
-                      </a:endParaRPr>
-                    </a:p>
-                  </a:txBody>
-                  <a:tcPr/>
-                </a:tc>
-                <a:tc>
-                  <a:txBody>
-                    <a:bodyPr/>
-                    <a:lstStyle/>
-                    <a:p>
-                      <a:pPr algn="dist"/>
-                      <a:r>
-                        <a:rPr lang="en-US" altLang="zh-TW" dirty="0" smtClean="0">
-                          <a:latin typeface="微軟正黑體" panose="020B0604030504040204" pitchFamily="34" charset="-120"/>
-                          <a:ea typeface="微軟正黑體" panose="020B0604030504040204" pitchFamily="34" charset="-120"/>
-                        </a:rPr>
-                        <a:t>4/3(</a:t>
-                      </a:r>
-                      <a:r>
-                        <a:rPr lang="zh-TW" altLang="en-US" dirty="0" smtClean="0">
-                          <a:latin typeface="微軟正黑體" panose="020B0604030504040204" pitchFamily="34" charset="-120"/>
-                          <a:ea typeface="微軟正黑體" panose="020B0604030504040204" pitchFamily="34" charset="-120"/>
-                        </a:rPr>
-                        <a:t>四</a:t>
-                      </a:r>
-                      <a:r>
-                        <a:rPr lang="en-US" altLang="zh-TW" dirty="0" smtClean="0">
-                          <a:latin typeface="微軟正黑體" panose="020B0604030504040204" pitchFamily="34" charset="-120"/>
-                          <a:ea typeface="微軟正黑體" panose="020B0604030504040204" pitchFamily="34" charset="-120"/>
-                        </a:rPr>
-                        <a:t>)</a:t>
-                      </a:r>
-                      <a:r>
-                        <a:rPr lang="en-US" altLang="zh-TW" baseline="0" dirty="0" smtClean="0">
-                          <a:latin typeface="微軟正黑體" panose="020B0604030504040204" pitchFamily="34" charset="-120"/>
-                          <a:ea typeface="微軟正黑體" panose="020B0604030504040204" pitchFamily="34" charset="-120"/>
-                        </a:rPr>
-                        <a:t> – 4/9(</a:t>
-                      </a:r>
-                      <a:r>
-                        <a:rPr lang="zh-TW" altLang="en-US" baseline="0" dirty="0" smtClean="0">
-                          <a:latin typeface="微軟正黑體" panose="020B0604030504040204" pitchFamily="34" charset="-120"/>
-                          <a:ea typeface="微軟正黑體" panose="020B0604030504040204" pitchFamily="34" charset="-120"/>
-                        </a:rPr>
-                        <a:t>三</a:t>
-                      </a:r>
-                      <a:r>
-                        <a:rPr lang="en-US" altLang="zh-TW" baseline="0" dirty="0" smtClean="0">
-                          <a:latin typeface="微軟正黑體" panose="020B0604030504040204" pitchFamily="34" charset="-120"/>
-                          <a:ea typeface="微軟正黑體" panose="020B0604030504040204" pitchFamily="34" charset="-120"/>
-                        </a:rPr>
-                        <a:t>)</a:t>
-                      </a:r>
-                      <a:endParaRPr lang="zh-TW" altLang="en-US" dirty="0">
-                        <a:latin typeface="微軟正黑體" panose="020B0604030504040204" pitchFamily="34" charset="-120"/>
-                        <a:ea typeface="微軟正黑體" panose="020B0604030504040204" pitchFamily="34" charset="-120"/>
-                      </a:endParaRPr>
-                    </a:p>
-                  </a:txBody>
-                  <a:tcPr/>
-                </a:tc>
-                <a:tc gridSpan="4">
-                  <a:txBody>
-                    <a:bodyPr/>
-                    <a:lstStyle/>
-                    <a:p>
-                      <a:pPr algn="ctr"/>
-                      <a:r>
-                        <a:rPr lang="zh-TW" altLang="en-US" dirty="0" smtClean="0">
-                          <a:latin typeface="微軟正黑體" panose="020B0604030504040204" pitchFamily="34" charset="-120"/>
-                          <a:ea typeface="微軟正黑體" panose="020B0604030504040204" pitchFamily="34" charset="-120"/>
-                        </a:rPr>
-                        <a:t>段考準備</a:t>
-                      </a:r>
-                      <a:endParaRPr lang="zh-TW" altLang="en-US" dirty="0">
-                        <a:latin typeface="微軟正黑體" panose="020B0604030504040204" pitchFamily="34" charset="-120"/>
-                        <a:ea typeface="微軟正黑體" panose="020B0604030504040204" pitchFamily="34" charset="-120"/>
-                      </a:endParaRPr>
-                    </a:p>
-                  </a:txBody>
-                  <a:tcPr/>
-                </a:tc>
-                <a:tc hMerge="1">
-                  <a:txBody>
-                    <a:bodyPr/>
-                    <a:lstStyle/>
-                    <a:p>
-                      <a:endParaRPr lang="zh-TW" altLang="en-US" dirty="0">
-                        <a:latin typeface="微軟正黑體" panose="020B0604030504040204" pitchFamily="34" charset="-120"/>
-                        <a:ea typeface="微軟正黑體" panose="020B0604030504040204" pitchFamily="34" charset="-120"/>
-                      </a:endParaRPr>
-                    </a:p>
-                  </a:txBody>
-                  <a:tcPr/>
-                </a:tc>
-                <a:tc hMerge="1">
-                  <a:txBody>
-                    <a:bodyPr/>
-                    <a:lstStyle/>
-                    <a:p>
-                      <a:endParaRPr lang="zh-TW" altLang="en-US" dirty="0">
-                        <a:latin typeface="微軟正黑體" panose="020B0604030504040204" pitchFamily="34" charset="-120"/>
-                        <a:ea typeface="微軟正黑體" panose="020B0604030504040204" pitchFamily="34" charset="-120"/>
-                      </a:endParaRPr>
-                    </a:p>
-                  </a:txBody>
-                  <a:tcPr/>
-                </a:tc>
-                <a:tc hMerge="1">
-                  <a:txBody>
-                    <a:bodyPr/>
-                    <a:lstStyle/>
-                    <a:p>
-                      <a:endParaRPr lang="zh-TW" altLang="en-US" dirty="0">
-                        <a:latin typeface="微軟正黑體" panose="020B0604030504040204" pitchFamily="34" charset="-120"/>
-                        <a:ea typeface="微軟正黑體" panose="020B0604030504040204" pitchFamily="34" charset="-120"/>
-                      </a:endParaRPr>
-                    </a:p>
-                  </a:txBody>
-                  <a:tcPr/>
-                </a:tc>
-                <a:extLst>
-                  <a:ext uri="{0D108BD9-81ED-4DB2-BD59-A6C34878D82A}">
-                    <a16:rowId xmlns:a16="http://schemas.microsoft.com/office/drawing/2014/main" val="1204810687"/>
-                  </a:ext>
-                </a:extLst>
-              </a:tr>
-              <a:tr h="364271">
-                <a:tc>
-                  <a:txBody>
-                    <a:bodyPr/>
-                    <a:lstStyle/>
-                    <a:p>
-                      <a:endParaRPr lang="zh-TW" altLang="en-US" dirty="0">
-                        <a:latin typeface="微軟正黑體" panose="020B0604030504040204" pitchFamily="34" charset="-120"/>
-                        <a:ea typeface="微軟正黑體" panose="020B0604030504040204" pitchFamily="34" charset="-120"/>
-                      </a:endParaRPr>
-                    </a:p>
-                  </a:txBody>
-                  <a:tcPr/>
-                </a:tc>
-                <a:tc>
-                  <a:txBody>
-                    <a:bodyPr/>
-                    <a:lstStyle/>
-                    <a:p>
-                      <a:pPr algn="dist"/>
-                      <a:r>
-                        <a:rPr lang="en-US" altLang="zh-TW" dirty="0" smtClean="0">
-                          <a:latin typeface="微軟正黑體" panose="020B0604030504040204" pitchFamily="34" charset="-120"/>
-                          <a:ea typeface="微軟正黑體" panose="020B0604030504040204" pitchFamily="34" charset="-120"/>
-                        </a:rPr>
-                        <a:t>4/10(</a:t>
-                      </a:r>
-                      <a:r>
-                        <a:rPr lang="zh-TW" altLang="en-US" dirty="0" smtClean="0">
-                          <a:latin typeface="微軟正黑體" panose="020B0604030504040204" pitchFamily="34" charset="-120"/>
-                          <a:ea typeface="微軟正黑體" panose="020B0604030504040204" pitchFamily="34" charset="-120"/>
-                        </a:rPr>
-                        <a:t>四</a:t>
-                      </a:r>
-                      <a:r>
-                        <a:rPr lang="en-US" altLang="zh-TW" dirty="0" smtClean="0">
-                          <a:latin typeface="微軟正黑體" panose="020B0604030504040204" pitchFamily="34" charset="-120"/>
-                          <a:ea typeface="微軟正黑體" panose="020B0604030504040204" pitchFamily="34" charset="-120"/>
-                        </a:rPr>
-                        <a:t>)</a:t>
-                      </a:r>
-                      <a:r>
-                        <a:rPr lang="en-US" altLang="zh-TW" baseline="0" dirty="0" smtClean="0">
-                          <a:latin typeface="微軟正黑體" panose="020B0604030504040204" pitchFamily="34" charset="-120"/>
-                          <a:ea typeface="微軟正黑體" panose="020B0604030504040204" pitchFamily="34" charset="-120"/>
-                        </a:rPr>
-                        <a:t> – </a:t>
-                      </a:r>
-                      <a:r>
-                        <a:rPr lang="en-US" altLang="zh-TW" baseline="0" dirty="0" smtClean="0">
-                          <a:solidFill>
-                            <a:srgbClr val="FF0000"/>
-                          </a:solidFill>
-                          <a:latin typeface="微軟正黑體" panose="020B0604030504040204" pitchFamily="34" charset="-120"/>
-                          <a:ea typeface="微軟正黑體" panose="020B0604030504040204" pitchFamily="34" charset="-120"/>
-                        </a:rPr>
-                        <a:t>4/17(</a:t>
-                      </a:r>
-                      <a:r>
-                        <a:rPr lang="zh-TW" altLang="en-US" baseline="0" dirty="0" smtClean="0">
-                          <a:solidFill>
-                            <a:srgbClr val="FF0000"/>
-                          </a:solidFill>
-                          <a:latin typeface="微軟正黑體" panose="020B0604030504040204" pitchFamily="34" charset="-120"/>
-                          <a:ea typeface="微軟正黑體" panose="020B0604030504040204" pitchFamily="34" charset="-120"/>
-                        </a:rPr>
-                        <a:t>四</a:t>
-                      </a:r>
-                      <a:r>
-                        <a:rPr lang="en-US" altLang="zh-TW" baseline="0" dirty="0" smtClean="0">
-                          <a:solidFill>
-                            <a:srgbClr val="FF0000"/>
-                          </a:solidFill>
-                          <a:latin typeface="微軟正黑體" panose="020B0604030504040204" pitchFamily="34" charset="-120"/>
-                          <a:ea typeface="微軟正黑體" panose="020B0604030504040204" pitchFamily="34" charset="-120"/>
-                        </a:rPr>
-                        <a:t>)</a:t>
-                      </a:r>
-                      <a:endParaRPr lang="zh-TW" altLang="en-US" dirty="0">
-                        <a:solidFill>
-                          <a:srgbClr val="FF0000"/>
-                        </a:solidFill>
-                        <a:latin typeface="微軟正黑體" panose="020B0604030504040204" pitchFamily="34" charset="-120"/>
-                        <a:ea typeface="微軟正黑體" panose="020B0604030504040204" pitchFamily="34" charset="-120"/>
-                      </a:endParaRPr>
-                    </a:p>
-                  </a:txBody>
-                  <a:tcPr/>
-                </a:tc>
-                <a:tc gridSpan="4">
-                  <a:txBody>
-                    <a:bodyPr/>
-                    <a:lstStyle/>
-                    <a:p>
-                      <a:pPr algn="ctr"/>
-                      <a:r>
-                        <a:rPr lang="zh-TW" altLang="en-US" dirty="0" smtClean="0">
-                          <a:latin typeface="微軟正黑體" panose="020B0604030504040204" pitchFamily="34" charset="-120"/>
-                          <a:ea typeface="微軟正黑體" panose="020B0604030504040204" pitchFamily="34" charset="-120"/>
-                        </a:rPr>
-                        <a:t>段考週</a:t>
-                      </a:r>
-                      <a:endParaRPr lang="zh-TW" altLang="en-US" dirty="0">
-                        <a:latin typeface="微軟正黑體" panose="020B0604030504040204" pitchFamily="34" charset="-120"/>
-                        <a:ea typeface="微軟正黑體" panose="020B0604030504040204" pitchFamily="34" charset="-120"/>
-                      </a:endParaRPr>
-                    </a:p>
-                  </a:txBody>
-                  <a:tcPr/>
-                </a:tc>
-                <a:tc hMerge="1">
-                  <a:txBody>
-                    <a:bodyPr/>
-                    <a:lstStyle/>
-                    <a:p>
-                      <a:endParaRPr lang="zh-TW" altLang="en-US" dirty="0">
-                        <a:latin typeface="微軟正黑體" panose="020B0604030504040204" pitchFamily="34" charset="-120"/>
-                        <a:ea typeface="微軟正黑體" panose="020B0604030504040204" pitchFamily="34" charset="-120"/>
-                      </a:endParaRPr>
-                    </a:p>
-                  </a:txBody>
-                  <a:tcPr/>
-                </a:tc>
-                <a:tc hMerge="1">
-                  <a:txBody>
-                    <a:bodyPr/>
-                    <a:lstStyle/>
-                    <a:p>
-                      <a:endParaRPr lang="zh-TW" altLang="en-US" dirty="0">
-                        <a:latin typeface="微軟正黑體" panose="020B0604030504040204" pitchFamily="34" charset="-120"/>
-                        <a:ea typeface="微軟正黑體" panose="020B0604030504040204" pitchFamily="34" charset="-120"/>
-                      </a:endParaRPr>
-                    </a:p>
-                  </a:txBody>
-                  <a:tcPr/>
-                </a:tc>
-                <a:tc hMerge="1">
-                  <a:txBody>
-                    <a:bodyPr/>
-                    <a:lstStyle/>
-                    <a:p>
-                      <a:endParaRPr lang="zh-TW" altLang="en-US" dirty="0">
-                        <a:latin typeface="微軟正黑體" panose="020B0604030504040204" pitchFamily="34" charset="-120"/>
-                        <a:ea typeface="微軟正黑體" panose="020B0604030504040204" pitchFamily="34" charset="-120"/>
-                      </a:endParaRPr>
-                    </a:p>
-                  </a:txBody>
-                  <a:tcPr/>
-                </a:tc>
-                <a:extLst>
-                  <a:ext uri="{0D108BD9-81ED-4DB2-BD59-A6C34878D82A}">
-                    <a16:rowId xmlns:a16="http://schemas.microsoft.com/office/drawing/2014/main" val="1109095354"/>
-                  </a:ext>
-                </a:extLst>
-              </a:tr>
-              <a:tr h="1183880">
-                <a:tc>
-                  <a:txBody>
-                    <a:bodyPr/>
-                    <a:lstStyle/>
-                    <a:p>
-                      <a:r>
-                        <a:rPr lang="zh-TW" altLang="en-US" dirty="0" smtClean="0">
-                          <a:latin typeface="微軟正黑體" panose="020B0604030504040204" pitchFamily="34" charset="-120"/>
-                          <a:ea typeface="微軟正黑體" panose="020B0604030504040204" pitchFamily="34" charset="-120"/>
-                        </a:rPr>
-                        <a:t>第四週</a:t>
-                      </a:r>
-                      <a:endParaRPr lang="zh-TW" altLang="en-US" dirty="0">
-                        <a:latin typeface="微軟正黑體" panose="020B0604030504040204" pitchFamily="34" charset="-120"/>
-                        <a:ea typeface="微軟正黑體" panose="020B0604030504040204" pitchFamily="34" charset="-120"/>
-                      </a:endParaRPr>
-                    </a:p>
-                  </a:txBody>
-                  <a:tcPr/>
-                </a:tc>
-                <a:tc>
-                  <a:txBody>
-                    <a:bodyPr/>
-                    <a:lstStyle/>
-                    <a:p>
-                      <a:pPr algn="dist"/>
+                        <a:t>實驗數據整理</a:t>
+                      </a:r>
                       <a:r>
                         <a:rPr lang="en-US" altLang="zh-TW" dirty="0" smtClean="0">
                           <a:solidFill>
-                            <a:srgbClr val="FF0000"/>
+                            <a:srgbClr val="92D050"/>
                           </a:solidFill>
                           <a:latin typeface="微軟正黑體" panose="020B0604030504040204" pitchFamily="34" charset="-120"/>
                           <a:ea typeface="微軟正黑體" panose="020B0604030504040204" pitchFamily="34" charset="-120"/>
                         </a:rPr>
-                        <a:t>4/18(</a:t>
-                      </a:r>
-                      <a:r>
-                        <a:rPr lang="zh-TW" altLang="en-US" dirty="0" smtClean="0">
-                          <a:solidFill>
-                            <a:srgbClr val="FF0000"/>
-                          </a:solidFill>
-                          <a:latin typeface="微軟正黑體" panose="020B0604030504040204" pitchFamily="34" charset="-120"/>
-                          <a:ea typeface="微軟正黑體" panose="020B0604030504040204" pitchFamily="34" charset="-120"/>
-                        </a:rPr>
-                        <a:t>五</a:t>
-                      </a:r>
-                      <a:r>
-                        <a:rPr lang="en-US" altLang="zh-TW" dirty="0" smtClean="0">
-                          <a:solidFill>
-                            <a:srgbClr val="FF0000"/>
-                          </a:solidFill>
-                          <a:latin typeface="微軟正黑體" panose="020B0604030504040204" pitchFamily="34" charset="-120"/>
-                          <a:ea typeface="微軟正黑體" panose="020B0604030504040204" pitchFamily="34" charset="-120"/>
-                        </a:rPr>
-                        <a:t>) </a:t>
-                      </a:r>
-                      <a:r>
-                        <a:rPr lang="en-US" altLang="zh-TW" dirty="0" smtClean="0">
-                          <a:latin typeface="微軟正黑體" panose="020B0604030504040204" pitchFamily="34" charset="-120"/>
-                          <a:ea typeface="微軟正黑體" panose="020B0604030504040204" pitchFamily="34" charset="-120"/>
-                        </a:rPr>
-                        <a:t>– 4/23(</a:t>
-                      </a:r>
-                      <a:r>
-                        <a:rPr lang="zh-TW" altLang="en-US" dirty="0" smtClean="0">
-                          <a:latin typeface="微軟正黑體" panose="020B0604030504040204" pitchFamily="34" charset="-120"/>
-                          <a:ea typeface="微軟正黑體" panose="020B0604030504040204" pitchFamily="34" charset="-120"/>
-                        </a:rPr>
-                        <a:t>三</a:t>
-                      </a:r>
-                      <a:r>
-                        <a:rPr lang="en-US" altLang="zh-TW" dirty="0" smtClean="0">
-                          <a:latin typeface="微軟正黑體" panose="020B0604030504040204" pitchFamily="34" charset="-120"/>
-                          <a:ea typeface="微軟正黑體" panose="020B0604030504040204" pitchFamily="34" charset="-120"/>
-                        </a:rPr>
-                        <a:t>)</a:t>
-                      </a:r>
-                      <a:endParaRPr lang="zh-TW" altLang="en-US" dirty="0">
-                        <a:latin typeface="微軟正黑體" panose="020B0604030504040204" pitchFamily="34" charset="-120"/>
-                        <a:ea typeface="微軟正黑體" panose="020B0604030504040204" pitchFamily="34" charset="-120"/>
-                      </a:endParaRPr>
-                    </a:p>
-                  </a:txBody>
-                  <a:tcPr/>
-                </a:tc>
-                <a:tc>
-                  <a:txBody>
-                    <a:bodyPr/>
-                    <a:lstStyle/>
-                    <a:p>
-                      <a:endParaRPr lang="zh-TW" altLang="en-US" dirty="0">
+                        <a:t>PPT</a:t>
+                      </a:r>
+                      <a:endParaRPr lang="zh-TW" altLang="en-US" dirty="0" smtClean="0">
                         <a:solidFill>
                           <a:srgbClr val="92D050"/>
                         </a:solidFill>
@@ -6639,16 +6294,16 @@
                       <a:r>
                         <a:rPr lang="zh-TW" altLang="en-US" dirty="0" smtClean="0">
                           <a:solidFill>
-                            <a:srgbClr val="FFFF00"/>
+                            <a:srgbClr val="92D050"/>
                           </a:solidFill>
                           <a:latin typeface="微軟正黑體" panose="020B0604030504040204" pitchFamily="34" charset="-120"/>
                           <a:ea typeface="微軟正黑體" panose="020B0604030504040204" pitchFamily="34" charset="-120"/>
                         </a:rPr>
-                        <a:t>模型與後端串接</a:t>
+                        <a:t>登入</a:t>
                       </a:r>
                       <a:endParaRPr lang="en-US" altLang="zh-TW" dirty="0" smtClean="0">
                         <a:solidFill>
-                          <a:srgbClr val="FFFF00"/>
+                          <a:srgbClr val="92D050"/>
                         </a:solidFill>
                         <a:latin typeface="微軟正黑體" panose="020B0604030504040204" pitchFamily="34" charset="-120"/>
                         <a:ea typeface="微軟正黑體" panose="020B0604030504040204" pitchFamily="34" charset="-120"/>
@@ -6673,6 +6328,504 @@
                         <a:defRPr/>
                       </a:pPr>
                       <a:r>
+                        <a:rPr lang="zh-TW" altLang="en-US" dirty="0" smtClean="0">
+                          <a:solidFill>
+                            <a:srgbClr val="92D050"/>
+                          </a:solidFill>
+                          <a:latin typeface="微軟正黑體" panose="020B0604030504040204" pitchFamily="34" charset="-120"/>
+                          <a:ea typeface="微軟正黑體" panose="020B0604030504040204" pitchFamily="34" charset="-120"/>
+                        </a:rPr>
+                        <a:t>新增成員</a:t>
+                      </a:r>
+                      <a:endParaRPr lang="en-US" altLang="zh-TW" dirty="0" smtClean="0">
+                        <a:solidFill>
+                          <a:srgbClr val="92D050"/>
+                        </a:solidFill>
+                        <a:latin typeface="微軟正黑體" panose="020B0604030504040204" pitchFamily="34" charset="-120"/>
+                        <a:ea typeface="微軟正黑體" panose="020B0604030504040204" pitchFamily="34" charset="-120"/>
+                      </a:endParaRPr>
+                    </a:p>
+                  </a:txBody>
+                  <a:tcPr/>
+                </a:tc>
+                <a:extLst>
+                  <a:ext uri="{0D108BD9-81ED-4DB2-BD59-A6C34878D82A}">
+                    <a16:rowId xmlns:a16="http://schemas.microsoft.com/office/drawing/2014/main" val="3994093650"/>
+                  </a:ext>
+                </a:extLst>
+              </a:tr>
+              <a:tr h="364271">
+                <a:tc>
+                  <a:txBody>
+                    <a:bodyPr/>
+                    <a:lstStyle/>
+                    <a:p>
+                      <a:endParaRPr lang="zh-TW" altLang="en-US" dirty="0">
+                        <a:latin typeface="微軟正黑體" panose="020B0604030504040204" pitchFamily="34" charset="-120"/>
+                        <a:ea typeface="微軟正黑體" panose="020B0604030504040204" pitchFamily="34" charset="-120"/>
+                      </a:endParaRPr>
+                    </a:p>
+                  </a:txBody>
+                  <a:tcPr/>
+                </a:tc>
+                <a:tc>
+                  <a:txBody>
+                    <a:bodyPr/>
+                    <a:lstStyle/>
+                    <a:p>
+                      <a:pPr algn="dist"/>
+                      <a:r>
+                        <a:rPr lang="en-US" altLang="zh-TW" dirty="0" smtClean="0">
+                          <a:latin typeface="微軟正黑體" panose="020B0604030504040204" pitchFamily="34" charset="-120"/>
+                          <a:ea typeface="微軟正黑體" panose="020B0604030504040204" pitchFamily="34" charset="-120"/>
+                        </a:rPr>
+                        <a:t>4/3(</a:t>
+                      </a:r>
+                      <a:r>
+                        <a:rPr lang="zh-TW" altLang="en-US" dirty="0" smtClean="0">
+                          <a:latin typeface="微軟正黑體" panose="020B0604030504040204" pitchFamily="34" charset="-120"/>
+                          <a:ea typeface="微軟正黑體" panose="020B0604030504040204" pitchFamily="34" charset="-120"/>
+                        </a:rPr>
+                        <a:t>四</a:t>
+                      </a:r>
+                      <a:r>
+                        <a:rPr lang="en-US" altLang="zh-TW" dirty="0" smtClean="0">
+                          <a:latin typeface="微軟正黑體" panose="020B0604030504040204" pitchFamily="34" charset="-120"/>
+                          <a:ea typeface="微軟正黑體" panose="020B0604030504040204" pitchFamily="34" charset="-120"/>
+                        </a:rPr>
+                        <a:t>)</a:t>
+                      </a:r>
+                      <a:r>
+                        <a:rPr lang="en-US" altLang="zh-TW" baseline="0" dirty="0" smtClean="0">
+                          <a:latin typeface="微軟正黑體" panose="020B0604030504040204" pitchFamily="34" charset="-120"/>
+                          <a:ea typeface="微軟正黑體" panose="020B0604030504040204" pitchFamily="34" charset="-120"/>
+                        </a:rPr>
+                        <a:t> – 4/9(</a:t>
+                      </a:r>
+                      <a:r>
+                        <a:rPr lang="zh-TW" altLang="en-US" baseline="0" dirty="0" smtClean="0">
+                          <a:latin typeface="微軟正黑體" panose="020B0604030504040204" pitchFamily="34" charset="-120"/>
+                          <a:ea typeface="微軟正黑體" panose="020B0604030504040204" pitchFamily="34" charset="-120"/>
+                        </a:rPr>
+                        <a:t>三</a:t>
+                      </a:r>
+                      <a:r>
+                        <a:rPr lang="en-US" altLang="zh-TW" baseline="0" dirty="0" smtClean="0">
+                          <a:latin typeface="微軟正黑體" panose="020B0604030504040204" pitchFamily="34" charset="-120"/>
+                          <a:ea typeface="微軟正黑體" panose="020B0604030504040204" pitchFamily="34" charset="-120"/>
+                        </a:rPr>
+                        <a:t>)</a:t>
+                      </a:r>
+                      <a:endParaRPr lang="zh-TW" altLang="en-US" dirty="0">
+                        <a:latin typeface="微軟正黑體" panose="020B0604030504040204" pitchFamily="34" charset="-120"/>
+                        <a:ea typeface="微軟正黑體" panose="020B0604030504040204" pitchFamily="34" charset="-120"/>
+                      </a:endParaRPr>
+                    </a:p>
+                  </a:txBody>
+                  <a:tcPr/>
+                </a:tc>
+                <a:tc gridSpan="5">
+                  <a:txBody>
+                    <a:bodyPr/>
+                    <a:lstStyle/>
+                    <a:p>
+                      <a:pPr algn="ctr"/>
+                      <a:r>
+                        <a:rPr lang="zh-TW" altLang="en-US" dirty="0" smtClean="0">
+                          <a:latin typeface="微軟正黑體" panose="020B0604030504040204" pitchFamily="34" charset="-120"/>
+                          <a:ea typeface="微軟正黑體" panose="020B0604030504040204" pitchFamily="34" charset="-120"/>
+                        </a:rPr>
+                        <a:t>段考準備</a:t>
+                      </a:r>
+                      <a:endParaRPr lang="zh-TW" altLang="en-US" dirty="0">
+                        <a:latin typeface="微軟正黑體" panose="020B0604030504040204" pitchFamily="34" charset="-120"/>
+                        <a:ea typeface="微軟正黑體" panose="020B0604030504040204" pitchFamily="34" charset="-120"/>
+                      </a:endParaRPr>
+                    </a:p>
+                  </a:txBody>
+                  <a:tcPr/>
+                </a:tc>
+                <a:tc hMerge="1">
+                  <a:txBody>
+                    <a:bodyPr/>
+                    <a:lstStyle/>
+                    <a:p>
+                      <a:endParaRPr lang="zh-TW" altLang="en-US" dirty="0">
+                        <a:latin typeface="微軟正黑體" panose="020B0604030504040204" pitchFamily="34" charset="-120"/>
+                        <a:ea typeface="微軟正黑體" panose="020B0604030504040204" pitchFamily="34" charset="-120"/>
+                      </a:endParaRPr>
+                    </a:p>
+                  </a:txBody>
+                  <a:tcPr/>
+                </a:tc>
+                <a:tc hMerge="1">
+                  <a:txBody>
+                    <a:bodyPr/>
+                    <a:lstStyle/>
+                    <a:p>
+                      <a:endParaRPr lang="zh-TW" altLang="en-US" dirty="0">
+                        <a:latin typeface="微軟正黑體" panose="020B0604030504040204" pitchFamily="34" charset="-120"/>
+                        <a:ea typeface="微軟正黑體" panose="020B0604030504040204" pitchFamily="34" charset="-120"/>
+                      </a:endParaRPr>
+                    </a:p>
+                  </a:txBody>
+                  <a:tcPr/>
+                </a:tc>
+                <a:tc hMerge="1">
+                  <a:txBody>
+                    <a:bodyPr/>
+                    <a:lstStyle/>
+                    <a:p>
+                      <a:endParaRPr lang="zh-TW" altLang="en-US"/>
+                    </a:p>
+                  </a:txBody>
+                  <a:tcPr/>
+                </a:tc>
+                <a:tc hMerge="1">
+                  <a:txBody>
+                    <a:bodyPr/>
+                    <a:lstStyle/>
+                    <a:p>
+                      <a:endParaRPr lang="zh-TW" altLang="en-US" dirty="0">
+                        <a:latin typeface="微軟正黑體" panose="020B0604030504040204" pitchFamily="34" charset="-120"/>
+                        <a:ea typeface="微軟正黑體" panose="020B0604030504040204" pitchFamily="34" charset="-120"/>
+                      </a:endParaRPr>
+                    </a:p>
+                  </a:txBody>
+                  <a:tcPr/>
+                </a:tc>
+                <a:extLst>
+                  <a:ext uri="{0D108BD9-81ED-4DB2-BD59-A6C34878D82A}">
+                    <a16:rowId xmlns:a16="http://schemas.microsoft.com/office/drawing/2014/main" val="1204810687"/>
+                  </a:ext>
+                </a:extLst>
+              </a:tr>
+              <a:tr h="364271">
+                <a:tc>
+                  <a:txBody>
+                    <a:bodyPr/>
+                    <a:lstStyle/>
+                    <a:p>
+                      <a:endParaRPr lang="zh-TW" altLang="en-US" dirty="0">
+                        <a:latin typeface="微軟正黑體" panose="020B0604030504040204" pitchFamily="34" charset="-120"/>
+                        <a:ea typeface="微軟正黑體" panose="020B0604030504040204" pitchFamily="34" charset="-120"/>
+                      </a:endParaRPr>
+                    </a:p>
+                  </a:txBody>
+                  <a:tcPr/>
+                </a:tc>
+                <a:tc>
+                  <a:txBody>
+                    <a:bodyPr/>
+                    <a:lstStyle/>
+                    <a:p>
+                      <a:pPr algn="dist"/>
+                      <a:r>
+                        <a:rPr lang="en-US" altLang="zh-TW" dirty="0" smtClean="0">
+                          <a:latin typeface="微軟正黑體" panose="020B0604030504040204" pitchFamily="34" charset="-120"/>
+                          <a:ea typeface="微軟正黑體" panose="020B0604030504040204" pitchFamily="34" charset="-120"/>
+                        </a:rPr>
+                        <a:t>4/10(</a:t>
+                      </a:r>
+                      <a:r>
+                        <a:rPr lang="zh-TW" altLang="en-US" dirty="0" smtClean="0">
+                          <a:latin typeface="微軟正黑體" panose="020B0604030504040204" pitchFamily="34" charset="-120"/>
+                          <a:ea typeface="微軟正黑體" panose="020B0604030504040204" pitchFamily="34" charset="-120"/>
+                        </a:rPr>
+                        <a:t>四</a:t>
+                      </a:r>
+                      <a:r>
+                        <a:rPr lang="en-US" altLang="zh-TW" dirty="0" smtClean="0">
+                          <a:latin typeface="微軟正黑體" panose="020B0604030504040204" pitchFamily="34" charset="-120"/>
+                          <a:ea typeface="微軟正黑體" panose="020B0604030504040204" pitchFamily="34" charset="-120"/>
+                        </a:rPr>
+                        <a:t>)</a:t>
+                      </a:r>
+                      <a:r>
+                        <a:rPr lang="en-US" altLang="zh-TW" baseline="0" dirty="0" smtClean="0">
+                          <a:latin typeface="微軟正黑體" panose="020B0604030504040204" pitchFamily="34" charset="-120"/>
+                          <a:ea typeface="微軟正黑體" panose="020B0604030504040204" pitchFamily="34" charset="-120"/>
+                        </a:rPr>
+                        <a:t> – </a:t>
+                      </a:r>
+                      <a:r>
+                        <a:rPr lang="en-US" altLang="zh-TW" baseline="0" dirty="0" smtClean="0">
+                          <a:solidFill>
+                            <a:srgbClr val="FF0000"/>
+                          </a:solidFill>
+                          <a:latin typeface="微軟正黑體" panose="020B0604030504040204" pitchFamily="34" charset="-120"/>
+                          <a:ea typeface="微軟正黑體" panose="020B0604030504040204" pitchFamily="34" charset="-120"/>
+                        </a:rPr>
+                        <a:t>4/17(</a:t>
+                      </a:r>
+                      <a:r>
+                        <a:rPr lang="zh-TW" altLang="en-US" baseline="0" dirty="0" smtClean="0">
+                          <a:solidFill>
+                            <a:srgbClr val="FF0000"/>
+                          </a:solidFill>
+                          <a:latin typeface="微軟正黑體" panose="020B0604030504040204" pitchFamily="34" charset="-120"/>
+                          <a:ea typeface="微軟正黑體" panose="020B0604030504040204" pitchFamily="34" charset="-120"/>
+                        </a:rPr>
+                        <a:t>四</a:t>
+                      </a:r>
+                      <a:r>
+                        <a:rPr lang="en-US" altLang="zh-TW" baseline="0" dirty="0" smtClean="0">
+                          <a:solidFill>
+                            <a:srgbClr val="FF0000"/>
+                          </a:solidFill>
+                          <a:latin typeface="微軟正黑體" panose="020B0604030504040204" pitchFamily="34" charset="-120"/>
+                          <a:ea typeface="微軟正黑體" panose="020B0604030504040204" pitchFamily="34" charset="-120"/>
+                        </a:rPr>
+                        <a:t>)</a:t>
+                      </a:r>
+                      <a:endParaRPr lang="zh-TW" altLang="en-US" dirty="0">
+                        <a:solidFill>
+                          <a:srgbClr val="FF0000"/>
+                        </a:solidFill>
+                        <a:latin typeface="微軟正黑體" panose="020B0604030504040204" pitchFamily="34" charset="-120"/>
+                        <a:ea typeface="微軟正黑體" panose="020B0604030504040204" pitchFamily="34" charset="-120"/>
+                      </a:endParaRPr>
+                    </a:p>
+                  </a:txBody>
+                  <a:tcPr/>
+                </a:tc>
+                <a:tc gridSpan="5">
+                  <a:txBody>
+                    <a:bodyPr/>
+                    <a:lstStyle/>
+                    <a:p>
+                      <a:pPr algn="ctr"/>
+                      <a:r>
+                        <a:rPr lang="zh-TW" altLang="en-US" dirty="0" smtClean="0">
+                          <a:latin typeface="微軟正黑體" panose="020B0604030504040204" pitchFamily="34" charset="-120"/>
+                          <a:ea typeface="微軟正黑體" panose="020B0604030504040204" pitchFamily="34" charset="-120"/>
+                        </a:rPr>
+                        <a:t>段考週</a:t>
+                      </a:r>
+                      <a:endParaRPr lang="zh-TW" altLang="en-US" dirty="0">
+                        <a:latin typeface="微軟正黑體" panose="020B0604030504040204" pitchFamily="34" charset="-120"/>
+                        <a:ea typeface="微軟正黑體" panose="020B0604030504040204" pitchFamily="34" charset="-120"/>
+                      </a:endParaRPr>
+                    </a:p>
+                  </a:txBody>
+                  <a:tcPr/>
+                </a:tc>
+                <a:tc hMerge="1">
+                  <a:txBody>
+                    <a:bodyPr/>
+                    <a:lstStyle/>
+                    <a:p>
+                      <a:endParaRPr lang="zh-TW" altLang="en-US" dirty="0">
+                        <a:latin typeface="微軟正黑體" panose="020B0604030504040204" pitchFamily="34" charset="-120"/>
+                        <a:ea typeface="微軟正黑體" panose="020B0604030504040204" pitchFamily="34" charset="-120"/>
+                      </a:endParaRPr>
+                    </a:p>
+                  </a:txBody>
+                  <a:tcPr/>
+                </a:tc>
+                <a:tc hMerge="1">
+                  <a:txBody>
+                    <a:bodyPr/>
+                    <a:lstStyle/>
+                    <a:p>
+                      <a:endParaRPr lang="zh-TW" altLang="en-US" dirty="0">
+                        <a:latin typeface="微軟正黑體" panose="020B0604030504040204" pitchFamily="34" charset="-120"/>
+                        <a:ea typeface="微軟正黑體" panose="020B0604030504040204" pitchFamily="34" charset="-120"/>
+                      </a:endParaRPr>
+                    </a:p>
+                  </a:txBody>
+                  <a:tcPr/>
+                </a:tc>
+                <a:tc hMerge="1">
+                  <a:txBody>
+                    <a:bodyPr/>
+                    <a:lstStyle/>
+                    <a:p>
+                      <a:endParaRPr lang="zh-TW" altLang="en-US"/>
+                    </a:p>
+                  </a:txBody>
+                  <a:tcPr/>
+                </a:tc>
+                <a:tc hMerge="1">
+                  <a:txBody>
+                    <a:bodyPr/>
+                    <a:lstStyle/>
+                    <a:p>
+                      <a:endParaRPr lang="zh-TW" altLang="en-US" dirty="0">
+                        <a:latin typeface="微軟正黑體" panose="020B0604030504040204" pitchFamily="34" charset="-120"/>
+                        <a:ea typeface="微軟正黑體" panose="020B0604030504040204" pitchFamily="34" charset="-120"/>
+                      </a:endParaRPr>
+                    </a:p>
+                  </a:txBody>
+                  <a:tcPr/>
+                </a:tc>
+                <a:extLst>
+                  <a:ext uri="{0D108BD9-81ED-4DB2-BD59-A6C34878D82A}">
+                    <a16:rowId xmlns:a16="http://schemas.microsoft.com/office/drawing/2014/main" val="1109095354"/>
+                  </a:ext>
+                </a:extLst>
+              </a:tr>
+              <a:tr h="1183880">
+                <a:tc>
+                  <a:txBody>
+                    <a:bodyPr/>
+                    <a:lstStyle/>
+                    <a:p>
+                      <a:r>
+                        <a:rPr lang="zh-TW" altLang="en-US" dirty="0" smtClean="0">
+                          <a:latin typeface="微軟正黑體" panose="020B0604030504040204" pitchFamily="34" charset="-120"/>
+                          <a:ea typeface="微軟正黑體" panose="020B0604030504040204" pitchFamily="34" charset="-120"/>
+                        </a:rPr>
+                        <a:t>第四週</a:t>
+                      </a:r>
+                      <a:endParaRPr lang="zh-TW" altLang="en-US" dirty="0">
+                        <a:latin typeface="微軟正黑體" panose="020B0604030504040204" pitchFamily="34" charset="-120"/>
+                        <a:ea typeface="微軟正黑體" panose="020B0604030504040204" pitchFamily="34" charset="-120"/>
+                      </a:endParaRPr>
+                    </a:p>
+                  </a:txBody>
+                  <a:tcPr/>
+                </a:tc>
+                <a:tc>
+                  <a:txBody>
+                    <a:bodyPr/>
+                    <a:lstStyle/>
+                    <a:p>
+                      <a:pPr algn="dist"/>
+                      <a:r>
+                        <a:rPr lang="en-US" altLang="zh-TW" dirty="0" smtClean="0">
+                          <a:solidFill>
+                            <a:srgbClr val="FF0000"/>
+                          </a:solidFill>
+                          <a:latin typeface="微軟正黑體" panose="020B0604030504040204" pitchFamily="34" charset="-120"/>
+                          <a:ea typeface="微軟正黑體" panose="020B0604030504040204" pitchFamily="34" charset="-120"/>
+                        </a:rPr>
+                        <a:t>4/18(</a:t>
+                      </a:r>
+                      <a:r>
+                        <a:rPr lang="zh-TW" altLang="en-US" dirty="0" smtClean="0">
+                          <a:solidFill>
+                            <a:srgbClr val="FF0000"/>
+                          </a:solidFill>
+                          <a:latin typeface="微軟正黑體" panose="020B0604030504040204" pitchFamily="34" charset="-120"/>
+                          <a:ea typeface="微軟正黑體" panose="020B0604030504040204" pitchFamily="34" charset="-120"/>
+                        </a:rPr>
+                        <a:t>五</a:t>
+                      </a:r>
+                      <a:r>
+                        <a:rPr lang="en-US" altLang="zh-TW" dirty="0" smtClean="0">
+                          <a:solidFill>
+                            <a:srgbClr val="FF0000"/>
+                          </a:solidFill>
+                          <a:latin typeface="微軟正黑體" panose="020B0604030504040204" pitchFamily="34" charset="-120"/>
+                          <a:ea typeface="微軟正黑體" panose="020B0604030504040204" pitchFamily="34" charset="-120"/>
+                        </a:rPr>
+                        <a:t>) </a:t>
+                      </a:r>
+                      <a:r>
+                        <a:rPr lang="en-US" altLang="zh-TW" dirty="0" smtClean="0">
+                          <a:latin typeface="微軟正黑體" panose="020B0604030504040204" pitchFamily="34" charset="-120"/>
+                          <a:ea typeface="微軟正黑體" panose="020B0604030504040204" pitchFamily="34" charset="-120"/>
+                        </a:rPr>
+                        <a:t>– 4/23(</a:t>
+                      </a:r>
+                      <a:r>
+                        <a:rPr lang="zh-TW" altLang="en-US" dirty="0" smtClean="0">
+                          <a:latin typeface="微軟正黑體" panose="020B0604030504040204" pitchFamily="34" charset="-120"/>
+                          <a:ea typeface="微軟正黑體" panose="020B0604030504040204" pitchFamily="34" charset="-120"/>
+                        </a:rPr>
+                        <a:t>三</a:t>
+                      </a:r>
+                      <a:r>
+                        <a:rPr lang="en-US" altLang="zh-TW" dirty="0" smtClean="0">
+                          <a:latin typeface="微軟正黑體" panose="020B0604030504040204" pitchFamily="34" charset="-120"/>
+                          <a:ea typeface="微軟正黑體" panose="020B0604030504040204" pitchFamily="34" charset="-120"/>
+                        </a:rPr>
+                        <a:t>)</a:t>
+                      </a:r>
+                      <a:endParaRPr lang="zh-TW" altLang="en-US" dirty="0">
+                        <a:latin typeface="微軟正黑體" panose="020B0604030504040204" pitchFamily="34" charset="-120"/>
+                        <a:ea typeface="微軟正黑體" panose="020B0604030504040204" pitchFamily="34" charset="-120"/>
+                      </a:endParaRPr>
+                    </a:p>
+                  </a:txBody>
+                  <a:tcPr/>
+                </a:tc>
+                <a:tc>
+                  <a:txBody>
+                    <a:bodyPr/>
+                    <a:lstStyle/>
+                    <a:p>
+                      <a:endParaRPr lang="zh-TW" altLang="en-US" dirty="0">
+                        <a:solidFill>
+                          <a:srgbClr val="92D050"/>
+                        </a:solidFill>
+                        <a:latin typeface="微軟正黑體" panose="020B0604030504040204" pitchFamily="34" charset="-120"/>
+                        <a:ea typeface="微軟正黑體" panose="020B0604030504040204" pitchFamily="34" charset="-120"/>
+                      </a:endParaRPr>
+                    </a:p>
+                  </a:txBody>
+                  <a:tcPr/>
+                </a:tc>
+                <a:tc>
+                  <a:txBody>
+                    <a:bodyPr/>
+                    <a:lstStyle/>
+                    <a:p>
+                      <a:pPr marL="0" marR="0" lvl="0" indent="0" algn="l" defTabSz="914400" rtl="0" eaLnBrk="1" fontAlgn="auto" latinLnBrk="0" hangingPunct="1">
+                        <a:lnSpc>
+                          <a:spcPct val="100000"/>
+                        </a:lnSpc>
+                        <a:spcBef>
+                          <a:spcPts val="0"/>
+                        </a:spcBef>
+                        <a:spcAft>
+                          <a:spcPts val="0"/>
+                        </a:spcAft>
+                        <a:buClrTx/>
+                        <a:buSzTx/>
+                        <a:buFontTx/>
+                        <a:buNone/>
+                        <a:tabLst/>
+                        <a:defRPr/>
+                      </a:pPr>
+                      <a:r>
+                        <a:rPr lang="zh-TW" altLang="en-US" dirty="0" smtClean="0">
+                          <a:solidFill>
+                            <a:srgbClr val="FFFF00"/>
+                          </a:solidFill>
+                          <a:latin typeface="微軟正黑體" panose="020B0604030504040204" pitchFamily="34" charset="-120"/>
+                          <a:ea typeface="微軟正黑體" panose="020B0604030504040204" pitchFamily="34" charset="-120"/>
+                        </a:rPr>
+                        <a:t>模型與後端串接</a:t>
+                      </a:r>
+                      <a:endParaRPr lang="en-US" altLang="zh-TW" dirty="0" smtClean="0">
+                        <a:solidFill>
+                          <a:srgbClr val="FFFF00"/>
+                        </a:solidFill>
+                        <a:latin typeface="微軟正黑體" panose="020B0604030504040204" pitchFamily="34" charset="-120"/>
+                        <a:ea typeface="微軟正黑體" panose="020B0604030504040204" pitchFamily="34" charset="-120"/>
+                      </a:endParaRPr>
+                    </a:p>
+                    <a:p>
+                      <a:pPr marL="0" marR="0" lvl="0" indent="0" algn="l" defTabSz="914400" rtl="0" eaLnBrk="1" fontAlgn="auto" latinLnBrk="0" hangingPunct="1">
+                        <a:lnSpc>
+                          <a:spcPct val="100000"/>
+                        </a:lnSpc>
+                        <a:spcBef>
+                          <a:spcPts val="0"/>
+                        </a:spcBef>
+                        <a:spcAft>
+                          <a:spcPts val="0"/>
+                        </a:spcAft>
+                        <a:buClrTx/>
+                        <a:buSzTx/>
+                        <a:buFontTx/>
+                        <a:buNone/>
+                        <a:tabLst/>
+                        <a:defRPr/>
+                      </a:pPr>
+                      <a:r>
                         <a:rPr lang="en-US" altLang="zh-TW" dirty="0" smtClean="0">
                           <a:solidFill>
                             <a:srgbClr val="00B0F0"/>
@@ -6680,7 +6833,17 @@
                           <a:latin typeface="微軟正黑體" panose="020B0604030504040204" pitchFamily="34" charset="-120"/>
                           <a:ea typeface="微軟正黑體" panose="020B0604030504040204" pitchFamily="34" charset="-120"/>
                         </a:rPr>
-                        <a:t>API[</a:t>
+                        <a:t>API</a:t>
+                      </a:r>
+                      <a:r>
+                        <a:rPr lang="en-US" altLang="zh-TW" dirty="0" smtClean="0">
+                          <a:solidFill>
+                            <a:srgbClr val="00B0F0"/>
+                          </a:solidFill>
+                          <a:latin typeface="微軟正黑體" panose="020B0604030504040204" pitchFamily="34" charset="-120"/>
+                          <a:ea typeface="微軟正黑體" panose="020B0604030504040204" pitchFamily="34" charset="-120"/>
+                        </a:rPr>
+                        <a:t>[</a:t>
                       </a:r>
                       <a:r>
                         <a:rPr lang="zh-TW" altLang="en-US" dirty="0" smtClean="0">
@@ -6690,7 +6853,7 @@
                           <a:latin typeface="微軟正黑體" panose="020B0604030504040204" pitchFamily="34" charset="-120"/>
                           <a:ea typeface="微軟正黑體" panose="020B0604030504040204" pitchFamily="34" charset="-120"/>
                         </a:rPr>
-                        <a:t>待開會確定</a:t>
+                        <a:t>後端與模型串接</a:t>
                       </a:r>
                       <a:r>
                         <a:rPr lang="en-US" altLang="zh-TW" dirty="0" smtClean="0">
@@ -6713,7 +6876,7 @@
                   </a:txBody>
                   <a:tcPr/>
                 </a:tc>
-                <a:tc>
+                <a:tc gridSpan="2">
                   <a:txBody>
                     <a:bodyPr/>
                     <a:lstStyle/>
@@ -6776,6 +6939,16 @@
                         <a:latin typeface="微軟正黑體" panose="020B0604030504040204" pitchFamily="34" charset="-120"/>
                         <a:ea typeface="微軟正黑體" panose="020B0604030504040204" pitchFamily="34" charset="-120"/>
                       </a:endParaRPr>
+                    </a:p>
+                  </a:txBody>
+                  <a:tcPr/>
+                </a:tc>
+                <a:tc hMerge="1">
+                  <a:txBody>
+                    <a:bodyPr/>
+                    <a:lstStyle/>
+                    <a:p>
+                      <a:endParaRPr lang="zh-TW" altLang="en-US"/>
                     </a:p>
                   </a:txBody>
                   <a:tcPr/>
@@ -6971,7 +7144,7 @@
                   </a:txBody>
                   <a:tcPr/>
                 </a:tc>
-                <a:tc>
+                <a:tc gridSpan="2">
                   <a:txBody>
                     <a:bodyPr/>
                     <a:lstStyle/>
@@ -7012,6 +7185,16 @@
                         <a:latin typeface="微軟正黑體" panose="020B0604030504040204" pitchFamily="34" charset="-120"/>
                         <a:ea typeface="微軟正黑體" panose="020B0604030504040204" pitchFamily="34" charset="-120"/>
                       </a:endParaRPr>
+                    </a:p>
+                  </a:txBody>
+                  <a:tcPr/>
+                </a:tc>
+                <a:tc hMerge="1">
+                  <a:txBody>
+                    <a:bodyPr/>
+                    <a:lstStyle/>
+                    <a:p>
+                      <a:endParaRPr lang="zh-TW" altLang="en-US"/>
                     </a:p>
                   </a:txBody>
                   <a:tcPr/>
@@ -7206,7 +7389,7 @@
                   </a:txBody>
                   <a:tcPr/>
                 </a:tc>
-                <a:tc>
+                <a:tc gridSpan="2">
                   <a:txBody>
                     <a:bodyPr/>
                     <a:lstStyle/>
@@ -7229,6 +7412,16 @@
                         <a:latin typeface="微軟正黑體" panose="020B0604030504040204" pitchFamily="34" charset="-120"/>
                         <a:ea typeface="微軟正黑體" panose="020B0604030504040204" pitchFamily="34" charset="-120"/>
                       </a:endParaRPr>
+                    </a:p>
+                  </a:txBody>
+                  <a:tcPr/>
+                </a:tc>
+                <a:tc hMerge="1">
+                  <a:txBody>
+                    <a:bodyPr/>
+                    <a:lstStyle/>
+                    <a:p>
+                      <a:endParaRPr lang="zh-TW" altLang="en-US"/>
                     </a:p>
                   </a:txBody>
                   <a:tcPr/>
@@ -7315,7 +7508,7 @@
                   </a:txBody>
                   <a:tcPr/>
                 </a:tc>
-                <a:tc gridSpan="4">
+                <a:tc gridSpan="5">
                   <a:txBody>
                     <a:bodyPr/>
                     <a:lstStyle/>
@@ -7365,6 +7558,16 @@
                         <a:latin typeface="微軟正黑體" panose="020B0604030504040204" pitchFamily="34" charset="-120"/>
                         <a:ea typeface="微軟正黑體" panose="020B0604030504040204" pitchFamily="34" charset="-120"/>
                       </a:endParaRPr>
+                    </a:p>
+                  </a:txBody>
+                  <a:tcPr/>
+                </a:tc>
+                <a:tc hMerge="1">
+                  <a:txBody>
+                    <a:bodyPr/>
+                    <a:lstStyle/>
+                    <a:p>
+                      <a:endParaRPr lang="zh-TW" altLang="en-US"/>
                     </a:p>
                   </a:txBody>
                   <a:tcPr/>

--- a/會議記錄/會議記錄.pptx
+++ b/會議記錄/會議記錄.pptx
@@ -5,7 +5,7 @@
     <p:sldMasterId id="2147483660" r:id="rId1"/>
   </p:sldMasterIdLst>
   <p:notesMasterIdLst>
-    <p:notesMasterId r:id="rId10"/>
+    <p:notesMasterId r:id="rId11"/>
   </p:notesMasterIdLst>
   <p:sldIdLst>
     <p:sldId id="256" r:id="rId2"/>
@@ -15,7 +15,8 @@
     <p:sldId id="264" r:id="rId6"/>
     <p:sldId id="263" r:id="rId7"/>
     <p:sldId id="266" r:id="rId8"/>
-    <p:sldId id="265" r:id="rId9"/>
+    <p:sldId id="267" r:id="rId9"/>
+    <p:sldId id="265" r:id="rId10"/>
   </p:sldIdLst>
   <p:sldSz cx="12192000" cy="6858000"/>
   <p:notesSz cx="6858000" cy="9144000"/>
@@ -204,7 +205,7 @@
           <a:p>
             <a:fld id="{33C68CCD-F31B-437B-965E-855E94FE60A6}" type="datetimeFigureOut">
               <a:rPr lang="zh-TW" altLang="en-US" smtClean="0"/>
-              <a:t>2025/3/13</a:t>
+              <a:t>2025/3/18</a:t>
             </a:fld>
             <a:endParaRPr lang="zh-TW" altLang="en-US"/>
           </a:p>
@@ -609,7 +610,7 @@
           <a:p>
             <a:fld id="{F404DC6C-E353-4FBF-8B7B-7C2F0DFA34E8}" type="datetimeFigureOut">
               <a:rPr lang="zh-TW" altLang="en-US" smtClean="0"/>
-              <a:t>2025/3/13</a:t>
+              <a:t>2025/3/18</a:t>
             </a:fld>
             <a:endParaRPr lang="zh-TW" altLang="en-US"/>
           </a:p>
@@ -779,7 +780,7 @@
           <a:p>
             <a:fld id="{F404DC6C-E353-4FBF-8B7B-7C2F0DFA34E8}" type="datetimeFigureOut">
               <a:rPr lang="zh-TW" altLang="en-US" smtClean="0"/>
-              <a:t>2025/3/13</a:t>
+              <a:t>2025/3/18</a:t>
             </a:fld>
             <a:endParaRPr lang="zh-TW" altLang="en-US"/>
           </a:p>
@@ -959,7 +960,7 @@
           <a:p>
             <a:fld id="{F404DC6C-E353-4FBF-8B7B-7C2F0DFA34E8}" type="datetimeFigureOut">
               <a:rPr lang="zh-TW" altLang="en-US" smtClean="0"/>
-              <a:t>2025/3/13</a:t>
+              <a:t>2025/3/18</a:t>
             </a:fld>
             <a:endParaRPr lang="zh-TW" altLang="en-US"/>
           </a:p>
@@ -1179,7 +1180,7 @@
           <a:p>
             <a:fld id="{F404DC6C-E353-4FBF-8B7B-7C2F0DFA34E8}" type="datetimeFigureOut">
               <a:rPr lang="zh-TW" altLang="en-US" smtClean="0"/>
-              <a:t>2025/3/13</a:t>
+              <a:t>2025/3/18</a:t>
             </a:fld>
             <a:endParaRPr lang="zh-TW" altLang="en-US"/>
           </a:p>
@@ -1425,7 +1426,7 @@
           <a:p>
             <a:fld id="{F404DC6C-E353-4FBF-8B7B-7C2F0DFA34E8}" type="datetimeFigureOut">
               <a:rPr lang="zh-TW" altLang="en-US" smtClean="0"/>
-              <a:t>2025/3/13</a:t>
+              <a:t>2025/3/18</a:t>
             </a:fld>
             <a:endParaRPr lang="zh-TW" altLang="en-US"/>
           </a:p>
@@ -1657,7 +1658,7 @@
           <a:p>
             <a:fld id="{F404DC6C-E353-4FBF-8B7B-7C2F0DFA34E8}" type="datetimeFigureOut">
               <a:rPr lang="zh-TW" altLang="en-US" smtClean="0"/>
-              <a:t>2025/3/13</a:t>
+              <a:t>2025/3/18</a:t>
             </a:fld>
             <a:endParaRPr lang="zh-TW" altLang="en-US"/>
           </a:p>
@@ -2024,7 +2025,7 @@
           <a:p>
             <a:fld id="{F404DC6C-E353-4FBF-8B7B-7C2F0DFA34E8}" type="datetimeFigureOut">
               <a:rPr lang="zh-TW" altLang="en-US" smtClean="0"/>
-              <a:t>2025/3/13</a:t>
+              <a:t>2025/3/18</a:t>
             </a:fld>
             <a:endParaRPr lang="zh-TW" altLang="en-US"/>
           </a:p>
@@ -2142,7 +2143,7 @@
           <a:p>
             <a:fld id="{F404DC6C-E353-4FBF-8B7B-7C2F0DFA34E8}" type="datetimeFigureOut">
               <a:rPr lang="zh-TW" altLang="en-US" smtClean="0"/>
-              <a:t>2025/3/13</a:t>
+              <a:t>2025/3/18</a:t>
             </a:fld>
             <a:endParaRPr lang="zh-TW" altLang="en-US"/>
           </a:p>
@@ -2237,7 +2238,7 @@
           <a:p>
             <a:fld id="{F404DC6C-E353-4FBF-8B7B-7C2F0DFA34E8}" type="datetimeFigureOut">
               <a:rPr lang="zh-TW" altLang="en-US" smtClean="0"/>
-              <a:t>2025/3/13</a:t>
+              <a:t>2025/3/18</a:t>
             </a:fld>
             <a:endParaRPr lang="zh-TW" altLang="en-US"/>
           </a:p>
@@ -2514,7 +2515,7 @@
           <a:p>
             <a:fld id="{F404DC6C-E353-4FBF-8B7B-7C2F0DFA34E8}" type="datetimeFigureOut">
               <a:rPr lang="zh-TW" altLang="en-US" smtClean="0"/>
-              <a:t>2025/3/13</a:t>
+              <a:t>2025/3/18</a:t>
             </a:fld>
             <a:endParaRPr lang="zh-TW" altLang="en-US"/>
           </a:p>
@@ -2771,7 +2772,7 @@
           <a:p>
             <a:fld id="{F404DC6C-E353-4FBF-8B7B-7C2F0DFA34E8}" type="datetimeFigureOut">
               <a:rPr lang="zh-TW" altLang="en-US" smtClean="0"/>
-              <a:t>2025/3/13</a:t>
+              <a:t>2025/3/18</a:t>
             </a:fld>
             <a:endParaRPr lang="zh-TW" altLang="en-US"/>
           </a:p>
@@ -2984,7 +2985,7 @@
           <a:p>
             <a:fld id="{F404DC6C-E353-4FBF-8B7B-7C2F0DFA34E8}" type="datetimeFigureOut">
               <a:rPr lang="zh-TW" altLang="en-US" smtClean="0"/>
-              <a:t>2025/3/13</a:t>
+              <a:t>2025/3/18</a:t>
             </a:fld>
             <a:endParaRPr lang="zh-TW" altLang="en-US"/>
           </a:p>
@@ -5094,6 +5095,10 @@
               <a:t>github</a:t>
             </a:r>
             <a:r>
+              <a:rPr lang="zh-TW" altLang="en-US" dirty="0"/>
+              <a:t> 建立與</a:t>
+            </a:r>
+            <a:r>
               <a:rPr lang="zh-TW" altLang="en-US" dirty="0" smtClean="0"/>
               <a:t>教學</a:t>
             </a:r>
@@ -5101,12 +5106,23 @@
           </a:p>
           <a:p>
             <a:r>
-              <a:rPr lang="zh-TW" altLang="en-US" dirty="0"/>
-              <a:t>共同</a:t>
-            </a:r>
-            <a:r>
               <a:rPr lang="zh-TW" altLang="en-US" dirty="0" smtClean="0"/>
-              <a:t>事項：</a:t>
+              <a:t>王：研究</a:t>
+            </a:r>
+            <a:r>
+              <a:rPr lang="en-US" altLang="zh-TW" dirty="0" err="1" smtClean="0"/>
+              <a:t>FastAPI</a:t>
+            </a:r>
+            <a:endParaRPr lang="en-US" altLang="zh-TW" dirty="0" smtClean="0"/>
+          </a:p>
+          <a:p>
+            <a:r>
+              <a:rPr lang="zh-TW" altLang="en-US" dirty="0" smtClean="0"/>
+              <a:t>顏</a:t>
+            </a:r>
+            <a:r>
+              <a:rPr lang="zh-TW" altLang="en-US" dirty="0" smtClean="0"/>
+              <a:t>：</a:t>
             </a:r>
             <a:r>
               <a:rPr lang="en-US" altLang="zh-TW" dirty="0" smtClean="0"/>
@@ -5114,7 +5130,50 @@
             </a:r>
             <a:r>
               <a:rPr lang="zh-TW" altLang="en-US" dirty="0" smtClean="0"/>
-              <a:t>設計、進度規劃</a:t>
+              <a:t>設計完成、</a:t>
+            </a:r>
+            <a:r>
+              <a:rPr lang="zh-TW" altLang="en-US" dirty="0"/>
+              <a:t>總</a:t>
+            </a:r>
+            <a:r>
+              <a:rPr lang="zh-TW" altLang="en-US" dirty="0" smtClean="0"/>
+              <a:t>進度規劃</a:t>
+            </a:r>
+            <a:endParaRPr lang="en-US" altLang="zh-TW" dirty="0" smtClean="0"/>
+          </a:p>
+          <a:p>
+            <a:endParaRPr lang="en-US" altLang="zh-TW" dirty="0"/>
+          </a:p>
+          <a:p>
+            <a:r>
+              <a:rPr lang="zh-TW" altLang="en-US" dirty="0" smtClean="0"/>
+              <a:t>重要事項：</a:t>
+            </a:r>
+            <a:endParaRPr lang="en-US" altLang="zh-TW" dirty="0" smtClean="0"/>
+          </a:p>
+          <a:p>
+            <a:r>
+              <a:rPr lang="zh-TW" altLang="en-US" dirty="0"/>
+              <a:t>命名</a:t>
+            </a:r>
+            <a:r>
+              <a:rPr lang="zh-TW" altLang="en-US" dirty="0" smtClean="0"/>
+              <a:t>定案</a:t>
+            </a:r>
+            <a:r>
+              <a:rPr lang="en-US" altLang="zh-TW" dirty="0" smtClean="0"/>
+              <a:t>Trajectory</a:t>
+            </a:r>
+          </a:p>
+          <a:p>
+            <a:r>
+              <a:rPr lang="zh-TW" altLang="en-US" dirty="0"/>
+              <a:t>開會時間更改</a:t>
+            </a:r>
+            <a:r>
+              <a:rPr lang="zh-TW" altLang="en-US" dirty="0" smtClean="0"/>
+              <a:t>為 星期五下午 或 星期六早上</a:t>
             </a:r>
             <a:endParaRPr lang="en-US" altLang="zh-TW" dirty="0" smtClean="0"/>
           </a:p>
@@ -5153,6 +5212,136 @@
           <a:chExt cx="0" cy="0"/>
         </a:xfrm>
       </p:grpSpPr>
+      <p:sp>
+        <p:nvSpPr>
+          <p:cNvPr id="2" name="標題 1"/>
+          <p:cNvSpPr>
+            <a:spLocks noGrp="1"/>
+          </p:cNvSpPr>
+          <p:nvPr>
+            <p:ph type="title"/>
+          </p:nvPr>
+        </p:nvSpPr>
+        <p:spPr/>
+        <p:txBody>
+          <a:bodyPr/>
+          <a:lstStyle/>
+          <a:p>
+            <a:r>
+              <a:rPr lang="zh-TW" altLang="en-US" dirty="0" smtClean="0"/>
+              <a:t>下次開會 </a:t>
+            </a:r>
+            <a:r>
+              <a:rPr lang="en-US" altLang="zh-TW" dirty="0" smtClean="0"/>
+              <a:t>3/21</a:t>
+            </a:r>
+            <a:endParaRPr lang="zh-TW" altLang="en-US" dirty="0"/>
+          </a:p>
+        </p:txBody>
+      </p:sp>
+      <p:sp>
+        <p:nvSpPr>
+          <p:cNvPr id="3" name="內容版面配置區 2"/>
+          <p:cNvSpPr>
+            <a:spLocks noGrp="1"/>
+          </p:cNvSpPr>
+          <p:nvPr>
+            <p:ph idx="1"/>
+          </p:nvPr>
+        </p:nvSpPr>
+        <p:spPr/>
+        <p:txBody>
+          <a:bodyPr/>
+          <a:lstStyle/>
+          <a:p>
+            <a:r>
+              <a:rPr lang="zh-TW" altLang="en-US" dirty="0" smtClean="0"/>
+              <a:t>顏：切板完成、頁面串接完成</a:t>
+            </a:r>
+            <a:endParaRPr lang="en-US" altLang="zh-TW" dirty="0" smtClean="0"/>
+          </a:p>
+          <a:p>
+            <a:r>
+              <a:rPr lang="zh-TW" altLang="en-US" dirty="0" smtClean="0"/>
+              <a:t>徐：學習</a:t>
+            </a:r>
+            <a:r>
+              <a:rPr lang="en-US" altLang="zh-TW" dirty="0" err="1" smtClean="0"/>
+              <a:t>FastAPI</a:t>
+            </a:r>
+            <a:r>
+              <a:rPr lang="zh-TW" altLang="en-US" dirty="0" smtClean="0"/>
+              <a:t>、</a:t>
+            </a:r>
+            <a:r>
+              <a:rPr lang="en-US" altLang="zh-TW" dirty="0" smtClean="0"/>
+              <a:t>MySQL</a:t>
+            </a:r>
+            <a:r>
+              <a:rPr lang="zh-TW" altLang="en-US" dirty="0" smtClean="0"/>
+              <a:t>語法整理與實作</a:t>
+            </a:r>
+            <a:endParaRPr lang="en-US" altLang="zh-TW" dirty="0" smtClean="0"/>
+          </a:p>
+          <a:p>
+            <a:r>
+              <a:rPr lang="zh-TW" altLang="en-US" dirty="0" smtClean="0"/>
+              <a:t>王：圖片相關以外所有</a:t>
+            </a:r>
+            <a:r>
+              <a:rPr lang="en-US" altLang="zh-TW" dirty="0" smtClean="0"/>
+              <a:t>API</a:t>
+            </a:r>
+          </a:p>
+          <a:p>
+            <a:endParaRPr lang="en-US" altLang="zh-TW" dirty="0"/>
+          </a:p>
+          <a:p>
+            <a:r>
+              <a:rPr lang="zh-TW" altLang="en-US" dirty="0" smtClean="0"/>
+              <a:t>會議內容：進度回報</a:t>
+            </a:r>
+            <a:endParaRPr lang="zh-TW" altLang="en-US" dirty="0"/>
+          </a:p>
+        </p:txBody>
+      </p:sp>
+    </p:spTree>
+    <p:extLst>
+      <p:ext uri="{BB962C8B-B14F-4D97-AF65-F5344CB8AC3E}">
+        <p14:creationId xmlns:p14="http://schemas.microsoft.com/office/powerpoint/2010/main" val="2274690603"/>
+      </p:ext>
+    </p:extLst>
+  </p:cSld>
+  <p:clrMapOvr>
+    <a:masterClrMapping/>
+  </p:clrMapOvr>
+  <p:timing>
+    <p:tnLst>
+      <p:par>
+        <p:cTn id="1" dur="indefinite" restart="never" nodeType="tmRoot"/>
+      </p:par>
+    </p:tnLst>
+  </p:timing>
+</p:sld>
+</file>
+
+<file path=ppt/slides/slide9.xml><?xml version="1.0" encoding="utf-8"?>
+<p:sld xmlns:a="http://schemas.openxmlformats.org/drawingml/2006/main" xmlns:r="http://schemas.openxmlformats.org/officeDocument/2006/relationships" xmlns:p="http://schemas.openxmlformats.org/presentationml/2006/main">
+  <p:cSld>
+    <p:spTree>
+      <p:nvGrpSpPr>
+        <p:cNvPr id="1" name=""/>
+        <p:cNvGrpSpPr/>
+        <p:nvPr/>
+      </p:nvGrpSpPr>
+      <p:grpSpPr>
+        <a:xfrm>
+          <a:off x="0" y="0"/>
+          <a:ext cx="0" cy="0"/>
+          <a:chOff x="0" y="0"/>
+          <a:chExt cx="0" cy="0"/>
+        </a:xfrm>
+      </p:grpSpPr>
       <p:graphicFrame>
         <p:nvGraphicFramePr>
           <p:cNvPr id="4" name="表格 3"/>
@@ -5162,7 +5351,7 @@
           <p:nvPr>
             <p:extLst>
               <p:ext uri="{D42A27DB-BD31-4B8C-83A1-F6EECF244321}">
-                <p14:modId xmlns:p14="http://schemas.microsoft.com/office/powerpoint/2010/main" val="3715714049"/>
+                <p14:modId xmlns:p14="http://schemas.microsoft.com/office/powerpoint/2010/main" val="920771857"/>
               </p:ext>
             </p:extLst>
           </p:nvPr>
@@ -5421,14 +5610,21 @@
                           <a:latin typeface="微軟正黑體" panose="020B0604030504040204" pitchFamily="34" charset="-120"/>
                           <a:ea typeface="微軟正黑體" panose="020B0604030504040204" pitchFamily="34" charset="-120"/>
                         </a:rPr>
-                        <a:t> – 3/19(</a:t>
+                        <a:t> – </a:t>
+                      </a:r>
+                      <a:r>
+                        <a:rPr lang="en-US" altLang="zh-TW" baseline="0" dirty="0" smtClean="0">
+                          <a:latin typeface="微軟正黑體" panose="020B0604030504040204" pitchFamily="34" charset="-120"/>
+                          <a:ea typeface="微軟正黑體" panose="020B0604030504040204" pitchFamily="34" charset="-120"/>
+                        </a:rPr>
+                        <a:t>3/20(</a:t>
                       </a:r>
                       <a:r>
                         <a:rPr lang="zh-TW" altLang="en-US" baseline="0" dirty="0" smtClean="0">
                           <a:latin typeface="微軟正黑體" panose="020B0604030504040204" pitchFamily="34" charset="-120"/>
                           <a:ea typeface="微軟正黑體" panose="020B0604030504040204" pitchFamily="34" charset="-120"/>
                         </a:rPr>
-                        <a:t>三</a:t>
+                        <a:t>四</a:t>
                       </a:r>
                       <a:r>
                         <a:rPr lang="en-US" altLang="zh-TW" baseline="0" dirty="0" smtClean="0">
@@ -5458,7 +5654,47 @@
                           <a:latin typeface="微軟正黑體" panose="020B0604030504040204" pitchFamily="34" charset="-120"/>
                           <a:ea typeface="微軟正黑體" panose="020B0604030504040204" pitchFamily="34" charset="-120"/>
                         </a:rPr>
-                        <a:t>登入、</a:t>
+                        <a:t>切版 </a:t>
+                      </a:r>
+                      <a:r>
+                        <a:rPr lang="en-US" altLang="zh-TW" dirty="0" smtClean="0">
+                          <a:solidFill>
+                            <a:srgbClr val="92D050"/>
+                          </a:solidFill>
+                          <a:latin typeface="微軟正黑體" panose="020B0604030504040204" pitchFamily="34" charset="-120"/>
+                          <a:ea typeface="微軟正黑體" panose="020B0604030504040204" pitchFamily="34" charset="-120"/>
+                        </a:rPr>
+                        <a:t>(6</a:t>
+                      </a:r>
+                      <a:r>
+                        <a:rPr lang="zh-TW" altLang="en-US" dirty="0" smtClean="0">
+                          <a:solidFill>
+                            <a:srgbClr val="92D050"/>
+                          </a:solidFill>
+                          <a:latin typeface="微軟正黑體" panose="020B0604030504040204" pitchFamily="34" charset="-120"/>
+                          <a:ea typeface="微軟正黑體" panose="020B0604030504040204" pitchFamily="34" charset="-120"/>
+                        </a:rPr>
+                        <a:t>頁</a:t>
+                      </a:r>
+                      <a:r>
+                        <a:rPr lang="en-US" altLang="zh-TW" dirty="0" smtClean="0">
+                          <a:solidFill>
+                            <a:srgbClr val="92D050"/>
+                          </a:solidFill>
+                          <a:latin typeface="微軟正黑體" panose="020B0604030504040204" pitchFamily="34" charset="-120"/>
+                          <a:ea typeface="微軟正黑體" panose="020B0604030504040204" pitchFamily="34" charset="-120"/>
+                        </a:rPr>
+                        <a:t>)</a:t>
+                      </a:r>
+                      <a:r>
+                        <a:rPr lang="zh-TW" altLang="en-US" dirty="0" smtClean="0">
+                          <a:solidFill>
+                            <a:srgbClr val="92D050"/>
+                          </a:solidFill>
+                          <a:latin typeface="微軟正黑體" panose="020B0604030504040204" pitchFamily="34" charset="-120"/>
+                          <a:ea typeface="微軟正黑體" panose="020B0604030504040204" pitchFamily="34" charset="-120"/>
+                        </a:rPr>
+                        <a:t> 完成</a:t>
                       </a:r>
                       <a:endParaRPr lang="en-US" altLang="zh-TW" dirty="0" smtClean="0">
                         <a:solidFill>
@@ -5477,7 +5713,7 @@
                           <a:latin typeface="微軟正黑體" panose="020B0604030504040204" pitchFamily="34" charset="-120"/>
                           <a:ea typeface="微軟正黑體" panose="020B0604030504040204" pitchFamily="34" charset="-120"/>
                         </a:rPr>
-                        <a:t>醫師主頁、</a:t>
+                        <a:t>初步串接 完成</a:t>
                       </a:r>
                       <a:endParaRPr lang="en-US" altLang="zh-TW" dirty="0" smtClean="0">
                         <a:solidFill>
@@ -5530,17 +5766,7 @@
                           <a:latin typeface="微軟正黑體" panose="020B0604030504040204" pitchFamily="34" charset="-120"/>
                           <a:ea typeface="微軟正黑體" panose="020B0604030504040204" pitchFamily="34" charset="-120"/>
                         </a:rPr>
-                        <a:t>資料庫指令</a:t>
-                      </a:r>
-                      <a:r>
-                        <a:rPr lang="zh-TW" altLang="en-US" dirty="0" smtClean="0">
-                          <a:solidFill>
-                            <a:srgbClr val="FFFF00"/>
-                          </a:solidFill>
-                          <a:latin typeface="微軟正黑體" panose="020B0604030504040204" pitchFamily="34" charset="-120"/>
-                          <a:ea typeface="微軟正黑體" panose="020B0604030504040204" pitchFamily="34" charset="-120"/>
-                        </a:rPr>
-                        <a:t>整理、學</a:t>
+                        <a:t>資料庫指令整理、學</a:t>
                       </a:r>
                       <a:r>
                         <a:rPr lang="en-US" altLang="zh-TW" dirty="0" err="1" smtClean="0">
@@ -5591,13 +5817,6 @@
                         </a:rPr>
                         <a:t>]</a:t>
                       </a:r>
-                      <a:endParaRPr lang="en-US" altLang="zh-TW" dirty="0" smtClean="0">
-                        <a:solidFill>
-                          <a:srgbClr val="00B0F0"/>
-                        </a:solidFill>
-                        <a:latin typeface="微軟正黑體" panose="020B0604030504040204" pitchFamily="34" charset="-120"/>
-                        <a:ea typeface="微軟正黑體" panose="020B0604030504040204" pitchFamily="34" charset="-120"/>
-                      </a:endParaRPr>
                     </a:p>
                   </a:txBody>
                   <a:tcPr/>
@@ -5679,35 +5898,49 @@
                           <a:latin typeface="微軟正黑體" panose="020B0604030504040204" pitchFamily="34" charset="-120"/>
                           <a:ea typeface="微軟正黑體" panose="020B0604030504040204" pitchFamily="34" charset="-120"/>
                         </a:rPr>
-                        <a:t>3/20(</a:t>
+                        <a:t>3/21(</a:t>
                       </a:r>
                       <a:r>
                         <a:rPr lang="zh-TW" altLang="en-US" dirty="0" smtClean="0">
                           <a:latin typeface="微軟正黑體" panose="020B0604030504040204" pitchFamily="34" charset="-120"/>
                           <a:ea typeface="微軟正黑體" panose="020B0604030504040204" pitchFamily="34" charset="-120"/>
                         </a:rPr>
+                        <a:t>五</a:t>
+                      </a:r>
+                      <a:r>
+                        <a:rPr lang="en-US" altLang="zh-TW" dirty="0" smtClean="0">
+                          <a:latin typeface="微軟正黑體" panose="020B0604030504040204" pitchFamily="34" charset="-120"/>
+                          <a:ea typeface="微軟正黑體" panose="020B0604030504040204" pitchFamily="34" charset="-120"/>
+                        </a:rPr>
+                        <a:t>)</a:t>
+                      </a:r>
+                      <a:r>
+                        <a:rPr lang="en-US" altLang="zh-TW" baseline="0" dirty="0" smtClean="0">
+                          <a:latin typeface="微軟正黑體" panose="020B0604030504040204" pitchFamily="34" charset="-120"/>
+                          <a:ea typeface="微軟正黑體" panose="020B0604030504040204" pitchFamily="34" charset="-120"/>
+                        </a:rPr>
+                        <a:t> </a:t>
+                      </a:r>
+                      <a:r>
+                        <a:rPr lang="en-US" altLang="zh-TW" baseline="0" dirty="0" smtClean="0">
+                          <a:latin typeface="微軟正黑體" panose="020B0604030504040204" pitchFamily="34" charset="-120"/>
+                          <a:ea typeface="微軟正黑體" panose="020B0604030504040204" pitchFamily="34" charset="-120"/>
+                        </a:rPr>
+                        <a:t>– </a:t>
+                      </a:r>
+                      <a:r>
+                        <a:rPr lang="en-US" altLang="zh-TW" baseline="0" dirty="0" smtClean="0">
+                          <a:latin typeface="微軟正黑體" panose="020B0604030504040204" pitchFamily="34" charset="-120"/>
+                          <a:ea typeface="微軟正黑體" panose="020B0604030504040204" pitchFamily="34" charset="-120"/>
+                        </a:rPr>
+                        <a:t>3/27(</a:t>
+                      </a:r>
+                      <a:r>
+                        <a:rPr lang="zh-TW" altLang="en-US" baseline="0" dirty="0" smtClean="0">
+                          <a:latin typeface="微軟正黑體" panose="020B0604030504040204" pitchFamily="34" charset="-120"/>
+                          <a:ea typeface="微軟正黑體" panose="020B0604030504040204" pitchFamily="34" charset="-120"/>
+                        </a:rPr>
                         <a:t>四</a:t>
-                      </a:r>
-                      <a:r>
-                        <a:rPr lang="en-US" altLang="zh-TW" dirty="0" smtClean="0">
-                          <a:latin typeface="微軟正黑體" panose="020B0604030504040204" pitchFamily="34" charset="-120"/>
-                          <a:ea typeface="微軟正黑體" panose="020B0604030504040204" pitchFamily="34" charset="-120"/>
-                        </a:rPr>
-                        <a:t>)</a:t>
-                      </a:r>
-                      <a:r>
-                        <a:rPr lang="en-US" altLang="zh-TW" baseline="0" dirty="0" smtClean="0">
-                          <a:latin typeface="微軟正黑體" panose="020B0604030504040204" pitchFamily="34" charset="-120"/>
-                          <a:ea typeface="微軟正黑體" panose="020B0604030504040204" pitchFamily="34" charset="-120"/>
-                        </a:rPr>
-                        <a:t> – 3/26(</a:t>
-                      </a:r>
-                      <a:r>
-                        <a:rPr lang="zh-TW" altLang="en-US" baseline="0" dirty="0" smtClean="0">
-                          <a:latin typeface="微軟正黑體" panose="020B0604030504040204" pitchFamily="34" charset="-120"/>
-                          <a:ea typeface="微軟正黑體" panose="020B0604030504040204" pitchFamily="34" charset="-120"/>
-                        </a:rPr>
-                        <a:t>三</a:t>
                       </a:r>
                       <a:r>
                         <a:rPr lang="en-US" altLang="zh-TW" baseline="0" dirty="0" smtClean="0">
@@ -5729,90 +5962,6 @@
                     <a:bodyPr/>
                     <a:lstStyle/>
                     <a:p>
-                      <a:r>
-                        <a:rPr lang="zh-TW" altLang="en-US" dirty="0" smtClean="0">
-                          <a:solidFill>
-                            <a:srgbClr val="92D050"/>
-                          </a:solidFill>
-                          <a:latin typeface="微軟正黑體" panose="020B0604030504040204" pitchFamily="34" charset="-120"/>
-                          <a:ea typeface="微軟正黑體" panose="020B0604030504040204" pitchFamily="34" charset="-120"/>
-                        </a:rPr>
-                        <a:t>上傳影像、</a:t>
-                      </a:r>
-                      <a:endParaRPr lang="en-US" altLang="zh-TW" dirty="0" smtClean="0">
-                        <a:solidFill>
-                          <a:srgbClr val="92D050"/>
-                        </a:solidFill>
-                        <a:latin typeface="微軟正黑體" panose="020B0604030504040204" pitchFamily="34" charset="-120"/>
-                        <a:ea typeface="微軟正黑體" panose="020B0604030504040204" pitchFamily="34" charset="-120"/>
-                      </a:endParaRPr>
-                    </a:p>
-                    <a:p>
-                      <a:pPr marL="0" marR="0" lvl="0" indent="0" algn="l" defTabSz="914400" rtl="0" eaLnBrk="1" fontAlgn="auto" latinLnBrk="0" hangingPunct="1">
-                        <a:lnSpc>
-                          <a:spcPct val="100000"/>
-                        </a:lnSpc>
-                        <a:spcBef>
-                          <a:spcPts val="0"/>
-                        </a:spcBef>
-                        <a:spcAft>
-                          <a:spcPts val="0"/>
-                        </a:spcAft>
-                        <a:buClrTx/>
-                        <a:buSzTx/>
-                        <a:buFontTx/>
-                        <a:buNone/>
-                        <a:tabLst/>
-                        <a:defRPr/>
-                      </a:pPr>
-                      <a:r>
-                        <a:rPr lang="zh-TW" altLang="en-US" dirty="0" smtClean="0">
-                          <a:solidFill>
-                            <a:srgbClr val="92D050"/>
-                          </a:solidFill>
-                          <a:latin typeface="微軟正黑體" panose="020B0604030504040204" pitchFamily="34" charset="-120"/>
-                          <a:ea typeface="微軟正黑體" panose="020B0604030504040204" pitchFamily="34" charset="-120"/>
-                        </a:rPr>
-                        <a:t>新增成員</a:t>
-                      </a:r>
-                      <a:endParaRPr lang="en-US" altLang="zh-TW" dirty="0" smtClean="0">
-                        <a:solidFill>
-                          <a:srgbClr val="92D050"/>
-                        </a:solidFill>
-                        <a:latin typeface="微軟正黑體" panose="020B0604030504040204" pitchFamily="34" charset="-120"/>
-                        <a:ea typeface="微軟正黑體" panose="020B0604030504040204" pitchFamily="34" charset="-120"/>
-                      </a:endParaRPr>
-                    </a:p>
-                    <a:p>
-                      <a:r>
-                        <a:rPr lang="zh-TW" altLang="en-US" dirty="0" smtClean="0">
-                          <a:solidFill>
-                            <a:srgbClr val="92D050"/>
-                          </a:solidFill>
-                          <a:latin typeface="微軟正黑體" panose="020B0604030504040204" pitchFamily="34" charset="-120"/>
-                          <a:ea typeface="微軟正黑體" panose="020B0604030504040204" pitchFamily="34" charset="-120"/>
-                        </a:rPr>
-                        <a:t>腦部影像分析、</a:t>
-                      </a:r>
-                      <a:endParaRPr lang="en-US" altLang="zh-TW" dirty="0" smtClean="0">
-                        <a:solidFill>
-                          <a:srgbClr val="92D050"/>
-                        </a:solidFill>
-                        <a:latin typeface="微軟正黑體" panose="020B0604030504040204" pitchFamily="34" charset="-120"/>
-                        <a:ea typeface="微軟正黑體" panose="020B0604030504040204" pitchFamily="34" charset="-120"/>
-                      </a:endParaRPr>
-                    </a:p>
-                    <a:p>
-                      <a:r>
-                        <a:rPr lang="zh-TW" altLang="en-US" dirty="0" smtClean="0">
-                          <a:solidFill>
-                            <a:srgbClr val="92D050"/>
-                          </a:solidFill>
-                          <a:latin typeface="微軟正黑體" panose="020B0604030504040204" pitchFamily="34" charset="-120"/>
-                          <a:ea typeface="微軟正黑體" panose="020B0604030504040204" pitchFamily="34" charset="-120"/>
-                        </a:rPr>
-                        <a:t>腦部影像紀錄、</a:t>
-                      </a:r>
                       <a:endParaRPr lang="zh-TW" altLang="en-US" dirty="0">
                         <a:solidFill>
                           <a:srgbClr val="92D050"/>
@@ -5837,17 +5986,7 @@
                           <a:latin typeface="微軟正黑體" panose="020B0604030504040204" pitchFamily="34" charset="-120"/>
                           <a:ea typeface="微軟正黑體" panose="020B0604030504040204" pitchFamily="34" charset="-120"/>
                         </a:rPr>
-                        <a:t>模型與後端串接</a:t>
-                      </a:r>
-                      <a:r>
-                        <a:rPr lang="zh-TW" altLang="en-US" dirty="0" smtClean="0">
-                          <a:solidFill>
-                            <a:srgbClr val="FFFF00"/>
-                          </a:solidFill>
-                          <a:latin typeface="微軟正黑體" panose="020B0604030504040204" pitchFamily="34" charset="-120"/>
-                          <a:ea typeface="微軟正黑體" panose="020B0604030504040204" pitchFamily="34" charset="-120"/>
-                        </a:rPr>
-                        <a:t>研究</a:t>
+                        <a:t>模型與後端串接研究</a:t>
                       </a:r>
                       <a:endParaRPr lang="en-US" altLang="zh-TW" dirty="0" smtClean="0">
                         <a:solidFill>
@@ -5980,7 +6119,47 @@
                     <a:bodyPr/>
                     <a:lstStyle/>
                     <a:p>
-                      <a:endParaRPr lang="zh-TW" altLang="en-US" dirty="0">
+                      <a:pPr marL="0" marR="0" lvl="0" indent="0" algn="l" defTabSz="914400" rtl="0" eaLnBrk="1" fontAlgn="auto" latinLnBrk="0" hangingPunct="1">
+                        <a:lnSpc>
+                          <a:spcPct val="100000"/>
+                        </a:lnSpc>
+                        <a:spcBef>
+                          <a:spcPts val="0"/>
+                        </a:spcBef>
+                        <a:spcAft>
+                          <a:spcPts val="0"/>
+                        </a:spcAft>
+                        <a:buClrTx/>
+                        <a:buSzTx/>
+                        <a:buFontTx/>
+                        <a:buNone/>
+                        <a:tabLst/>
+                        <a:defRPr/>
+                      </a:pPr>
+                      <a:r>
+                        <a:rPr lang="zh-TW" altLang="en-US" dirty="0" smtClean="0">
+                          <a:solidFill>
+                            <a:srgbClr val="92D050"/>
+                          </a:solidFill>
+                          <a:latin typeface="微軟正黑體" panose="020B0604030504040204" pitchFamily="34" charset="-120"/>
+                          <a:ea typeface="微軟正黑體" panose="020B0604030504040204" pitchFamily="34" charset="-120"/>
+                        </a:rPr>
+                        <a:t>實驗數據整理</a:t>
+                      </a:r>
+                      <a:r>
+                        <a:rPr lang="en-US" altLang="zh-TW" dirty="0" smtClean="0">
+                          <a:solidFill>
+                            <a:srgbClr val="92D050"/>
+                          </a:solidFill>
+                          <a:latin typeface="微軟正黑體" panose="020B0604030504040204" pitchFamily="34" charset="-120"/>
+                          <a:ea typeface="微軟正黑體" panose="020B0604030504040204" pitchFamily="34" charset="-120"/>
+                        </a:rPr>
+                        <a:t>PPT</a:t>
+                      </a:r>
+                      <a:endParaRPr lang="zh-TW" altLang="en-US" dirty="0" smtClean="0">
+                        <a:solidFill>
+                          <a:srgbClr val="92D050"/>
+                        </a:solidFill>
                         <a:latin typeface="微軟正黑體" panose="020B0604030504040204" pitchFamily="34" charset="-120"/>
                         <a:ea typeface="微軟正黑體" panose="020B0604030504040204" pitchFamily="34" charset="-120"/>
                       </a:endParaRPr>
@@ -6026,35 +6205,49 @@
                           <a:latin typeface="微軟正黑體" panose="020B0604030504040204" pitchFamily="34" charset="-120"/>
                           <a:ea typeface="微軟正黑體" panose="020B0604030504040204" pitchFamily="34" charset="-120"/>
                         </a:rPr>
-                        <a:t>3/27(</a:t>
+                        <a:t>3/28(</a:t>
                       </a:r>
                       <a:r>
                         <a:rPr lang="zh-TW" altLang="en-US" dirty="0" smtClean="0">
                           <a:latin typeface="微軟正黑體" panose="020B0604030504040204" pitchFamily="34" charset="-120"/>
                           <a:ea typeface="微軟正黑體" panose="020B0604030504040204" pitchFamily="34" charset="-120"/>
                         </a:rPr>
+                        <a:t>五</a:t>
+                      </a:r>
+                      <a:r>
+                        <a:rPr lang="en-US" altLang="zh-TW" dirty="0" smtClean="0">
+                          <a:latin typeface="微軟正黑體" panose="020B0604030504040204" pitchFamily="34" charset="-120"/>
+                          <a:ea typeface="微軟正黑體" panose="020B0604030504040204" pitchFamily="34" charset="-120"/>
+                        </a:rPr>
+                        <a:t>)</a:t>
+                      </a:r>
+                      <a:r>
+                        <a:rPr lang="en-US" altLang="zh-TW" baseline="0" dirty="0" smtClean="0">
+                          <a:latin typeface="微軟正黑體" panose="020B0604030504040204" pitchFamily="34" charset="-120"/>
+                          <a:ea typeface="微軟正黑體" panose="020B0604030504040204" pitchFamily="34" charset="-120"/>
+                        </a:rPr>
+                        <a:t> </a:t>
+                      </a:r>
+                      <a:r>
+                        <a:rPr lang="en-US" altLang="zh-TW" baseline="0" dirty="0" smtClean="0">
+                          <a:latin typeface="微軟正黑體" panose="020B0604030504040204" pitchFamily="34" charset="-120"/>
+                          <a:ea typeface="微軟正黑體" panose="020B0604030504040204" pitchFamily="34" charset="-120"/>
+                        </a:rPr>
+                        <a:t>– </a:t>
+                      </a:r>
+                      <a:r>
+                        <a:rPr lang="en-US" altLang="zh-TW" baseline="0" dirty="0" smtClean="0">
+                          <a:latin typeface="微軟正黑體" panose="020B0604030504040204" pitchFamily="34" charset="-120"/>
+                          <a:ea typeface="微軟正黑體" panose="020B0604030504040204" pitchFamily="34" charset="-120"/>
+                        </a:rPr>
+                        <a:t>4/3(</a:t>
+                      </a:r>
+                      <a:r>
+                        <a:rPr lang="zh-TW" altLang="en-US" baseline="0" dirty="0" smtClean="0">
+                          <a:latin typeface="微軟正黑體" panose="020B0604030504040204" pitchFamily="34" charset="-120"/>
+                          <a:ea typeface="微軟正黑體" panose="020B0604030504040204" pitchFamily="34" charset="-120"/>
+                        </a:rPr>
                         <a:t>四</a:t>
-                      </a:r>
-                      <a:r>
-                        <a:rPr lang="en-US" altLang="zh-TW" dirty="0" smtClean="0">
-                          <a:latin typeface="微軟正黑體" panose="020B0604030504040204" pitchFamily="34" charset="-120"/>
-                          <a:ea typeface="微軟正黑體" panose="020B0604030504040204" pitchFamily="34" charset="-120"/>
-                        </a:rPr>
-                        <a:t>)</a:t>
-                      </a:r>
-                      <a:r>
-                        <a:rPr lang="en-US" altLang="zh-TW" baseline="0" dirty="0" smtClean="0">
-                          <a:latin typeface="微軟正黑體" panose="020B0604030504040204" pitchFamily="34" charset="-120"/>
-                          <a:ea typeface="微軟正黑體" panose="020B0604030504040204" pitchFamily="34" charset="-120"/>
-                        </a:rPr>
-                        <a:t> – 4/2(</a:t>
-                      </a:r>
-                      <a:r>
-                        <a:rPr lang="zh-TW" altLang="en-US" baseline="0" dirty="0" smtClean="0">
-                          <a:latin typeface="微軟正黑體" panose="020B0604030504040204" pitchFamily="34" charset="-120"/>
-                          <a:ea typeface="微軟正黑體" panose="020B0604030504040204" pitchFamily="34" charset="-120"/>
-                        </a:rPr>
-                        <a:t>三</a:t>
                       </a:r>
                       <a:r>
                         <a:rPr lang="en-US" altLang="zh-TW" baseline="0" dirty="0" smtClean="0">
@@ -6238,26 +6431,6 @@
                         <a:tabLst/>
                         <a:defRPr/>
                       </a:pPr>
-                      <a:r>
-                        <a:rPr lang="zh-TW" altLang="en-US" dirty="0" smtClean="0">
-                          <a:solidFill>
-                            <a:srgbClr val="92D050"/>
-                          </a:solidFill>
-                          <a:latin typeface="微軟正黑體" panose="020B0604030504040204" pitchFamily="34" charset="-120"/>
-                          <a:ea typeface="微軟正黑體" panose="020B0604030504040204" pitchFamily="34" charset="-120"/>
-                        </a:rPr>
-                        <a:t>實驗數據整理</a:t>
-                      </a:r>
-                      <a:r>
-                        <a:rPr lang="en-US" altLang="zh-TW" dirty="0" smtClean="0">
-                          <a:solidFill>
-                            <a:srgbClr val="92D050"/>
-                          </a:solidFill>
-                          <a:latin typeface="微軟正黑體" panose="020B0604030504040204" pitchFamily="34" charset="-120"/>
-                          <a:ea typeface="微軟正黑體" panose="020B0604030504040204" pitchFamily="34" charset="-120"/>
-                        </a:rPr>
-                        <a:t>PPT</a:t>
-                      </a:r>
                       <a:endParaRPr lang="zh-TW" altLang="en-US" dirty="0" smtClean="0">
                         <a:solidFill>
                           <a:srgbClr val="92D050"/>
@@ -6379,35 +6552,49 @@
                           <a:latin typeface="微軟正黑體" panose="020B0604030504040204" pitchFamily="34" charset="-120"/>
                           <a:ea typeface="微軟正黑體" panose="020B0604030504040204" pitchFamily="34" charset="-120"/>
                         </a:rPr>
-                        <a:t>4/3(</a:t>
+                        <a:t>4/4(</a:t>
                       </a:r>
                       <a:r>
                         <a:rPr lang="zh-TW" altLang="en-US" dirty="0" smtClean="0">
                           <a:latin typeface="微軟正黑體" panose="020B0604030504040204" pitchFamily="34" charset="-120"/>
                           <a:ea typeface="微軟正黑體" panose="020B0604030504040204" pitchFamily="34" charset="-120"/>
                         </a:rPr>
+                        <a:t>五</a:t>
+                      </a:r>
+                      <a:r>
+                        <a:rPr lang="en-US" altLang="zh-TW" dirty="0" smtClean="0">
+                          <a:latin typeface="微軟正黑體" panose="020B0604030504040204" pitchFamily="34" charset="-120"/>
+                          <a:ea typeface="微軟正黑體" panose="020B0604030504040204" pitchFamily="34" charset="-120"/>
+                        </a:rPr>
+                        <a:t>)</a:t>
+                      </a:r>
+                      <a:r>
+                        <a:rPr lang="en-US" altLang="zh-TW" baseline="0" dirty="0" smtClean="0">
+                          <a:latin typeface="微軟正黑體" panose="020B0604030504040204" pitchFamily="34" charset="-120"/>
+                          <a:ea typeface="微軟正黑體" panose="020B0604030504040204" pitchFamily="34" charset="-120"/>
+                        </a:rPr>
+                        <a:t> </a:t>
+                      </a:r>
+                      <a:r>
+                        <a:rPr lang="en-US" altLang="zh-TW" baseline="0" dirty="0" smtClean="0">
+                          <a:latin typeface="微軟正黑體" panose="020B0604030504040204" pitchFamily="34" charset="-120"/>
+                          <a:ea typeface="微軟正黑體" panose="020B0604030504040204" pitchFamily="34" charset="-120"/>
+                        </a:rPr>
+                        <a:t>– </a:t>
+                      </a:r>
+                      <a:r>
+                        <a:rPr lang="en-US" altLang="zh-TW" baseline="0" dirty="0" smtClean="0">
+                          <a:latin typeface="微軟正黑體" panose="020B0604030504040204" pitchFamily="34" charset="-120"/>
+                          <a:ea typeface="微軟正黑體" panose="020B0604030504040204" pitchFamily="34" charset="-120"/>
+                        </a:rPr>
+                        <a:t>4/10(</a:t>
+                      </a:r>
+                      <a:r>
+                        <a:rPr lang="zh-TW" altLang="en-US" baseline="0" dirty="0" smtClean="0">
+                          <a:latin typeface="微軟正黑體" panose="020B0604030504040204" pitchFamily="34" charset="-120"/>
+                          <a:ea typeface="微軟正黑體" panose="020B0604030504040204" pitchFamily="34" charset="-120"/>
+                        </a:rPr>
                         <a:t>四</a:t>
-                      </a:r>
-                      <a:r>
-                        <a:rPr lang="en-US" altLang="zh-TW" dirty="0" smtClean="0">
-                          <a:latin typeface="微軟正黑體" panose="020B0604030504040204" pitchFamily="34" charset="-120"/>
-                          <a:ea typeface="微軟正黑體" panose="020B0604030504040204" pitchFamily="34" charset="-120"/>
-                        </a:rPr>
-                        <a:t>)</a:t>
-                      </a:r>
-                      <a:r>
-                        <a:rPr lang="en-US" altLang="zh-TW" baseline="0" dirty="0" smtClean="0">
-                          <a:latin typeface="微軟正黑體" panose="020B0604030504040204" pitchFamily="34" charset="-120"/>
-                          <a:ea typeface="微軟正黑體" panose="020B0604030504040204" pitchFamily="34" charset="-120"/>
-                        </a:rPr>
-                        <a:t> – 4/9(</a:t>
-                      </a:r>
-                      <a:r>
-                        <a:rPr lang="zh-TW" altLang="en-US" baseline="0" dirty="0" smtClean="0">
-                          <a:latin typeface="微軟正黑體" panose="020B0604030504040204" pitchFamily="34" charset="-120"/>
-                          <a:ea typeface="微軟正黑體" panose="020B0604030504040204" pitchFamily="34" charset="-120"/>
-                        </a:rPr>
-                        <a:t>三</a:t>
                       </a:r>
                       <a:r>
                         <a:rPr lang="en-US" altLang="zh-TW" baseline="0" dirty="0" smtClean="0">
@@ -6525,14 +6712,14 @@
                           <a:latin typeface="微軟正黑體" panose="020B0604030504040204" pitchFamily="34" charset="-120"/>
                           <a:ea typeface="微軟正黑體" panose="020B0604030504040204" pitchFamily="34" charset="-120"/>
                         </a:rPr>
-                        <a:t>4/10(</a:t>
+                        <a:t>4/11(</a:t>
                       </a:r>
                       <a:r>
                         <a:rPr lang="zh-TW" altLang="en-US" dirty="0" smtClean="0">
                           <a:latin typeface="微軟正黑體" panose="020B0604030504040204" pitchFamily="34" charset="-120"/>
                           <a:ea typeface="微軟正黑體" panose="020B0604030504040204" pitchFamily="34" charset="-120"/>
                         </a:rPr>
-                        <a:t>四</a:t>
+                        <a:t>五</a:t>
                       </a:r>
                       <a:r>
                         <a:rPr lang="en-US" altLang="zh-TW" dirty="0" smtClean="0">
@@ -6546,12 +6733,19 @@
                           <a:latin typeface="微軟正黑體" panose="020B0604030504040204" pitchFamily="34" charset="-120"/>
                           <a:ea typeface="微軟正黑體" panose="020B0604030504040204" pitchFamily="34" charset="-120"/>
                         </a:rPr>
-                        <a:t> – </a:t>
+                        <a:t> </a:t>
+                      </a:r>
+                      <a:r>
+                        <a:rPr lang="en-US" altLang="zh-TW" baseline="0" dirty="0" smtClean="0">
+                          <a:latin typeface="微軟正黑體" panose="020B0604030504040204" pitchFamily="34" charset="-120"/>
+                          <a:ea typeface="微軟正黑體" panose="020B0604030504040204" pitchFamily="34" charset="-120"/>
+                        </a:rPr>
+                        <a:t>– </a:t>
                       </a:r>
                       <a:r>
                         <a:rPr lang="en-US" altLang="zh-TW" baseline="0" dirty="0" smtClean="0">
                           <a:solidFill>
-                            <a:srgbClr val="FF0000"/>
+                            <a:schemeClr val="tx1"/>
                           </a:solidFill>
                           <a:latin typeface="微軟正黑體" panose="020B0604030504040204" pitchFamily="34" charset="-120"/>
                           <a:ea typeface="微軟正黑體" panose="020B0604030504040204" pitchFamily="34" charset="-120"/>
@@ -6561,7 +6755,7 @@
                       <a:r>
                         <a:rPr lang="zh-TW" altLang="en-US" baseline="0" dirty="0" smtClean="0">
                           <a:solidFill>
-                            <a:srgbClr val="FF0000"/>
+                            <a:schemeClr val="tx1"/>
                           </a:solidFill>
                           <a:latin typeface="微軟正黑體" panose="020B0604030504040204" pitchFamily="34" charset="-120"/>
                           <a:ea typeface="微軟正黑體" panose="020B0604030504040204" pitchFamily="34" charset="-120"/>
@@ -6571,7 +6765,7 @@
                       <a:r>
                         <a:rPr lang="en-US" altLang="zh-TW" baseline="0" dirty="0" smtClean="0">
                           <a:solidFill>
-                            <a:srgbClr val="FF0000"/>
+                            <a:schemeClr val="tx1"/>
                           </a:solidFill>
                           <a:latin typeface="微軟正黑體" panose="020B0604030504040204" pitchFamily="34" charset="-120"/>
                           <a:ea typeface="微軟正黑體" panose="020B0604030504040204" pitchFamily="34" charset="-120"/>
@@ -6580,7 +6774,7 @@
                       </a:r>
                       <a:endParaRPr lang="zh-TW" altLang="en-US" dirty="0">
                         <a:solidFill>
-                          <a:srgbClr val="FF0000"/>
+                          <a:schemeClr val="tx1"/>
                         </a:solidFill>
                         <a:latin typeface="微軟正黑體" panose="020B0604030504040204" pitchFamily="34" charset="-120"/>
                         <a:ea typeface="微軟正黑體" panose="020B0604030504040204" pitchFamily="34" charset="-120"/>
@@ -6695,7 +6889,7 @@
                       <a:r>
                         <a:rPr lang="en-US" altLang="zh-TW" dirty="0" smtClean="0">
                           <a:solidFill>
-                            <a:srgbClr val="FF0000"/>
+                            <a:schemeClr val="tx1"/>
                           </a:solidFill>
                           <a:latin typeface="微軟正黑體" panose="020B0604030504040204" pitchFamily="34" charset="-120"/>
                           <a:ea typeface="微軟正黑體" panose="020B0604030504040204" pitchFamily="34" charset="-120"/>
@@ -6705,7 +6899,7 @@
                       <a:r>
                         <a:rPr lang="zh-TW" altLang="en-US" dirty="0" smtClean="0">
                           <a:solidFill>
-                            <a:srgbClr val="FF0000"/>
+                            <a:schemeClr val="tx1"/>
                           </a:solidFill>
                           <a:latin typeface="微軟正黑體" panose="020B0604030504040204" pitchFamily="34" charset="-120"/>
                           <a:ea typeface="微軟正黑體" panose="020B0604030504040204" pitchFamily="34" charset="-120"/>
@@ -6715,7 +6909,7 @@
                       <a:r>
                         <a:rPr lang="en-US" altLang="zh-TW" dirty="0" smtClean="0">
                           <a:solidFill>
-                            <a:srgbClr val="FF0000"/>
+                            <a:schemeClr val="tx1"/>
                           </a:solidFill>
                           <a:latin typeface="微軟正黑體" panose="020B0604030504040204" pitchFamily="34" charset="-120"/>
                           <a:ea typeface="微軟正黑體" panose="020B0604030504040204" pitchFamily="34" charset="-120"/>
@@ -6727,14 +6921,21 @@
                           <a:latin typeface="微軟正黑體" panose="020B0604030504040204" pitchFamily="34" charset="-120"/>
                           <a:ea typeface="微軟正黑體" panose="020B0604030504040204" pitchFamily="34" charset="-120"/>
                         </a:rPr>
-                        <a:t>– 4/23(</a:t>
+                        <a:t>– </a:t>
+                      </a:r>
+                      <a:r>
+                        <a:rPr lang="en-US" altLang="zh-TW" dirty="0" smtClean="0">
+                          <a:latin typeface="微軟正黑體" panose="020B0604030504040204" pitchFamily="34" charset="-120"/>
+                          <a:ea typeface="微軟正黑體" panose="020B0604030504040204" pitchFamily="34" charset="-120"/>
+                        </a:rPr>
+                        <a:t>4/24(</a:t>
                       </a:r>
                       <a:r>
                         <a:rPr lang="zh-TW" altLang="en-US" dirty="0" smtClean="0">
                           <a:latin typeface="微軟正黑體" panose="020B0604030504040204" pitchFamily="34" charset="-120"/>
                           <a:ea typeface="微軟正黑體" panose="020B0604030504040204" pitchFamily="34" charset="-120"/>
                         </a:rPr>
-                        <a:t>三</a:t>
+                        <a:t>四</a:t>
                       </a:r>
                       <a:r>
                         <a:rPr lang="en-US" altLang="zh-TW" dirty="0" smtClean="0">
@@ -6833,17 +7034,7 @@
                           <a:latin typeface="微軟正黑體" panose="020B0604030504040204" pitchFamily="34" charset="-120"/>
                           <a:ea typeface="微軟正黑體" panose="020B0604030504040204" pitchFamily="34" charset="-120"/>
                         </a:rPr>
-                        <a:t>API</a:t>
-                      </a:r>
-                      <a:r>
-                        <a:rPr lang="en-US" altLang="zh-TW" dirty="0" smtClean="0">
-                          <a:solidFill>
-                            <a:srgbClr val="00B0F0"/>
-                          </a:solidFill>
-                          <a:latin typeface="微軟正黑體" panose="020B0604030504040204" pitchFamily="34" charset="-120"/>
-                          <a:ea typeface="微軟正黑體" panose="020B0604030504040204" pitchFamily="34" charset="-120"/>
-                        </a:rPr>
-                        <a:t>[</a:t>
+                        <a:t>API[</a:t>
                       </a:r>
                       <a:r>
                         <a:rPr lang="zh-TW" altLang="en-US" dirty="0" smtClean="0">
@@ -7053,35 +7244,49 @@
                           <a:latin typeface="微軟正黑體" panose="020B0604030504040204" pitchFamily="34" charset="-120"/>
                           <a:ea typeface="微軟正黑體" panose="020B0604030504040204" pitchFamily="34" charset="-120"/>
                         </a:rPr>
-                        <a:t>4/24(</a:t>
+                        <a:t>4/25(</a:t>
                       </a:r>
                       <a:r>
                         <a:rPr lang="zh-TW" altLang="en-US" dirty="0" smtClean="0">
                           <a:latin typeface="微軟正黑體" panose="020B0604030504040204" pitchFamily="34" charset="-120"/>
                           <a:ea typeface="微軟正黑體" panose="020B0604030504040204" pitchFamily="34" charset="-120"/>
                         </a:rPr>
+                        <a:t>五</a:t>
+                      </a:r>
+                      <a:r>
+                        <a:rPr lang="en-US" altLang="zh-TW" dirty="0" smtClean="0">
+                          <a:latin typeface="微軟正黑體" panose="020B0604030504040204" pitchFamily="34" charset="-120"/>
+                          <a:ea typeface="微軟正黑體" panose="020B0604030504040204" pitchFamily="34" charset="-120"/>
+                        </a:rPr>
+                        <a:t>)</a:t>
+                      </a:r>
+                      <a:r>
+                        <a:rPr lang="en-US" altLang="zh-TW" baseline="0" dirty="0" smtClean="0">
+                          <a:latin typeface="微軟正黑體" panose="020B0604030504040204" pitchFamily="34" charset="-120"/>
+                          <a:ea typeface="微軟正黑體" panose="020B0604030504040204" pitchFamily="34" charset="-120"/>
+                        </a:rPr>
+                        <a:t> </a:t>
+                      </a:r>
+                      <a:r>
+                        <a:rPr lang="en-US" altLang="zh-TW" baseline="0" dirty="0" smtClean="0">
+                          <a:latin typeface="微軟正黑體" panose="020B0604030504040204" pitchFamily="34" charset="-120"/>
+                          <a:ea typeface="微軟正黑體" panose="020B0604030504040204" pitchFamily="34" charset="-120"/>
+                        </a:rPr>
+                        <a:t>– </a:t>
+                      </a:r>
+                      <a:r>
+                        <a:rPr lang="en-US" altLang="zh-TW" baseline="0" dirty="0" smtClean="0">
+                          <a:latin typeface="微軟正黑體" panose="020B0604030504040204" pitchFamily="34" charset="-120"/>
+                          <a:ea typeface="微軟正黑體" panose="020B0604030504040204" pitchFamily="34" charset="-120"/>
+                        </a:rPr>
+                        <a:t>5/1(</a:t>
+                      </a:r>
+                      <a:r>
+                        <a:rPr lang="zh-TW" altLang="en-US" baseline="0" dirty="0" smtClean="0">
+                          <a:latin typeface="微軟正黑體" panose="020B0604030504040204" pitchFamily="34" charset="-120"/>
+                          <a:ea typeface="微軟正黑體" panose="020B0604030504040204" pitchFamily="34" charset="-120"/>
+                        </a:rPr>
                         <a:t>四</a:t>
-                      </a:r>
-                      <a:r>
-                        <a:rPr lang="en-US" altLang="zh-TW" dirty="0" smtClean="0">
-                          <a:latin typeface="微軟正黑體" panose="020B0604030504040204" pitchFamily="34" charset="-120"/>
-                          <a:ea typeface="微軟正黑體" panose="020B0604030504040204" pitchFamily="34" charset="-120"/>
-                        </a:rPr>
-                        <a:t>)</a:t>
-                      </a:r>
-                      <a:r>
-                        <a:rPr lang="en-US" altLang="zh-TW" baseline="0" dirty="0" smtClean="0">
-                          <a:latin typeface="微軟正黑體" panose="020B0604030504040204" pitchFamily="34" charset="-120"/>
-                          <a:ea typeface="微軟正黑體" panose="020B0604030504040204" pitchFamily="34" charset="-120"/>
-                        </a:rPr>
-                        <a:t> – 4/30(</a:t>
-                      </a:r>
-                      <a:r>
-                        <a:rPr lang="zh-TW" altLang="en-US" baseline="0" dirty="0" smtClean="0">
-                          <a:latin typeface="微軟正黑體" panose="020B0604030504040204" pitchFamily="34" charset="-120"/>
-                          <a:ea typeface="微軟正黑體" panose="020B0604030504040204" pitchFamily="34" charset="-120"/>
-                        </a:rPr>
-                        <a:t>三</a:t>
                       </a:r>
                       <a:r>
                         <a:rPr lang="en-US" altLang="zh-TW" baseline="0" dirty="0" smtClean="0">
@@ -7318,35 +7523,49 @@
                           <a:latin typeface="微軟正黑體" panose="020B0604030504040204" pitchFamily="34" charset="-120"/>
                           <a:ea typeface="微軟正黑體" panose="020B0604030504040204" pitchFamily="34" charset="-120"/>
                         </a:rPr>
-                        <a:t>5/1(</a:t>
+                        <a:t>5/2(</a:t>
                       </a:r>
                       <a:r>
                         <a:rPr lang="zh-TW" altLang="en-US" dirty="0" smtClean="0">
                           <a:latin typeface="微軟正黑體" panose="020B0604030504040204" pitchFamily="34" charset="-120"/>
                           <a:ea typeface="微軟正黑體" panose="020B0604030504040204" pitchFamily="34" charset="-120"/>
                         </a:rPr>
+                        <a:t>五</a:t>
+                      </a:r>
+                      <a:r>
+                        <a:rPr lang="en-US" altLang="zh-TW" dirty="0" smtClean="0">
+                          <a:latin typeface="微軟正黑體" panose="020B0604030504040204" pitchFamily="34" charset="-120"/>
+                          <a:ea typeface="微軟正黑體" panose="020B0604030504040204" pitchFamily="34" charset="-120"/>
+                        </a:rPr>
+                        <a:t>)</a:t>
+                      </a:r>
+                      <a:r>
+                        <a:rPr lang="en-US" altLang="zh-TW" baseline="0" dirty="0" smtClean="0">
+                          <a:latin typeface="微軟正黑體" panose="020B0604030504040204" pitchFamily="34" charset="-120"/>
+                          <a:ea typeface="微軟正黑體" panose="020B0604030504040204" pitchFamily="34" charset="-120"/>
+                        </a:rPr>
+                        <a:t> </a:t>
+                      </a:r>
+                      <a:r>
+                        <a:rPr lang="en-US" altLang="zh-TW" baseline="0" dirty="0" smtClean="0">
+                          <a:latin typeface="微軟正黑體" panose="020B0604030504040204" pitchFamily="34" charset="-120"/>
+                          <a:ea typeface="微軟正黑體" panose="020B0604030504040204" pitchFamily="34" charset="-120"/>
+                        </a:rPr>
+                        <a:t>– </a:t>
+                      </a:r>
+                      <a:r>
+                        <a:rPr lang="en-US" altLang="zh-TW" baseline="0" dirty="0" smtClean="0">
+                          <a:latin typeface="微軟正黑體" panose="020B0604030504040204" pitchFamily="34" charset="-120"/>
+                          <a:ea typeface="微軟正黑體" panose="020B0604030504040204" pitchFamily="34" charset="-120"/>
+                        </a:rPr>
+                        <a:t>5/8(</a:t>
+                      </a:r>
+                      <a:r>
+                        <a:rPr lang="zh-TW" altLang="en-US" baseline="0" dirty="0" smtClean="0">
+                          <a:latin typeface="微軟正黑體" panose="020B0604030504040204" pitchFamily="34" charset="-120"/>
+                          <a:ea typeface="微軟正黑體" panose="020B0604030504040204" pitchFamily="34" charset="-120"/>
+                        </a:rPr>
                         <a:t>四</a:t>
-                      </a:r>
-                      <a:r>
-                        <a:rPr lang="en-US" altLang="zh-TW" dirty="0" smtClean="0">
-                          <a:latin typeface="微軟正黑體" panose="020B0604030504040204" pitchFamily="34" charset="-120"/>
-                          <a:ea typeface="微軟正黑體" panose="020B0604030504040204" pitchFamily="34" charset="-120"/>
-                        </a:rPr>
-                        <a:t>)</a:t>
-                      </a:r>
-                      <a:r>
-                        <a:rPr lang="en-US" altLang="zh-TW" baseline="0" dirty="0" smtClean="0">
-                          <a:latin typeface="微軟正黑體" panose="020B0604030504040204" pitchFamily="34" charset="-120"/>
-                          <a:ea typeface="微軟正黑體" panose="020B0604030504040204" pitchFamily="34" charset="-120"/>
-                        </a:rPr>
-                        <a:t> – 5/7(</a:t>
-                      </a:r>
-                      <a:r>
-                        <a:rPr lang="zh-TW" altLang="en-US" baseline="0" dirty="0" smtClean="0">
-                          <a:latin typeface="微軟正黑體" panose="020B0604030504040204" pitchFamily="34" charset="-120"/>
-                          <a:ea typeface="微軟正黑體" panose="020B0604030504040204" pitchFamily="34" charset="-120"/>
-                        </a:rPr>
-                        <a:t>三</a:t>
                       </a:r>
                       <a:r>
                         <a:rPr lang="en-US" altLang="zh-TW" baseline="0" dirty="0" smtClean="0">
@@ -7470,28 +7689,42 @@
                           <a:latin typeface="微軟正黑體" panose="020B0604030504040204" pitchFamily="34" charset="-120"/>
                           <a:ea typeface="微軟正黑體" panose="020B0604030504040204" pitchFamily="34" charset="-120"/>
                         </a:rPr>
-                        <a:t>5/8(</a:t>
+                        <a:t>5/9(</a:t>
                       </a:r>
                       <a:r>
                         <a:rPr lang="zh-TW" altLang="en-US" dirty="0" smtClean="0">
                           <a:latin typeface="微軟正黑體" panose="020B0604030504040204" pitchFamily="34" charset="-120"/>
                           <a:ea typeface="微軟正黑體" panose="020B0604030504040204" pitchFamily="34" charset="-120"/>
                         </a:rPr>
-                        <a:t>四</a:t>
+                        <a:t>五</a:t>
                       </a:r>
                       <a:r>
                         <a:rPr lang="en-US" altLang="zh-TW" dirty="0" smtClean="0">
                           <a:latin typeface="微軟正黑體" panose="020B0604030504040204" pitchFamily="34" charset="-120"/>
                           <a:ea typeface="微軟正黑體" panose="020B0604030504040204" pitchFamily="34" charset="-120"/>
                         </a:rPr>
-                        <a:t>) – 5/11(</a:t>
+                        <a:t>) </a:t>
+                      </a:r>
+                      <a:r>
+                        <a:rPr lang="en-US" altLang="zh-TW" dirty="0" smtClean="0">
+                          <a:latin typeface="微軟正黑體" panose="020B0604030504040204" pitchFamily="34" charset="-120"/>
+                          <a:ea typeface="微軟正黑體" panose="020B0604030504040204" pitchFamily="34" charset="-120"/>
+                        </a:rPr>
+                        <a:t>– </a:t>
+                      </a:r>
+                      <a:r>
+                        <a:rPr lang="en-US" altLang="zh-TW" dirty="0" smtClean="0">
+                          <a:latin typeface="微軟正黑體" panose="020B0604030504040204" pitchFamily="34" charset="-120"/>
+                          <a:ea typeface="微軟正黑體" panose="020B0604030504040204" pitchFamily="34" charset="-120"/>
+                        </a:rPr>
+                        <a:t>5/12(</a:t>
                       </a:r>
                       <a:r>
                         <a:rPr lang="zh-TW" altLang="en-US" dirty="0" smtClean="0">
                           <a:latin typeface="微軟正黑體" panose="020B0604030504040204" pitchFamily="34" charset="-120"/>
                           <a:ea typeface="微軟正黑體" panose="020B0604030504040204" pitchFamily="34" charset="-120"/>
                         </a:rPr>
-                        <a:t>三</a:t>
+                        <a:t>一</a:t>
                       </a:r>
                       <a:r>
                         <a:rPr lang="en-US" altLang="zh-TW" dirty="0" smtClean="0">
@@ -7519,14 +7752,35 @@
                           <a:latin typeface="微軟正黑體" panose="020B0604030504040204" pitchFamily="34" charset="-120"/>
                           <a:ea typeface="微軟正黑體" panose="020B0604030504040204" pitchFamily="34" charset="-120"/>
                         </a:rPr>
-                        <a:t>5/12</a:t>
+                        <a:t>5/12(</a:t>
                       </a:r>
                       <a:r>
                         <a:rPr lang="zh-TW" altLang="en-US" dirty="0" smtClean="0">
                           <a:latin typeface="微軟正黑體" panose="020B0604030504040204" pitchFamily="34" charset="-120"/>
                           <a:ea typeface="微軟正黑體" panose="020B0604030504040204" pitchFamily="34" charset="-120"/>
                         </a:rPr>
-                        <a:t>報名截止</a:t>
+                        <a:t>一</a:t>
+                      </a:r>
+                      <a:r>
+                        <a:rPr lang="en-US" altLang="zh-TW" dirty="0" smtClean="0">
+                          <a:latin typeface="微軟正黑體" panose="020B0604030504040204" pitchFamily="34" charset="-120"/>
+                          <a:ea typeface="微軟正黑體" panose="020B0604030504040204" pitchFamily="34" charset="-120"/>
+                        </a:rPr>
+                        <a:t>)</a:t>
+                      </a:r>
+                      <a:r>
+                        <a:rPr lang="zh-TW" altLang="en-US" dirty="0" smtClean="0">
+                          <a:latin typeface="微軟正黑體" panose="020B0604030504040204" pitchFamily="34" charset="-120"/>
+                          <a:ea typeface="微軟正黑體" panose="020B0604030504040204" pitchFamily="34" charset="-120"/>
+                        </a:rPr>
+                        <a:t>報名</a:t>
+                      </a:r>
+                      <a:r>
+                        <a:rPr lang="zh-TW" altLang="en-US" dirty="0" smtClean="0">
+                          <a:latin typeface="微軟正黑體" panose="020B0604030504040204" pitchFamily="34" charset="-120"/>
+                          <a:ea typeface="微軟正黑體" panose="020B0604030504040204" pitchFamily="34" charset="-120"/>
+                        </a:rPr>
+                        <a:t>截止</a:t>
                       </a:r>
                       <a:endParaRPr lang="zh-TW" altLang="en-US" dirty="0">
                         <a:latin typeface="微軟正黑體" panose="020B0604030504040204" pitchFamily="34" charset="-120"/>
@@ -7681,6 +7935,13 @@
   <p:clrMapOvr>
     <a:masterClrMapping/>
   </p:clrMapOvr>
+  <p:timing>
+    <p:tnLst>
+      <p:par>
+        <p:cTn id="1" dur="indefinite" restart="never" nodeType="tmRoot"/>
+      </p:par>
+    </p:tnLst>
+  </p:timing>
 </p:sld>
 </file>
 

--- a/會議記錄/會議記錄.pptx
+++ b/會議記錄/會議記錄.pptx
@@ -5,18 +5,24 @@
     <p:sldMasterId id="2147483660" r:id="rId1"/>
   </p:sldMasterIdLst>
   <p:notesMasterIdLst>
-    <p:notesMasterId r:id="rId11"/>
+    <p:notesMasterId r:id="rId17"/>
   </p:notesMasterIdLst>
   <p:sldIdLst>
     <p:sldId id="256" r:id="rId2"/>
     <p:sldId id="262" r:id="rId3"/>
     <p:sldId id="260" r:id="rId4"/>
-    <p:sldId id="261" r:id="rId5"/>
-    <p:sldId id="264" r:id="rId6"/>
-    <p:sldId id="263" r:id="rId7"/>
-    <p:sldId id="266" r:id="rId8"/>
-    <p:sldId id="267" r:id="rId9"/>
-    <p:sldId id="265" r:id="rId10"/>
+    <p:sldId id="269" r:id="rId5"/>
+    <p:sldId id="261" r:id="rId6"/>
+    <p:sldId id="264" r:id="rId7"/>
+    <p:sldId id="263" r:id="rId8"/>
+    <p:sldId id="266" r:id="rId9"/>
+    <p:sldId id="267" r:id="rId10"/>
+    <p:sldId id="268" r:id="rId11"/>
+    <p:sldId id="273" r:id="rId12"/>
+    <p:sldId id="272" r:id="rId13"/>
+    <p:sldId id="271" r:id="rId14"/>
+    <p:sldId id="270" r:id="rId15"/>
+    <p:sldId id="265" r:id="rId16"/>
   </p:sldIdLst>
   <p:sldSz cx="12192000" cy="6858000"/>
   <p:notesSz cx="6858000" cy="9144000"/>
@@ -205,7 +211,7 @@
           <a:p>
             <a:fld id="{33C68CCD-F31B-437B-965E-855E94FE60A6}" type="datetimeFigureOut">
               <a:rPr lang="zh-TW" altLang="en-US" smtClean="0"/>
-              <a:t>2025/3/18</a:t>
+              <a:t>2025/3/21</a:t>
             </a:fld>
             <a:endParaRPr lang="zh-TW" altLang="en-US"/>
           </a:p>
@@ -610,7 +616,7 @@
           <a:p>
             <a:fld id="{F404DC6C-E353-4FBF-8B7B-7C2F0DFA34E8}" type="datetimeFigureOut">
               <a:rPr lang="zh-TW" altLang="en-US" smtClean="0"/>
-              <a:t>2025/3/18</a:t>
+              <a:t>2025/3/21</a:t>
             </a:fld>
             <a:endParaRPr lang="zh-TW" altLang="en-US"/>
           </a:p>
@@ -780,7 +786,7 @@
           <a:p>
             <a:fld id="{F404DC6C-E353-4FBF-8B7B-7C2F0DFA34E8}" type="datetimeFigureOut">
               <a:rPr lang="zh-TW" altLang="en-US" smtClean="0"/>
-              <a:t>2025/3/18</a:t>
+              <a:t>2025/3/21</a:t>
             </a:fld>
             <a:endParaRPr lang="zh-TW" altLang="en-US"/>
           </a:p>
@@ -960,7 +966,7 @@
           <a:p>
             <a:fld id="{F404DC6C-E353-4FBF-8B7B-7C2F0DFA34E8}" type="datetimeFigureOut">
               <a:rPr lang="zh-TW" altLang="en-US" smtClean="0"/>
-              <a:t>2025/3/18</a:t>
+              <a:t>2025/3/21</a:t>
             </a:fld>
             <a:endParaRPr lang="zh-TW" altLang="en-US"/>
           </a:p>
@@ -1180,7 +1186,7 @@
           <a:p>
             <a:fld id="{F404DC6C-E353-4FBF-8B7B-7C2F0DFA34E8}" type="datetimeFigureOut">
               <a:rPr lang="zh-TW" altLang="en-US" smtClean="0"/>
-              <a:t>2025/3/18</a:t>
+              <a:t>2025/3/21</a:t>
             </a:fld>
             <a:endParaRPr lang="zh-TW" altLang="en-US"/>
           </a:p>
@@ -1426,7 +1432,7 @@
           <a:p>
             <a:fld id="{F404DC6C-E353-4FBF-8B7B-7C2F0DFA34E8}" type="datetimeFigureOut">
               <a:rPr lang="zh-TW" altLang="en-US" smtClean="0"/>
-              <a:t>2025/3/18</a:t>
+              <a:t>2025/3/21</a:t>
             </a:fld>
             <a:endParaRPr lang="zh-TW" altLang="en-US"/>
           </a:p>
@@ -1658,7 +1664,7 @@
           <a:p>
             <a:fld id="{F404DC6C-E353-4FBF-8B7B-7C2F0DFA34E8}" type="datetimeFigureOut">
               <a:rPr lang="zh-TW" altLang="en-US" smtClean="0"/>
-              <a:t>2025/3/18</a:t>
+              <a:t>2025/3/21</a:t>
             </a:fld>
             <a:endParaRPr lang="zh-TW" altLang="en-US"/>
           </a:p>
@@ -2025,7 +2031,7 @@
           <a:p>
             <a:fld id="{F404DC6C-E353-4FBF-8B7B-7C2F0DFA34E8}" type="datetimeFigureOut">
               <a:rPr lang="zh-TW" altLang="en-US" smtClean="0"/>
-              <a:t>2025/3/18</a:t>
+              <a:t>2025/3/21</a:t>
             </a:fld>
             <a:endParaRPr lang="zh-TW" altLang="en-US"/>
           </a:p>
@@ -2143,7 +2149,7 @@
           <a:p>
             <a:fld id="{F404DC6C-E353-4FBF-8B7B-7C2F0DFA34E8}" type="datetimeFigureOut">
               <a:rPr lang="zh-TW" altLang="en-US" smtClean="0"/>
-              <a:t>2025/3/18</a:t>
+              <a:t>2025/3/21</a:t>
             </a:fld>
             <a:endParaRPr lang="zh-TW" altLang="en-US"/>
           </a:p>
@@ -2238,7 +2244,7 @@
           <a:p>
             <a:fld id="{F404DC6C-E353-4FBF-8B7B-7C2F0DFA34E8}" type="datetimeFigureOut">
               <a:rPr lang="zh-TW" altLang="en-US" smtClean="0"/>
-              <a:t>2025/3/18</a:t>
+              <a:t>2025/3/21</a:t>
             </a:fld>
             <a:endParaRPr lang="zh-TW" altLang="en-US"/>
           </a:p>
@@ -2515,7 +2521,7 @@
           <a:p>
             <a:fld id="{F404DC6C-E353-4FBF-8B7B-7C2F0DFA34E8}" type="datetimeFigureOut">
               <a:rPr lang="zh-TW" altLang="en-US" smtClean="0"/>
-              <a:t>2025/3/18</a:t>
+              <a:t>2025/3/21</a:t>
             </a:fld>
             <a:endParaRPr lang="zh-TW" altLang="en-US"/>
           </a:p>
@@ -2772,7 +2778,7 @@
           <a:p>
             <a:fld id="{F404DC6C-E353-4FBF-8B7B-7C2F0DFA34E8}" type="datetimeFigureOut">
               <a:rPr lang="zh-TW" altLang="en-US" smtClean="0"/>
-              <a:t>2025/3/18</a:t>
+              <a:t>2025/3/21</a:t>
             </a:fld>
             <a:endParaRPr lang="zh-TW" altLang="en-US"/>
           </a:p>
@@ -2985,7 +2991,7 @@
           <a:p>
             <a:fld id="{F404DC6C-E353-4FBF-8B7B-7C2F0DFA34E8}" type="datetimeFigureOut">
               <a:rPr lang="zh-TW" altLang="en-US" smtClean="0"/>
-              <a:t>2025/3/18</a:t>
+              <a:t>2025/3/21</a:t>
             </a:fld>
             <a:endParaRPr lang="zh-TW" altLang="en-US"/>
           </a:p>
@@ -3452,6 +3458,3305 @@
 </p:sld>
 </file>
 
+<file path=ppt/slides/slide10.xml><?xml version="1.0" encoding="utf-8"?>
+<p:sld xmlns:a="http://schemas.openxmlformats.org/drawingml/2006/main" xmlns:r="http://schemas.openxmlformats.org/officeDocument/2006/relationships" xmlns:p="http://schemas.openxmlformats.org/presentationml/2006/main">
+  <p:cSld>
+    <p:spTree>
+      <p:nvGrpSpPr>
+        <p:cNvPr id="1" name=""/>
+        <p:cNvGrpSpPr/>
+        <p:nvPr/>
+      </p:nvGrpSpPr>
+      <p:grpSpPr>
+        <a:xfrm>
+          <a:off x="0" y="0"/>
+          <a:ext cx="0" cy="0"/>
+          <a:chOff x="0" y="0"/>
+          <a:chExt cx="0" cy="0"/>
+        </a:xfrm>
+      </p:grpSpPr>
+      <p:sp>
+        <p:nvSpPr>
+          <p:cNvPr id="2" name="標題 1"/>
+          <p:cNvSpPr>
+            <a:spLocks noGrp="1"/>
+          </p:cNvSpPr>
+          <p:nvPr>
+            <p:ph type="title"/>
+          </p:nvPr>
+        </p:nvSpPr>
+        <p:spPr/>
+        <p:txBody>
+          <a:bodyPr/>
+          <a:lstStyle/>
+          <a:p>
+            <a:r>
+              <a:rPr lang="zh-TW" altLang="en-US" dirty="0"/>
+              <a:t>會議記錄 </a:t>
+            </a:r>
+            <a:r>
+              <a:rPr lang="en-US" altLang="zh-TW" dirty="0" smtClean="0"/>
+              <a:t>3/21</a:t>
+            </a:r>
+            <a:endParaRPr lang="zh-TW" altLang="en-US" dirty="0"/>
+          </a:p>
+        </p:txBody>
+      </p:sp>
+      <p:sp>
+        <p:nvSpPr>
+          <p:cNvPr id="3" name="內容版面配置區 2"/>
+          <p:cNvSpPr>
+            <a:spLocks noGrp="1"/>
+          </p:cNvSpPr>
+          <p:nvPr>
+            <p:ph idx="1"/>
+          </p:nvPr>
+        </p:nvSpPr>
+        <p:spPr>
+          <a:xfrm>
+            <a:off x="838200" y="1300898"/>
+            <a:ext cx="10515600" cy="5343741"/>
+          </a:xfrm>
+        </p:spPr>
+        <p:txBody>
+          <a:bodyPr>
+            <a:normAutofit lnSpcReduction="10000"/>
+          </a:bodyPr>
+          <a:lstStyle/>
+          <a:p>
+            <a:r>
+              <a:rPr lang="zh-TW" altLang="en-US" dirty="0" smtClean="0"/>
+              <a:t>顏：前端切版、串接完成</a:t>
+            </a:r>
+            <a:endParaRPr lang="en-US" altLang="zh-TW" dirty="0" smtClean="0"/>
+          </a:p>
+          <a:p>
+            <a:r>
+              <a:rPr lang="zh-TW" altLang="en-US" dirty="0" smtClean="0"/>
+              <a:t>徐：</a:t>
+            </a:r>
+            <a:r>
+              <a:rPr lang="en-US" altLang="zh-TW" dirty="0" err="1" smtClean="0"/>
+              <a:t>nii</a:t>
+            </a:r>
+            <a:r>
+              <a:rPr lang="zh-TW" altLang="en-US" dirty="0" smtClean="0"/>
+              <a:t>傳遞技術研究報告</a:t>
+            </a:r>
+            <a:endParaRPr lang="en-US" altLang="zh-TW" dirty="0" smtClean="0"/>
+          </a:p>
+          <a:p>
+            <a:r>
+              <a:rPr lang="zh-TW" altLang="en-US" dirty="0" smtClean="0"/>
+              <a:t>王：後端</a:t>
+            </a:r>
+            <a:r>
+              <a:rPr lang="en-US" altLang="zh-TW" dirty="0" smtClean="0"/>
+              <a:t>API</a:t>
+            </a:r>
+            <a:r>
+              <a:rPr lang="zh-TW" altLang="en-US" dirty="0" smtClean="0"/>
+              <a:t>報告</a:t>
+            </a:r>
+            <a:r>
+              <a:rPr lang="en-US" altLang="zh-TW" dirty="0" smtClean="0"/>
+              <a:t>(</a:t>
+            </a:r>
+            <a:r>
+              <a:rPr lang="zh-TW" altLang="en-US" dirty="0" smtClean="0"/>
+              <a:t>圖片相關以外</a:t>
+            </a:r>
+            <a:r>
+              <a:rPr lang="en-US" altLang="zh-TW" dirty="0" smtClean="0"/>
+              <a:t>)</a:t>
+            </a:r>
+          </a:p>
+          <a:p>
+            <a:endParaRPr lang="en-US" altLang="zh-TW" dirty="0" smtClean="0"/>
+          </a:p>
+          <a:p>
+            <a:r>
+              <a:rPr lang="zh-TW" altLang="en-US" dirty="0"/>
+              <a:t>共同</a:t>
+            </a:r>
+            <a:r>
+              <a:rPr lang="zh-TW" altLang="en-US" dirty="0" smtClean="0"/>
+              <a:t>事項：設計</a:t>
+            </a:r>
+            <a:r>
+              <a:rPr lang="en-US" altLang="zh-TW" dirty="0" smtClean="0"/>
+              <a:t>Member</a:t>
+            </a:r>
+            <a:r>
+              <a:rPr lang="zh-TW" altLang="en-US" dirty="0" smtClean="0"/>
+              <a:t>、</a:t>
+            </a:r>
+            <a:r>
+              <a:rPr lang="en-US" altLang="zh-TW" dirty="0" smtClean="0"/>
+              <a:t>Manager</a:t>
+            </a:r>
+            <a:r>
+              <a:rPr lang="zh-TW" altLang="en-US" dirty="0" smtClean="0"/>
+              <a:t>、</a:t>
+            </a:r>
+            <a:r>
+              <a:rPr lang="en-US" altLang="zh-TW" dirty="0" smtClean="0"/>
+              <a:t>Record</a:t>
+            </a:r>
+            <a:r>
+              <a:rPr lang="zh-TW" altLang="en-US" dirty="0" smtClean="0"/>
+              <a:t>類別</a:t>
+            </a:r>
+            <a:endParaRPr lang="en-US" altLang="zh-TW" dirty="0" smtClean="0"/>
+          </a:p>
+          <a:p>
+            <a:endParaRPr lang="en-US" altLang="zh-TW" dirty="0" smtClean="0"/>
+          </a:p>
+          <a:p>
+            <a:r>
+              <a:rPr lang="en-US" altLang="zh-TW" dirty="0" smtClean="0"/>
+              <a:t>API</a:t>
+            </a:r>
+            <a:r>
+              <a:rPr lang="zh-TW" altLang="en-US" dirty="0" smtClean="0"/>
+              <a:t>待完成：</a:t>
+            </a:r>
+            <a:endParaRPr lang="en-US" altLang="zh-TW" dirty="0" smtClean="0"/>
+          </a:p>
+          <a:p>
+            <a:r>
+              <a:rPr lang="zh-TW" altLang="en-US" dirty="0" smtClean="0"/>
+              <a:t>醫生成員數量增減</a:t>
+            </a:r>
+            <a:endParaRPr lang="en-US" altLang="zh-TW" dirty="0" smtClean="0"/>
+          </a:p>
+          <a:p>
+            <a:r>
+              <a:rPr lang="zh-TW" altLang="en-US" dirty="0" smtClean="0"/>
+              <a:t>登出</a:t>
+            </a:r>
+            <a:r>
+              <a:rPr lang="en-US" altLang="zh-TW" dirty="0" err="1" smtClean="0"/>
+              <a:t>signout</a:t>
+            </a:r>
+            <a:endParaRPr lang="en-US" altLang="zh-TW" dirty="0" smtClean="0"/>
+          </a:p>
+          <a:p>
+            <a:endParaRPr lang="en-US" altLang="zh-TW" dirty="0" smtClean="0"/>
+          </a:p>
+          <a:p>
+            <a:r>
+              <a:rPr lang="zh-TW" altLang="en-US" dirty="0" smtClean="0"/>
+              <a:t>重要事項：改用</a:t>
+            </a:r>
+            <a:r>
+              <a:rPr lang="en-US" altLang="zh-TW" dirty="0" smtClean="0"/>
+              <a:t>MongoDB</a:t>
+            </a:r>
+            <a:r>
+              <a:rPr lang="zh-TW" altLang="en-US" dirty="0" smtClean="0"/>
+              <a:t>、圖片存在後端本地</a:t>
+            </a:r>
+            <a:endParaRPr lang="zh-TW" altLang="en-US" dirty="0"/>
+          </a:p>
+        </p:txBody>
+      </p:sp>
+    </p:spTree>
+    <p:extLst>
+      <p:ext uri="{BB962C8B-B14F-4D97-AF65-F5344CB8AC3E}">
+        <p14:creationId xmlns:p14="http://schemas.microsoft.com/office/powerpoint/2010/main" val="374099604"/>
+      </p:ext>
+    </p:extLst>
+  </p:cSld>
+  <p:clrMapOvr>
+    <a:masterClrMapping/>
+  </p:clrMapOvr>
+</p:sld>
+</file>
+
+<file path=ppt/slides/slide11.xml><?xml version="1.0" encoding="utf-8"?>
+<p:sld xmlns:a="http://schemas.openxmlformats.org/drawingml/2006/main" xmlns:r="http://schemas.openxmlformats.org/officeDocument/2006/relationships" xmlns:p="http://schemas.openxmlformats.org/presentationml/2006/main">
+  <p:cSld>
+    <p:spTree>
+      <p:nvGrpSpPr>
+        <p:cNvPr id="1" name=""/>
+        <p:cNvGrpSpPr/>
+        <p:nvPr/>
+      </p:nvGrpSpPr>
+      <p:grpSpPr>
+        <a:xfrm>
+          <a:off x="0" y="0"/>
+          <a:ext cx="0" cy="0"/>
+          <a:chOff x="0" y="0"/>
+          <a:chExt cx="0" cy="0"/>
+        </a:xfrm>
+      </p:grpSpPr>
+      <p:sp>
+        <p:nvSpPr>
+          <p:cNvPr id="2" name="標題 1"/>
+          <p:cNvSpPr>
+            <a:spLocks noGrp="1"/>
+          </p:cNvSpPr>
+          <p:nvPr>
+            <p:ph type="title"/>
+          </p:nvPr>
+        </p:nvSpPr>
+        <p:spPr/>
+        <p:txBody>
+          <a:bodyPr/>
+          <a:lstStyle/>
+          <a:p>
+            <a:endParaRPr lang="zh-TW" altLang="en-US" dirty="0"/>
+          </a:p>
+        </p:txBody>
+      </p:sp>
+      <p:sp>
+        <p:nvSpPr>
+          <p:cNvPr id="3" name="內容版面配置區 2"/>
+          <p:cNvSpPr>
+            <a:spLocks noGrp="1"/>
+          </p:cNvSpPr>
+          <p:nvPr>
+            <p:ph idx="1"/>
+          </p:nvPr>
+        </p:nvSpPr>
+        <p:spPr/>
+        <p:txBody>
+          <a:bodyPr/>
+          <a:lstStyle/>
+          <a:p>
+            <a:endParaRPr lang="zh-TW" altLang="en-US"/>
+          </a:p>
+        </p:txBody>
+      </p:sp>
+    </p:spTree>
+    <p:extLst>
+      <p:ext uri="{BB962C8B-B14F-4D97-AF65-F5344CB8AC3E}">
+        <p14:creationId xmlns:p14="http://schemas.microsoft.com/office/powerpoint/2010/main" val="309019617"/>
+      </p:ext>
+    </p:extLst>
+  </p:cSld>
+  <p:clrMapOvr>
+    <a:masterClrMapping/>
+  </p:clrMapOvr>
+</p:sld>
+</file>
+
+<file path=ppt/slides/slide12.xml><?xml version="1.0" encoding="utf-8"?>
+<p:sld xmlns:a="http://schemas.openxmlformats.org/drawingml/2006/main" xmlns:r="http://schemas.openxmlformats.org/officeDocument/2006/relationships" xmlns:p="http://schemas.openxmlformats.org/presentationml/2006/main">
+  <p:cSld>
+    <p:spTree>
+      <p:nvGrpSpPr>
+        <p:cNvPr id="1" name=""/>
+        <p:cNvGrpSpPr/>
+        <p:nvPr/>
+      </p:nvGrpSpPr>
+      <p:grpSpPr>
+        <a:xfrm>
+          <a:off x="0" y="0"/>
+          <a:ext cx="0" cy="0"/>
+          <a:chOff x="0" y="0"/>
+          <a:chExt cx="0" cy="0"/>
+        </a:xfrm>
+      </p:grpSpPr>
+      <p:sp>
+        <p:nvSpPr>
+          <p:cNvPr id="2" name="標題 1"/>
+          <p:cNvSpPr>
+            <a:spLocks noGrp="1"/>
+          </p:cNvSpPr>
+          <p:nvPr>
+            <p:ph type="title"/>
+          </p:nvPr>
+        </p:nvSpPr>
+        <p:spPr/>
+        <p:txBody>
+          <a:bodyPr/>
+          <a:lstStyle/>
+          <a:p>
+            <a:r>
+              <a:rPr lang="zh-TW" altLang="en-US" dirty="0"/>
+              <a:t>歸屬問題</a:t>
+            </a:r>
+          </a:p>
+        </p:txBody>
+      </p:sp>
+      <p:sp>
+        <p:nvSpPr>
+          <p:cNvPr id="3" name="內容版面配置區 2"/>
+          <p:cNvSpPr>
+            <a:spLocks noGrp="1"/>
+          </p:cNvSpPr>
+          <p:nvPr>
+            <p:ph idx="1"/>
+          </p:nvPr>
+        </p:nvSpPr>
+        <p:spPr/>
+        <p:txBody>
+          <a:bodyPr/>
+          <a:lstStyle/>
+          <a:p>
+            <a:r>
+              <a:rPr lang="zh-TW" altLang="en-US" dirty="0" smtClean="0">
+                <a:solidFill>
+                  <a:srgbClr val="FF0000"/>
+                </a:solidFill>
+              </a:rPr>
+              <a:t>這個系統專題本怎麼</a:t>
+            </a:r>
+            <a:r>
+              <a:rPr lang="zh-TW" altLang="en-US" smtClean="0">
+                <a:solidFill>
+                  <a:srgbClr val="FF0000"/>
+                </a:solidFill>
+              </a:rPr>
+              <a:t>放？</a:t>
+            </a:r>
+            <a:endParaRPr lang="en-US" altLang="zh-TW" dirty="0">
+              <a:solidFill>
+                <a:srgbClr val="FF0000"/>
+              </a:solidFill>
+            </a:endParaRPr>
+          </a:p>
+          <a:p>
+            <a:r>
+              <a:rPr lang="en-US" altLang="zh-TW" dirty="0" smtClean="0">
+                <a:solidFill>
+                  <a:srgbClr val="FF0000"/>
+                </a:solidFill>
+              </a:rPr>
+              <a:t>UI</a:t>
+            </a:r>
+            <a:r>
+              <a:rPr lang="zh-TW" altLang="en-US" dirty="0" smtClean="0">
+                <a:solidFill>
+                  <a:srgbClr val="FF0000"/>
+                </a:solidFill>
+              </a:rPr>
+              <a:t> 輸入</a:t>
+            </a:r>
+            <a:r>
+              <a:rPr lang="en-US" altLang="zh-TW" dirty="0" err="1" smtClean="0">
+                <a:solidFill>
+                  <a:srgbClr val="FF0000"/>
+                </a:solidFill>
+              </a:rPr>
+              <a:t>nii</a:t>
+            </a:r>
+            <a:r>
+              <a:rPr lang="zh-TW" altLang="en-US" dirty="0" smtClean="0">
+                <a:solidFill>
+                  <a:srgbClr val="FF0000"/>
+                </a:solidFill>
+              </a:rPr>
+              <a:t> 輸出 腦齡</a:t>
+            </a:r>
+            <a:endParaRPr lang="en-US" altLang="zh-TW" dirty="0" smtClean="0">
+              <a:solidFill>
+                <a:srgbClr val="FF0000"/>
+              </a:solidFill>
+            </a:endParaRPr>
+          </a:p>
+          <a:p>
+            <a:r>
+              <a:rPr lang="zh-TW" altLang="en-US" dirty="0" smtClean="0">
+                <a:solidFill>
+                  <a:srgbClr val="FF0000"/>
+                </a:solidFill>
+              </a:rPr>
+              <a:t>獎金</a:t>
+            </a:r>
+            <a:endParaRPr lang="zh-TW" altLang="en-US" dirty="0">
+              <a:solidFill>
+                <a:srgbClr val="FF0000"/>
+              </a:solidFill>
+            </a:endParaRPr>
+          </a:p>
+        </p:txBody>
+      </p:sp>
+    </p:spTree>
+    <p:extLst>
+      <p:ext uri="{BB962C8B-B14F-4D97-AF65-F5344CB8AC3E}">
+        <p14:creationId xmlns:p14="http://schemas.microsoft.com/office/powerpoint/2010/main" val="1836637066"/>
+      </p:ext>
+    </p:extLst>
+  </p:cSld>
+  <p:clrMapOvr>
+    <a:masterClrMapping/>
+  </p:clrMapOvr>
+</p:sld>
+</file>
+
+<file path=ppt/slides/slide13.xml><?xml version="1.0" encoding="utf-8"?>
+<p:sld xmlns:a="http://schemas.openxmlformats.org/drawingml/2006/main" xmlns:r="http://schemas.openxmlformats.org/officeDocument/2006/relationships" xmlns:p="http://schemas.openxmlformats.org/presentationml/2006/main">
+  <p:cSld>
+    <p:spTree>
+      <p:nvGrpSpPr>
+        <p:cNvPr id="1" name=""/>
+        <p:cNvGrpSpPr/>
+        <p:nvPr/>
+      </p:nvGrpSpPr>
+      <p:grpSpPr>
+        <a:xfrm>
+          <a:off x="0" y="0"/>
+          <a:ext cx="0" cy="0"/>
+          <a:chOff x="0" y="0"/>
+          <a:chExt cx="0" cy="0"/>
+        </a:xfrm>
+      </p:grpSpPr>
+      <p:sp>
+        <p:nvSpPr>
+          <p:cNvPr id="2" name="標題 1"/>
+          <p:cNvSpPr>
+            <a:spLocks noGrp="1"/>
+          </p:cNvSpPr>
+          <p:nvPr>
+            <p:ph type="title"/>
+          </p:nvPr>
+        </p:nvSpPr>
+        <p:spPr/>
+        <p:txBody>
+          <a:bodyPr/>
+          <a:lstStyle/>
+          <a:p>
+            <a:r>
+              <a:rPr lang="zh-TW" altLang="en-US" dirty="0"/>
+              <a:t>下次開會 </a:t>
+            </a:r>
+            <a:r>
+              <a:rPr lang="en-US" altLang="zh-TW" dirty="0" smtClean="0"/>
+              <a:t>3/28</a:t>
+            </a:r>
+            <a:endParaRPr lang="zh-TW" altLang="en-US" dirty="0"/>
+          </a:p>
+        </p:txBody>
+      </p:sp>
+      <p:sp>
+        <p:nvSpPr>
+          <p:cNvPr id="3" name="內容版面配置區 2"/>
+          <p:cNvSpPr>
+            <a:spLocks noGrp="1"/>
+          </p:cNvSpPr>
+          <p:nvPr>
+            <p:ph idx="1"/>
+          </p:nvPr>
+        </p:nvSpPr>
+        <p:spPr/>
+        <p:txBody>
+          <a:bodyPr/>
+          <a:lstStyle/>
+          <a:p>
+            <a:r>
+              <a:rPr lang="zh-TW" altLang="en-US" dirty="0"/>
+              <a:t>顏</a:t>
+            </a:r>
+            <a:r>
+              <a:rPr lang="zh-TW" altLang="en-US" dirty="0" smtClean="0"/>
+              <a:t>：整理數據</a:t>
+            </a:r>
+            <a:r>
+              <a:rPr lang="en-US" altLang="zh-TW" dirty="0" err="1" smtClean="0"/>
+              <a:t>ppt</a:t>
+            </a:r>
+            <a:r>
+              <a:rPr lang="zh-TW" altLang="en-US" dirty="0" smtClean="0"/>
+              <a:t> </a:t>
+            </a:r>
+            <a:r>
+              <a:rPr lang="en-US" altLang="zh-TW" dirty="0" smtClean="0"/>
+              <a:t>(</a:t>
+            </a:r>
+            <a:r>
+              <a:rPr lang="zh-TW" altLang="en-US" dirty="0" smtClean="0"/>
+              <a:t>實驗結果</a:t>
+            </a:r>
+            <a:r>
+              <a:rPr lang="en-US" altLang="zh-TW" dirty="0" smtClean="0"/>
+              <a:t>)</a:t>
+            </a:r>
+            <a:endParaRPr lang="en-US" altLang="zh-TW" dirty="0"/>
+          </a:p>
+          <a:p>
+            <a:r>
+              <a:rPr lang="zh-TW" altLang="en-US" dirty="0"/>
+              <a:t>徐</a:t>
+            </a:r>
+            <a:r>
+              <a:rPr lang="zh-TW" altLang="en-US" dirty="0" smtClean="0"/>
+              <a:t>：</a:t>
+            </a:r>
+            <a:r>
+              <a:rPr lang="zh-TW" altLang="en-US" dirty="0"/>
+              <a:t>產品介紹</a:t>
+            </a:r>
+            <a:r>
+              <a:rPr lang="zh-TW" altLang="en-US" dirty="0" smtClean="0"/>
+              <a:t> </a:t>
+            </a:r>
+            <a:r>
+              <a:rPr lang="en-US" altLang="zh-TW" dirty="0" smtClean="0"/>
+              <a:t>(2-3word,</a:t>
+            </a:r>
+            <a:r>
+              <a:rPr lang="zh-TW" altLang="en-US" dirty="0" smtClean="0"/>
+              <a:t> 三張示意圖</a:t>
+            </a:r>
+            <a:r>
+              <a:rPr lang="en-US" altLang="zh-TW" dirty="0" smtClean="0"/>
+              <a:t>)</a:t>
+            </a:r>
+          </a:p>
+          <a:p>
+            <a:pPr lvl="1"/>
+            <a:r>
+              <a:rPr lang="zh-TW" altLang="en-US" dirty="0"/>
+              <a:t>理念對智慧醫院的</a:t>
+            </a:r>
+            <a:r>
+              <a:rPr lang="zh-TW" altLang="en-US" dirty="0" smtClean="0"/>
+              <a:t>展望</a:t>
+            </a:r>
+            <a:endParaRPr lang="en-US" altLang="zh-TW" dirty="0" smtClean="0"/>
+          </a:p>
+          <a:p>
+            <a:pPr lvl="1"/>
+            <a:r>
+              <a:rPr lang="zh-TW" altLang="en-US" dirty="0"/>
+              <a:t>使用</a:t>
+            </a:r>
+            <a:r>
+              <a:rPr lang="zh-TW" altLang="en-US" dirty="0" smtClean="0"/>
+              <a:t>情境</a:t>
+            </a:r>
+            <a:r>
+              <a:rPr lang="en-US" altLang="zh-TW" dirty="0" smtClean="0"/>
+              <a:t>(</a:t>
+            </a:r>
+            <a:r>
+              <a:rPr lang="zh-TW" altLang="en-US" dirty="0" smtClean="0"/>
+              <a:t>醫生上傳病患資料、病患照</a:t>
+            </a:r>
+            <a:r>
+              <a:rPr lang="en-US" altLang="zh-TW" dirty="0" smtClean="0"/>
+              <a:t>MRI</a:t>
+            </a:r>
+            <a:r>
+              <a:rPr lang="zh-TW" altLang="en-US" dirty="0" smtClean="0"/>
+              <a:t>、病患查看自己的資料</a:t>
+            </a:r>
+            <a:r>
+              <a:rPr lang="en-US" altLang="zh-TW" dirty="0" smtClean="0"/>
+              <a:t>)</a:t>
+            </a:r>
+          </a:p>
+          <a:p>
+            <a:pPr lvl="1"/>
+            <a:r>
+              <a:rPr lang="zh-TW" altLang="en-US" dirty="0"/>
+              <a:t>系統運作</a:t>
+            </a:r>
+            <a:endParaRPr lang="en-US" altLang="zh-TW" dirty="0" smtClean="0"/>
+          </a:p>
+          <a:p>
+            <a:r>
+              <a:rPr lang="zh-TW" altLang="en-US" dirty="0" smtClean="0"/>
+              <a:t>王：</a:t>
+            </a:r>
+            <a:r>
+              <a:rPr lang="en-US" altLang="zh-TW" dirty="0" smtClean="0"/>
+              <a:t>API</a:t>
+            </a:r>
+            <a:r>
+              <a:rPr lang="zh-TW" altLang="en-US" dirty="0" smtClean="0"/>
+              <a:t>全部</a:t>
+            </a:r>
+            <a:endParaRPr lang="en-US" altLang="zh-TW" dirty="0" smtClean="0"/>
+          </a:p>
+          <a:p>
+            <a:endParaRPr lang="en-US" altLang="zh-TW" dirty="0"/>
+          </a:p>
+          <a:p>
+            <a:r>
+              <a:rPr lang="zh-TW" altLang="en-US" dirty="0"/>
+              <a:t>會議內容：進度回報</a:t>
+            </a:r>
+          </a:p>
+          <a:p>
+            <a:endParaRPr lang="zh-TW" altLang="en-US" dirty="0"/>
+          </a:p>
+        </p:txBody>
+      </p:sp>
+    </p:spTree>
+    <p:extLst>
+      <p:ext uri="{BB962C8B-B14F-4D97-AF65-F5344CB8AC3E}">
+        <p14:creationId xmlns:p14="http://schemas.microsoft.com/office/powerpoint/2010/main" val="1118268044"/>
+      </p:ext>
+    </p:extLst>
+  </p:cSld>
+  <p:clrMapOvr>
+    <a:masterClrMapping/>
+  </p:clrMapOvr>
+</p:sld>
+</file>
+
+<file path=ppt/slides/slide14.xml><?xml version="1.0" encoding="utf-8"?>
+<p:sld xmlns:a="http://schemas.openxmlformats.org/drawingml/2006/main" xmlns:r="http://schemas.openxmlformats.org/officeDocument/2006/relationships" xmlns:p="http://schemas.openxmlformats.org/presentationml/2006/main">
+  <p:cSld>
+    <p:spTree>
+      <p:nvGrpSpPr>
+        <p:cNvPr id="1" name=""/>
+        <p:cNvGrpSpPr/>
+        <p:nvPr/>
+      </p:nvGrpSpPr>
+      <p:grpSpPr>
+        <a:xfrm>
+          <a:off x="0" y="0"/>
+          <a:ext cx="0" cy="0"/>
+          <a:chOff x="0" y="0"/>
+          <a:chExt cx="0" cy="0"/>
+        </a:xfrm>
+      </p:grpSpPr>
+      <p:sp>
+        <p:nvSpPr>
+          <p:cNvPr id="4" name="文字方塊 3"/>
+          <p:cNvSpPr txBox="1"/>
+          <p:nvPr/>
+        </p:nvSpPr>
+        <p:spPr>
+          <a:xfrm>
+            <a:off x="729403" y="205502"/>
+            <a:ext cx="4171014" cy="4401205"/>
+          </a:xfrm>
+          <a:prstGeom prst="rect">
+            <a:avLst/>
+          </a:prstGeom>
+          <a:noFill/>
+        </p:spPr>
+        <p:txBody>
+          <a:bodyPr wrap="none" rtlCol="0">
+            <a:spAutoFit/>
+          </a:bodyPr>
+          <a:lstStyle/>
+          <a:p>
+            <a:r>
+              <a:rPr lang="en-US" altLang="zh-TW" sz="2800" dirty="0" smtClean="0"/>
+              <a:t>Member</a:t>
+            </a:r>
+          </a:p>
+          <a:p>
+            <a:pPr marL="457200" indent="-457200">
+              <a:buFontTx/>
+              <a:buChar char="-"/>
+            </a:pPr>
+            <a:r>
+              <a:rPr lang="en-US" altLang="zh-TW" sz="2800" dirty="0" smtClean="0"/>
+              <a:t>ID</a:t>
+            </a:r>
+          </a:p>
+          <a:p>
+            <a:pPr marL="457200" indent="-457200">
+              <a:buFontTx/>
+              <a:buChar char="-"/>
+            </a:pPr>
+            <a:r>
+              <a:rPr lang="en-US" altLang="zh-TW" sz="2800" dirty="0" smtClean="0"/>
+              <a:t>Profile image path</a:t>
+            </a:r>
+          </a:p>
+          <a:p>
+            <a:pPr marL="457200" indent="-457200">
+              <a:buFontTx/>
+              <a:buChar char="-"/>
+            </a:pPr>
+            <a:r>
+              <a:rPr lang="en-US" altLang="zh-TW" sz="2800" dirty="0" smtClean="0"/>
+              <a:t>Name</a:t>
+            </a:r>
+          </a:p>
+          <a:p>
+            <a:pPr marL="457200" indent="-457200">
+              <a:buFontTx/>
+              <a:buChar char="-"/>
+            </a:pPr>
+            <a:r>
+              <a:rPr lang="en-US" altLang="zh-TW" sz="2800" dirty="0" smtClean="0"/>
+              <a:t>password</a:t>
+            </a:r>
+          </a:p>
+          <a:p>
+            <a:pPr marL="457200" indent="-457200">
+              <a:buFontTx/>
+              <a:buChar char="-"/>
+            </a:pPr>
+            <a:r>
+              <a:rPr lang="en-US" altLang="zh-TW" sz="2800" dirty="0" err="1" smtClean="0"/>
+              <a:t>Brithday</a:t>
+            </a:r>
+            <a:endParaRPr lang="en-US" altLang="zh-TW" sz="2800" dirty="0" smtClean="0"/>
+          </a:p>
+          <a:p>
+            <a:pPr marL="457200" indent="-457200">
+              <a:buFontTx/>
+              <a:buChar char="-"/>
+            </a:pPr>
+            <a:r>
+              <a:rPr lang="en-US" altLang="zh-TW" sz="2800" dirty="0" smtClean="0"/>
+              <a:t>Sex</a:t>
+            </a:r>
+          </a:p>
+          <a:p>
+            <a:pPr marL="457200" indent="-457200">
+              <a:buFontTx/>
+              <a:buChar char="-"/>
+            </a:pPr>
+            <a:r>
+              <a:rPr lang="en-US" altLang="zh-TW" sz="2800" dirty="0" smtClean="0"/>
+              <a:t>Number of records</a:t>
+            </a:r>
+          </a:p>
+          <a:p>
+            <a:pPr marL="457200" indent="-457200">
+              <a:buFontTx/>
+              <a:buChar char="-"/>
+            </a:pPr>
+            <a:r>
+              <a:rPr lang="en-US" altLang="zh-TW" sz="2800" dirty="0" smtClean="0">
+                <a:solidFill>
+                  <a:srgbClr val="FF0000"/>
+                </a:solidFill>
+              </a:rPr>
+              <a:t>Risk Score *</a:t>
+            </a:r>
+          </a:p>
+          <a:p>
+            <a:pPr marL="457200" indent="-457200">
+              <a:buFontTx/>
+              <a:buChar char="-"/>
+            </a:pPr>
+            <a:r>
+              <a:rPr lang="en-US" altLang="zh-TW" sz="2800" dirty="0" smtClean="0"/>
+              <a:t>Record List = &lt;Record&gt;[]</a:t>
+            </a:r>
+            <a:endParaRPr lang="zh-TW" altLang="en-US" sz="2800" dirty="0"/>
+          </a:p>
+        </p:txBody>
+      </p:sp>
+      <p:sp>
+        <p:nvSpPr>
+          <p:cNvPr id="5" name="文字方塊 4"/>
+          <p:cNvSpPr txBox="1"/>
+          <p:nvPr/>
+        </p:nvSpPr>
+        <p:spPr>
+          <a:xfrm>
+            <a:off x="5362363" y="3962460"/>
+            <a:ext cx="2286332" cy="2246769"/>
+          </a:xfrm>
+          <a:prstGeom prst="rect">
+            <a:avLst/>
+          </a:prstGeom>
+          <a:noFill/>
+        </p:spPr>
+        <p:txBody>
+          <a:bodyPr wrap="none" rtlCol="0">
+            <a:spAutoFit/>
+          </a:bodyPr>
+          <a:lstStyle/>
+          <a:p>
+            <a:r>
+              <a:rPr lang="en-US" altLang="zh-TW" sz="2800" dirty="0" smtClean="0"/>
+              <a:t>Record</a:t>
+            </a:r>
+          </a:p>
+          <a:p>
+            <a:pPr marL="457200" indent="-457200">
+              <a:buFontTx/>
+              <a:buChar char="-"/>
+            </a:pPr>
+            <a:r>
+              <a:rPr lang="en-US" altLang="zh-TW" sz="2800" dirty="0" smtClean="0"/>
+              <a:t>Brain age</a:t>
+            </a:r>
+          </a:p>
+          <a:p>
+            <a:pPr marL="457200" indent="-457200">
+              <a:buFontTx/>
+              <a:buChar char="-"/>
+            </a:pPr>
+            <a:r>
+              <a:rPr lang="en-US" altLang="zh-TW" sz="2800" dirty="0" smtClean="0"/>
+              <a:t>Actual age</a:t>
+            </a:r>
+          </a:p>
+          <a:p>
+            <a:pPr marL="457200" indent="-457200">
+              <a:buFontTx/>
+              <a:buChar char="-"/>
+            </a:pPr>
+            <a:r>
+              <a:rPr lang="en-US" altLang="zh-TW" sz="2800" dirty="0" smtClean="0"/>
+              <a:t>Date</a:t>
+            </a:r>
+          </a:p>
+          <a:p>
+            <a:pPr marL="457200" indent="-457200">
+              <a:buFontTx/>
+              <a:buChar char="-"/>
+            </a:pPr>
+            <a:r>
+              <a:rPr lang="en-US" altLang="zh-TW" sz="2800" dirty="0" smtClean="0"/>
+              <a:t>Image path</a:t>
+            </a:r>
+          </a:p>
+        </p:txBody>
+      </p:sp>
+      <p:sp>
+        <p:nvSpPr>
+          <p:cNvPr id="8" name="文字方塊 7"/>
+          <p:cNvSpPr txBox="1"/>
+          <p:nvPr/>
+        </p:nvSpPr>
+        <p:spPr>
+          <a:xfrm>
+            <a:off x="5362363" y="205502"/>
+            <a:ext cx="6246390" cy="3539430"/>
+          </a:xfrm>
+          <a:prstGeom prst="rect">
+            <a:avLst/>
+          </a:prstGeom>
+          <a:noFill/>
+        </p:spPr>
+        <p:txBody>
+          <a:bodyPr wrap="none" rtlCol="0">
+            <a:spAutoFit/>
+          </a:bodyPr>
+          <a:lstStyle/>
+          <a:p>
+            <a:r>
+              <a:rPr lang="en-US" altLang="zh-TW" sz="2800" dirty="0" smtClean="0"/>
+              <a:t>Manager</a:t>
+            </a:r>
+          </a:p>
+          <a:p>
+            <a:pPr marL="457200" indent="-457200">
+              <a:buFontTx/>
+              <a:buChar char="-"/>
+            </a:pPr>
+            <a:r>
+              <a:rPr lang="en-US" altLang="zh-TW" sz="2800" dirty="0" smtClean="0"/>
+              <a:t>ID</a:t>
+            </a:r>
+          </a:p>
+          <a:p>
+            <a:pPr marL="457200" indent="-457200">
+              <a:buFontTx/>
+              <a:buChar char="-"/>
+            </a:pPr>
+            <a:r>
+              <a:rPr lang="en-US" altLang="zh-TW" sz="2800" dirty="0"/>
+              <a:t>Profile image </a:t>
+            </a:r>
+            <a:r>
+              <a:rPr lang="en-US" altLang="zh-TW" sz="2800" dirty="0" smtClean="0"/>
+              <a:t>path</a:t>
+            </a:r>
+          </a:p>
+          <a:p>
+            <a:pPr marL="457200" indent="-457200">
+              <a:buFontTx/>
+              <a:buChar char="-"/>
+            </a:pPr>
+            <a:r>
+              <a:rPr lang="en-US" altLang="zh-TW" sz="2800" dirty="0" smtClean="0"/>
+              <a:t>Department</a:t>
+            </a:r>
+          </a:p>
+          <a:p>
+            <a:pPr marL="457200" indent="-457200">
+              <a:buFontTx/>
+              <a:buChar char="-"/>
+            </a:pPr>
+            <a:r>
+              <a:rPr lang="en-US" altLang="zh-TW" sz="2800" dirty="0" smtClean="0"/>
+              <a:t>Password</a:t>
+            </a:r>
+          </a:p>
+          <a:p>
+            <a:pPr marL="457200" indent="-457200">
+              <a:buFontTx/>
+              <a:buChar char="-"/>
+            </a:pPr>
+            <a:r>
+              <a:rPr lang="en-US" altLang="zh-TW" sz="2800" dirty="0" smtClean="0"/>
+              <a:t>Name</a:t>
+            </a:r>
+          </a:p>
+          <a:p>
+            <a:pPr marL="457200" indent="-457200">
+              <a:buFontTx/>
+              <a:buChar char="-"/>
+            </a:pPr>
+            <a:r>
+              <a:rPr lang="en-US" altLang="zh-TW" sz="2800" dirty="0" err="1" smtClean="0"/>
+              <a:t>NumMember</a:t>
+            </a:r>
+            <a:endParaRPr lang="en-US" altLang="zh-TW" sz="2800" dirty="0" smtClean="0"/>
+          </a:p>
+          <a:p>
+            <a:pPr marL="457200" indent="-457200">
+              <a:buFontTx/>
+              <a:buChar char="-"/>
+            </a:pPr>
+            <a:r>
+              <a:rPr lang="en-US" altLang="zh-TW" sz="2800" dirty="0" smtClean="0"/>
+              <a:t>Member list = &lt;String&gt; [] //Member id</a:t>
+            </a:r>
+          </a:p>
+        </p:txBody>
+      </p:sp>
+    </p:spTree>
+    <p:extLst>
+      <p:ext uri="{BB962C8B-B14F-4D97-AF65-F5344CB8AC3E}">
+        <p14:creationId xmlns:p14="http://schemas.microsoft.com/office/powerpoint/2010/main" val="628667854"/>
+      </p:ext>
+    </p:extLst>
+  </p:cSld>
+  <p:clrMapOvr>
+    <a:masterClrMapping/>
+  </p:clrMapOvr>
+</p:sld>
+</file>
+
+<file path=ppt/slides/slide15.xml><?xml version="1.0" encoding="utf-8"?>
+<p:sld xmlns:a="http://schemas.openxmlformats.org/drawingml/2006/main" xmlns:r="http://schemas.openxmlformats.org/officeDocument/2006/relationships" xmlns:p="http://schemas.openxmlformats.org/presentationml/2006/main">
+  <p:cSld>
+    <p:spTree>
+      <p:nvGrpSpPr>
+        <p:cNvPr id="1" name=""/>
+        <p:cNvGrpSpPr/>
+        <p:nvPr/>
+      </p:nvGrpSpPr>
+      <p:grpSpPr>
+        <a:xfrm>
+          <a:off x="0" y="0"/>
+          <a:ext cx="0" cy="0"/>
+          <a:chOff x="0" y="0"/>
+          <a:chExt cx="0" cy="0"/>
+        </a:xfrm>
+      </p:grpSpPr>
+      <p:graphicFrame>
+        <p:nvGraphicFramePr>
+          <p:cNvPr id="4" name="表格 3"/>
+          <p:cNvGraphicFramePr>
+            <a:graphicFrameLocks noGrp="1"/>
+          </p:cNvGraphicFramePr>
+          <p:nvPr>
+            <p:extLst>
+              <p:ext uri="{D42A27DB-BD31-4B8C-83A1-F6EECF244321}">
+                <p14:modId xmlns:p14="http://schemas.microsoft.com/office/powerpoint/2010/main" val="489046494"/>
+              </p:ext>
+            </p:extLst>
+          </p:nvPr>
+        </p:nvGraphicFramePr>
+        <p:xfrm>
+          <a:off x="690879" y="-8175"/>
+          <a:ext cx="10871201" cy="7162835"/>
+        </p:xfrm>
+        <a:graphic>
+          <a:graphicData uri="http://schemas.openxmlformats.org/drawingml/2006/table">
+            <a:tbl>
+              <a:tblPr firstRow="1" bandRow="1">
+                <a:tableStyleId>{5940675A-B579-460E-94D1-54222C63F5DA}</a:tableStyleId>
+              </a:tblPr>
+              <a:tblGrid>
+                <a:gridCol w="1005841">
+                  <a:extLst>
+                    <a:ext uri="{9D8B030D-6E8A-4147-A177-3AD203B41FA5}">
+                      <a16:colId xmlns:a16="http://schemas.microsoft.com/office/drawing/2014/main" val="196714606"/>
+                    </a:ext>
+                  </a:extLst>
+                </a:gridCol>
+                <a:gridCol w="2204720">
+                  <a:extLst>
+                    <a:ext uri="{9D8B030D-6E8A-4147-A177-3AD203B41FA5}">
+                      <a16:colId xmlns:a16="http://schemas.microsoft.com/office/drawing/2014/main" val="4032741650"/>
+                    </a:ext>
+                  </a:extLst>
+                </a:gridCol>
+                <a:gridCol w="1915160">
+                  <a:extLst>
+                    <a:ext uri="{9D8B030D-6E8A-4147-A177-3AD203B41FA5}">
+                      <a16:colId xmlns:a16="http://schemas.microsoft.com/office/drawing/2014/main" val="2997204620"/>
+                    </a:ext>
+                  </a:extLst>
+                </a:gridCol>
+                <a:gridCol w="2102757">
+                  <a:extLst>
+                    <a:ext uri="{9D8B030D-6E8A-4147-A177-3AD203B41FA5}">
+                      <a16:colId xmlns:a16="http://schemas.microsoft.com/office/drawing/2014/main" val="2031186235"/>
+                    </a:ext>
+                  </a:extLst>
+                </a:gridCol>
+                <a:gridCol w="1727563">
+                  <a:extLst>
+                    <a:ext uri="{9D8B030D-6E8A-4147-A177-3AD203B41FA5}">
+                      <a16:colId xmlns:a16="http://schemas.microsoft.com/office/drawing/2014/main" val="577963095"/>
+                    </a:ext>
+                  </a:extLst>
+                </a:gridCol>
+                <a:gridCol w="1915160">
+                  <a:extLst>
+                    <a:ext uri="{9D8B030D-6E8A-4147-A177-3AD203B41FA5}">
+                      <a16:colId xmlns:a16="http://schemas.microsoft.com/office/drawing/2014/main" val="72824980"/>
+                    </a:ext>
+                  </a:extLst>
+                </a:gridCol>
+              </a:tblGrid>
+              <a:tr h="364271">
+                <a:tc>
+                  <a:txBody>
+                    <a:bodyPr/>
+                    <a:lstStyle/>
+                    <a:p>
+                      <a:r>
+                        <a:rPr lang="zh-TW" altLang="en-US" dirty="0" smtClean="0">
+                          <a:latin typeface="微軟正黑體" panose="020B0604030504040204" pitchFamily="34" charset="-120"/>
+                          <a:ea typeface="微軟正黑體" panose="020B0604030504040204" pitchFamily="34" charset="-120"/>
+                        </a:rPr>
+                        <a:t>週次</a:t>
+                      </a:r>
+                      <a:endParaRPr lang="zh-TW" altLang="en-US" dirty="0">
+                        <a:latin typeface="微軟正黑體" panose="020B0604030504040204" pitchFamily="34" charset="-120"/>
+                        <a:ea typeface="微軟正黑體" panose="020B0604030504040204" pitchFamily="34" charset="-120"/>
+                      </a:endParaRPr>
+                    </a:p>
+                  </a:txBody>
+                  <a:tcPr/>
+                </a:tc>
+                <a:tc>
+                  <a:txBody>
+                    <a:bodyPr/>
+                    <a:lstStyle/>
+                    <a:p>
+                      <a:r>
+                        <a:rPr lang="zh-TW" altLang="en-US" dirty="0" smtClean="0">
+                          <a:latin typeface="微軟正黑體" panose="020B0604030504040204" pitchFamily="34" charset="-120"/>
+                          <a:ea typeface="微軟正黑體" panose="020B0604030504040204" pitchFamily="34" charset="-120"/>
+                        </a:rPr>
+                        <a:t>日期</a:t>
+                      </a:r>
+                      <a:endParaRPr lang="en-US" altLang="zh-TW" dirty="0" smtClean="0">
+                        <a:latin typeface="微軟正黑體" panose="020B0604030504040204" pitchFamily="34" charset="-120"/>
+                        <a:ea typeface="微軟正黑體" panose="020B0604030504040204" pitchFamily="34" charset="-120"/>
+                      </a:endParaRPr>
+                    </a:p>
+                  </a:txBody>
+                  <a:tcPr/>
+                </a:tc>
+                <a:tc>
+                  <a:txBody>
+                    <a:bodyPr/>
+                    <a:lstStyle/>
+                    <a:p>
+                      <a:r>
+                        <a:rPr lang="zh-TW" altLang="en-US" dirty="0" smtClean="0">
+                          <a:latin typeface="微軟正黑體" panose="020B0604030504040204" pitchFamily="34" charset="-120"/>
+                          <a:ea typeface="微軟正黑體" panose="020B0604030504040204" pitchFamily="34" charset="-120"/>
+                        </a:rPr>
+                        <a:t>前端</a:t>
+                      </a:r>
+                      <a:endParaRPr lang="en-US" altLang="zh-TW" dirty="0" smtClean="0">
+                        <a:latin typeface="微軟正黑體" panose="020B0604030504040204" pitchFamily="34" charset="-120"/>
+                        <a:ea typeface="微軟正黑體" panose="020B0604030504040204" pitchFamily="34" charset="-120"/>
+                      </a:endParaRPr>
+                    </a:p>
+                  </a:txBody>
+                  <a:tcPr/>
+                </a:tc>
+                <a:tc>
+                  <a:txBody>
+                    <a:bodyPr/>
+                    <a:lstStyle/>
+                    <a:p>
+                      <a:r>
+                        <a:rPr lang="zh-TW" altLang="en-US" dirty="0" smtClean="0">
+                          <a:latin typeface="微軟正黑體" panose="020B0604030504040204" pitchFamily="34" charset="-120"/>
+                          <a:ea typeface="微軟正黑體" panose="020B0604030504040204" pitchFamily="34" charset="-120"/>
+                        </a:rPr>
+                        <a:t>後端</a:t>
+                      </a:r>
+                      <a:endParaRPr lang="zh-TW" altLang="en-US" dirty="0">
+                        <a:latin typeface="微軟正黑體" panose="020B0604030504040204" pitchFamily="34" charset="-120"/>
+                        <a:ea typeface="微軟正黑體" panose="020B0604030504040204" pitchFamily="34" charset="-120"/>
+                      </a:endParaRPr>
+                    </a:p>
+                  </a:txBody>
+                  <a:tcPr/>
+                </a:tc>
+                <a:tc>
+                  <a:txBody>
+                    <a:bodyPr/>
+                    <a:lstStyle/>
+                    <a:p>
+                      <a:r>
+                        <a:rPr lang="zh-TW" altLang="en-US" dirty="0" smtClean="0">
+                          <a:latin typeface="微軟正黑體" panose="020B0604030504040204" pitchFamily="34" charset="-120"/>
+                          <a:ea typeface="微軟正黑體" panose="020B0604030504040204" pitchFamily="34" charset="-120"/>
+                        </a:rPr>
+                        <a:t>文件</a:t>
+                      </a:r>
+                      <a:endParaRPr lang="zh-TW" altLang="en-US" dirty="0">
+                        <a:latin typeface="微軟正黑體" panose="020B0604030504040204" pitchFamily="34" charset="-120"/>
+                        <a:ea typeface="微軟正黑體" panose="020B0604030504040204" pitchFamily="34" charset="-120"/>
+                      </a:endParaRPr>
+                    </a:p>
+                  </a:txBody>
+                  <a:tcPr/>
+                </a:tc>
+                <a:tc>
+                  <a:txBody>
+                    <a:bodyPr/>
+                    <a:lstStyle/>
+                    <a:p>
+                      <a:r>
+                        <a:rPr lang="zh-TW" altLang="en-US" smtClean="0">
+                          <a:latin typeface="微軟正黑體" panose="020B0604030504040204" pitchFamily="34" charset="-120"/>
+                          <a:ea typeface="微軟正黑體" panose="020B0604030504040204" pitchFamily="34" charset="-120"/>
+                        </a:rPr>
+                        <a:t>整合</a:t>
+                      </a:r>
+                      <a:endParaRPr lang="zh-TW" altLang="en-US" dirty="0">
+                        <a:latin typeface="微軟正黑體" panose="020B0604030504040204" pitchFamily="34" charset="-120"/>
+                        <a:ea typeface="微軟正黑體" panose="020B0604030504040204" pitchFamily="34" charset="-120"/>
+                      </a:endParaRPr>
+                    </a:p>
+                  </a:txBody>
+                  <a:tcPr/>
+                </a:tc>
+                <a:extLst>
+                  <a:ext uri="{0D108BD9-81ED-4DB2-BD59-A6C34878D82A}">
+                    <a16:rowId xmlns:a16="http://schemas.microsoft.com/office/drawing/2014/main" val="586196337"/>
+                  </a:ext>
+                </a:extLst>
+              </a:tr>
+              <a:tr h="910677">
+                <a:tc>
+                  <a:txBody>
+                    <a:bodyPr/>
+                    <a:lstStyle/>
+                    <a:p>
+                      <a:r>
+                        <a:rPr lang="zh-TW" altLang="en-US" dirty="0" smtClean="0">
+                          <a:latin typeface="微軟正黑體" panose="020B0604030504040204" pitchFamily="34" charset="-120"/>
+                          <a:ea typeface="微軟正黑體" panose="020B0604030504040204" pitchFamily="34" charset="-120"/>
+                        </a:rPr>
+                        <a:t>第一週</a:t>
+                      </a:r>
+                      <a:endParaRPr lang="zh-TW" altLang="en-US" dirty="0">
+                        <a:latin typeface="微軟正黑體" panose="020B0604030504040204" pitchFamily="34" charset="-120"/>
+                        <a:ea typeface="微軟正黑體" panose="020B0604030504040204" pitchFamily="34" charset="-120"/>
+                      </a:endParaRPr>
+                    </a:p>
+                  </a:txBody>
+                  <a:tcPr/>
+                </a:tc>
+                <a:tc>
+                  <a:txBody>
+                    <a:bodyPr/>
+                    <a:lstStyle/>
+                    <a:p>
+                      <a:pPr algn="dist"/>
+                      <a:r>
+                        <a:rPr lang="en-US" altLang="zh-TW" dirty="0" smtClean="0">
+                          <a:latin typeface="微軟正黑體" panose="020B0604030504040204" pitchFamily="34" charset="-120"/>
+                          <a:ea typeface="微軟正黑體" panose="020B0604030504040204" pitchFamily="34" charset="-120"/>
+                        </a:rPr>
+                        <a:t>3/13(</a:t>
+                      </a:r>
+                      <a:r>
+                        <a:rPr lang="zh-TW" altLang="en-US" dirty="0" smtClean="0">
+                          <a:latin typeface="微軟正黑體" panose="020B0604030504040204" pitchFamily="34" charset="-120"/>
+                          <a:ea typeface="微軟正黑體" panose="020B0604030504040204" pitchFamily="34" charset="-120"/>
+                        </a:rPr>
+                        <a:t>四</a:t>
+                      </a:r>
+                      <a:r>
+                        <a:rPr lang="en-US" altLang="zh-TW" dirty="0" smtClean="0">
+                          <a:latin typeface="微軟正黑體" panose="020B0604030504040204" pitchFamily="34" charset="-120"/>
+                          <a:ea typeface="微軟正黑體" panose="020B0604030504040204" pitchFamily="34" charset="-120"/>
+                        </a:rPr>
+                        <a:t>)</a:t>
+                      </a:r>
+                      <a:r>
+                        <a:rPr lang="en-US" altLang="zh-TW" baseline="0" dirty="0" smtClean="0">
+                          <a:latin typeface="微軟正黑體" panose="020B0604030504040204" pitchFamily="34" charset="-120"/>
+                          <a:ea typeface="微軟正黑體" panose="020B0604030504040204" pitchFamily="34" charset="-120"/>
+                        </a:rPr>
+                        <a:t> – 3/20(</a:t>
+                      </a:r>
+                      <a:r>
+                        <a:rPr lang="zh-TW" altLang="en-US" baseline="0" dirty="0" smtClean="0">
+                          <a:latin typeface="微軟正黑體" panose="020B0604030504040204" pitchFamily="34" charset="-120"/>
+                          <a:ea typeface="微軟正黑體" panose="020B0604030504040204" pitchFamily="34" charset="-120"/>
+                        </a:rPr>
+                        <a:t>四</a:t>
+                      </a:r>
+                      <a:r>
+                        <a:rPr lang="en-US" altLang="zh-TW" baseline="0" dirty="0" smtClean="0">
+                          <a:latin typeface="微軟正黑體" panose="020B0604030504040204" pitchFamily="34" charset="-120"/>
+                          <a:ea typeface="微軟正黑體" panose="020B0604030504040204" pitchFamily="34" charset="-120"/>
+                        </a:rPr>
+                        <a:t>)</a:t>
+                      </a:r>
+                      <a:endParaRPr lang="zh-TW" altLang="en-US" dirty="0">
+                        <a:latin typeface="微軟正黑體" panose="020B0604030504040204" pitchFamily="34" charset="-120"/>
+                        <a:ea typeface="微軟正黑體" panose="020B0604030504040204" pitchFamily="34" charset="-120"/>
+                      </a:endParaRPr>
+                    </a:p>
+                  </a:txBody>
+                  <a:tcPr/>
+                </a:tc>
+                <a:tc>
+                  <a:txBody>
+                    <a:bodyPr/>
+                    <a:lstStyle/>
+                    <a:p>
+                      <a:r>
+                        <a:rPr lang="zh-TW" altLang="en-US" dirty="0" smtClean="0">
+                          <a:solidFill>
+                            <a:srgbClr val="92D050"/>
+                          </a:solidFill>
+                          <a:latin typeface="微軟正黑體" panose="020B0604030504040204" pitchFamily="34" charset="-120"/>
+                          <a:ea typeface="微軟正黑體" panose="020B0604030504040204" pitchFamily="34" charset="-120"/>
+                        </a:rPr>
+                        <a:t>切版 </a:t>
+                      </a:r>
+                      <a:r>
+                        <a:rPr lang="en-US" altLang="zh-TW" dirty="0" smtClean="0">
+                          <a:solidFill>
+                            <a:srgbClr val="92D050"/>
+                          </a:solidFill>
+                          <a:latin typeface="微軟正黑體" panose="020B0604030504040204" pitchFamily="34" charset="-120"/>
+                          <a:ea typeface="微軟正黑體" panose="020B0604030504040204" pitchFamily="34" charset="-120"/>
+                        </a:rPr>
+                        <a:t>(6</a:t>
+                      </a:r>
+                      <a:r>
+                        <a:rPr lang="zh-TW" altLang="en-US" dirty="0" smtClean="0">
+                          <a:solidFill>
+                            <a:srgbClr val="92D050"/>
+                          </a:solidFill>
+                          <a:latin typeface="微軟正黑體" panose="020B0604030504040204" pitchFamily="34" charset="-120"/>
+                          <a:ea typeface="微軟正黑體" panose="020B0604030504040204" pitchFamily="34" charset="-120"/>
+                        </a:rPr>
+                        <a:t>頁</a:t>
+                      </a:r>
+                      <a:r>
+                        <a:rPr lang="en-US" altLang="zh-TW" dirty="0" smtClean="0">
+                          <a:solidFill>
+                            <a:srgbClr val="92D050"/>
+                          </a:solidFill>
+                          <a:latin typeface="微軟正黑體" panose="020B0604030504040204" pitchFamily="34" charset="-120"/>
+                          <a:ea typeface="微軟正黑體" panose="020B0604030504040204" pitchFamily="34" charset="-120"/>
+                        </a:rPr>
+                        <a:t>)</a:t>
+                      </a:r>
+                      <a:r>
+                        <a:rPr lang="zh-TW" altLang="en-US" dirty="0" smtClean="0">
+                          <a:solidFill>
+                            <a:srgbClr val="92D050"/>
+                          </a:solidFill>
+                          <a:latin typeface="微軟正黑體" panose="020B0604030504040204" pitchFamily="34" charset="-120"/>
+                          <a:ea typeface="微軟正黑體" panose="020B0604030504040204" pitchFamily="34" charset="-120"/>
+                        </a:rPr>
+                        <a:t> 完成</a:t>
+                      </a:r>
+                      <a:endParaRPr lang="en-US" altLang="zh-TW" dirty="0" smtClean="0">
+                        <a:solidFill>
+                          <a:srgbClr val="92D050"/>
+                        </a:solidFill>
+                        <a:latin typeface="微軟正黑體" panose="020B0604030504040204" pitchFamily="34" charset="-120"/>
+                        <a:ea typeface="微軟正黑體" panose="020B0604030504040204" pitchFamily="34" charset="-120"/>
+                      </a:endParaRPr>
+                    </a:p>
+                    <a:p>
+                      <a:r>
+                        <a:rPr lang="zh-TW" altLang="en-US" dirty="0" smtClean="0">
+                          <a:solidFill>
+                            <a:srgbClr val="92D050"/>
+                          </a:solidFill>
+                          <a:latin typeface="微軟正黑體" panose="020B0604030504040204" pitchFamily="34" charset="-120"/>
+                          <a:ea typeface="微軟正黑體" panose="020B0604030504040204" pitchFamily="34" charset="-120"/>
+                        </a:rPr>
+                        <a:t>初步串接 完成</a:t>
+                      </a:r>
+                      <a:endParaRPr lang="en-US" altLang="zh-TW" dirty="0" smtClean="0">
+                        <a:solidFill>
+                          <a:srgbClr val="92D050"/>
+                        </a:solidFill>
+                        <a:latin typeface="微軟正黑體" panose="020B0604030504040204" pitchFamily="34" charset="-120"/>
+                        <a:ea typeface="微軟正黑體" panose="020B0604030504040204" pitchFamily="34" charset="-120"/>
+                      </a:endParaRPr>
+                    </a:p>
+                  </a:txBody>
+                  <a:tcPr/>
+                </a:tc>
+                <a:tc>
+                  <a:txBody>
+                    <a:bodyPr/>
+                    <a:lstStyle/>
+                    <a:p>
+                      <a:pPr marL="0" marR="0" lvl="0" indent="0" algn="l" defTabSz="914400" rtl="0" eaLnBrk="1" fontAlgn="auto" latinLnBrk="0" hangingPunct="1">
+                        <a:lnSpc>
+                          <a:spcPct val="100000"/>
+                        </a:lnSpc>
+                        <a:spcBef>
+                          <a:spcPts val="0"/>
+                        </a:spcBef>
+                        <a:spcAft>
+                          <a:spcPts val="0"/>
+                        </a:spcAft>
+                        <a:buClrTx/>
+                        <a:buSzTx/>
+                        <a:buFontTx/>
+                        <a:buNone/>
+                        <a:tabLst/>
+                        <a:defRPr/>
+                      </a:pPr>
+                      <a:r>
+                        <a:rPr lang="zh-TW" altLang="en-US" dirty="0" smtClean="0">
+                          <a:solidFill>
+                            <a:srgbClr val="FFFF00"/>
+                          </a:solidFill>
+                          <a:latin typeface="微軟正黑體" panose="020B0604030504040204" pitchFamily="34" charset="-120"/>
+                          <a:ea typeface="微軟正黑體" panose="020B0604030504040204" pitchFamily="34" charset="-120"/>
+                        </a:rPr>
+                        <a:t>學</a:t>
+                      </a:r>
+                      <a:r>
+                        <a:rPr lang="en-US" altLang="zh-TW" dirty="0" err="1" smtClean="0">
+                          <a:solidFill>
+                            <a:srgbClr val="FFFF00"/>
+                          </a:solidFill>
+                          <a:latin typeface="微軟正黑體" panose="020B0604030504040204" pitchFamily="34" charset="-120"/>
+                          <a:ea typeface="微軟正黑體" panose="020B0604030504040204" pitchFamily="34" charset="-120"/>
+                        </a:rPr>
+                        <a:t>FastAPI</a:t>
+                      </a:r>
+                      <a:r>
+                        <a:rPr lang="zh-TW" altLang="en-US" dirty="0" smtClean="0">
+                          <a:solidFill>
+                            <a:srgbClr val="FFFF00"/>
+                          </a:solidFill>
+                          <a:latin typeface="微軟正黑體" panose="020B0604030504040204" pitchFamily="34" charset="-120"/>
+                          <a:ea typeface="微軟正黑體" panose="020B0604030504040204" pitchFamily="34" charset="-120"/>
+                        </a:rPr>
+                        <a:t>、圖片傳遞研究</a:t>
+                      </a:r>
+                      <a:endParaRPr lang="en-US" altLang="zh-TW" dirty="0" smtClean="0">
+                        <a:solidFill>
+                          <a:srgbClr val="00B0F0"/>
+                        </a:solidFill>
+                        <a:latin typeface="微軟正黑體" panose="020B0604030504040204" pitchFamily="34" charset="-120"/>
+                        <a:ea typeface="微軟正黑體" panose="020B0604030504040204" pitchFamily="34" charset="-120"/>
+                      </a:endParaRPr>
+                    </a:p>
+                    <a:p>
+                      <a:r>
+                        <a:rPr lang="en-US" altLang="zh-TW" dirty="0" smtClean="0">
+                          <a:solidFill>
+                            <a:srgbClr val="00B0F0"/>
+                          </a:solidFill>
+                          <a:latin typeface="微軟正黑體" panose="020B0604030504040204" pitchFamily="34" charset="-120"/>
+                          <a:ea typeface="微軟正黑體" panose="020B0604030504040204" pitchFamily="34" charset="-120"/>
+                        </a:rPr>
+                        <a:t>API[</a:t>
+                      </a:r>
+                      <a:r>
+                        <a:rPr lang="zh-TW" altLang="en-US" dirty="0" smtClean="0">
+                          <a:solidFill>
+                            <a:srgbClr val="00B0F0"/>
+                          </a:solidFill>
+                          <a:latin typeface="微軟正黑體" panose="020B0604030504040204" pitchFamily="34" charset="-120"/>
+                          <a:ea typeface="微軟正黑體" panose="020B0604030504040204" pitchFamily="34" charset="-120"/>
+                        </a:rPr>
+                        <a:t>圖片相關以外</a:t>
+                      </a:r>
+                      <a:r>
+                        <a:rPr lang="en-US" altLang="zh-TW" dirty="0" smtClean="0">
+                          <a:solidFill>
+                            <a:srgbClr val="00B0F0"/>
+                          </a:solidFill>
+                          <a:latin typeface="微軟正黑體" panose="020B0604030504040204" pitchFamily="34" charset="-120"/>
+                          <a:ea typeface="微軟正黑體" panose="020B0604030504040204" pitchFamily="34" charset="-120"/>
+                        </a:rPr>
+                        <a:t>]</a:t>
+                      </a:r>
+                    </a:p>
+                  </a:txBody>
+                  <a:tcPr/>
+                </a:tc>
+                <a:tc>
+                  <a:txBody>
+                    <a:bodyPr/>
+                    <a:lstStyle/>
+                    <a:p>
+                      <a:endParaRPr lang="zh-TW" altLang="en-US" dirty="0"/>
+                    </a:p>
+                  </a:txBody>
+                  <a:tcPr/>
+                </a:tc>
+                <a:tc>
+                  <a:txBody>
+                    <a:bodyPr/>
+                    <a:lstStyle/>
+                    <a:p>
+                      <a:endParaRPr lang="zh-TW" altLang="en-US" dirty="0">
+                        <a:latin typeface="微軟正黑體" panose="020B0604030504040204" pitchFamily="34" charset="-120"/>
+                        <a:ea typeface="微軟正黑體" panose="020B0604030504040204" pitchFamily="34" charset="-120"/>
+                      </a:endParaRPr>
+                    </a:p>
+                  </a:txBody>
+                  <a:tcPr/>
+                </a:tc>
+                <a:extLst>
+                  <a:ext uri="{0D108BD9-81ED-4DB2-BD59-A6C34878D82A}">
+                    <a16:rowId xmlns:a16="http://schemas.microsoft.com/office/drawing/2014/main" val="2403567563"/>
+                  </a:ext>
+                </a:extLst>
+              </a:tr>
+              <a:tr h="1402115">
+                <a:tc>
+                  <a:txBody>
+                    <a:bodyPr/>
+                    <a:lstStyle/>
+                    <a:p>
+                      <a:r>
+                        <a:rPr lang="zh-TW" altLang="en-US" dirty="0" smtClean="0">
+                          <a:latin typeface="微軟正黑體" panose="020B0604030504040204" pitchFamily="34" charset="-120"/>
+                          <a:ea typeface="微軟正黑體" panose="020B0604030504040204" pitchFamily="34" charset="-120"/>
+                        </a:rPr>
+                        <a:t>第二週</a:t>
+                      </a:r>
+                      <a:endParaRPr lang="zh-TW" altLang="en-US" dirty="0">
+                        <a:latin typeface="微軟正黑體" panose="020B0604030504040204" pitchFamily="34" charset="-120"/>
+                        <a:ea typeface="微軟正黑體" panose="020B0604030504040204" pitchFamily="34" charset="-120"/>
+                      </a:endParaRPr>
+                    </a:p>
+                  </a:txBody>
+                  <a:tcPr/>
+                </a:tc>
+                <a:tc>
+                  <a:txBody>
+                    <a:bodyPr/>
+                    <a:lstStyle/>
+                    <a:p>
+                      <a:pPr algn="dist"/>
+                      <a:r>
+                        <a:rPr lang="en-US" altLang="zh-TW" dirty="0" smtClean="0">
+                          <a:latin typeface="微軟正黑體" panose="020B0604030504040204" pitchFamily="34" charset="-120"/>
+                          <a:ea typeface="微軟正黑體" panose="020B0604030504040204" pitchFamily="34" charset="-120"/>
+                        </a:rPr>
+                        <a:t>3/21(</a:t>
+                      </a:r>
+                      <a:r>
+                        <a:rPr lang="zh-TW" altLang="en-US" dirty="0" smtClean="0">
+                          <a:latin typeface="微軟正黑體" panose="020B0604030504040204" pitchFamily="34" charset="-120"/>
+                          <a:ea typeface="微軟正黑體" panose="020B0604030504040204" pitchFamily="34" charset="-120"/>
+                        </a:rPr>
+                        <a:t>五</a:t>
+                      </a:r>
+                      <a:r>
+                        <a:rPr lang="en-US" altLang="zh-TW" dirty="0" smtClean="0">
+                          <a:latin typeface="微軟正黑體" panose="020B0604030504040204" pitchFamily="34" charset="-120"/>
+                          <a:ea typeface="微軟正黑體" panose="020B0604030504040204" pitchFamily="34" charset="-120"/>
+                        </a:rPr>
+                        <a:t>)</a:t>
+                      </a:r>
+                      <a:r>
+                        <a:rPr lang="en-US" altLang="zh-TW" baseline="0" dirty="0" smtClean="0">
+                          <a:latin typeface="微軟正黑體" panose="020B0604030504040204" pitchFamily="34" charset="-120"/>
+                          <a:ea typeface="微軟正黑體" panose="020B0604030504040204" pitchFamily="34" charset="-120"/>
+                        </a:rPr>
+                        <a:t> – 3/27(</a:t>
+                      </a:r>
+                      <a:r>
+                        <a:rPr lang="zh-TW" altLang="en-US" baseline="0" dirty="0" smtClean="0">
+                          <a:latin typeface="微軟正黑體" panose="020B0604030504040204" pitchFamily="34" charset="-120"/>
+                          <a:ea typeface="微軟正黑體" panose="020B0604030504040204" pitchFamily="34" charset="-120"/>
+                        </a:rPr>
+                        <a:t>四</a:t>
+                      </a:r>
+                      <a:r>
+                        <a:rPr lang="en-US" altLang="zh-TW" baseline="0" dirty="0" smtClean="0">
+                          <a:latin typeface="微軟正黑體" panose="020B0604030504040204" pitchFamily="34" charset="-120"/>
+                          <a:ea typeface="微軟正黑體" panose="020B0604030504040204" pitchFamily="34" charset="-120"/>
+                        </a:rPr>
+                        <a:t>)</a:t>
+                      </a:r>
+                      <a:endParaRPr lang="zh-TW" altLang="en-US" dirty="0">
+                        <a:latin typeface="微軟正黑體" panose="020B0604030504040204" pitchFamily="34" charset="-120"/>
+                        <a:ea typeface="微軟正黑體" panose="020B0604030504040204" pitchFamily="34" charset="-120"/>
+                      </a:endParaRPr>
+                    </a:p>
+                  </a:txBody>
+                  <a:tcPr/>
+                </a:tc>
+                <a:tc>
+                  <a:txBody>
+                    <a:bodyPr/>
+                    <a:lstStyle/>
+                    <a:p>
+                      <a:endParaRPr lang="zh-TW" altLang="en-US" dirty="0">
+                        <a:solidFill>
+                          <a:srgbClr val="92D050"/>
+                        </a:solidFill>
+                        <a:latin typeface="微軟正黑體" panose="020B0604030504040204" pitchFamily="34" charset="-120"/>
+                        <a:ea typeface="微軟正黑體" panose="020B0604030504040204" pitchFamily="34" charset="-120"/>
+                      </a:endParaRPr>
+                    </a:p>
+                  </a:txBody>
+                  <a:tcPr/>
+                </a:tc>
+                <a:tc>
+                  <a:txBody>
+                    <a:bodyPr/>
+                    <a:lstStyle/>
+                    <a:p>
+                      <a:pPr marL="0" marR="0" lvl="0" indent="0" algn="l" defTabSz="914400" rtl="0" eaLnBrk="1" fontAlgn="auto" latinLnBrk="0" hangingPunct="1">
+                        <a:lnSpc>
+                          <a:spcPct val="100000"/>
+                        </a:lnSpc>
+                        <a:spcBef>
+                          <a:spcPts val="0"/>
+                        </a:spcBef>
+                        <a:spcAft>
+                          <a:spcPts val="0"/>
+                        </a:spcAft>
+                        <a:buClrTx/>
+                        <a:buSzTx/>
+                        <a:buFontTx/>
+                        <a:buNone/>
+                        <a:tabLst/>
+                        <a:defRPr/>
+                      </a:pPr>
+                      <a:r>
+                        <a:rPr lang="en-US" altLang="zh-TW" dirty="0" smtClean="0">
+                          <a:solidFill>
+                            <a:srgbClr val="00B0F0"/>
+                          </a:solidFill>
+                          <a:latin typeface="微軟正黑體" panose="020B0604030504040204" pitchFamily="34" charset="-120"/>
+                          <a:ea typeface="微軟正黑體" panose="020B0604030504040204" pitchFamily="34" charset="-120"/>
+                        </a:rPr>
+                        <a:t>API[</a:t>
+                      </a:r>
+                      <a:r>
+                        <a:rPr lang="zh-TW" altLang="en-US" dirty="0" smtClean="0">
+                          <a:solidFill>
+                            <a:srgbClr val="00B0F0"/>
+                          </a:solidFill>
+                          <a:latin typeface="微軟正黑體" panose="020B0604030504040204" pitchFamily="34" charset="-120"/>
+                          <a:ea typeface="微軟正黑體" panose="020B0604030504040204" pitchFamily="34" charset="-120"/>
+                        </a:rPr>
+                        <a:t>圖片相關</a:t>
+                      </a:r>
+                      <a:r>
+                        <a:rPr lang="en-US" altLang="zh-TW" dirty="0" smtClean="0">
+                          <a:solidFill>
+                            <a:srgbClr val="00B0F0"/>
+                          </a:solidFill>
+                          <a:latin typeface="微軟正黑體" panose="020B0604030504040204" pitchFamily="34" charset="-120"/>
+                          <a:ea typeface="微軟正黑體" panose="020B0604030504040204" pitchFamily="34" charset="-120"/>
+                        </a:rPr>
+                        <a:t>]</a:t>
+                      </a:r>
+                      <a:endParaRPr lang="zh-TW" altLang="en-US" dirty="0" smtClean="0">
+                        <a:solidFill>
+                          <a:srgbClr val="00B0F0"/>
+                        </a:solidFill>
+                        <a:latin typeface="微軟正黑體" panose="020B0604030504040204" pitchFamily="34" charset="-120"/>
+                        <a:ea typeface="微軟正黑體" panose="020B0604030504040204" pitchFamily="34" charset="-120"/>
+                      </a:endParaRPr>
+                    </a:p>
+                  </a:txBody>
+                  <a:tcPr/>
+                </a:tc>
+                <a:tc>
+                  <a:txBody>
+                    <a:bodyPr/>
+                    <a:lstStyle/>
+                    <a:p>
+                      <a:pPr marL="0" marR="0" lvl="0" indent="0" algn="l" defTabSz="914400" rtl="0" eaLnBrk="1" fontAlgn="auto" latinLnBrk="0" hangingPunct="1">
+                        <a:lnSpc>
+                          <a:spcPct val="100000"/>
+                        </a:lnSpc>
+                        <a:spcBef>
+                          <a:spcPts val="0"/>
+                        </a:spcBef>
+                        <a:spcAft>
+                          <a:spcPts val="0"/>
+                        </a:spcAft>
+                        <a:buClrTx/>
+                        <a:buSzTx/>
+                        <a:buFontTx/>
+                        <a:buNone/>
+                        <a:tabLst/>
+                        <a:defRPr/>
+                      </a:pPr>
+                      <a:r>
+                        <a:rPr lang="zh-TW" altLang="en-US" dirty="0" smtClean="0">
+                          <a:solidFill>
+                            <a:srgbClr val="FFFF00"/>
+                          </a:solidFill>
+                          <a:latin typeface="微軟正黑體" panose="020B0604030504040204" pitchFamily="34" charset="-120"/>
+                          <a:ea typeface="微軟正黑體" panose="020B0604030504040204" pitchFamily="34" charset="-120"/>
+                        </a:rPr>
+                        <a:t>功能情境說明</a:t>
+                      </a:r>
+                      <a:r>
+                        <a:rPr lang="en-US" altLang="zh-TW" dirty="0" smtClean="0">
+                          <a:solidFill>
+                            <a:srgbClr val="FFFF00"/>
+                          </a:solidFill>
+                          <a:latin typeface="微軟正黑體" panose="020B0604030504040204" pitchFamily="34" charset="-120"/>
+                          <a:ea typeface="微軟正黑體" panose="020B0604030504040204" pitchFamily="34" charset="-120"/>
+                        </a:rPr>
+                        <a:t>word</a:t>
+                      </a:r>
+                    </a:p>
+                  </a:txBody>
+                  <a:tcPr/>
+                </a:tc>
+                <a:tc>
+                  <a:txBody>
+                    <a:bodyPr/>
+                    <a:lstStyle/>
+                    <a:p>
+                      <a:pPr marL="0" marR="0" lvl="0" indent="0" algn="l" defTabSz="914400" rtl="0" eaLnBrk="1" fontAlgn="auto" latinLnBrk="0" hangingPunct="1">
+                        <a:lnSpc>
+                          <a:spcPct val="100000"/>
+                        </a:lnSpc>
+                        <a:spcBef>
+                          <a:spcPts val="0"/>
+                        </a:spcBef>
+                        <a:spcAft>
+                          <a:spcPts val="0"/>
+                        </a:spcAft>
+                        <a:buClrTx/>
+                        <a:buSzTx/>
+                        <a:buFontTx/>
+                        <a:buNone/>
+                        <a:tabLst/>
+                        <a:defRPr/>
+                      </a:pPr>
+                      <a:r>
+                        <a:rPr lang="zh-TW" altLang="en-US" dirty="0" smtClean="0">
+                          <a:solidFill>
+                            <a:srgbClr val="92D050"/>
+                          </a:solidFill>
+                          <a:latin typeface="微軟正黑體" panose="020B0604030504040204" pitchFamily="34" charset="-120"/>
+                          <a:ea typeface="微軟正黑體" panose="020B0604030504040204" pitchFamily="34" charset="-120"/>
+                        </a:rPr>
+                        <a:t>實驗數據整理</a:t>
+                      </a:r>
+                      <a:r>
+                        <a:rPr lang="en-US" altLang="zh-TW" dirty="0" smtClean="0">
+                          <a:solidFill>
+                            <a:srgbClr val="92D050"/>
+                          </a:solidFill>
+                          <a:latin typeface="微軟正黑體" panose="020B0604030504040204" pitchFamily="34" charset="-120"/>
+                          <a:ea typeface="微軟正黑體" panose="020B0604030504040204" pitchFamily="34" charset="-120"/>
+                        </a:rPr>
+                        <a:t>PPT</a:t>
+                      </a:r>
+                      <a:endParaRPr lang="zh-TW" altLang="en-US" dirty="0" smtClean="0">
+                        <a:solidFill>
+                          <a:srgbClr val="92D050"/>
+                        </a:solidFill>
+                        <a:latin typeface="微軟正黑體" panose="020B0604030504040204" pitchFamily="34" charset="-120"/>
+                        <a:ea typeface="微軟正黑體" panose="020B0604030504040204" pitchFamily="34" charset="-120"/>
+                      </a:endParaRPr>
+                    </a:p>
+                  </a:txBody>
+                  <a:tcPr/>
+                </a:tc>
+                <a:extLst>
+                  <a:ext uri="{0D108BD9-81ED-4DB2-BD59-A6C34878D82A}">
+                    <a16:rowId xmlns:a16="http://schemas.microsoft.com/office/drawing/2014/main" val="537463078"/>
+                  </a:ext>
+                </a:extLst>
+              </a:tr>
+              <a:tr h="637474">
+                <a:tc>
+                  <a:txBody>
+                    <a:bodyPr/>
+                    <a:lstStyle/>
+                    <a:p>
+                      <a:r>
+                        <a:rPr lang="zh-TW" altLang="en-US" dirty="0" smtClean="0">
+                          <a:latin typeface="微軟正黑體" panose="020B0604030504040204" pitchFamily="34" charset="-120"/>
+                          <a:ea typeface="微軟正黑體" panose="020B0604030504040204" pitchFamily="34" charset="-120"/>
+                        </a:rPr>
+                        <a:t>第三週</a:t>
+                      </a:r>
+                      <a:endParaRPr lang="zh-TW" altLang="en-US" dirty="0">
+                        <a:latin typeface="微軟正黑體" panose="020B0604030504040204" pitchFamily="34" charset="-120"/>
+                        <a:ea typeface="微軟正黑體" panose="020B0604030504040204" pitchFamily="34" charset="-120"/>
+                      </a:endParaRPr>
+                    </a:p>
+                  </a:txBody>
+                  <a:tcPr/>
+                </a:tc>
+                <a:tc>
+                  <a:txBody>
+                    <a:bodyPr/>
+                    <a:lstStyle/>
+                    <a:p>
+                      <a:pPr algn="dist"/>
+                      <a:r>
+                        <a:rPr lang="en-US" altLang="zh-TW" dirty="0" smtClean="0">
+                          <a:latin typeface="微軟正黑體" panose="020B0604030504040204" pitchFamily="34" charset="-120"/>
+                          <a:ea typeface="微軟正黑體" panose="020B0604030504040204" pitchFamily="34" charset="-120"/>
+                        </a:rPr>
+                        <a:t>3/28(</a:t>
+                      </a:r>
+                      <a:r>
+                        <a:rPr lang="zh-TW" altLang="en-US" dirty="0" smtClean="0">
+                          <a:latin typeface="微軟正黑體" panose="020B0604030504040204" pitchFamily="34" charset="-120"/>
+                          <a:ea typeface="微軟正黑體" panose="020B0604030504040204" pitchFamily="34" charset="-120"/>
+                        </a:rPr>
+                        <a:t>五</a:t>
+                      </a:r>
+                      <a:r>
+                        <a:rPr lang="en-US" altLang="zh-TW" dirty="0" smtClean="0">
+                          <a:latin typeface="微軟正黑體" panose="020B0604030504040204" pitchFamily="34" charset="-120"/>
+                          <a:ea typeface="微軟正黑體" panose="020B0604030504040204" pitchFamily="34" charset="-120"/>
+                        </a:rPr>
+                        <a:t>)</a:t>
+                      </a:r>
+                      <a:r>
+                        <a:rPr lang="en-US" altLang="zh-TW" baseline="0" dirty="0" smtClean="0">
+                          <a:latin typeface="微軟正黑體" panose="020B0604030504040204" pitchFamily="34" charset="-120"/>
+                          <a:ea typeface="微軟正黑體" panose="020B0604030504040204" pitchFamily="34" charset="-120"/>
+                        </a:rPr>
+                        <a:t> – 4/3(</a:t>
+                      </a:r>
+                      <a:r>
+                        <a:rPr lang="zh-TW" altLang="en-US" baseline="0" dirty="0" smtClean="0">
+                          <a:latin typeface="微軟正黑體" panose="020B0604030504040204" pitchFamily="34" charset="-120"/>
+                          <a:ea typeface="微軟正黑體" panose="020B0604030504040204" pitchFamily="34" charset="-120"/>
+                        </a:rPr>
+                        <a:t>四</a:t>
+                      </a:r>
+                      <a:r>
+                        <a:rPr lang="en-US" altLang="zh-TW" baseline="0" dirty="0" smtClean="0">
+                          <a:latin typeface="微軟正黑體" panose="020B0604030504040204" pitchFamily="34" charset="-120"/>
+                          <a:ea typeface="微軟正黑體" panose="020B0604030504040204" pitchFamily="34" charset="-120"/>
+                        </a:rPr>
+                        <a:t>)</a:t>
+                      </a:r>
+                      <a:endParaRPr lang="zh-TW" altLang="en-US" dirty="0">
+                        <a:latin typeface="微軟正黑體" panose="020B0604030504040204" pitchFamily="34" charset="-120"/>
+                        <a:ea typeface="微軟正黑體" panose="020B0604030504040204" pitchFamily="34" charset="-120"/>
+                      </a:endParaRPr>
+                    </a:p>
+                  </a:txBody>
+                  <a:tcPr/>
+                </a:tc>
+                <a:tc>
+                  <a:txBody>
+                    <a:bodyPr/>
+                    <a:lstStyle/>
+                    <a:p>
+                      <a:endParaRPr lang="zh-TW" altLang="en-US" dirty="0">
+                        <a:latin typeface="微軟正黑體" panose="020B0604030504040204" pitchFamily="34" charset="-120"/>
+                        <a:ea typeface="微軟正黑體" panose="020B0604030504040204" pitchFamily="34" charset="-120"/>
+                      </a:endParaRPr>
+                    </a:p>
+                  </a:txBody>
+                  <a:tcPr/>
+                </a:tc>
+                <a:tc>
+                  <a:txBody>
+                    <a:bodyPr/>
+                    <a:lstStyle/>
+                    <a:p>
+                      <a:pPr marL="0" marR="0" lvl="0" indent="0" algn="l" defTabSz="914400" rtl="0" eaLnBrk="1" fontAlgn="auto" latinLnBrk="0" hangingPunct="1">
+                        <a:lnSpc>
+                          <a:spcPct val="100000"/>
+                        </a:lnSpc>
+                        <a:spcBef>
+                          <a:spcPts val="0"/>
+                        </a:spcBef>
+                        <a:spcAft>
+                          <a:spcPts val="0"/>
+                        </a:spcAft>
+                        <a:buClrTx/>
+                        <a:buSzTx/>
+                        <a:buFontTx/>
+                        <a:buNone/>
+                        <a:tabLst/>
+                        <a:defRPr/>
+                      </a:pPr>
+                      <a:r>
+                        <a:rPr lang="en-US" altLang="zh-TW" dirty="0" smtClean="0">
+                          <a:solidFill>
+                            <a:srgbClr val="00B0F0"/>
+                          </a:solidFill>
+                          <a:latin typeface="微軟正黑體" panose="020B0604030504040204" pitchFamily="34" charset="-120"/>
+                          <a:ea typeface="微軟正黑體" panose="020B0604030504040204" pitchFamily="34" charset="-120"/>
+                        </a:rPr>
+                        <a:t>API[</a:t>
+                      </a:r>
+                      <a:r>
+                        <a:rPr lang="zh-TW" altLang="en-US" dirty="0" smtClean="0">
+                          <a:solidFill>
+                            <a:srgbClr val="00B0F0"/>
+                          </a:solidFill>
+                          <a:latin typeface="微軟正黑體" panose="020B0604030504040204" pitchFamily="34" charset="-120"/>
+                          <a:ea typeface="微軟正黑體" panose="020B0604030504040204" pitchFamily="34" charset="-120"/>
+                        </a:rPr>
+                        <a:t>後端與模型串接</a:t>
+                      </a:r>
+                      <a:r>
+                        <a:rPr lang="en-US" altLang="zh-TW" dirty="0" smtClean="0">
+                          <a:solidFill>
+                            <a:srgbClr val="00B0F0"/>
+                          </a:solidFill>
+                          <a:latin typeface="微軟正黑體" panose="020B0604030504040204" pitchFamily="34" charset="-120"/>
+                          <a:ea typeface="微軟正黑體" panose="020B0604030504040204" pitchFamily="34" charset="-120"/>
+                        </a:rPr>
+                        <a:t>]</a:t>
+                      </a:r>
+                      <a:endParaRPr lang="zh-TW" altLang="en-US" dirty="0" smtClean="0">
+                        <a:solidFill>
+                          <a:srgbClr val="00B0F0"/>
+                        </a:solidFill>
+                        <a:latin typeface="微軟正黑體" panose="020B0604030504040204" pitchFamily="34" charset="-120"/>
+                        <a:ea typeface="微軟正黑體" panose="020B0604030504040204" pitchFamily="34" charset="-120"/>
+                      </a:endParaRPr>
+                    </a:p>
+                    <a:p>
+                      <a:pPr marL="0" marR="0" lvl="0" indent="0" algn="l" defTabSz="914400" rtl="0" eaLnBrk="1" fontAlgn="auto" latinLnBrk="0" hangingPunct="1">
+                        <a:lnSpc>
+                          <a:spcPct val="100000"/>
+                        </a:lnSpc>
+                        <a:spcBef>
+                          <a:spcPts val="0"/>
+                        </a:spcBef>
+                        <a:spcAft>
+                          <a:spcPts val="0"/>
+                        </a:spcAft>
+                        <a:buClrTx/>
+                        <a:buSzTx/>
+                        <a:buFontTx/>
+                        <a:buNone/>
+                        <a:tabLst/>
+                        <a:defRPr/>
+                      </a:pPr>
+                      <a:endParaRPr lang="en-US" altLang="zh-TW" dirty="0" smtClean="0">
+                        <a:solidFill>
+                          <a:srgbClr val="FFFF00"/>
+                        </a:solidFill>
+                        <a:latin typeface="微軟正黑體" panose="020B0604030504040204" pitchFamily="34" charset="-120"/>
+                        <a:ea typeface="微軟正黑體" panose="020B0604030504040204" pitchFamily="34" charset="-120"/>
+                      </a:endParaRPr>
+                    </a:p>
+                  </a:txBody>
+                  <a:tcPr/>
+                </a:tc>
+                <a:tc>
+                  <a:txBody>
+                    <a:bodyPr/>
+                    <a:lstStyle/>
+                    <a:p>
+                      <a:r>
+                        <a:rPr lang="zh-TW" altLang="en-US" dirty="0" smtClean="0">
+                          <a:solidFill>
+                            <a:srgbClr val="FFFF00"/>
+                          </a:solidFill>
+                          <a:latin typeface="微軟正黑體" panose="020B0604030504040204" pitchFamily="34" charset="-120"/>
+                          <a:ea typeface="微軟正黑體" panose="020B0604030504040204" pitchFamily="34" charset="-120"/>
+                        </a:rPr>
+                        <a:t>自評表</a:t>
+                      </a:r>
+                      <a:endParaRPr lang="en-US" altLang="zh-TW" dirty="0" smtClean="0">
+                        <a:solidFill>
+                          <a:srgbClr val="FFFF00"/>
+                        </a:solidFill>
+                        <a:latin typeface="微軟正黑體" panose="020B0604030504040204" pitchFamily="34" charset="-120"/>
+                        <a:ea typeface="微軟正黑體" panose="020B0604030504040204" pitchFamily="34" charset="-120"/>
+                      </a:endParaRPr>
+                    </a:p>
+                    <a:p>
+                      <a:r>
+                        <a:rPr lang="zh-TW" altLang="en-US" dirty="0" smtClean="0">
+                          <a:solidFill>
+                            <a:srgbClr val="FFFF00"/>
+                          </a:solidFill>
+                          <a:latin typeface="微軟正黑體" panose="020B0604030504040204" pitchFamily="34" charset="-120"/>
+                          <a:ea typeface="微軟正黑體" panose="020B0604030504040204" pitchFamily="34" charset="-120"/>
+                        </a:rPr>
+                        <a:t>研發成果資料表</a:t>
+                      </a:r>
+                    </a:p>
+                  </a:txBody>
+                  <a:tcPr/>
+                </a:tc>
+                <a:tc>
+                  <a:txBody>
+                    <a:bodyPr/>
+                    <a:lstStyle/>
+                    <a:p>
+                      <a:pPr marL="0" marR="0" lvl="0" indent="0" algn="l" defTabSz="914400" rtl="0" eaLnBrk="1" fontAlgn="auto" latinLnBrk="0" hangingPunct="1">
+                        <a:lnSpc>
+                          <a:spcPct val="100000"/>
+                        </a:lnSpc>
+                        <a:spcBef>
+                          <a:spcPts val="0"/>
+                        </a:spcBef>
+                        <a:spcAft>
+                          <a:spcPts val="0"/>
+                        </a:spcAft>
+                        <a:buClrTx/>
+                        <a:buSzTx/>
+                        <a:buFontTx/>
+                        <a:buNone/>
+                        <a:tabLst/>
+                        <a:defRPr/>
+                      </a:pPr>
+                      <a:r>
+                        <a:rPr lang="zh-TW" altLang="en-US" dirty="0" smtClean="0">
+                          <a:solidFill>
+                            <a:srgbClr val="92D050"/>
+                          </a:solidFill>
+                          <a:latin typeface="微軟正黑體" panose="020B0604030504040204" pitchFamily="34" charset="-120"/>
+                          <a:ea typeface="微軟正黑體" panose="020B0604030504040204" pitchFamily="34" charset="-120"/>
+                        </a:rPr>
+                        <a:t>登入</a:t>
+                      </a:r>
+                      <a:endParaRPr lang="en-US" altLang="zh-TW" dirty="0" smtClean="0">
+                        <a:solidFill>
+                          <a:srgbClr val="92D050"/>
+                        </a:solidFill>
+                        <a:latin typeface="微軟正黑體" panose="020B0604030504040204" pitchFamily="34" charset="-120"/>
+                        <a:ea typeface="微軟正黑體" panose="020B0604030504040204" pitchFamily="34" charset="-120"/>
+                      </a:endParaRPr>
+                    </a:p>
+                    <a:p>
+                      <a:pPr marL="0" marR="0" lvl="0" indent="0" algn="l" defTabSz="914400" rtl="0" eaLnBrk="1" fontAlgn="auto" latinLnBrk="0" hangingPunct="1">
+                        <a:lnSpc>
+                          <a:spcPct val="100000"/>
+                        </a:lnSpc>
+                        <a:spcBef>
+                          <a:spcPts val="0"/>
+                        </a:spcBef>
+                        <a:spcAft>
+                          <a:spcPts val="0"/>
+                        </a:spcAft>
+                        <a:buClrTx/>
+                        <a:buSzTx/>
+                        <a:buFontTx/>
+                        <a:buNone/>
+                        <a:tabLst/>
+                        <a:defRPr/>
+                      </a:pPr>
+                      <a:r>
+                        <a:rPr lang="zh-TW" altLang="en-US" dirty="0" smtClean="0">
+                          <a:solidFill>
+                            <a:srgbClr val="92D050"/>
+                          </a:solidFill>
+                          <a:latin typeface="微軟正黑體" panose="020B0604030504040204" pitchFamily="34" charset="-120"/>
+                          <a:ea typeface="微軟正黑體" panose="020B0604030504040204" pitchFamily="34" charset="-120"/>
+                        </a:rPr>
+                        <a:t>新增成員</a:t>
+                      </a:r>
+                      <a:endParaRPr lang="en-US" altLang="zh-TW" dirty="0" smtClean="0">
+                        <a:solidFill>
+                          <a:srgbClr val="92D050"/>
+                        </a:solidFill>
+                        <a:latin typeface="微軟正黑體" panose="020B0604030504040204" pitchFamily="34" charset="-120"/>
+                        <a:ea typeface="微軟正黑體" panose="020B0604030504040204" pitchFamily="34" charset="-120"/>
+                      </a:endParaRPr>
+                    </a:p>
+                  </a:txBody>
+                  <a:tcPr/>
+                </a:tc>
+                <a:extLst>
+                  <a:ext uri="{0D108BD9-81ED-4DB2-BD59-A6C34878D82A}">
+                    <a16:rowId xmlns:a16="http://schemas.microsoft.com/office/drawing/2014/main" val="3994093650"/>
+                  </a:ext>
+                </a:extLst>
+              </a:tr>
+              <a:tr h="364271">
+                <a:tc>
+                  <a:txBody>
+                    <a:bodyPr/>
+                    <a:lstStyle/>
+                    <a:p>
+                      <a:endParaRPr lang="zh-TW" altLang="en-US" dirty="0">
+                        <a:latin typeface="微軟正黑體" panose="020B0604030504040204" pitchFamily="34" charset="-120"/>
+                        <a:ea typeface="微軟正黑體" panose="020B0604030504040204" pitchFamily="34" charset="-120"/>
+                      </a:endParaRPr>
+                    </a:p>
+                  </a:txBody>
+                  <a:tcPr/>
+                </a:tc>
+                <a:tc>
+                  <a:txBody>
+                    <a:bodyPr/>
+                    <a:lstStyle/>
+                    <a:p>
+                      <a:pPr algn="dist"/>
+                      <a:r>
+                        <a:rPr lang="en-US" altLang="zh-TW" dirty="0" smtClean="0">
+                          <a:latin typeface="微軟正黑體" panose="020B0604030504040204" pitchFamily="34" charset="-120"/>
+                          <a:ea typeface="微軟正黑體" panose="020B0604030504040204" pitchFamily="34" charset="-120"/>
+                        </a:rPr>
+                        <a:t>4/4(</a:t>
+                      </a:r>
+                      <a:r>
+                        <a:rPr lang="zh-TW" altLang="en-US" dirty="0" smtClean="0">
+                          <a:latin typeface="微軟正黑體" panose="020B0604030504040204" pitchFamily="34" charset="-120"/>
+                          <a:ea typeface="微軟正黑體" panose="020B0604030504040204" pitchFamily="34" charset="-120"/>
+                        </a:rPr>
+                        <a:t>五</a:t>
+                      </a:r>
+                      <a:r>
+                        <a:rPr lang="en-US" altLang="zh-TW" dirty="0" smtClean="0">
+                          <a:latin typeface="微軟正黑體" panose="020B0604030504040204" pitchFamily="34" charset="-120"/>
+                          <a:ea typeface="微軟正黑體" panose="020B0604030504040204" pitchFamily="34" charset="-120"/>
+                        </a:rPr>
+                        <a:t>)</a:t>
+                      </a:r>
+                      <a:r>
+                        <a:rPr lang="en-US" altLang="zh-TW" baseline="0" dirty="0" smtClean="0">
+                          <a:latin typeface="微軟正黑體" panose="020B0604030504040204" pitchFamily="34" charset="-120"/>
+                          <a:ea typeface="微軟正黑體" panose="020B0604030504040204" pitchFamily="34" charset="-120"/>
+                        </a:rPr>
+                        <a:t> – 4/10(</a:t>
+                      </a:r>
+                      <a:r>
+                        <a:rPr lang="zh-TW" altLang="en-US" baseline="0" dirty="0" smtClean="0">
+                          <a:latin typeface="微軟正黑體" panose="020B0604030504040204" pitchFamily="34" charset="-120"/>
+                          <a:ea typeface="微軟正黑體" panose="020B0604030504040204" pitchFamily="34" charset="-120"/>
+                        </a:rPr>
+                        <a:t>四</a:t>
+                      </a:r>
+                      <a:r>
+                        <a:rPr lang="en-US" altLang="zh-TW" baseline="0" dirty="0" smtClean="0">
+                          <a:latin typeface="微軟正黑體" panose="020B0604030504040204" pitchFamily="34" charset="-120"/>
+                          <a:ea typeface="微軟正黑體" panose="020B0604030504040204" pitchFamily="34" charset="-120"/>
+                        </a:rPr>
+                        <a:t>)</a:t>
+                      </a:r>
+                      <a:endParaRPr lang="zh-TW" altLang="en-US" dirty="0">
+                        <a:latin typeface="微軟正黑體" panose="020B0604030504040204" pitchFamily="34" charset="-120"/>
+                        <a:ea typeface="微軟正黑體" panose="020B0604030504040204" pitchFamily="34" charset="-120"/>
+                      </a:endParaRPr>
+                    </a:p>
+                  </a:txBody>
+                  <a:tcPr/>
+                </a:tc>
+                <a:tc gridSpan="4">
+                  <a:txBody>
+                    <a:bodyPr/>
+                    <a:lstStyle/>
+                    <a:p>
+                      <a:pPr algn="ctr"/>
+                      <a:r>
+                        <a:rPr lang="zh-TW" altLang="en-US" dirty="0" smtClean="0">
+                          <a:latin typeface="微軟正黑體" panose="020B0604030504040204" pitchFamily="34" charset="-120"/>
+                          <a:ea typeface="微軟正黑體" panose="020B0604030504040204" pitchFamily="34" charset="-120"/>
+                        </a:rPr>
+                        <a:t>段考準備</a:t>
+                      </a:r>
+                      <a:endParaRPr lang="zh-TW" altLang="en-US" dirty="0">
+                        <a:latin typeface="微軟正黑體" panose="020B0604030504040204" pitchFamily="34" charset="-120"/>
+                        <a:ea typeface="微軟正黑體" panose="020B0604030504040204" pitchFamily="34" charset="-120"/>
+                      </a:endParaRPr>
+                    </a:p>
+                  </a:txBody>
+                  <a:tcPr/>
+                </a:tc>
+                <a:tc hMerge="1">
+                  <a:txBody>
+                    <a:bodyPr/>
+                    <a:lstStyle/>
+                    <a:p>
+                      <a:endParaRPr lang="zh-TW" altLang="en-US" dirty="0">
+                        <a:latin typeface="微軟正黑體" panose="020B0604030504040204" pitchFamily="34" charset="-120"/>
+                        <a:ea typeface="微軟正黑體" panose="020B0604030504040204" pitchFamily="34" charset="-120"/>
+                      </a:endParaRPr>
+                    </a:p>
+                  </a:txBody>
+                  <a:tcPr/>
+                </a:tc>
+                <a:tc hMerge="1">
+                  <a:txBody>
+                    <a:bodyPr/>
+                    <a:lstStyle/>
+                    <a:p>
+                      <a:endParaRPr lang="zh-TW" altLang="en-US"/>
+                    </a:p>
+                  </a:txBody>
+                  <a:tcPr/>
+                </a:tc>
+                <a:tc hMerge="1">
+                  <a:txBody>
+                    <a:bodyPr/>
+                    <a:lstStyle/>
+                    <a:p>
+                      <a:endParaRPr lang="zh-TW" altLang="en-US" dirty="0">
+                        <a:latin typeface="微軟正黑體" panose="020B0604030504040204" pitchFamily="34" charset="-120"/>
+                        <a:ea typeface="微軟正黑體" panose="020B0604030504040204" pitchFamily="34" charset="-120"/>
+                      </a:endParaRPr>
+                    </a:p>
+                  </a:txBody>
+                  <a:tcPr/>
+                </a:tc>
+                <a:extLst>
+                  <a:ext uri="{0D108BD9-81ED-4DB2-BD59-A6C34878D82A}">
+                    <a16:rowId xmlns:a16="http://schemas.microsoft.com/office/drawing/2014/main" val="1204810687"/>
+                  </a:ext>
+                </a:extLst>
+              </a:tr>
+              <a:tr h="364271">
+                <a:tc>
+                  <a:txBody>
+                    <a:bodyPr/>
+                    <a:lstStyle/>
+                    <a:p>
+                      <a:endParaRPr lang="zh-TW" altLang="en-US" dirty="0">
+                        <a:latin typeface="微軟正黑體" panose="020B0604030504040204" pitchFamily="34" charset="-120"/>
+                        <a:ea typeface="微軟正黑體" panose="020B0604030504040204" pitchFamily="34" charset="-120"/>
+                      </a:endParaRPr>
+                    </a:p>
+                  </a:txBody>
+                  <a:tcPr/>
+                </a:tc>
+                <a:tc>
+                  <a:txBody>
+                    <a:bodyPr/>
+                    <a:lstStyle/>
+                    <a:p>
+                      <a:pPr algn="dist"/>
+                      <a:r>
+                        <a:rPr lang="en-US" altLang="zh-TW" dirty="0" smtClean="0">
+                          <a:latin typeface="微軟正黑體" panose="020B0604030504040204" pitchFamily="34" charset="-120"/>
+                          <a:ea typeface="微軟正黑體" panose="020B0604030504040204" pitchFamily="34" charset="-120"/>
+                        </a:rPr>
+                        <a:t>4/11(</a:t>
+                      </a:r>
+                      <a:r>
+                        <a:rPr lang="zh-TW" altLang="en-US" dirty="0" smtClean="0">
+                          <a:latin typeface="微軟正黑體" panose="020B0604030504040204" pitchFamily="34" charset="-120"/>
+                          <a:ea typeface="微軟正黑體" panose="020B0604030504040204" pitchFamily="34" charset="-120"/>
+                        </a:rPr>
+                        <a:t>五</a:t>
+                      </a:r>
+                      <a:r>
+                        <a:rPr lang="en-US" altLang="zh-TW" dirty="0" smtClean="0">
+                          <a:latin typeface="微軟正黑體" panose="020B0604030504040204" pitchFamily="34" charset="-120"/>
+                          <a:ea typeface="微軟正黑體" panose="020B0604030504040204" pitchFamily="34" charset="-120"/>
+                        </a:rPr>
+                        <a:t>)</a:t>
+                      </a:r>
+                      <a:r>
+                        <a:rPr lang="en-US" altLang="zh-TW" baseline="0" dirty="0" smtClean="0">
+                          <a:latin typeface="微軟正黑體" panose="020B0604030504040204" pitchFamily="34" charset="-120"/>
+                          <a:ea typeface="微軟正黑體" panose="020B0604030504040204" pitchFamily="34" charset="-120"/>
+                        </a:rPr>
+                        <a:t> – </a:t>
+                      </a:r>
+                      <a:r>
+                        <a:rPr lang="en-US" altLang="zh-TW" baseline="0" dirty="0" smtClean="0">
+                          <a:solidFill>
+                            <a:schemeClr val="tx1"/>
+                          </a:solidFill>
+                          <a:latin typeface="微軟正黑體" panose="020B0604030504040204" pitchFamily="34" charset="-120"/>
+                          <a:ea typeface="微軟正黑體" panose="020B0604030504040204" pitchFamily="34" charset="-120"/>
+                        </a:rPr>
+                        <a:t>4/17(</a:t>
+                      </a:r>
+                      <a:r>
+                        <a:rPr lang="zh-TW" altLang="en-US" baseline="0" dirty="0" smtClean="0">
+                          <a:solidFill>
+                            <a:schemeClr val="tx1"/>
+                          </a:solidFill>
+                          <a:latin typeface="微軟正黑體" panose="020B0604030504040204" pitchFamily="34" charset="-120"/>
+                          <a:ea typeface="微軟正黑體" panose="020B0604030504040204" pitchFamily="34" charset="-120"/>
+                        </a:rPr>
+                        <a:t>四</a:t>
+                      </a:r>
+                      <a:r>
+                        <a:rPr lang="en-US" altLang="zh-TW" baseline="0" dirty="0" smtClean="0">
+                          <a:solidFill>
+                            <a:schemeClr val="tx1"/>
+                          </a:solidFill>
+                          <a:latin typeface="微軟正黑體" panose="020B0604030504040204" pitchFamily="34" charset="-120"/>
+                          <a:ea typeface="微軟正黑體" panose="020B0604030504040204" pitchFamily="34" charset="-120"/>
+                        </a:rPr>
+                        <a:t>)</a:t>
+                      </a:r>
+                      <a:endParaRPr lang="zh-TW" altLang="en-US" dirty="0">
+                        <a:solidFill>
+                          <a:schemeClr val="tx1"/>
+                        </a:solidFill>
+                        <a:latin typeface="微軟正黑體" panose="020B0604030504040204" pitchFamily="34" charset="-120"/>
+                        <a:ea typeface="微軟正黑體" panose="020B0604030504040204" pitchFamily="34" charset="-120"/>
+                      </a:endParaRPr>
+                    </a:p>
+                  </a:txBody>
+                  <a:tcPr/>
+                </a:tc>
+                <a:tc gridSpan="4">
+                  <a:txBody>
+                    <a:bodyPr/>
+                    <a:lstStyle/>
+                    <a:p>
+                      <a:pPr algn="ctr"/>
+                      <a:r>
+                        <a:rPr lang="zh-TW" altLang="en-US" dirty="0" smtClean="0">
+                          <a:latin typeface="微軟正黑體" panose="020B0604030504040204" pitchFamily="34" charset="-120"/>
+                          <a:ea typeface="微軟正黑體" panose="020B0604030504040204" pitchFamily="34" charset="-120"/>
+                        </a:rPr>
+                        <a:t>段考週</a:t>
+                      </a:r>
+                      <a:endParaRPr lang="zh-TW" altLang="en-US" dirty="0">
+                        <a:latin typeface="微軟正黑體" panose="020B0604030504040204" pitchFamily="34" charset="-120"/>
+                        <a:ea typeface="微軟正黑體" panose="020B0604030504040204" pitchFamily="34" charset="-120"/>
+                      </a:endParaRPr>
+                    </a:p>
+                  </a:txBody>
+                  <a:tcPr/>
+                </a:tc>
+                <a:tc hMerge="1">
+                  <a:txBody>
+                    <a:bodyPr/>
+                    <a:lstStyle/>
+                    <a:p>
+                      <a:endParaRPr lang="zh-TW" altLang="en-US" dirty="0">
+                        <a:latin typeface="微軟正黑體" panose="020B0604030504040204" pitchFamily="34" charset="-120"/>
+                        <a:ea typeface="微軟正黑體" panose="020B0604030504040204" pitchFamily="34" charset="-120"/>
+                      </a:endParaRPr>
+                    </a:p>
+                  </a:txBody>
+                  <a:tcPr/>
+                </a:tc>
+                <a:tc hMerge="1">
+                  <a:txBody>
+                    <a:bodyPr/>
+                    <a:lstStyle/>
+                    <a:p>
+                      <a:endParaRPr lang="zh-TW" altLang="en-US"/>
+                    </a:p>
+                  </a:txBody>
+                  <a:tcPr/>
+                </a:tc>
+                <a:tc hMerge="1">
+                  <a:txBody>
+                    <a:bodyPr/>
+                    <a:lstStyle/>
+                    <a:p>
+                      <a:endParaRPr lang="zh-TW" altLang="en-US" dirty="0">
+                        <a:latin typeface="微軟正黑體" panose="020B0604030504040204" pitchFamily="34" charset="-120"/>
+                        <a:ea typeface="微軟正黑體" panose="020B0604030504040204" pitchFamily="34" charset="-120"/>
+                      </a:endParaRPr>
+                    </a:p>
+                  </a:txBody>
+                  <a:tcPr/>
+                </a:tc>
+                <a:extLst>
+                  <a:ext uri="{0D108BD9-81ED-4DB2-BD59-A6C34878D82A}">
+                    <a16:rowId xmlns:a16="http://schemas.microsoft.com/office/drawing/2014/main" val="1109095354"/>
+                  </a:ext>
+                </a:extLst>
+              </a:tr>
+              <a:tr h="1183880">
+                <a:tc>
+                  <a:txBody>
+                    <a:bodyPr/>
+                    <a:lstStyle/>
+                    <a:p>
+                      <a:r>
+                        <a:rPr lang="zh-TW" altLang="en-US" dirty="0" smtClean="0">
+                          <a:latin typeface="微軟正黑體" panose="020B0604030504040204" pitchFamily="34" charset="-120"/>
+                          <a:ea typeface="微軟正黑體" panose="020B0604030504040204" pitchFamily="34" charset="-120"/>
+                        </a:rPr>
+                        <a:t>第四週</a:t>
+                      </a:r>
+                      <a:endParaRPr lang="zh-TW" altLang="en-US" dirty="0">
+                        <a:latin typeface="微軟正黑體" panose="020B0604030504040204" pitchFamily="34" charset="-120"/>
+                        <a:ea typeface="微軟正黑體" panose="020B0604030504040204" pitchFamily="34" charset="-120"/>
+                      </a:endParaRPr>
+                    </a:p>
+                  </a:txBody>
+                  <a:tcPr/>
+                </a:tc>
+                <a:tc>
+                  <a:txBody>
+                    <a:bodyPr/>
+                    <a:lstStyle/>
+                    <a:p>
+                      <a:pPr algn="dist"/>
+                      <a:r>
+                        <a:rPr lang="en-US" altLang="zh-TW" dirty="0" smtClean="0">
+                          <a:solidFill>
+                            <a:schemeClr val="tx1"/>
+                          </a:solidFill>
+                          <a:latin typeface="微軟正黑體" panose="020B0604030504040204" pitchFamily="34" charset="-120"/>
+                          <a:ea typeface="微軟正黑體" panose="020B0604030504040204" pitchFamily="34" charset="-120"/>
+                        </a:rPr>
+                        <a:t>4/18(</a:t>
+                      </a:r>
+                      <a:r>
+                        <a:rPr lang="zh-TW" altLang="en-US" dirty="0" smtClean="0">
+                          <a:solidFill>
+                            <a:schemeClr val="tx1"/>
+                          </a:solidFill>
+                          <a:latin typeface="微軟正黑體" panose="020B0604030504040204" pitchFamily="34" charset="-120"/>
+                          <a:ea typeface="微軟正黑體" panose="020B0604030504040204" pitchFamily="34" charset="-120"/>
+                        </a:rPr>
+                        <a:t>五</a:t>
+                      </a:r>
+                      <a:r>
+                        <a:rPr lang="en-US" altLang="zh-TW" dirty="0" smtClean="0">
+                          <a:solidFill>
+                            <a:schemeClr val="tx1"/>
+                          </a:solidFill>
+                          <a:latin typeface="微軟正黑體" panose="020B0604030504040204" pitchFamily="34" charset="-120"/>
+                          <a:ea typeface="微軟正黑體" panose="020B0604030504040204" pitchFamily="34" charset="-120"/>
+                        </a:rPr>
+                        <a:t>) </a:t>
+                      </a:r>
+                      <a:r>
+                        <a:rPr lang="en-US" altLang="zh-TW" dirty="0" smtClean="0">
+                          <a:latin typeface="微軟正黑體" panose="020B0604030504040204" pitchFamily="34" charset="-120"/>
+                          <a:ea typeface="微軟正黑體" panose="020B0604030504040204" pitchFamily="34" charset="-120"/>
+                        </a:rPr>
+                        <a:t>– 4/24(</a:t>
+                      </a:r>
+                      <a:r>
+                        <a:rPr lang="zh-TW" altLang="en-US" dirty="0" smtClean="0">
+                          <a:latin typeface="微軟正黑體" panose="020B0604030504040204" pitchFamily="34" charset="-120"/>
+                          <a:ea typeface="微軟正黑體" panose="020B0604030504040204" pitchFamily="34" charset="-120"/>
+                        </a:rPr>
+                        <a:t>四</a:t>
+                      </a:r>
+                      <a:r>
+                        <a:rPr lang="en-US" altLang="zh-TW" dirty="0" smtClean="0">
+                          <a:latin typeface="微軟正黑體" panose="020B0604030504040204" pitchFamily="34" charset="-120"/>
+                          <a:ea typeface="微軟正黑體" panose="020B0604030504040204" pitchFamily="34" charset="-120"/>
+                        </a:rPr>
+                        <a:t>)</a:t>
+                      </a:r>
+                      <a:endParaRPr lang="zh-TW" altLang="en-US" dirty="0">
+                        <a:latin typeface="微軟正黑體" panose="020B0604030504040204" pitchFamily="34" charset="-120"/>
+                        <a:ea typeface="微軟正黑體" panose="020B0604030504040204" pitchFamily="34" charset="-120"/>
+                      </a:endParaRPr>
+                    </a:p>
+                  </a:txBody>
+                  <a:tcPr/>
+                </a:tc>
+                <a:tc>
+                  <a:txBody>
+                    <a:bodyPr/>
+                    <a:lstStyle/>
+                    <a:p>
+                      <a:endParaRPr lang="zh-TW" altLang="en-US" dirty="0">
+                        <a:solidFill>
+                          <a:srgbClr val="92D050"/>
+                        </a:solidFill>
+                        <a:latin typeface="微軟正黑體" panose="020B0604030504040204" pitchFamily="34" charset="-120"/>
+                        <a:ea typeface="微軟正黑體" panose="020B0604030504040204" pitchFamily="34" charset="-120"/>
+                      </a:endParaRPr>
+                    </a:p>
+                  </a:txBody>
+                  <a:tcPr/>
+                </a:tc>
+                <a:tc>
+                  <a:txBody>
+                    <a:bodyPr/>
+                    <a:lstStyle/>
+                    <a:p>
+                      <a:pPr marL="0" marR="0" lvl="0" indent="0" algn="l" defTabSz="914400" rtl="0" eaLnBrk="1" fontAlgn="auto" latinLnBrk="0" hangingPunct="1">
+                        <a:lnSpc>
+                          <a:spcPct val="100000"/>
+                        </a:lnSpc>
+                        <a:spcBef>
+                          <a:spcPts val="0"/>
+                        </a:spcBef>
+                        <a:spcAft>
+                          <a:spcPts val="0"/>
+                        </a:spcAft>
+                        <a:buClrTx/>
+                        <a:buSzTx/>
+                        <a:buFontTx/>
+                        <a:buNone/>
+                        <a:tabLst/>
+                        <a:defRPr/>
+                      </a:pPr>
+                      <a:endParaRPr lang="en-US" altLang="zh-TW" dirty="0" smtClean="0">
+                        <a:solidFill>
+                          <a:srgbClr val="FFFF00"/>
+                        </a:solidFill>
+                        <a:latin typeface="微軟正黑體" panose="020B0604030504040204" pitchFamily="34" charset="-120"/>
+                        <a:ea typeface="微軟正黑體" panose="020B0604030504040204" pitchFamily="34" charset="-120"/>
+                      </a:endParaRPr>
+                    </a:p>
+                  </a:txBody>
+                  <a:tcPr/>
+                </a:tc>
+                <a:tc>
+                  <a:txBody>
+                    <a:bodyPr/>
+                    <a:lstStyle/>
+                    <a:p>
+                      <a:pPr marL="0" marR="0" lvl="0" indent="0" algn="l" defTabSz="914400" rtl="0" eaLnBrk="1" fontAlgn="auto" latinLnBrk="0" hangingPunct="1">
+                        <a:lnSpc>
+                          <a:spcPct val="100000"/>
+                        </a:lnSpc>
+                        <a:spcBef>
+                          <a:spcPts val="0"/>
+                        </a:spcBef>
+                        <a:spcAft>
+                          <a:spcPts val="0"/>
+                        </a:spcAft>
+                        <a:buClrTx/>
+                        <a:buSzTx/>
+                        <a:buFontTx/>
+                        <a:buNone/>
+                        <a:tabLst/>
+                        <a:defRPr/>
+                      </a:pPr>
+                      <a:r>
+                        <a:rPr lang="zh-TW" altLang="en-US" dirty="0" smtClean="0">
+                          <a:solidFill>
+                            <a:srgbClr val="00B0F0"/>
+                          </a:solidFill>
+                          <a:latin typeface="微軟正黑體" panose="020B0604030504040204" pitchFamily="34" charset="-120"/>
+                          <a:ea typeface="微軟正黑體" panose="020B0604030504040204" pitchFamily="34" charset="-120"/>
+                        </a:rPr>
+                        <a:t>結論與討論撰寫</a:t>
+                      </a:r>
+                      <a:r>
+                        <a:rPr lang="en-US" altLang="zh-TW" dirty="0" smtClean="0">
+                          <a:solidFill>
+                            <a:srgbClr val="00B0F0"/>
+                          </a:solidFill>
+                          <a:latin typeface="微軟正黑體" panose="020B0604030504040204" pitchFamily="34" charset="-120"/>
+                          <a:ea typeface="微軟正黑體" panose="020B0604030504040204" pitchFamily="34" charset="-120"/>
+                        </a:rPr>
+                        <a:t>word</a:t>
+                      </a:r>
+                    </a:p>
+                    <a:p>
+                      <a:pPr marL="0" marR="0" lvl="0" indent="0" algn="l" defTabSz="914400" rtl="0" eaLnBrk="1" fontAlgn="auto" latinLnBrk="0" hangingPunct="1">
+                        <a:lnSpc>
+                          <a:spcPct val="100000"/>
+                        </a:lnSpc>
+                        <a:spcBef>
+                          <a:spcPts val="0"/>
+                        </a:spcBef>
+                        <a:spcAft>
+                          <a:spcPts val="0"/>
+                        </a:spcAft>
+                        <a:buClrTx/>
+                        <a:buSzTx/>
+                        <a:buFontTx/>
+                        <a:buNone/>
+                        <a:tabLst/>
+                        <a:defRPr/>
+                      </a:pPr>
+                      <a:r>
+                        <a:rPr lang="zh-TW" altLang="en-US" dirty="0" smtClean="0">
+                          <a:solidFill>
+                            <a:srgbClr val="FFFF00"/>
+                          </a:solidFill>
+                          <a:latin typeface="微軟正黑體" panose="020B0604030504040204" pitchFamily="34" charset="-120"/>
+                          <a:ea typeface="微軟正黑體" panose="020B0604030504040204" pitchFamily="34" charset="-120"/>
+                        </a:rPr>
+                        <a:t>介紹影片劇本</a:t>
+                      </a:r>
+                    </a:p>
+                    <a:p>
+                      <a:endParaRPr lang="en-US" altLang="zh-TW" dirty="0" smtClean="0">
+                        <a:solidFill>
+                          <a:srgbClr val="00B0F0"/>
+                        </a:solidFill>
+                        <a:latin typeface="微軟正黑體" panose="020B0604030504040204" pitchFamily="34" charset="-120"/>
+                        <a:ea typeface="微軟正黑體" panose="020B0604030504040204" pitchFamily="34" charset="-120"/>
+                      </a:endParaRPr>
+                    </a:p>
+                  </a:txBody>
+                  <a:tcPr/>
+                </a:tc>
+                <a:tc>
+                  <a:txBody>
+                    <a:bodyPr/>
+                    <a:lstStyle/>
+                    <a:p>
+                      <a:pPr marL="0" marR="0" lvl="0" indent="0" algn="l" defTabSz="914400" rtl="0" eaLnBrk="1" fontAlgn="auto" latinLnBrk="0" hangingPunct="1">
+                        <a:lnSpc>
+                          <a:spcPct val="100000"/>
+                        </a:lnSpc>
+                        <a:spcBef>
+                          <a:spcPts val="0"/>
+                        </a:spcBef>
+                        <a:spcAft>
+                          <a:spcPts val="0"/>
+                        </a:spcAft>
+                        <a:buClrTx/>
+                        <a:buSzTx/>
+                        <a:buFontTx/>
+                        <a:buNone/>
+                        <a:tabLst/>
+                        <a:defRPr/>
+                      </a:pPr>
+                      <a:r>
+                        <a:rPr lang="zh-TW" altLang="en-US" smtClean="0">
+                          <a:solidFill>
+                            <a:srgbClr val="92D050"/>
+                          </a:solidFill>
+                          <a:latin typeface="微軟正黑體" panose="020B0604030504040204" pitchFamily="34" charset="-120"/>
+                          <a:ea typeface="微軟正黑體" panose="020B0604030504040204" pitchFamily="34" charset="-120"/>
+                        </a:rPr>
+                        <a:t>病患資料編輯</a:t>
+                      </a:r>
+                      <a:endParaRPr lang="en-US" altLang="zh-TW" smtClean="0">
+                        <a:solidFill>
+                          <a:srgbClr val="92D050"/>
+                        </a:solidFill>
+                        <a:latin typeface="微軟正黑體" panose="020B0604030504040204" pitchFamily="34" charset="-120"/>
+                        <a:ea typeface="微軟正黑體" panose="020B0604030504040204" pitchFamily="34" charset="-120"/>
+                      </a:endParaRPr>
+                    </a:p>
+                    <a:p>
+                      <a:r>
+                        <a:rPr lang="zh-TW" altLang="en-US" smtClean="0">
+                          <a:solidFill>
+                            <a:srgbClr val="92D050"/>
+                          </a:solidFill>
+                          <a:latin typeface="微軟正黑體" panose="020B0604030504040204" pitchFamily="34" charset="-120"/>
+                          <a:ea typeface="微軟正黑體" panose="020B0604030504040204" pitchFamily="34" charset="-120"/>
+                        </a:rPr>
+                        <a:t>上傳影像</a:t>
+                      </a:r>
+                      <a:endParaRPr lang="en-US" altLang="zh-TW" dirty="0" smtClean="0">
+                        <a:solidFill>
+                          <a:srgbClr val="92D050"/>
+                        </a:solidFill>
+                        <a:latin typeface="微軟正黑體" panose="020B0604030504040204" pitchFamily="34" charset="-120"/>
+                        <a:ea typeface="微軟正黑體" panose="020B0604030504040204" pitchFamily="34" charset="-120"/>
+                      </a:endParaRPr>
+                    </a:p>
+                  </a:txBody>
+                  <a:tcPr/>
+                </a:tc>
+                <a:extLst>
+                  <a:ext uri="{0D108BD9-81ED-4DB2-BD59-A6C34878D82A}">
+                    <a16:rowId xmlns:a16="http://schemas.microsoft.com/office/drawing/2014/main" val="1060919361"/>
+                  </a:ext>
+                </a:extLst>
+              </a:tr>
+              <a:tr h="910677">
+                <a:tc>
+                  <a:txBody>
+                    <a:bodyPr/>
+                    <a:lstStyle/>
+                    <a:p>
+                      <a:r>
+                        <a:rPr lang="zh-TW" altLang="en-US" dirty="0" smtClean="0">
+                          <a:latin typeface="微軟正黑體" panose="020B0604030504040204" pitchFamily="34" charset="-120"/>
+                          <a:ea typeface="微軟正黑體" panose="020B0604030504040204" pitchFamily="34" charset="-120"/>
+                        </a:rPr>
+                        <a:t>第五週</a:t>
+                      </a:r>
+                      <a:endParaRPr lang="zh-TW" altLang="en-US" dirty="0">
+                        <a:latin typeface="微軟正黑體" panose="020B0604030504040204" pitchFamily="34" charset="-120"/>
+                        <a:ea typeface="微軟正黑體" panose="020B0604030504040204" pitchFamily="34" charset="-120"/>
+                      </a:endParaRPr>
+                    </a:p>
+                  </a:txBody>
+                  <a:tcPr/>
+                </a:tc>
+                <a:tc>
+                  <a:txBody>
+                    <a:bodyPr/>
+                    <a:lstStyle/>
+                    <a:p>
+                      <a:pPr algn="dist"/>
+                      <a:r>
+                        <a:rPr lang="en-US" altLang="zh-TW" dirty="0" smtClean="0">
+                          <a:latin typeface="微軟正黑體" panose="020B0604030504040204" pitchFamily="34" charset="-120"/>
+                          <a:ea typeface="微軟正黑體" panose="020B0604030504040204" pitchFamily="34" charset="-120"/>
+                        </a:rPr>
+                        <a:t>4/25(</a:t>
+                      </a:r>
+                      <a:r>
+                        <a:rPr lang="zh-TW" altLang="en-US" dirty="0" smtClean="0">
+                          <a:latin typeface="微軟正黑體" panose="020B0604030504040204" pitchFamily="34" charset="-120"/>
+                          <a:ea typeface="微軟正黑體" panose="020B0604030504040204" pitchFamily="34" charset="-120"/>
+                        </a:rPr>
+                        <a:t>五</a:t>
+                      </a:r>
+                      <a:r>
+                        <a:rPr lang="en-US" altLang="zh-TW" dirty="0" smtClean="0">
+                          <a:latin typeface="微軟正黑體" panose="020B0604030504040204" pitchFamily="34" charset="-120"/>
+                          <a:ea typeface="微軟正黑體" panose="020B0604030504040204" pitchFamily="34" charset="-120"/>
+                        </a:rPr>
+                        <a:t>)</a:t>
+                      </a:r>
+                      <a:r>
+                        <a:rPr lang="en-US" altLang="zh-TW" baseline="0" dirty="0" smtClean="0">
+                          <a:latin typeface="微軟正黑體" panose="020B0604030504040204" pitchFamily="34" charset="-120"/>
+                          <a:ea typeface="微軟正黑體" panose="020B0604030504040204" pitchFamily="34" charset="-120"/>
+                        </a:rPr>
+                        <a:t> – 5/1(</a:t>
+                      </a:r>
+                      <a:r>
+                        <a:rPr lang="zh-TW" altLang="en-US" baseline="0" dirty="0" smtClean="0">
+                          <a:latin typeface="微軟正黑體" panose="020B0604030504040204" pitchFamily="34" charset="-120"/>
+                          <a:ea typeface="微軟正黑體" panose="020B0604030504040204" pitchFamily="34" charset="-120"/>
+                        </a:rPr>
+                        <a:t>四</a:t>
+                      </a:r>
+                      <a:r>
+                        <a:rPr lang="en-US" altLang="zh-TW" baseline="0" dirty="0" smtClean="0">
+                          <a:latin typeface="微軟正黑體" panose="020B0604030504040204" pitchFamily="34" charset="-120"/>
+                          <a:ea typeface="微軟正黑體" panose="020B0604030504040204" pitchFamily="34" charset="-120"/>
+                        </a:rPr>
+                        <a:t>)</a:t>
+                      </a:r>
+                      <a:endParaRPr lang="zh-TW" altLang="en-US" dirty="0">
+                        <a:latin typeface="微軟正黑體" panose="020B0604030504040204" pitchFamily="34" charset="-120"/>
+                        <a:ea typeface="微軟正黑體" panose="020B0604030504040204" pitchFamily="34" charset="-120"/>
+                      </a:endParaRPr>
+                    </a:p>
+                  </a:txBody>
+                  <a:tcPr/>
+                </a:tc>
+                <a:tc>
+                  <a:txBody>
+                    <a:bodyPr/>
+                    <a:lstStyle/>
+                    <a:p>
+                      <a:pPr marL="0" marR="0" lvl="0" indent="0" algn="l" defTabSz="914400" rtl="0" eaLnBrk="1" fontAlgn="auto" latinLnBrk="0" hangingPunct="1">
+                        <a:lnSpc>
+                          <a:spcPct val="100000"/>
+                        </a:lnSpc>
+                        <a:spcBef>
+                          <a:spcPts val="0"/>
+                        </a:spcBef>
+                        <a:spcAft>
+                          <a:spcPts val="0"/>
+                        </a:spcAft>
+                        <a:buClrTx/>
+                        <a:buSzTx/>
+                        <a:buFontTx/>
+                        <a:buNone/>
+                        <a:tabLst/>
+                        <a:defRPr/>
+                      </a:pPr>
+                      <a:endParaRPr lang="zh-TW" altLang="en-US" dirty="0">
+                        <a:solidFill>
+                          <a:srgbClr val="92D050"/>
+                        </a:solidFill>
+                        <a:latin typeface="微軟正黑體" panose="020B0604030504040204" pitchFamily="34" charset="-120"/>
+                        <a:ea typeface="微軟正黑體" panose="020B0604030504040204" pitchFamily="34" charset="-120"/>
+                      </a:endParaRPr>
+                    </a:p>
+                  </a:txBody>
+                  <a:tcPr/>
+                </a:tc>
+                <a:tc>
+                  <a:txBody>
+                    <a:bodyPr/>
+                    <a:lstStyle/>
+                    <a:p>
+                      <a:endParaRPr lang="zh-TW" altLang="en-US" dirty="0">
+                        <a:latin typeface="微軟正黑體" panose="020B0604030504040204" pitchFamily="34" charset="-120"/>
+                        <a:ea typeface="微軟正黑體" panose="020B0604030504040204" pitchFamily="34" charset="-120"/>
+                      </a:endParaRPr>
+                    </a:p>
+                  </a:txBody>
+                  <a:tcPr/>
+                </a:tc>
+                <a:tc>
+                  <a:txBody>
+                    <a:bodyPr/>
+                    <a:lstStyle/>
+                    <a:p>
+                      <a:pPr marL="0" marR="0" lvl="0" indent="0" algn="l" defTabSz="914400" rtl="0" eaLnBrk="1" fontAlgn="auto" latinLnBrk="0" hangingPunct="1">
+                        <a:lnSpc>
+                          <a:spcPct val="100000"/>
+                        </a:lnSpc>
+                        <a:spcBef>
+                          <a:spcPts val="0"/>
+                        </a:spcBef>
+                        <a:spcAft>
+                          <a:spcPts val="0"/>
+                        </a:spcAft>
+                        <a:buClrTx/>
+                        <a:buSzTx/>
+                        <a:buFontTx/>
+                        <a:buNone/>
+                        <a:tabLst/>
+                        <a:defRPr/>
+                      </a:pPr>
+                      <a:r>
+                        <a:rPr lang="zh-TW" altLang="en-US" dirty="0" smtClean="0">
+                          <a:solidFill>
+                            <a:srgbClr val="00B0F0"/>
+                          </a:solidFill>
+                          <a:latin typeface="微軟正黑體" panose="020B0604030504040204" pitchFamily="34" charset="-120"/>
+                          <a:ea typeface="微軟正黑體" panose="020B0604030504040204" pitchFamily="34" charset="-120"/>
+                        </a:rPr>
+                        <a:t>作品構想</a:t>
+                      </a:r>
+                      <a:r>
+                        <a:rPr lang="zh-TW" altLang="en-US" dirty="0" smtClean="0">
+                          <a:solidFill>
+                            <a:srgbClr val="00B0F0"/>
+                          </a:solidFill>
+                          <a:latin typeface="微軟正黑體" panose="020B0604030504040204" pitchFamily="34" charset="-120"/>
+                          <a:ea typeface="微軟正黑體" panose="020B0604030504040204" pitchFamily="34" charset="-120"/>
+                        </a:rPr>
+                        <a:t>書</a:t>
+                      </a:r>
+                      <a:endParaRPr lang="en-US" altLang="zh-TW" dirty="0" smtClean="0">
+                        <a:solidFill>
+                          <a:srgbClr val="00B0F0"/>
+                        </a:solidFill>
+                        <a:latin typeface="微軟正黑體" panose="020B0604030504040204" pitchFamily="34" charset="-120"/>
+                        <a:ea typeface="微軟正黑體" panose="020B0604030504040204" pitchFamily="34" charset="-120"/>
+                      </a:endParaRPr>
+                    </a:p>
+                    <a:p>
+                      <a:pPr marL="0" marR="0" lvl="0" indent="0" algn="l" defTabSz="914400" rtl="0" eaLnBrk="1" fontAlgn="auto" latinLnBrk="0" hangingPunct="1">
+                        <a:lnSpc>
+                          <a:spcPct val="100000"/>
+                        </a:lnSpc>
+                        <a:spcBef>
+                          <a:spcPts val="0"/>
+                        </a:spcBef>
+                        <a:spcAft>
+                          <a:spcPts val="0"/>
+                        </a:spcAft>
+                        <a:buClrTx/>
+                        <a:buSzTx/>
+                        <a:buFontTx/>
+                        <a:buNone/>
+                        <a:tabLst/>
+                        <a:defRPr/>
+                      </a:pPr>
+                      <a:r>
+                        <a:rPr lang="zh-TW" altLang="en-US" dirty="0" smtClean="0">
+                          <a:solidFill>
+                            <a:schemeClr val="tx1"/>
+                          </a:solidFill>
+                          <a:latin typeface="微軟正黑體" panose="020B0604030504040204" pitchFamily="34" charset="-120"/>
+                          <a:ea typeface="微軟正黑體" panose="020B0604030504040204" pitchFamily="34" charset="-120"/>
+                        </a:rPr>
+                        <a:t>拍影片</a:t>
+                      </a:r>
+                    </a:p>
+                    <a:p>
+                      <a:endParaRPr lang="en-US" altLang="zh-TW" dirty="0" smtClean="0">
+                        <a:solidFill>
+                          <a:srgbClr val="00B0F0"/>
+                        </a:solidFill>
+                        <a:latin typeface="微軟正黑體" panose="020B0604030504040204" pitchFamily="34" charset="-120"/>
+                        <a:ea typeface="微軟正黑體" panose="020B0604030504040204" pitchFamily="34" charset="-120"/>
+                      </a:endParaRPr>
+                    </a:p>
+                  </a:txBody>
+                  <a:tcPr/>
+                </a:tc>
+                <a:tc>
+                  <a:txBody>
+                    <a:bodyPr/>
+                    <a:lstStyle/>
+                    <a:p>
+                      <a:pPr marL="0" marR="0" lvl="0" indent="0" algn="l" defTabSz="914400" rtl="0" eaLnBrk="1" fontAlgn="auto" latinLnBrk="0" hangingPunct="1">
+                        <a:lnSpc>
+                          <a:spcPct val="100000"/>
+                        </a:lnSpc>
+                        <a:spcBef>
+                          <a:spcPts val="0"/>
+                        </a:spcBef>
+                        <a:spcAft>
+                          <a:spcPts val="0"/>
+                        </a:spcAft>
+                        <a:buClrTx/>
+                        <a:buSzTx/>
+                        <a:buFontTx/>
+                        <a:buNone/>
+                        <a:tabLst/>
+                        <a:defRPr/>
+                      </a:pPr>
+                      <a:r>
+                        <a:rPr lang="zh-TW" altLang="en-US" dirty="0" smtClean="0">
+                          <a:solidFill>
+                            <a:srgbClr val="92D050"/>
+                          </a:solidFill>
+                          <a:latin typeface="微軟正黑體" panose="020B0604030504040204" pitchFamily="34" charset="-120"/>
+                          <a:ea typeface="微軟正黑體" panose="020B0604030504040204" pitchFamily="34" charset="-120"/>
+                        </a:rPr>
+                        <a:t>折線圖</a:t>
+                      </a:r>
+                      <a:endParaRPr lang="en-US" altLang="zh-TW" dirty="0" smtClean="0">
+                        <a:solidFill>
+                          <a:srgbClr val="92D050"/>
+                        </a:solidFill>
+                        <a:latin typeface="微軟正黑體" panose="020B0604030504040204" pitchFamily="34" charset="-120"/>
+                        <a:ea typeface="微軟正黑體" panose="020B0604030504040204" pitchFamily="34" charset="-120"/>
+                      </a:endParaRPr>
+                    </a:p>
+                    <a:p>
+                      <a:r>
+                        <a:rPr lang="zh-TW" altLang="en-US" dirty="0" smtClean="0">
+                          <a:solidFill>
+                            <a:srgbClr val="92D050"/>
+                          </a:solidFill>
+                          <a:latin typeface="微軟正黑體" panose="020B0604030504040204" pitchFamily="34" charset="-120"/>
+                          <a:ea typeface="微軟正黑體" panose="020B0604030504040204" pitchFamily="34" charset="-120"/>
+                        </a:rPr>
+                        <a:t>腦部影像顯示</a:t>
+                      </a:r>
+                      <a:endParaRPr lang="en-US" altLang="zh-TW" dirty="0" smtClean="0">
+                        <a:solidFill>
+                          <a:srgbClr val="92D050"/>
+                        </a:solidFill>
+                        <a:latin typeface="微軟正黑體" panose="020B0604030504040204" pitchFamily="34" charset="-120"/>
+                        <a:ea typeface="微軟正黑體" panose="020B0604030504040204" pitchFamily="34" charset="-120"/>
+                      </a:endParaRPr>
+                    </a:p>
+                    <a:p>
+                      <a:r>
+                        <a:rPr lang="zh-TW" altLang="en-US" dirty="0" smtClean="0">
+                          <a:solidFill>
+                            <a:srgbClr val="92D050"/>
+                          </a:solidFill>
+                          <a:latin typeface="微軟正黑體" panose="020B0604030504040204" pitchFamily="34" charset="-120"/>
+                          <a:ea typeface="微軟正黑體" panose="020B0604030504040204" pitchFamily="34" charset="-120"/>
+                        </a:rPr>
+                        <a:t>風險程度圖</a:t>
+                      </a:r>
+                      <a:endParaRPr lang="en-US" altLang="zh-TW" dirty="0" smtClean="0">
+                        <a:solidFill>
+                          <a:srgbClr val="92D050"/>
+                        </a:solidFill>
+                        <a:latin typeface="微軟正黑體" panose="020B0604030504040204" pitchFamily="34" charset="-120"/>
+                        <a:ea typeface="微軟正黑體" panose="020B0604030504040204" pitchFamily="34" charset="-120"/>
+                      </a:endParaRPr>
+                    </a:p>
+                  </a:txBody>
+                  <a:tcPr/>
+                </a:tc>
+                <a:extLst>
+                  <a:ext uri="{0D108BD9-81ED-4DB2-BD59-A6C34878D82A}">
+                    <a16:rowId xmlns:a16="http://schemas.microsoft.com/office/drawing/2014/main" val="469665345"/>
+                  </a:ext>
+                </a:extLst>
+              </a:tr>
+              <a:tr h="364271">
+                <a:tc>
+                  <a:txBody>
+                    <a:bodyPr/>
+                    <a:lstStyle/>
+                    <a:p>
+                      <a:r>
+                        <a:rPr lang="zh-TW" altLang="en-US" dirty="0" smtClean="0">
+                          <a:latin typeface="微軟正黑體" panose="020B0604030504040204" pitchFamily="34" charset="-120"/>
+                          <a:ea typeface="微軟正黑體" panose="020B0604030504040204" pitchFamily="34" charset="-120"/>
+                        </a:rPr>
+                        <a:t>第六週</a:t>
+                      </a:r>
+                      <a:endParaRPr lang="zh-TW" altLang="en-US" dirty="0">
+                        <a:latin typeface="微軟正黑體" panose="020B0604030504040204" pitchFamily="34" charset="-120"/>
+                        <a:ea typeface="微軟正黑體" panose="020B0604030504040204" pitchFamily="34" charset="-120"/>
+                      </a:endParaRPr>
+                    </a:p>
+                  </a:txBody>
+                  <a:tcPr/>
+                </a:tc>
+                <a:tc>
+                  <a:txBody>
+                    <a:bodyPr/>
+                    <a:lstStyle/>
+                    <a:p>
+                      <a:pPr algn="dist"/>
+                      <a:r>
+                        <a:rPr lang="en-US" altLang="zh-TW" dirty="0" smtClean="0">
+                          <a:latin typeface="微軟正黑體" panose="020B0604030504040204" pitchFamily="34" charset="-120"/>
+                          <a:ea typeface="微軟正黑體" panose="020B0604030504040204" pitchFamily="34" charset="-120"/>
+                        </a:rPr>
+                        <a:t>5/2(</a:t>
+                      </a:r>
+                      <a:r>
+                        <a:rPr lang="zh-TW" altLang="en-US" dirty="0" smtClean="0">
+                          <a:latin typeface="微軟正黑體" panose="020B0604030504040204" pitchFamily="34" charset="-120"/>
+                          <a:ea typeface="微軟正黑體" panose="020B0604030504040204" pitchFamily="34" charset="-120"/>
+                        </a:rPr>
+                        <a:t>五</a:t>
+                      </a:r>
+                      <a:r>
+                        <a:rPr lang="en-US" altLang="zh-TW" dirty="0" smtClean="0">
+                          <a:latin typeface="微軟正黑體" panose="020B0604030504040204" pitchFamily="34" charset="-120"/>
+                          <a:ea typeface="微軟正黑體" panose="020B0604030504040204" pitchFamily="34" charset="-120"/>
+                        </a:rPr>
+                        <a:t>)</a:t>
+                      </a:r>
+                      <a:r>
+                        <a:rPr lang="en-US" altLang="zh-TW" baseline="0" dirty="0" smtClean="0">
+                          <a:latin typeface="微軟正黑體" panose="020B0604030504040204" pitchFamily="34" charset="-120"/>
+                          <a:ea typeface="微軟正黑體" panose="020B0604030504040204" pitchFamily="34" charset="-120"/>
+                        </a:rPr>
+                        <a:t> – 5/8(</a:t>
+                      </a:r>
+                      <a:r>
+                        <a:rPr lang="zh-TW" altLang="en-US" baseline="0" dirty="0" smtClean="0">
+                          <a:latin typeface="微軟正黑體" panose="020B0604030504040204" pitchFamily="34" charset="-120"/>
+                          <a:ea typeface="微軟正黑體" panose="020B0604030504040204" pitchFamily="34" charset="-120"/>
+                        </a:rPr>
+                        <a:t>四</a:t>
+                      </a:r>
+                      <a:r>
+                        <a:rPr lang="en-US" altLang="zh-TW" baseline="0" dirty="0" smtClean="0">
+                          <a:latin typeface="微軟正黑體" panose="020B0604030504040204" pitchFamily="34" charset="-120"/>
+                          <a:ea typeface="微軟正黑體" panose="020B0604030504040204" pitchFamily="34" charset="-120"/>
+                        </a:rPr>
+                        <a:t>)</a:t>
+                      </a:r>
+                      <a:endParaRPr lang="zh-TW" altLang="en-US" dirty="0">
+                        <a:latin typeface="微軟正黑體" panose="020B0604030504040204" pitchFamily="34" charset="-120"/>
+                        <a:ea typeface="微軟正黑體" panose="020B0604030504040204" pitchFamily="34" charset="-120"/>
+                      </a:endParaRPr>
+                    </a:p>
+                  </a:txBody>
+                  <a:tcPr/>
+                </a:tc>
+                <a:tc>
+                  <a:txBody>
+                    <a:bodyPr/>
+                    <a:lstStyle/>
+                    <a:p>
+                      <a:endParaRPr lang="zh-TW" altLang="en-US" dirty="0">
+                        <a:latin typeface="微軟正黑體" panose="020B0604030504040204" pitchFamily="34" charset="-120"/>
+                        <a:ea typeface="微軟正黑體" panose="020B0604030504040204" pitchFamily="34" charset="-120"/>
+                      </a:endParaRPr>
+                    </a:p>
+                  </a:txBody>
+                  <a:tcPr/>
+                </a:tc>
+                <a:tc>
+                  <a:txBody>
+                    <a:bodyPr/>
+                    <a:lstStyle/>
+                    <a:p>
+                      <a:endParaRPr lang="zh-TW" altLang="en-US" dirty="0">
+                        <a:latin typeface="微軟正黑體" panose="020B0604030504040204" pitchFamily="34" charset="-120"/>
+                        <a:ea typeface="微軟正黑體" panose="020B0604030504040204" pitchFamily="34" charset="-120"/>
+                      </a:endParaRPr>
+                    </a:p>
+                  </a:txBody>
+                  <a:tcPr/>
+                </a:tc>
+                <a:tc>
+                  <a:txBody>
+                    <a:bodyPr/>
+                    <a:lstStyle/>
+                    <a:p>
+                      <a:r>
+                        <a:rPr lang="zh-TW" altLang="en-US" dirty="0" smtClean="0">
+                          <a:latin typeface="微軟正黑體" panose="020B0604030504040204" pitchFamily="34" charset="-120"/>
+                          <a:ea typeface="微軟正黑體" panose="020B0604030504040204" pitchFamily="34" charset="-120"/>
+                        </a:rPr>
+                        <a:t>介紹影片</a:t>
+                      </a:r>
+                      <a:r>
+                        <a:rPr lang="en-US" altLang="zh-TW" dirty="0" smtClean="0">
+                          <a:latin typeface="微軟正黑體" panose="020B0604030504040204" pitchFamily="34" charset="-120"/>
+                          <a:ea typeface="微軟正黑體" panose="020B0604030504040204" pitchFamily="34" charset="-120"/>
+                        </a:rPr>
+                        <a:t>(3min)</a:t>
+                      </a:r>
+                      <a:endParaRPr lang="zh-TW" altLang="en-US" dirty="0">
+                        <a:latin typeface="微軟正黑體" panose="020B0604030504040204" pitchFamily="34" charset="-120"/>
+                        <a:ea typeface="微軟正黑體" panose="020B0604030504040204" pitchFamily="34" charset="-120"/>
+                      </a:endParaRPr>
+                    </a:p>
+                  </a:txBody>
+                  <a:tcPr/>
+                </a:tc>
+                <a:tc>
+                  <a:txBody>
+                    <a:bodyPr/>
+                    <a:lstStyle/>
+                    <a:p>
+                      <a:endParaRPr lang="zh-TW" altLang="en-US" dirty="0">
+                        <a:latin typeface="微軟正黑體" panose="020B0604030504040204" pitchFamily="34" charset="-120"/>
+                        <a:ea typeface="微軟正黑體" panose="020B0604030504040204" pitchFamily="34" charset="-120"/>
+                      </a:endParaRPr>
+                    </a:p>
+                  </a:txBody>
+                  <a:tcPr/>
+                </a:tc>
+                <a:extLst>
+                  <a:ext uri="{0D108BD9-81ED-4DB2-BD59-A6C34878D82A}">
+                    <a16:rowId xmlns:a16="http://schemas.microsoft.com/office/drawing/2014/main" val="2952036767"/>
+                  </a:ext>
+                </a:extLst>
+              </a:tr>
+              <a:tr h="364271">
+                <a:tc>
+                  <a:txBody>
+                    <a:bodyPr/>
+                    <a:lstStyle/>
+                    <a:p>
+                      <a:endParaRPr lang="zh-TW" altLang="en-US" dirty="0">
+                        <a:latin typeface="微軟正黑體" panose="020B0604030504040204" pitchFamily="34" charset="-120"/>
+                        <a:ea typeface="微軟正黑體" panose="020B0604030504040204" pitchFamily="34" charset="-120"/>
+                      </a:endParaRPr>
+                    </a:p>
+                  </a:txBody>
+                  <a:tcPr/>
+                </a:tc>
+                <a:tc>
+                  <a:txBody>
+                    <a:bodyPr/>
+                    <a:lstStyle/>
+                    <a:p>
+                      <a:pPr algn="dist"/>
+                      <a:r>
+                        <a:rPr lang="en-US" altLang="zh-TW" dirty="0" smtClean="0">
+                          <a:latin typeface="微軟正黑體" panose="020B0604030504040204" pitchFamily="34" charset="-120"/>
+                          <a:ea typeface="微軟正黑體" panose="020B0604030504040204" pitchFamily="34" charset="-120"/>
+                        </a:rPr>
+                        <a:t>5/9(</a:t>
+                      </a:r>
+                      <a:r>
+                        <a:rPr lang="zh-TW" altLang="en-US" dirty="0" smtClean="0">
+                          <a:latin typeface="微軟正黑體" panose="020B0604030504040204" pitchFamily="34" charset="-120"/>
+                          <a:ea typeface="微軟正黑體" panose="020B0604030504040204" pitchFamily="34" charset="-120"/>
+                        </a:rPr>
+                        <a:t>五</a:t>
+                      </a:r>
+                      <a:r>
+                        <a:rPr lang="en-US" altLang="zh-TW" dirty="0" smtClean="0">
+                          <a:latin typeface="微軟正黑體" panose="020B0604030504040204" pitchFamily="34" charset="-120"/>
+                          <a:ea typeface="微軟正黑體" panose="020B0604030504040204" pitchFamily="34" charset="-120"/>
+                        </a:rPr>
+                        <a:t>) – 5/12(</a:t>
+                      </a:r>
+                      <a:r>
+                        <a:rPr lang="zh-TW" altLang="en-US" dirty="0" smtClean="0">
+                          <a:latin typeface="微軟正黑體" panose="020B0604030504040204" pitchFamily="34" charset="-120"/>
+                          <a:ea typeface="微軟正黑體" panose="020B0604030504040204" pitchFamily="34" charset="-120"/>
+                        </a:rPr>
+                        <a:t>一</a:t>
+                      </a:r>
+                      <a:r>
+                        <a:rPr lang="en-US" altLang="zh-TW" dirty="0" smtClean="0">
+                          <a:latin typeface="微軟正黑體" panose="020B0604030504040204" pitchFamily="34" charset="-120"/>
+                          <a:ea typeface="微軟正黑體" panose="020B0604030504040204" pitchFamily="34" charset="-120"/>
+                        </a:rPr>
+                        <a:t>)</a:t>
+                      </a:r>
+                      <a:endParaRPr lang="zh-TW" altLang="en-US" dirty="0">
+                        <a:latin typeface="微軟正黑體" panose="020B0604030504040204" pitchFamily="34" charset="-120"/>
+                        <a:ea typeface="微軟正黑體" panose="020B0604030504040204" pitchFamily="34" charset="-120"/>
+                      </a:endParaRPr>
+                    </a:p>
+                  </a:txBody>
+                  <a:tcPr/>
+                </a:tc>
+                <a:tc gridSpan="4">
+                  <a:txBody>
+                    <a:bodyPr/>
+                    <a:lstStyle/>
+                    <a:p>
+                      <a:pPr algn="ctr"/>
+                      <a:r>
+                        <a:rPr lang="en-US" altLang="zh-TW" dirty="0" smtClean="0">
+                          <a:latin typeface="微軟正黑體" panose="020B0604030504040204" pitchFamily="34" charset="-120"/>
+                          <a:ea typeface="微軟正黑體" panose="020B0604030504040204" pitchFamily="34" charset="-120"/>
+                        </a:rPr>
+                        <a:t>5/12(</a:t>
+                      </a:r>
+                      <a:r>
+                        <a:rPr lang="zh-TW" altLang="en-US" dirty="0" smtClean="0">
+                          <a:latin typeface="微軟正黑體" panose="020B0604030504040204" pitchFamily="34" charset="-120"/>
+                          <a:ea typeface="微軟正黑體" panose="020B0604030504040204" pitchFamily="34" charset="-120"/>
+                        </a:rPr>
+                        <a:t>一</a:t>
+                      </a:r>
+                      <a:r>
+                        <a:rPr lang="en-US" altLang="zh-TW" dirty="0" smtClean="0">
+                          <a:latin typeface="微軟正黑體" panose="020B0604030504040204" pitchFamily="34" charset="-120"/>
+                          <a:ea typeface="微軟正黑體" panose="020B0604030504040204" pitchFamily="34" charset="-120"/>
+                        </a:rPr>
+                        <a:t>)</a:t>
+                      </a:r>
+                      <a:r>
+                        <a:rPr lang="zh-TW" altLang="en-US" dirty="0" smtClean="0">
+                          <a:latin typeface="微軟正黑體" panose="020B0604030504040204" pitchFamily="34" charset="-120"/>
+                          <a:ea typeface="微軟正黑體" panose="020B0604030504040204" pitchFamily="34" charset="-120"/>
+                        </a:rPr>
+                        <a:t>報名截止</a:t>
+                      </a:r>
+                      <a:endParaRPr lang="zh-TW" altLang="en-US" dirty="0">
+                        <a:latin typeface="微軟正黑體" panose="020B0604030504040204" pitchFamily="34" charset="-120"/>
+                        <a:ea typeface="微軟正黑體" panose="020B0604030504040204" pitchFamily="34" charset="-120"/>
+                      </a:endParaRPr>
+                    </a:p>
+                  </a:txBody>
+                  <a:tcPr/>
+                </a:tc>
+                <a:tc hMerge="1">
+                  <a:txBody>
+                    <a:bodyPr/>
+                    <a:lstStyle/>
+                    <a:p>
+                      <a:endParaRPr lang="zh-TW" altLang="en-US" dirty="0">
+                        <a:latin typeface="微軟正黑體" panose="020B0604030504040204" pitchFamily="34" charset="-120"/>
+                        <a:ea typeface="微軟正黑體" panose="020B0604030504040204" pitchFamily="34" charset="-120"/>
+                      </a:endParaRPr>
+                    </a:p>
+                  </a:txBody>
+                  <a:tcPr/>
+                </a:tc>
+                <a:tc hMerge="1">
+                  <a:txBody>
+                    <a:bodyPr/>
+                    <a:lstStyle/>
+                    <a:p>
+                      <a:endParaRPr lang="zh-TW" altLang="en-US"/>
+                    </a:p>
+                  </a:txBody>
+                  <a:tcPr/>
+                </a:tc>
+                <a:tc hMerge="1">
+                  <a:txBody>
+                    <a:bodyPr/>
+                    <a:lstStyle/>
+                    <a:p>
+                      <a:endParaRPr lang="zh-TW" altLang="en-US" dirty="0">
+                        <a:latin typeface="微軟正黑體" panose="020B0604030504040204" pitchFamily="34" charset="-120"/>
+                        <a:ea typeface="微軟正黑體" panose="020B0604030504040204" pitchFamily="34" charset="-120"/>
+                      </a:endParaRPr>
+                    </a:p>
+                  </a:txBody>
+                  <a:tcPr/>
+                </a:tc>
+                <a:extLst>
+                  <a:ext uri="{0D108BD9-81ED-4DB2-BD59-A6C34878D82A}">
+                    <a16:rowId xmlns:a16="http://schemas.microsoft.com/office/drawing/2014/main" val="693209630"/>
+                  </a:ext>
+                </a:extLst>
+              </a:tr>
+            </a:tbl>
+          </a:graphicData>
+        </a:graphic>
+      </p:graphicFrame>
+      <p:sp>
+        <p:nvSpPr>
+          <p:cNvPr id="6" name="文字方塊 5"/>
+          <p:cNvSpPr txBox="1"/>
+          <p:nvPr/>
+        </p:nvSpPr>
+        <p:spPr>
+          <a:xfrm>
+            <a:off x="95518" y="2118122"/>
+            <a:ext cx="461665" cy="2631490"/>
+          </a:xfrm>
+          <a:prstGeom prst="rect">
+            <a:avLst/>
+          </a:prstGeom>
+          <a:noFill/>
+        </p:spPr>
+        <p:txBody>
+          <a:bodyPr vert="eaVert" wrap="none" rtlCol="0">
+            <a:spAutoFit/>
+          </a:bodyPr>
+          <a:lstStyle/>
+          <a:p>
+            <a:r>
+              <a:rPr lang="zh-TW" altLang="en-US" dirty="0" smtClean="0">
+                <a:solidFill>
+                  <a:srgbClr val="92D050"/>
+                </a:solidFill>
+                <a:latin typeface="微軟正黑體" panose="020B0604030504040204" pitchFamily="34" charset="-120"/>
+                <a:ea typeface="微軟正黑體" panose="020B0604030504040204" pitchFamily="34" charset="-120"/>
+              </a:rPr>
+              <a:t>顏少于</a:t>
+            </a:r>
+            <a:r>
+              <a:rPr lang="zh-TW" altLang="en-US" dirty="0" smtClean="0">
+                <a:latin typeface="微軟正黑體" panose="020B0604030504040204" pitchFamily="34" charset="-120"/>
+                <a:ea typeface="微軟正黑體" panose="020B0604030504040204" pitchFamily="34" charset="-120"/>
+              </a:rPr>
+              <a:t>、</a:t>
+            </a:r>
+            <a:r>
+              <a:rPr lang="zh-TW" altLang="en-US" dirty="0" smtClean="0">
+                <a:solidFill>
+                  <a:srgbClr val="00B0F0"/>
+                </a:solidFill>
+                <a:latin typeface="微軟正黑體" panose="020B0604030504040204" pitchFamily="34" charset="-120"/>
+                <a:ea typeface="微軟正黑體" panose="020B0604030504040204" pitchFamily="34" charset="-120"/>
+              </a:rPr>
+              <a:t>王冠智</a:t>
+            </a:r>
+            <a:r>
+              <a:rPr lang="zh-TW" altLang="en-US" dirty="0" smtClean="0">
+                <a:latin typeface="微軟正黑體" panose="020B0604030504040204" pitchFamily="34" charset="-120"/>
+                <a:ea typeface="微軟正黑體" panose="020B0604030504040204" pitchFamily="34" charset="-120"/>
+              </a:rPr>
+              <a:t>、</a:t>
+            </a:r>
+            <a:r>
+              <a:rPr lang="zh-TW" altLang="en-US" dirty="0" smtClean="0">
+                <a:solidFill>
+                  <a:srgbClr val="FFFF00"/>
+                </a:solidFill>
+                <a:latin typeface="微軟正黑體" panose="020B0604030504040204" pitchFamily="34" charset="-120"/>
+                <a:ea typeface="微軟正黑體" panose="020B0604030504040204" pitchFamily="34" charset="-120"/>
+              </a:rPr>
+              <a:t>徐睿淳</a:t>
+            </a:r>
+            <a:endParaRPr lang="zh-TW" altLang="en-US" dirty="0">
+              <a:solidFill>
+                <a:srgbClr val="FFFF00"/>
+              </a:solidFill>
+              <a:latin typeface="微軟正黑體" panose="020B0604030504040204" pitchFamily="34" charset="-120"/>
+              <a:ea typeface="微軟正黑體" panose="020B0604030504040204" pitchFamily="34" charset="-120"/>
+            </a:endParaRPr>
+          </a:p>
+        </p:txBody>
+      </p:sp>
+    </p:spTree>
+    <p:extLst>
+      <p:ext uri="{BB962C8B-B14F-4D97-AF65-F5344CB8AC3E}">
+        <p14:creationId xmlns:p14="http://schemas.microsoft.com/office/powerpoint/2010/main" val="2286591281"/>
+      </p:ext>
+    </p:extLst>
+  </p:cSld>
+  <p:clrMapOvr>
+    <a:masterClrMapping/>
+  </p:clrMapOvr>
+  <p:timing>
+    <p:tnLst>
+      <p:par>
+        <p:cTn id="1" dur="indefinite" restart="never" nodeType="tmRoot"/>
+      </p:par>
+    </p:tnLst>
+  </p:timing>
+</p:sld>
+</file>
+
 <file path=ppt/slides/slide2.xml><?xml version="1.0" encoding="utf-8"?>
 <p:sld xmlns:a="http://schemas.openxmlformats.org/drawingml/2006/main" xmlns:r="http://schemas.openxmlformats.org/officeDocument/2006/relationships" xmlns:p="http://schemas.openxmlformats.org/presentationml/2006/main">
   <p:cSld>
@@ -4564,6 +7869,242 @@
           </a:p>
         </p:txBody>
       </p:sp>
+      <p:sp>
+        <p:nvSpPr>
+          <p:cNvPr id="3" name="立方體 2"/>
+          <p:cNvSpPr/>
+          <p:nvPr/>
+        </p:nvSpPr>
+        <p:spPr>
+          <a:xfrm>
+            <a:off x="-1137920" y="4178300"/>
+            <a:ext cx="822960" cy="797559"/>
+          </a:xfrm>
+          <a:prstGeom prst="cube">
+            <a:avLst/>
+          </a:prstGeom>
+        </p:spPr>
+        <p:style>
+          <a:lnRef idx="2">
+            <a:schemeClr val="accent1">
+              <a:shade val="50000"/>
+            </a:schemeClr>
+          </a:lnRef>
+          <a:fillRef idx="1">
+            <a:schemeClr val="accent1"/>
+          </a:fillRef>
+          <a:effectRef idx="0">
+            <a:schemeClr val="accent1"/>
+          </a:effectRef>
+          <a:fontRef idx="minor">
+            <a:schemeClr val="lt1"/>
+          </a:fontRef>
+        </p:style>
+        <p:txBody>
+          <a:bodyPr rtlCol="0" anchor="ctr"/>
+          <a:lstStyle/>
+          <a:p>
+            <a:pPr algn="ctr"/>
+            <a:endParaRPr lang="zh-TW" altLang="en-US"/>
+          </a:p>
+        </p:txBody>
+      </p:sp>
+      <p:sp>
+        <p:nvSpPr>
+          <p:cNvPr id="27" name="文字方塊 26"/>
+          <p:cNvSpPr txBox="1"/>
+          <p:nvPr/>
+        </p:nvSpPr>
+        <p:spPr>
+          <a:xfrm>
+            <a:off x="-1137920" y="4965988"/>
+            <a:ext cx="840776" cy="584775"/>
+          </a:xfrm>
+          <a:prstGeom prst="rect">
+            <a:avLst/>
+          </a:prstGeom>
+          <a:noFill/>
+        </p:spPr>
+        <p:txBody>
+          <a:bodyPr wrap="square" rtlCol="0">
+            <a:spAutoFit/>
+          </a:bodyPr>
+          <a:lstStyle/>
+          <a:p>
+            <a:r>
+              <a:rPr lang="en-US" altLang="zh-TW" sz="3200" dirty="0" err="1" smtClean="0">
+                <a:solidFill>
+                  <a:srgbClr val="FF0000"/>
+                </a:solidFill>
+              </a:rPr>
+              <a:t>nii</a:t>
+            </a:r>
+            <a:endParaRPr lang="zh-TW" altLang="en-US" sz="3200" dirty="0">
+              <a:solidFill>
+                <a:srgbClr val="FF0000"/>
+              </a:solidFill>
+            </a:endParaRPr>
+          </a:p>
+        </p:txBody>
+      </p:sp>
+      <p:sp>
+        <p:nvSpPr>
+          <p:cNvPr id="11" name="矩形 10"/>
+          <p:cNvSpPr/>
+          <p:nvPr/>
+        </p:nvSpPr>
+        <p:spPr>
+          <a:xfrm>
+            <a:off x="762000" y="4475479"/>
+            <a:ext cx="538480" cy="523241"/>
+          </a:xfrm>
+          <a:prstGeom prst="rect">
+            <a:avLst/>
+          </a:prstGeom>
+        </p:spPr>
+        <p:style>
+          <a:lnRef idx="2">
+            <a:schemeClr val="accent1">
+              <a:shade val="50000"/>
+            </a:schemeClr>
+          </a:lnRef>
+          <a:fillRef idx="1">
+            <a:schemeClr val="accent1"/>
+          </a:fillRef>
+          <a:effectRef idx="0">
+            <a:schemeClr val="accent1"/>
+          </a:effectRef>
+          <a:fontRef idx="minor">
+            <a:schemeClr val="lt1"/>
+          </a:fontRef>
+        </p:style>
+        <p:txBody>
+          <a:bodyPr rtlCol="0" anchor="ctr"/>
+          <a:lstStyle/>
+          <a:p>
+            <a:pPr algn="ctr"/>
+            <a:endParaRPr lang="zh-TW" altLang="en-US"/>
+          </a:p>
+        </p:txBody>
+      </p:sp>
+      <p:sp>
+        <p:nvSpPr>
+          <p:cNvPr id="28" name="矩形 27"/>
+          <p:cNvSpPr/>
+          <p:nvPr/>
+        </p:nvSpPr>
+        <p:spPr>
+          <a:xfrm>
+            <a:off x="645438" y="4311134"/>
+            <a:ext cx="538480" cy="523241"/>
+          </a:xfrm>
+          <a:prstGeom prst="rect">
+            <a:avLst/>
+          </a:prstGeom>
+        </p:spPr>
+        <p:style>
+          <a:lnRef idx="2">
+            <a:schemeClr val="accent1">
+              <a:shade val="50000"/>
+            </a:schemeClr>
+          </a:lnRef>
+          <a:fillRef idx="1">
+            <a:schemeClr val="accent1"/>
+          </a:fillRef>
+          <a:effectRef idx="0">
+            <a:schemeClr val="accent1"/>
+          </a:effectRef>
+          <a:fontRef idx="minor">
+            <a:schemeClr val="lt1"/>
+          </a:fontRef>
+        </p:style>
+        <p:txBody>
+          <a:bodyPr rtlCol="0" anchor="ctr"/>
+          <a:lstStyle/>
+          <a:p>
+            <a:pPr algn="ctr"/>
+            <a:endParaRPr lang="zh-TW" altLang="en-US"/>
+          </a:p>
+        </p:txBody>
+      </p:sp>
+      <p:sp>
+        <p:nvSpPr>
+          <p:cNvPr id="29" name="矩形 28"/>
+          <p:cNvSpPr/>
+          <p:nvPr/>
+        </p:nvSpPr>
+        <p:spPr>
+          <a:xfrm>
+            <a:off x="472549" y="4165324"/>
+            <a:ext cx="538480" cy="523241"/>
+          </a:xfrm>
+          <a:prstGeom prst="rect">
+            <a:avLst/>
+          </a:prstGeom>
+        </p:spPr>
+        <p:style>
+          <a:lnRef idx="2">
+            <a:schemeClr val="accent1">
+              <a:shade val="50000"/>
+            </a:schemeClr>
+          </a:lnRef>
+          <a:fillRef idx="1">
+            <a:schemeClr val="accent1"/>
+          </a:fillRef>
+          <a:effectRef idx="0">
+            <a:schemeClr val="accent1"/>
+          </a:effectRef>
+          <a:fontRef idx="minor">
+            <a:schemeClr val="lt1"/>
+          </a:fontRef>
+        </p:style>
+        <p:txBody>
+          <a:bodyPr rtlCol="0" anchor="ctr"/>
+          <a:lstStyle/>
+          <a:p>
+            <a:pPr algn="ctr"/>
+            <a:endParaRPr lang="zh-TW" altLang="en-US"/>
+          </a:p>
+        </p:txBody>
+      </p:sp>
+      <p:sp>
+        <p:nvSpPr>
+          <p:cNvPr id="30" name="文字方塊 29"/>
+          <p:cNvSpPr txBox="1"/>
+          <p:nvPr/>
+        </p:nvSpPr>
+        <p:spPr>
+          <a:xfrm>
+            <a:off x="657323" y="4874259"/>
+            <a:ext cx="840776" cy="584775"/>
+          </a:xfrm>
+          <a:prstGeom prst="rect">
+            <a:avLst/>
+          </a:prstGeom>
+          <a:noFill/>
+        </p:spPr>
+        <p:txBody>
+          <a:bodyPr wrap="square" rtlCol="0">
+            <a:spAutoFit/>
+          </a:bodyPr>
+          <a:lstStyle/>
+          <a:p>
+            <a:r>
+              <a:rPr lang="en-US" altLang="zh-TW" sz="3200" dirty="0" smtClean="0">
+                <a:solidFill>
+                  <a:srgbClr val="FF0000"/>
+                </a:solidFill>
+              </a:rPr>
+              <a:t>jpg</a:t>
+            </a:r>
+            <a:endParaRPr lang="zh-TW" altLang="en-US" sz="3200" dirty="0">
+              <a:solidFill>
+                <a:srgbClr val="FF0000"/>
+              </a:solidFill>
+            </a:endParaRPr>
+          </a:p>
+        </p:txBody>
+      </p:sp>
     </p:spTree>
     <p:extLst>
       <p:ext uri="{BB962C8B-B14F-4D97-AF65-F5344CB8AC3E}">
@@ -4574,6 +8115,13 @@
   <p:clrMapOvr>
     <a:masterClrMapping/>
   </p:clrMapOvr>
+  <p:timing>
+    <p:tnLst>
+      <p:par>
+        <p:cTn id="1" dur="indefinite" restart="never" nodeType="tmRoot"/>
+      </p:par>
+    </p:tnLst>
+  </p:timing>
 </p:sld>
 </file>
 
@@ -4596,116 +8144,969 @@
       </p:grpSpPr>
       <p:sp>
         <p:nvSpPr>
-          <p:cNvPr id="2" name="標題 1"/>
-          <p:cNvSpPr>
-            <a:spLocks noGrp="1"/>
-          </p:cNvSpPr>
-          <p:nvPr>
-            <p:ph type="title"/>
-          </p:nvPr>
-        </p:nvSpPr>
-        <p:spPr/>
-        <p:txBody>
-          <a:bodyPr/>
+          <p:cNvPr id="5" name="矩形 4"/>
+          <p:cNvSpPr/>
+          <p:nvPr/>
+        </p:nvSpPr>
+        <p:spPr>
+          <a:xfrm>
+            <a:off x="1900244" y="2104278"/>
+            <a:ext cx="1889760" cy="914400"/>
+          </a:xfrm>
+          <a:prstGeom prst="rect">
+            <a:avLst/>
+          </a:prstGeom>
+        </p:spPr>
+        <p:style>
+          <a:lnRef idx="2">
+            <a:schemeClr val="accent1">
+              <a:shade val="50000"/>
+            </a:schemeClr>
+          </a:lnRef>
+          <a:fillRef idx="1">
+            <a:schemeClr val="accent1"/>
+          </a:fillRef>
+          <a:effectRef idx="0">
+            <a:schemeClr val="accent1"/>
+          </a:effectRef>
+          <a:fontRef idx="minor">
+            <a:schemeClr val="lt1"/>
+          </a:fontRef>
+        </p:style>
+        <p:txBody>
+          <a:bodyPr rtlCol="0" anchor="ctr"/>
           <a:lstStyle/>
           <a:p>
-            <a:r>
-              <a:rPr lang="zh-TW" altLang="en-US" dirty="0"/>
-              <a:t>下次</a:t>
-            </a:r>
-            <a:r>
-              <a:rPr lang="zh-TW" altLang="en-US" dirty="0" smtClean="0"/>
-              <a:t>開會 </a:t>
-            </a:r>
-            <a:r>
-              <a:rPr lang="en-US" altLang="zh-TW" dirty="0" smtClean="0"/>
-              <a:t>3/6</a:t>
-            </a:r>
-            <a:endParaRPr lang="zh-TW" altLang="en-US" dirty="0"/>
-          </a:p>
-        </p:txBody>
-      </p:sp>
-      <p:sp>
-        <p:nvSpPr>
-          <p:cNvPr id="3" name="內容版面配置區 2"/>
-          <p:cNvSpPr>
-            <a:spLocks noGrp="1"/>
-          </p:cNvSpPr>
-          <p:nvPr>
-            <p:ph idx="1"/>
-          </p:nvPr>
-        </p:nvSpPr>
-        <p:spPr/>
-        <p:txBody>
-          <a:bodyPr/>
+            <a:pPr algn="ctr"/>
+            <a:r>
+              <a:rPr lang="zh-TW" altLang="en-US" sz="3200" b="1" dirty="0" smtClean="0">
+                <a:latin typeface="微軟正黑體" panose="020B0604030504040204" pitchFamily="34" charset="-120"/>
+                <a:ea typeface="微軟正黑體" panose="020B0604030504040204" pitchFamily="34" charset="-120"/>
+              </a:rPr>
+              <a:t>資料庫</a:t>
+            </a:r>
+            <a:endParaRPr lang="zh-TW" altLang="en-US" sz="3200" b="1" dirty="0">
+              <a:latin typeface="微軟正黑體" panose="020B0604030504040204" pitchFamily="34" charset="-120"/>
+              <a:ea typeface="微軟正黑體" panose="020B0604030504040204" pitchFamily="34" charset="-120"/>
+            </a:endParaRPr>
+          </a:p>
+        </p:txBody>
+      </p:sp>
+      <p:sp>
+        <p:nvSpPr>
+          <p:cNvPr id="6" name="矩形 5"/>
+          <p:cNvSpPr/>
+          <p:nvPr/>
+        </p:nvSpPr>
+        <p:spPr>
+          <a:xfrm>
+            <a:off x="3399122" y="4455147"/>
+            <a:ext cx="1889760" cy="914400"/>
+          </a:xfrm>
+          <a:prstGeom prst="rect">
+            <a:avLst/>
+          </a:prstGeom>
+        </p:spPr>
+        <p:style>
+          <a:lnRef idx="2">
+            <a:schemeClr val="accent1">
+              <a:shade val="50000"/>
+            </a:schemeClr>
+          </a:lnRef>
+          <a:fillRef idx="1">
+            <a:schemeClr val="accent1"/>
+          </a:fillRef>
+          <a:effectRef idx="0">
+            <a:schemeClr val="accent1"/>
+          </a:effectRef>
+          <a:fontRef idx="minor">
+            <a:schemeClr val="lt1"/>
+          </a:fontRef>
+        </p:style>
+        <p:txBody>
+          <a:bodyPr rtlCol="0" anchor="ctr"/>
           <a:lstStyle/>
           <a:p>
-            <a:r>
-              <a:rPr lang="zh-TW" altLang="en-US" dirty="0" smtClean="0"/>
-              <a:t>徐：</a:t>
-            </a:r>
-            <a:r>
-              <a:rPr lang="zh-TW" altLang="en-US" dirty="0"/>
-              <a:t>資料庫</a:t>
-            </a:r>
-            <a:r>
-              <a:rPr lang="zh-TW" altLang="en-US" dirty="0" smtClean="0"/>
-              <a:t>優缺點 </a:t>
-            </a:r>
-            <a:r>
-              <a:rPr lang="en-US" altLang="zh-TW" dirty="0" smtClean="0"/>
-              <a:t>PPT</a:t>
-            </a:r>
-          </a:p>
-          <a:p>
-            <a:r>
-              <a:rPr lang="zh-TW" altLang="en-US" dirty="0" smtClean="0"/>
-              <a:t>王：</a:t>
-            </a:r>
-            <a:r>
-              <a:rPr lang="en-US" altLang="zh-TW" dirty="0" smtClean="0"/>
-              <a:t>JAVA</a:t>
-            </a:r>
-            <a:r>
-              <a:rPr lang="zh-TW" altLang="en-US" dirty="0" smtClean="0"/>
-              <a:t>後端框架 </a:t>
-            </a:r>
-            <a:r>
-              <a:rPr lang="en-US" altLang="zh-TW" dirty="0" smtClean="0"/>
-              <a:t>PPT</a:t>
-            </a:r>
-          </a:p>
-          <a:p>
-            <a:r>
-              <a:rPr lang="zh-TW" altLang="en-US" dirty="0" smtClean="0"/>
-              <a:t>顏：</a:t>
-            </a:r>
-            <a:r>
-              <a:rPr lang="en-US" altLang="zh-TW" dirty="0" smtClean="0"/>
-              <a:t>Flutter</a:t>
-            </a:r>
-            <a:r>
-              <a:rPr lang="zh-TW" altLang="en-US" dirty="0"/>
-              <a:t>安裝教學</a:t>
-            </a:r>
-            <a:r>
-              <a:rPr lang="zh-TW" altLang="en-US" dirty="0" smtClean="0"/>
-              <a:t>、跑起來模板</a:t>
-            </a:r>
-            <a:endParaRPr lang="en-US" altLang="zh-TW" dirty="0"/>
-          </a:p>
-        </p:txBody>
-      </p:sp>
+            <a:pPr algn="ctr"/>
+            <a:r>
+              <a:rPr lang="zh-TW" altLang="en-US" sz="3200" b="1" dirty="0" smtClean="0">
+                <a:latin typeface="微軟正黑體" panose="020B0604030504040204" pitchFamily="34" charset="-120"/>
+                <a:ea typeface="微軟正黑體" panose="020B0604030504040204" pitchFamily="34" charset="-120"/>
+              </a:rPr>
+              <a:t>醫生前端</a:t>
+            </a:r>
+            <a:endParaRPr lang="zh-TW" altLang="en-US" sz="3200" b="1" dirty="0">
+              <a:latin typeface="微軟正黑體" panose="020B0604030504040204" pitchFamily="34" charset="-120"/>
+              <a:ea typeface="微軟正黑體" panose="020B0604030504040204" pitchFamily="34" charset="-120"/>
+            </a:endParaRPr>
+          </a:p>
+        </p:txBody>
+      </p:sp>
+      <p:sp>
+        <p:nvSpPr>
+          <p:cNvPr id="7" name="矩形 6"/>
+          <p:cNvSpPr/>
+          <p:nvPr/>
+        </p:nvSpPr>
+        <p:spPr>
+          <a:xfrm>
+            <a:off x="4826324" y="2104278"/>
+            <a:ext cx="1889760" cy="914400"/>
+          </a:xfrm>
+          <a:prstGeom prst="rect">
+            <a:avLst/>
+          </a:prstGeom>
+        </p:spPr>
+        <p:style>
+          <a:lnRef idx="2">
+            <a:schemeClr val="accent1">
+              <a:shade val="50000"/>
+            </a:schemeClr>
+          </a:lnRef>
+          <a:fillRef idx="1">
+            <a:schemeClr val="accent1"/>
+          </a:fillRef>
+          <a:effectRef idx="0">
+            <a:schemeClr val="accent1"/>
+          </a:effectRef>
+          <a:fontRef idx="minor">
+            <a:schemeClr val="lt1"/>
+          </a:fontRef>
+        </p:style>
+        <p:txBody>
+          <a:bodyPr rtlCol="0" anchor="ctr"/>
+          <a:lstStyle/>
+          <a:p>
+            <a:pPr algn="ctr"/>
+            <a:r>
+              <a:rPr lang="zh-TW" altLang="en-US" sz="3200" b="1" dirty="0" smtClean="0">
+                <a:latin typeface="微軟正黑體" panose="020B0604030504040204" pitchFamily="34" charset="-120"/>
+                <a:ea typeface="微軟正黑體" panose="020B0604030504040204" pitchFamily="34" charset="-120"/>
+              </a:rPr>
+              <a:t>後端</a:t>
+            </a:r>
+            <a:endParaRPr lang="zh-TW" altLang="en-US" sz="3200" b="1" dirty="0">
+              <a:latin typeface="微軟正黑體" panose="020B0604030504040204" pitchFamily="34" charset="-120"/>
+              <a:ea typeface="微軟正黑體" panose="020B0604030504040204" pitchFamily="34" charset="-120"/>
+            </a:endParaRPr>
+          </a:p>
+        </p:txBody>
+      </p:sp>
+      <p:sp>
+        <p:nvSpPr>
+          <p:cNvPr id="8" name="矩形 7"/>
+          <p:cNvSpPr/>
+          <p:nvPr/>
+        </p:nvSpPr>
+        <p:spPr>
+          <a:xfrm>
+            <a:off x="7752404" y="2104278"/>
+            <a:ext cx="1889760" cy="914400"/>
+          </a:xfrm>
+          <a:prstGeom prst="rect">
+            <a:avLst/>
+          </a:prstGeom>
+        </p:spPr>
+        <p:style>
+          <a:lnRef idx="2">
+            <a:schemeClr val="accent1">
+              <a:shade val="50000"/>
+            </a:schemeClr>
+          </a:lnRef>
+          <a:fillRef idx="1">
+            <a:schemeClr val="accent1"/>
+          </a:fillRef>
+          <a:effectRef idx="0">
+            <a:schemeClr val="accent1"/>
+          </a:effectRef>
+          <a:fontRef idx="minor">
+            <a:schemeClr val="lt1"/>
+          </a:fontRef>
+        </p:style>
+        <p:txBody>
+          <a:bodyPr rtlCol="0" anchor="ctr"/>
+          <a:lstStyle/>
+          <a:p>
+            <a:pPr algn="ctr"/>
+            <a:r>
+              <a:rPr lang="zh-TW" altLang="en-US" sz="3200" b="1" dirty="0" smtClean="0">
+                <a:latin typeface="微軟正黑體" panose="020B0604030504040204" pitchFamily="34" charset="-120"/>
+                <a:ea typeface="微軟正黑體" panose="020B0604030504040204" pitchFamily="34" charset="-120"/>
+              </a:rPr>
+              <a:t>腦齡模型</a:t>
+            </a:r>
+            <a:endParaRPr lang="zh-TW" altLang="en-US" sz="3200" b="1" dirty="0">
+              <a:latin typeface="微軟正黑體" panose="020B0604030504040204" pitchFamily="34" charset="-120"/>
+              <a:ea typeface="微軟正黑體" panose="020B0604030504040204" pitchFamily="34" charset="-120"/>
+            </a:endParaRPr>
+          </a:p>
+        </p:txBody>
+      </p:sp>
+      <p:sp>
+        <p:nvSpPr>
+          <p:cNvPr id="9" name="矩形 8"/>
+          <p:cNvSpPr/>
+          <p:nvPr/>
+        </p:nvSpPr>
+        <p:spPr>
+          <a:xfrm>
+            <a:off x="1605604" y="1772907"/>
+            <a:ext cx="8371840" cy="1574800"/>
+          </a:xfrm>
+          <a:prstGeom prst="rect">
+            <a:avLst/>
+          </a:prstGeom>
+          <a:noFill/>
+          <a:ln w="28575"/>
+        </p:spPr>
+        <p:style>
+          <a:lnRef idx="2">
+            <a:schemeClr val="accent1">
+              <a:shade val="50000"/>
+            </a:schemeClr>
+          </a:lnRef>
+          <a:fillRef idx="1">
+            <a:schemeClr val="accent1"/>
+          </a:fillRef>
+          <a:effectRef idx="0">
+            <a:schemeClr val="accent1"/>
+          </a:effectRef>
+          <a:fontRef idx="minor">
+            <a:schemeClr val="lt1"/>
+          </a:fontRef>
+        </p:style>
+        <p:txBody>
+          <a:bodyPr rtlCol="0" anchor="ctr"/>
+          <a:lstStyle/>
+          <a:p>
+            <a:pPr algn="ctr"/>
+            <a:endParaRPr lang="zh-TW" altLang="en-US"/>
+          </a:p>
+        </p:txBody>
+      </p:sp>
+      <p:sp>
+        <p:nvSpPr>
+          <p:cNvPr id="10" name="矩形 9"/>
+          <p:cNvSpPr/>
+          <p:nvPr/>
+        </p:nvSpPr>
+        <p:spPr>
+          <a:xfrm>
+            <a:off x="8087684" y="4455147"/>
+            <a:ext cx="2351926" cy="914400"/>
+          </a:xfrm>
+          <a:prstGeom prst="rect">
+            <a:avLst/>
+          </a:prstGeom>
+        </p:spPr>
+        <p:style>
+          <a:lnRef idx="2">
+            <a:schemeClr val="accent1">
+              <a:shade val="50000"/>
+            </a:schemeClr>
+          </a:lnRef>
+          <a:fillRef idx="1">
+            <a:schemeClr val="accent1"/>
+          </a:fillRef>
+          <a:effectRef idx="0">
+            <a:schemeClr val="accent1"/>
+          </a:effectRef>
+          <a:fontRef idx="minor">
+            <a:schemeClr val="lt1"/>
+          </a:fontRef>
+        </p:style>
+        <p:txBody>
+          <a:bodyPr rtlCol="0" anchor="ctr"/>
+          <a:lstStyle/>
+          <a:p>
+            <a:pPr algn="ctr"/>
+            <a:r>
+              <a:rPr lang="zh-TW" altLang="en-US" sz="3200" b="1" dirty="0" smtClean="0">
+                <a:latin typeface="微軟正黑體" panose="020B0604030504040204" pitchFamily="34" charset="-120"/>
+                <a:ea typeface="微軟正黑體" panose="020B0604030504040204" pitchFamily="34" charset="-120"/>
+              </a:rPr>
+              <a:t>使用者前端</a:t>
+            </a:r>
+            <a:endParaRPr lang="zh-TW" altLang="en-US" sz="3200" b="1" dirty="0">
+              <a:latin typeface="微軟正黑體" panose="020B0604030504040204" pitchFamily="34" charset="-120"/>
+              <a:ea typeface="微軟正黑體" panose="020B0604030504040204" pitchFamily="34" charset="-120"/>
+            </a:endParaRPr>
+          </a:p>
+        </p:txBody>
+      </p:sp>
+      <p:cxnSp>
+        <p:nvCxnSpPr>
+          <p:cNvPr id="12" name="肘形接點 11"/>
+          <p:cNvCxnSpPr>
+            <a:stCxn id="9" idx="2"/>
+            <a:endCxn id="10" idx="0"/>
+          </p:cNvCxnSpPr>
+          <p:nvPr/>
+        </p:nvCxnSpPr>
+        <p:spPr>
+          <a:xfrm rot="16200000" flipH="1">
+            <a:off x="6973865" y="2165365"/>
+            <a:ext cx="1107440" cy="3472123"/>
+          </a:xfrm>
+          <a:prstGeom prst="bentConnector3">
+            <a:avLst/>
+          </a:prstGeom>
+          <a:ln>
+            <a:tailEnd type="triangle"/>
+          </a:ln>
+        </p:spPr>
+        <p:style>
+          <a:lnRef idx="1">
+            <a:schemeClr val="accent1"/>
+          </a:lnRef>
+          <a:fillRef idx="0">
+            <a:schemeClr val="accent1"/>
+          </a:fillRef>
+          <a:effectRef idx="0">
+            <a:schemeClr val="accent1"/>
+          </a:effectRef>
+          <a:fontRef idx="minor">
+            <a:schemeClr val="tx1"/>
+          </a:fontRef>
+        </p:style>
+      </p:cxnSp>
+      <p:cxnSp>
+        <p:nvCxnSpPr>
+          <p:cNvPr id="13" name="肘形接點 12"/>
+          <p:cNvCxnSpPr>
+            <a:stCxn id="9" idx="2"/>
+            <a:endCxn id="6" idx="0"/>
+          </p:cNvCxnSpPr>
+          <p:nvPr/>
+        </p:nvCxnSpPr>
+        <p:spPr>
+          <a:xfrm rot="5400000">
+            <a:off x="4514043" y="3177666"/>
+            <a:ext cx="1107440" cy="1447522"/>
+          </a:xfrm>
+          <a:prstGeom prst="bentConnector3">
+            <a:avLst>
+              <a:gd name="adj1" fmla="val 50000"/>
+            </a:avLst>
+          </a:prstGeom>
+          <a:ln>
+            <a:tailEnd type="triangle"/>
+          </a:ln>
+        </p:spPr>
+        <p:style>
+          <a:lnRef idx="1">
+            <a:schemeClr val="accent1"/>
+          </a:lnRef>
+          <a:fillRef idx="0">
+            <a:schemeClr val="accent1"/>
+          </a:fillRef>
+          <a:effectRef idx="0">
+            <a:schemeClr val="accent1"/>
+          </a:effectRef>
+          <a:fontRef idx="minor">
+            <a:schemeClr val="tx1"/>
+          </a:fontRef>
+        </p:style>
+      </p:cxnSp>
+      <p:grpSp>
+        <p:nvGrpSpPr>
+          <p:cNvPr id="14" name="群組 13"/>
+          <p:cNvGrpSpPr/>
+          <p:nvPr/>
+        </p:nvGrpSpPr>
+        <p:grpSpPr>
+          <a:xfrm>
+            <a:off x="-1381436" y="4556747"/>
+            <a:ext cx="840776" cy="1372463"/>
+            <a:chOff x="7767211" y="4757420"/>
+            <a:chExt cx="840776" cy="1372463"/>
+          </a:xfrm>
+        </p:grpSpPr>
+        <p:sp>
+          <p:nvSpPr>
+            <p:cNvPr id="3" name="立方體 2"/>
+            <p:cNvSpPr/>
+            <p:nvPr/>
+          </p:nvSpPr>
+          <p:spPr>
+            <a:xfrm>
+              <a:off x="7767211" y="4757420"/>
+              <a:ext cx="822960" cy="797559"/>
+            </a:xfrm>
+            <a:prstGeom prst="cube">
+              <a:avLst/>
+            </a:prstGeom>
+          </p:spPr>
+          <p:style>
+            <a:lnRef idx="2">
+              <a:schemeClr val="accent1">
+                <a:shade val="50000"/>
+              </a:schemeClr>
+            </a:lnRef>
+            <a:fillRef idx="1">
+              <a:schemeClr val="accent1"/>
+            </a:fillRef>
+            <a:effectRef idx="0">
+              <a:schemeClr val="accent1"/>
+            </a:effectRef>
+            <a:fontRef idx="minor">
+              <a:schemeClr val="lt1"/>
+            </a:fontRef>
+          </p:style>
+          <p:txBody>
+            <a:bodyPr rtlCol="0" anchor="ctr"/>
+            <a:lstStyle/>
+            <a:p>
+              <a:pPr algn="ctr"/>
+              <a:endParaRPr lang="zh-TW" altLang="en-US"/>
+            </a:p>
+          </p:txBody>
+        </p:sp>
+        <p:sp>
+          <p:nvSpPr>
+            <p:cNvPr id="27" name="文字方塊 26"/>
+            <p:cNvSpPr txBox="1"/>
+            <p:nvPr/>
+          </p:nvSpPr>
+          <p:spPr>
+            <a:xfrm>
+              <a:off x="7767211" y="5545108"/>
+              <a:ext cx="840776" cy="584775"/>
+            </a:xfrm>
+            <a:prstGeom prst="rect">
+              <a:avLst/>
+            </a:prstGeom>
+            <a:noFill/>
+          </p:spPr>
+          <p:txBody>
+            <a:bodyPr wrap="square" rtlCol="0">
+              <a:spAutoFit/>
+            </a:bodyPr>
+            <a:lstStyle/>
+            <a:p>
+              <a:r>
+                <a:rPr lang="en-US" altLang="zh-TW" sz="3200" dirty="0" err="1" smtClean="0">
+                  <a:solidFill>
+                    <a:srgbClr val="FF0000"/>
+                  </a:solidFill>
+                </a:rPr>
+                <a:t>nii</a:t>
+              </a:r>
+              <a:endParaRPr lang="zh-TW" altLang="en-US" sz="3200" dirty="0">
+                <a:solidFill>
+                  <a:srgbClr val="FF0000"/>
+                </a:solidFill>
+              </a:endParaRPr>
+            </a:p>
+          </p:txBody>
+        </p:sp>
+      </p:grpSp>
+      <p:grpSp>
+        <p:nvGrpSpPr>
+          <p:cNvPr id="2" name="群組 1"/>
+          <p:cNvGrpSpPr/>
+          <p:nvPr/>
+        </p:nvGrpSpPr>
+        <p:grpSpPr>
+          <a:xfrm>
+            <a:off x="7752404" y="5518295"/>
+            <a:ext cx="3295018" cy="1339705"/>
+            <a:chOff x="9377680" y="4698449"/>
+            <a:chExt cx="3295018" cy="1339705"/>
+          </a:xfrm>
+        </p:grpSpPr>
+        <p:sp>
+          <p:nvSpPr>
+            <p:cNvPr id="11" name="矩形 10"/>
+            <p:cNvSpPr/>
+            <p:nvPr/>
+          </p:nvSpPr>
+          <p:spPr>
+            <a:xfrm>
+              <a:off x="9667131" y="5054599"/>
+              <a:ext cx="538480" cy="523241"/>
+            </a:xfrm>
+            <a:prstGeom prst="rect">
+              <a:avLst/>
+            </a:prstGeom>
+          </p:spPr>
+          <p:style>
+            <a:lnRef idx="2">
+              <a:schemeClr val="accent1">
+                <a:shade val="50000"/>
+              </a:schemeClr>
+            </a:lnRef>
+            <a:fillRef idx="1">
+              <a:schemeClr val="accent1"/>
+            </a:fillRef>
+            <a:effectRef idx="0">
+              <a:schemeClr val="accent1"/>
+            </a:effectRef>
+            <a:fontRef idx="minor">
+              <a:schemeClr val="lt1"/>
+            </a:fontRef>
+          </p:style>
+          <p:txBody>
+            <a:bodyPr rtlCol="0" anchor="ctr"/>
+            <a:lstStyle/>
+            <a:p>
+              <a:pPr algn="ctr"/>
+              <a:endParaRPr lang="zh-TW" altLang="en-US"/>
+            </a:p>
+          </p:txBody>
+        </p:sp>
+        <p:sp>
+          <p:nvSpPr>
+            <p:cNvPr id="28" name="矩形 27"/>
+            <p:cNvSpPr/>
+            <p:nvPr/>
+          </p:nvSpPr>
+          <p:spPr>
+            <a:xfrm>
+              <a:off x="9550569" y="4890254"/>
+              <a:ext cx="538480" cy="523241"/>
+            </a:xfrm>
+            <a:prstGeom prst="rect">
+              <a:avLst/>
+            </a:prstGeom>
+          </p:spPr>
+          <p:style>
+            <a:lnRef idx="2">
+              <a:schemeClr val="accent1">
+                <a:shade val="50000"/>
+              </a:schemeClr>
+            </a:lnRef>
+            <a:fillRef idx="1">
+              <a:schemeClr val="accent1"/>
+            </a:fillRef>
+            <a:effectRef idx="0">
+              <a:schemeClr val="accent1"/>
+            </a:effectRef>
+            <a:fontRef idx="minor">
+              <a:schemeClr val="lt1"/>
+            </a:fontRef>
+          </p:style>
+          <p:txBody>
+            <a:bodyPr rtlCol="0" anchor="ctr"/>
+            <a:lstStyle/>
+            <a:p>
+              <a:pPr algn="ctr"/>
+              <a:endParaRPr lang="zh-TW" altLang="en-US"/>
+            </a:p>
+          </p:txBody>
+        </p:sp>
+        <p:sp>
+          <p:nvSpPr>
+            <p:cNvPr id="29" name="矩形 28"/>
+            <p:cNvSpPr/>
+            <p:nvPr/>
+          </p:nvSpPr>
+          <p:spPr>
+            <a:xfrm>
+              <a:off x="9377680" y="4744444"/>
+              <a:ext cx="538480" cy="523241"/>
+            </a:xfrm>
+            <a:prstGeom prst="rect">
+              <a:avLst/>
+            </a:prstGeom>
+          </p:spPr>
+          <p:style>
+            <a:lnRef idx="2">
+              <a:schemeClr val="accent1">
+                <a:shade val="50000"/>
+              </a:schemeClr>
+            </a:lnRef>
+            <a:fillRef idx="1">
+              <a:schemeClr val="accent1"/>
+            </a:fillRef>
+            <a:effectRef idx="0">
+              <a:schemeClr val="accent1"/>
+            </a:effectRef>
+            <a:fontRef idx="minor">
+              <a:schemeClr val="lt1"/>
+            </a:fontRef>
+          </p:style>
+          <p:txBody>
+            <a:bodyPr rtlCol="0" anchor="ctr"/>
+            <a:lstStyle/>
+            <a:p>
+              <a:pPr algn="ctr"/>
+              <a:endParaRPr lang="zh-TW" altLang="en-US"/>
+            </a:p>
+          </p:txBody>
+        </p:sp>
+        <p:sp>
+          <p:nvSpPr>
+            <p:cNvPr id="30" name="文字方塊 29"/>
+            <p:cNvSpPr txBox="1"/>
+            <p:nvPr/>
+          </p:nvSpPr>
+          <p:spPr>
+            <a:xfrm>
+              <a:off x="9562454" y="5453379"/>
+              <a:ext cx="840776" cy="584775"/>
+            </a:xfrm>
+            <a:prstGeom prst="rect">
+              <a:avLst/>
+            </a:prstGeom>
+            <a:noFill/>
+          </p:spPr>
+          <p:txBody>
+            <a:bodyPr wrap="square" rtlCol="0">
+              <a:spAutoFit/>
+            </a:bodyPr>
+            <a:lstStyle/>
+            <a:p>
+              <a:r>
+                <a:rPr lang="en-US" altLang="zh-TW" sz="3200" dirty="0" smtClean="0">
+                  <a:solidFill>
+                    <a:srgbClr val="FF0000"/>
+                  </a:solidFill>
+                </a:rPr>
+                <a:t>jpg</a:t>
+              </a:r>
+              <a:endParaRPr lang="zh-TW" altLang="en-US" sz="3200" dirty="0">
+                <a:solidFill>
+                  <a:srgbClr val="FF0000"/>
+                </a:solidFill>
+              </a:endParaRPr>
+            </a:p>
+          </p:txBody>
+        </p:sp>
+        <p:sp>
+          <p:nvSpPr>
+            <p:cNvPr id="31" name="矩形 30"/>
+            <p:cNvSpPr/>
+            <p:nvPr/>
+          </p:nvSpPr>
+          <p:spPr>
+            <a:xfrm>
+              <a:off x="10794487" y="5008604"/>
+              <a:ext cx="538480" cy="523241"/>
+            </a:xfrm>
+            <a:prstGeom prst="rect">
+              <a:avLst/>
+            </a:prstGeom>
+          </p:spPr>
+          <p:style>
+            <a:lnRef idx="2">
+              <a:schemeClr val="accent1">
+                <a:shade val="50000"/>
+              </a:schemeClr>
+            </a:lnRef>
+            <a:fillRef idx="1">
+              <a:schemeClr val="accent1"/>
+            </a:fillRef>
+            <a:effectRef idx="0">
+              <a:schemeClr val="accent1"/>
+            </a:effectRef>
+            <a:fontRef idx="minor">
+              <a:schemeClr val="lt1"/>
+            </a:fontRef>
+          </p:style>
+          <p:txBody>
+            <a:bodyPr rtlCol="0" anchor="ctr"/>
+            <a:lstStyle/>
+            <a:p>
+              <a:pPr algn="ctr"/>
+              <a:endParaRPr lang="zh-TW" altLang="en-US"/>
+            </a:p>
+          </p:txBody>
+        </p:sp>
+        <p:sp>
+          <p:nvSpPr>
+            <p:cNvPr id="32" name="矩形 31"/>
+            <p:cNvSpPr/>
+            <p:nvPr/>
+          </p:nvSpPr>
+          <p:spPr>
+            <a:xfrm>
+              <a:off x="10677925" y="4844259"/>
+              <a:ext cx="538480" cy="523241"/>
+            </a:xfrm>
+            <a:prstGeom prst="rect">
+              <a:avLst/>
+            </a:prstGeom>
+          </p:spPr>
+          <p:style>
+            <a:lnRef idx="2">
+              <a:schemeClr val="accent1">
+                <a:shade val="50000"/>
+              </a:schemeClr>
+            </a:lnRef>
+            <a:fillRef idx="1">
+              <a:schemeClr val="accent1"/>
+            </a:fillRef>
+            <a:effectRef idx="0">
+              <a:schemeClr val="accent1"/>
+            </a:effectRef>
+            <a:fontRef idx="minor">
+              <a:schemeClr val="lt1"/>
+            </a:fontRef>
+          </p:style>
+          <p:txBody>
+            <a:bodyPr rtlCol="0" anchor="ctr"/>
+            <a:lstStyle/>
+            <a:p>
+              <a:pPr algn="ctr"/>
+              <a:endParaRPr lang="zh-TW" altLang="en-US"/>
+            </a:p>
+          </p:txBody>
+        </p:sp>
+        <p:sp>
+          <p:nvSpPr>
+            <p:cNvPr id="33" name="矩形 32"/>
+            <p:cNvSpPr/>
+            <p:nvPr/>
+          </p:nvSpPr>
+          <p:spPr>
+            <a:xfrm>
+              <a:off x="10505036" y="4698449"/>
+              <a:ext cx="538480" cy="523241"/>
+            </a:xfrm>
+            <a:prstGeom prst="rect">
+              <a:avLst/>
+            </a:prstGeom>
+          </p:spPr>
+          <p:style>
+            <a:lnRef idx="2">
+              <a:schemeClr val="accent1">
+                <a:shade val="50000"/>
+              </a:schemeClr>
+            </a:lnRef>
+            <a:fillRef idx="1">
+              <a:schemeClr val="accent1"/>
+            </a:fillRef>
+            <a:effectRef idx="0">
+              <a:schemeClr val="accent1"/>
+            </a:effectRef>
+            <a:fontRef idx="minor">
+              <a:schemeClr val="lt1"/>
+            </a:fontRef>
+          </p:style>
+          <p:txBody>
+            <a:bodyPr rtlCol="0" anchor="ctr"/>
+            <a:lstStyle/>
+            <a:p>
+              <a:pPr algn="ctr"/>
+              <a:endParaRPr lang="zh-TW" altLang="en-US"/>
+            </a:p>
+          </p:txBody>
+        </p:sp>
+        <p:sp>
+          <p:nvSpPr>
+            <p:cNvPr id="34" name="文字方塊 33"/>
+            <p:cNvSpPr txBox="1"/>
+            <p:nvPr/>
+          </p:nvSpPr>
+          <p:spPr>
+            <a:xfrm>
+              <a:off x="10689810" y="5407384"/>
+              <a:ext cx="840776" cy="584775"/>
+            </a:xfrm>
+            <a:prstGeom prst="rect">
+              <a:avLst/>
+            </a:prstGeom>
+            <a:noFill/>
+          </p:spPr>
+          <p:txBody>
+            <a:bodyPr wrap="square" rtlCol="0">
+              <a:spAutoFit/>
+            </a:bodyPr>
+            <a:lstStyle/>
+            <a:p>
+              <a:r>
+                <a:rPr lang="en-US" altLang="zh-TW" sz="3200" dirty="0" smtClean="0">
+                  <a:solidFill>
+                    <a:srgbClr val="FF0000"/>
+                  </a:solidFill>
+                </a:rPr>
+                <a:t>jpg</a:t>
+              </a:r>
+              <a:endParaRPr lang="zh-TW" altLang="en-US" sz="3200" dirty="0">
+                <a:solidFill>
+                  <a:srgbClr val="FF0000"/>
+                </a:solidFill>
+              </a:endParaRPr>
+            </a:p>
+          </p:txBody>
+        </p:sp>
+        <p:sp>
+          <p:nvSpPr>
+            <p:cNvPr id="39" name="矩形 38"/>
+            <p:cNvSpPr/>
+            <p:nvPr/>
+          </p:nvSpPr>
+          <p:spPr>
+            <a:xfrm>
+              <a:off x="11936599" y="5013409"/>
+              <a:ext cx="538480" cy="523241"/>
+            </a:xfrm>
+            <a:prstGeom prst="rect">
+              <a:avLst/>
+            </a:prstGeom>
+          </p:spPr>
+          <p:style>
+            <a:lnRef idx="2">
+              <a:schemeClr val="accent1">
+                <a:shade val="50000"/>
+              </a:schemeClr>
+            </a:lnRef>
+            <a:fillRef idx="1">
+              <a:schemeClr val="accent1"/>
+            </a:fillRef>
+            <a:effectRef idx="0">
+              <a:schemeClr val="accent1"/>
+            </a:effectRef>
+            <a:fontRef idx="minor">
+              <a:schemeClr val="lt1"/>
+            </a:fontRef>
+          </p:style>
+          <p:txBody>
+            <a:bodyPr rtlCol="0" anchor="ctr"/>
+            <a:lstStyle/>
+            <a:p>
+              <a:pPr algn="ctr"/>
+              <a:endParaRPr lang="zh-TW" altLang="en-US"/>
+            </a:p>
+          </p:txBody>
+        </p:sp>
+        <p:sp>
+          <p:nvSpPr>
+            <p:cNvPr id="40" name="矩形 39"/>
+            <p:cNvSpPr/>
+            <p:nvPr/>
+          </p:nvSpPr>
+          <p:spPr>
+            <a:xfrm>
+              <a:off x="11820037" y="4849064"/>
+              <a:ext cx="538480" cy="523241"/>
+            </a:xfrm>
+            <a:prstGeom prst="rect">
+              <a:avLst/>
+            </a:prstGeom>
+          </p:spPr>
+          <p:style>
+            <a:lnRef idx="2">
+              <a:schemeClr val="accent1">
+                <a:shade val="50000"/>
+              </a:schemeClr>
+            </a:lnRef>
+            <a:fillRef idx="1">
+              <a:schemeClr val="accent1"/>
+            </a:fillRef>
+            <a:effectRef idx="0">
+              <a:schemeClr val="accent1"/>
+            </a:effectRef>
+            <a:fontRef idx="minor">
+              <a:schemeClr val="lt1"/>
+            </a:fontRef>
+          </p:style>
+          <p:txBody>
+            <a:bodyPr rtlCol="0" anchor="ctr"/>
+            <a:lstStyle/>
+            <a:p>
+              <a:pPr algn="ctr"/>
+              <a:endParaRPr lang="zh-TW" altLang="en-US"/>
+            </a:p>
+          </p:txBody>
+        </p:sp>
+        <p:sp>
+          <p:nvSpPr>
+            <p:cNvPr id="41" name="矩形 40"/>
+            <p:cNvSpPr/>
+            <p:nvPr/>
+          </p:nvSpPr>
+          <p:spPr>
+            <a:xfrm>
+              <a:off x="11647148" y="4703254"/>
+              <a:ext cx="538480" cy="523241"/>
+            </a:xfrm>
+            <a:prstGeom prst="rect">
+              <a:avLst/>
+            </a:prstGeom>
+          </p:spPr>
+          <p:style>
+            <a:lnRef idx="2">
+              <a:schemeClr val="accent1">
+                <a:shade val="50000"/>
+              </a:schemeClr>
+            </a:lnRef>
+            <a:fillRef idx="1">
+              <a:schemeClr val="accent1"/>
+            </a:fillRef>
+            <a:effectRef idx="0">
+              <a:schemeClr val="accent1"/>
+            </a:effectRef>
+            <a:fontRef idx="minor">
+              <a:schemeClr val="lt1"/>
+            </a:fontRef>
+          </p:style>
+          <p:txBody>
+            <a:bodyPr rtlCol="0" anchor="ctr"/>
+            <a:lstStyle/>
+            <a:p>
+              <a:pPr algn="ctr"/>
+              <a:endParaRPr lang="zh-TW" altLang="en-US"/>
+            </a:p>
+          </p:txBody>
+        </p:sp>
+        <p:sp>
+          <p:nvSpPr>
+            <p:cNvPr id="42" name="文字方塊 41"/>
+            <p:cNvSpPr txBox="1"/>
+            <p:nvPr/>
+          </p:nvSpPr>
+          <p:spPr>
+            <a:xfrm>
+              <a:off x="11831922" y="5412189"/>
+              <a:ext cx="840776" cy="584775"/>
+            </a:xfrm>
+            <a:prstGeom prst="rect">
+              <a:avLst/>
+            </a:prstGeom>
+            <a:noFill/>
+          </p:spPr>
+          <p:txBody>
+            <a:bodyPr wrap="square" rtlCol="0">
+              <a:spAutoFit/>
+            </a:bodyPr>
+            <a:lstStyle/>
+            <a:p>
+              <a:r>
+                <a:rPr lang="en-US" altLang="zh-TW" sz="3200" dirty="0" smtClean="0">
+                  <a:solidFill>
+                    <a:srgbClr val="FF0000"/>
+                  </a:solidFill>
+                </a:rPr>
+                <a:t>jpg</a:t>
+              </a:r>
+              <a:endParaRPr lang="zh-TW" altLang="en-US" sz="3200" dirty="0">
+                <a:solidFill>
+                  <a:srgbClr val="FF0000"/>
+                </a:solidFill>
+              </a:endParaRPr>
+            </a:p>
+          </p:txBody>
+        </p:sp>
+      </p:grpSp>
     </p:spTree>
     <p:extLst>
       <p:ext uri="{BB962C8B-B14F-4D97-AF65-F5344CB8AC3E}">
-        <p14:creationId xmlns:p14="http://schemas.microsoft.com/office/powerpoint/2010/main" val="352727799"/>
+        <p14:creationId xmlns:p14="http://schemas.microsoft.com/office/powerpoint/2010/main" val="3108772881"/>
       </p:ext>
     </p:extLst>
   </p:cSld>
   <p:clrMapOvr>
     <a:masterClrMapping/>
   </p:clrMapOvr>
+  <p:timing>
+    <p:tnLst>
+      <p:par>
+        <p:cTn id="1" dur="indefinite" restart="never" nodeType="tmRoot"/>
+      </p:par>
+    </p:tnLst>
+  </p:timing>
 </p:sld>
 </file>
 
@@ -4742,8 +9143,12 @@
           <a:lstStyle/>
           <a:p>
             <a:r>
+              <a:rPr lang="zh-TW" altLang="en-US" dirty="0"/>
+              <a:t>下次</a:t>
+            </a:r>
+            <a:r>
               <a:rPr lang="zh-TW" altLang="en-US" dirty="0" smtClean="0"/>
-              <a:t>會議記錄 </a:t>
+              <a:t>開會 </a:t>
             </a:r>
             <a:r>
               <a:rPr lang="en-US" altLang="zh-TW" dirty="0" smtClean="0"/>
@@ -4770,23 +9175,38 @@
           <a:p>
             <a:r>
               <a:rPr lang="zh-TW" altLang="en-US" dirty="0" smtClean="0"/>
-              <a:t>徐：介紹資料庫、決定使用</a:t>
+              <a:t>徐：</a:t>
+            </a:r>
+            <a:r>
+              <a:rPr lang="zh-TW" altLang="en-US" dirty="0"/>
+              <a:t>資料庫</a:t>
+            </a:r>
+            <a:r>
+              <a:rPr lang="zh-TW" altLang="en-US" dirty="0" smtClean="0"/>
+              <a:t>優缺點 </a:t>
             </a:r>
             <a:r>
               <a:rPr lang="en-US" altLang="zh-TW" dirty="0" smtClean="0"/>
-              <a:t>MySQL</a:t>
+              <a:t>PPT</a:t>
             </a:r>
           </a:p>
           <a:p>
             <a:r>
               <a:rPr lang="zh-TW" altLang="en-US" dirty="0" smtClean="0"/>
-              <a:t>王：研究</a:t>
-            </a:r>
-            <a:r>
-              <a:rPr lang="en-US" altLang="zh-TW" dirty="0" err="1" smtClean="0"/>
-              <a:t>FastAPI</a:t>
-            </a:r>
-            <a:endParaRPr lang="en-US" altLang="zh-TW" dirty="0" smtClean="0"/>
+              <a:t>王：</a:t>
+            </a:r>
+            <a:r>
+              <a:rPr lang="en-US" altLang="zh-TW" dirty="0" smtClean="0"/>
+              <a:t>JAVA</a:t>
+            </a:r>
+            <a:r>
+              <a:rPr lang="zh-TW" altLang="en-US" dirty="0" smtClean="0"/>
+              <a:t>後端框架 </a:t>
+            </a:r>
+            <a:r>
+              <a:rPr lang="en-US" altLang="zh-TW" dirty="0" smtClean="0"/>
+              <a:t>PPT</a:t>
+            </a:r>
           </a:p>
           <a:p>
             <a:r>
@@ -4798,8 +9218,12 @@
               <a:t>Flutter</a:t>
             </a:r>
             <a:r>
+              <a:rPr lang="zh-TW" altLang="en-US" dirty="0"/>
+              <a:t>安裝教學</a:t>
+            </a:r>
+            <a:r>
               <a:rPr lang="zh-TW" altLang="en-US" dirty="0" smtClean="0"/>
-              <a:t>安裝教學、前端設計圖、前端模板說明</a:t>
+              <a:t>、跑起來模板</a:t>
             </a:r>
             <a:endParaRPr lang="en-US" altLang="zh-TW" dirty="0"/>
           </a:p>
@@ -4808,7 +9232,7 @@
     </p:spTree>
     <p:extLst>
       <p:ext uri="{BB962C8B-B14F-4D97-AF65-F5344CB8AC3E}">
-        <p14:creationId xmlns:p14="http://schemas.microsoft.com/office/powerpoint/2010/main" val="2649736126"/>
+        <p14:creationId xmlns:p14="http://schemas.microsoft.com/office/powerpoint/2010/main" val="352727799"/>
       </p:ext>
     </p:extLst>
   </p:cSld>
@@ -4859,11 +9283,11 @@
           <a:p>
             <a:r>
               <a:rPr lang="zh-TW" altLang="en-US" dirty="0" smtClean="0"/>
-              <a:t>下次開會 </a:t>
+              <a:t>會議記錄 </a:t>
             </a:r>
             <a:r>
               <a:rPr lang="en-US" altLang="zh-TW" dirty="0" smtClean="0"/>
-              <a:t>3/13</a:t>
+              <a:t>3/6</a:t>
             </a:r>
             <a:endParaRPr lang="zh-TW" altLang="en-US" dirty="0"/>
           </a:p>
@@ -4886,118 +9310,36 @@
           <a:p>
             <a:r>
               <a:rPr lang="zh-TW" altLang="en-US" dirty="0" smtClean="0"/>
-              <a:t>顏：</a:t>
-            </a:r>
-            <a:r>
-              <a:rPr lang="zh-TW" altLang="en-US" dirty="0"/>
-              <a:t>前端</a:t>
-            </a:r>
+              <a:t>徐：介紹資料庫、決定使用</a:t>
+            </a:r>
+            <a:r>
+              <a:rPr lang="en-US" altLang="zh-TW" dirty="0" smtClean="0"/>
+              <a:t>MySQL</a:t>
+            </a:r>
+          </a:p>
+          <a:p>
             <a:r>
               <a:rPr lang="zh-TW" altLang="en-US" dirty="0" smtClean="0"/>
-              <a:t>初稿、設計完成所有界面</a:t>
-            </a:r>
-            <a:endParaRPr lang="en-US" altLang="zh-TW" dirty="0" smtClean="0"/>
-          </a:p>
-          <a:p>
-            <a:r>
-              <a:rPr lang="zh-TW" altLang="en-US" dirty="0" smtClean="0"/>
-              <a:t>徐：</a:t>
-            </a:r>
-            <a:r>
-              <a:rPr lang="en-US" altLang="zh-TW" dirty="0" err="1" smtClean="0"/>
-              <a:t>Git</a:t>
-            </a:r>
-            <a:r>
-              <a:rPr lang="zh-TW" altLang="en-US" dirty="0"/>
-              <a:t>操作</a:t>
-            </a:r>
-            <a:r>
-              <a:rPr lang="zh-TW" altLang="en-US" dirty="0" smtClean="0"/>
-              <a:t>整理</a:t>
-            </a:r>
-            <a:r>
-              <a:rPr lang="en-US" altLang="zh-TW" sz="2000" dirty="0" smtClean="0"/>
-              <a:t>(</a:t>
-            </a:r>
-            <a:r>
-              <a:rPr lang="zh-TW" altLang="en-US" sz="2000" dirty="0" smtClean="0"/>
-              <a:t>複製、拉入本地、推上雲端、</a:t>
-            </a:r>
-            <a:r>
-              <a:rPr lang="zh-TW" altLang="en-US" sz="2000" dirty="0"/>
-              <a:t>分支</a:t>
-            </a:r>
-            <a:r>
-              <a:rPr lang="en-US" altLang="zh-TW" sz="2000" dirty="0" smtClean="0"/>
-              <a:t>…)</a:t>
-            </a:r>
-            <a:r>
-              <a:rPr lang="zh-TW" altLang="en-US" dirty="0" smtClean="0"/>
-              <a:t>、</a:t>
+              <a:t>王：研究</a:t>
             </a:r>
             <a:r>
               <a:rPr lang="en-US" altLang="zh-TW" dirty="0" err="1" smtClean="0"/>
               <a:t>FastAPI</a:t>
             </a:r>
+            <a:endParaRPr lang="en-US" altLang="zh-TW" dirty="0" smtClean="0"/>
+          </a:p>
+          <a:p>
             <a:r>
               <a:rPr lang="zh-TW" altLang="en-US" dirty="0" smtClean="0"/>
-              <a:t>學習</a:t>
-            </a:r>
-            <a:endParaRPr lang="en-US" altLang="zh-TW" dirty="0" smtClean="0"/>
-          </a:p>
-          <a:p>
+              <a:t>顏：</a:t>
+            </a:r>
+            <a:r>
+              <a:rPr lang="en-US" altLang="zh-TW" dirty="0" smtClean="0"/>
+              <a:t>Flutter</a:t>
+            </a:r>
             <a:r>
               <a:rPr lang="zh-TW" altLang="en-US" dirty="0" smtClean="0"/>
-              <a:t>王：</a:t>
-            </a:r>
-            <a:r>
-              <a:rPr lang="en-US" altLang="zh-TW" dirty="0" err="1" smtClean="0"/>
-              <a:t>FastAPI</a:t>
-            </a:r>
-            <a:r>
-              <a:rPr lang="zh-TW" altLang="en-US" dirty="0" smtClean="0"/>
-              <a:t>學習</a:t>
-            </a:r>
-            <a:r>
-              <a:rPr lang="en-US" altLang="zh-TW" dirty="0" smtClean="0"/>
-              <a:t>(</a:t>
-            </a:r>
-            <a:r>
-              <a:rPr lang="zh-TW" altLang="en-US" dirty="0" smtClean="0"/>
-              <a:t>完</a:t>
-            </a:r>
-            <a:r>
-              <a:rPr lang="en-US" altLang="zh-TW" dirty="0" smtClean="0"/>
-              <a:t>)</a:t>
-            </a:r>
-          </a:p>
-          <a:p>
-            <a:endParaRPr lang="en-US" altLang="zh-TW" dirty="0" smtClean="0"/>
-          </a:p>
-          <a:p>
-            <a:r>
-              <a:rPr lang="zh-TW" altLang="en-US" dirty="0"/>
-              <a:t>會議</a:t>
-            </a:r>
-            <a:r>
-              <a:rPr lang="zh-TW" altLang="en-US" dirty="0" smtClean="0"/>
-              <a:t>進度：建立</a:t>
-            </a:r>
-            <a:r>
-              <a:rPr lang="en-US" altLang="zh-TW" dirty="0" smtClean="0"/>
-              <a:t>GitHub repo</a:t>
-            </a:r>
-            <a:r>
-              <a:rPr lang="zh-TW" altLang="en-US" dirty="0" smtClean="0"/>
-              <a:t>、</a:t>
-            </a:r>
-            <a:r>
-              <a:rPr lang="en-US" altLang="zh-TW" dirty="0" smtClean="0"/>
-              <a:t>API</a:t>
-            </a:r>
-            <a:r>
-              <a:rPr lang="zh-TW" altLang="en-US" dirty="0" smtClean="0"/>
-              <a:t>設計、進度規劃</a:t>
+              <a:t>安裝教學、前端設計圖、前端模板說明</a:t>
             </a:r>
             <a:endParaRPr lang="en-US" altLang="zh-TW" dirty="0"/>
           </a:p>
@@ -5006,7 +9348,7 @@
     </p:spTree>
     <p:extLst>
       <p:ext uri="{BB962C8B-B14F-4D97-AF65-F5344CB8AC3E}">
-        <p14:creationId xmlns:p14="http://schemas.microsoft.com/office/powerpoint/2010/main" val="961627380"/>
+        <p14:creationId xmlns:p14="http://schemas.microsoft.com/office/powerpoint/2010/main" val="2649736126"/>
       </p:ext>
     </p:extLst>
   </p:cSld>
@@ -5056,15 +9398,11 @@
           <a:lstStyle/>
           <a:p>
             <a:r>
-              <a:rPr lang="zh-TW" altLang="en-US" dirty="0"/>
-              <a:t>會議記錄</a:t>
-            </a:r>
-            <a:r>
               <a:rPr lang="zh-TW" altLang="en-US" dirty="0" smtClean="0"/>
-              <a:t> </a:t>
-            </a:r>
-            <a:r>
-              <a:rPr lang="en-US" altLang="zh-TW" dirty="0"/>
+              <a:t>下次開會 </a:t>
+            </a:r>
+            <a:r>
+              <a:rPr lang="en-US" altLang="zh-TW" dirty="0" smtClean="0"/>
               <a:t>3/13</a:t>
             </a:r>
             <a:endParaRPr lang="zh-TW" altLang="en-US" dirty="0"/>
@@ -5088,41 +9426,110 @@
           <a:p>
             <a:r>
               <a:rPr lang="zh-TW" altLang="en-US" dirty="0" smtClean="0"/>
+              <a:t>顏：</a:t>
+            </a:r>
+            <a:r>
+              <a:rPr lang="zh-TW" altLang="en-US" dirty="0"/>
+              <a:t>前端</a:t>
+            </a:r>
+            <a:r>
+              <a:rPr lang="zh-TW" altLang="en-US" dirty="0" smtClean="0"/>
+              <a:t>初稿、設計完成所有界面</a:t>
+            </a:r>
+            <a:endParaRPr lang="en-US" altLang="zh-TW" dirty="0" smtClean="0"/>
+          </a:p>
+          <a:p>
+            <a:r>
+              <a:rPr lang="zh-TW" altLang="en-US" dirty="0" smtClean="0"/>
               <a:t>徐：</a:t>
             </a:r>
             <a:r>
               <a:rPr lang="en-US" altLang="zh-TW" dirty="0" err="1" smtClean="0"/>
-              <a:t>github</a:t>
+              <a:t>Git</a:t>
             </a:r>
             <a:r>
               <a:rPr lang="zh-TW" altLang="en-US" dirty="0"/>
-              <a:t> 建立與</a:t>
+              <a:t>操作</a:t>
             </a:r>
             <a:r>
               <a:rPr lang="zh-TW" altLang="en-US" dirty="0" smtClean="0"/>
-              <a:t>教學</a:t>
-            </a:r>
-            <a:endParaRPr lang="en-US" altLang="zh-TW" dirty="0" smtClean="0"/>
-          </a:p>
-          <a:p>
+              <a:t>整理</a:t>
+            </a:r>
+            <a:r>
+              <a:rPr lang="en-US" altLang="zh-TW" sz="2000" dirty="0" smtClean="0"/>
+              <a:t>(</a:t>
+            </a:r>
+            <a:r>
+              <a:rPr lang="zh-TW" altLang="en-US" sz="2000" dirty="0" smtClean="0"/>
+              <a:t>複製、拉入本地、推上雲端、</a:t>
+            </a:r>
+            <a:r>
+              <a:rPr lang="zh-TW" altLang="en-US" sz="2000" dirty="0"/>
+              <a:t>分支</a:t>
+            </a:r>
+            <a:r>
+              <a:rPr lang="en-US" altLang="zh-TW" sz="2000" dirty="0" smtClean="0"/>
+              <a:t>…)</a:t>
+            </a:r>
             <a:r>
               <a:rPr lang="zh-TW" altLang="en-US" dirty="0" smtClean="0"/>
-              <a:t>王：研究</a:t>
+              <a:t>、</a:t>
             </a:r>
             <a:r>
               <a:rPr lang="en-US" altLang="zh-TW" dirty="0" err="1" smtClean="0"/>
               <a:t>FastAPI</a:t>
             </a:r>
+            <a:r>
+              <a:rPr lang="zh-TW" altLang="en-US" dirty="0" smtClean="0"/>
+              <a:t>學習</a:t>
+            </a:r>
             <a:endParaRPr lang="en-US" altLang="zh-TW" dirty="0" smtClean="0"/>
           </a:p>
           <a:p>
             <a:r>
               <a:rPr lang="zh-TW" altLang="en-US" dirty="0" smtClean="0"/>
-              <a:t>顏</a:t>
+              <a:t>王：</a:t>
+            </a:r>
+            <a:r>
+              <a:rPr lang="en-US" altLang="zh-TW" dirty="0" err="1" smtClean="0"/>
+              <a:t>FastAPI</a:t>
             </a:r>
             <a:r>
               <a:rPr lang="zh-TW" altLang="en-US" dirty="0" smtClean="0"/>
-              <a:t>：</a:t>
+              <a:t>學習</a:t>
+            </a:r>
+            <a:r>
+              <a:rPr lang="en-US" altLang="zh-TW" dirty="0" smtClean="0"/>
+              <a:t>(</a:t>
+            </a:r>
+            <a:r>
+              <a:rPr lang="zh-TW" altLang="en-US" dirty="0" smtClean="0"/>
+              <a:t>完</a:t>
+            </a:r>
+            <a:r>
+              <a:rPr lang="en-US" altLang="zh-TW" dirty="0" smtClean="0"/>
+              <a:t>)</a:t>
+            </a:r>
+          </a:p>
+          <a:p>
+            <a:endParaRPr lang="en-US" altLang="zh-TW" dirty="0" smtClean="0"/>
+          </a:p>
+          <a:p>
+            <a:r>
+              <a:rPr lang="zh-TW" altLang="en-US" dirty="0"/>
+              <a:t>會議</a:t>
+            </a:r>
+            <a:r>
+              <a:rPr lang="zh-TW" altLang="en-US" dirty="0" smtClean="0"/>
+              <a:t>進度：建立</a:t>
+            </a:r>
+            <a:r>
+              <a:rPr lang="en-US" altLang="zh-TW" dirty="0" smtClean="0"/>
+              <a:t>GitHub repo</a:t>
+            </a:r>
+            <a:r>
+              <a:rPr lang="zh-TW" altLang="en-US" dirty="0" smtClean="0"/>
+              <a:t>、</a:t>
             </a:r>
             <a:r>
               <a:rPr lang="en-US" altLang="zh-TW" dirty="0" smtClean="0"/>
@@ -5130,68 +9537,29 @@
             </a:r>
             <a:r>
               <a:rPr lang="zh-TW" altLang="en-US" dirty="0" smtClean="0"/>
-              <a:t>設計完成、</a:t>
-            </a:r>
-            <a:r>
-              <a:rPr lang="zh-TW" altLang="en-US" dirty="0"/>
-              <a:t>總</a:t>
-            </a:r>
-            <a:r>
-              <a:rPr lang="zh-TW" altLang="en-US" dirty="0" smtClean="0"/>
-              <a:t>進度規劃</a:t>
-            </a:r>
-            <a:endParaRPr lang="en-US" altLang="zh-TW" dirty="0" smtClean="0"/>
-          </a:p>
-          <a:p>
+              <a:t>設計、進度規劃</a:t>
+            </a:r>
             <a:endParaRPr lang="en-US" altLang="zh-TW" dirty="0"/>
-          </a:p>
-          <a:p>
-            <a:r>
-              <a:rPr lang="zh-TW" altLang="en-US" dirty="0" smtClean="0"/>
-              <a:t>重要事項：</a:t>
-            </a:r>
-            <a:endParaRPr lang="en-US" altLang="zh-TW" dirty="0" smtClean="0"/>
-          </a:p>
-          <a:p>
-            <a:r>
-              <a:rPr lang="zh-TW" altLang="en-US" dirty="0"/>
-              <a:t>命名</a:t>
-            </a:r>
-            <a:r>
-              <a:rPr lang="zh-TW" altLang="en-US" dirty="0" smtClean="0"/>
-              <a:t>定案</a:t>
-            </a:r>
-            <a:r>
-              <a:rPr lang="en-US" altLang="zh-TW" dirty="0" smtClean="0"/>
-              <a:t>Trajectory</a:t>
-            </a:r>
-          </a:p>
-          <a:p>
-            <a:r>
-              <a:rPr lang="zh-TW" altLang="en-US" dirty="0"/>
-              <a:t>開會時間更改</a:t>
-            </a:r>
-            <a:r>
-              <a:rPr lang="zh-TW" altLang="en-US" dirty="0" smtClean="0"/>
-              <a:t>為 星期五下午 或 星期六早上</a:t>
-            </a:r>
-            <a:endParaRPr lang="en-US" altLang="zh-TW" dirty="0" smtClean="0"/>
-          </a:p>
-          <a:p>
-            <a:endParaRPr lang="zh-TW" altLang="en-US" dirty="0"/>
           </a:p>
         </p:txBody>
       </p:sp>
     </p:spTree>
     <p:extLst>
       <p:ext uri="{BB962C8B-B14F-4D97-AF65-F5344CB8AC3E}">
-        <p14:creationId xmlns:p14="http://schemas.microsoft.com/office/powerpoint/2010/main" val="3152460019"/>
+        <p14:creationId xmlns:p14="http://schemas.microsoft.com/office/powerpoint/2010/main" val="961627380"/>
       </p:ext>
     </p:extLst>
   </p:cSld>
   <p:clrMapOvr>
     <a:masterClrMapping/>
   </p:clrMapOvr>
+  <p:timing>
+    <p:tnLst>
+      <p:par>
+        <p:cTn id="1" dur="indefinite" restart="never" nodeType="tmRoot"/>
+      </p:par>
+    </p:tnLst>
+  </p:timing>
 </p:sld>
 </file>
 
@@ -5228,12 +9596,16 @@
           <a:lstStyle/>
           <a:p>
             <a:r>
+              <a:rPr lang="zh-TW" altLang="en-US" dirty="0"/>
+              <a:t>會議記錄</a:t>
+            </a:r>
+            <a:r>
               <a:rPr lang="zh-TW" altLang="en-US" dirty="0" smtClean="0"/>
-              <a:t>下次開會 </a:t>
-            </a:r>
-            <a:r>
-              <a:rPr lang="en-US" altLang="zh-TW" dirty="0" smtClean="0"/>
-              <a:t>3/21</a:t>
+              <a:t> </a:t>
+            </a:r>
+            <a:r>
+              <a:rPr lang="en-US" altLang="zh-TW" dirty="0"/>
+              <a:t>3/13</a:t>
             </a:r>
             <a:endParaRPr lang="zh-TW" altLang="en-US" dirty="0"/>
           </a:p>
@@ -5256,42 +9628,55 @@
           <a:p>
             <a:r>
               <a:rPr lang="zh-TW" altLang="en-US" dirty="0" smtClean="0"/>
-              <a:t>顏：切板完成、頁面串接完成</a:t>
+              <a:t>徐：</a:t>
+            </a:r>
+            <a:r>
+              <a:rPr lang="en-US" altLang="zh-TW" dirty="0" err="1" smtClean="0"/>
+              <a:t>github</a:t>
+            </a:r>
+            <a:r>
+              <a:rPr lang="zh-TW" altLang="en-US" dirty="0"/>
+              <a:t> 建立與</a:t>
+            </a:r>
+            <a:r>
+              <a:rPr lang="zh-TW" altLang="en-US" dirty="0" smtClean="0"/>
+              <a:t>教學</a:t>
             </a:r>
             <a:endParaRPr lang="en-US" altLang="zh-TW" dirty="0" smtClean="0"/>
           </a:p>
           <a:p>
             <a:r>
               <a:rPr lang="zh-TW" altLang="en-US" dirty="0" smtClean="0"/>
-              <a:t>徐：學習</a:t>
+              <a:t>王：研究</a:t>
             </a:r>
             <a:r>
               <a:rPr lang="en-US" altLang="zh-TW" dirty="0" err="1" smtClean="0"/>
               <a:t>FastAPI</a:t>
             </a:r>
+            <a:endParaRPr lang="en-US" altLang="zh-TW" dirty="0" smtClean="0"/>
+          </a:p>
+          <a:p>
             <a:r>
               <a:rPr lang="zh-TW" altLang="en-US" dirty="0" smtClean="0"/>
-              <a:t>、</a:t>
-            </a:r>
-            <a:r>
-              <a:rPr lang="en-US" altLang="zh-TW" dirty="0" smtClean="0"/>
-              <a:t>MySQL</a:t>
-            </a:r>
-            <a:r>
-              <a:rPr lang="zh-TW" altLang="en-US" dirty="0" smtClean="0"/>
-              <a:t>語法整理與實作</a:t>
-            </a:r>
-            <a:endParaRPr lang="en-US" altLang="zh-TW" dirty="0" smtClean="0"/>
-          </a:p>
-          <a:p>
-            <a:r>
-              <a:rPr lang="zh-TW" altLang="en-US" dirty="0" smtClean="0"/>
-              <a:t>王：圖片相關以外所有</a:t>
+              <a:t>顏：</a:t>
             </a:r>
             <a:r>
               <a:rPr lang="en-US" altLang="zh-TW" dirty="0" smtClean="0"/>
               <a:t>API</a:t>
             </a:r>
+            <a:r>
+              <a:rPr lang="zh-TW" altLang="en-US" dirty="0" smtClean="0"/>
+              <a:t>設計完成、</a:t>
+            </a:r>
+            <a:r>
+              <a:rPr lang="zh-TW" altLang="en-US" dirty="0"/>
+              <a:t>總</a:t>
+            </a:r>
+            <a:r>
+              <a:rPr lang="zh-TW" altLang="en-US" dirty="0" smtClean="0"/>
+              <a:t>進度規劃</a:t>
+            </a:r>
+            <a:endParaRPr lang="en-US" altLang="zh-TW" dirty="0" smtClean="0"/>
           </a:p>
           <a:p>
             <a:endParaRPr lang="en-US" altLang="zh-TW" dirty="0"/>
@@ -5299,8 +9684,36 @@
           <a:p>
             <a:r>
               <a:rPr lang="zh-TW" altLang="en-US" dirty="0" smtClean="0"/>
-              <a:t>會議內容：進度回報</a:t>
-            </a:r>
+              <a:t>重要事項：</a:t>
+            </a:r>
+            <a:endParaRPr lang="en-US" altLang="zh-TW" dirty="0" smtClean="0"/>
+          </a:p>
+          <a:p>
+            <a:r>
+              <a:rPr lang="zh-TW" altLang="en-US" dirty="0"/>
+              <a:t>命名</a:t>
+            </a:r>
+            <a:r>
+              <a:rPr lang="zh-TW" altLang="en-US" dirty="0" smtClean="0"/>
+              <a:t>定案</a:t>
+            </a:r>
+            <a:r>
+              <a:rPr lang="en-US" altLang="zh-TW" dirty="0" smtClean="0"/>
+              <a:t>Trajectory</a:t>
+            </a:r>
+          </a:p>
+          <a:p>
+            <a:r>
+              <a:rPr lang="zh-TW" altLang="en-US" dirty="0"/>
+              <a:t>開會時間更改</a:t>
+            </a:r>
+            <a:r>
+              <a:rPr lang="zh-TW" altLang="en-US" dirty="0" smtClean="0"/>
+              <a:t>為 星期五下午 或 星期六早上</a:t>
+            </a:r>
+            <a:endParaRPr lang="en-US" altLang="zh-TW" dirty="0" smtClean="0"/>
+          </a:p>
+          <a:p>
             <a:endParaRPr lang="zh-TW" altLang="en-US" dirty="0"/>
           </a:p>
         </p:txBody>
@@ -5308,20 +9721,13 @@
     </p:spTree>
     <p:extLst>
       <p:ext uri="{BB962C8B-B14F-4D97-AF65-F5344CB8AC3E}">
-        <p14:creationId xmlns:p14="http://schemas.microsoft.com/office/powerpoint/2010/main" val="2274690603"/>
+        <p14:creationId xmlns:p14="http://schemas.microsoft.com/office/powerpoint/2010/main" val="3152460019"/>
       </p:ext>
     </p:extLst>
   </p:cSld>
   <p:clrMapOvr>
     <a:masterClrMapping/>
   </p:clrMapOvr>
-  <p:timing>
-    <p:tnLst>
-      <p:par>
-        <p:cTn id="1" dur="indefinite" restart="never" nodeType="tmRoot"/>
-      </p:par>
-    </p:tnLst>
-  </p:timing>
 </p:sld>
 </file>
 
@@ -5342,2593 +9748,95 @@
           <a:chExt cx="0" cy="0"/>
         </a:xfrm>
       </p:grpSpPr>
-      <p:graphicFrame>
-        <p:nvGraphicFramePr>
-          <p:cNvPr id="4" name="表格 3"/>
-          <p:cNvGraphicFramePr>
-            <a:graphicFrameLocks noGrp="1"/>
-          </p:cNvGraphicFramePr>
+      <p:sp>
+        <p:nvSpPr>
+          <p:cNvPr id="2" name="標題 1"/>
+          <p:cNvSpPr>
+            <a:spLocks noGrp="1"/>
+          </p:cNvSpPr>
           <p:nvPr>
-            <p:extLst>
-              <p:ext uri="{D42A27DB-BD31-4B8C-83A1-F6EECF244321}">
-                <p14:modId xmlns:p14="http://schemas.microsoft.com/office/powerpoint/2010/main" val="920771857"/>
-              </p:ext>
-            </p:extLst>
+            <p:ph type="title"/>
           </p:nvPr>
-        </p:nvGraphicFramePr>
-        <p:xfrm>
-          <a:off x="690879" y="-8175"/>
-          <a:ext cx="10871201" cy="6888515"/>
-        </p:xfrm>
-        <a:graphic>
-          <a:graphicData uri="http://schemas.openxmlformats.org/drawingml/2006/table">
-            <a:tbl>
-              <a:tblPr firstRow="1" bandRow="1">
-                <a:tableStyleId>{5940675A-B579-460E-94D1-54222C63F5DA}</a:tableStyleId>
-              </a:tblPr>
-              <a:tblGrid>
-                <a:gridCol w="1005841">
-                  <a:extLst>
-                    <a:ext uri="{9D8B030D-6E8A-4147-A177-3AD203B41FA5}">
-                      <a16:colId xmlns:a16="http://schemas.microsoft.com/office/drawing/2014/main" val="196714606"/>
-                    </a:ext>
-                  </a:extLst>
-                </a:gridCol>
-                <a:gridCol w="2204720">
-                  <a:extLst>
-                    <a:ext uri="{9D8B030D-6E8A-4147-A177-3AD203B41FA5}">
-                      <a16:colId xmlns:a16="http://schemas.microsoft.com/office/drawing/2014/main" val="4032741650"/>
-                    </a:ext>
-                  </a:extLst>
-                </a:gridCol>
-                <a:gridCol w="1915160">
-                  <a:extLst>
-                    <a:ext uri="{9D8B030D-6E8A-4147-A177-3AD203B41FA5}">
-                      <a16:colId xmlns:a16="http://schemas.microsoft.com/office/drawing/2014/main" val="2997204620"/>
-                    </a:ext>
-                  </a:extLst>
-                </a:gridCol>
-                <a:gridCol w="1915160">
-                  <a:extLst>
-                    <a:ext uri="{9D8B030D-6E8A-4147-A177-3AD203B41FA5}">
-                      <a16:colId xmlns:a16="http://schemas.microsoft.com/office/drawing/2014/main" val="2031186235"/>
-                    </a:ext>
-                  </a:extLst>
-                </a:gridCol>
-                <a:gridCol w="187597">
-                  <a:extLst>
-                    <a:ext uri="{9D8B030D-6E8A-4147-A177-3AD203B41FA5}">
-                      <a16:colId xmlns:a16="http://schemas.microsoft.com/office/drawing/2014/main" val="111746225"/>
-                    </a:ext>
-                  </a:extLst>
-                </a:gridCol>
-                <a:gridCol w="1727563">
-                  <a:extLst>
-                    <a:ext uri="{9D8B030D-6E8A-4147-A177-3AD203B41FA5}">
-                      <a16:colId xmlns:a16="http://schemas.microsoft.com/office/drawing/2014/main" val="577963095"/>
-                    </a:ext>
-                  </a:extLst>
-                </a:gridCol>
-                <a:gridCol w="1915160">
-                  <a:extLst>
-                    <a:ext uri="{9D8B030D-6E8A-4147-A177-3AD203B41FA5}">
-                      <a16:colId xmlns:a16="http://schemas.microsoft.com/office/drawing/2014/main" val="72824980"/>
-                    </a:ext>
-                  </a:extLst>
-                </a:gridCol>
-              </a:tblGrid>
-              <a:tr h="364271">
-                <a:tc>
-                  <a:txBody>
-                    <a:bodyPr/>
-                    <a:lstStyle/>
-                    <a:p>
-                      <a:r>
-                        <a:rPr lang="zh-TW" altLang="en-US" dirty="0" smtClean="0">
-                          <a:latin typeface="微軟正黑體" panose="020B0604030504040204" pitchFamily="34" charset="-120"/>
-                          <a:ea typeface="微軟正黑體" panose="020B0604030504040204" pitchFamily="34" charset="-120"/>
-                        </a:rPr>
-                        <a:t>週次</a:t>
-                      </a:r>
-                      <a:endParaRPr lang="zh-TW" altLang="en-US" dirty="0">
-                        <a:latin typeface="微軟正黑體" panose="020B0604030504040204" pitchFamily="34" charset="-120"/>
-                        <a:ea typeface="微軟正黑體" panose="020B0604030504040204" pitchFamily="34" charset="-120"/>
-                      </a:endParaRPr>
-                    </a:p>
-                  </a:txBody>
-                  <a:tcPr/>
-                </a:tc>
-                <a:tc>
-                  <a:txBody>
-                    <a:bodyPr/>
-                    <a:lstStyle/>
-                    <a:p>
-                      <a:r>
-                        <a:rPr lang="zh-TW" altLang="en-US" dirty="0" smtClean="0">
-                          <a:latin typeface="微軟正黑體" panose="020B0604030504040204" pitchFamily="34" charset="-120"/>
-                          <a:ea typeface="微軟正黑體" panose="020B0604030504040204" pitchFamily="34" charset="-120"/>
-                        </a:rPr>
-                        <a:t>日期</a:t>
-                      </a:r>
-                      <a:endParaRPr lang="en-US" altLang="zh-TW" dirty="0" smtClean="0">
-                        <a:latin typeface="微軟正黑體" panose="020B0604030504040204" pitchFamily="34" charset="-120"/>
-                        <a:ea typeface="微軟正黑體" panose="020B0604030504040204" pitchFamily="34" charset="-120"/>
-                      </a:endParaRPr>
-                    </a:p>
-                  </a:txBody>
-                  <a:tcPr/>
-                </a:tc>
-                <a:tc>
-                  <a:txBody>
-                    <a:bodyPr/>
-                    <a:lstStyle/>
-                    <a:p>
-                      <a:r>
-                        <a:rPr lang="zh-TW" altLang="en-US" dirty="0" smtClean="0">
-                          <a:latin typeface="微軟正黑體" panose="020B0604030504040204" pitchFamily="34" charset="-120"/>
-                          <a:ea typeface="微軟正黑體" panose="020B0604030504040204" pitchFamily="34" charset="-120"/>
-                        </a:rPr>
-                        <a:t>前端</a:t>
-                      </a:r>
-                      <a:endParaRPr lang="en-US" altLang="zh-TW" dirty="0" smtClean="0">
-                        <a:latin typeface="微軟正黑體" panose="020B0604030504040204" pitchFamily="34" charset="-120"/>
-                        <a:ea typeface="微軟正黑體" panose="020B0604030504040204" pitchFamily="34" charset="-120"/>
-                      </a:endParaRPr>
-                    </a:p>
-                  </a:txBody>
-                  <a:tcPr/>
-                </a:tc>
-                <a:tc gridSpan="2">
-                  <a:txBody>
-                    <a:bodyPr/>
-                    <a:lstStyle/>
-                    <a:p>
-                      <a:r>
-                        <a:rPr lang="zh-TW" altLang="en-US" dirty="0" smtClean="0">
-                          <a:latin typeface="微軟正黑體" panose="020B0604030504040204" pitchFamily="34" charset="-120"/>
-                          <a:ea typeface="微軟正黑體" panose="020B0604030504040204" pitchFamily="34" charset="-120"/>
-                        </a:rPr>
-                        <a:t>後端</a:t>
-                      </a:r>
-                      <a:endParaRPr lang="zh-TW" altLang="en-US" dirty="0">
-                        <a:latin typeface="微軟正黑體" panose="020B0604030504040204" pitchFamily="34" charset="-120"/>
-                        <a:ea typeface="微軟正黑體" panose="020B0604030504040204" pitchFamily="34" charset="-120"/>
-                      </a:endParaRPr>
-                    </a:p>
-                  </a:txBody>
-                  <a:tcPr/>
-                </a:tc>
-                <a:tc hMerge="1">
-                  <a:txBody>
-                    <a:bodyPr/>
-                    <a:lstStyle/>
-                    <a:p>
-                      <a:endParaRPr lang="zh-TW" altLang="en-US" dirty="0">
-                        <a:latin typeface="微軟正黑體" panose="020B0604030504040204" pitchFamily="34" charset="-120"/>
-                        <a:ea typeface="微軟正黑體" panose="020B0604030504040204" pitchFamily="34" charset="-120"/>
-                      </a:endParaRPr>
-                    </a:p>
-                  </a:txBody>
-                  <a:tcPr/>
-                </a:tc>
-                <a:tc>
-                  <a:txBody>
-                    <a:bodyPr/>
-                    <a:lstStyle/>
-                    <a:p>
-                      <a:r>
-                        <a:rPr lang="zh-TW" altLang="en-US" dirty="0" smtClean="0">
-                          <a:latin typeface="微軟正黑體" panose="020B0604030504040204" pitchFamily="34" charset="-120"/>
-                          <a:ea typeface="微軟正黑體" panose="020B0604030504040204" pitchFamily="34" charset="-120"/>
-                        </a:rPr>
-                        <a:t>文件</a:t>
-                      </a:r>
-                      <a:endParaRPr lang="zh-TW" altLang="en-US" dirty="0">
-                        <a:latin typeface="微軟正黑體" panose="020B0604030504040204" pitchFamily="34" charset="-120"/>
-                        <a:ea typeface="微軟正黑體" panose="020B0604030504040204" pitchFamily="34" charset="-120"/>
-                      </a:endParaRPr>
-                    </a:p>
-                  </a:txBody>
-                  <a:tcPr/>
-                </a:tc>
-                <a:tc>
-                  <a:txBody>
-                    <a:bodyPr/>
-                    <a:lstStyle/>
-                    <a:p>
-                      <a:r>
-                        <a:rPr lang="zh-TW" altLang="en-US" smtClean="0">
-                          <a:latin typeface="微軟正黑體" panose="020B0604030504040204" pitchFamily="34" charset="-120"/>
-                          <a:ea typeface="微軟正黑體" panose="020B0604030504040204" pitchFamily="34" charset="-120"/>
-                        </a:rPr>
-                        <a:t>整合</a:t>
-                      </a:r>
-                      <a:endParaRPr lang="zh-TW" altLang="en-US" dirty="0">
-                        <a:latin typeface="微軟正黑體" panose="020B0604030504040204" pitchFamily="34" charset="-120"/>
-                        <a:ea typeface="微軟正黑體" panose="020B0604030504040204" pitchFamily="34" charset="-120"/>
-                      </a:endParaRPr>
-                    </a:p>
-                  </a:txBody>
-                  <a:tcPr/>
-                </a:tc>
-                <a:extLst>
-                  <a:ext uri="{0D108BD9-81ED-4DB2-BD59-A6C34878D82A}">
-                    <a16:rowId xmlns:a16="http://schemas.microsoft.com/office/drawing/2014/main" val="586196337"/>
-                  </a:ext>
-                </a:extLst>
-              </a:tr>
-              <a:tr h="910677">
-                <a:tc>
-                  <a:txBody>
-                    <a:bodyPr/>
-                    <a:lstStyle/>
-                    <a:p>
-                      <a:r>
-                        <a:rPr lang="zh-TW" altLang="en-US" dirty="0" smtClean="0">
-                          <a:latin typeface="微軟正黑體" panose="020B0604030504040204" pitchFamily="34" charset="-120"/>
-                          <a:ea typeface="微軟正黑體" panose="020B0604030504040204" pitchFamily="34" charset="-120"/>
-                        </a:rPr>
-                        <a:t>第一週</a:t>
-                      </a:r>
-                      <a:endParaRPr lang="zh-TW" altLang="en-US" dirty="0">
-                        <a:latin typeface="微軟正黑體" panose="020B0604030504040204" pitchFamily="34" charset="-120"/>
-                        <a:ea typeface="微軟正黑體" panose="020B0604030504040204" pitchFamily="34" charset="-120"/>
-                      </a:endParaRPr>
-                    </a:p>
-                  </a:txBody>
-                  <a:tcPr/>
-                </a:tc>
-                <a:tc>
-                  <a:txBody>
-                    <a:bodyPr/>
-                    <a:lstStyle/>
-                    <a:p>
-                      <a:pPr algn="dist"/>
-                      <a:r>
-                        <a:rPr lang="en-US" altLang="zh-TW" dirty="0" smtClean="0">
-                          <a:latin typeface="微軟正黑體" panose="020B0604030504040204" pitchFamily="34" charset="-120"/>
-                          <a:ea typeface="微軟正黑體" panose="020B0604030504040204" pitchFamily="34" charset="-120"/>
-                        </a:rPr>
-                        <a:t>3/13(</a:t>
-                      </a:r>
-                      <a:r>
-                        <a:rPr lang="zh-TW" altLang="en-US" dirty="0" smtClean="0">
-                          <a:latin typeface="微軟正黑體" panose="020B0604030504040204" pitchFamily="34" charset="-120"/>
-                          <a:ea typeface="微軟正黑體" panose="020B0604030504040204" pitchFamily="34" charset="-120"/>
-                        </a:rPr>
-                        <a:t>四</a:t>
-                      </a:r>
-                      <a:r>
-                        <a:rPr lang="en-US" altLang="zh-TW" dirty="0" smtClean="0">
-                          <a:latin typeface="微軟正黑體" panose="020B0604030504040204" pitchFamily="34" charset="-120"/>
-                          <a:ea typeface="微軟正黑體" panose="020B0604030504040204" pitchFamily="34" charset="-120"/>
-                        </a:rPr>
-                        <a:t>)</a:t>
-                      </a:r>
-                      <a:r>
-                        <a:rPr lang="en-US" altLang="zh-TW" baseline="0" dirty="0" smtClean="0">
-                          <a:latin typeface="微軟正黑體" panose="020B0604030504040204" pitchFamily="34" charset="-120"/>
-                          <a:ea typeface="微軟正黑體" panose="020B0604030504040204" pitchFamily="34" charset="-120"/>
-                        </a:rPr>
-                        <a:t> – </a:t>
-                      </a:r>
-                      <a:r>
-                        <a:rPr lang="en-US" altLang="zh-TW" baseline="0" dirty="0" smtClean="0">
-                          <a:latin typeface="微軟正黑體" panose="020B0604030504040204" pitchFamily="34" charset="-120"/>
-                          <a:ea typeface="微軟正黑體" panose="020B0604030504040204" pitchFamily="34" charset="-120"/>
-                        </a:rPr>
-                        <a:t>3/20(</a:t>
-                      </a:r>
-                      <a:r>
-                        <a:rPr lang="zh-TW" altLang="en-US" baseline="0" dirty="0" smtClean="0">
-                          <a:latin typeface="微軟正黑體" panose="020B0604030504040204" pitchFamily="34" charset="-120"/>
-                          <a:ea typeface="微軟正黑體" panose="020B0604030504040204" pitchFamily="34" charset="-120"/>
-                        </a:rPr>
-                        <a:t>四</a:t>
-                      </a:r>
-                      <a:r>
-                        <a:rPr lang="en-US" altLang="zh-TW" baseline="0" dirty="0" smtClean="0">
-                          <a:latin typeface="微軟正黑體" panose="020B0604030504040204" pitchFamily="34" charset="-120"/>
-                          <a:ea typeface="微軟正黑體" panose="020B0604030504040204" pitchFamily="34" charset="-120"/>
-                        </a:rPr>
-                        <a:t>)</a:t>
-                      </a:r>
-                      <a:endParaRPr lang="zh-TW" altLang="en-US" dirty="0">
-                        <a:latin typeface="微軟正黑體" panose="020B0604030504040204" pitchFamily="34" charset="-120"/>
-                        <a:ea typeface="微軟正黑體" panose="020B0604030504040204" pitchFamily="34" charset="-120"/>
-                      </a:endParaRPr>
-                    </a:p>
-                  </a:txBody>
-                  <a:tcPr/>
-                </a:tc>
-                <a:tc>
-                  <a:txBody>
-                    <a:bodyPr/>
-                    <a:lstStyle/>
-                    <a:p>
-                      <a:r>
-                        <a:rPr lang="zh-TW" altLang="en-US" dirty="0" smtClean="0">
-                          <a:solidFill>
-                            <a:srgbClr val="92D050"/>
-                          </a:solidFill>
-                          <a:latin typeface="微軟正黑體" panose="020B0604030504040204" pitchFamily="34" charset="-120"/>
-                          <a:ea typeface="微軟正黑體" panose="020B0604030504040204" pitchFamily="34" charset="-120"/>
-                        </a:rPr>
-                        <a:t>切版 </a:t>
-                      </a:r>
-                      <a:r>
-                        <a:rPr lang="en-US" altLang="zh-TW" dirty="0" smtClean="0">
-                          <a:solidFill>
-                            <a:srgbClr val="92D050"/>
-                          </a:solidFill>
-                          <a:latin typeface="微軟正黑體" panose="020B0604030504040204" pitchFamily="34" charset="-120"/>
-                          <a:ea typeface="微軟正黑體" panose="020B0604030504040204" pitchFamily="34" charset="-120"/>
-                        </a:rPr>
-                        <a:t>(6</a:t>
-                      </a:r>
-                      <a:r>
-                        <a:rPr lang="zh-TW" altLang="en-US" dirty="0" smtClean="0">
-                          <a:solidFill>
-                            <a:srgbClr val="92D050"/>
-                          </a:solidFill>
-                          <a:latin typeface="微軟正黑體" panose="020B0604030504040204" pitchFamily="34" charset="-120"/>
-                          <a:ea typeface="微軟正黑體" panose="020B0604030504040204" pitchFamily="34" charset="-120"/>
-                        </a:rPr>
-                        <a:t>頁</a:t>
-                      </a:r>
-                      <a:r>
-                        <a:rPr lang="en-US" altLang="zh-TW" dirty="0" smtClean="0">
-                          <a:solidFill>
-                            <a:srgbClr val="92D050"/>
-                          </a:solidFill>
-                          <a:latin typeface="微軟正黑體" panose="020B0604030504040204" pitchFamily="34" charset="-120"/>
-                          <a:ea typeface="微軟正黑體" panose="020B0604030504040204" pitchFamily="34" charset="-120"/>
-                        </a:rPr>
-                        <a:t>)</a:t>
-                      </a:r>
-                      <a:r>
-                        <a:rPr lang="zh-TW" altLang="en-US" dirty="0" smtClean="0">
-                          <a:solidFill>
-                            <a:srgbClr val="92D050"/>
-                          </a:solidFill>
-                          <a:latin typeface="微軟正黑體" panose="020B0604030504040204" pitchFamily="34" charset="-120"/>
-                          <a:ea typeface="微軟正黑體" panose="020B0604030504040204" pitchFamily="34" charset="-120"/>
-                        </a:rPr>
-                        <a:t> 完成</a:t>
-                      </a:r>
-                      <a:endParaRPr lang="en-US" altLang="zh-TW" dirty="0" smtClean="0">
-                        <a:solidFill>
-                          <a:srgbClr val="92D050"/>
-                        </a:solidFill>
-                        <a:latin typeface="微軟正黑體" panose="020B0604030504040204" pitchFamily="34" charset="-120"/>
-                        <a:ea typeface="微軟正黑體" panose="020B0604030504040204" pitchFamily="34" charset="-120"/>
-                      </a:endParaRPr>
-                    </a:p>
-                    <a:p>
-                      <a:r>
-                        <a:rPr lang="zh-TW" altLang="en-US" dirty="0" smtClean="0">
-                          <a:solidFill>
-                            <a:srgbClr val="92D050"/>
-                          </a:solidFill>
-                          <a:latin typeface="微軟正黑體" panose="020B0604030504040204" pitchFamily="34" charset="-120"/>
-                          <a:ea typeface="微軟正黑體" panose="020B0604030504040204" pitchFamily="34" charset="-120"/>
-                        </a:rPr>
-                        <a:t>初步串接 完成</a:t>
-                      </a:r>
-                      <a:endParaRPr lang="en-US" altLang="zh-TW" dirty="0" smtClean="0">
-                        <a:solidFill>
-                          <a:srgbClr val="92D050"/>
-                        </a:solidFill>
-                        <a:latin typeface="微軟正黑體" panose="020B0604030504040204" pitchFamily="34" charset="-120"/>
-                        <a:ea typeface="微軟正黑體" panose="020B0604030504040204" pitchFamily="34" charset="-120"/>
-                      </a:endParaRPr>
-                    </a:p>
-                  </a:txBody>
-                  <a:tcPr/>
-                </a:tc>
-                <a:tc gridSpan="2">
-                  <a:txBody>
-                    <a:bodyPr/>
-                    <a:lstStyle/>
-                    <a:p>
-                      <a:pPr marL="0" marR="0" lvl="0" indent="0" algn="l" defTabSz="914400" rtl="0" eaLnBrk="1" fontAlgn="auto" latinLnBrk="0" hangingPunct="1">
-                        <a:lnSpc>
-                          <a:spcPct val="100000"/>
-                        </a:lnSpc>
-                        <a:spcBef>
-                          <a:spcPts val="0"/>
-                        </a:spcBef>
-                        <a:spcAft>
-                          <a:spcPts val="0"/>
-                        </a:spcAft>
-                        <a:buClrTx/>
-                        <a:buSzTx/>
-                        <a:buFontTx/>
-                        <a:buNone/>
-                        <a:tabLst/>
-                        <a:defRPr/>
-                      </a:pPr>
-                      <a:r>
-                        <a:rPr lang="en-US" altLang="zh-TW" dirty="0" smtClean="0">
-                          <a:solidFill>
-                            <a:srgbClr val="FFFF00"/>
-                          </a:solidFill>
-                          <a:latin typeface="微軟正黑體" panose="020B0604030504040204" pitchFamily="34" charset="-120"/>
-                          <a:ea typeface="微軟正黑體" panose="020B0604030504040204" pitchFamily="34" charset="-120"/>
-                        </a:rPr>
-                        <a:t>MySQL</a:t>
-                      </a:r>
-                      <a:r>
-                        <a:rPr lang="zh-TW" altLang="en-US" dirty="0" smtClean="0">
-                          <a:solidFill>
-                            <a:srgbClr val="FFFF00"/>
-                          </a:solidFill>
-                          <a:latin typeface="微軟正黑體" panose="020B0604030504040204" pitchFamily="34" charset="-120"/>
-                          <a:ea typeface="微軟正黑體" panose="020B0604030504040204" pitchFamily="34" charset="-120"/>
-                        </a:rPr>
-                        <a:t>資料庫指令整理、學</a:t>
-                      </a:r>
-                      <a:r>
-                        <a:rPr lang="en-US" altLang="zh-TW" dirty="0" err="1" smtClean="0">
-                          <a:solidFill>
-                            <a:srgbClr val="FFFF00"/>
-                          </a:solidFill>
-                          <a:latin typeface="微軟正黑體" panose="020B0604030504040204" pitchFamily="34" charset="-120"/>
-                          <a:ea typeface="微軟正黑體" panose="020B0604030504040204" pitchFamily="34" charset="-120"/>
-                        </a:rPr>
-                        <a:t>FastAPI</a:t>
-                      </a:r>
-                      <a:endParaRPr lang="en-US" altLang="zh-TW" dirty="0" smtClean="0">
-                        <a:solidFill>
-                          <a:srgbClr val="00B0F0"/>
-                        </a:solidFill>
-                        <a:latin typeface="微軟正黑體" panose="020B0604030504040204" pitchFamily="34" charset="-120"/>
-                        <a:ea typeface="微軟正黑體" panose="020B0604030504040204" pitchFamily="34" charset="-120"/>
-                      </a:endParaRPr>
-                    </a:p>
-                    <a:p>
-                      <a:r>
-                        <a:rPr lang="en-US" altLang="zh-TW" dirty="0" smtClean="0">
-                          <a:solidFill>
-                            <a:srgbClr val="00B0F0"/>
-                          </a:solidFill>
-                          <a:latin typeface="微軟正黑體" panose="020B0604030504040204" pitchFamily="34" charset="-120"/>
-                          <a:ea typeface="微軟正黑體" panose="020B0604030504040204" pitchFamily="34" charset="-120"/>
-                        </a:rPr>
-                        <a:t>API[</a:t>
-                      </a:r>
-                      <a:r>
-                        <a:rPr lang="zh-TW" altLang="en-US" dirty="0" smtClean="0">
-                          <a:solidFill>
-                            <a:srgbClr val="00B0F0"/>
-                          </a:solidFill>
-                          <a:latin typeface="微軟正黑體" panose="020B0604030504040204" pitchFamily="34" charset="-120"/>
-                          <a:ea typeface="微軟正黑體" panose="020B0604030504040204" pitchFamily="34" charset="-120"/>
-                        </a:rPr>
-                        <a:t>圖片相關以外</a:t>
-                      </a:r>
-                      <a:r>
-                        <a:rPr lang="en-US" altLang="zh-TW" dirty="0" smtClean="0">
-                          <a:solidFill>
-                            <a:srgbClr val="00B0F0"/>
-                          </a:solidFill>
-                          <a:latin typeface="微軟正黑體" panose="020B0604030504040204" pitchFamily="34" charset="-120"/>
-                          <a:ea typeface="微軟正黑體" panose="020B0604030504040204" pitchFamily="34" charset="-120"/>
-                        </a:rPr>
-                        <a:t>]</a:t>
-                      </a:r>
-                    </a:p>
-                  </a:txBody>
-                  <a:tcPr/>
-                </a:tc>
-                <a:tc hMerge="1">
-                  <a:txBody>
-                    <a:bodyPr/>
-                    <a:lstStyle/>
-                    <a:p>
-                      <a:endParaRPr lang="en-US" altLang="zh-TW" dirty="0" smtClean="0">
-                        <a:solidFill>
-                          <a:srgbClr val="FFFF00"/>
-                        </a:solidFill>
-                        <a:latin typeface="微軟正黑體" panose="020B0604030504040204" pitchFamily="34" charset="-120"/>
-                        <a:ea typeface="微軟正黑體" panose="020B0604030504040204" pitchFamily="34" charset="-120"/>
-                      </a:endParaRPr>
-                    </a:p>
-                  </a:txBody>
-                  <a:tcPr/>
-                </a:tc>
-                <a:tc>
-                  <a:txBody>
-                    <a:bodyPr/>
-                    <a:lstStyle/>
-                    <a:p>
-                      <a:endParaRPr lang="zh-TW" altLang="en-US" dirty="0"/>
-                    </a:p>
-                  </a:txBody>
-                  <a:tcPr/>
-                </a:tc>
-                <a:tc>
-                  <a:txBody>
-                    <a:bodyPr/>
-                    <a:lstStyle/>
-                    <a:p>
-                      <a:endParaRPr lang="zh-TW" altLang="en-US" dirty="0">
-                        <a:latin typeface="微軟正黑體" panose="020B0604030504040204" pitchFamily="34" charset="-120"/>
-                        <a:ea typeface="微軟正黑體" panose="020B0604030504040204" pitchFamily="34" charset="-120"/>
-                      </a:endParaRPr>
-                    </a:p>
-                  </a:txBody>
-                  <a:tcPr/>
-                </a:tc>
-                <a:extLst>
-                  <a:ext uri="{0D108BD9-81ED-4DB2-BD59-A6C34878D82A}">
-                    <a16:rowId xmlns:a16="http://schemas.microsoft.com/office/drawing/2014/main" val="2403567563"/>
-                  </a:ext>
-                </a:extLst>
-              </a:tr>
-              <a:tr h="1402115">
-                <a:tc>
-                  <a:txBody>
-                    <a:bodyPr/>
-                    <a:lstStyle/>
-                    <a:p>
-                      <a:r>
-                        <a:rPr lang="zh-TW" altLang="en-US" dirty="0" smtClean="0">
-                          <a:latin typeface="微軟正黑體" panose="020B0604030504040204" pitchFamily="34" charset="-120"/>
-                          <a:ea typeface="微軟正黑體" panose="020B0604030504040204" pitchFamily="34" charset="-120"/>
-                        </a:rPr>
-                        <a:t>第二週</a:t>
-                      </a:r>
-                      <a:endParaRPr lang="zh-TW" altLang="en-US" dirty="0">
-                        <a:latin typeface="微軟正黑體" panose="020B0604030504040204" pitchFamily="34" charset="-120"/>
-                        <a:ea typeface="微軟正黑體" panose="020B0604030504040204" pitchFamily="34" charset="-120"/>
-                      </a:endParaRPr>
-                    </a:p>
-                  </a:txBody>
-                  <a:tcPr/>
-                </a:tc>
-                <a:tc>
-                  <a:txBody>
-                    <a:bodyPr/>
-                    <a:lstStyle/>
-                    <a:p>
-                      <a:pPr algn="dist"/>
-                      <a:r>
-                        <a:rPr lang="en-US" altLang="zh-TW" dirty="0" smtClean="0">
-                          <a:latin typeface="微軟正黑體" panose="020B0604030504040204" pitchFamily="34" charset="-120"/>
-                          <a:ea typeface="微軟正黑體" panose="020B0604030504040204" pitchFamily="34" charset="-120"/>
-                        </a:rPr>
-                        <a:t>3/21(</a:t>
-                      </a:r>
-                      <a:r>
-                        <a:rPr lang="zh-TW" altLang="en-US" dirty="0" smtClean="0">
-                          <a:latin typeface="微軟正黑體" panose="020B0604030504040204" pitchFamily="34" charset="-120"/>
-                          <a:ea typeface="微軟正黑體" panose="020B0604030504040204" pitchFamily="34" charset="-120"/>
-                        </a:rPr>
-                        <a:t>五</a:t>
-                      </a:r>
-                      <a:r>
-                        <a:rPr lang="en-US" altLang="zh-TW" dirty="0" smtClean="0">
-                          <a:latin typeface="微軟正黑體" panose="020B0604030504040204" pitchFamily="34" charset="-120"/>
-                          <a:ea typeface="微軟正黑體" panose="020B0604030504040204" pitchFamily="34" charset="-120"/>
-                        </a:rPr>
-                        <a:t>)</a:t>
-                      </a:r>
-                      <a:r>
-                        <a:rPr lang="en-US" altLang="zh-TW" baseline="0" dirty="0" smtClean="0">
-                          <a:latin typeface="微軟正黑體" panose="020B0604030504040204" pitchFamily="34" charset="-120"/>
-                          <a:ea typeface="微軟正黑體" panose="020B0604030504040204" pitchFamily="34" charset="-120"/>
-                        </a:rPr>
-                        <a:t> </a:t>
-                      </a:r>
-                      <a:r>
-                        <a:rPr lang="en-US" altLang="zh-TW" baseline="0" dirty="0" smtClean="0">
-                          <a:latin typeface="微軟正黑體" panose="020B0604030504040204" pitchFamily="34" charset="-120"/>
-                          <a:ea typeface="微軟正黑體" panose="020B0604030504040204" pitchFamily="34" charset="-120"/>
-                        </a:rPr>
-                        <a:t>– </a:t>
-                      </a:r>
-                      <a:r>
-                        <a:rPr lang="en-US" altLang="zh-TW" baseline="0" dirty="0" smtClean="0">
-                          <a:latin typeface="微軟正黑體" panose="020B0604030504040204" pitchFamily="34" charset="-120"/>
-                          <a:ea typeface="微軟正黑體" panose="020B0604030504040204" pitchFamily="34" charset="-120"/>
-                        </a:rPr>
-                        <a:t>3/27(</a:t>
-                      </a:r>
-                      <a:r>
-                        <a:rPr lang="zh-TW" altLang="en-US" baseline="0" dirty="0" smtClean="0">
-                          <a:latin typeface="微軟正黑體" panose="020B0604030504040204" pitchFamily="34" charset="-120"/>
-                          <a:ea typeface="微軟正黑體" panose="020B0604030504040204" pitchFamily="34" charset="-120"/>
-                        </a:rPr>
-                        <a:t>四</a:t>
-                      </a:r>
-                      <a:r>
-                        <a:rPr lang="en-US" altLang="zh-TW" baseline="0" dirty="0" smtClean="0">
-                          <a:latin typeface="微軟正黑體" panose="020B0604030504040204" pitchFamily="34" charset="-120"/>
-                          <a:ea typeface="微軟正黑體" panose="020B0604030504040204" pitchFamily="34" charset="-120"/>
-                        </a:rPr>
-                        <a:t>)</a:t>
-                      </a:r>
-                      <a:endParaRPr lang="zh-TW" altLang="en-US" dirty="0">
-                        <a:latin typeface="微軟正黑體" panose="020B0604030504040204" pitchFamily="34" charset="-120"/>
-                        <a:ea typeface="微軟正黑體" panose="020B0604030504040204" pitchFamily="34" charset="-120"/>
-                      </a:endParaRPr>
-                    </a:p>
-                  </a:txBody>
-                  <a:tcPr/>
-                </a:tc>
-                <a:tc>
-                  <a:txBody>
-                    <a:bodyPr/>
-                    <a:lstStyle/>
-                    <a:p>
-                      <a:endParaRPr lang="zh-TW" altLang="en-US" dirty="0">
-                        <a:solidFill>
-                          <a:srgbClr val="92D050"/>
-                        </a:solidFill>
-                        <a:latin typeface="微軟正黑體" panose="020B0604030504040204" pitchFamily="34" charset="-120"/>
-                        <a:ea typeface="微軟正黑體" panose="020B0604030504040204" pitchFamily="34" charset="-120"/>
-                      </a:endParaRPr>
-                    </a:p>
-                  </a:txBody>
-                  <a:tcPr/>
-                </a:tc>
-                <a:tc gridSpan="2">
-                  <a:txBody>
-                    <a:bodyPr/>
-                    <a:lstStyle/>
-                    <a:p>
-                      <a:r>
-                        <a:rPr lang="zh-TW" altLang="en-US" dirty="0" smtClean="0">
-                          <a:solidFill>
-                            <a:srgbClr val="FFFF00"/>
-                          </a:solidFill>
-                          <a:latin typeface="微軟正黑體" panose="020B0604030504040204" pitchFamily="34" charset="-120"/>
-                          <a:ea typeface="微軟正黑體" panose="020B0604030504040204" pitchFamily="34" charset="-120"/>
-                        </a:rPr>
-                        <a:t>模型與後端串接研究</a:t>
-                      </a:r>
-                      <a:endParaRPr lang="en-US" altLang="zh-TW" dirty="0" smtClean="0">
-                        <a:solidFill>
-                          <a:srgbClr val="FFFF00"/>
-                        </a:solidFill>
-                        <a:latin typeface="微軟正黑體" panose="020B0604030504040204" pitchFamily="34" charset="-120"/>
-                        <a:ea typeface="微軟正黑體" panose="020B0604030504040204" pitchFamily="34" charset="-120"/>
-                      </a:endParaRPr>
-                    </a:p>
-                    <a:p>
-                      <a:pPr marL="0" marR="0" lvl="0" indent="0" algn="l" defTabSz="914400" rtl="0" eaLnBrk="1" fontAlgn="auto" latinLnBrk="0" hangingPunct="1">
-                        <a:lnSpc>
-                          <a:spcPct val="100000"/>
-                        </a:lnSpc>
-                        <a:spcBef>
-                          <a:spcPts val="0"/>
-                        </a:spcBef>
-                        <a:spcAft>
-                          <a:spcPts val="0"/>
-                        </a:spcAft>
-                        <a:buClrTx/>
-                        <a:buSzTx/>
-                        <a:buFontTx/>
-                        <a:buNone/>
-                        <a:tabLst/>
-                        <a:defRPr/>
-                      </a:pPr>
-                      <a:r>
-                        <a:rPr lang="en-US" altLang="zh-TW" dirty="0" smtClean="0">
-                          <a:solidFill>
-                            <a:srgbClr val="00B0F0"/>
-                          </a:solidFill>
-                          <a:latin typeface="微軟正黑體" panose="020B0604030504040204" pitchFamily="34" charset="-120"/>
-                          <a:ea typeface="微軟正黑體" panose="020B0604030504040204" pitchFamily="34" charset="-120"/>
-                        </a:rPr>
-                        <a:t>API[</a:t>
-                      </a:r>
-                      <a:r>
-                        <a:rPr lang="zh-TW" altLang="en-US" dirty="0" smtClean="0">
-                          <a:solidFill>
-                            <a:srgbClr val="00B0F0"/>
-                          </a:solidFill>
-                          <a:latin typeface="微軟正黑體" panose="020B0604030504040204" pitchFamily="34" charset="-120"/>
-                          <a:ea typeface="微軟正黑體" panose="020B0604030504040204" pitchFamily="34" charset="-120"/>
-                        </a:rPr>
-                        <a:t>登入功能與資料庫串接</a:t>
-                      </a:r>
-                      <a:r>
-                        <a:rPr lang="en-US" altLang="zh-TW" dirty="0" smtClean="0">
-                          <a:solidFill>
-                            <a:srgbClr val="00B0F0"/>
-                          </a:solidFill>
-                          <a:latin typeface="微軟正黑體" panose="020B0604030504040204" pitchFamily="34" charset="-120"/>
-                          <a:ea typeface="微軟正黑體" panose="020B0604030504040204" pitchFamily="34" charset="-120"/>
-                        </a:rPr>
-                        <a:t>]</a:t>
-                      </a:r>
-                      <a:endParaRPr lang="zh-TW" altLang="en-US" dirty="0" smtClean="0">
-                        <a:solidFill>
-                          <a:srgbClr val="00B0F0"/>
-                        </a:solidFill>
-                        <a:latin typeface="微軟正黑體" panose="020B0604030504040204" pitchFamily="34" charset="-120"/>
-                        <a:ea typeface="微軟正黑體" panose="020B0604030504040204" pitchFamily="34" charset="-120"/>
-                      </a:endParaRPr>
-                    </a:p>
-                  </a:txBody>
-                  <a:tcPr/>
-                </a:tc>
-                <a:tc hMerge="1">
-                  <a:txBody>
-                    <a:bodyPr/>
-                    <a:lstStyle/>
-                    <a:p>
-                      <a:endParaRPr lang="zh-TW" altLang="en-US" dirty="0">
-                        <a:latin typeface="微軟正黑體" panose="020B0604030504040204" pitchFamily="34" charset="-120"/>
-                        <a:ea typeface="微軟正黑體" panose="020B0604030504040204" pitchFamily="34" charset="-120"/>
-                      </a:endParaRPr>
-                    </a:p>
-                  </a:txBody>
-                  <a:tcPr/>
-                </a:tc>
-                <a:tc>
-                  <a:txBody>
-                    <a:bodyPr/>
-                    <a:lstStyle/>
-                    <a:p>
-                      <a:pPr marL="0" marR="0" lvl="0" indent="0" algn="l" defTabSz="914400" rtl="0" eaLnBrk="1" fontAlgn="auto" latinLnBrk="0" hangingPunct="1">
-                        <a:lnSpc>
-                          <a:spcPct val="100000"/>
-                        </a:lnSpc>
-                        <a:spcBef>
-                          <a:spcPts val="0"/>
-                        </a:spcBef>
-                        <a:spcAft>
-                          <a:spcPts val="0"/>
-                        </a:spcAft>
-                        <a:buClrTx/>
-                        <a:buSzTx/>
-                        <a:buFontTx/>
-                        <a:buNone/>
-                        <a:tabLst/>
-                        <a:defRPr/>
-                      </a:pPr>
-                      <a:r>
-                        <a:rPr lang="zh-TW" altLang="en-US" dirty="0" smtClean="0">
-                          <a:solidFill>
-                            <a:srgbClr val="FFFF00"/>
-                          </a:solidFill>
-                          <a:latin typeface="微軟正黑體" panose="020B0604030504040204" pitchFamily="34" charset="-120"/>
-                          <a:ea typeface="微軟正黑體" panose="020B0604030504040204" pitchFamily="34" charset="-120"/>
-                        </a:rPr>
-                        <a:t>功能情境說明</a:t>
-                      </a:r>
-                      <a:r>
-                        <a:rPr lang="en-US" altLang="zh-TW" dirty="0" smtClean="0">
-                          <a:solidFill>
-                            <a:srgbClr val="FFFF00"/>
-                          </a:solidFill>
-                          <a:latin typeface="微軟正黑體" panose="020B0604030504040204" pitchFamily="34" charset="-120"/>
-                          <a:ea typeface="微軟正黑體" panose="020B0604030504040204" pitchFamily="34" charset="-120"/>
-                        </a:rPr>
-                        <a:t>word</a:t>
-                      </a:r>
-                    </a:p>
-                  </a:txBody>
-                  <a:tcPr/>
-                </a:tc>
-                <a:tc>
-                  <a:txBody>
-                    <a:bodyPr/>
-                    <a:lstStyle/>
-                    <a:p>
-                      <a:pPr marL="0" marR="0" lvl="0" indent="0" algn="l" defTabSz="914400" rtl="0" eaLnBrk="1" fontAlgn="auto" latinLnBrk="0" hangingPunct="1">
-                        <a:lnSpc>
-                          <a:spcPct val="100000"/>
-                        </a:lnSpc>
-                        <a:spcBef>
-                          <a:spcPts val="0"/>
-                        </a:spcBef>
-                        <a:spcAft>
-                          <a:spcPts val="0"/>
-                        </a:spcAft>
-                        <a:buClrTx/>
-                        <a:buSzTx/>
-                        <a:buFontTx/>
-                        <a:buNone/>
-                        <a:tabLst/>
-                        <a:defRPr/>
-                      </a:pPr>
-                      <a:r>
-                        <a:rPr lang="zh-TW" altLang="en-US" dirty="0" smtClean="0">
-                          <a:solidFill>
-                            <a:srgbClr val="92D050"/>
-                          </a:solidFill>
-                          <a:latin typeface="微軟正黑體" panose="020B0604030504040204" pitchFamily="34" charset="-120"/>
-                          <a:ea typeface="微軟正黑體" panose="020B0604030504040204" pitchFamily="34" charset="-120"/>
-                        </a:rPr>
-                        <a:t>實驗數據整理</a:t>
-                      </a:r>
-                      <a:r>
-                        <a:rPr lang="en-US" altLang="zh-TW" dirty="0" smtClean="0">
-                          <a:solidFill>
-                            <a:srgbClr val="92D050"/>
-                          </a:solidFill>
-                          <a:latin typeface="微軟正黑體" panose="020B0604030504040204" pitchFamily="34" charset="-120"/>
-                          <a:ea typeface="微軟正黑體" panose="020B0604030504040204" pitchFamily="34" charset="-120"/>
-                        </a:rPr>
-                        <a:t>PPT</a:t>
-                      </a:r>
-                      <a:endParaRPr lang="zh-TW" altLang="en-US" dirty="0" smtClean="0">
-                        <a:solidFill>
-                          <a:srgbClr val="92D050"/>
-                        </a:solidFill>
-                        <a:latin typeface="微軟正黑體" panose="020B0604030504040204" pitchFamily="34" charset="-120"/>
-                        <a:ea typeface="微軟正黑體" panose="020B0604030504040204" pitchFamily="34" charset="-120"/>
-                      </a:endParaRPr>
-                    </a:p>
-                  </a:txBody>
-                  <a:tcPr/>
-                </a:tc>
-                <a:extLst>
-                  <a:ext uri="{0D108BD9-81ED-4DB2-BD59-A6C34878D82A}">
-                    <a16:rowId xmlns:a16="http://schemas.microsoft.com/office/drawing/2014/main" val="537463078"/>
-                  </a:ext>
-                </a:extLst>
-              </a:tr>
-              <a:tr h="637474">
-                <a:tc>
-                  <a:txBody>
-                    <a:bodyPr/>
-                    <a:lstStyle/>
-                    <a:p>
-                      <a:r>
-                        <a:rPr lang="zh-TW" altLang="en-US" dirty="0" smtClean="0">
-                          <a:latin typeface="微軟正黑體" panose="020B0604030504040204" pitchFamily="34" charset="-120"/>
-                          <a:ea typeface="微軟正黑體" panose="020B0604030504040204" pitchFamily="34" charset="-120"/>
-                        </a:rPr>
-                        <a:t>第三週</a:t>
-                      </a:r>
-                      <a:endParaRPr lang="zh-TW" altLang="en-US" dirty="0">
-                        <a:latin typeface="微軟正黑體" panose="020B0604030504040204" pitchFamily="34" charset="-120"/>
-                        <a:ea typeface="微軟正黑體" panose="020B0604030504040204" pitchFamily="34" charset="-120"/>
-                      </a:endParaRPr>
-                    </a:p>
-                  </a:txBody>
-                  <a:tcPr/>
-                </a:tc>
-                <a:tc>
-                  <a:txBody>
-                    <a:bodyPr/>
-                    <a:lstStyle/>
-                    <a:p>
-                      <a:pPr algn="dist"/>
-                      <a:r>
-                        <a:rPr lang="en-US" altLang="zh-TW" dirty="0" smtClean="0">
-                          <a:latin typeface="微軟正黑體" panose="020B0604030504040204" pitchFamily="34" charset="-120"/>
-                          <a:ea typeface="微軟正黑體" panose="020B0604030504040204" pitchFamily="34" charset="-120"/>
-                        </a:rPr>
-                        <a:t>3/28(</a:t>
-                      </a:r>
-                      <a:r>
-                        <a:rPr lang="zh-TW" altLang="en-US" dirty="0" smtClean="0">
-                          <a:latin typeface="微軟正黑體" panose="020B0604030504040204" pitchFamily="34" charset="-120"/>
-                          <a:ea typeface="微軟正黑體" panose="020B0604030504040204" pitchFamily="34" charset="-120"/>
-                        </a:rPr>
-                        <a:t>五</a:t>
-                      </a:r>
-                      <a:r>
-                        <a:rPr lang="en-US" altLang="zh-TW" dirty="0" smtClean="0">
-                          <a:latin typeface="微軟正黑體" panose="020B0604030504040204" pitchFamily="34" charset="-120"/>
-                          <a:ea typeface="微軟正黑體" panose="020B0604030504040204" pitchFamily="34" charset="-120"/>
-                        </a:rPr>
-                        <a:t>)</a:t>
-                      </a:r>
-                      <a:r>
-                        <a:rPr lang="en-US" altLang="zh-TW" baseline="0" dirty="0" smtClean="0">
-                          <a:latin typeface="微軟正黑體" panose="020B0604030504040204" pitchFamily="34" charset="-120"/>
-                          <a:ea typeface="微軟正黑體" panose="020B0604030504040204" pitchFamily="34" charset="-120"/>
-                        </a:rPr>
-                        <a:t> </a:t>
-                      </a:r>
-                      <a:r>
-                        <a:rPr lang="en-US" altLang="zh-TW" baseline="0" dirty="0" smtClean="0">
-                          <a:latin typeface="微軟正黑體" panose="020B0604030504040204" pitchFamily="34" charset="-120"/>
-                          <a:ea typeface="微軟正黑體" panose="020B0604030504040204" pitchFamily="34" charset="-120"/>
-                        </a:rPr>
-                        <a:t>– </a:t>
-                      </a:r>
-                      <a:r>
-                        <a:rPr lang="en-US" altLang="zh-TW" baseline="0" dirty="0" smtClean="0">
-                          <a:latin typeface="微軟正黑體" panose="020B0604030504040204" pitchFamily="34" charset="-120"/>
-                          <a:ea typeface="微軟正黑體" panose="020B0604030504040204" pitchFamily="34" charset="-120"/>
-                        </a:rPr>
-                        <a:t>4/3(</a:t>
-                      </a:r>
-                      <a:r>
-                        <a:rPr lang="zh-TW" altLang="en-US" baseline="0" dirty="0" smtClean="0">
-                          <a:latin typeface="微軟正黑體" panose="020B0604030504040204" pitchFamily="34" charset="-120"/>
-                          <a:ea typeface="微軟正黑體" panose="020B0604030504040204" pitchFamily="34" charset="-120"/>
-                        </a:rPr>
-                        <a:t>四</a:t>
-                      </a:r>
-                      <a:r>
-                        <a:rPr lang="en-US" altLang="zh-TW" baseline="0" dirty="0" smtClean="0">
-                          <a:latin typeface="微軟正黑體" panose="020B0604030504040204" pitchFamily="34" charset="-120"/>
-                          <a:ea typeface="微軟正黑體" panose="020B0604030504040204" pitchFamily="34" charset="-120"/>
-                        </a:rPr>
-                        <a:t>)</a:t>
-                      </a:r>
-                      <a:endParaRPr lang="zh-TW" altLang="en-US" dirty="0">
-                        <a:latin typeface="微軟正黑體" panose="020B0604030504040204" pitchFamily="34" charset="-120"/>
-                        <a:ea typeface="微軟正黑體" panose="020B0604030504040204" pitchFamily="34" charset="-120"/>
-                      </a:endParaRPr>
-                    </a:p>
-                  </a:txBody>
-                  <a:tcPr/>
-                </a:tc>
-                <a:tc>
-                  <a:txBody>
-                    <a:bodyPr/>
-                    <a:lstStyle/>
-                    <a:p>
-                      <a:endParaRPr lang="zh-TW" altLang="en-US" dirty="0">
-                        <a:latin typeface="微軟正黑體" panose="020B0604030504040204" pitchFamily="34" charset="-120"/>
-                        <a:ea typeface="微軟正黑體" panose="020B0604030504040204" pitchFamily="34" charset="-120"/>
-                      </a:endParaRPr>
-                    </a:p>
-                  </a:txBody>
-                  <a:tcPr/>
-                </a:tc>
-                <a:tc gridSpan="2">
-                  <a:txBody>
-                    <a:bodyPr/>
-                    <a:lstStyle/>
-                    <a:p>
-                      <a:pPr marL="0" marR="0" lvl="0" indent="0" algn="l" defTabSz="914400" rtl="0" eaLnBrk="1" fontAlgn="auto" latinLnBrk="0" hangingPunct="1">
-                        <a:lnSpc>
-                          <a:spcPct val="100000"/>
-                        </a:lnSpc>
-                        <a:spcBef>
-                          <a:spcPts val="0"/>
-                        </a:spcBef>
-                        <a:spcAft>
-                          <a:spcPts val="0"/>
-                        </a:spcAft>
-                        <a:buClrTx/>
-                        <a:buSzTx/>
-                        <a:buFontTx/>
-                        <a:buNone/>
-                        <a:tabLst/>
-                        <a:defRPr/>
-                      </a:pPr>
-                      <a:r>
-                        <a:rPr lang="zh-TW" altLang="en-US" dirty="0" smtClean="0">
-                          <a:solidFill>
-                            <a:srgbClr val="FFFF00"/>
-                          </a:solidFill>
-                          <a:latin typeface="微軟正黑體" panose="020B0604030504040204" pitchFamily="34" charset="-120"/>
-                          <a:ea typeface="微軟正黑體" panose="020B0604030504040204" pitchFamily="34" charset="-120"/>
-                        </a:rPr>
-                        <a:t>模型與後端串接</a:t>
-                      </a:r>
-                      <a:endParaRPr lang="en-US" altLang="zh-TW" dirty="0" smtClean="0">
-                        <a:solidFill>
-                          <a:srgbClr val="FFFF00"/>
-                        </a:solidFill>
-                        <a:latin typeface="微軟正黑體" panose="020B0604030504040204" pitchFamily="34" charset="-120"/>
-                        <a:ea typeface="微軟正黑體" panose="020B0604030504040204" pitchFamily="34" charset="-120"/>
-                      </a:endParaRPr>
-                    </a:p>
-                    <a:p>
-                      <a:pPr marL="0" marR="0" lvl="0" indent="0" algn="l" defTabSz="914400" rtl="0" eaLnBrk="1" fontAlgn="auto" latinLnBrk="0" hangingPunct="1">
-                        <a:lnSpc>
-                          <a:spcPct val="100000"/>
-                        </a:lnSpc>
-                        <a:spcBef>
-                          <a:spcPts val="0"/>
-                        </a:spcBef>
-                        <a:spcAft>
-                          <a:spcPts val="0"/>
-                        </a:spcAft>
-                        <a:buClrTx/>
-                        <a:buSzTx/>
-                        <a:buFontTx/>
-                        <a:buNone/>
-                        <a:tabLst/>
-                        <a:defRPr/>
-                      </a:pPr>
-                      <a:r>
-                        <a:rPr lang="en-US" altLang="zh-TW" dirty="0" smtClean="0">
-                          <a:solidFill>
-                            <a:srgbClr val="00B0F0"/>
-                          </a:solidFill>
-                          <a:latin typeface="微軟正黑體" panose="020B0604030504040204" pitchFamily="34" charset="-120"/>
-                          <a:ea typeface="微軟正黑體" panose="020B0604030504040204" pitchFamily="34" charset="-120"/>
-                        </a:rPr>
-                        <a:t>API[</a:t>
-                      </a:r>
-                      <a:r>
-                        <a:rPr lang="zh-TW" altLang="en-US" dirty="0" smtClean="0">
-                          <a:solidFill>
-                            <a:srgbClr val="00B0F0"/>
-                          </a:solidFill>
-                          <a:latin typeface="微軟正黑體" panose="020B0604030504040204" pitchFamily="34" charset="-120"/>
-                          <a:ea typeface="微軟正黑體" panose="020B0604030504040204" pitchFamily="34" charset="-120"/>
-                        </a:rPr>
-                        <a:t>圖片相關</a:t>
-                      </a:r>
-                      <a:r>
-                        <a:rPr lang="en-US" altLang="zh-TW" dirty="0" smtClean="0">
-                          <a:solidFill>
-                            <a:srgbClr val="00B0F0"/>
-                          </a:solidFill>
-                          <a:latin typeface="微軟正黑體" panose="020B0604030504040204" pitchFamily="34" charset="-120"/>
-                          <a:ea typeface="微軟正黑體" panose="020B0604030504040204" pitchFamily="34" charset="-120"/>
-                        </a:rPr>
-                        <a:t>]</a:t>
-                      </a:r>
-                      <a:endParaRPr lang="zh-TW" altLang="en-US" dirty="0" smtClean="0">
-                        <a:solidFill>
-                          <a:srgbClr val="00B0F0"/>
-                        </a:solidFill>
-                        <a:latin typeface="微軟正黑體" panose="020B0604030504040204" pitchFamily="34" charset="-120"/>
-                        <a:ea typeface="微軟正黑體" panose="020B0604030504040204" pitchFamily="34" charset="-120"/>
-                      </a:endParaRPr>
-                    </a:p>
-                  </a:txBody>
-                  <a:tcPr/>
-                </a:tc>
-                <a:tc hMerge="1">
-                  <a:txBody>
-                    <a:bodyPr/>
-                    <a:lstStyle/>
-                    <a:p>
-                      <a:pPr marL="0" marR="0" lvl="0" indent="0" algn="l" defTabSz="914400" rtl="0" eaLnBrk="1" fontAlgn="auto" latinLnBrk="0" hangingPunct="1">
-                        <a:lnSpc>
-                          <a:spcPct val="100000"/>
-                        </a:lnSpc>
-                        <a:spcBef>
-                          <a:spcPts val="0"/>
-                        </a:spcBef>
-                        <a:spcAft>
-                          <a:spcPts val="0"/>
-                        </a:spcAft>
-                        <a:buClrTx/>
-                        <a:buSzTx/>
-                        <a:buFontTx/>
-                        <a:buNone/>
-                        <a:tabLst/>
-                        <a:defRPr/>
-                      </a:pPr>
-                      <a:endParaRPr lang="zh-TW" altLang="en-US" dirty="0" smtClean="0">
-                        <a:solidFill>
-                          <a:srgbClr val="92D050"/>
-                        </a:solidFill>
-                        <a:latin typeface="微軟正黑體" panose="020B0604030504040204" pitchFamily="34" charset="-120"/>
-                        <a:ea typeface="微軟正黑體" panose="020B0604030504040204" pitchFamily="34" charset="-120"/>
-                      </a:endParaRPr>
-                    </a:p>
-                  </a:txBody>
-                  <a:tcPr/>
-                </a:tc>
-                <a:tc>
-                  <a:txBody>
-                    <a:bodyPr/>
-                    <a:lstStyle/>
-                    <a:p>
-                      <a:pPr marL="0" marR="0" lvl="0" indent="0" algn="l" defTabSz="914400" rtl="0" eaLnBrk="1" fontAlgn="auto" latinLnBrk="0" hangingPunct="1">
-                        <a:lnSpc>
-                          <a:spcPct val="100000"/>
-                        </a:lnSpc>
-                        <a:spcBef>
-                          <a:spcPts val="0"/>
-                        </a:spcBef>
-                        <a:spcAft>
-                          <a:spcPts val="0"/>
-                        </a:spcAft>
-                        <a:buClrTx/>
-                        <a:buSzTx/>
-                        <a:buFontTx/>
-                        <a:buNone/>
-                        <a:tabLst/>
-                        <a:defRPr/>
-                      </a:pPr>
-                      <a:endParaRPr lang="zh-TW" altLang="en-US" dirty="0" smtClean="0">
-                        <a:solidFill>
-                          <a:srgbClr val="92D050"/>
-                        </a:solidFill>
-                        <a:latin typeface="微軟正黑體" panose="020B0604030504040204" pitchFamily="34" charset="-120"/>
-                        <a:ea typeface="微軟正黑體" panose="020B0604030504040204" pitchFamily="34" charset="-120"/>
-                      </a:endParaRPr>
-                    </a:p>
-                  </a:txBody>
-                  <a:tcPr/>
-                </a:tc>
-                <a:tc>
-                  <a:txBody>
-                    <a:bodyPr/>
-                    <a:lstStyle/>
-                    <a:p>
-                      <a:pPr marL="0" marR="0" lvl="0" indent="0" algn="l" defTabSz="914400" rtl="0" eaLnBrk="1" fontAlgn="auto" latinLnBrk="0" hangingPunct="1">
-                        <a:lnSpc>
-                          <a:spcPct val="100000"/>
-                        </a:lnSpc>
-                        <a:spcBef>
-                          <a:spcPts val="0"/>
-                        </a:spcBef>
-                        <a:spcAft>
-                          <a:spcPts val="0"/>
-                        </a:spcAft>
-                        <a:buClrTx/>
-                        <a:buSzTx/>
-                        <a:buFontTx/>
-                        <a:buNone/>
-                        <a:tabLst/>
-                        <a:defRPr/>
-                      </a:pPr>
-                      <a:r>
-                        <a:rPr lang="zh-TW" altLang="en-US" dirty="0" smtClean="0">
-                          <a:solidFill>
-                            <a:srgbClr val="92D050"/>
-                          </a:solidFill>
-                          <a:latin typeface="微軟正黑體" panose="020B0604030504040204" pitchFamily="34" charset="-120"/>
-                          <a:ea typeface="微軟正黑體" panose="020B0604030504040204" pitchFamily="34" charset="-120"/>
-                        </a:rPr>
-                        <a:t>登入</a:t>
-                      </a:r>
-                      <a:endParaRPr lang="en-US" altLang="zh-TW" dirty="0" smtClean="0">
-                        <a:solidFill>
-                          <a:srgbClr val="92D050"/>
-                        </a:solidFill>
-                        <a:latin typeface="微軟正黑體" panose="020B0604030504040204" pitchFamily="34" charset="-120"/>
-                        <a:ea typeface="微軟正黑體" panose="020B0604030504040204" pitchFamily="34" charset="-120"/>
-                      </a:endParaRPr>
-                    </a:p>
-                    <a:p>
-                      <a:pPr marL="0" marR="0" lvl="0" indent="0" algn="l" defTabSz="914400" rtl="0" eaLnBrk="1" fontAlgn="auto" latinLnBrk="0" hangingPunct="1">
-                        <a:lnSpc>
-                          <a:spcPct val="100000"/>
-                        </a:lnSpc>
-                        <a:spcBef>
-                          <a:spcPts val="0"/>
-                        </a:spcBef>
-                        <a:spcAft>
-                          <a:spcPts val="0"/>
-                        </a:spcAft>
-                        <a:buClrTx/>
-                        <a:buSzTx/>
-                        <a:buFontTx/>
-                        <a:buNone/>
-                        <a:tabLst/>
-                        <a:defRPr/>
-                      </a:pPr>
-                      <a:r>
-                        <a:rPr lang="zh-TW" altLang="en-US" dirty="0" smtClean="0">
-                          <a:solidFill>
-                            <a:srgbClr val="92D050"/>
-                          </a:solidFill>
-                          <a:latin typeface="微軟正黑體" panose="020B0604030504040204" pitchFamily="34" charset="-120"/>
-                          <a:ea typeface="微軟正黑體" panose="020B0604030504040204" pitchFamily="34" charset="-120"/>
-                        </a:rPr>
-                        <a:t>新增成員</a:t>
-                      </a:r>
-                      <a:endParaRPr lang="en-US" altLang="zh-TW" dirty="0" smtClean="0">
-                        <a:solidFill>
-                          <a:srgbClr val="92D050"/>
-                        </a:solidFill>
-                        <a:latin typeface="微軟正黑體" panose="020B0604030504040204" pitchFamily="34" charset="-120"/>
-                        <a:ea typeface="微軟正黑體" panose="020B0604030504040204" pitchFamily="34" charset="-120"/>
-                      </a:endParaRPr>
-                    </a:p>
-                  </a:txBody>
-                  <a:tcPr/>
-                </a:tc>
-                <a:extLst>
-                  <a:ext uri="{0D108BD9-81ED-4DB2-BD59-A6C34878D82A}">
-                    <a16:rowId xmlns:a16="http://schemas.microsoft.com/office/drawing/2014/main" val="3994093650"/>
-                  </a:ext>
-                </a:extLst>
-              </a:tr>
-              <a:tr h="364271">
-                <a:tc>
-                  <a:txBody>
-                    <a:bodyPr/>
-                    <a:lstStyle/>
-                    <a:p>
-                      <a:endParaRPr lang="zh-TW" altLang="en-US" dirty="0">
-                        <a:latin typeface="微軟正黑體" panose="020B0604030504040204" pitchFamily="34" charset="-120"/>
-                        <a:ea typeface="微軟正黑體" panose="020B0604030504040204" pitchFamily="34" charset="-120"/>
-                      </a:endParaRPr>
-                    </a:p>
-                  </a:txBody>
-                  <a:tcPr/>
-                </a:tc>
-                <a:tc>
-                  <a:txBody>
-                    <a:bodyPr/>
-                    <a:lstStyle/>
-                    <a:p>
-                      <a:pPr algn="dist"/>
-                      <a:r>
-                        <a:rPr lang="en-US" altLang="zh-TW" dirty="0" smtClean="0">
-                          <a:latin typeface="微軟正黑體" panose="020B0604030504040204" pitchFamily="34" charset="-120"/>
-                          <a:ea typeface="微軟正黑體" panose="020B0604030504040204" pitchFamily="34" charset="-120"/>
-                        </a:rPr>
-                        <a:t>4/4(</a:t>
-                      </a:r>
-                      <a:r>
-                        <a:rPr lang="zh-TW" altLang="en-US" dirty="0" smtClean="0">
-                          <a:latin typeface="微軟正黑體" panose="020B0604030504040204" pitchFamily="34" charset="-120"/>
-                          <a:ea typeface="微軟正黑體" panose="020B0604030504040204" pitchFamily="34" charset="-120"/>
-                        </a:rPr>
-                        <a:t>五</a:t>
-                      </a:r>
-                      <a:r>
-                        <a:rPr lang="en-US" altLang="zh-TW" dirty="0" smtClean="0">
-                          <a:latin typeface="微軟正黑體" panose="020B0604030504040204" pitchFamily="34" charset="-120"/>
-                          <a:ea typeface="微軟正黑體" panose="020B0604030504040204" pitchFamily="34" charset="-120"/>
-                        </a:rPr>
-                        <a:t>)</a:t>
-                      </a:r>
-                      <a:r>
-                        <a:rPr lang="en-US" altLang="zh-TW" baseline="0" dirty="0" smtClean="0">
-                          <a:latin typeface="微軟正黑體" panose="020B0604030504040204" pitchFamily="34" charset="-120"/>
-                          <a:ea typeface="微軟正黑體" panose="020B0604030504040204" pitchFamily="34" charset="-120"/>
-                        </a:rPr>
-                        <a:t> </a:t>
-                      </a:r>
-                      <a:r>
-                        <a:rPr lang="en-US" altLang="zh-TW" baseline="0" dirty="0" smtClean="0">
-                          <a:latin typeface="微軟正黑體" panose="020B0604030504040204" pitchFamily="34" charset="-120"/>
-                          <a:ea typeface="微軟正黑體" panose="020B0604030504040204" pitchFamily="34" charset="-120"/>
-                        </a:rPr>
-                        <a:t>– </a:t>
-                      </a:r>
-                      <a:r>
-                        <a:rPr lang="en-US" altLang="zh-TW" baseline="0" dirty="0" smtClean="0">
-                          <a:latin typeface="微軟正黑體" panose="020B0604030504040204" pitchFamily="34" charset="-120"/>
-                          <a:ea typeface="微軟正黑體" panose="020B0604030504040204" pitchFamily="34" charset="-120"/>
-                        </a:rPr>
-                        <a:t>4/10(</a:t>
-                      </a:r>
-                      <a:r>
-                        <a:rPr lang="zh-TW" altLang="en-US" baseline="0" dirty="0" smtClean="0">
-                          <a:latin typeface="微軟正黑體" panose="020B0604030504040204" pitchFamily="34" charset="-120"/>
-                          <a:ea typeface="微軟正黑體" panose="020B0604030504040204" pitchFamily="34" charset="-120"/>
-                        </a:rPr>
-                        <a:t>四</a:t>
-                      </a:r>
-                      <a:r>
-                        <a:rPr lang="en-US" altLang="zh-TW" baseline="0" dirty="0" smtClean="0">
-                          <a:latin typeface="微軟正黑體" panose="020B0604030504040204" pitchFamily="34" charset="-120"/>
-                          <a:ea typeface="微軟正黑體" panose="020B0604030504040204" pitchFamily="34" charset="-120"/>
-                        </a:rPr>
-                        <a:t>)</a:t>
-                      </a:r>
-                      <a:endParaRPr lang="zh-TW" altLang="en-US" dirty="0">
-                        <a:latin typeface="微軟正黑體" panose="020B0604030504040204" pitchFamily="34" charset="-120"/>
-                        <a:ea typeface="微軟正黑體" panose="020B0604030504040204" pitchFamily="34" charset="-120"/>
-                      </a:endParaRPr>
-                    </a:p>
-                  </a:txBody>
-                  <a:tcPr/>
-                </a:tc>
-                <a:tc gridSpan="5">
-                  <a:txBody>
-                    <a:bodyPr/>
-                    <a:lstStyle/>
-                    <a:p>
-                      <a:pPr algn="ctr"/>
-                      <a:r>
-                        <a:rPr lang="zh-TW" altLang="en-US" dirty="0" smtClean="0">
-                          <a:latin typeface="微軟正黑體" panose="020B0604030504040204" pitchFamily="34" charset="-120"/>
-                          <a:ea typeface="微軟正黑體" panose="020B0604030504040204" pitchFamily="34" charset="-120"/>
-                        </a:rPr>
-                        <a:t>段考準備</a:t>
-                      </a:r>
-                      <a:endParaRPr lang="zh-TW" altLang="en-US" dirty="0">
-                        <a:latin typeface="微軟正黑體" panose="020B0604030504040204" pitchFamily="34" charset="-120"/>
-                        <a:ea typeface="微軟正黑體" panose="020B0604030504040204" pitchFamily="34" charset="-120"/>
-                      </a:endParaRPr>
-                    </a:p>
-                  </a:txBody>
-                  <a:tcPr/>
-                </a:tc>
-                <a:tc hMerge="1">
-                  <a:txBody>
-                    <a:bodyPr/>
-                    <a:lstStyle/>
-                    <a:p>
-                      <a:endParaRPr lang="zh-TW" altLang="en-US" dirty="0">
-                        <a:latin typeface="微軟正黑體" panose="020B0604030504040204" pitchFamily="34" charset="-120"/>
-                        <a:ea typeface="微軟正黑體" panose="020B0604030504040204" pitchFamily="34" charset="-120"/>
-                      </a:endParaRPr>
-                    </a:p>
-                  </a:txBody>
-                  <a:tcPr/>
-                </a:tc>
-                <a:tc hMerge="1">
-                  <a:txBody>
-                    <a:bodyPr/>
-                    <a:lstStyle/>
-                    <a:p>
-                      <a:endParaRPr lang="zh-TW" altLang="en-US" dirty="0">
-                        <a:latin typeface="微軟正黑體" panose="020B0604030504040204" pitchFamily="34" charset="-120"/>
-                        <a:ea typeface="微軟正黑體" panose="020B0604030504040204" pitchFamily="34" charset="-120"/>
-                      </a:endParaRPr>
-                    </a:p>
-                  </a:txBody>
-                  <a:tcPr/>
-                </a:tc>
-                <a:tc hMerge="1">
-                  <a:txBody>
-                    <a:bodyPr/>
-                    <a:lstStyle/>
-                    <a:p>
-                      <a:endParaRPr lang="zh-TW" altLang="en-US"/>
-                    </a:p>
-                  </a:txBody>
-                  <a:tcPr/>
-                </a:tc>
-                <a:tc hMerge="1">
-                  <a:txBody>
-                    <a:bodyPr/>
-                    <a:lstStyle/>
-                    <a:p>
-                      <a:endParaRPr lang="zh-TW" altLang="en-US" dirty="0">
-                        <a:latin typeface="微軟正黑體" panose="020B0604030504040204" pitchFamily="34" charset="-120"/>
-                        <a:ea typeface="微軟正黑體" panose="020B0604030504040204" pitchFamily="34" charset="-120"/>
-                      </a:endParaRPr>
-                    </a:p>
-                  </a:txBody>
-                  <a:tcPr/>
-                </a:tc>
-                <a:extLst>
-                  <a:ext uri="{0D108BD9-81ED-4DB2-BD59-A6C34878D82A}">
-                    <a16:rowId xmlns:a16="http://schemas.microsoft.com/office/drawing/2014/main" val="1204810687"/>
-                  </a:ext>
-                </a:extLst>
-              </a:tr>
-              <a:tr h="364271">
-                <a:tc>
-                  <a:txBody>
-                    <a:bodyPr/>
-                    <a:lstStyle/>
-                    <a:p>
-                      <a:endParaRPr lang="zh-TW" altLang="en-US" dirty="0">
-                        <a:latin typeface="微軟正黑體" panose="020B0604030504040204" pitchFamily="34" charset="-120"/>
-                        <a:ea typeface="微軟正黑體" panose="020B0604030504040204" pitchFamily="34" charset="-120"/>
-                      </a:endParaRPr>
-                    </a:p>
-                  </a:txBody>
-                  <a:tcPr/>
-                </a:tc>
-                <a:tc>
-                  <a:txBody>
-                    <a:bodyPr/>
-                    <a:lstStyle/>
-                    <a:p>
-                      <a:pPr algn="dist"/>
-                      <a:r>
-                        <a:rPr lang="en-US" altLang="zh-TW" dirty="0" smtClean="0">
-                          <a:latin typeface="微軟正黑體" panose="020B0604030504040204" pitchFamily="34" charset="-120"/>
-                          <a:ea typeface="微軟正黑體" panose="020B0604030504040204" pitchFamily="34" charset="-120"/>
-                        </a:rPr>
-                        <a:t>4/11(</a:t>
-                      </a:r>
-                      <a:r>
-                        <a:rPr lang="zh-TW" altLang="en-US" dirty="0" smtClean="0">
-                          <a:latin typeface="微軟正黑體" panose="020B0604030504040204" pitchFamily="34" charset="-120"/>
-                          <a:ea typeface="微軟正黑體" panose="020B0604030504040204" pitchFamily="34" charset="-120"/>
-                        </a:rPr>
-                        <a:t>五</a:t>
-                      </a:r>
-                      <a:r>
-                        <a:rPr lang="en-US" altLang="zh-TW" dirty="0" smtClean="0">
-                          <a:latin typeface="微軟正黑體" panose="020B0604030504040204" pitchFamily="34" charset="-120"/>
-                          <a:ea typeface="微軟正黑體" panose="020B0604030504040204" pitchFamily="34" charset="-120"/>
-                        </a:rPr>
-                        <a:t>)</a:t>
-                      </a:r>
-                      <a:r>
-                        <a:rPr lang="en-US" altLang="zh-TW" baseline="0" dirty="0" smtClean="0">
-                          <a:latin typeface="微軟正黑體" panose="020B0604030504040204" pitchFamily="34" charset="-120"/>
-                          <a:ea typeface="微軟正黑體" panose="020B0604030504040204" pitchFamily="34" charset="-120"/>
-                        </a:rPr>
-                        <a:t> </a:t>
-                      </a:r>
-                      <a:r>
-                        <a:rPr lang="en-US" altLang="zh-TW" baseline="0" dirty="0" smtClean="0">
-                          <a:latin typeface="微軟正黑體" panose="020B0604030504040204" pitchFamily="34" charset="-120"/>
-                          <a:ea typeface="微軟正黑體" panose="020B0604030504040204" pitchFamily="34" charset="-120"/>
-                        </a:rPr>
-                        <a:t>– </a:t>
-                      </a:r>
-                      <a:r>
-                        <a:rPr lang="en-US" altLang="zh-TW" baseline="0" dirty="0" smtClean="0">
-                          <a:solidFill>
-                            <a:schemeClr val="tx1"/>
-                          </a:solidFill>
-                          <a:latin typeface="微軟正黑體" panose="020B0604030504040204" pitchFamily="34" charset="-120"/>
-                          <a:ea typeface="微軟正黑體" panose="020B0604030504040204" pitchFamily="34" charset="-120"/>
-                        </a:rPr>
-                        <a:t>4/17(</a:t>
-                      </a:r>
-                      <a:r>
-                        <a:rPr lang="zh-TW" altLang="en-US" baseline="0" dirty="0" smtClean="0">
-                          <a:solidFill>
-                            <a:schemeClr val="tx1"/>
-                          </a:solidFill>
-                          <a:latin typeface="微軟正黑體" panose="020B0604030504040204" pitchFamily="34" charset="-120"/>
-                          <a:ea typeface="微軟正黑體" panose="020B0604030504040204" pitchFamily="34" charset="-120"/>
-                        </a:rPr>
-                        <a:t>四</a:t>
-                      </a:r>
-                      <a:r>
-                        <a:rPr lang="en-US" altLang="zh-TW" baseline="0" dirty="0" smtClean="0">
-                          <a:solidFill>
-                            <a:schemeClr val="tx1"/>
-                          </a:solidFill>
-                          <a:latin typeface="微軟正黑體" panose="020B0604030504040204" pitchFamily="34" charset="-120"/>
-                          <a:ea typeface="微軟正黑體" panose="020B0604030504040204" pitchFamily="34" charset="-120"/>
-                        </a:rPr>
-                        <a:t>)</a:t>
-                      </a:r>
-                      <a:endParaRPr lang="zh-TW" altLang="en-US" dirty="0">
-                        <a:solidFill>
-                          <a:schemeClr val="tx1"/>
-                        </a:solidFill>
-                        <a:latin typeface="微軟正黑體" panose="020B0604030504040204" pitchFamily="34" charset="-120"/>
-                        <a:ea typeface="微軟正黑體" panose="020B0604030504040204" pitchFamily="34" charset="-120"/>
-                      </a:endParaRPr>
-                    </a:p>
-                  </a:txBody>
-                  <a:tcPr/>
-                </a:tc>
-                <a:tc gridSpan="5">
-                  <a:txBody>
-                    <a:bodyPr/>
-                    <a:lstStyle/>
-                    <a:p>
-                      <a:pPr algn="ctr"/>
-                      <a:r>
-                        <a:rPr lang="zh-TW" altLang="en-US" dirty="0" smtClean="0">
-                          <a:latin typeface="微軟正黑體" panose="020B0604030504040204" pitchFamily="34" charset="-120"/>
-                          <a:ea typeface="微軟正黑體" panose="020B0604030504040204" pitchFamily="34" charset="-120"/>
-                        </a:rPr>
-                        <a:t>段考週</a:t>
-                      </a:r>
-                      <a:endParaRPr lang="zh-TW" altLang="en-US" dirty="0">
-                        <a:latin typeface="微軟正黑體" panose="020B0604030504040204" pitchFamily="34" charset="-120"/>
-                        <a:ea typeface="微軟正黑體" panose="020B0604030504040204" pitchFamily="34" charset="-120"/>
-                      </a:endParaRPr>
-                    </a:p>
-                  </a:txBody>
-                  <a:tcPr/>
-                </a:tc>
-                <a:tc hMerge="1">
-                  <a:txBody>
-                    <a:bodyPr/>
-                    <a:lstStyle/>
-                    <a:p>
-                      <a:endParaRPr lang="zh-TW" altLang="en-US" dirty="0">
-                        <a:latin typeface="微軟正黑體" panose="020B0604030504040204" pitchFamily="34" charset="-120"/>
-                        <a:ea typeface="微軟正黑體" panose="020B0604030504040204" pitchFamily="34" charset="-120"/>
-                      </a:endParaRPr>
-                    </a:p>
-                  </a:txBody>
-                  <a:tcPr/>
-                </a:tc>
-                <a:tc hMerge="1">
-                  <a:txBody>
-                    <a:bodyPr/>
-                    <a:lstStyle/>
-                    <a:p>
-                      <a:endParaRPr lang="zh-TW" altLang="en-US" dirty="0">
-                        <a:latin typeface="微軟正黑體" panose="020B0604030504040204" pitchFamily="34" charset="-120"/>
-                        <a:ea typeface="微軟正黑體" panose="020B0604030504040204" pitchFamily="34" charset="-120"/>
-                      </a:endParaRPr>
-                    </a:p>
-                  </a:txBody>
-                  <a:tcPr/>
-                </a:tc>
-                <a:tc hMerge="1">
-                  <a:txBody>
-                    <a:bodyPr/>
-                    <a:lstStyle/>
-                    <a:p>
-                      <a:endParaRPr lang="zh-TW" altLang="en-US"/>
-                    </a:p>
-                  </a:txBody>
-                  <a:tcPr/>
-                </a:tc>
-                <a:tc hMerge="1">
-                  <a:txBody>
-                    <a:bodyPr/>
-                    <a:lstStyle/>
-                    <a:p>
-                      <a:endParaRPr lang="zh-TW" altLang="en-US" dirty="0">
-                        <a:latin typeface="微軟正黑體" panose="020B0604030504040204" pitchFamily="34" charset="-120"/>
-                        <a:ea typeface="微軟正黑體" panose="020B0604030504040204" pitchFamily="34" charset="-120"/>
-                      </a:endParaRPr>
-                    </a:p>
-                  </a:txBody>
-                  <a:tcPr/>
-                </a:tc>
-                <a:extLst>
-                  <a:ext uri="{0D108BD9-81ED-4DB2-BD59-A6C34878D82A}">
-                    <a16:rowId xmlns:a16="http://schemas.microsoft.com/office/drawing/2014/main" val="1109095354"/>
-                  </a:ext>
-                </a:extLst>
-              </a:tr>
-              <a:tr h="1183880">
-                <a:tc>
-                  <a:txBody>
-                    <a:bodyPr/>
-                    <a:lstStyle/>
-                    <a:p>
-                      <a:r>
-                        <a:rPr lang="zh-TW" altLang="en-US" dirty="0" smtClean="0">
-                          <a:latin typeface="微軟正黑體" panose="020B0604030504040204" pitchFamily="34" charset="-120"/>
-                          <a:ea typeface="微軟正黑體" panose="020B0604030504040204" pitchFamily="34" charset="-120"/>
-                        </a:rPr>
-                        <a:t>第四週</a:t>
-                      </a:r>
-                      <a:endParaRPr lang="zh-TW" altLang="en-US" dirty="0">
-                        <a:latin typeface="微軟正黑體" panose="020B0604030504040204" pitchFamily="34" charset="-120"/>
-                        <a:ea typeface="微軟正黑體" panose="020B0604030504040204" pitchFamily="34" charset="-120"/>
-                      </a:endParaRPr>
-                    </a:p>
-                  </a:txBody>
-                  <a:tcPr/>
-                </a:tc>
-                <a:tc>
-                  <a:txBody>
-                    <a:bodyPr/>
-                    <a:lstStyle/>
-                    <a:p>
-                      <a:pPr algn="dist"/>
-                      <a:r>
-                        <a:rPr lang="en-US" altLang="zh-TW" dirty="0" smtClean="0">
-                          <a:solidFill>
-                            <a:schemeClr val="tx1"/>
-                          </a:solidFill>
-                          <a:latin typeface="微軟正黑體" panose="020B0604030504040204" pitchFamily="34" charset="-120"/>
-                          <a:ea typeface="微軟正黑體" panose="020B0604030504040204" pitchFamily="34" charset="-120"/>
-                        </a:rPr>
-                        <a:t>4/18(</a:t>
-                      </a:r>
-                      <a:r>
-                        <a:rPr lang="zh-TW" altLang="en-US" dirty="0" smtClean="0">
-                          <a:solidFill>
-                            <a:schemeClr val="tx1"/>
-                          </a:solidFill>
-                          <a:latin typeface="微軟正黑體" panose="020B0604030504040204" pitchFamily="34" charset="-120"/>
-                          <a:ea typeface="微軟正黑體" panose="020B0604030504040204" pitchFamily="34" charset="-120"/>
-                        </a:rPr>
-                        <a:t>五</a:t>
-                      </a:r>
-                      <a:r>
-                        <a:rPr lang="en-US" altLang="zh-TW" dirty="0" smtClean="0">
-                          <a:solidFill>
-                            <a:schemeClr val="tx1"/>
-                          </a:solidFill>
-                          <a:latin typeface="微軟正黑體" panose="020B0604030504040204" pitchFamily="34" charset="-120"/>
-                          <a:ea typeface="微軟正黑體" panose="020B0604030504040204" pitchFamily="34" charset="-120"/>
-                        </a:rPr>
-                        <a:t>) </a:t>
-                      </a:r>
-                      <a:r>
-                        <a:rPr lang="en-US" altLang="zh-TW" dirty="0" smtClean="0">
-                          <a:latin typeface="微軟正黑體" panose="020B0604030504040204" pitchFamily="34" charset="-120"/>
-                          <a:ea typeface="微軟正黑體" panose="020B0604030504040204" pitchFamily="34" charset="-120"/>
-                        </a:rPr>
-                        <a:t>– </a:t>
-                      </a:r>
-                      <a:r>
-                        <a:rPr lang="en-US" altLang="zh-TW" dirty="0" smtClean="0">
-                          <a:latin typeface="微軟正黑體" panose="020B0604030504040204" pitchFamily="34" charset="-120"/>
-                          <a:ea typeface="微軟正黑體" panose="020B0604030504040204" pitchFamily="34" charset="-120"/>
-                        </a:rPr>
-                        <a:t>4/24(</a:t>
-                      </a:r>
-                      <a:r>
-                        <a:rPr lang="zh-TW" altLang="en-US" dirty="0" smtClean="0">
-                          <a:latin typeface="微軟正黑體" panose="020B0604030504040204" pitchFamily="34" charset="-120"/>
-                          <a:ea typeface="微軟正黑體" panose="020B0604030504040204" pitchFamily="34" charset="-120"/>
-                        </a:rPr>
-                        <a:t>四</a:t>
-                      </a:r>
-                      <a:r>
-                        <a:rPr lang="en-US" altLang="zh-TW" dirty="0" smtClean="0">
-                          <a:latin typeface="微軟正黑體" panose="020B0604030504040204" pitchFamily="34" charset="-120"/>
-                          <a:ea typeface="微軟正黑體" panose="020B0604030504040204" pitchFamily="34" charset="-120"/>
-                        </a:rPr>
-                        <a:t>)</a:t>
-                      </a:r>
-                      <a:endParaRPr lang="zh-TW" altLang="en-US" dirty="0">
-                        <a:latin typeface="微軟正黑體" panose="020B0604030504040204" pitchFamily="34" charset="-120"/>
-                        <a:ea typeface="微軟正黑體" panose="020B0604030504040204" pitchFamily="34" charset="-120"/>
-                      </a:endParaRPr>
-                    </a:p>
-                  </a:txBody>
-                  <a:tcPr/>
-                </a:tc>
-                <a:tc>
-                  <a:txBody>
-                    <a:bodyPr/>
-                    <a:lstStyle/>
-                    <a:p>
-                      <a:endParaRPr lang="zh-TW" altLang="en-US" dirty="0">
-                        <a:solidFill>
-                          <a:srgbClr val="92D050"/>
-                        </a:solidFill>
-                        <a:latin typeface="微軟正黑體" panose="020B0604030504040204" pitchFamily="34" charset="-120"/>
-                        <a:ea typeface="微軟正黑體" panose="020B0604030504040204" pitchFamily="34" charset="-120"/>
-                      </a:endParaRPr>
-                    </a:p>
-                  </a:txBody>
-                  <a:tcPr/>
-                </a:tc>
-                <a:tc>
-                  <a:txBody>
-                    <a:bodyPr/>
-                    <a:lstStyle/>
-                    <a:p>
-                      <a:pPr marL="0" marR="0" lvl="0" indent="0" algn="l" defTabSz="914400" rtl="0" eaLnBrk="1" fontAlgn="auto" latinLnBrk="0" hangingPunct="1">
-                        <a:lnSpc>
-                          <a:spcPct val="100000"/>
-                        </a:lnSpc>
-                        <a:spcBef>
-                          <a:spcPts val="0"/>
-                        </a:spcBef>
-                        <a:spcAft>
-                          <a:spcPts val="0"/>
-                        </a:spcAft>
-                        <a:buClrTx/>
-                        <a:buSzTx/>
-                        <a:buFontTx/>
-                        <a:buNone/>
-                        <a:tabLst/>
-                        <a:defRPr/>
-                      </a:pPr>
-                      <a:r>
-                        <a:rPr lang="zh-TW" altLang="en-US" dirty="0" smtClean="0">
-                          <a:solidFill>
-                            <a:srgbClr val="FFFF00"/>
-                          </a:solidFill>
-                          <a:latin typeface="微軟正黑體" panose="020B0604030504040204" pitchFamily="34" charset="-120"/>
-                          <a:ea typeface="微軟正黑體" panose="020B0604030504040204" pitchFamily="34" charset="-120"/>
-                        </a:rPr>
-                        <a:t>模型與後端串接</a:t>
-                      </a:r>
-                      <a:endParaRPr lang="en-US" altLang="zh-TW" dirty="0" smtClean="0">
-                        <a:solidFill>
-                          <a:srgbClr val="FFFF00"/>
-                        </a:solidFill>
-                        <a:latin typeface="微軟正黑體" panose="020B0604030504040204" pitchFamily="34" charset="-120"/>
-                        <a:ea typeface="微軟正黑體" panose="020B0604030504040204" pitchFamily="34" charset="-120"/>
-                      </a:endParaRPr>
-                    </a:p>
-                    <a:p>
-                      <a:pPr marL="0" marR="0" lvl="0" indent="0" algn="l" defTabSz="914400" rtl="0" eaLnBrk="1" fontAlgn="auto" latinLnBrk="0" hangingPunct="1">
-                        <a:lnSpc>
-                          <a:spcPct val="100000"/>
-                        </a:lnSpc>
-                        <a:spcBef>
-                          <a:spcPts val="0"/>
-                        </a:spcBef>
-                        <a:spcAft>
-                          <a:spcPts val="0"/>
-                        </a:spcAft>
-                        <a:buClrTx/>
-                        <a:buSzTx/>
-                        <a:buFontTx/>
-                        <a:buNone/>
-                        <a:tabLst/>
-                        <a:defRPr/>
-                      </a:pPr>
-                      <a:r>
-                        <a:rPr lang="en-US" altLang="zh-TW" dirty="0" smtClean="0">
-                          <a:solidFill>
-                            <a:srgbClr val="00B0F0"/>
-                          </a:solidFill>
-                          <a:latin typeface="微軟正黑體" panose="020B0604030504040204" pitchFamily="34" charset="-120"/>
-                          <a:ea typeface="微軟正黑體" panose="020B0604030504040204" pitchFamily="34" charset="-120"/>
-                        </a:rPr>
-                        <a:t>API[</a:t>
-                      </a:r>
-                      <a:r>
-                        <a:rPr lang="zh-TW" altLang="en-US" dirty="0" smtClean="0">
-                          <a:solidFill>
-                            <a:srgbClr val="00B0F0"/>
-                          </a:solidFill>
-                          <a:latin typeface="微軟正黑體" panose="020B0604030504040204" pitchFamily="34" charset="-120"/>
-                          <a:ea typeface="微軟正黑體" panose="020B0604030504040204" pitchFamily="34" charset="-120"/>
-                        </a:rPr>
-                        <a:t>後端與模型串接</a:t>
-                      </a:r>
-                      <a:r>
-                        <a:rPr lang="en-US" altLang="zh-TW" dirty="0" smtClean="0">
-                          <a:solidFill>
-                            <a:srgbClr val="00B0F0"/>
-                          </a:solidFill>
-                          <a:latin typeface="微軟正黑體" panose="020B0604030504040204" pitchFamily="34" charset="-120"/>
-                          <a:ea typeface="微軟正黑體" panose="020B0604030504040204" pitchFamily="34" charset="-120"/>
-                        </a:rPr>
-                        <a:t>]</a:t>
-                      </a:r>
-                      <a:endParaRPr lang="zh-TW" altLang="en-US" dirty="0" smtClean="0">
-                        <a:solidFill>
-                          <a:srgbClr val="00B0F0"/>
-                        </a:solidFill>
-                        <a:latin typeface="微軟正黑體" panose="020B0604030504040204" pitchFamily="34" charset="-120"/>
-                        <a:ea typeface="微軟正黑體" panose="020B0604030504040204" pitchFamily="34" charset="-120"/>
-                      </a:endParaRPr>
-                    </a:p>
-                  </a:txBody>
-                  <a:tcPr/>
-                </a:tc>
-                <a:tc gridSpan="2">
-                  <a:txBody>
-                    <a:bodyPr/>
-                    <a:lstStyle/>
-                    <a:p>
-                      <a:r>
-                        <a:rPr lang="zh-TW" altLang="en-US" dirty="0" smtClean="0">
-                          <a:solidFill>
-                            <a:srgbClr val="00B0F0"/>
-                          </a:solidFill>
-                          <a:latin typeface="微軟正黑體" panose="020B0604030504040204" pitchFamily="34" charset="-120"/>
-                          <a:ea typeface="微軟正黑體" panose="020B0604030504040204" pitchFamily="34" charset="-120"/>
-                        </a:rPr>
-                        <a:t>結論與討論撰寫</a:t>
-                      </a:r>
-                      <a:r>
-                        <a:rPr lang="en-US" altLang="zh-TW" dirty="0" smtClean="0">
-                          <a:solidFill>
-                            <a:srgbClr val="00B0F0"/>
-                          </a:solidFill>
-                          <a:latin typeface="微軟正黑體" panose="020B0604030504040204" pitchFamily="34" charset="-120"/>
-                          <a:ea typeface="微軟正黑體" panose="020B0604030504040204" pitchFamily="34" charset="-120"/>
-                        </a:rPr>
-                        <a:t>word</a:t>
-                      </a:r>
-                    </a:p>
-                    <a:p>
-                      <a:r>
-                        <a:rPr lang="zh-TW" altLang="en-US" dirty="0" smtClean="0">
-                          <a:solidFill>
-                            <a:srgbClr val="FFFF00"/>
-                          </a:solidFill>
-                          <a:latin typeface="微軟正黑體" panose="020B0604030504040204" pitchFamily="34" charset="-120"/>
-                          <a:ea typeface="微軟正黑體" panose="020B0604030504040204" pitchFamily="34" charset="-120"/>
-                        </a:rPr>
-                        <a:t>自評表</a:t>
-                      </a:r>
-                      <a:endParaRPr lang="en-US" altLang="zh-TW" dirty="0" smtClean="0">
-                        <a:solidFill>
-                          <a:srgbClr val="FFFF00"/>
-                        </a:solidFill>
-                        <a:latin typeface="微軟正黑體" panose="020B0604030504040204" pitchFamily="34" charset="-120"/>
-                        <a:ea typeface="微軟正黑體" panose="020B0604030504040204" pitchFamily="34" charset="-120"/>
-                      </a:endParaRPr>
-                    </a:p>
-                    <a:p>
-                      <a:r>
-                        <a:rPr lang="zh-TW" altLang="en-US" dirty="0" smtClean="0">
-                          <a:solidFill>
-                            <a:srgbClr val="FFFF00"/>
-                          </a:solidFill>
-                          <a:latin typeface="微軟正黑體" panose="020B0604030504040204" pitchFamily="34" charset="-120"/>
-                          <a:ea typeface="微軟正黑體" panose="020B0604030504040204" pitchFamily="34" charset="-120"/>
-                        </a:rPr>
-                        <a:t>研發成果資料表</a:t>
-                      </a:r>
-                      <a:endParaRPr lang="zh-TW" altLang="en-US" dirty="0">
-                        <a:solidFill>
-                          <a:srgbClr val="FFFF00"/>
-                        </a:solidFill>
-                        <a:latin typeface="微軟正黑體" panose="020B0604030504040204" pitchFamily="34" charset="-120"/>
-                        <a:ea typeface="微軟正黑體" panose="020B0604030504040204" pitchFamily="34" charset="-120"/>
-                      </a:endParaRPr>
-                    </a:p>
-                  </a:txBody>
-                  <a:tcPr/>
-                </a:tc>
-                <a:tc hMerge="1">
-                  <a:txBody>
-                    <a:bodyPr/>
-                    <a:lstStyle/>
-                    <a:p>
-                      <a:endParaRPr lang="zh-TW" altLang="en-US"/>
-                    </a:p>
-                  </a:txBody>
-                  <a:tcPr/>
-                </a:tc>
-                <a:tc>
-                  <a:txBody>
-                    <a:bodyPr/>
-                    <a:lstStyle/>
-                    <a:p>
-                      <a:pPr marL="0" marR="0" lvl="0" indent="0" algn="l" defTabSz="914400" rtl="0" eaLnBrk="1" fontAlgn="auto" latinLnBrk="0" hangingPunct="1">
-                        <a:lnSpc>
-                          <a:spcPct val="100000"/>
-                        </a:lnSpc>
-                        <a:spcBef>
-                          <a:spcPts val="0"/>
-                        </a:spcBef>
-                        <a:spcAft>
-                          <a:spcPts val="0"/>
-                        </a:spcAft>
-                        <a:buClrTx/>
-                        <a:buSzTx/>
-                        <a:buFontTx/>
-                        <a:buNone/>
-                        <a:tabLst/>
-                        <a:defRPr/>
-                      </a:pPr>
-                      <a:r>
-                        <a:rPr lang="zh-TW" altLang="en-US" dirty="0" smtClean="0">
-                          <a:solidFill>
-                            <a:srgbClr val="92D050"/>
-                          </a:solidFill>
-                          <a:latin typeface="微軟正黑體" panose="020B0604030504040204" pitchFamily="34" charset="-120"/>
-                          <a:ea typeface="微軟正黑體" panose="020B0604030504040204" pitchFamily="34" charset="-120"/>
-                        </a:rPr>
-                        <a:t>病患資料編輯</a:t>
-                      </a:r>
-                      <a:endParaRPr lang="en-US" altLang="zh-TW" dirty="0" smtClean="0">
-                        <a:solidFill>
-                          <a:srgbClr val="92D050"/>
-                        </a:solidFill>
-                        <a:latin typeface="微軟正黑體" panose="020B0604030504040204" pitchFamily="34" charset="-120"/>
-                        <a:ea typeface="微軟正黑體" panose="020B0604030504040204" pitchFamily="34" charset="-120"/>
-                      </a:endParaRPr>
-                    </a:p>
-                    <a:p>
-                      <a:r>
-                        <a:rPr lang="zh-TW" altLang="en-US" dirty="0" smtClean="0">
-                          <a:solidFill>
-                            <a:srgbClr val="92D050"/>
-                          </a:solidFill>
-                          <a:latin typeface="微軟正黑體" panose="020B0604030504040204" pitchFamily="34" charset="-120"/>
-                          <a:ea typeface="微軟正黑體" panose="020B0604030504040204" pitchFamily="34" charset="-120"/>
-                        </a:rPr>
-                        <a:t>上傳影像</a:t>
-                      </a:r>
-                      <a:endParaRPr lang="en-US" altLang="zh-TW" dirty="0" smtClean="0">
-                        <a:solidFill>
-                          <a:srgbClr val="92D050"/>
-                        </a:solidFill>
-                        <a:latin typeface="微軟正黑體" panose="020B0604030504040204" pitchFamily="34" charset="-120"/>
-                        <a:ea typeface="微軟正黑體" panose="020B0604030504040204" pitchFamily="34" charset="-120"/>
-                      </a:endParaRPr>
-                    </a:p>
-                  </a:txBody>
-                  <a:tcPr/>
-                </a:tc>
-                <a:extLst>
-                  <a:ext uri="{0D108BD9-81ED-4DB2-BD59-A6C34878D82A}">
-                    <a16:rowId xmlns:a16="http://schemas.microsoft.com/office/drawing/2014/main" val="1060919361"/>
-                  </a:ext>
-                </a:extLst>
-              </a:tr>
-              <a:tr h="910677">
-                <a:tc>
-                  <a:txBody>
-                    <a:bodyPr/>
-                    <a:lstStyle/>
-                    <a:p>
-                      <a:r>
-                        <a:rPr lang="zh-TW" altLang="en-US" dirty="0" smtClean="0">
-                          <a:latin typeface="微軟正黑體" panose="020B0604030504040204" pitchFamily="34" charset="-120"/>
-                          <a:ea typeface="微軟正黑體" panose="020B0604030504040204" pitchFamily="34" charset="-120"/>
-                        </a:rPr>
-                        <a:t>第五週</a:t>
-                      </a:r>
-                      <a:endParaRPr lang="zh-TW" altLang="en-US" dirty="0">
-                        <a:latin typeface="微軟正黑體" panose="020B0604030504040204" pitchFamily="34" charset="-120"/>
-                        <a:ea typeface="微軟正黑體" panose="020B0604030504040204" pitchFamily="34" charset="-120"/>
-                      </a:endParaRPr>
-                    </a:p>
-                  </a:txBody>
-                  <a:tcPr/>
-                </a:tc>
-                <a:tc>
-                  <a:txBody>
-                    <a:bodyPr/>
-                    <a:lstStyle/>
-                    <a:p>
-                      <a:pPr algn="dist"/>
-                      <a:r>
-                        <a:rPr lang="en-US" altLang="zh-TW" dirty="0" smtClean="0">
-                          <a:latin typeface="微軟正黑體" panose="020B0604030504040204" pitchFamily="34" charset="-120"/>
-                          <a:ea typeface="微軟正黑體" panose="020B0604030504040204" pitchFamily="34" charset="-120"/>
-                        </a:rPr>
-                        <a:t>4/25(</a:t>
-                      </a:r>
-                      <a:r>
-                        <a:rPr lang="zh-TW" altLang="en-US" dirty="0" smtClean="0">
-                          <a:latin typeface="微軟正黑體" panose="020B0604030504040204" pitchFamily="34" charset="-120"/>
-                          <a:ea typeface="微軟正黑體" panose="020B0604030504040204" pitchFamily="34" charset="-120"/>
-                        </a:rPr>
-                        <a:t>五</a:t>
-                      </a:r>
-                      <a:r>
-                        <a:rPr lang="en-US" altLang="zh-TW" dirty="0" smtClean="0">
-                          <a:latin typeface="微軟正黑體" panose="020B0604030504040204" pitchFamily="34" charset="-120"/>
-                          <a:ea typeface="微軟正黑體" panose="020B0604030504040204" pitchFamily="34" charset="-120"/>
-                        </a:rPr>
-                        <a:t>)</a:t>
-                      </a:r>
-                      <a:r>
-                        <a:rPr lang="en-US" altLang="zh-TW" baseline="0" dirty="0" smtClean="0">
-                          <a:latin typeface="微軟正黑體" panose="020B0604030504040204" pitchFamily="34" charset="-120"/>
-                          <a:ea typeface="微軟正黑體" panose="020B0604030504040204" pitchFamily="34" charset="-120"/>
-                        </a:rPr>
-                        <a:t> </a:t>
-                      </a:r>
-                      <a:r>
-                        <a:rPr lang="en-US" altLang="zh-TW" baseline="0" dirty="0" smtClean="0">
-                          <a:latin typeface="微軟正黑體" panose="020B0604030504040204" pitchFamily="34" charset="-120"/>
-                          <a:ea typeface="微軟正黑體" panose="020B0604030504040204" pitchFamily="34" charset="-120"/>
-                        </a:rPr>
-                        <a:t>– </a:t>
-                      </a:r>
-                      <a:r>
-                        <a:rPr lang="en-US" altLang="zh-TW" baseline="0" dirty="0" smtClean="0">
-                          <a:latin typeface="微軟正黑體" panose="020B0604030504040204" pitchFamily="34" charset="-120"/>
-                          <a:ea typeface="微軟正黑體" panose="020B0604030504040204" pitchFamily="34" charset="-120"/>
-                        </a:rPr>
-                        <a:t>5/1(</a:t>
-                      </a:r>
-                      <a:r>
-                        <a:rPr lang="zh-TW" altLang="en-US" baseline="0" dirty="0" smtClean="0">
-                          <a:latin typeface="微軟正黑體" panose="020B0604030504040204" pitchFamily="34" charset="-120"/>
-                          <a:ea typeface="微軟正黑體" panose="020B0604030504040204" pitchFamily="34" charset="-120"/>
-                        </a:rPr>
-                        <a:t>四</a:t>
-                      </a:r>
-                      <a:r>
-                        <a:rPr lang="en-US" altLang="zh-TW" baseline="0" dirty="0" smtClean="0">
-                          <a:latin typeface="微軟正黑體" panose="020B0604030504040204" pitchFamily="34" charset="-120"/>
-                          <a:ea typeface="微軟正黑體" panose="020B0604030504040204" pitchFamily="34" charset="-120"/>
-                        </a:rPr>
-                        <a:t>)</a:t>
-                      </a:r>
-                      <a:endParaRPr lang="zh-TW" altLang="en-US" dirty="0">
-                        <a:latin typeface="微軟正黑體" panose="020B0604030504040204" pitchFamily="34" charset="-120"/>
-                        <a:ea typeface="微軟正黑體" panose="020B0604030504040204" pitchFamily="34" charset="-120"/>
-                      </a:endParaRPr>
-                    </a:p>
-                  </a:txBody>
-                  <a:tcPr/>
-                </a:tc>
-                <a:tc>
-                  <a:txBody>
-                    <a:bodyPr/>
-                    <a:lstStyle/>
-                    <a:p>
-                      <a:pPr marL="0" marR="0" lvl="0" indent="0" algn="l" defTabSz="914400" rtl="0" eaLnBrk="1" fontAlgn="auto" latinLnBrk="0" hangingPunct="1">
-                        <a:lnSpc>
-                          <a:spcPct val="100000"/>
-                        </a:lnSpc>
-                        <a:spcBef>
-                          <a:spcPts val="0"/>
-                        </a:spcBef>
-                        <a:spcAft>
-                          <a:spcPts val="0"/>
-                        </a:spcAft>
-                        <a:buClrTx/>
-                        <a:buSzTx/>
-                        <a:buFontTx/>
-                        <a:buNone/>
-                        <a:tabLst/>
-                        <a:defRPr/>
-                      </a:pPr>
-                      <a:endParaRPr lang="zh-TW" altLang="en-US" dirty="0">
-                        <a:solidFill>
-                          <a:srgbClr val="92D050"/>
-                        </a:solidFill>
-                        <a:latin typeface="微軟正黑體" panose="020B0604030504040204" pitchFamily="34" charset="-120"/>
-                        <a:ea typeface="微軟正黑體" panose="020B0604030504040204" pitchFamily="34" charset="-120"/>
-                      </a:endParaRPr>
-                    </a:p>
-                  </a:txBody>
-                  <a:tcPr/>
-                </a:tc>
-                <a:tc>
-                  <a:txBody>
-                    <a:bodyPr/>
-                    <a:lstStyle/>
-                    <a:p>
-                      <a:endParaRPr lang="zh-TW" altLang="en-US" dirty="0">
-                        <a:latin typeface="微軟正黑體" panose="020B0604030504040204" pitchFamily="34" charset="-120"/>
-                        <a:ea typeface="微軟正黑體" panose="020B0604030504040204" pitchFamily="34" charset="-120"/>
-                      </a:endParaRPr>
-                    </a:p>
-                  </a:txBody>
-                  <a:tcPr/>
-                </a:tc>
-                <a:tc gridSpan="2">
-                  <a:txBody>
-                    <a:bodyPr/>
-                    <a:lstStyle/>
-                    <a:p>
-                      <a:r>
-                        <a:rPr lang="zh-TW" altLang="en-US" dirty="0" smtClean="0">
-                          <a:solidFill>
-                            <a:srgbClr val="00B0F0"/>
-                          </a:solidFill>
-                          <a:latin typeface="微軟正黑體" panose="020B0604030504040204" pitchFamily="34" charset="-120"/>
-                          <a:ea typeface="微軟正黑體" panose="020B0604030504040204" pitchFamily="34" charset="-120"/>
-                        </a:rPr>
-                        <a:t>作品構想書</a:t>
-                      </a:r>
-                      <a:endParaRPr lang="en-US" altLang="zh-TW" dirty="0" smtClean="0">
-                        <a:solidFill>
-                          <a:srgbClr val="00B0F0"/>
-                        </a:solidFill>
-                        <a:latin typeface="微軟正黑體" panose="020B0604030504040204" pitchFamily="34" charset="-120"/>
-                        <a:ea typeface="微軟正黑體" panose="020B0604030504040204" pitchFamily="34" charset="-120"/>
-                      </a:endParaRPr>
-                    </a:p>
-                    <a:p>
-                      <a:r>
-                        <a:rPr lang="zh-TW" altLang="en-US" dirty="0" smtClean="0">
-                          <a:solidFill>
-                            <a:srgbClr val="FFFF00"/>
-                          </a:solidFill>
-                          <a:latin typeface="微軟正黑體" panose="020B0604030504040204" pitchFamily="34" charset="-120"/>
-                          <a:ea typeface="微軟正黑體" panose="020B0604030504040204" pitchFamily="34" charset="-120"/>
-                        </a:rPr>
-                        <a:t>介紹影片劇本</a:t>
-                      </a:r>
-                      <a:endParaRPr lang="zh-TW" altLang="en-US" dirty="0">
-                        <a:solidFill>
-                          <a:srgbClr val="FFFF00"/>
-                        </a:solidFill>
-                        <a:latin typeface="微軟正黑體" panose="020B0604030504040204" pitchFamily="34" charset="-120"/>
-                        <a:ea typeface="微軟正黑體" panose="020B0604030504040204" pitchFamily="34" charset="-120"/>
-                      </a:endParaRPr>
-                    </a:p>
-                  </a:txBody>
-                  <a:tcPr/>
-                </a:tc>
-                <a:tc hMerge="1">
-                  <a:txBody>
-                    <a:bodyPr/>
-                    <a:lstStyle/>
-                    <a:p>
-                      <a:endParaRPr lang="zh-TW" altLang="en-US"/>
-                    </a:p>
-                  </a:txBody>
-                  <a:tcPr/>
-                </a:tc>
-                <a:tc>
-                  <a:txBody>
-                    <a:bodyPr/>
-                    <a:lstStyle/>
-                    <a:p>
-                      <a:pPr marL="0" marR="0" lvl="0" indent="0" algn="l" defTabSz="914400" rtl="0" eaLnBrk="1" fontAlgn="auto" latinLnBrk="0" hangingPunct="1">
-                        <a:lnSpc>
-                          <a:spcPct val="100000"/>
-                        </a:lnSpc>
-                        <a:spcBef>
-                          <a:spcPts val="0"/>
-                        </a:spcBef>
-                        <a:spcAft>
-                          <a:spcPts val="0"/>
-                        </a:spcAft>
-                        <a:buClrTx/>
-                        <a:buSzTx/>
-                        <a:buFontTx/>
-                        <a:buNone/>
-                        <a:tabLst/>
-                        <a:defRPr/>
-                      </a:pPr>
-                      <a:r>
-                        <a:rPr lang="zh-TW" altLang="en-US" dirty="0" smtClean="0">
-                          <a:solidFill>
-                            <a:srgbClr val="92D050"/>
-                          </a:solidFill>
-                          <a:latin typeface="微軟正黑體" panose="020B0604030504040204" pitchFamily="34" charset="-120"/>
-                          <a:ea typeface="微軟正黑體" panose="020B0604030504040204" pitchFamily="34" charset="-120"/>
-                        </a:rPr>
-                        <a:t>折線圖</a:t>
-                      </a:r>
-                      <a:endParaRPr lang="en-US" altLang="zh-TW" dirty="0" smtClean="0">
-                        <a:solidFill>
-                          <a:srgbClr val="92D050"/>
-                        </a:solidFill>
-                        <a:latin typeface="微軟正黑體" panose="020B0604030504040204" pitchFamily="34" charset="-120"/>
-                        <a:ea typeface="微軟正黑體" panose="020B0604030504040204" pitchFamily="34" charset="-120"/>
-                      </a:endParaRPr>
-                    </a:p>
-                    <a:p>
-                      <a:r>
-                        <a:rPr lang="zh-TW" altLang="en-US" dirty="0" smtClean="0">
-                          <a:solidFill>
-                            <a:srgbClr val="92D050"/>
-                          </a:solidFill>
-                          <a:latin typeface="微軟正黑體" panose="020B0604030504040204" pitchFamily="34" charset="-120"/>
-                          <a:ea typeface="微軟正黑體" panose="020B0604030504040204" pitchFamily="34" charset="-120"/>
-                        </a:rPr>
-                        <a:t>腦部影像顯示</a:t>
-                      </a:r>
-                      <a:endParaRPr lang="en-US" altLang="zh-TW" dirty="0" smtClean="0">
-                        <a:solidFill>
-                          <a:srgbClr val="92D050"/>
-                        </a:solidFill>
-                        <a:latin typeface="微軟正黑體" panose="020B0604030504040204" pitchFamily="34" charset="-120"/>
-                        <a:ea typeface="微軟正黑體" panose="020B0604030504040204" pitchFamily="34" charset="-120"/>
-                      </a:endParaRPr>
-                    </a:p>
-                    <a:p>
-                      <a:r>
-                        <a:rPr lang="zh-TW" altLang="en-US" dirty="0" smtClean="0">
-                          <a:solidFill>
-                            <a:srgbClr val="92D050"/>
-                          </a:solidFill>
-                          <a:latin typeface="微軟正黑體" panose="020B0604030504040204" pitchFamily="34" charset="-120"/>
-                          <a:ea typeface="微軟正黑體" panose="020B0604030504040204" pitchFamily="34" charset="-120"/>
-                        </a:rPr>
-                        <a:t>風險程度圖</a:t>
-                      </a:r>
-                      <a:endParaRPr lang="en-US" altLang="zh-TW" dirty="0" smtClean="0">
-                        <a:solidFill>
-                          <a:srgbClr val="92D050"/>
-                        </a:solidFill>
-                        <a:latin typeface="微軟正黑體" panose="020B0604030504040204" pitchFamily="34" charset="-120"/>
-                        <a:ea typeface="微軟正黑體" panose="020B0604030504040204" pitchFamily="34" charset="-120"/>
-                      </a:endParaRPr>
-                    </a:p>
-                  </a:txBody>
-                  <a:tcPr/>
-                </a:tc>
-                <a:extLst>
-                  <a:ext uri="{0D108BD9-81ED-4DB2-BD59-A6C34878D82A}">
-                    <a16:rowId xmlns:a16="http://schemas.microsoft.com/office/drawing/2014/main" val="469665345"/>
-                  </a:ext>
-                </a:extLst>
-              </a:tr>
-              <a:tr h="364271">
-                <a:tc>
-                  <a:txBody>
-                    <a:bodyPr/>
-                    <a:lstStyle/>
-                    <a:p>
-                      <a:r>
-                        <a:rPr lang="zh-TW" altLang="en-US" dirty="0" smtClean="0">
-                          <a:latin typeface="微軟正黑體" panose="020B0604030504040204" pitchFamily="34" charset="-120"/>
-                          <a:ea typeface="微軟正黑體" panose="020B0604030504040204" pitchFamily="34" charset="-120"/>
-                        </a:rPr>
-                        <a:t>第六週</a:t>
-                      </a:r>
-                      <a:endParaRPr lang="zh-TW" altLang="en-US" dirty="0">
-                        <a:latin typeface="微軟正黑體" panose="020B0604030504040204" pitchFamily="34" charset="-120"/>
-                        <a:ea typeface="微軟正黑體" panose="020B0604030504040204" pitchFamily="34" charset="-120"/>
-                      </a:endParaRPr>
-                    </a:p>
-                  </a:txBody>
-                  <a:tcPr/>
-                </a:tc>
-                <a:tc>
-                  <a:txBody>
-                    <a:bodyPr/>
-                    <a:lstStyle/>
-                    <a:p>
-                      <a:pPr algn="dist"/>
-                      <a:r>
-                        <a:rPr lang="en-US" altLang="zh-TW" dirty="0" smtClean="0">
-                          <a:latin typeface="微軟正黑體" panose="020B0604030504040204" pitchFamily="34" charset="-120"/>
-                          <a:ea typeface="微軟正黑體" panose="020B0604030504040204" pitchFamily="34" charset="-120"/>
-                        </a:rPr>
-                        <a:t>5/2(</a:t>
-                      </a:r>
-                      <a:r>
-                        <a:rPr lang="zh-TW" altLang="en-US" dirty="0" smtClean="0">
-                          <a:latin typeface="微軟正黑體" panose="020B0604030504040204" pitchFamily="34" charset="-120"/>
-                          <a:ea typeface="微軟正黑體" panose="020B0604030504040204" pitchFamily="34" charset="-120"/>
-                        </a:rPr>
-                        <a:t>五</a:t>
-                      </a:r>
-                      <a:r>
-                        <a:rPr lang="en-US" altLang="zh-TW" dirty="0" smtClean="0">
-                          <a:latin typeface="微軟正黑體" panose="020B0604030504040204" pitchFamily="34" charset="-120"/>
-                          <a:ea typeface="微軟正黑體" panose="020B0604030504040204" pitchFamily="34" charset="-120"/>
-                        </a:rPr>
-                        <a:t>)</a:t>
-                      </a:r>
-                      <a:r>
-                        <a:rPr lang="en-US" altLang="zh-TW" baseline="0" dirty="0" smtClean="0">
-                          <a:latin typeface="微軟正黑體" panose="020B0604030504040204" pitchFamily="34" charset="-120"/>
-                          <a:ea typeface="微軟正黑體" panose="020B0604030504040204" pitchFamily="34" charset="-120"/>
-                        </a:rPr>
-                        <a:t> </a:t>
-                      </a:r>
-                      <a:r>
-                        <a:rPr lang="en-US" altLang="zh-TW" baseline="0" dirty="0" smtClean="0">
-                          <a:latin typeface="微軟正黑體" panose="020B0604030504040204" pitchFamily="34" charset="-120"/>
-                          <a:ea typeface="微軟正黑體" panose="020B0604030504040204" pitchFamily="34" charset="-120"/>
-                        </a:rPr>
-                        <a:t>– </a:t>
-                      </a:r>
-                      <a:r>
-                        <a:rPr lang="en-US" altLang="zh-TW" baseline="0" dirty="0" smtClean="0">
-                          <a:latin typeface="微軟正黑體" panose="020B0604030504040204" pitchFamily="34" charset="-120"/>
-                          <a:ea typeface="微軟正黑體" panose="020B0604030504040204" pitchFamily="34" charset="-120"/>
-                        </a:rPr>
-                        <a:t>5/8(</a:t>
-                      </a:r>
-                      <a:r>
-                        <a:rPr lang="zh-TW" altLang="en-US" baseline="0" dirty="0" smtClean="0">
-                          <a:latin typeface="微軟正黑體" panose="020B0604030504040204" pitchFamily="34" charset="-120"/>
-                          <a:ea typeface="微軟正黑體" panose="020B0604030504040204" pitchFamily="34" charset="-120"/>
-                        </a:rPr>
-                        <a:t>四</a:t>
-                      </a:r>
-                      <a:r>
-                        <a:rPr lang="en-US" altLang="zh-TW" baseline="0" dirty="0" smtClean="0">
-                          <a:latin typeface="微軟正黑體" panose="020B0604030504040204" pitchFamily="34" charset="-120"/>
-                          <a:ea typeface="微軟正黑體" panose="020B0604030504040204" pitchFamily="34" charset="-120"/>
-                        </a:rPr>
-                        <a:t>)</a:t>
-                      </a:r>
-                      <a:endParaRPr lang="zh-TW" altLang="en-US" dirty="0">
-                        <a:latin typeface="微軟正黑體" panose="020B0604030504040204" pitchFamily="34" charset="-120"/>
-                        <a:ea typeface="微軟正黑體" panose="020B0604030504040204" pitchFamily="34" charset="-120"/>
-                      </a:endParaRPr>
-                    </a:p>
-                  </a:txBody>
-                  <a:tcPr/>
-                </a:tc>
-                <a:tc>
-                  <a:txBody>
-                    <a:bodyPr/>
-                    <a:lstStyle/>
-                    <a:p>
-                      <a:endParaRPr lang="zh-TW" altLang="en-US" dirty="0">
-                        <a:latin typeface="微軟正黑體" panose="020B0604030504040204" pitchFamily="34" charset="-120"/>
-                        <a:ea typeface="微軟正黑體" panose="020B0604030504040204" pitchFamily="34" charset="-120"/>
-                      </a:endParaRPr>
-                    </a:p>
-                  </a:txBody>
-                  <a:tcPr/>
-                </a:tc>
-                <a:tc>
-                  <a:txBody>
-                    <a:bodyPr/>
-                    <a:lstStyle/>
-                    <a:p>
-                      <a:endParaRPr lang="zh-TW" altLang="en-US" dirty="0">
-                        <a:latin typeface="微軟正黑體" panose="020B0604030504040204" pitchFamily="34" charset="-120"/>
-                        <a:ea typeface="微軟正黑體" panose="020B0604030504040204" pitchFamily="34" charset="-120"/>
-                      </a:endParaRPr>
-                    </a:p>
-                  </a:txBody>
-                  <a:tcPr/>
-                </a:tc>
-                <a:tc gridSpan="2">
-                  <a:txBody>
-                    <a:bodyPr/>
-                    <a:lstStyle/>
-                    <a:p>
-                      <a:r>
-                        <a:rPr lang="zh-TW" altLang="en-US" dirty="0" smtClean="0">
-                          <a:latin typeface="微軟正黑體" panose="020B0604030504040204" pitchFamily="34" charset="-120"/>
-                          <a:ea typeface="微軟正黑體" panose="020B0604030504040204" pitchFamily="34" charset="-120"/>
-                        </a:rPr>
-                        <a:t>介紹影片</a:t>
-                      </a:r>
-                      <a:r>
-                        <a:rPr lang="en-US" altLang="zh-TW" dirty="0" smtClean="0">
-                          <a:latin typeface="微軟正黑體" panose="020B0604030504040204" pitchFamily="34" charset="-120"/>
-                          <a:ea typeface="微軟正黑體" panose="020B0604030504040204" pitchFamily="34" charset="-120"/>
-                        </a:rPr>
-                        <a:t>(3min)</a:t>
-                      </a:r>
-                      <a:endParaRPr lang="zh-TW" altLang="en-US" dirty="0">
-                        <a:latin typeface="微軟正黑體" panose="020B0604030504040204" pitchFamily="34" charset="-120"/>
-                        <a:ea typeface="微軟正黑體" panose="020B0604030504040204" pitchFamily="34" charset="-120"/>
-                      </a:endParaRPr>
-                    </a:p>
-                  </a:txBody>
-                  <a:tcPr/>
-                </a:tc>
-                <a:tc hMerge="1">
-                  <a:txBody>
-                    <a:bodyPr/>
-                    <a:lstStyle/>
-                    <a:p>
-                      <a:endParaRPr lang="zh-TW" altLang="en-US"/>
-                    </a:p>
-                  </a:txBody>
-                  <a:tcPr/>
-                </a:tc>
-                <a:tc>
-                  <a:txBody>
-                    <a:bodyPr/>
-                    <a:lstStyle/>
-                    <a:p>
-                      <a:endParaRPr lang="zh-TW" altLang="en-US" dirty="0">
-                        <a:latin typeface="微軟正黑體" panose="020B0604030504040204" pitchFamily="34" charset="-120"/>
-                        <a:ea typeface="微軟正黑體" panose="020B0604030504040204" pitchFamily="34" charset="-120"/>
-                      </a:endParaRPr>
-                    </a:p>
-                  </a:txBody>
-                  <a:tcPr/>
-                </a:tc>
-                <a:extLst>
-                  <a:ext uri="{0D108BD9-81ED-4DB2-BD59-A6C34878D82A}">
-                    <a16:rowId xmlns:a16="http://schemas.microsoft.com/office/drawing/2014/main" val="2952036767"/>
-                  </a:ext>
-                </a:extLst>
-              </a:tr>
-              <a:tr h="364271">
-                <a:tc>
-                  <a:txBody>
-                    <a:bodyPr/>
-                    <a:lstStyle/>
-                    <a:p>
-                      <a:endParaRPr lang="zh-TW" altLang="en-US" dirty="0">
-                        <a:latin typeface="微軟正黑體" panose="020B0604030504040204" pitchFamily="34" charset="-120"/>
-                        <a:ea typeface="微軟正黑體" panose="020B0604030504040204" pitchFamily="34" charset="-120"/>
-                      </a:endParaRPr>
-                    </a:p>
-                  </a:txBody>
-                  <a:tcPr/>
-                </a:tc>
-                <a:tc>
-                  <a:txBody>
-                    <a:bodyPr/>
-                    <a:lstStyle/>
-                    <a:p>
-                      <a:pPr algn="dist"/>
-                      <a:r>
-                        <a:rPr lang="en-US" altLang="zh-TW" dirty="0" smtClean="0">
-                          <a:latin typeface="微軟正黑體" panose="020B0604030504040204" pitchFamily="34" charset="-120"/>
-                          <a:ea typeface="微軟正黑體" panose="020B0604030504040204" pitchFamily="34" charset="-120"/>
-                        </a:rPr>
-                        <a:t>5/9(</a:t>
-                      </a:r>
-                      <a:r>
-                        <a:rPr lang="zh-TW" altLang="en-US" dirty="0" smtClean="0">
-                          <a:latin typeface="微軟正黑體" panose="020B0604030504040204" pitchFamily="34" charset="-120"/>
-                          <a:ea typeface="微軟正黑體" panose="020B0604030504040204" pitchFamily="34" charset="-120"/>
-                        </a:rPr>
-                        <a:t>五</a:t>
-                      </a:r>
-                      <a:r>
-                        <a:rPr lang="en-US" altLang="zh-TW" dirty="0" smtClean="0">
-                          <a:latin typeface="微軟正黑體" panose="020B0604030504040204" pitchFamily="34" charset="-120"/>
-                          <a:ea typeface="微軟正黑體" panose="020B0604030504040204" pitchFamily="34" charset="-120"/>
-                        </a:rPr>
-                        <a:t>) </a:t>
-                      </a:r>
-                      <a:r>
-                        <a:rPr lang="en-US" altLang="zh-TW" dirty="0" smtClean="0">
-                          <a:latin typeface="微軟正黑體" panose="020B0604030504040204" pitchFamily="34" charset="-120"/>
-                          <a:ea typeface="微軟正黑體" panose="020B0604030504040204" pitchFamily="34" charset="-120"/>
-                        </a:rPr>
-                        <a:t>– </a:t>
-                      </a:r>
-                      <a:r>
-                        <a:rPr lang="en-US" altLang="zh-TW" dirty="0" smtClean="0">
-                          <a:latin typeface="微軟正黑體" panose="020B0604030504040204" pitchFamily="34" charset="-120"/>
-                          <a:ea typeface="微軟正黑體" panose="020B0604030504040204" pitchFamily="34" charset="-120"/>
-                        </a:rPr>
-                        <a:t>5/12(</a:t>
-                      </a:r>
-                      <a:r>
-                        <a:rPr lang="zh-TW" altLang="en-US" dirty="0" smtClean="0">
-                          <a:latin typeface="微軟正黑體" panose="020B0604030504040204" pitchFamily="34" charset="-120"/>
-                          <a:ea typeface="微軟正黑體" panose="020B0604030504040204" pitchFamily="34" charset="-120"/>
-                        </a:rPr>
-                        <a:t>一</a:t>
-                      </a:r>
-                      <a:r>
-                        <a:rPr lang="en-US" altLang="zh-TW" dirty="0" smtClean="0">
-                          <a:latin typeface="微軟正黑體" panose="020B0604030504040204" pitchFamily="34" charset="-120"/>
-                          <a:ea typeface="微軟正黑體" panose="020B0604030504040204" pitchFamily="34" charset="-120"/>
-                        </a:rPr>
-                        <a:t>)</a:t>
-                      </a:r>
-                      <a:endParaRPr lang="zh-TW" altLang="en-US" dirty="0">
-                        <a:latin typeface="微軟正黑體" panose="020B0604030504040204" pitchFamily="34" charset="-120"/>
-                        <a:ea typeface="微軟正黑體" panose="020B0604030504040204" pitchFamily="34" charset="-120"/>
-                      </a:endParaRPr>
-                    </a:p>
-                  </a:txBody>
-                  <a:tcPr/>
-                </a:tc>
-                <a:tc gridSpan="5">
-                  <a:txBody>
-                    <a:bodyPr/>
-                    <a:lstStyle/>
-                    <a:p>
-                      <a:pPr algn="ctr"/>
-                      <a:r>
-                        <a:rPr lang="en-US" altLang="zh-TW" dirty="0" smtClean="0">
-                          <a:latin typeface="微軟正黑體" panose="020B0604030504040204" pitchFamily="34" charset="-120"/>
-                          <a:ea typeface="微軟正黑體" panose="020B0604030504040204" pitchFamily="34" charset="-120"/>
-                        </a:rPr>
-                        <a:t>5/12(</a:t>
-                      </a:r>
-                      <a:r>
-                        <a:rPr lang="zh-TW" altLang="en-US" dirty="0" smtClean="0">
-                          <a:latin typeface="微軟正黑體" panose="020B0604030504040204" pitchFamily="34" charset="-120"/>
-                          <a:ea typeface="微軟正黑體" panose="020B0604030504040204" pitchFamily="34" charset="-120"/>
-                        </a:rPr>
-                        <a:t>一</a:t>
-                      </a:r>
-                      <a:r>
-                        <a:rPr lang="en-US" altLang="zh-TW" dirty="0" smtClean="0">
-                          <a:latin typeface="微軟正黑體" panose="020B0604030504040204" pitchFamily="34" charset="-120"/>
-                          <a:ea typeface="微軟正黑體" panose="020B0604030504040204" pitchFamily="34" charset="-120"/>
-                        </a:rPr>
-                        <a:t>)</a:t>
-                      </a:r>
-                      <a:r>
-                        <a:rPr lang="zh-TW" altLang="en-US" dirty="0" smtClean="0">
-                          <a:latin typeface="微軟正黑體" panose="020B0604030504040204" pitchFamily="34" charset="-120"/>
-                          <a:ea typeface="微軟正黑體" panose="020B0604030504040204" pitchFamily="34" charset="-120"/>
-                        </a:rPr>
-                        <a:t>報名</a:t>
-                      </a:r>
-                      <a:r>
-                        <a:rPr lang="zh-TW" altLang="en-US" dirty="0" smtClean="0">
-                          <a:latin typeface="微軟正黑體" panose="020B0604030504040204" pitchFamily="34" charset="-120"/>
-                          <a:ea typeface="微軟正黑體" panose="020B0604030504040204" pitchFamily="34" charset="-120"/>
-                        </a:rPr>
-                        <a:t>截止</a:t>
-                      </a:r>
-                      <a:endParaRPr lang="zh-TW" altLang="en-US" dirty="0">
-                        <a:latin typeface="微軟正黑體" panose="020B0604030504040204" pitchFamily="34" charset="-120"/>
-                        <a:ea typeface="微軟正黑體" panose="020B0604030504040204" pitchFamily="34" charset="-120"/>
-                      </a:endParaRPr>
-                    </a:p>
-                  </a:txBody>
-                  <a:tcPr/>
-                </a:tc>
-                <a:tc hMerge="1">
-                  <a:txBody>
-                    <a:bodyPr/>
-                    <a:lstStyle/>
-                    <a:p>
-                      <a:endParaRPr lang="zh-TW" altLang="en-US" dirty="0">
-                        <a:latin typeface="微軟正黑體" panose="020B0604030504040204" pitchFamily="34" charset="-120"/>
-                        <a:ea typeface="微軟正黑體" panose="020B0604030504040204" pitchFamily="34" charset="-120"/>
-                      </a:endParaRPr>
-                    </a:p>
-                  </a:txBody>
-                  <a:tcPr/>
-                </a:tc>
-                <a:tc hMerge="1">
-                  <a:txBody>
-                    <a:bodyPr/>
-                    <a:lstStyle/>
-                    <a:p>
-                      <a:endParaRPr lang="zh-TW" altLang="en-US" dirty="0">
-                        <a:latin typeface="微軟正黑體" panose="020B0604030504040204" pitchFamily="34" charset="-120"/>
-                        <a:ea typeface="微軟正黑體" panose="020B0604030504040204" pitchFamily="34" charset="-120"/>
-                      </a:endParaRPr>
-                    </a:p>
-                  </a:txBody>
-                  <a:tcPr/>
-                </a:tc>
-                <a:tc hMerge="1">
-                  <a:txBody>
-                    <a:bodyPr/>
-                    <a:lstStyle/>
-                    <a:p>
-                      <a:endParaRPr lang="zh-TW" altLang="en-US"/>
-                    </a:p>
-                  </a:txBody>
-                  <a:tcPr/>
-                </a:tc>
-                <a:tc hMerge="1">
-                  <a:txBody>
-                    <a:bodyPr/>
-                    <a:lstStyle/>
-                    <a:p>
-                      <a:endParaRPr lang="zh-TW" altLang="en-US" dirty="0">
-                        <a:latin typeface="微軟正黑體" panose="020B0604030504040204" pitchFamily="34" charset="-120"/>
-                        <a:ea typeface="微軟正黑體" panose="020B0604030504040204" pitchFamily="34" charset="-120"/>
-                      </a:endParaRPr>
-                    </a:p>
-                  </a:txBody>
-                  <a:tcPr/>
-                </a:tc>
-                <a:extLst>
-                  <a:ext uri="{0D108BD9-81ED-4DB2-BD59-A6C34878D82A}">
-                    <a16:rowId xmlns:a16="http://schemas.microsoft.com/office/drawing/2014/main" val="693209630"/>
-                  </a:ext>
-                </a:extLst>
-              </a:tr>
-            </a:tbl>
-          </a:graphicData>
-        </a:graphic>
-      </p:graphicFrame>
-      <p:sp>
-        <p:nvSpPr>
-          <p:cNvPr id="6" name="文字方塊 5"/>
-          <p:cNvSpPr txBox="1"/>
-          <p:nvPr/>
-        </p:nvSpPr>
-        <p:spPr>
-          <a:xfrm>
-            <a:off x="95518" y="2118122"/>
-            <a:ext cx="461665" cy="2631490"/>
-          </a:xfrm>
-          <a:prstGeom prst="rect">
-            <a:avLst/>
-          </a:prstGeom>
-          <a:noFill/>
-        </p:spPr>
-        <p:txBody>
-          <a:bodyPr vert="eaVert" wrap="none" rtlCol="0">
-            <a:spAutoFit/>
-          </a:bodyPr>
+        </p:nvSpPr>
+        <p:spPr/>
+        <p:txBody>
+          <a:bodyPr/>
           <a:lstStyle/>
           <a:p>
             <a:r>
-              <a:rPr lang="zh-TW" altLang="en-US" dirty="0" smtClean="0">
-                <a:solidFill>
-                  <a:srgbClr val="92D050"/>
-                </a:solidFill>
-                <a:latin typeface="微軟正黑體" panose="020B0604030504040204" pitchFamily="34" charset="-120"/>
-                <a:ea typeface="微軟正黑體" panose="020B0604030504040204" pitchFamily="34" charset="-120"/>
-              </a:rPr>
-              <a:t>顏少于</a:t>
-            </a:r>
-            <a:r>
-              <a:rPr lang="zh-TW" altLang="en-US" dirty="0" smtClean="0">
-                <a:latin typeface="微軟正黑體" panose="020B0604030504040204" pitchFamily="34" charset="-120"/>
-                <a:ea typeface="微軟正黑體" panose="020B0604030504040204" pitchFamily="34" charset="-120"/>
-              </a:rPr>
-              <a:t>、</a:t>
-            </a:r>
-            <a:r>
-              <a:rPr lang="zh-TW" altLang="en-US" dirty="0" smtClean="0">
-                <a:solidFill>
-                  <a:srgbClr val="00B0F0"/>
-                </a:solidFill>
-                <a:latin typeface="微軟正黑體" panose="020B0604030504040204" pitchFamily="34" charset="-120"/>
-                <a:ea typeface="微軟正黑體" panose="020B0604030504040204" pitchFamily="34" charset="-120"/>
-              </a:rPr>
-              <a:t>王冠智</a:t>
-            </a:r>
-            <a:r>
-              <a:rPr lang="zh-TW" altLang="en-US" dirty="0" smtClean="0">
-                <a:latin typeface="微軟正黑體" panose="020B0604030504040204" pitchFamily="34" charset="-120"/>
-                <a:ea typeface="微軟正黑體" panose="020B0604030504040204" pitchFamily="34" charset="-120"/>
-              </a:rPr>
-              <a:t>、</a:t>
-            </a:r>
-            <a:r>
-              <a:rPr lang="zh-TW" altLang="en-US" dirty="0" smtClean="0">
-                <a:solidFill>
-                  <a:srgbClr val="FFFF00"/>
-                </a:solidFill>
-                <a:latin typeface="微軟正黑體" panose="020B0604030504040204" pitchFamily="34" charset="-120"/>
-                <a:ea typeface="微軟正黑體" panose="020B0604030504040204" pitchFamily="34" charset="-120"/>
-              </a:rPr>
-              <a:t>徐睿淳</a:t>
-            </a:r>
-            <a:endParaRPr lang="zh-TW" altLang="en-US" dirty="0">
-              <a:solidFill>
-                <a:srgbClr val="FFFF00"/>
-              </a:solidFill>
-              <a:latin typeface="微軟正黑體" panose="020B0604030504040204" pitchFamily="34" charset="-120"/>
-              <a:ea typeface="微軟正黑體" panose="020B0604030504040204" pitchFamily="34" charset="-120"/>
-            </a:endParaRPr>
+              <a:rPr lang="zh-TW" altLang="en-US" dirty="0" smtClean="0"/>
+              <a:t>下次開會 </a:t>
+            </a:r>
+            <a:r>
+              <a:rPr lang="en-US" altLang="zh-TW" dirty="0" smtClean="0"/>
+              <a:t>3/21</a:t>
+            </a:r>
+            <a:endParaRPr lang="zh-TW" altLang="en-US" dirty="0"/>
+          </a:p>
+        </p:txBody>
+      </p:sp>
+      <p:sp>
+        <p:nvSpPr>
+          <p:cNvPr id="3" name="內容版面配置區 2"/>
+          <p:cNvSpPr>
+            <a:spLocks noGrp="1"/>
+          </p:cNvSpPr>
+          <p:nvPr>
+            <p:ph idx="1"/>
+          </p:nvPr>
+        </p:nvSpPr>
+        <p:spPr/>
+        <p:txBody>
+          <a:bodyPr/>
+          <a:lstStyle/>
+          <a:p>
+            <a:r>
+              <a:rPr lang="zh-TW" altLang="en-US" dirty="0" smtClean="0"/>
+              <a:t>顏：切板完成、頁面串接完成</a:t>
+            </a:r>
+            <a:endParaRPr lang="en-US" altLang="zh-TW" dirty="0" smtClean="0"/>
+          </a:p>
+          <a:p>
+            <a:r>
+              <a:rPr lang="zh-TW" altLang="en-US" dirty="0" smtClean="0"/>
+              <a:t>徐：學習</a:t>
+            </a:r>
+            <a:r>
+              <a:rPr lang="en-US" altLang="zh-TW" dirty="0" err="1" smtClean="0"/>
+              <a:t>FastAPI</a:t>
+            </a:r>
+            <a:r>
+              <a:rPr lang="zh-TW" altLang="en-US" dirty="0" smtClean="0"/>
+              <a:t>、圖片傳遞研究</a:t>
+            </a:r>
+            <a:endParaRPr lang="en-US" altLang="zh-TW" dirty="0" smtClean="0"/>
+          </a:p>
+          <a:p>
+            <a:r>
+              <a:rPr lang="zh-TW" altLang="en-US" dirty="0" smtClean="0"/>
+              <a:t>王：圖片相關以外所有</a:t>
+            </a:r>
+            <a:r>
+              <a:rPr lang="en-US" altLang="zh-TW" dirty="0" smtClean="0"/>
+              <a:t>API</a:t>
+            </a:r>
+          </a:p>
+          <a:p>
+            <a:endParaRPr lang="en-US" altLang="zh-TW" dirty="0"/>
+          </a:p>
+          <a:p>
+            <a:r>
+              <a:rPr lang="zh-TW" altLang="en-US" dirty="0" smtClean="0"/>
+              <a:t>會議內容：進度回報</a:t>
+            </a:r>
+            <a:endParaRPr lang="zh-TW" altLang="en-US" dirty="0"/>
           </a:p>
         </p:txBody>
       </p:sp>
     </p:spTree>
     <p:extLst>
       <p:ext uri="{BB962C8B-B14F-4D97-AF65-F5344CB8AC3E}">
-        <p14:creationId xmlns:p14="http://schemas.microsoft.com/office/powerpoint/2010/main" val="2286591281"/>
+        <p14:creationId xmlns:p14="http://schemas.microsoft.com/office/powerpoint/2010/main" val="2274690603"/>
       </p:ext>
     </p:extLst>
   </p:cSld>

--- a/會議記錄/會議記錄.pptx
+++ b/會議記錄/會議記錄.pptx
@@ -3520,7 +3520,7 @@
         </p:spPr>
         <p:txBody>
           <a:bodyPr>
-            <a:normAutofit lnSpcReduction="10000"/>
+            <a:normAutofit/>
           </a:bodyPr>
           <a:lstStyle/>
           <a:p>
@@ -3605,39 +3605,7 @@
             </a:r>
             <a:r>
               <a:rPr lang="zh-TW" altLang="en-US" dirty="0" smtClean="0"/>
-              <a:t>類別</a:t>
-            </a:r>
-            <a:endParaRPr lang="en-US" altLang="zh-TW" dirty="0" smtClean="0"/>
-          </a:p>
-          <a:p>
-            <a:endParaRPr lang="en-US" altLang="zh-TW" dirty="0" smtClean="0"/>
-          </a:p>
-          <a:p>
-            <a:r>
-              <a:rPr lang="en-US" altLang="zh-TW" dirty="0" smtClean="0"/>
-              <a:t>API</a:t>
-            </a:r>
-            <a:r>
-              <a:rPr lang="zh-TW" altLang="en-US" dirty="0" smtClean="0"/>
-              <a:t>待完成：</a:t>
-            </a:r>
-            <a:endParaRPr lang="en-US" altLang="zh-TW" dirty="0" smtClean="0"/>
-          </a:p>
-          <a:p>
-            <a:r>
-              <a:rPr lang="zh-TW" altLang="en-US" dirty="0" smtClean="0"/>
-              <a:t>醫生成員數量增減</a:t>
-            </a:r>
-            <a:endParaRPr lang="en-US" altLang="zh-TW" dirty="0" smtClean="0"/>
-          </a:p>
-          <a:p>
-            <a:r>
-              <a:rPr lang="zh-TW" altLang="en-US" dirty="0" smtClean="0"/>
-              <a:t>登出</a:t>
-            </a:r>
-            <a:r>
-              <a:rPr lang="en-US" altLang="zh-TW" dirty="0" err="1" smtClean="0"/>
-              <a:t>signout</a:t>
+              <a:t>類別、與老師開會內容、專題本問題</a:t>
             </a:r>
             <a:endParaRPr lang="en-US" altLang="zh-TW" dirty="0" smtClean="0"/>
           </a:p>
@@ -3658,6 +3626,57 @@
               <a:t>、圖片存在後端本地</a:t>
             </a:r>
             <a:endParaRPr lang="zh-TW" altLang="en-US" dirty="0"/>
+          </a:p>
+        </p:txBody>
+      </p:sp>
+      <p:sp>
+        <p:nvSpPr>
+          <p:cNvPr id="4" name="矩形 3"/>
+          <p:cNvSpPr/>
+          <p:nvPr/>
+        </p:nvSpPr>
+        <p:spPr>
+          <a:xfrm>
+            <a:off x="7315200" y="1300898"/>
+            <a:ext cx="6096000" cy="923330"/>
+          </a:xfrm>
+          <a:prstGeom prst="rect">
+            <a:avLst/>
+          </a:prstGeom>
+        </p:spPr>
+        <p:txBody>
+          <a:bodyPr>
+            <a:spAutoFit/>
+          </a:bodyPr>
+          <a:lstStyle/>
+          <a:p>
+            <a:r>
+              <a:rPr lang="en-US" altLang="zh-TW" dirty="0"/>
+              <a:t>API</a:t>
+            </a:r>
+            <a:r>
+              <a:rPr lang="zh-TW" altLang="en-US" dirty="0"/>
+              <a:t>待完成：</a:t>
+            </a:r>
+            <a:endParaRPr lang="en-US" altLang="zh-TW" dirty="0"/>
+          </a:p>
+          <a:p>
+            <a:r>
+              <a:rPr lang="zh-TW" altLang="en-US" dirty="0"/>
+              <a:t>醫生成員數量增減</a:t>
+            </a:r>
+            <a:endParaRPr lang="en-US" altLang="zh-TW" dirty="0"/>
+          </a:p>
+          <a:p>
+            <a:r>
+              <a:rPr lang="zh-TW" altLang="en-US" dirty="0"/>
+              <a:t>登出</a:t>
+            </a:r>
+            <a:r>
+              <a:rPr lang="en-US" altLang="zh-TW" dirty="0" err="1"/>
+              <a:t>signout</a:t>
+            </a:r>
+            <a:endParaRPr lang="en-US" altLang="zh-TW" dirty="0"/>
           </a:p>
         </p:txBody>
       </p:sp>
@@ -3706,6 +3725,10 @@
           <a:bodyPr/>
           <a:lstStyle/>
           <a:p>
+            <a:r>
+              <a:rPr lang="zh-TW" altLang="en-US" dirty="0" smtClean="0"/>
+              <a:t>跟指導老師開會內容</a:t>
+            </a:r>
             <a:endParaRPr lang="zh-TW" altLang="en-US" dirty="0"/>
           </a:p>
         </p:txBody>
@@ -3725,7 +3748,236 @@
           <a:bodyPr/>
           <a:lstStyle/>
           <a:p>
-            <a:endParaRPr lang="zh-TW" altLang="en-US"/>
+            <a:r>
+              <a:rPr lang="zh-TW" altLang="en-US" dirty="0">
+                <a:solidFill>
+                  <a:schemeClr val="tx1">
+                    <a:lumMod val="50000"/>
+                  </a:schemeClr>
+                </a:solidFill>
+              </a:rPr>
+              <a:t>產品</a:t>
+            </a:r>
+            <a:r>
+              <a:rPr lang="zh-TW" altLang="en-US" dirty="0" smtClean="0">
+                <a:solidFill>
+                  <a:schemeClr val="tx1">
+                    <a:lumMod val="50000"/>
+                  </a:schemeClr>
+                </a:solidFill>
+              </a:rPr>
+              <a:t>介紹 </a:t>
+            </a:r>
+            <a:r>
+              <a:rPr lang="en-US" altLang="zh-TW" dirty="0" smtClean="0">
+                <a:solidFill>
+                  <a:schemeClr val="tx1">
+                    <a:lumMod val="50000"/>
+                  </a:schemeClr>
+                </a:solidFill>
+              </a:rPr>
+              <a:t>(</a:t>
+            </a:r>
+            <a:r>
+              <a:rPr lang="zh-TW" altLang="en-US" dirty="0" smtClean="0">
+                <a:solidFill>
+                  <a:schemeClr val="tx1">
+                    <a:lumMod val="50000"/>
+                  </a:schemeClr>
+                </a:solidFill>
+              </a:rPr>
+              <a:t>三頁</a:t>
+            </a:r>
+            <a:r>
+              <a:rPr lang="en-US" altLang="zh-TW" dirty="0" smtClean="0">
+                <a:solidFill>
+                  <a:schemeClr val="tx1">
+                    <a:lumMod val="50000"/>
+                  </a:schemeClr>
+                </a:solidFill>
+              </a:rPr>
+              <a:t>)</a:t>
+            </a:r>
+          </a:p>
+          <a:p>
+            <a:r>
+              <a:rPr lang="zh-TW" altLang="en-US" dirty="0" smtClean="0">
+                <a:solidFill>
+                  <a:schemeClr val="tx1">
+                    <a:lumMod val="50000"/>
+                  </a:schemeClr>
+                </a:solidFill>
+              </a:rPr>
+              <a:t>前端介面</a:t>
+            </a:r>
+            <a:endParaRPr lang="en-US" altLang="zh-TW" dirty="0" smtClean="0">
+              <a:solidFill>
+                <a:schemeClr val="tx1">
+                  <a:lumMod val="50000"/>
+                </a:schemeClr>
+              </a:solidFill>
+            </a:endParaRPr>
+          </a:p>
+          <a:p>
+            <a:r>
+              <a:rPr lang="zh-TW" altLang="en-US" dirty="0">
+                <a:solidFill>
+                  <a:schemeClr val="tx1">
+                    <a:lumMod val="50000"/>
+                  </a:schemeClr>
+                </a:solidFill>
+              </a:rPr>
+              <a:t>目前</a:t>
+            </a:r>
+            <a:r>
+              <a:rPr lang="zh-TW" altLang="en-US" dirty="0" smtClean="0">
+                <a:solidFill>
+                  <a:schemeClr val="tx1">
+                    <a:lumMod val="50000"/>
+                  </a:schemeClr>
+                </a:solidFill>
+              </a:rPr>
+              <a:t>進度</a:t>
+            </a:r>
+            <a:r>
+              <a:rPr lang="en-US" altLang="zh-TW" dirty="0" smtClean="0">
+                <a:solidFill>
+                  <a:schemeClr val="tx1">
+                    <a:lumMod val="50000"/>
+                  </a:schemeClr>
+                </a:solidFill>
+              </a:rPr>
+              <a:t>(</a:t>
+            </a:r>
+            <a:r>
+              <a:rPr lang="zh-TW" altLang="en-US" dirty="0" smtClean="0">
+                <a:solidFill>
+                  <a:schemeClr val="tx1">
+                    <a:lumMod val="50000"/>
+                  </a:schemeClr>
+                </a:solidFill>
+              </a:rPr>
+              <a:t>進度規劃表</a:t>
+            </a:r>
+            <a:r>
+              <a:rPr lang="en-US" altLang="zh-TW" dirty="0" smtClean="0">
+                <a:solidFill>
+                  <a:schemeClr val="tx1">
+                    <a:lumMod val="50000"/>
+                  </a:schemeClr>
+                </a:solidFill>
+              </a:rPr>
+              <a:t>)</a:t>
+            </a:r>
+            <a:endParaRPr lang="en-US" altLang="zh-TW" dirty="0" smtClean="0">
+              <a:solidFill>
+                <a:schemeClr val="tx1">
+                  <a:lumMod val="50000"/>
+                </a:schemeClr>
+              </a:solidFill>
+            </a:endParaRPr>
+          </a:p>
+          <a:p>
+            <a:r>
+              <a:rPr lang="zh-TW" altLang="en-US" dirty="0" smtClean="0"/>
+              <a:t>專題本問題：問有什麼比較好的解決方案</a:t>
+            </a:r>
+            <a:r>
+              <a:rPr lang="en-US" altLang="zh-TW" dirty="0" smtClean="0"/>
+              <a:t>?</a:t>
+            </a:r>
+            <a:r>
+              <a:rPr lang="zh-TW" altLang="en-US" dirty="0" smtClean="0"/>
+              <a:t> </a:t>
+            </a:r>
+            <a:endParaRPr lang="en-US" altLang="zh-TW" dirty="0" smtClean="0"/>
+          </a:p>
+          <a:p>
+            <a:pPr lvl="1"/>
+            <a:r>
+              <a:rPr lang="zh-TW" altLang="en-US" dirty="0" smtClean="0"/>
+              <a:t>可不可以算另外一個小專題</a:t>
+            </a:r>
+            <a:r>
+              <a:rPr lang="zh-TW" altLang="en-US" dirty="0"/>
+              <a:t> </a:t>
+            </a:r>
+            <a:r>
+              <a:rPr lang="en-US" altLang="zh-TW" dirty="0" smtClean="0"/>
+              <a:t>(</a:t>
+            </a:r>
+            <a:r>
+              <a:rPr lang="zh-TW" altLang="en-US" dirty="0" smtClean="0"/>
+              <a:t>各自的專題提到簡短產品說明</a:t>
+            </a:r>
+            <a:r>
+              <a:rPr lang="en-US" altLang="zh-TW" dirty="0" smtClean="0"/>
+              <a:t>)</a:t>
+            </a:r>
+          </a:p>
+          <a:p>
+            <a:r>
+              <a:rPr lang="zh-TW" altLang="en-US" dirty="0" smtClean="0"/>
+              <a:t>能否整合</a:t>
+            </a:r>
+            <a:r>
+              <a:rPr lang="zh-TW" altLang="en-US" dirty="0" smtClean="0"/>
+              <a:t>實驗室阿茲海默模型成果？</a:t>
+            </a:r>
+            <a:endParaRPr lang="en-US" altLang="zh-TW" dirty="0" smtClean="0"/>
+          </a:p>
+          <a:p>
+            <a:pPr lvl="1"/>
+            <a:r>
+              <a:rPr lang="zh-TW" altLang="en-US" dirty="0"/>
+              <a:t>佳作：老師 </a:t>
+            </a:r>
+            <a:r>
+              <a:rPr lang="en-US" altLang="zh-TW" dirty="0"/>
+              <a:t>50% </a:t>
+            </a:r>
+            <a:r>
+              <a:rPr lang="zh-TW" altLang="en-US" dirty="0"/>
+              <a:t>學生們 </a:t>
+            </a:r>
+            <a:r>
+              <a:rPr lang="en-US" altLang="zh-TW" dirty="0"/>
+              <a:t>50%</a:t>
+            </a:r>
+          </a:p>
+          <a:p>
+            <a:pPr lvl="1"/>
+            <a:r>
+              <a:rPr lang="zh-TW" altLang="en-US" dirty="0"/>
+              <a:t>前三名：老師 </a:t>
+            </a:r>
+            <a:r>
+              <a:rPr lang="en-US" altLang="zh-TW" dirty="0"/>
+              <a:t>60% </a:t>
+            </a:r>
+            <a:r>
+              <a:rPr lang="zh-TW" altLang="en-US" dirty="0"/>
+              <a:t>學生們 </a:t>
+            </a:r>
+            <a:r>
+              <a:rPr lang="en-US" altLang="zh-TW" dirty="0"/>
+              <a:t>40</a:t>
+            </a:r>
+            <a:r>
+              <a:rPr lang="en-US" altLang="zh-TW" dirty="0" smtClean="0"/>
+              <a:t>%</a:t>
+            </a:r>
+          </a:p>
+          <a:p>
+            <a:r>
+              <a:rPr lang="zh-TW" altLang="en-US" dirty="0"/>
+              <a:t>其他實驗室有承襲學長姐作品，如何處理作者問題？</a:t>
+            </a:r>
+            <a:endParaRPr lang="en-US" altLang="zh-TW" dirty="0" smtClean="0"/>
+          </a:p>
+          <a:p>
+            <a:pPr lvl="1"/>
+            <a:endParaRPr lang="en-US" altLang="zh-TW" dirty="0" smtClean="0"/>
           </a:p>
         </p:txBody>
       </p:sp>
@@ -3802,15 +4054,7 @@
                   <a:srgbClr val="FF0000"/>
                 </a:solidFill>
               </a:rPr>
-              <a:t>這個系統專題本怎麼</a:t>
-            </a:r>
-            <a:r>
-              <a:rPr lang="zh-TW" altLang="en-US" smtClean="0">
-                <a:solidFill>
-                  <a:srgbClr val="FF0000"/>
-                </a:solidFill>
-              </a:rPr>
-              <a:t>放？</a:t>
+              <a:t>這個系統專題本怎麼放？</a:t>
             </a:r>
             <a:endParaRPr lang="en-US" altLang="zh-TW" dirty="0">
               <a:solidFill>
@@ -3866,7 +4110,175 @@
               </a:rPr>
               <a:t>獎金</a:t>
             </a:r>
-            <a:endParaRPr lang="zh-TW" altLang="en-US" dirty="0">
+            <a:r>
+              <a:rPr lang="zh-TW" altLang="en-US" dirty="0" smtClean="0">
+                <a:solidFill>
+                  <a:srgbClr val="FF0000"/>
+                </a:solidFill>
+              </a:rPr>
+              <a:t>方案：</a:t>
+            </a:r>
+            <a:endParaRPr lang="en-US" altLang="zh-TW" dirty="0" smtClean="0">
+              <a:solidFill>
+                <a:srgbClr val="FF0000"/>
+              </a:solidFill>
+            </a:endParaRPr>
+          </a:p>
+          <a:p>
+            <a:pPr lvl="1"/>
+            <a:r>
+              <a:rPr lang="zh-TW" altLang="en-US" dirty="0" smtClean="0">
+                <a:solidFill>
+                  <a:srgbClr val="FF0000"/>
+                </a:solidFill>
+              </a:rPr>
+              <a:t>顏 </a:t>
+            </a:r>
+            <a:r>
+              <a:rPr lang="en-US" altLang="zh-TW" dirty="0" smtClean="0">
+                <a:solidFill>
+                  <a:srgbClr val="FF0000"/>
+                </a:solidFill>
+              </a:rPr>
+              <a:t>1/3</a:t>
+            </a:r>
+            <a:r>
+              <a:rPr lang="zh-TW" altLang="en-US" dirty="0" smtClean="0">
+                <a:solidFill>
+                  <a:srgbClr val="FF0000"/>
+                </a:solidFill>
+              </a:rPr>
+              <a:t>、</a:t>
+            </a:r>
+            <a:r>
+              <a:rPr lang="zh-TW" altLang="en-US" dirty="0">
+                <a:solidFill>
+                  <a:srgbClr val="FF0000"/>
+                </a:solidFill>
+              </a:rPr>
+              <a:t>王</a:t>
+            </a:r>
+            <a:r>
+              <a:rPr lang="zh-TW" altLang="en-US" dirty="0" smtClean="0">
+                <a:solidFill>
+                  <a:srgbClr val="FF0000"/>
+                </a:solidFill>
+              </a:rPr>
+              <a:t> </a:t>
+            </a:r>
+            <a:r>
+              <a:rPr lang="en-US" altLang="zh-TW" dirty="0">
+                <a:solidFill>
+                  <a:srgbClr val="FF0000"/>
+                </a:solidFill>
+              </a:rPr>
+              <a:t>1/3</a:t>
+            </a:r>
+            <a:r>
+              <a:rPr lang="zh-TW" altLang="en-US" dirty="0" smtClean="0">
+                <a:solidFill>
+                  <a:srgbClr val="FF0000"/>
+                </a:solidFill>
+              </a:rPr>
+              <a:t>、徐 </a:t>
+            </a:r>
+            <a:r>
+              <a:rPr lang="en-US" altLang="zh-TW" dirty="0" smtClean="0">
+                <a:solidFill>
+                  <a:srgbClr val="FF0000"/>
+                </a:solidFill>
+              </a:rPr>
+              <a:t>1/3</a:t>
+            </a:r>
+            <a:endParaRPr lang="en-US" altLang="zh-TW" dirty="0">
+              <a:solidFill>
+                <a:srgbClr val="FF0000"/>
+              </a:solidFill>
+            </a:endParaRPr>
+          </a:p>
+          <a:p>
+            <a:pPr lvl="1"/>
+            <a:r>
+              <a:rPr lang="zh-TW" altLang="en-US" dirty="0">
+                <a:solidFill>
+                  <a:srgbClr val="FF0000"/>
+                </a:solidFill>
+              </a:rPr>
+              <a:t>顏 </a:t>
+            </a:r>
+            <a:r>
+              <a:rPr lang="en-US" altLang="zh-TW" dirty="0" smtClean="0">
+                <a:solidFill>
+                  <a:srgbClr val="FF0000"/>
+                </a:solidFill>
+              </a:rPr>
+              <a:t>40%</a:t>
+            </a:r>
+            <a:r>
+              <a:rPr lang="zh-TW" altLang="en-US" dirty="0" smtClean="0">
+                <a:solidFill>
+                  <a:srgbClr val="FF0000"/>
+                </a:solidFill>
+              </a:rPr>
+              <a:t>、</a:t>
+            </a:r>
+            <a:r>
+              <a:rPr lang="zh-TW" altLang="en-US" dirty="0">
+                <a:solidFill>
+                  <a:srgbClr val="FF0000"/>
+                </a:solidFill>
+              </a:rPr>
+              <a:t>王 </a:t>
+            </a:r>
+            <a:r>
+              <a:rPr lang="en-US" altLang="zh-TW" dirty="0" smtClean="0">
+                <a:solidFill>
+                  <a:srgbClr val="FF0000"/>
+                </a:solidFill>
+              </a:rPr>
+              <a:t>30%</a:t>
+            </a:r>
+            <a:r>
+              <a:rPr lang="zh-TW" altLang="en-US" dirty="0" smtClean="0">
+                <a:solidFill>
+                  <a:srgbClr val="FF0000"/>
+                </a:solidFill>
+              </a:rPr>
+              <a:t>、</a:t>
+            </a:r>
+            <a:r>
+              <a:rPr lang="zh-TW" altLang="en-US" dirty="0">
+                <a:solidFill>
+                  <a:srgbClr val="FF0000"/>
+                </a:solidFill>
+              </a:rPr>
+              <a:t>徐 </a:t>
+            </a:r>
+            <a:r>
+              <a:rPr lang="en-US" altLang="zh-TW" dirty="0" smtClean="0">
+                <a:solidFill>
+                  <a:srgbClr val="FF0000"/>
+                </a:solidFill>
+              </a:rPr>
+              <a:t>30%</a:t>
+            </a:r>
+            <a:endParaRPr lang="en-US" altLang="zh-TW" dirty="0">
+              <a:solidFill>
+                <a:srgbClr val="FF0000"/>
+              </a:solidFill>
+            </a:endParaRPr>
+          </a:p>
+          <a:p>
+            <a:pPr lvl="1"/>
+            <a:endParaRPr lang="en-US" altLang="zh-TW" dirty="0">
+              <a:solidFill>
+                <a:srgbClr val="FF0000"/>
+              </a:solidFill>
+            </a:endParaRPr>
+          </a:p>
+          <a:p>
+            <a:pPr lvl="1"/>
+            <a:endParaRPr lang="en-US" altLang="zh-TW" dirty="0">
               <a:solidFill>
                 <a:srgbClr val="FF0000"/>
               </a:solidFill>
@@ -4068,7 +4480,15 @@
             </a:r>
             <a:r>
               <a:rPr lang="zh-TW" altLang="en-US" dirty="0" smtClean="0"/>
-              <a:t>全部</a:t>
+              <a:t>全部、</a:t>
+            </a:r>
+            <a:r>
+              <a:rPr lang="en-US" altLang="zh-TW" dirty="0" smtClean="0"/>
+              <a:t>API</a:t>
+            </a:r>
+            <a:r>
+              <a:rPr lang="zh-TW" altLang="en-US" dirty="0" smtClean="0"/>
+              <a:t>表</a:t>
             </a:r>
             <a:endParaRPr lang="en-US" altLang="zh-TW" dirty="0" smtClean="0"/>
           </a:p>
@@ -6213,17 +6633,7 @@
                           <a:latin typeface="微軟正黑體" panose="020B0604030504040204" pitchFamily="34" charset="-120"/>
                           <a:ea typeface="微軟正黑體" panose="020B0604030504040204" pitchFamily="34" charset="-120"/>
                         </a:rPr>
-                        <a:t>作品構想</a:t>
-                      </a:r>
-                      <a:r>
-                        <a:rPr lang="zh-TW" altLang="en-US" dirty="0" smtClean="0">
-                          <a:solidFill>
-                            <a:srgbClr val="00B0F0"/>
-                          </a:solidFill>
-                          <a:latin typeface="微軟正黑體" panose="020B0604030504040204" pitchFamily="34" charset="-120"/>
-                          <a:ea typeface="微軟正黑體" panose="020B0604030504040204" pitchFamily="34" charset="-120"/>
-                        </a:rPr>
-                        <a:t>書</a:t>
+                        <a:t>作品構想書</a:t>
                       </a:r>
                       <a:endParaRPr lang="en-US" altLang="zh-TW" dirty="0" smtClean="0">
                         <a:solidFill>

--- a/會議記錄/會議記錄.pptx
+++ b/會議記錄/會議記錄.pptx
@@ -5,7 +5,7 @@
     <p:sldMasterId id="2147483660" r:id="rId1"/>
   </p:sldMasterIdLst>
   <p:notesMasterIdLst>
-    <p:notesMasterId r:id="rId17"/>
+    <p:notesMasterId r:id="rId20"/>
   </p:notesMasterIdLst>
   <p:sldIdLst>
     <p:sldId id="256" r:id="rId2"/>
@@ -21,8 +21,11 @@
     <p:sldId id="273" r:id="rId12"/>
     <p:sldId id="272" r:id="rId13"/>
     <p:sldId id="271" r:id="rId14"/>
-    <p:sldId id="270" r:id="rId15"/>
-    <p:sldId id="265" r:id="rId16"/>
+    <p:sldId id="274" r:id="rId15"/>
+    <p:sldId id="276" r:id="rId16"/>
+    <p:sldId id="275" r:id="rId17"/>
+    <p:sldId id="270" r:id="rId18"/>
+    <p:sldId id="265" r:id="rId19"/>
   </p:sldIdLst>
   <p:sldSz cx="12192000" cy="6858000"/>
   <p:notesSz cx="6858000" cy="9144000"/>
@@ -211,7 +214,7 @@
           <a:p>
             <a:fld id="{33C68CCD-F31B-437B-965E-855E94FE60A6}" type="datetimeFigureOut">
               <a:rPr lang="zh-TW" altLang="en-US" smtClean="0"/>
-              <a:t>2025/3/21</a:t>
+              <a:t>2025/3/28</a:t>
             </a:fld>
             <a:endParaRPr lang="zh-TW" altLang="en-US"/>
           </a:p>
@@ -616,7 +619,7 @@
           <a:p>
             <a:fld id="{F404DC6C-E353-4FBF-8B7B-7C2F0DFA34E8}" type="datetimeFigureOut">
               <a:rPr lang="zh-TW" altLang="en-US" smtClean="0"/>
-              <a:t>2025/3/21</a:t>
+              <a:t>2025/3/28</a:t>
             </a:fld>
             <a:endParaRPr lang="zh-TW" altLang="en-US"/>
           </a:p>
@@ -786,7 +789,7 @@
           <a:p>
             <a:fld id="{F404DC6C-E353-4FBF-8B7B-7C2F0DFA34E8}" type="datetimeFigureOut">
               <a:rPr lang="zh-TW" altLang="en-US" smtClean="0"/>
-              <a:t>2025/3/21</a:t>
+              <a:t>2025/3/28</a:t>
             </a:fld>
             <a:endParaRPr lang="zh-TW" altLang="en-US"/>
           </a:p>
@@ -966,7 +969,7 @@
           <a:p>
             <a:fld id="{F404DC6C-E353-4FBF-8B7B-7C2F0DFA34E8}" type="datetimeFigureOut">
               <a:rPr lang="zh-TW" altLang="en-US" smtClean="0"/>
-              <a:t>2025/3/21</a:t>
+              <a:t>2025/3/28</a:t>
             </a:fld>
             <a:endParaRPr lang="zh-TW" altLang="en-US"/>
           </a:p>
@@ -1186,7 +1189,7 @@
           <a:p>
             <a:fld id="{F404DC6C-E353-4FBF-8B7B-7C2F0DFA34E8}" type="datetimeFigureOut">
               <a:rPr lang="zh-TW" altLang="en-US" smtClean="0"/>
-              <a:t>2025/3/21</a:t>
+              <a:t>2025/3/28</a:t>
             </a:fld>
             <a:endParaRPr lang="zh-TW" altLang="en-US"/>
           </a:p>
@@ -1432,7 +1435,7 @@
           <a:p>
             <a:fld id="{F404DC6C-E353-4FBF-8B7B-7C2F0DFA34E8}" type="datetimeFigureOut">
               <a:rPr lang="zh-TW" altLang="en-US" smtClean="0"/>
-              <a:t>2025/3/21</a:t>
+              <a:t>2025/3/28</a:t>
             </a:fld>
             <a:endParaRPr lang="zh-TW" altLang="en-US"/>
           </a:p>
@@ -1664,7 +1667,7 @@
           <a:p>
             <a:fld id="{F404DC6C-E353-4FBF-8B7B-7C2F0DFA34E8}" type="datetimeFigureOut">
               <a:rPr lang="zh-TW" altLang="en-US" smtClean="0"/>
-              <a:t>2025/3/21</a:t>
+              <a:t>2025/3/28</a:t>
             </a:fld>
             <a:endParaRPr lang="zh-TW" altLang="en-US"/>
           </a:p>
@@ -2031,7 +2034,7 @@
           <a:p>
             <a:fld id="{F404DC6C-E353-4FBF-8B7B-7C2F0DFA34E8}" type="datetimeFigureOut">
               <a:rPr lang="zh-TW" altLang="en-US" smtClean="0"/>
-              <a:t>2025/3/21</a:t>
+              <a:t>2025/3/28</a:t>
             </a:fld>
             <a:endParaRPr lang="zh-TW" altLang="en-US"/>
           </a:p>
@@ -2149,7 +2152,7 @@
           <a:p>
             <a:fld id="{F404DC6C-E353-4FBF-8B7B-7C2F0DFA34E8}" type="datetimeFigureOut">
               <a:rPr lang="zh-TW" altLang="en-US" smtClean="0"/>
-              <a:t>2025/3/21</a:t>
+              <a:t>2025/3/28</a:t>
             </a:fld>
             <a:endParaRPr lang="zh-TW" altLang="en-US"/>
           </a:p>
@@ -2244,7 +2247,7 @@
           <a:p>
             <a:fld id="{F404DC6C-E353-4FBF-8B7B-7C2F0DFA34E8}" type="datetimeFigureOut">
               <a:rPr lang="zh-TW" altLang="en-US" smtClean="0"/>
-              <a:t>2025/3/21</a:t>
+              <a:t>2025/3/28</a:t>
             </a:fld>
             <a:endParaRPr lang="zh-TW" altLang="en-US"/>
           </a:p>
@@ -2521,7 +2524,7 @@
           <a:p>
             <a:fld id="{F404DC6C-E353-4FBF-8B7B-7C2F0DFA34E8}" type="datetimeFigureOut">
               <a:rPr lang="zh-TW" altLang="en-US" smtClean="0"/>
-              <a:t>2025/3/21</a:t>
+              <a:t>2025/3/28</a:t>
             </a:fld>
             <a:endParaRPr lang="zh-TW" altLang="en-US"/>
           </a:p>
@@ -2778,7 +2781,7 @@
           <a:p>
             <a:fld id="{F404DC6C-E353-4FBF-8B7B-7C2F0DFA34E8}" type="datetimeFigureOut">
               <a:rPr lang="zh-TW" altLang="en-US" smtClean="0"/>
-              <a:t>2025/3/21</a:t>
+              <a:t>2025/3/28</a:t>
             </a:fld>
             <a:endParaRPr lang="zh-TW" altLang="en-US"/>
           </a:p>
@@ -2991,7 +2994,7 @@
           <a:p>
             <a:fld id="{F404DC6C-E353-4FBF-8B7B-7C2F0DFA34E8}" type="datetimeFigureOut">
               <a:rPr lang="zh-TW" altLang="en-US" smtClean="0"/>
-              <a:t>2025/3/21</a:t>
+              <a:t>2025/3/28</a:t>
             </a:fld>
             <a:endParaRPr lang="zh-TW" altLang="en-US"/>
           </a:p>
@@ -3869,13 +3872,6 @@
               </a:rPr>
               <a:t>)</a:t>
             </a:r>
-            <a:endParaRPr lang="en-US" altLang="zh-TW" dirty="0" smtClean="0">
-              <a:solidFill>
-                <a:schemeClr val="tx1">
-                  <a:lumMod val="50000"/>
-                </a:schemeClr>
-              </a:solidFill>
-            </a:endParaRPr>
           </a:p>
           <a:p>
             <a:r>
@@ -3918,11 +3914,7 @@
           <a:p>
             <a:r>
               <a:rPr lang="zh-TW" altLang="en-US" dirty="0" smtClean="0"/>
-              <a:t>能否整合</a:t>
-            </a:r>
-            <a:r>
-              <a:rPr lang="zh-TW" altLang="en-US" dirty="0" smtClean="0"/>
-              <a:t>實驗室阿茲海默模型成果？</a:t>
+              <a:t>能否整合實驗室阿茲海默模型成果？</a:t>
             </a:r>
             <a:endParaRPr lang="en-US" altLang="zh-TW" dirty="0" smtClean="0"/>
           </a:p>
@@ -4108,15 +4100,7 @@
                   <a:srgbClr val="FF0000"/>
                 </a:solidFill>
               </a:rPr>
-              <a:t>獎金</a:t>
-            </a:r>
-            <a:r>
-              <a:rPr lang="zh-TW" altLang="en-US" dirty="0" smtClean="0">
-                <a:solidFill>
-                  <a:srgbClr val="FF0000"/>
-                </a:solidFill>
-              </a:rPr>
-              <a:t>方案：</a:t>
+              <a:t>獎金方案：</a:t>
             </a:r>
             <a:endParaRPr lang="en-US" altLang="zh-TW" dirty="0" smtClean="0">
               <a:solidFill>
@@ -4516,6 +4500,13 @@
   <p:clrMapOvr>
     <a:masterClrMapping/>
   </p:clrMapOvr>
+  <p:timing>
+    <p:tnLst>
+      <p:par>
+        <p:cTn id="1" dur="indefinite" restart="never" nodeType="tmRoot"/>
+      </p:par>
+    </p:tnLst>
+  </p:timing>
 </p:sld>
 </file>
 
@@ -4538,6 +4529,1448 @@
       </p:grpSpPr>
       <p:sp>
         <p:nvSpPr>
+          <p:cNvPr id="2" name="標題 1"/>
+          <p:cNvSpPr>
+            <a:spLocks noGrp="1"/>
+          </p:cNvSpPr>
+          <p:nvPr>
+            <p:ph type="title"/>
+          </p:nvPr>
+        </p:nvSpPr>
+        <p:spPr/>
+        <p:txBody>
+          <a:bodyPr/>
+          <a:lstStyle/>
+          <a:p>
+            <a:r>
+              <a:rPr lang="zh-TW" altLang="en-US" dirty="0" smtClean="0"/>
+              <a:t>會議記錄 </a:t>
+            </a:r>
+            <a:r>
+              <a:rPr lang="en-US" altLang="zh-TW" dirty="0" smtClean="0"/>
+              <a:t>3/28</a:t>
+            </a:r>
+            <a:endParaRPr lang="zh-TW" altLang="en-US" dirty="0"/>
+          </a:p>
+        </p:txBody>
+      </p:sp>
+      <p:sp>
+        <p:nvSpPr>
+          <p:cNvPr id="3" name="內容版面配置區 2"/>
+          <p:cNvSpPr>
+            <a:spLocks noGrp="1"/>
+          </p:cNvSpPr>
+          <p:nvPr>
+            <p:ph idx="1"/>
+          </p:nvPr>
+        </p:nvSpPr>
+        <p:spPr/>
+        <p:txBody>
+          <a:bodyPr/>
+          <a:lstStyle/>
+          <a:p>
+            <a:r>
+              <a:rPr lang="zh-TW" altLang="en-US" dirty="0" smtClean="0"/>
+              <a:t>顏：實驗數據</a:t>
+            </a:r>
+            <a:r>
+              <a:rPr lang="en-US" altLang="zh-TW" dirty="0" smtClean="0"/>
+              <a:t>PPT(</a:t>
+            </a:r>
+            <a:r>
+              <a:rPr lang="zh-TW" altLang="en-US" dirty="0" smtClean="0"/>
+              <a:t>缺分析討論</a:t>
+            </a:r>
+            <a:r>
+              <a:rPr lang="en-US" altLang="zh-TW" dirty="0" smtClean="0"/>
+              <a:t>)</a:t>
+            </a:r>
+          </a:p>
+          <a:p>
+            <a:r>
+              <a:rPr lang="zh-TW" altLang="en-US" dirty="0" smtClean="0"/>
+              <a:t>徐：產品介紹、</a:t>
+            </a:r>
+            <a:r>
+              <a:rPr lang="en-US" altLang="zh-TW" dirty="0" err="1" smtClean="0"/>
+              <a:t>nii</a:t>
+            </a:r>
+            <a:r>
+              <a:rPr lang="zh-TW" altLang="en-US" dirty="0" smtClean="0"/>
+              <a:t>傳遞與前端顯示研究</a:t>
+            </a:r>
+            <a:endParaRPr lang="en-US" altLang="zh-TW" dirty="0" smtClean="0"/>
+          </a:p>
+          <a:p>
+            <a:r>
+              <a:rPr lang="zh-TW" altLang="en-US" dirty="0" smtClean="0"/>
+              <a:t>王：</a:t>
+            </a:r>
+            <a:r>
+              <a:rPr lang="en-US" altLang="zh-TW" dirty="0" smtClean="0"/>
+              <a:t>API</a:t>
+            </a:r>
+            <a:r>
+              <a:rPr lang="zh-TW" altLang="en-US" dirty="0" smtClean="0"/>
+              <a:t>初版完成</a:t>
+            </a:r>
+            <a:endParaRPr lang="en-US" altLang="zh-TW" dirty="0" smtClean="0"/>
+          </a:p>
+          <a:p>
+            <a:endParaRPr lang="en-US" altLang="zh-TW" dirty="0"/>
+          </a:p>
+          <a:p>
+            <a:r>
+              <a:rPr lang="zh-TW" altLang="en-US" dirty="0" smtClean="0"/>
+              <a:t>重要事項：上傳介面重新設計</a:t>
+            </a:r>
+            <a:endParaRPr lang="zh-TW" altLang="en-US" dirty="0"/>
+          </a:p>
+        </p:txBody>
+      </p:sp>
+      <p:sp>
+        <p:nvSpPr>
+          <p:cNvPr id="4" name="文字方塊 3"/>
+          <p:cNvSpPr txBox="1"/>
+          <p:nvPr/>
+        </p:nvSpPr>
+        <p:spPr>
+          <a:xfrm>
+            <a:off x="5786120" y="3901282"/>
+            <a:ext cx="6405880" cy="1692771"/>
+          </a:xfrm>
+          <a:prstGeom prst="rect">
+            <a:avLst/>
+          </a:prstGeom>
+          <a:noFill/>
+        </p:spPr>
+        <p:txBody>
+          <a:bodyPr wrap="square" rtlCol="0">
+            <a:spAutoFit/>
+          </a:bodyPr>
+          <a:lstStyle/>
+          <a:p>
+            <a:r>
+              <a:rPr lang="en-US" altLang="zh-TW" sz="3200" b="1" dirty="0" smtClean="0">
+                <a:latin typeface="微軟正黑體" panose="020B0604030504040204" pitchFamily="34" charset="-120"/>
+                <a:ea typeface="微軟正黑體" panose="020B0604030504040204" pitchFamily="34" charset="-120"/>
+              </a:rPr>
+              <a:t>API</a:t>
+            </a:r>
+          </a:p>
+          <a:p>
+            <a:r>
+              <a:rPr lang="zh-TW" altLang="en-US" dirty="0" smtClean="0">
+                <a:latin typeface="微軟正黑體" panose="020B0604030504040204" pitchFamily="34" charset="-120"/>
+                <a:ea typeface="微軟正黑體" panose="020B0604030504040204" pitchFamily="34" charset="-120"/>
+              </a:rPr>
+              <a:t>需要新增：</a:t>
+            </a:r>
+            <a:endParaRPr lang="en-US" altLang="zh-TW" dirty="0" smtClean="0">
+              <a:latin typeface="微軟正黑體" panose="020B0604030504040204" pitchFamily="34" charset="-120"/>
+              <a:ea typeface="微軟正黑體" panose="020B0604030504040204" pitchFamily="34" charset="-120"/>
+            </a:endParaRPr>
+          </a:p>
+          <a:p>
+            <a:r>
+              <a:rPr lang="en-US" altLang="zh-TW" dirty="0" smtClean="0">
+                <a:latin typeface="微軟正黑體" panose="020B0604030504040204" pitchFamily="34" charset="-120"/>
+                <a:ea typeface="微軟正黑體" panose="020B0604030504040204" pitchFamily="34" charset="-120"/>
+              </a:rPr>
+              <a:t>manager/</a:t>
+            </a:r>
+            <a:r>
+              <a:rPr lang="en-US" altLang="zh-TW" dirty="0" err="1" smtClean="0">
+                <a:latin typeface="微軟正黑體" panose="020B0604030504040204" pitchFamily="34" charset="-120"/>
+                <a:ea typeface="微軟正黑體" panose="020B0604030504040204" pitchFamily="34" charset="-120"/>
+              </a:rPr>
+              <a:t>RecordsList</a:t>
+            </a:r>
+            <a:r>
+              <a:rPr lang="zh-TW" altLang="en-US" dirty="0" smtClean="0">
+                <a:latin typeface="微軟正黑體" panose="020B0604030504040204" pitchFamily="34" charset="-120"/>
+                <a:ea typeface="微軟正黑體" panose="020B0604030504040204" pitchFamily="34" charset="-120"/>
+              </a:rPr>
+              <a:t> </a:t>
+            </a:r>
+            <a:r>
+              <a:rPr lang="en-US" altLang="zh-TW" dirty="0" smtClean="0">
+                <a:latin typeface="微軟正黑體" panose="020B0604030504040204" pitchFamily="34" charset="-120"/>
+                <a:ea typeface="微軟正黑體" panose="020B0604030504040204" pitchFamily="34" charset="-120"/>
+              </a:rPr>
+              <a:t>(</a:t>
+            </a:r>
+            <a:r>
+              <a:rPr lang="zh-TW" altLang="en-US" dirty="0" smtClean="0">
+                <a:latin typeface="微軟正黑體" panose="020B0604030504040204" pitchFamily="34" charset="-120"/>
+                <a:ea typeface="微軟正黑體" panose="020B0604030504040204" pitchFamily="34" charset="-120"/>
+              </a:rPr>
+              <a:t>輸入：</a:t>
+            </a:r>
+            <a:r>
+              <a:rPr lang="en-US" altLang="zh-TW" dirty="0" smtClean="0">
+                <a:latin typeface="微軟正黑體" panose="020B0604030504040204" pitchFamily="34" charset="-120"/>
+                <a:ea typeface="微軟正黑體" panose="020B0604030504040204" pitchFamily="34" charset="-120"/>
+              </a:rPr>
+              <a:t>manager token, </a:t>
+            </a:r>
+            <a:r>
+              <a:rPr lang="en-US" altLang="zh-TW" dirty="0" err="1" smtClean="0">
+                <a:latin typeface="微軟正黑體" panose="020B0604030504040204" pitchFamily="34" charset="-120"/>
+                <a:ea typeface="微軟正黑體" panose="020B0604030504040204" pitchFamily="34" charset="-120"/>
+              </a:rPr>
+              <a:t>memberID</a:t>
+            </a:r>
+            <a:r>
+              <a:rPr lang="en-US" altLang="zh-TW" dirty="0" smtClean="0">
+                <a:latin typeface="微軟正黑體" panose="020B0604030504040204" pitchFamily="34" charset="-120"/>
+                <a:ea typeface="微軟正黑體" panose="020B0604030504040204" pitchFamily="34" charset="-120"/>
+              </a:rPr>
+              <a:t>)</a:t>
+            </a:r>
+          </a:p>
+          <a:p>
+            <a:r>
+              <a:rPr lang="zh-TW" altLang="en-US" dirty="0">
+                <a:latin typeface="微軟正黑體" panose="020B0604030504040204" pitchFamily="34" charset="-120"/>
+                <a:ea typeface="微軟正黑體" panose="020B0604030504040204" pitchFamily="34" charset="-120"/>
+              </a:rPr>
+              <a:t>需要</a:t>
+            </a:r>
+            <a:r>
+              <a:rPr lang="zh-TW" altLang="en-US" dirty="0" smtClean="0">
+                <a:latin typeface="微軟正黑體" panose="020B0604030504040204" pitchFamily="34" charset="-120"/>
+                <a:ea typeface="微軟正黑體" panose="020B0604030504040204" pitchFamily="34" charset="-120"/>
+              </a:rPr>
+              <a:t>修改：</a:t>
+            </a:r>
+            <a:endParaRPr lang="en-US" altLang="zh-TW" dirty="0" smtClean="0">
+              <a:latin typeface="微軟正黑體" panose="020B0604030504040204" pitchFamily="34" charset="-120"/>
+              <a:ea typeface="微軟正黑體" panose="020B0604030504040204" pitchFamily="34" charset="-120"/>
+            </a:endParaRPr>
+          </a:p>
+          <a:p>
+            <a:r>
+              <a:rPr lang="zh-TW" altLang="en-US" dirty="0">
+                <a:latin typeface="微軟正黑體" panose="020B0604030504040204" pitchFamily="34" charset="-120"/>
+                <a:ea typeface="微軟正黑體" panose="020B0604030504040204" pitchFamily="34" charset="-120"/>
+              </a:rPr>
+              <a:t>醫師</a:t>
+            </a:r>
+            <a:r>
+              <a:rPr lang="zh-TW" altLang="en-US" dirty="0" smtClean="0">
+                <a:latin typeface="微軟正黑體" panose="020B0604030504040204" pitchFamily="34" charset="-120"/>
+                <a:ea typeface="微軟正黑體" panose="020B0604030504040204" pitchFamily="34" charset="-120"/>
+              </a:rPr>
+              <a:t>與病人的</a:t>
+            </a:r>
+            <a:r>
+              <a:rPr lang="en-US" altLang="zh-TW" dirty="0" smtClean="0">
+                <a:latin typeface="微軟正黑體" panose="020B0604030504040204" pitchFamily="34" charset="-120"/>
+                <a:ea typeface="微軟正黑體" panose="020B0604030504040204" pitchFamily="34" charset="-120"/>
+              </a:rPr>
+              <a:t>profile</a:t>
+            </a:r>
+            <a:r>
+              <a:rPr lang="zh-TW" altLang="en-US" dirty="0" smtClean="0">
+                <a:latin typeface="微軟正黑體" panose="020B0604030504040204" pitchFamily="34" charset="-120"/>
+                <a:ea typeface="微軟正黑體" panose="020B0604030504040204" pitchFamily="34" charset="-120"/>
+              </a:rPr>
+              <a:t> </a:t>
+            </a:r>
+            <a:r>
+              <a:rPr lang="en-US" altLang="zh-TW" dirty="0" smtClean="0">
+                <a:latin typeface="微軟正黑體" panose="020B0604030504040204" pitchFamily="34" charset="-120"/>
+                <a:ea typeface="微軟正黑體" panose="020B0604030504040204" pitchFamily="34" charset="-120"/>
+              </a:rPr>
+              <a:t>image</a:t>
+            </a:r>
+            <a:r>
+              <a:rPr lang="zh-TW" altLang="en-US" dirty="0" smtClean="0">
+                <a:latin typeface="微軟正黑體" panose="020B0604030504040204" pitchFamily="34" charset="-120"/>
+                <a:ea typeface="微軟正黑體" panose="020B0604030504040204" pitchFamily="34" charset="-120"/>
+              </a:rPr>
+              <a:t> </a:t>
+            </a:r>
+            <a:r>
+              <a:rPr lang="en-US" altLang="zh-TW" dirty="0" smtClean="0">
+                <a:latin typeface="微軟正黑體" panose="020B0604030504040204" pitchFamily="34" charset="-120"/>
+                <a:ea typeface="微軟正黑體" panose="020B0604030504040204" pitchFamily="34" charset="-120"/>
+              </a:rPr>
+              <a:t>path</a:t>
+            </a:r>
+          </a:p>
+        </p:txBody>
+      </p:sp>
+      <p:sp>
+        <p:nvSpPr>
+          <p:cNvPr id="6" name="文字方塊 5"/>
+          <p:cNvSpPr txBox="1"/>
+          <p:nvPr/>
+        </p:nvSpPr>
+        <p:spPr>
+          <a:xfrm>
+            <a:off x="5786120" y="5668199"/>
+            <a:ext cx="6405880" cy="800219"/>
+          </a:xfrm>
+          <a:prstGeom prst="rect">
+            <a:avLst/>
+          </a:prstGeom>
+          <a:noFill/>
+        </p:spPr>
+        <p:txBody>
+          <a:bodyPr wrap="square" rtlCol="0">
+            <a:spAutoFit/>
+          </a:bodyPr>
+          <a:lstStyle/>
+          <a:p>
+            <a:r>
+              <a:rPr lang="zh-TW" altLang="en-US" sz="2800" b="1" dirty="0">
+                <a:latin typeface="微軟正黑體" panose="020B0604030504040204" pitchFamily="34" charset="-120"/>
+                <a:ea typeface="微軟正黑體" panose="020B0604030504040204" pitchFamily="34" charset="-120"/>
+              </a:rPr>
+              <a:t>前</a:t>
+            </a:r>
+            <a:r>
+              <a:rPr lang="zh-TW" altLang="en-US" sz="2800" b="1" dirty="0" smtClean="0">
+                <a:latin typeface="微軟正黑體" panose="020B0604030504040204" pitchFamily="34" charset="-120"/>
+                <a:ea typeface="微軟正黑體" panose="020B0604030504040204" pitchFamily="34" charset="-120"/>
+              </a:rPr>
+              <a:t>端</a:t>
+            </a:r>
+            <a:endParaRPr lang="en-US" altLang="zh-TW" sz="2800" b="1" dirty="0" smtClean="0">
+              <a:latin typeface="微軟正黑體" panose="020B0604030504040204" pitchFamily="34" charset="-120"/>
+              <a:ea typeface="微軟正黑體" panose="020B0604030504040204" pitchFamily="34" charset="-120"/>
+            </a:endParaRPr>
+          </a:p>
+          <a:p>
+            <a:r>
+              <a:rPr lang="zh-TW" altLang="en-US" dirty="0">
+                <a:latin typeface="微軟正黑體" panose="020B0604030504040204" pitchFamily="34" charset="-120"/>
+                <a:ea typeface="微軟正黑體" panose="020B0604030504040204" pitchFamily="34" charset="-120"/>
+              </a:rPr>
+              <a:t>上傳</a:t>
+            </a:r>
+            <a:r>
+              <a:rPr lang="zh-TW" altLang="en-US" dirty="0" smtClean="0">
+                <a:latin typeface="微軟正黑體" panose="020B0604030504040204" pitchFamily="34" charset="-120"/>
+                <a:ea typeface="微軟正黑體" panose="020B0604030504040204" pitchFamily="34" charset="-120"/>
+              </a:rPr>
+              <a:t>影像頁面：新增按鈕</a:t>
+            </a:r>
+            <a:r>
+              <a:rPr lang="en-US" altLang="zh-TW" dirty="0" smtClean="0">
+                <a:latin typeface="微軟正黑體" panose="020B0604030504040204" pitchFamily="34" charset="-120"/>
+                <a:ea typeface="微軟正黑體" panose="020B0604030504040204" pitchFamily="34" charset="-120"/>
+              </a:rPr>
+              <a:t>(</a:t>
+            </a:r>
+            <a:r>
+              <a:rPr lang="zh-TW" altLang="en-US" dirty="0" smtClean="0">
+                <a:latin typeface="微軟正黑體" panose="020B0604030504040204" pitchFamily="34" charset="-120"/>
+                <a:ea typeface="微軟正黑體" panose="020B0604030504040204" pitchFamily="34" charset="-120"/>
+              </a:rPr>
+              <a:t>建立紀錄</a:t>
+            </a:r>
+            <a:r>
+              <a:rPr lang="en-US" altLang="zh-TW" dirty="0" smtClean="0">
+                <a:latin typeface="微軟正黑體" panose="020B0604030504040204" pitchFamily="34" charset="-120"/>
+                <a:ea typeface="微軟正黑體" panose="020B0604030504040204" pitchFamily="34" charset="-120"/>
+              </a:rPr>
+              <a:t>-&gt;AI</a:t>
+            </a:r>
+            <a:r>
+              <a:rPr lang="zh-TW" altLang="en-US" dirty="0" smtClean="0">
+                <a:latin typeface="微軟正黑體" panose="020B0604030504040204" pitchFamily="34" charset="-120"/>
+                <a:ea typeface="微軟正黑體" panose="020B0604030504040204" pitchFamily="34" charset="-120"/>
+              </a:rPr>
+              <a:t>計算</a:t>
+            </a:r>
+            <a:r>
+              <a:rPr lang="en-US" altLang="zh-TW" dirty="0" smtClean="0">
+                <a:latin typeface="微軟正黑體" panose="020B0604030504040204" pitchFamily="34" charset="-120"/>
+                <a:ea typeface="微軟正黑體" panose="020B0604030504040204" pitchFamily="34" charset="-120"/>
+              </a:rPr>
+              <a:t>-&gt;</a:t>
+            </a:r>
+            <a:r>
+              <a:rPr lang="zh-TW" altLang="en-US" dirty="0" smtClean="0">
+                <a:latin typeface="微軟正黑體" panose="020B0604030504040204" pitchFamily="34" charset="-120"/>
+                <a:ea typeface="微軟正黑體" panose="020B0604030504040204" pitchFamily="34" charset="-120"/>
+              </a:rPr>
+              <a:t>儲存</a:t>
+            </a:r>
+            <a:r>
+              <a:rPr lang="en-US" altLang="zh-TW" dirty="0" smtClean="0">
+                <a:latin typeface="微軟正黑體" panose="020B0604030504040204" pitchFamily="34" charset="-120"/>
+                <a:ea typeface="微軟正黑體" panose="020B0604030504040204" pitchFamily="34" charset="-120"/>
+              </a:rPr>
+              <a:t>)</a:t>
+            </a:r>
+          </a:p>
+        </p:txBody>
+      </p:sp>
+    </p:spTree>
+    <p:extLst>
+      <p:ext uri="{BB962C8B-B14F-4D97-AF65-F5344CB8AC3E}">
+        <p14:creationId xmlns:p14="http://schemas.microsoft.com/office/powerpoint/2010/main" val="3623930778"/>
+      </p:ext>
+    </p:extLst>
+  </p:cSld>
+  <p:clrMapOvr>
+    <a:masterClrMapping/>
+  </p:clrMapOvr>
+  <p:timing>
+    <p:tnLst>
+      <p:par>
+        <p:cTn id="1" dur="indefinite" restart="never" nodeType="tmRoot"/>
+      </p:par>
+    </p:tnLst>
+  </p:timing>
+</p:sld>
+</file>
+
+<file path=ppt/slides/slide15.xml><?xml version="1.0" encoding="utf-8"?>
+<p:sld xmlns:a="http://schemas.openxmlformats.org/drawingml/2006/main" xmlns:r="http://schemas.openxmlformats.org/officeDocument/2006/relationships" xmlns:p="http://schemas.openxmlformats.org/presentationml/2006/main">
+  <p:cSld>
+    <p:spTree>
+      <p:nvGrpSpPr>
+        <p:cNvPr id="1" name=""/>
+        <p:cNvGrpSpPr/>
+        <p:nvPr/>
+      </p:nvGrpSpPr>
+      <p:grpSpPr>
+        <a:xfrm>
+          <a:off x="0" y="0"/>
+          <a:ext cx="0" cy="0"/>
+          <a:chOff x="0" y="0"/>
+          <a:chExt cx="0" cy="0"/>
+        </a:xfrm>
+      </p:grpSpPr>
+      <p:sp>
+        <p:nvSpPr>
+          <p:cNvPr id="2" name="標題 1"/>
+          <p:cNvSpPr>
+            <a:spLocks noGrp="1"/>
+          </p:cNvSpPr>
+          <p:nvPr>
+            <p:ph type="title"/>
+          </p:nvPr>
+        </p:nvSpPr>
+        <p:spPr/>
+        <p:txBody>
+          <a:bodyPr/>
+          <a:lstStyle/>
+          <a:p>
+            <a:r>
+              <a:rPr lang="zh-TW" altLang="en-US" dirty="0" smtClean="0"/>
+              <a:t>下次開會 </a:t>
+            </a:r>
+            <a:r>
+              <a:rPr lang="en-US" altLang="zh-TW" dirty="0" smtClean="0"/>
+              <a:t>4/4</a:t>
+            </a:r>
+            <a:endParaRPr lang="zh-TW" altLang="en-US" dirty="0"/>
+          </a:p>
+        </p:txBody>
+      </p:sp>
+      <p:sp>
+        <p:nvSpPr>
+          <p:cNvPr id="3" name="內容版面配置區 2"/>
+          <p:cNvSpPr>
+            <a:spLocks noGrp="1"/>
+          </p:cNvSpPr>
+          <p:nvPr>
+            <p:ph idx="1"/>
+          </p:nvPr>
+        </p:nvSpPr>
+        <p:spPr/>
+        <p:txBody>
+          <a:bodyPr/>
+          <a:lstStyle/>
+          <a:p>
+            <a:r>
+              <a:rPr lang="zh-TW" altLang="en-US" dirty="0"/>
+              <a:t>顏</a:t>
+            </a:r>
+            <a:r>
+              <a:rPr lang="zh-TW" altLang="en-US" dirty="0" smtClean="0"/>
+              <a:t>：完成上傳介面按鈕、整合後端</a:t>
+            </a:r>
+            <a:r>
+              <a:rPr lang="en-US" altLang="zh-TW" dirty="0" smtClean="0"/>
+              <a:t>(</a:t>
+            </a:r>
+            <a:r>
+              <a:rPr lang="zh-TW" altLang="en-US" dirty="0" smtClean="0"/>
+              <a:t>登入、新增成員、顯示個人檔案、成員名單、顯示紀錄</a:t>
+            </a:r>
+            <a:r>
+              <a:rPr lang="en-US" altLang="zh-TW" dirty="0" smtClean="0"/>
+              <a:t>)</a:t>
+            </a:r>
+            <a:endParaRPr lang="en-US" altLang="zh-TW" dirty="0"/>
+          </a:p>
+          <a:p>
+            <a:r>
+              <a:rPr lang="zh-TW" altLang="en-US" dirty="0"/>
+              <a:t>徐</a:t>
+            </a:r>
+            <a:r>
+              <a:rPr lang="zh-TW" altLang="en-US" dirty="0" smtClean="0"/>
+              <a:t>：報名表初步填寫</a:t>
+            </a:r>
+            <a:r>
+              <a:rPr lang="en-US" altLang="zh-TW" dirty="0" smtClean="0"/>
+              <a:t>(</a:t>
+            </a:r>
+            <a:r>
+              <a:rPr lang="zh-TW" altLang="en-US" dirty="0" smtClean="0"/>
+              <a:t>自評表、研發成果資料表</a:t>
+            </a:r>
+            <a:r>
+              <a:rPr lang="en-US" altLang="zh-TW" dirty="0" smtClean="0"/>
+              <a:t>)</a:t>
+            </a:r>
+          </a:p>
+          <a:p>
+            <a:pPr marL="0" indent="0">
+              <a:buNone/>
+            </a:pPr>
+            <a:r>
+              <a:rPr lang="en-US" altLang="zh-TW" sz="2400" dirty="0" smtClean="0">
+                <a:hlinkClick r:id="rId2"/>
+              </a:rPr>
+              <a:t>https</a:t>
+            </a:r>
+            <a:r>
+              <a:rPr lang="en-US" altLang="zh-TW" sz="2400" dirty="0">
+                <a:hlinkClick r:id="rId2"/>
+              </a:rPr>
+              <a:t>://</a:t>
+            </a:r>
+            <a:r>
+              <a:rPr lang="en-US" altLang="zh-TW" sz="2400" dirty="0" smtClean="0">
+                <a:hlinkClick r:id="rId2"/>
+              </a:rPr>
+              <a:t>www.gpmcorp.com.tw/Ai_creation_award.php</a:t>
+            </a:r>
+            <a:endParaRPr lang="en-US" altLang="zh-TW" sz="2400" dirty="0"/>
+          </a:p>
+          <a:p>
+            <a:r>
+              <a:rPr lang="zh-TW" altLang="en-US" dirty="0"/>
+              <a:t>王</a:t>
+            </a:r>
+            <a:r>
+              <a:rPr lang="zh-TW" altLang="en-US" dirty="0" smtClean="0"/>
+              <a:t>：上傳影像紀錄相關功能</a:t>
+            </a:r>
+            <a:r>
+              <a:rPr lang="en-US" altLang="zh-TW" dirty="0" smtClean="0"/>
+              <a:t>(</a:t>
+            </a:r>
+            <a:r>
+              <a:rPr lang="zh-TW" altLang="en-US" dirty="0" smtClean="0"/>
+              <a:t>整合徐的成果</a:t>
+            </a:r>
+            <a:r>
+              <a:rPr lang="en-US" altLang="zh-TW" dirty="0" smtClean="0"/>
+              <a:t>)</a:t>
+            </a:r>
+            <a:r>
+              <a:rPr lang="zh-TW" altLang="en-US" dirty="0" smtClean="0"/>
+              <a:t>、新增成員上傳照片功能、傳</a:t>
+            </a:r>
+            <a:r>
+              <a:rPr lang="en-US" altLang="zh-TW" dirty="0" smtClean="0"/>
+              <a:t>2D</a:t>
+            </a:r>
+            <a:r>
+              <a:rPr lang="zh-TW" altLang="en-US" dirty="0" smtClean="0"/>
+              <a:t>切片到前端、腦齡與失智症模型接口</a:t>
+            </a:r>
+            <a:endParaRPr lang="en-US" altLang="zh-TW" dirty="0" smtClean="0"/>
+          </a:p>
+          <a:p>
+            <a:pPr marL="0" indent="0">
+              <a:buNone/>
+            </a:pPr>
+            <a:endParaRPr lang="en-US" altLang="zh-TW" dirty="0"/>
+          </a:p>
+        </p:txBody>
+      </p:sp>
+      <p:sp>
+        <p:nvSpPr>
+          <p:cNvPr id="4" name="文字方塊 3"/>
+          <p:cNvSpPr txBox="1"/>
+          <p:nvPr/>
+        </p:nvSpPr>
+        <p:spPr>
+          <a:xfrm>
+            <a:off x="1071880" y="4009936"/>
+            <a:ext cx="6405880" cy="1692771"/>
+          </a:xfrm>
+          <a:prstGeom prst="rect">
+            <a:avLst/>
+          </a:prstGeom>
+          <a:noFill/>
+        </p:spPr>
+        <p:txBody>
+          <a:bodyPr wrap="square" rtlCol="0">
+            <a:spAutoFit/>
+          </a:bodyPr>
+          <a:lstStyle/>
+          <a:p>
+            <a:r>
+              <a:rPr lang="en-US" altLang="zh-TW" sz="3200" b="1" dirty="0" smtClean="0">
+                <a:solidFill>
+                  <a:schemeClr val="tx1">
+                    <a:lumMod val="75000"/>
+                  </a:schemeClr>
+                </a:solidFill>
+                <a:latin typeface="微軟正黑體" panose="020B0604030504040204" pitchFamily="34" charset="-120"/>
+                <a:ea typeface="微軟正黑體" panose="020B0604030504040204" pitchFamily="34" charset="-120"/>
+              </a:rPr>
+              <a:t>API</a:t>
+            </a:r>
+          </a:p>
+          <a:p>
+            <a:r>
+              <a:rPr lang="zh-TW" altLang="en-US" dirty="0" smtClean="0">
+                <a:solidFill>
+                  <a:schemeClr val="tx1">
+                    <a:lumMod val="75000"/>
+                  </a:schemeClr>
+                </a:solidFill>
+                <a:latin typeface="微軟正黑體" panose="020B0604030504040204" pitchFamily="34" charset="-120"/>
+                <a:ea typeface="微軟正黑體" panose="020B0604030504040204" pitchFamily="34" charset="-120"/>
+              </a:rPr>
+              <a:t>需要新增：</a:t>
+            </a:r>
+            <a:endParaRPr lang="en-US" altLang="zh-TW" dirty="0" smtClean="0">
+              <a:solidFill>
+                <a:schemeClr val="tx1">
+                  <a:lumMod val="75000"/>
+                </a:schemeClr>
+              </a:solidFill>
+              <a:latin typeface="微軟正黑體" panose="020B0604030504040204" pitchFamily="34" charset="-120"/>
+              <a:ea typeface="微軟正黑體" panose="020B0604030504040204" pitchFamily="34" charset="-120"/>
+            </a:endParaRPr>
+          </a:p>
+          <a:p>
+            <a:r>
+              <a:rPr lang="en-US" altLang="zh-TW" dirty="0" smtClean="0">
+                <a:solidFill>
+                  <a:schemeClr val="tx1">
+                    <a:lumMod val="75000"/>
+                  </a:schemeClr>
+                </a:solidFill>
+                <a:latin typeface="微軟正黑體" panose="020B0604030504040204" pitchFamily="34" charset="-120"/>
+                <a:ea typeface="微軟正黑體" panose="020B0604030504040204" pitchFamily="34" charset="-120"/>
+              </a:rPr>
+              <a:t>manager/</a:t>
+            </a:r>
+            <a:r>
+              <a:rPr lang="en-US" altLang="zh-TW" dirty="0" err="1" smtClean="0">
+                <a:solidFill>
+                  <a:schemeClr val="tx1">
+                    <a:lumMod val="75000"/>
+                  </a:schemeClr>
+                </a:solidFill>
+                <a:latin typeface="微軟正黑體" panose="020B0604030504040204" pitchFamily="34" charset="-120"/>
+                <a:ea typeface="微軟正黑體" panose="020B0604030504040204" pitchFamily="34" charset="-120"/>
+              </a:rPr>
+              <a:t>RecordsList</a:t>
+            </a:r>
+            <a:r>
+              <a:rPr lang="zh-TW" altLang="en-US" dirty="0" smtClean="0">
+                <a:solidFill>
+                  <a:schemeClr val="tx1">
+                    <a:lumMod val="75000"/>
+                  </a:schemeClr>
+                </a:solidFill>
+                <a:latin typeface="微軟正黑體" panose="020B0604030504040204" pitchFamily="34" charset="-120"/>
+                <a:ea typeface="微軟正黑體" panose="020B0604030504040204" pitchFamily="34" charset="-120"/>
+              </a:rPr>
+              <a:t> </a:t>
+            </a:r>
+            <a:r>
+              <a:rPr lang="en-US" altLang="zh-TW" dirty="0" smtClean="0">
+                <a:solidFill>
+                  <a:schemeClr val="tx1">
+                    <a:lumMod val="75000"/>
+                  </a:schemeClr>
+                </a:solidFill>
+                <a:latin typeface="微軟正黑體" panose="020B0604030504040204" pitchFamily="34" charset="-120"/>
+                <a:ea typeface="微軟正黑體" panose="020B0604030504040204" pitchFamily="34" charset="-120"/>
+              </a:rPr>
+              <a:t>(</a:t>
+            </a:r>
+            <a:r>
+              <a:rPr lang="zh-TW" altLang="en-US" dirty="0" smtClean="0">
+                <a:solidFill>
+                  <a:schemeClr val="tx1">
+                    <a:lumMod val="75000"/>
+                  </a:schemeClr>
+                </a:solidFill>
+                <a:latin typeface="微軟正黑體" panose="020B0604030504040204" pitchFamily="34" charset="-120"/>
+                <a:ea typeface="微軟正黑體" panose="020B0604030504040204" pitchFamily="34" charset="-120"/>
+              </a:rPr>
+              <a:t>輸入：</a:t>
+            </a:r>
+            <a:r>
+              <a:rPr lang="en-US" altLang="zh-TW" dirty="0" smtClean="0">
+                <a:solidFill>
+                  <a:schemeClr val="tx1">
+                    <a:lumMod val="75000"/>
+                  </a:schemeClr>
+                </a:solidFill>
+                <a:latin typeface="微軟正黑體" panose="020B0604030504040204" pitchFamily="34" charset="-120"/>
+                <a:ea typeface="微軟正黑體" panose="020B0604030504040204" pitchFamily="34" charset="-120"/>
+              </a:rPr>
+              <a:t>manager token, </a:t>
+            </a:r>
+            <a:r>
+              <a:rPr lang="en-US" altLang="zh-TW" dirty="0" err="1" smtClean="0">
+                <a:solidFill>
+                  <a:schemeClr val="tx1">
+                    <a:lumMod val="75000"/>
+                  </a:schemeClr>
+                </a:solidFill>
+                <a:latin typeface="微軟正黑體" panose="020B0604030504040204" pitchFamily="34" charset="-120"/>
+                <a:ea typeface="微軟正黑體" panose="020B0604030504040204" pitchFamily="34" charset="-120"/>
+              </a:rPr>
+              <a:t>memberID</a:t>
+            </a:r>
+            <a:r>
+              <a:rPr lang="en-US" altLang="zh-TW" dirty="0" smtClean="0">
+                <a:solidFill>
+                  <a:schemeClr val="tx1">
+                    <a:lumMod val="75000"/>
+                  </a:schemeClr>
+                </a:solidFill>
+                <a:latin typeface="微軟正黑體" panose="020B0604030504040204" pitchFamily="34" charset="-120"/>
+                <a:ea typeface="微軟正黑體" panose="020B0604030504040204" pitchFamily="34" charset="-120"/>
+              </a:rPr>
+              <a:t>)</a:t>
+            </a:r>
+          </a:p>
+          <a:p>
+            <a:r>
+              <a:rPr lang="zh-TW" altLang="en-US" dirty="0">
+                <a:solidFill>
+                  <a:schemeClr val="tx1">
+                    <a:lumMod val="75000"/>
+                  </a:schemeClr>
+                </a:solidFill>
+                <a:latin typeface="微軟正黑體" panose="020B0604030504040204" pitchFamily="34" charset="-120"/>
+                <a:ea typeface="微軟正黑體" panose="020B0604030504040204" pitchFamily="34" charset="-120"/>
+              </a:rPr>
+              <a:t>需要</a:t>
+            </a:r>
+            <a:r>
+              <a:rPr lang="zh-TW" altLang="en-US" dirty="0" smtClean="0">
+                <a:solidFill>
+                  <a:schemeClr val="tx1">
+                    <a:lumMod val="75000"/>
+                  </a:schemeClr>
+                </a:solidFill>
+                <a:latin typeface="微軟正黑體" panose="020B0604030504040204" pitchFamily="34" charset="-120"/>
+                <a:ea typeface="微軟正黑體" panose="020B0604030504040204" pitchFamily="34" charset="-120"/>
+              </a:rPr>
+              <a:t>修改：</a:t>
+            </a:r>
+            <a:endParaRPr lang="en-US" altLang="zh-TW" dirty="0" smtClean="0">
+              <a:solidFill>
+                <a:schemeClr val="tx1">
+                  <a:lumMod val="75000"/>
+                </a:schemeClr>
+              </a:solidFill>
+              <a:latin typeface="微軟正黑體" panose="020B0604030504040204" pitchFamily="34" charset="-120"/>
+              <a:ea typeface="微軟正黑體" panose="020B0604030504040204" pitchFamily="34" charset="-120"/>
+            </a:endParaRPr>
+          </a:p>
+          <a:p>
+            <a:r>
+              <a:rPr lang="zh-TW" altLang="en-US" dirty="0">
+                <a:solidFill>
+                  <a:schemeClr val="tx1">
+                    <a:lumMod val="75000"/>
+                  </a:schemeClr>
+                </a:solidFill>
+                <a:latin typeface="微軟正黑體" panose="020B0604030504040204" pitchFamily="34" charset="-120"/>
+                <a:ea typeface="微軟正黑體" panose="020B0604030504040204" pitchFamily="34" charset="-120"/>
+              </a:rPr>
+              <a:t>醫師</a:t>
+            </a:r>
+            <a:r>
+              <a:rPr lang="zh-TW" altLang="en-US" dirty="0" smtClean="0">
+                <a:solidFill>
+                  <a:schemeClr val="tx1">
+                    <a:lumMod val="75000"/>
+                  </a:schemeClr>
+                </a:solidFill>
+                <a:latin typeface="微軟正黑體" panose="020B0604030504040204" pitchFamily="34" charset="-120"/>
+                <a:ea typeface="微軟正黑體" panose="020B0604030504040204" pitchFamily="34" charset="-120"/>
+              </a:rPr>
+              <a:t>與病人的</a:t>
+            </a:r>
+            <a:r>
+              <a:rPr lang="en-US" altLang="zh-TW" dirty="0" smtClean="0">
+                <a:solidFill>
+                  <a:schemeClr val="tx1">
+                    <a:lumMod val="75000"/>
+                  </a:schemeClr>
+                </a:solidFill>
+                <a:latin typeface="微軟正黑體" panose="020B0604030504040204" pitchFamily="34" charset="-120"/>
+                <a:ea typeface="微軟正黑體" panose="020B0604030504040204" pitchFamily="34" charset="-120"/>
+              </a:rPr>
+              <a:t>profile</a:t>
+            </a:r>
+            <a:r>
+              <a:rPr lang="zh-TW" altLang="en-US" dirty="0" smtClean="0">
+                <a:solidFill>
+                  <a:schemeClr val="tx1">
+                    <a:lumMod val="75000"/>
+                  </a:schemeClr>
+                </a:solidFill>
+                <a:latin typeface="微軟正黑體" panose="020B0604030504040204" pitchFamily="34" charset="-120"/>
+                <a:ea typeface="微軟正黑體" panose="020B0604030504040204" pitchFamily="34" charset="-120"/>
+              </a:rPr>
+              <a:t> </a:t>
+            </a:r>
+            <a:r>
+              <a:rPr lang="en-US" altLang="zh-TW" dirty="0" smtClean="0">
+                <a:solidFill>
+                  <a:schemeClr val="tx1">
+                    <a:lumMod val="75000"/>
+                  </a:schemeClr>
+                </a:solidFill>
+                <a:latin typeface="微軟正黑體" panose="020B0604030504040204" pitchFamily="34" charset="-120"/>
+                <a:ea typeface="微軟正黑體" panose="020B0604030504040204" pitchFamily="34" charset="-120"/>
+              </a:rPr>
+              <a:t>image</a:t>
+            </a:r>
+            <a:r>
+              <a:rPr lang="zh-TW" altLang="en-US" dirty="0" smtClean="0">
+                <a:solidFill>
+                  <a:schemeClr val="tx1">
+                    <a:lumMod val="75000"/>
+                  </a:schemeClr>
+                </a:solidFill>
+                <a:latin typeface="微軟正黑體" panose="020B0604030504040204" pitchFamily="34" charset="-120"/>
+                <a:ea typeface="微軟正黑體" panose="020B0604030504040204" pitchFamily="34" charset="-120"/>
+              </a:rPr>
+              <a:t> </a:t>
+            </a:r>
+            <a:r>
+              <a:rPr lang="en-US" altLang="zh-TW" dirty="0" smtClean="0">
+                <a:solidFill>
+                  <a:schemeClr val="tx1">
+                    <a:lumMod val="75000"/>
+                  </a:schemeClr>
+                </a:solidFill>
+                <a:latin typeface="微軟正黑體" panose="020B0604030504040204" pitchFamily="34" charset="-120"/>
+                <a:ea typeface="微軟正黑體" panose="020B0604030504040204" pitchFamily="34" charset="-120"/>
+              </a:rPr>
+              <a:t>path</a:t>
+            </a:r>
+          </a:p>
+        </p:txBody>
+      </p:sp>
+      <p:sp>
+        <p:nvSpPr>
+          <p:cNvPr id="5" name="文字方塊 4"/>
+          <p:cNvSpPr txBox="1"/>
+          <p:nvPr/>
+        </p:nvSpPr>
+        <p:spPr>
+          <a:xfrm>
+            <a:off x="1071880" y="5776853"/>
+            <a:ext cx="6405880" cy="800219"/>
+          </a:xfrm>
+          <a:prstGeom prst="rect">
+            <a:avLst/>
+          </a:prstGeom>
+          <a:noFill/>
+        </p:spPr>
+        <p:txBody>
+          <a:bodyPr wrap="square" rtlCol="0">
+            <a:spAutoFit/>
+          </a:bodyPr>
+          <a:lstStyle/>
+          <a:p>
+            <a:r>
+              <a:rPr lang="zh-TW" altLang="en-US" sz="2800" b="1" dirty="0">
+                <a:solidFill>
+                  <a:schemeClr val="tx1">
+                    <a:lumMod val="75000"/>
+                  </a:schemeClr>
+                </a:solidFill>
+                <a:latin typeface="微軟正黑體" panose="020B0604030504040204" pitchFamily="34" charset="-120"/>
+                <a:ea typeface="微軟正黑體" panose="020B0604030504040204" pitchFamily="34" charset="-120"/>
+              </a:rPr>
+              <a:t>前</a:t>
+            </a:r>
+            <a:r>
+              <a:rPr lang="zh-TW" altLang="en-US" sz="2800" b="1" dirty="0" smtClean="0">
+                <a:solidFill>
+                  <a:schemeClr val="tx1">
+                    <a:lumMod val="75000"/>
+                  </a:schemeClr>
+                </a:solidFill>
+                <a:latin typeface="微軟正黑體" panose="020B0604030504040204" pitchFamily="34" charset="-120"/>
+                <a:ea typeface="微軟正黑體" panose="020B0604030504040204" pitchFamily="34" charset="-120"/>
+              </a:rPr>
+              <a:t>端</a:t>
+            </a:r>
+            <a:endParaRPr lang="en-US" altLang="zh-TW" sz="2800" b="1" dirty="0" smtClean="0">
+              <a:solidFill>
+                <a:schemeClr val="tx1">
+                  <a:lumMod val="75000"/>
+                </a:schemeClr>
+              </a:solidFill>
+              <a:latin typeface="微軟正黑體" panose="020B0604030504040204" pitchFamily="34" charset="-120"/>
+              <a:ea typeface="微軟正黑體" panose="020B0604030504040204" pitchFamily="34" charset="-120"/>
+            </a:endParaRPr>
+          </a:p>
+          <a:p>
+            <a:r>
+              <a:rPr lang="zh-TW" altLang="en-US" dirty="0">
+                <a:solidFill>
+                  <a:schemeClr val="tx1">
+                    <a:lumMod val="75000"/>
+                  </a:schemeClr>
+                </a:solidFill>
+                <a:latin typeface="微軟正黑體" panose="020B0604030504040204" pitchFamily="34" charset="-120"/>
+                <a:ea typeface="微軟正黑體" panose="020B0604030504040204" pitchFamily="34" charset="-120"/>
+              </a:rPr>
+              <a:t>上傳</a:t>
+            </a:r>
+            <a:r>
+              <a:rPr lang="zh-TW" altLang="en-US" dirty="0" smtClean="0">
+                <a:solidFill>
+                  <a:schemeClr val="tx1">
+                    <a:lumMod val="75000"/>
+                  </a:schemeClr>
+                </a:solidFill>
+                <a:latin typeface="微軟正黑體" panose="020B0604030504040204" pitchFamily="34" charset="-120"/>
+                <a:ea typeface="微軟正黑體" panose="020B0604030504040204" pitchFamily="34" charset="-120"/>
+              </a:rPr>
+              <a:t>影像頁面：新增按鈕</a:t>
+            </a:r>
+            <a:r>
+              <a:rPr lang="en-US" altLang="zh-TW" dirty="0" smtClean="0">
+                <a:solidFill>
+                  <a:schemeClr val="tx1">
+                    <a:lumMod val="75000"/>
+                  </a:schemeClr>
+                </a:solidFill>
+                <a:latin typeface="微軟正黑體" panose="020B0604030504040204" pitchFamily="34" charset="-120"/>
+                <a:ea typeface="微軟正黑體" panose="020B0604030504040204" pitchFamily="34" charset="-120"/>
+              </a:rPr>
+              <a:t>(</a:t>
+            </a:r>
+            <a:r>
+              <a:rPr lang="zh-TW" altLang="en-US" dirty="0" smtClean="0">
+                <a:solidFill>
+                  <a:schemeClr val="tx1">
+                    <a:lumMod val="75000"/>
+                  </a:schemeClr>
+                </a:solidFill>
+                <a:latin typeface="微軟正黑體" panose="020B0604030504040204" pitchFamily="34" charset="-120"/>
+                <a:ea typeface="微軟正黑體" panose="020B0604030504040204" pitchFamily="34" charset="-120"/>
+              </a:rPr>
+              <a:t>建立紀錄</a:t>
+            </a:r>
+            <a:r>
+              <a:rPr lang="en-US" altLang="zh-TW" dirty="0" smtClean="0">
+                <a:solidFill>
+                  <a:schemeClr val="tx1">
+                    <a:lumMod val="75000"/>
+                  </a:schemeClr>
+                </a:solidFill>
+                <a:latin typeface="微軟正黑體" panose="020B0604030504040204" pitchFamily="34" charset="-120"/>
+                <a:ea typeface="微軟正黑體" panose="020B0604030504040204" pitchFamily="34" charset="-120"/>
+              </a:rPr>
+              <a:t>-&gt;AI</a:t>
+            </a:r>
+            <a:r>
+              <a:rPr lang="zh-TW" altLang="en-US" dirty="0" smtClean="0">
+                <a:solidFill>
+                  <a:schemeClr val="tx1">
+                    <a:lumMod val="75000"/>
+                  </a:schemeClr>
+                </a:solidFill>
+                <a:latin typeface="微軟正黑體" panose="020B0604030504040204" pitchFamily="34" charset="-120"/>
+                <a:ea typeface="微軟正黑體" panose="020B0604030504040204" pitchFamily="34" charset="-120"/>
+              </a:rPr>
+              <a:t>計算</a:t>
+            </a:r>
+            <a:r>
+              <a:rPr lang="en-US" altLang="zh-TW" dirty="0" smtClean="0">
+                <a:solidFill>
+                  <a:schemeClr val="tx1">
+                    <a:lumMod val="75000"/>
+                  </a:schemeClr>
+                </a:solidFill>
+                <a:latin typeface="微軟正黑體" panose="020B0604030504040204" pitchFamily="34" charset="-120"/>
+                <a:ea typeface="微軟正黑體" panose="020B0604030504040204" pitchFamily="34" charset="-120"/>
+              </a:rPr>
+              <a:t>-&gt;</a:t>
+            </a:r>
+            <a:r>
+              <a:rPr lang="zh-TW" altLang="en-US" dirty="0" smtClean="0">
+                <a:solidFill>
+                  <a:schemeClr val="tx1">
+                    <a:lumMod val="75000"/>
+                  </a:schemeClr>
+                </a:solidFill>
+                <a:latin typeface="微軟正黑體" panose="020B0604030504040204" pitchFamily="34" charset="-120"/>
+                <a:ea typeface="微軟正黑體" panose="020B0604030504040204" pitchFamily="34" charset="-120"/>
+              </a:rPr>
+              <a:t>儲存</a:t>
+            </a:r>
+            <a:r>
+              <a:rPr lang="en-US" altLang="zh-TW" dirty="0" smtClean="0">
+                <a:solidFill>
+                  <a:schemeClr val="tx1">
+                    <a:lumMod val="75000"/>
+                  </a:schemeClr>
+                </a:solidFill>
+                <a:latin typeface="微軟正黑體" panose="020B0604030504040204" pitchFamily="34" charset="-120"/>
+                <a:ea typeface="微軟正黑體" panose="020B0604030504040204" pitchFamily="34" charset="-120"/>
+              </a:rPr>
+              <a:t>)</a:t>
+            </a:r>
+          </a:p>
+        </p:txBody>
+      </p:sp>
+    </p:spTree>
+    <p:extLst>
+      <p:ext uri="{BB962C8B-B14F-4D97-AF65-F5344CB8AC3E}">
+        <p14:creationId xmlns:p14="http://schemas.microsoft.com/office/powerpoint/2010/main" val="4285036511"/>
+      </p:ext>
+    </p:extLst>
+  </p:cSld>
+  <p:clrMapOvr>
+    <a:masterClrMapping/>
+  </p:clrMapOvr>
+  <p:timing>
+    <p:tnLst>
+      <p:par>
+        <p:cTn id="1" dur="indefinite" restart="never" nodeType="tmRoot"/>
+      </p:par>
+    </p:tnLst>
+  </p:timing>
+</p:sld>
+</file>
+
+<file path=ppt/slides/slide16.xml><?xml version="1.0" encoding="utf-8"?>
+<p:sld xmlns:a="http://schemas.openxmlformats.org/drawingml/2006/main" xmlns:r="http://schemas.openxmlformats.org/officeDocument/2006/relationships" xmlns:p="http://schemas.openxmlformats.org/presentationml/2006/main">
+  <p:cSld>
+    <p:spTree>
+      <p:nvGrpSpPr>
+        <p:cNvPr id="1" name=""/>
+        <p:cNvGrpSpPr/>
+        <p:nvPr/>
+      </p:nvGrpSpPr>
+      <p:grpSpPr>
+        <a:xfrm>
+          <a:off x="0" y="0"/>
+          <a:ext cx="0" cy="0"/>
+          <a:chOff x="0" y="0"/>
+          <a:chExt cx="0" cy="0"/>
+        </a:xfrm>
+      </p:grpSpPr>
+      <p:pic>
+        <p:nvPicPr>
+          <p:cNvPr id="4" name="圖片 3"/>
+          <p:cNvPicPr>
+            <a:picLocks noChangeAspect="1"/>
+          </p:cNvPicPr>
+          <p:nvPr/>
+        </p:nvPicPr>
+        <p:blipFill>
+          <a:blip r:embed="rId2"/>
+          <a:stretch>
+            <a:fillRect/>
+          </a:stretch>
+        </p:blipFill>
+        <p:spPr>
+          <a:xfrm>
+            <a:off x="0" y="128609"/>
+            <a:ext cx="6173061" cy="6668431"/>
+          </a:xfrm>
+          <a:prstGeom prst="rect">
+            <a:avLst/>
+          </a:prstGeom>
+        </p:spPr>
+      </p:pic>
+      <p:sp>
+        <p:nvSpPr>
+          <p:cNvPr id="5" name="文字方塊 4"/>
+          <p:cNvSpPr txBox="1"/>
+          <p:nvPr/>
+        </p:nvSpPr>
+        <p:spPr>
+          <a:xfrm>
+            <a:off x="6681685" y="1076960"/>
+            <a:ext cx="7132320" cy="923330"/>
+          </a:xfrm>
+          <a:prstGeom prst="rect">
+            <a:avLst/>
+          </a:prstGeom>
+          <a:noFill/>
+        </p:spPr>
+        <p:txBody>
+          <a:bodyPr wrap="square" rtlCol="0">
+            <a:spAutoFit/>
+          </a:bodyPr>
+          <a:lstStyle/>
+          <a:p>
+            <a:r>
+              <a:rPr lang="zh-TW" altLang="en-US" dirty="0" smtClean="0">
+                <a:latin typeface="微軟正黑體" panose="020B0604030504040204" pitchFamily="34" charset="-120"/>
+                <a:ea typeface="微軟正黑體" panose="020B0604030504040204" pitchFamily="34" charset="-120"/>
+              </a:rPr>
+              <a:t>建立紀錄</a:t>
+            </a:r>
+            <a:r>
+              <a:rPr lang="en-US" altLang="zh-TW" dirty="0">
+                <a:latin typeface="微軟正黑體" panose="020B0604030504040204" pitchFamily="34" charset="-120"/>
+                <a:ea typeface="微軟正黑體" panose="020B0604030504040204" pitchFamily="34" charset="-120"/>
+              </a:rPr>
+              <a:t> </a:t>
+            </a:r>
+            <a:r>
+              <a:rPr lang="en-US" altLang="zh-TW" dirty="0" smtClean="0">
+                <a:latin typeface="微軟正黑體" panose="020B0604030504040204" pitchFamily="34" charset="-120"/>
+                <a:ea typeface="微軟正黑體" panose="020B0604030504040204" pitchFamily="34" charset="-120"/>
+              </a:rPr>
+              <a:t>/upload/Record</a:t>
+            </a:r>
+          </a:p>
+          <a:p>
+            <a:r>
+              <a:rPr lang="en-US" altLang="zh-TW" dirty="0" smtClean="0">
+                <a:latin typeface="微軟正黑體" panose="020B0604030504040204" pitchFamily="34" charset="-120"/>
+                <a:ea typeface="微軟正黑體" panose="020B0604030504040204" pitchFamily="34" charset="-120"/>
+              </a:rPr>
+              <a:t>AI</a:t>
+            </a:r>
+            <a:r>
+              <a:rPr lang="zh-TW" altLang="en-US" dirty="0" smtClean="0">
+                <a:latin typeface="微軟正黑體" panose="020B0604030504040204" pitchFamily="34" charset="-120"/>
+                <a:ea typeface="微軟正黑體" panose="020B0604030504040204" pitchFamily="34" charset="-120"/>
+              </a:rPr>
+              <a:t>計算 </a:t>
+            </a:r>
+            <a:r>
+              <a:rPr lang="en-US" altLang="zh-TW" dirty="0" smtClean="0">
+                <a:latin typeface="微軟正黑體" panose="020B0604030504040204" pitchFamily="34" charset="-120"/>
+                <a:ea typeface="微軟正黑體" panose="020B0604030504040204" pitchFamily="34" charset="-120"/>
+              </a:rPr>
+              <a:t>	/</a:t>
+            </a:r>
+            <a:r>
+              <a:rPr lang="en-US" altLang="zh-TW" dirty="0" err="1" smtClean="0">
+                <a:latin typeface="微軟正黑體" panose="020B0604030504040204" pitchFamily="34" charset="-120"/>
+                <a:ea typeface="微軟正黑體" panose="020B0604030504040204" pitchFamily="34" charset="-120"/>
+              </a:rPr>
+              <a:t>ai</a:t>
+            </a:r>
+            <a:endParaRPr lang="en-US" altLang="zh-TW" dirty="0" smtClean="0">
+              <a:latin typeface="微軟正黑體" panose="020B0604030504040204" pitchFamily="34" charset="-120"/>
+              <a:ea typeface="微軟正黑體" panose="020B0604030504040204" pitchFamily="34" charset="-120"/>
+            </a:endParaRPr>
+          </a:p>
+          <a:p>
+            <a:r>
+              <a:rPr lang="zh-TW" altLang="en-US" b="1" dirty="0" smtClean="0">
+                <a:latin typeface="微軟正黑體" panose="020B0604030504040204" pitchFamily="34" charset="-120"/>
+                <a:ea typeface="微軟正黑體" panose="020B0604030504040204" pitchFamily="34" charset="-120"/>
+              </a:rPr>
+              <a:t>儲存</a:t>
+            </a:r>
+            <a:r>
+              <a:rPr lang="en-US" altLang="zh-TW" b="1" dirty="0" smtClean="0">
+                <a:latin typeface="微軟正黑體" panose="020B0604030504040204" pitchFamily="34" charset="-120"/>
+                <a:ea typeface="微軟正黑體" panose="020B0604030504040204" pitchFamily="34" charset="-120"/>
+              </a:rPr>
+              <a:t>	/upload/Restore</a:t>
+            </a:r>
+            <a:endParaRPr lang="en-US" altLang="zh-TW" dirty="0" smtClean="0">
+              <a:latin typeface="微軟正黑體" panose="020B0604030504040204" pitchFamily="34" charset="-120"/>
+              <a:ea typeface="微軟正黑體" panose="020B0604030504040204" pitchFamily="34" charset="-120"/>
+            </a:endParaRPr>
+          </a:p>
+        </p:txBody>
+      </p:sp>
+      <p:sp>
+        <p:nvSpPr>
+          <p:cNvPr id="6" name="文字方塊 5"/>
+          <p:cNvSpPr txBox="1"/>
+          <p:nvPr/>
+        </p:nvSpPr>
+        <p:spPr>
+          <a:xfrm>
+            <a:off x="6014720" y="5933440"/>
+            <a:ext cx="5120640" cy="461665"/>
+          </a:xfrm>
+          <a:prstGeom prst="rect">
+            <a:avLst/>
+          </a:prstGeom>
+          <a:noFill/>
+        </p:spPr>
+        <p:txBody>
+          <a:bodyPr wrap="square" rtlCol="0">
+            <a:spAutoFit/>
+          </a:bodyPr>
+          <a:lstStyle/>
+          <a:p>
+            <a:r>
+              <a:rPr lang="zh-TW" altLang="en-US" sz="2400" b="1" dirty="0" smtClean="0">
+                <a:latin typeface="微軟正黑體" panose="020B0604030504040204" pitchFamily="34" charset="-120"/>
+                <a:ea typeface="微軟正黑體" panose="020B0604030504040204" pitchFamily="34" charset="-120"/>
+              </a:rPr>
+              <a:t>建立紀錄 → </a:t>
+            </a:r>
+            <a:r>
+              <a:rPr lang="en-US" altLang="zh-TW" sz="2400" b="1" dirty="0" smtClean="0">
+                <a:latin typeface="微軟正黑體" panose="020B0604030504040204" pitchFamily="34" charset="-120"/>
+                <a:ea typeface="微軟正黑體" panose="020B0604030504040204" pitchFamily="34" charset="-120"/>
+              </a:rPr>
+              <a:t>AI</a:t>
+            </a:r>
+            <a:r>
+              <a:rPr lang="zh-TW" altLang="en-US" sz="2400" b="1" dirty="0" smtClean="0">
+                <a:latin typeface="微軟正黑體" panose="020B0604030504040204" pitchFamily="34" charset="-120"/>
+                <a:ea typeface="微軟正黑體" panose="020B0604030504040204" pitchFamily="34" charset="-120"/>
+              </a:rPr>
+              <a:t>計算 → 儲存</a:t>
+            </a:r>
+            <a:r>
+              <a:rPr lang="en-US" altLang="zh-TW" sz="2400" b="1" dirty="0" smtClean="0">
+                <a:latin typeface="微軟正黑體" panose="020B0604030504040204" pitchFamily="34" charset="-120"/>
+                <a:ea typeface="微軟正黑體" panose="020B0604030504040204" pitchFamily="34" charset="-120"/>
+              </a:rPr>
+              <a:t>(2D</a:t>
+            </a:r>
+            <a:r>
+              <a:rPr lang="zh-TW" altLang="en-US" sz="2400" b="1" dirty="0" smtClean="0">
+                <a:latin typeface="微軟正黑體" panose="020B0604030504040204" pitchFamily="34" charset="-120"/>
+                <a:ea typeface="微軟正黑體" panose="020B0604030504040204" pitchFamily="34" charset="-120"/>
+              </a:rPr>
+              <a:t>切片</a:t>
+            </a:r>
+            <a:r>
+              <a:rPr lang="en-US" altLang="zh-TW" sz="2400" b="1" dirty="0" smtClean="0">
+                <a:latin typeface="微軟正黑體" panose="020B0604030504040204" pitchFamily="34" charset="-120"/>
+                <a:ea typeface="微軟正黑體" panose="020B0604030504040204" pitchFamily="34" charset="-120"/>
+              </a:rPr>
+              <a:t>)</a:t>
+            </a:r>
+          </a:p>
+        </p:txBody>
+      </p:sp>
+      <p:sp>
+        <p:nvSpPr>
+          <p:cNvPr id="7" name="文字方塊 6"/>
+          <p:cNvSpPr txBox="1"/>
+          <p:nvPr/>
+        </p:nvSpPr>
+        <p:spPr>
+          <a:xfrm>
+            <a:off x="5276011" y="3624896"/>
+            <a:ext cx="2811349" cy="369332"/>
+          </a:xfrm>
+          <a:prstGeom prst="rect">
+            <a:avLst/>
+          </a:prstGeom>
+          <a:noFill/>
+        </p:spPr>
+        <p:txBody>
+          <a:bodyPr wrap="square" rtlCol="0">
+            <a:spAutoFit/>
+          </a:bodyPr>
+          <a:lstStyle/>
+          <a:p>
+            <a:r>
+              <a:rPr lang="zh-TW" altLang="en-US" dirty="0" smtClean="0">
+                <a:latin typeface="微軟正黑體" panose="020B0604030504040204" pitchFamily="34" charset="-120"/>
+                <a:ea typeface="微軟正黑體" panose="020B0604030504040204" pitchFamily="34" charset="-120"/>
+              </a:rPr>
+              <a:t>在建立紀錄時計算</a:t>
+            </a:r>
+            <a:endParaRPr lang="en-US" altLang="zh-TW" dirty="0" smtClean="0">
+              <a:latin typeface="微軟正黑體" panose="020B0604030504040204" pitchFamily="34" charset="-120"/>
+              <a:ea typeface="微軟正黑體" panose="020B0604030504040204" pitchFamily="34" charset="-120"/>
+            </a:endParaRPr>
+          </a:p>
+        </p:txBody>
+      </p:sp>
+      <p:sp>
+        <p:nvSpPr>
+          <p:cNvPr id="10" name="文字方塊 9"/>
+          <p:cNvSpPr txBox="1"/>
+          <p:nvPr/>
+        </p:nvSpPr>
+        <p:spPr>
+          <a:xfrm>
+            <a:off x="5357290" y="4353956"/>
+            <a:ext cx="2811349" cy="369332"/>
+          </a:xfrm>
+          <a:prstGeom prst="rect">
+            <a:avLst/>
+          </a:prstGeom>
+          <a:noFill/>
+        </p:spPr>
+        <p:txBody>
+          <a:bodyPr wrap="square" rtlCol="0">
+            <a:spAutoFit/>
+          </a:bodyPr>
+          <a:lstStyle/>
+          <a:p>
+            <a:r>
+              <a:rPr lang="en-US" altLang="zh-TW" dirty="0" smtClean="0">
+                <a:latin typeface="微軟正黑體" panose="020B0604030504040204" pitchFamily="34" charset="-120"/>
+                <a:ea typeface="微軟正黑體" panose="020B0604030504040204" pitchFamily="34" charset="-120"/>
+              </a:rPr>
+              <a:t>AI</a:t>
+            </a:r>
+            <a:r>
+              <a:rPr lang="zh-TW" altLang="en-US" dirty="0" smtClean="0">
+                <a:latin typeface="微軟正黑體" panose="020B0604030504040204" pitchFamily="34" charset="-120"/>
+                <a:ea typeface="微軟正黑體" panose="020B0604030504040204" pitchFamily="34" charset="-120"/>
+              </a:rPr>
+              <a:t>計算</a:t>
+            </a:r>
+            <a:endParaRPr lang="en-US" altLang="zh-TW" dirty="0" smtClean="0">
+              <a:latin typeface="微軟正黑體" panose="020B0604030504040204" pitchFamily="34" charset="-120"/>
+              <a:ea typeface="微軟正黑體" panose="020B0604030504040204" pitchFamily="34" charset="-120"/>
+            </a:endParaRPr>
+          </a:p>
+        </p:txBody>
+      </p:sp>
+      <p:sp>
+        <p:nvSpPr>
+          <p:cNvPr id="11" name="文字方塊 10"/>
+          <p:cNvSpPr txBox="1"/>
+          <p:nvPr/>
+        </p:nvSpPr>
+        <p:spPr>
+          <a:xfrm>
+            <a:off x="5357289" y="5083016"/>
+            <a:ext cx="2811349" cy="369332"/>
+          </a:xfrm>
+          <a:prstGeom prst="rect">
+            <a:avLst/>
+          </a:prstGeom>
+          <a:noFill/>
+        </p:spPr>
+        <p:txBody>
+          <a:bodyPr wrap="square" rtlCol="0">
+            <a:spAutoFit/>
+          </a:bodyPr>
+          <a:lstStyle/>
+          <a:p>
+            <a:r>
+              <a:rPr lang="en-US" altLang="zh-TW" dirty="0" smtClean="0">
+                <a:latin typeface="微軟正黑體" panose="020B0604030504040204" pitchFamily="34" charset="-120"/>
+                <a:ea typeface="微軟正黑體" panose="020B0604030504040204" pitchFamily="34" charset="-120"/>
+              </a:rPr>
+              <a:t>AI</a:t>
+            </a:r>
+            <a:r>
+              <a:rPr lang="zh-TW" altLang="en-US" dirty="0" smtClean="0">
+                <a:latin typeface="微軟正黑體" panose="020B0604030504040204" pitchFamily="34" charset="-120"/>
+                <a:ea typeface="微軟正黑體" panose="020B0604030504040204" pitchFamily="34" charset="-120"/>
+              </a:rPr>
+              <a:t>計算</a:t>
+            </a:r>
+            <a:endParaRPr lang="en-US" altLang="zh-TW" dirty="0" smtClean="0">
+              <a:latin typeface="微軟正黑體" panose="020B0604030504040204" pitchFamily="34" charset="-120"/>
+              <a:ea typeface="微軟正黑體" panose="020B0604030504040204" pitchFamily="34" charset="-120"/>
+            </a:endParaRPr>
+          </a:p>
+        </p:txBody>
+      </p:sp>
+      <p:sp>
+        <p:nvSpPr>
+          <p:cNvPr id="12" name="文字方塊 11"/>
+          <p:cNvSpPr txBox="1"/>
+          <p:nvPr/>
+        </p:nvSpPr>
+        <p:spPr>
+          <a:xfrm>
+            <a:off x="5357289" y="2166776"/>
+            <a:ext cx="2811349" cy="369332"/>
+          </a:xfrm>
+          <a:prstGeom prst="rect">
+            <a:avLst/>
+          </a:prstGeom>
+          <a:noFill/>
+        </p:spPr>
+        <p:txBody>
+          <a:bodyPr wrap="square" rtlCol="0">
+            <a:spAutoFit/>
+          </a:bodyPr>
+          <a:lstStyle/>
+          <a:p>
+            <a:r>
+              <a:rPr lang="en-US" altLang="zh-TW" dirty="0" smtClean="0">
+                <a:solidFill>
+                  <a:srgbClr val="FF0000"/>
+                </a:solidFill>
+                <a:latin typeface="微軟正黑體" panose="020B0604030504040204" pitchFamily="34" charset="-120"/>
+                <a:ea typeface="微軟正黑體" panose="020B0604030504040204" pitchFamily="34" charset="-120"/>
+              </a:rPr>
+              <a:t>YYYY/MM/DD</a:t>
+            </a:r>
+          </a:p>
+        </p:txBody>
+      </p:sp>
+    </p:spTree>
+    <p:extLst>
+      <p:ext uri="{BB962C8B-B14F-4D97-AF65-F5344CB8AC3E}">
+        <p14:creationId xmlns:p14="http://schemas.microsoft.com/office/powerpoint/2010/main" val="3738079442"/>
+      </p:ext>
+    </p:extLst>
+  </p:cSld>
+  <p:clrMapOvr>
+    <a:masterClrMapping/>
+  </p:clrMapOvr>
+  <p:timing>
+    <p:tnLst>
+      <p:par>
+        <p:cTn id="1" dur="indefinite" restart="never" nodeType="tmRoot"/>
+      </p:par>
+    </p:tnLst>
+  </p:timing>
+</p:sld>
+</file>
+
+<file path=ppt/slides/slide17.xml><?xml version="1.0" encoding="utf-8"?>
+<p:sld xmlns:a="http://schemas.openxmlformats.org/drawingml/2006/main" xmlns:r="http://schemas.openxmlformats.org/officeDocument/2006/relationships" xmlns:p="http://schemas.openxmlformats.org/presentationml/2006/main">
+  <p:cSld>
+    <p:spTree>
+      <p:nvGrpSpPr>
+        <p:cNvPr id="1" name=""/>
+        <p:cNvGrpSpPr/>
+        <p:nvPr/>
+      </p:nvGrpSpPr>
+      <p:grpSpPr>
+        <a:xfrm>
+          <a:off x="0" y="0"/>
+          <a:ext cx="0" cy="0"/>
+          <a:chOff x="0" y="0"/>
+          <a:chExt cx="0" cy="0"/>
+        </a:xfrm>
+      </p:grpSpPr>
+      <p:sp>
+        <p:nvSpPr>
           <p:cNvPr id="4" name="文字方塊 3"/>
           <p:cNvSpPr txBox="1"/>
           <p:nvPr/>
@@ -4844,10 +6277,17 @@
   <p:clrMapOvr>
     <a:masterClrMapping/>
   </p:clrMapOvr>
+  <p:timing>
+    <p:tnLst>
+      <p:par>
+        <p:cTn id="1" dur="indefinite" restart="never" nodeType="tmRoot"/>
+      </p:par>
+    </p:tnLst>
+  </p:timing>
 </p:sld>
 </file>
 
-<file path=ppt/slides/slide15.xml><?xml version="1.0" encoding="utf-8"?>
+<file path=ppt/slides/slide18.xml><?xml version="1.0" encoding="utf-8"?>
 <p:sld xmlns:a="http://schemas.openxmlformats.org/drawingml/2006/main" xmlns:r="http://schemas.openxmlformats.org/officeDocument/2006/relationships" xmlns:p="http://schemas.openxmlformats.org/presentationml/2006/main">
   <p:cSld>
     <p:spTree>
@@ -5039,7 +6479,7 @@
                     <a:lstStyle/>
                     <a:p>
                       <a:r>
-                        <a:rPr lang="zh-TW" altLang="en-US" smtClean="0">
+                        <a:rPr lang="zh-TW" altLang="en-US" dirty="0" smtClean="0">
                           <a:latin typeface="微軟正黑體" panose="020B0604030504040204" pitchFamily="34" charset="-120"/>
                           <a:ea typeface="微軟正黑體" panose="020B0604030504040204" pitchFamily="34" charset="-120"/>
                         </a:rPr>
@@ -6435,7 +7875,7 @@
                         <a:defRPr/>
                       </a:pPr>
                       <a:r>
-                        <a:rPr lang="zh-TW" altLang="en-US" smtClean="0">
+                        <a:rPr lang="zh-TW" altLang="en-US" dirty="0" smtClean="0">
                           <a:solidFill>
                             <a:srgbClr val="92D050"/>
                           </a:solidFill>
@@ -6444,7 +7884,7 @@
                         </a:rPr>
                         <a:t>病患資料編輯</a:t>
                       </a:r>
-                      <a:endParaRPr lang="en-US" altLang="zh-TW" smtClean="0">
+                      <a:endParaRPr lang="en-US" altLang="zh-TW" dirty="0" smtClean="0">
                         <a:solidFill>
                           <a:srgbClr val="92D050"/>
                         </a:solidFill>
@@ -6454,7 +7894,7 @@
                     </a:p>
                     <a:p>
                       <a:r>
-                        <a:rPr lang="zh-TW" altLang="en-US" smtClean="0">
+                        <a:rPr lang="zh-TW" altLang="en-US" dirty="0" smtClean="0">
                           <a:solidFill>
                             <a:srgbClr val="92D050"/>
                           </a:solidFill>

--- a/會議記錄/會議記錄.pptx
+++ b/會議記錄/會議記錄.pptx
@@ -214,7 +214,7 @@
           <a:p>
             <a:fld id="{33C68CCD-F31B-437B-965E-855E94FE60A6}" type="datetimeFigureOut">
               <a:rPr lang="zh-TW" altLang="en-US" smtClean="0"/>
-              <a:t>2025/3/28</a:t>
+              <a:t>2025/4/1</a:t>
             </a:fld>
             <a:endParaRPr lang="zh-TW" altLang="en-US"/>
           </a:p>
@@ -619,7 +619,7 @@
           <a:p>
             <a:fld id="{F404DC6C-E353-4FBF-8B7B-7C2F0DFA34E8}" type="datetimeFigureOut">
               <a:rPr lang="zh-TW" altLang="en-US" smtClean="0"/>
-              <a:t>2025/3/28</a:t>
+              <a:t>2025/4/1</a:t>
             </a:fld>
             <a:endParaRPr lang="zh-TW" altLang="en-US"/>
           </a:p>
@@ -789,7 +789,7 @@
           <a:p>
             <a:fld id="{F404DC6C-E353-4FBF-8B7B-7C2F0DFA34E8}" type="datetimeFigureOut">
               <a:rPr lang="zh-TW" altLang="en-US" smtClean="0"/>
-              <a:t>2025/3/28</a:t>
+              <a:t>2025/4/1</a:t>
             </a:fld>
             <a:endParaRPr lang="zh-TW" altLang="en-US"/>
           </a:p>
@@ -969,7 +969,7 @@
           <a:p>
             <a:fld id="{F404DC6C-E353-4FBF-8B7B-7C2F0DFA34E8}" type="datetimeFigureOut">
               <a:rPr lang="zh-TW" altLang="en-US" smtClean="0"/>
-              <a:t>2025/3/28</a:t>
+              <a:t>2025/4/1</a:t>
             </a:fld>
             <a:endParaRPr lang="zh-TW" altLang="en-US"/>
           </a:p>
@@ -1189,7 +1189,7 @@
           <a:p>
             <a:fld id="{F404DC6C-E353-4FBF-8B7B-7C2F0DFA34E8}" type="datetimeFigureOut">
               <a:rPr lang="zh-TW" altLang="en-US" smtClean="0"/>
-              <a:t>2025/3/28</a:t>
+              <a:t>2025/4/1</a:t>
             </a:fld>
             <a:endParaRPr lang="zh-TW" altLang="en-US"/>
           </a:p>
@@ -1435,7 +1435,7 @@
           <a:p>
             <a:fld id="{F404DC6C-E353-4FBF-8B7B-7C2F0DFA34E8}" type="datetimeFigureOut">
               <a:rPr lang="zh-TW" altLang="en-US" smtClean="0"/>
-              <a:t>2025/3/28</a:t>
+              <a:t>2025/4/1</a:t>
             </a:fld>
             <a:endParaRPr lang="zh-TW" altLang="en-US"/>
           </a:p>
@@ -1667,7 +1667,7 @@
           <a:p>
             <a:fld id="{F404DC6C-E353-4FBF-8B7B-7C2F0DFA34E8}" type="datetimeFigureOut">
               <a:rPr lang="zh-TW" altLang="en-US" smtClean="0"/>
-              <a:t>2025/3/28</a:t>
+              <a:t>2025/4/1</a:t>
             </a:fld>
             <a:endParaRPr lang="zh-TW" altLang="en-US"/>
           </a:p>
@@ -2034,7 +2034,7 @@
           <a:p>
             <a:fld id="{F404DC6C-E353-4FBF-8B7B-7C2F0DFA34E8}" type="datetimeFigureOut">
               <a:rPr lang="zh-TW" altLang="en-US" smtClean="0"/>
-              <a:t>2025/3/28</a:t>
+              <a:t>2025/4/1</a:t>
             </a:fld>
             <a:endParaRPr lang="zh-TW" altLang="en-US"/>
           </a:p>
@@ -2152,7 +2152,7 @@
           <a:p>
             <a:fld id="{F404DC6C-E353-4FBF-8B7B-7C2F0DFA34E8}" type="datetimeFigureOut">
               <a:rPr lang="zh-TW" altLang="en-US" smtClean="0"/>
-              <a:t>2025/3/28</a:t>
+              <a:t>2025/4/1</a:t>
             </a:fld>
             <a:endParaRPr lang="zh-TW" altLang="en-US"/>
           </a:p>
@@ -2247,7 +2247,7 @@
           <a:p>
             <a:fld id="{F404DC6C-E353-4FBF-8B7B-7C2F0DFA34E8}" type="datetimeFigureOut">
               <a:rPr lang="zh-TW" altLang="en-US" smtClean="0"/>
-              <a:t>2025/3/28</a:t>
+              <a:t>2025/4/1</a:t>
             </a:fld>
             <a:endParaRPr lang="zh-TW" altLang="en-US"/>
           </a:p>
@@ -2524,7 +2524,7 @@
           <a:p>
             <a:fld id="{F404DC6C-E353-4FBF-8B7B-7C2F0DFA34E8}" type="datetimeFigureOut">
               <a:rPr lang="zh-TW" altLang="en-US" smtClean="0"/>
-              <a:t>2025/3/28</a:t>
+              <a:t>2025/4/1</a:t>
             </a:fld>
             <a:endParaRPr lang="zh-TW" altLang="en-US"/>
           </a:p>
@@ -2781,7 +2781,7 @@
           <a:p>
             <a:fld id="{F404DC6C-E353-4FBF-8B7B-7C2F0DFA34E8}" type="datetimeFigureOut">
               <a:rPr lang="zh-TW" altLang="en-US" smtClean="0"/>
-              <a:t>2025/3/28</a:t>
+              <a:t>2025/4/1</a:t>
             </a:fld>
             <a:endParaRPr lang="zh-TW" altLang="en-US"/>
           </a:p>
@@ -2994,7 +2994,7 @@
           <a:p>
             <a:fld id="{F404DC6C-E353-4FBF-8B7B-7C2F0DFA34E8}" type="datetimeFigureOut">
               <a:rPr lang="zh-TW" altLang="en-US" smtClean="0"/>
-              <a:t>2025/3/28</a:t>
+              <a:t>2025/4/1</a:t>
             </a:fld>
             <a:endParaRPr lang="zh-TW" altLang="en-US"/>
           </a:p>
@@ -4984,7 +4984,12 @@
             <p:ph idx="1"/>
           </p:nvPr>
         </p:nvSpPr>
-        <p:spPr/>
+        <p:spPr>
+          <a:xfrm>
+            <a:off x="838200" y="1300898"/>
+            <a:ext cx="10515600" cy="5404701"/>
+          </a:xfrm>
+        </p:spPr>
         <p:txBody>
           <a:bodyPr/>
           <a:lstStyle/>

--- a/會議記錄/會議記錄.pptx
+++ b/會議記錄/會議記錄.pptx
@@ -5,7 +5,7 @@
     <p:sldMasterId id="2147483660" r:id="rId1"/>
   </p:sldMasterIdLst>
   <p:notesMasterIdLst>
-    <p:notesMasterId r:id="rId20"/>
+    <p:notesMasterId r:id="rId23"/>
   </p:notesMasterIdLst>
   <p:sldIdLst>
     <p:sldId id="256" r:id="rId2"/>
@@ -25,7 +25,10 @@
     <p:sldId id="276" r:id="rId16"/>
     <p:sldId id="275" r:id="rId17"/>
     <p:sldId id="270" r:id="rId18"/>
-    <p:sldId id="265" r:id="rId19"/>
+    <p:sldId id="277" r:id="rId19"/>
+    <p:sldId id="278" r:id="rId20"/>
+    <p:sldId id="279" r:id="rId21"/>
+    <p:sldId id="265" r:id="rId22"/>
   </p:sldIdLst>
   <p:sldSz cx="12192000" cy="6858000"/>
   <p:notesSz cx="6858000" cy="9144000"/>
@@ -214,7 +217,7 @@
           <a:p>
             <a:fld id="{33C68CCD-F31B-437B-965E-855E94FE60A6}" type="datetimeFigureOut">
               <a:rPr lang="zh-TW" altLang="en-US" smtClean="0"/>
-              <a:t>2025/4/1</a:t>
+              <a:t>2025/4/4</a:t>
             </a:fld>
             <a:endParaRPr lang="zh-TW" altLang="en-US"/>
           </a:p>
@@ -619,7 +622,7 @@
           <a:p>
             <a:fld id="{F404DC6C-E353-4FBF-8B7B-7C2F0DFA34E8}" type="datetimeFigureOut">
               <a:rPr lang="zh-TW" altLang="en-US" smtClean="0"/>
-              <a:t>2025/4/1</a:t>
+              <a:t>2025/4/4</a:t>
             </a:fld>
             <a:endParaRPr lang="zh-TW" altLang="en-US"/>
           </a:p>
@@ -789,7 +792,7 @@
           <a:p>
             <a:fld id="{F404DC6C-E353-4FBF-8B7B-7C2F0DFA34E8}" type="datetimeFigureOut">
               <a:rPr lang="zh-TW" altLang="en-US" smtClean="0"/>
-              <a:t>2025/4/1</a:t>
+              <a:t>2025/4/4</a:t>
             </a:fld>
             <a:endParaRPr lang="zh-TW" altLang="en-US"/>
           </a:p>
@@ -969,7 +972,7 @@
           <a:p>
             <a:fld id="{F404DC6C-E353-4FBF-8B7B-7C2F0DFA34E8}" type="datetimeFigureOut">
               <a:rPr lang="zh-TW" altLang="en-US" smtClean="0"/>
-              <a:t>2025/4/1</a:t>
+              <a:t>2025/4/4</a:t>
             </a:fld>
             <a:endParaRPr lang="zh-TW" altLang="en-US"/>
           </a:p>
@@ -1189,7 +1192,7 @@
           <a:p>
             <a:fld id="{F404DC6C-E353-4FBF-8B7B-7C2F0DFA34E8}" type="datetimeFigureOut">
               <a:rPr lang="zh-TW" altLang="en-US" smtClean="0"/>
-              <a:t>2025/4/1</a:t>
+              <a:t>2025/4/4</a:t>
             </a:fld>
             <a:endParaRPr lang="zh-TW" altLang="en-US"/>
           </a:p>
@@ -1435,7 +1438,7 @@
           <a:p>
             <a:fld id="{F404DC6C-E353-4FBF-8B7B-7C2F0DFA34E8}" type="datetimeFigureOut">
               <a:rPr lang="zh-TW" altLang="en-US" smtClean="0"/>
-              <a:t>2025/4/1</a:t>
+              <a:t>2025/4/4</a:t>
             </a:fld>
             <a:endParaRPr lang="zh-TW" altLang="en-US"/>
           </a:p>
@@ -1667,7 +1670,7 @@
           <a:p>
             <a:fld id="{F404DC6C-E353-4FBF-8B7B-7C2F0DFA34E8}" type="datetimeFigureOut">
               <a:rPr lang="zh-TW" altLang="en-US" smtClean="0"/>
-              <a:t>2025/4/1</a:t>
+              <a:t>2025/4/4</a:t>
             </a:fld>
             <a:endParaRPr lang="zh-TW" altLang="en-US"/>
           </a:p>
@@ -2034,7 +2037,7 @@
           <a:p>
             <a:fld id="{F404DC6C-E353-4FBF-8B7B-7C2F0DFA34E8}" type="datetimeFigureOut">
               <a:rPr lang="zh-TW" altLang="en-US" smtClean="0"/>
-              <a:t>2025/4/1</a:t>
+              <a:t>2025/4/4</a:t>
             </a:fld>
             <a:endParaRPr lang="zh-TW" altLang="en-US"/>
           </a:p>
@@ -2152,7 +2155,7 @@
           <a:p>
             <a:fld id="{F404DC6C-E353-4FBF-8B7B-7C2F0DFA34E8}" type="datetimeFigureOut">
               <a:rPr lang="zh-TW" altLang="en-US" smtClean="0"/>
-              <a:t>2025/4/1</a:t>
+              <a:t>2025/4/4</a:t>
             </a:fld>
             <a:endParaRPr lang="zh-TW" altLang="en-US"/>
           </a:p>
@@ -2247,7 +2250,7 @@
           <a:p>
             <a:fld id="{F404DC6C-E353-4FBF-8B7B-7C2F0DFA34E8}" type="datetimeFigureOut">
               <a:rPr lang="zh-TW" altLang="en-US" smtClean="0"/>
-              <a:t>2025/4/1</a:t>
+              <a:t>2025/4/4</a:t>
             </a:fld>
             <a:endParaRPr lang="zh-TW" altLang="en-US"/>
           </a:p>
@@ -2524,7 +2527,7 @@
           <a:p>
             <a:fld id="{F404DC6C-E353-4FBF-8B7B-7C2F0DFA34E8}" type="datetimeFigureOut">
               <a:rPr lang="zh-TW" altLang="en-US" smtClean="0"/>
-              <a:t>2025/4/1</a:t>
+              <a:t>2025/4/4</a:t>
             </a:fld>
             <a:endParaRPr lang="zh-TW" altLang="en-US"/>
           </a:p>
@@ -2781,7 +2784,7 @@
           <a:p>
             <a:fld id="{F404DC6C-E353-4FBF-8B7B-7C2F0DFA34E8}" type="datetimeFigureOut">
               <a:rPr lang="zh-TW" altLang="en-US" smtClean="0"/>
-              <a:t>2025/4/1</a:t>
+              <a:t>2025/4/4</a:t>
             </a:fld>
             <a:endParaRPr lang="zh-TW" altLang="en-US"/>
           </a:p>
@@ -2994,7 +2997,7 @@
           <a:p>
             <a:fld id="{F404DC6C-E353-4FBF-8B7B-7C2F0DFA34E8}" type="datetimeFigureOut">
               <a:rPr lang="zh-TW" altLang="en-US" smtClean="0"/>
-              <a:t>2025/4/1</a:t>
+              <a:t>2025/4/4</a:t>
             </a:fld>
             <a:endParaRPr lang="zh-TW" altLang="en-US"/>
           </a:p>
@@ -5008,7 +5011,15 @@
             </a:r>
             <a:r>
               <a:rPr lang="zh-TW" altLang="en-US" dirty="0" smtClean="0"/>
-              <a:t>登入、新增成員、顯示個人檔案、成員名單、顯示紀錄</a:t>
+              <a:t>登入、新增成員、顯示個人檔案、成員名單、</a:t>
+            </a:r>
+            <a:r>
+              <a:rPr lang="zh-TW" altLang="en-US" dirty="0" smtClean="0">
+                <a:solidFill>
+                  <a:srgbClr val="FF0000"/>
+                </a:solidFill>
+              </a:rPr>
+              <a:t>顯示紀錄</a:t>
             </a:r>
             <a:r>
               <a:rPr lang="en-US" altLang="zh-TW" dirty="0" smtClean="0"/>
@@ -5037,6 +5048,7 @@
               <a:rPr lang="en-US" altLang="zh-TW" dirty="0" smtClean="0"/>
               <a:t>)</a:t>
             </a:r>
+            <a:endParaRPr lang="en-US" altLang="zh-TW" dirty="0" smtClean="0"/>
           </a:p>
           <a:p>
             <a:pPr marL="0" indent="0">
@@ -6309,6 +6321,691 @@
           <a:chExt cx="0" cy="0"/>
         </a:xfrm>
       </p:grpSpPr>
+      <p:sp>
+        <p:nvSpPr>
+          <p:cNvPr id="2" name="標題 1"/>
+          <p:cNvSpPr>
+            <a:spLocks noGrp="1"/>
+          </p:cNvSpPr>
+          <p:nvPr>
+            <p:ph type="title"/>
+          </p:nvPr>
+        </p:nvSpPr>
+        <p:spPr/>
+        <p:txBody>
+          <a:bodyPr/>
+          <a:lstStyle/>
+          <a:p>
+            <a:r>
+              <a:rPr lang="zh-TW" altLang="en-US" dirty="0" smtClean="0"/>
+              <a:t>會議記錄</a:t>
+            </a:r>
+            <a:r>
+              <a:rPr lang="en-US" altLang="zh-TW" dirty="0" smtClean="0"/>
+              <a:t>4/4</a:t>
+            </a:r>
+            <a:endParaRPr lang="zh-TW" altLang="en-US" dirty="0"/>
+          </a:p>
+        </p:txBody>
+      </p:sp>
+      <p:sp>
+        <p:nvSpPr>
+          <p:cNvPr id="3" name="內容版面配置區 2"/>
+          <p:cNvSpPr>
+            <a:spLocks noGrp="1"/>
+          </p:cNvSpPr>
+          <p:nvPr>
+            <p:ph idx="1"/>
+          </p:nvPr>
+        </p:nvSpPr>
+        <p:spPr/>
+        <p:txBody>
+          <a:bodyPr/>
+          <a:lstStyle/>
+          <a:p>
+            <a:r>
+              <a:rPr lang="zh-TW" altLang="en-US" dirty="0"/>
+              <a:t>徐：報名表初步填寫</a:t>
+            </a:r>
+            <a:r>
+              <a:rPr lang="en-US" altLang="zh-TW" dirty="0"/>
+              <a:t>(</a:t>
+            </a:r>
+            <a:r>
+              <a:rPr lang="zh-TW" altLang="en-US" dirty="0"/>
+              <a:t>自評表、研發成果資料</a:t>
+            </a:r>
+            <a:r>
+              <a:rPr lang="zh-TW" altLang="en-US" dirty="0" smtClean="0"/>
+              <a:t>表</a:t>
+            </a:r>
+            <a:r>
+              <a:rPr lang="en-US" altLang="zh-TW" dirty="0" smtClean="0"/>
+              <a:t>) </a:t>
+            </a:r>
+            <a:r>
+              <a:rPr lang="zh-TW" altLang="en-US" dirty="0" smtClean="0"/>
+              <a:t>完成</a:t>
+            </a:r>
+            <a:endParaRPr lang="en-US" altLang="zh-TW" dirty="0" smtClean="0"/>
+          </a:p>
+          <a:p>
+            <a:r>
+              <a:rPr lang="zh-TW" altLang="en-US" dirty="0" smtClean="0"/>
+              <a:t>顏：</a:t>
+            </a:r>
+            <a:r>
+              <a:rPr lang="zh-TW" altLang="en-US" dirty="0"/>
+              <a:t>腦齡</a:t>
+            </a:r>
+            <a:r>
+              <a:rPr lang="zh-TW" altLang="en-US" dirty="0" smtClean="0"/>
+              <a:t>模型</a:t>
+            </a:r>
+            <a:r>
+              <a:rPr lang="en-US" altLang="zh-TW" dirty="0" err="1" smtClean="0"/>
+              <a:t>pipline</a:t>
+            </a:r>
+            <a:r>
+              <a:rPr lang="zh-TW" altLang="en-US" dirty="0" smtClean="0"/>
+              <a:t>、登入、讀取個人資料、成員列表、新增成員、上傳頁面更新</a:t>
+            </a:r>
+            <a:endParaRPr lang="en-US" altLang="zh-TW" dirty="0" smtClean="0"/>
+          </a:p>
+          <a:p>
+            <a:r>
+              <a:rPr lang="zh-TW" altLang="en-US" dirty="0"/>
+              <a:t>王</a:t>
+            </a:r>
+            <a:r>
+              <a:rPr lang="zh-TW" altLang="en-US" dirty="0" smtClean="0"/>
+              <a:t>：新增成員</a:t>
+            </a:r>
+            <a:r>
+              <a:rPr lang="en-US" altLang="zh-TW" dirty="0" smtClean="0"/>
+              <a:t>(</a:t>
+            </a:r>
+            <a:r>
+              <a:rPr lang="zh-TW" altLang="en-US" dirty="0" smtClean="0"/>
+              <a:t>含圖片</a:t>
+            </a:r>
+            <a:r>
+              <a:rPr lang="en-US" altLang="zh-TW" dirty="0" smtClean="0"/>
+              <a:t>)</a:t>
+            </a:r>
+            <a:r>
+              <a:rPr lang="zh-TW" altLang="en-US" dirty="0" smtClean="0"/>
+              <a:t>、新增管理員</a:t>
+            </a:r>
+            <a:r>
+              <a:rPr lang="en-US" altLang="zh-TW" dirty="0" smtClean="0"/>
+              <a:t>(</a:t>
+            </a:r>
+            <a:r>
+              <a:rPr lang="zh-TW" altLang="en-US" dirty="0" smtClean="0"/>
+              <a:t>含圖片</a:t>
+            </a:r>
+            <a:r>
+              <a:rPr lang="en-US" altLang="zh-TW" dirty="0" smtClean="0"/>
+              <a:t>)</a:t>
+            </a:r>
+            <a:r>
+              <a:rPr lang="zh-TW" altLang="en-US" dirty="0" smtClean="0"/>
+              <a:t>、上傳紀錄</a:t>
+            </a:r>
+            <a:r>
+              <a:rPr lang="en-US" altLang="zh-TW" dirty="0" smtClean="0"/>
+              <a:t>(</a:t>
+            </a:r>
+            <a:r>
+              <a:rPr lang="zh-TW" altLang="en-US" dirty="0" smtClean="0"/>
+              <a:t>含</a:t>
+            </a:r>
+            <a:r>
+              <a:rPr lang="en-US" altLang="zh-TW" dirty="0" err="1" smtClean="0"/>
+              <a:t>nii</a:t>
+            </a:r>
+            <a:r>
+              <a:rPr lang="en-US" altLang="zh-TW" dirty="0" smtClean="0"/>
+              <a:t>)</a:t>
+            </a:r>
+            <a:r>
+              <a:rPr lang="zh-TW" altLang="en-US" dirty="0" smtClean="0"/>
+              <a:t>、調用管理員個人檔案</a:t>
+            </a:r>
+            <a:r>
+              <a:rPr lang="en-US" altLang="zh-TW" dirty="0" smtClean="0"/>
+              <a:t>(</a:t>
+            </a:r>
+            <a:r>
+              <a:rPr lang="zh-TW" altLang="en-US" dirty="0" smtClean="0"/>
+              <a:t>含圖片</a:t>
+            </a:r>
+            <a:r>
+              <a:rPr lang="en-US" altLang="zh-TW" dirty="0" smtClean="0"/>
+              <a:t>)</a:t>
+            </a:r>
+            <a:r>
+              <a:rPr lang="zh-TW" altLang="en-US" dirty="0" smtClean="0"/>
+              <a:t>、調用</a:t>
+            </a:r>
+            <a:r>
+              <a:rPr lang="zh-TW" altLang="en-US" dirty="0"/>
+              <a:t>成員</a:t>
+            </a:r>
+            <a:r>
+              <a:rPr lang="zh-TW" altLang="en-US" dirty="0" smtClean="0"/>
+              <a:t>個人</a:t>
+            </a:r>
+            <a:r>
+              <a:rPr lang="zh-TW" altLang="en-US" dirty="0"/>
+              <a:t>檔案</a:t>
+            </a:r>
+            <a:r>
+              <a:rPr lang="en-US" altLang="zh-TW" dirty="0"/>
+              <a:t>(</a:t>
+            </a:r>
+            <a:r>
+              <a:rPr lang="zh-TW" altLang="en-US" dirty="0" smtClean="0"/>
+              <a:t>含圖片</a:t>
+            </a:r>
+            <a:r>
+              <a:rPr lang="en-US" altLang="zh-TW" dirty="0" smtClean="0"/>
+              <a:t>)</a:t>
+            </a:r>
+            <a:endParaRPr lang="en-US" altLang="zh-TW" dirty="0"/>
+          </a:p>
+          <a:p>
+            <a:endParaRPr lang="en-US" altLang="zh-TW" dirty="0" smtClean="0"/>
+          </a:p>
+          <a:p>
+            <a:r>
+              <a:rPr lang="zh-TW" altLang="en-US" dirty="0" smtClean="0"/>
+              <a:t>後端未完成：調用紀錄</a:t>
+            </a:r>
+            <a:r>
+              <a:rPr lang="en-US" altLang="zh-TW" dirty="0" smtClean="0"/>
+              <a:t>(</a:t>
+            </a:r>
+            <a:r>
+              <a:rPr lang="zh-TW" altLang="en-US" dirty="0" smtClean="0"/>
+              <a:t>傳送</a:t>
+            </a:r>
+            <a:r>
+              <a:rPr lang="en-US" altLang="zh-TW" dirty="0" smtClean="0"/>
+              <a:t>2D</a:t>
+            </a:r>
+            <a:r>
+              <a:rPr lang="zh-TW" altLang="en-US" dirty="0" smtClean="0"/>
+              <a:t>切片</a:t>
+            </a:r>
+            <a:r>
+              <a:rPr lang="en-US" altLang="zh-TW" dirty="0" smtClean="0"/>
+              <a:t>)</a:t>
+            </a:r>
+          </a:p>
+          <a:p>
+            <a:r>
+              <a:rPr lang="zh-TW" altLang="en-US" dirty="0"/>
+              <a:t>重要</a:t>
+            </a:r>
+            <a:r>
+              <a:rPr lang="zh-TW" altLang="en-US" dirty="0" smtClean="0"/>
+              <a:t>事項：後端圖片改存相對路徑</a:t>
+            </a:r>
+            <a:endParaRPr lang="en-US" altLang="zh-TW" dirty="0"/>
+          </a:p>
+          <a:p>
+            <a:r>
+              <a:rPr lang="zh-TW" altLang="en-US" dirty="0" smtClean="0"/>
+              <a:t>待討論：作品名稱</a:t>
+            </a:r>
+            <a:endParaRPr lang="en-US" altLang="zh-TW" dirty="0" smtClean="0"/>
+          </a:p>
+          <a:p>
+            <a:endParaRPr lang="en-US" altLang="zh-TW" dirty="0"/>
+          </a:p>
+        </p:txBody>
+      </p:sp>
+    </p:spTree>
+    <p:extLst>
+      <p:ext uri="{BB962C8B-B14F-4D97-AF65-F5344CB8AC3E}">
+        <p14:creationId xmlns:p14="http://schemas.microsoft.com/office/powerpoint/2010/main" val="2318458577"/>
+      </p:ext>
+    </p:extLst>
+  </p:cSld>
+  <p:clrMapOvr>
+    <a:masterClrMapping/>
+  </p:clrMapOvr>
+</p:sld>
+</file>
+
+<file path=ppt/slides/slide19.xml><?xml version="1.0" encoding="utf-8"?>
+<p:sld xmlns:a="http://schemas.openxmlformats.org/drawingml/2006/main" xmlns:r="http://schemas.openxmlformats.org/officeDocument/2006/relationships" xmlns:p="http://schemas.openxmlformats.org/presentationml/2006/main">
+  <p:cSld>
+    <p:spTree>
+      <p:nvGrpSpPr>
+        <p:cNvPr id="1" name=""/>
+        <p:cNvGrpSpPr/>
+        <p:nvPr/>
+      </p:nvGrpSpPr>
+      <p:grpSpPr>
+        <a:xfrm>
+          <a:off x="0" y="0"/>
+          <a:ext cx="0" cy="0"/>
+          <a:chOff x="0" y="0"/>
+          <a:chExt cx="0" cy="0"/>
+        </a:xfrm>
+      </p:grpSpPr>
+      <p:sp>
+        <p:nvSpPr>
+          <p:cNvPr id="2" name="標題 1"/>
+          <p:cNvSpPr>
+            <a:spLocks noGrp="1"/>
+          </p:cNvSpPr>
+          <p:nvPr>
+            <p:ph type="title"/>
+          </p:nvPr>
+        </p:nvSpPr>
+        <p:spPr/>
+        <p:txBody>
+          <a:bodyPr/>
+          <a:lstStyle/>
+          <a:p>
+            <a:r>
+              <a:rPr lang="zh-TW" altLang="en-US" dirty="0" smtClean="0"/>
+              <a:t>下次開會</a:t>
+            </a:r>
+            <a:r>
+              <a:rPr lang="en-US" altLang="zh-TW" dirty="0" smtClean="0"/>
+              <a:t>4/11</a:t>
+            </a:r>
+            <a:endParaRPr lang="zh-TW" altLang="en-US" dirty="0"/>
+          </a:p>
+        </p:txBody>
+      </p:sp>
+      <p:sp>
+        <p:nvSpPr>
+          <p:cNvPr id="3" name="內容版面配置區 2"/>
+          <p:cNvSpPr>
+            <a:spLocks noGrp="1"/>
+          </p:cNvSpPr>
+          <p:nvPr>
+            <p:ph idx="1"/>
+          </p:nvPr>
+        </p:nvSpPr>
+        <p:spPr/>
+        <p:txBody>
+          <a:bodyPr/>
+          <a:lstStyle/>
+          <a:p>
+            <a:r>
+              <a:rPr lang="zh-TW" altLang="en-US" dirty="0" smtClean="0"/>
+              <a:t>顏：串接含圖片個人檔案、成員建立預覽、上傳紀錄預覽成員資料、審閱</a:t>
+            </a:r>
+            <a:r>
+              <a:rPr lang="en-US" altLang="zh-TW" dirty="0" smtClean="0"/>
+              <a:t>”</a:t>
+            </a:r>
+            <a:r>
+              <a:rPr lang="zh-TW" altLang="en-US" dirty="0" smtClean="0"/>
+              <a:t>自</a:t>
+            </a:r>
+            <a:r>
+              <a:rPr lang="zh-TW" altLang="en-US" dirty="0"/>
+              <a:t>評表、研發成果資料</a:t>
+            </a:r>
+            <a:r>
+              <a:rPr lang="zh-TW" altLang="en-US" dirty="0" smtClean="0"/>
+              <a:t>表</a:t>
+            </a:r>
+            <a:r>
+              <a:rPr lang="en-US" altLang="zh-TW" dirty="0" smtClean="0"/>
+              <a:t>”</a:t>
+            </a:r>
+            <a:r>
+              <a:rPr lang="zh-TW" altLang="en-US" dirty="0" smtClean="0"/>
+              <a:t>、</a:t>
+            </a:r>
+            <a:r>
+              <a:rPr lang="en-US" altLang="zh-TW" dirty="0" err="1" smtClean="0"/>
+              <a:t>GradCAM</a:t>
+            </a:r>
+            <a:endParaRPr lang="en-US" altLang="zh-TW" dirty="0" smtClean="0"/>
+          </a:p>
+          <a:p>
+            <a:r>
+              <a:rPr lang="zh-TW" altLang="en-US" dirty="0" smtClean="0"/>
+              <a:t>王：圖片改成相對路徑、完成所有</a:t>
+            </a:r>
+            <a:r>
+              <a:rPr lang="en-US" altLang="zh-TW" dirty="0" smtClean="0"/>
+              <a:t>API</a:t>
+            </a:r>
+            <a:r>
+              <a:rPr lang="zh-TW" altLang="en-US" dirty="0" smtClean="0"/>
+              <a:t> </a:t>
+            </a:r>
+            <a:r>
+              <a:rPr lang="en-US" altLang="zh-TW" dirty="0" smtClean="0"/>
+              <a:t>(</a:t>
+            </a:r>
+            <a:r>
+              <a:rPr lang="zh-TW" altLang="en-US" dirty="0" smtClean="0"/>
+              <a:t>剩下</a:t>
+            </a:r>
+            <a:r>
+              <a:rPr lang="en-US" altLang="zh-TW" dirty="0" smtClean="0"/>
+              <a:t>AI</a:t>
+            </a:r>
+            <a:r>
+              <a:rPr lang="zh-TW" altLang="en-US" dirty="0" smtClean="0"/>
+              <a:t>、切片</a:t>
+            </a:r>
+            <a:r>
+              <a:rPr lang="en-US" altLang="zh-TW" dirty="0" smtClean="0"/>
+              <a:t>)</a:t>
+            </a:r>
+          </a:p>
+          <a:p>
+            <a:r>
+              <a:rPr lang="zh-TW" altLang="en-US" dirty="0" smtClean="0"/>
+              <a:t>徐：介紹影片劇本</a:t>
+            </a:r>
+            <a:r>
+              <a:rPr lang="en-US" altLang="zh-TW" dirty="0" smtClean="0"/>
+              <a:t>(2~3</a:t>
+            </a:r>
+            <a:r>
+              <a:rPr lang="zh-TW" altLang="en-US" dirty="0" smtClean="0"/>
+              <a:t>分鐘</a:t>
+            </a:r>
+            <a:r>
+              <a:rPr lang="en-US" altLang="zh-TW" dirty="0" smtClean="0"/>
+              <a:t>)</a:t>
+            </a:r>
+            <a:endParaRPr lang="zh-TW" altLang="en-US" dirty="0"/>
+          </a:p>
+        </p:txBody>
+      </p:sp>
+    </p:spTree>
+    <p:extLst>
+      <p:ext uri="{BB962C8B-B14F-4D97-AF65-F5344CB8AC3E}">
+        <p14:creationId xmlns:p14="http://schemas.microsoft.com/office/powerpoint/2010/main" val="2403178542"/>
+      </p:ext>
+    </p:extLst>
+  </p:cSld>
+  <p:clrMapOvr>
+    <a:masterClrMapping/>
+  </p:clrMapOvr>
+</p:sld>
+</file>
+
+<file path=ppt/slides/slide2.xml><?xml version="1.0" encoding="utf-8"?>
+<p:sld xmlns:a="http://schemas.openxmlformats.org/drawingml/2006/main" xmlns:r="http://schemas.openxmlformats.org/officeDocument/2006/relationships" xmlns:p="http://schemas.openxmlformats.org/presentationml/2006/main">
+  <p:cSld>
+    <p:spTree>
+      <p:nvGrpSpPr>
+        <p:cNvPr id="1" name=""/>
+        <p:cNvGrpSpPr/>
+        <p:nvPr/>
+      </p:nvGrpSpPr>
+      <p:grpSpPr>
+        <a:xfrm>
+          <a:off x="0" y="0"/>
+          <a:ext cx="0" cy="0"/>
+          <a:chOff x="0" y="0"/>
+          <a:chExt cx="0" cy="0"/>
+        </a:xfrm>
+      </p:grpSpPr>
+      <p:pic>
+        <p:nvPicPr>
+          <p:cNvPr id="6" name="圖片 5"/>
+          <p:cNvPicPr>
+            <a:picLocks noChangeAspect="1"/>
+          </p:cNvPicPr>
+          <p:nvPr/>
+        </p:nvPicPr>
+        <p:blipFill>
+          <a:blip r:embed="rId2"/>
+          <a:stretch>
+            <a:fillRect/>
+          </a:stretch>
+        </p:blipFill>
+        <p:spPr>
+          <a:xfrm>
+            <a:off x="1782421" y="1206631"/>
+            <a:ext cx="8627158" cy="4850810"/>
+          </a:xfrm>
+          <a:prstGeom prst="rect">
+            <a:avLst/>
+          </a:prstGeom>
+        </p:spPr>
+      </p:pic>
+      <p:sp>
+        <p:nvSpPr>
+          <p:cNvPr id="2" name="標題 1"/>
+          <p:cNvSpPr>
+            <a:spLocks noGrp="1"/>
+          </p:cNvSpPr>
+          <p:nvPr>
+            <p:ph type="title"/>
+          </p:nvPr>
+        </p:nvSpPr>
+        <p:spPr/>
+        <p:txBody>
+          <a:bodyPr/>
+          <a:lstStyle/>
+          <a:p>
+            <a:r>
+              <a:rPr lang="zh-TW" altLang="en-US" dirty="0" smtClean="0"/>
+              <a:t>預計使用模板</a:t>
+            </a:r>
+            <a:endParaRPr lang="zh-TW" altLang="en-US" dirty="0"/>
+          </a:p>
+        </p:txBody>
+      </p:sp>
+      <p:sp>
+        <p:nvSpPr>
+          <p:cNvPr id="5" name="矩形 4"/>
+          <p:cNvSpPr/>
+          <p:nvPr/>
+        </p:nvSpPr>
+        <p:spPr>
+          <a:xfrm>
+            <a:off x="1782421" y="6057441"/>
+            <a:ext cx="7518400" cy="646331"/>
+          </a:xfrm>
+          <a:prstGeom prst="rect">
+            <a:avLst/>
+          </a:prstGeom>
+        </p:spPr>
+        <p:txBody>
+          <a:bodyPr wrap="square">
+            <a:spAutoFit/>
+          </a:bodyPr>
+          <a:lstStyle/>
+          <a:p>
+            <a:r>
+              <a:rPr lang="en-US" altLang="zh-TW" b="1" dirty="0"/>
+              <a:t>Building a Responsive Dashboard UI App with Flutter | Step-by-Step </a:t>
+            </a:r>
+            <a:r>
+              <a:rPr lang="en-US" altLang="zh-TW" b="1" dirty="0" smtClean="0"/>
+              <a:t>Tutorial</a:t>
+            </a:r>
+          </a:p>
+          <a:p>
+            <a:r>
+              <a:rPr lang="zh-TW" altLang="en-US" dirty="0" smtClean="0">
+                <a:hlinkClick r:id="rId3"/>
+              </a:rPr>
+              <a:t>https</a:t>
+            </a:r>
+            <a:r>
+              <a:rPr lang="zh-TW" altLang="en-US" dirty="0">
+                <a:hlinkClick r:id="rId3"/>
+              </a:rPr>
+              <a:t>://www.youtube.com/watch?v=fVZqxpNdD6</a:t>
+            </a:r>
+            <a:r>
+              <a:rPr lang="zh-TW" altLang="en-US" dirty="0" smtClean="0">
+                <a:hlinkClick r:id="rId3"/>
+              </a:rPr>
+              <a:t>c</a:t>
+            </a:r>
+            <a:endParaRPr lang="zh-TW" altLang="en-US" dirty="0"/>
+          </a:p>
+        </p:txBody>
+      </p:sp>
+    </p:spTree>
+    <p:extLst>
+      <p:ext uri="{BB962C8B-B14F-4D97-AF65-F5344CB8AC3E}">
+        <p14:creationId xmlns:p14="http://schemas.microsoft.com/office/powerpoint/2010/main" val="916444766"/>
+      </p:ext>
+    </p:extLst>
+  </p:cSld>
+  <p:clrMapOvr>
+    <a:masterClrMapping/>
+  </p:clrMapOvr>
+  <p:timing>
+    <p:tnLst>
+      <p:par>
+        <p:cTn id="1" dur="indefinite" restart="never" nodeType="tmRoot"/>
+      </p:par>
+    </p:tnLst>
+  </p:timing>
+</p:sld>
+</file>
+
+<file path=ppt/slides/slide20.xml><?xml version="1.0" encoding="utf-8"?>
+<p:sld xmlns:a="http://schemas.openxmlformats.org/drawingml/2006/main" xmlns:r="http://schemas.openxmlformats.org/officeDocument/2006/relationships" xmlns:p="http://schemas.openxmlformats.org/presentationml/2006/main">
+  <p:cSld>
+    <p:spTree>
+      <p:nvGrpSpPr>
+        <p:cNvPr id="1" name=""/>
+        <p:cNvGrpSpPr/>
+        <p:nvPr/>
+      </p:nvGrpSpPr>
+      <p:grpSpPr>
+        <a:xfrm>
+          <a:off x="0" y="0"/>
+          <a:ext cx="0" cy="0"/>
+          <a:chOff x="0" y="0"/>
+          <a:chExt cx="0" cy="0"/>
+        </a:xfrm>
+      </p:grpSpPr>
+      <p:sp>
+        <p:nvSpPr>
+          <p:cNvPr id="2" name="標題 1"/>
+          <p:cNvSpPr>
+            <a:spLocks noGrp="1"/>
+          </p:cNvSpPr>
+          <p:nvPr>
+            <p:ph type="title"/>
+          </p:nvPr>
+        </p:nvSpPr>
+        <p:spPr/>
+        <p:txBody>
+          <a:bodyPr/>
+          <a:lstStyle/>
+          <a:p>
+            <a:r>
+              <a:rPr lang="zh-TW" altLang="en-US" dirty="0" smtClean="0"/>
+              <a:t>影片發想</a:t>
+            </a:r>
+            <a:endParaRPr lang="zh-TW" altLang="en-US" dirty="0"/>
+          </a:p>
+        </p:txBody>
+      </p:sp>
+      <p:sp>
+        <p:nvSpPr>
+          <p:cNvPr id="3" name="內容版面配置區 2"/>
+          <p:cNvSpPr>
+            <a:spLocks noGrp="1"/>
+          </p:cNvSpPr>
+          <p:nvPr>
+            <p:ph idx="1"/>
+          </p:nvPr>
+        </p:nvSpPr>
+        <p:spPr/>
+        <p:txBody>
+          <a:bodyPr/>
+          <a:lstStyle/>
+          <a:p>
+            <a:r>
+              <a:rPr lang="zh-TW" altLang="en-US" dirty="0"/>
+              <a:t>盡量</a:t>
+            </a:r>
+            <a:r>
+              <a:rPr lang="zh-TW" altLang="en-US" dirty="0" smtClean="0"/>
+              <a:t>有趣：開始老年癡呆跳針</a:t>
+            </a:r>
+            <a:endParaRPr lang="en-US" altLang="zh-TW" dirty="0" smtClean="0"/>
+          </a:p>
+          <a:p>
+            <a:r>
+              <a:rPr lang="zh-TW" altLang="en-US" dirty="0" smtClean="0"/>
+              <a:t>拍攝</a:t>
+            </a:r>
+            <a:r>
+              <a:rPr lang="en-US" altLang="zh-TW" dirty="0" smtClean="0"/>
+              <a:t>MRI</a:t>
+            </a:r>
+          </a:p>
+          <a:p>
+            <a:r>
+              <a:rPr lang="zh-TW" altLang="en-US" dirty="0" smtClean="0"/>
+              <a:t>資訊處上傳影像</a:t>
+            </a:r>
+            <a:endParaRPr lang="en-US" altLang="zh-TW" dirty="0" smtClean="0"/>
+          </a:p>
+          <a:p>
+            <a:r>
+              <a:rPr lang="zh-TW" altLang="en-US" dirty="0" smtClean="0"/>
+              <a:t>病人看自己的診斷紀錄</a:t>
+            </a:r>
+            <a:endParaRPr lang="en-US" altLang="zh-TW" dirty="0" smtClean="0"/>
+          </a:p>
+          <a:p>
+            <a:r>
+              <a:rPr lang="zh-TW" altLang="en-US" dirty="0" smtClean="0"/>
+              <a:t>醫生查詢病人</a:t>
+            </a:r>
+            <a:endParaRPr lang="zh-TW" altLang="en-US" dirty="0"/>
+          </a:p>
+        </p:txBody>
+      </p:sp>
+    </p:spTree>
+    <p:extLst>
+      <p:ext uri="{BB962C8B-B14F-4D97-AF65-F5344CB8AC3E}">
+        <p14:creationId xmlns:p14="http://schemas.microsoft.com/office/powerpoint/2010/main" val="3230418678"/>
+      </p:ext>
+    </p:extLst>
+  </p:cSld>
+  <p:clrMapOvr>
+    <a:masterClrMapping/>
+  </p:clrMapOvr>
+</p:sld>
+</file>
+
+<file path=ppt/slides/slide21.xml><?xml version="1.0" encoding="utf-8"?>
+<p:sld xmlns:a="http://schemas.openxmlformats.org/drawingml/2006/main" xmlns:r="http://schemas.openxmlformats.org/officeDocument/2006/relationships" xmlns:p="http://schemas.openxmlformats.org/presentationml/2006/main">
+  <p:cSld>
+    <p:spTree>
+      <p:nvGrpSpPr>
+        <p:cNvPr id="1" name=""/>
+        <p:cNvGrpSpPr/>
+        <p:nvPr/>
+      </p:nvGrpSpPr>
+      <p:grpSpPr>
+        <a:xfrm>
+          <a:off x="0" y="0"/>
+          <a:ext cx="0" cy="0"/>
+          <a:chOff x="0" y="0"/>
+          <a:chExt cx="0" cy="0"/>
+        </a:xfrm>
+      </p:grpSpPr>
       <p:graphicFrame>
         <p:nvGraphicFramePr>
           <p:cNvPr id="4" name="表格 3"/>
@@ -6318,14 +7015,14 @@
           <p:nvPr>
             <p:extLst>
               <p:ext uri="{D42A27DB-BD31-4B8C-83A1-F6EECF244321}">
-                <p14:modId xmlns:p14="http://schemas.microsoft.com/office/powerpoint/2010/main" val="489046494"/>
+                <p14:modId xmlns:p14="http://schemas.microsoft.com/office/powerpoint/2010/main" val="616096656"/>
               </p:ext>
             </p:extLst>
           </p:nvPr>
         </p:nvGraphicFramePr>
         <p:xfrm>
           <a:off x="690879" y="-8175"/>
-          <a:ext cx="10871201" cy="7162835"/>
+          <a:ext cx="10871201" cy="6720212"/>
         </p:xfrm>
         <a:graphic>
           <a:graphicData uri="http://schemas.openxmlformats.org/drawingml/2006/table">
@@ -7353,7 +8050,7 @@
                   </a:ext>
                 </a:extLst>
               </a:tr>
-              <a:tr h="364271">
+              <a:tr h="180860">
                 <a:tc>
                   <a:txBody>
                     <a:bodyPr/>
@@ -7423,7 +8120,7 @@
                   </a:txBody>
                   <a:tcPr/>
                 </a:tc>
-                <a:tc gridSpan="4">
+                <a:tc>
                   <a:txBody>
                     <a:bodyPr/>
                     <a:lstStyle/>
@@ -7444,12 +8141,36 @@
                   </a:txBody>
                   <a:tcPr/>
                 </a:tc>
-                <a:tc hMerge="1">
+                <a:tc>
                   <a:txBody>
                     <a:bodyPr/>
                     <a:lstStyle/>
                     <a:p>
+                      <a:pPr algn="ctr"/>
+                      <a:r>
+                        <a:rPr lang="en-US" altLang="zh-TW" dirty="0" smtClean="0">
+                          <a:solidFill>
+                            <a:srgbClr val="00B0F0"/>
+                          </a:solidFill>
+                          <a:latin typeface="微軟正黑體" panose="020B0604030504040204" pitchFamily="34" charset="-120"/>
+                          <a:ea typeface="微軟正黑體" panose="020B0604030504040204" pitchFamily="34" charset="-120"/>
+                        </a:rPr>
+                        <a:t>API</a:t>
+                      </a:r>
+                      <a:r>
+                        <a:rPr lang="zh-TW" altLang="en-US" dirty="0" smtClean="0">
+                          <a:solidFill>
+                            <a:srgbClr val="00B0F0"/>
+                          </a:solidFill>
+                          <a:latin typeface="微軟正黑體" panose="020B0604030504040204" pitchFamily="34" charset="-120"/>
+                          <a:ea typeface="微軟正黑體" panose="020B0604030504040204" pitchFamily="34" charset="-120"/>
+                        </a:rPr>
+                        <a:t>全部完成</a:t>
+                      </a:r>
                       <a:endParaRPr lang="zh-TW" altLang="en-US" dirty="0">
+                        <a:solidFill>
+                          <a:srgbClr val="00B0F0"/>
+                        </a:solidFill>
                         <a:latin typeface="微軟正黑體" panose="020B0604030504040204" pitchFamily="34" charset="-120"/>
                         <a:ea typeface="微軟正黑體" panose="020B0604030504040204" pitchFamily="34" charset="-120"/>
                       </a:endParaRPr>
@@ -7457,22 +8178,62 @@
                   </a:txBody>
                   <a:tcPr/>
                 </a:tc>
-                <a:tc hMerge="1">
+                <a:tc>
                   <a:txBody>
                     <a:bodyPr/>
                     <a:lstStyle/>
                     <a:p>
-                      <a:endParaRPr lang="zh-TW" altLang="en-US"/>
+                      <a:pPr marL="0" marR="0" lvl="0" indent="0" algn="l" defTabSz="914400" rtl="0" eaLnBrk="1" fontAlgn="auto" latinLnBrk="0" hangingPunct="1">
+                        <a:lnSpc>
+                          <a:spcPct val="100000"/>
+                        </a:lnSpc>
+                        <a:spcBef>
+                          <a:spcPts val="0"/>
+                        </a:spcBef>
+                        <a:spcAft>
+                          <a:spcPts val="0"/>
+                        </a:spcAft>
+                        <a:buClrTx/>
+                        <a:buSzTx/>
+                        <a:buFontTx/>
+                        <a:buNone/>
+                        <a:tabLst/>
+                        <a:defRPr/>
+                      </a:pPr>
+                      <a:r>
+                        <a:rPr lang="zh-TW" altLang="en-US" dirty="0" smtClean="0">
+                          <a:solidFill>
+                            <a:srgbClr val="FFFF00"/>
+                          </a:solidFill>
+                          <a:latin typeface="微軟正黑體" panose="020B0604030504040204" pitchFamily="34" charset="-120"/>
+                          <a:ea typeface="微軟正黑體" panose="020B0604030504040204" pitchFamily="34" charset="-120"/>
+                        </a:rPr>
+                        <a:t>介紹影片劇本</a:t>
+                      </a:r>
                     </a:p>
                   </a:txBody>
                   <a:tcPr/>
                 </a:tc>
-                <a:tc hMerge="1">
+                <a:tc>
                   <a:txBody>
                     <a:bodyPr/>
                     <a:lstStyle/>
                     <a:p>
+                      <a:pPr algn="ctr"/>
+                      <a:r>
+                        <a:rPr lang="zh-TW" altLang="en-US" dirty="0" smtClean="0">
+                          <a:solidFill>
+                            <a:srgbClr val="92D050"/>
+                          </a:solidFill>
+                          <a:latin typeface="微軟正黑體" panose="020B0604030504040204" pitchFamily="34" charset="-120"/>
+                          <a:ea typeface="微軟正黑體" panose="020B0604030504040204" pitchFamily="34" charset="-120"/>
+                        </a:rPr>
+                        <a:t>前後端整合</a:t>
+                      </a:r>
                       <a:endParaRPr lang="zh-TW" altLang="en-US" dirty="0">
+                        <a:solidFill>
+                          <a:srgbClr val="92D050"/>
+                        </a:solidFill>
                         <a:latin typeface="微軟正黑體" panose="020B0604030504040204" pitchFamily="34" charset="-120"/>
                         <a:ea typeface="微軟正黑體" panose="020B0604030504040204" pitchFamily="34" charset="-120"/>
                       </a:endParaRPr>
@@ -7486,7 +8247,7 @@
                   </a:ext>
                 </a:extLst>
               </a:tr>
-              <a:tr h="364271">
+              <a:tr h="617740">
                 <a:tc>
                   <a:txBody>
                     <a:bodyPr/>
@@ -7575,7 +8336,7 @@
                   </a:txBody>
                   <a:tcPr/>
                 </a:tc>
-                <a:tc gridSpan="4">
+                <a:tc>
                   <a:txBody>
                     <a:bodyPr/>
                     <a:lstStyle/>
@@ -7596,11 +8357,12 @@
                   </a:txBody>
                   <a:tcPr/>
                 </a:tc>
-                <a:tc hMerge="1">
+                <a:tc>
                   <a:txBody>
                     <a:bodyPr/>
                     <a:lstStyle/>
                     <a:p>
+                      <a:pPr algn="ctr"/>
                       <a:endParaRPr lang="zh-TW" altLang="en-US" dirty="0">
                         <a:latin typeface="微軟正黑體" panose="020B0604030504040204" pitchFamily="34" charset="-120"/>
                         <a:ea typeface="微軟正黑體" panose="020B0604030504040204" pitchFamily="34" charset="-120"/>
@@ -7609,22 +8371,72 @@
                   </a:txBody>
                   <a:tcPr/>
                 </a:tc>
-                <a:tc hMerge="1">
+                <a:tc>
                   <a:txBody>
                     <a:bodyPr/>
                     <a:lstStyle/>
                     <a:p>
-                      <a:endParaRPr lang="zh-TW" altLang="en-US"/>
+                      <a:pPr marL="0" marR="0" lvl="0" indent="0" algn="l" defTabSz="914400" rtl="0" eaLnBrk="1" fontAlgn="auto" latinLnBrk="0" hangingPunct="1">
+                        <a:lnSpc>
+                          <a:spcPct val="100000"/>
+                        </a:lnSpc>
+                        <a:spcBef>
+                          <a:spcPts val="0"/>
+                        </a:spcBef>
+                        <a:spcAft>
+                          <a:spcPts val="0"/>
+                        </a:spcAft>
+                        <a:buClrTx/>
+                        <a:buSzTx/>
+                        <a:buFontTx/>
+                        <a:buNone/>
+                        <a:tabLst/>
+                        <a:defRPr/>
+                      </a:pPr>
+                      <a:r>
+                        <a:rPr lang="zh-TW" altLang="en-US" dirty="0" smtClean="0">
+                          <a:solidFill>
+                            <a:srgbClr val="00B0F0"/>
+                          </a:solidFill>
+                          <a:latin typeface="微軟正黑體" panose="020B0604030504040204" pitchFamily="34" charset="-120"/>
+                          <a:ea typeface="微軟正黑體" panose="020B0604030504040204" pitchFamily="34" charset="-120"/>
+                        </a:rPr>
+                        <a:t>結論與討論撰寫</a:t>
+                      </a:r>
+                      <a:r>
+                        <a:rPr lang="en-US" altLang="zh-TW" dirty="0" smtClean="0">
+                          <a:solidFill>
+                            <a:srgbClr val="00B0F0"/>
+                          </a:solidFill>
+                          <a:latin typeface="微軟正黑體" panose="020B0604030504040204" pitchFamily="34" charset="-120"/>
+                          <a:ea typeface="微軟正黑體" panose="020B0604030504040204" pitchFamily="34" charset="-120"/>
+                        </a:rPr>
+                        <a:t>word</a:t>
+                      </a:r>
                     </a:p>
                   </a:txBody>
                   <a:tcPr/>
                 </a:tc>
-                <a:tc hMerge="1">
+                <a:tc>
                   <a:txBody>
                     <a:bodyPr/>
                     <a:lstStyle/>
                     <a:p>
+                      <a:pPr algn="ctr"/>
+                      <a:r>
+                        <a:rPr lang="zh-TW" altLang="en-US" dirty="0" smtClean="0">
+                          <a:solidFill>
+                            <a:srgbClr val="92D050"/>
+                          </a:solidFill>
+                          <a:latin typeface="微軟正黑體" panose="020B0604030504040204" pitchFamily="34" charset="-120"/>
+                          <a:ea typeface="微軟正黑體" panose="020B0604030504040204" pitchFamily="34" charset="-120"/>
+                        </a:rPr>
+                        <a:t>前後端整合</a:t>
+                      </a:r>
                       <a:endParaRPr lang="zh-TW" altLang="en-US" dirty="0">
+                        <a:solidFill>
+                          <a:srgbClr val="92D050"/>
+                        </a:solidFill>
                         <a:latin typeface="微軟正黑體" panose="020B0604030504040204" pitchFamily="34" charset="-120"/>
                         <a:ea typeface="微軟正黑體" panose="020B0604030504040204" pitchFamily="34" charset="-120"/>
                       </a:endParaRPr>
@@ -7638,7 +8450,7 @@
                   </a:ext>
                 </a:extLst>
               </a:tr>
-              <a:tr h="1183880">
+              <a:tr h="475500">
                 <a:tc>
                   <a:txBody>
                     <a:bodyPr/>
@@ -7803,49 +8615,8 @@
                           <a:latin typeface="微軟正黑體" panose="020B0604030504040204" pitchFamily="34" charset="-120"/>
                           <a:ea typeface="微軟正黑體" panose="020B0604030504040204" pitchFamily="34" charset="-120"/>
                         </a:rPr>
-                        <a:t>結論與討論撰寫</a:t>
+                        <a:t>作品構想書</a:t>
                       </a:r>
-                      <a:r>
-                        <a:rPr lang="en-US" altLang="zh-TW" dirty="0" smtClean="0">
-                          <a:solidFill>
-                            <a:srgbClr val="00B0F0"/>
-                          </a:solidFill>
-                          <a:latin typeface="微軟正黑體" panose="020B0604030504040204" pitchFamily="34" charset="-120"/>
-                          <a:ea typeface="微軟正黑體" panose="020B0604030504040204" pitchFamily="34" charset="-120"/>
-                        </a:rPr>
-                        <a:t>word</a:t>
-                      </a:r>
-                    </a:p>
-                    <a:p>
-                      <a:pPr marL="0" marR="0" lvl="0" indent="0" algn="l" defTabSz="914400" rtl="0" eaLnBrk="1" fontAlgn="auto" latinLnBrk="0" hangingPunct="1">
-                        <a:lnSpc>
-                          <a:spcPct val="100000"/>
-                        </a:lnSpc>
-                        <a:spcBef>
-                          <a:spcPts val="0"/>
-                        </a:spcBef>
-                        <a:spcAft>
-                          <a:spcPts val="0"/>
-                        </a:spcAft>
-                        <a:buClrTx/>
-                        <a:buSzTx/>
-                        <a:buFontTx/>
-                        <a:buNone/>
-                        <a:tabLst/>
-                        <a:defRPr/>
-                      </a:pPr>
-                      <a:r>
-                        <a:rPr lang="zh-TW" altLang="en-US" dirty="0" smtClean="0">
-                          <a:solidFill>
-                            <a:srgbClr val="FFFF00"/>
-                          </a:solidFill>
-                          <a:latin typeface="微軟正黑體" panose="020B0604030504040204" pitchFamily="34" charset="-120"/>
-                          <a:ea typeface="微軟正黑體" panose="020B0604030504040204" pitchFamily="34" charset="-120"/>
-                        </a:rPr>
-                        <a:t>介紹影片劇本</a:t>
-                      </a:r>
-                    </a:p>
-                    <a:p>
                       <a:endParaRPr lang="en-US" altLang="zh-TW" dirty="0" smtClean="0">
                         <a:solidFill>
                           <a:srgbClr val="00B0F0"/>
@@ -7887,34 +8658,8 @@
                           <a:latin typeface="微軟正黑體" panose="020B0604030504040204" pitchFamily="34" charset="-120"/>
                           <a:ea typeface="微軟正黑體" panose="020B0604030504040204" pitchFamily="34" charset="-120"/>
                         </a:rPr>
-                        <a:t>病患資料編輯</a:t>
+                        <a:t>前後端整合完成</a:t>
                       </a:r>
-                      <a:endParaRPr lang="en-US" altLang="zh-TW" dirty="0" smtClean="0">
-                        <a:solidFill>
-                          <a:srgbClr val="92D050"/>
-                        </a:solidFill>
-                        <a:latin typeface="微軟正黑體" panose="020B0604030504040204" pitchFamily="34" charset="-120"/>
-                        <a:ea typeface="微軟正黑體" panose="020B0604030504040204" pitchFamily="34" charset="-120"/>
-                      </a:endParaRPr>
-                    </a:p>
-                    <a:p>
-                      <a:r>
-                        <a:rPr lang="zh-TW" altLang="en-US" dirty="0" smtClean="0">
-                          <a:solidFill>
-                            <a:srgbClr val="92D050"/>
-                          </a:solidFill>
-                          <a:latin typeface="微軟正黑體" panose="020B0604030504040204" pitchFamily="34" charset="-120"/>
-                          <a:ea typeface="微軟正黑體" panose="020B0604030504040204" pitchFamily="34" charset="-120"/>
-                        </a:rPr>
-                        <a:t>上傳影像</a:t>
-                      </a:r>
-                      <a:endParaRPr lang="en-US" altLang="zh-TW" dirty="0" smtClean="0">
-                        <a:solidFill>
-                          <a:srgbClr val="92D050"/>
-                        </a:solidFill>
-                        <a:latin typeface="微軟正黑體" panose="020B0604030504040204" pitchFamily="34" charset="-120"/>
-                        <a:ea typeface="微軟正黑體" panose="020B0604030504040204" pitchFamily="34" charset="-120"/>
-                      </a:endParaRPr>
                     </a:p>
                   </a:txBody>
                   <a:tcPr/>
@@ -8073,39 +8818,13 @@
                       <a:r>
                         <a:rPr lang="zh-TW" altLang="en-US" dirty="0" smtClean="0">
                           <a:solidFill>
-                            <a:srgbClr val="00B0F0"/>
+                            <a:schemeClr val="tx1"/>
                           </a:solidFill>
                           <a:latin typeface="微軟正黑體" panose="020B0604030504040204" pitchFamily="34" charset="-120"/>
                           <a:ea typeface="微軟正黑體" panose="020B0604030504040204" pitchFamily="34" charset="-120"/>
                         </a:rPr>
-                        <a:t>作品構想書</a:t>
+                        <a:t>拍</a:t>
                       </a:r>
-                      <a:endParaRPr lang="en-US" altLang="zh-TW" dirty="0" smtClean="0">
-                        <a:solidFill>
-                          <a:srgbClr val="00B0F0"/>
-                        </a:solidFill>
-                        <a:latin typeface="微軟正黑體" panose="020B0604030504040204" pitchFamily="34" charset="-120"/>
-                        <a:ea typeface="微軟正黑體" panose="020B0604030504040204" pitchFamily="34" charset="-120"/>
-                      </a:endParaRPr>
-                    </a:p>
-                    <a:p>
-                      <a:pPr marL="0" marR="0" lvl="0" indent="0" algn="l" defTabSz="914400" rtl="0" eaLnBrk="1" fontAlgn="auto" latinLnBrk="0" hangingPunct="1">
-                        <a:lnSpc>
-                          <a:spcPct val="100000"/>
-                        </a:lnSpc>
-                        <a:spcBef>
-                          <a:spcPts val="0"/>
-                        </a:spcBef>
-                        <a:spcAft>
-                          <a:spcPts val="0"/>
-                        </a:spcAft>
-                        <a:buClrTx/>
-                        <a:buSzTx/>
-                        <a:buFontTx/>
-                        <a:buNone/>
-                        <a:tabLst/>
-                        <a:defRPr/>
-                      </a:pPr>
                       <a:r>
                         <a:rPr lang="zh-TW" altLang="en-US" dirty="0" smtClean="0">
                           <a:solidFill>
@@ -8114,7 +8833,7 @@
                           <a:latin typeface="微軟正黑體" panose="020B0604030504040204" pitchFamily="34" charset="-120"/>
                           <a:ea typeface="微軟正黑體" panose="020B0604030504040204" pitchFamily="34" charset="-120"/>
                         </a:rPr>
-                        <a:t>拍影片</a:t>
+                        <a:t>影片</a:t>
                       </a:r>
                     </a:p>
                     <a:p>
@@ -8151,54 +8870,6 @@
                         <a:tabLst/>
                         <a:defRPr/>
                       </a:pPr>
-                      <a:r>
-                        <a:rPr lang="zh-TW" altLang="en-US" dirty="0" smtClean="0">
-                          <a:solidFill>
-                            <a:srgbClr val="92D050"/>
-                          </a:solidFill>
-                          <a:latin typeface="微軟正黑體" panose="020B0604030504040204" pitchFamily="34" charset="-120"/>
-                          <a:ea typeface="微軟正黑體" panose="020B0604030504040204" pitchFamily="34" charset="-120"/>
-                        </a:rPr>
-                        <a:t>折線圖</a:t>
-                      </a:r>
-                      <a:endParaRPr lang="en-US" altLang="zh-TW" dirty="0" smtClean="0">
-                        <a:solidFill>
-                          <a:srgbClr val="92D050"/>
-                        </a:solidFill>
-                        <a:latin typeface="微軟正黑體" panose="020B0604030504040204" pitchFamily="34" charset="-120"/>
-                        <a:ea typeface="微軟正黑體" panose="020B0604030504040204" pitchFamily="34" charset="-120"/>
-                      </a:endParaRPr>
-                    </a:p>
-                    <a:p>
-                      <a:r>
-                        <a:rPr lang="zh-TW" altLang="en-US" dirty="0" smtClean="0">
-                          <a:solidFill>
-                            <a:srgbClr val="92D050"/>
-                          </a:solidFill>
-                          <a:latin typeface="微軟正黑體" panose="020B0604030504040204" pitchFamily="34" charset="-120"/>
-                          <a:ea typeface="微軟正黑體" panose="020B0604030504040204" pitchFamily="34" charset="-120"/>
-                        </a:rPr>
-                        <a:t>腦部影像顯示</a:t>
-                      </a:r>
-                      <a:endParaRPr lang="en-US" altLang="zh-TW" dirty="0" smtClean="0">
-                        <a:solidFill>
-                          <a:srgbClr val="92D050"/>
-                        </a:solidFill>
-                        <a:latin typeface="微軟正黑體" panose="020B0604030504040204" pitchFamily="34" charset="-120"/>
-                        <a:ea typeface="微軟正黑體" panose="020B0604030504040204" pitchFamily="34" charset="-120"/>
-                      </a:endParaRPr>
-                    </a:p>
-                    <a:p>
-                      <a:r>
-                        <a:rPr lang="zh-TW" altLang="en-US" dirty="0" smtClean="0">
-                          <a:solidFill>
-                            <a:srgbClr val="92D050"/>
-                          </a:solidFill>
-                          <a:latin typeface="微軟正黑體" panose="020B0604030504040204" pitchFamily="34" charset="-120"/>
-                          <a:ea typeface="微軟正黑體" panose="020B0604030504040204" pitchFamily="34" charset="-120"/>
-                        </a:rPr>
-                        <a:t>風險程度圖</a:t>
-                      </a:r>
                       <a:endParaRPr lang="en-US" altLang="zh-TW" dirty="0" smtClean="0">
                         <a:solidFill>
                           <a:srgbClr val="92D050"/>
@@ -8596,143 +9267,6 @@
     <p:extLst>
       <p:ext uri="{BB962C8B-B14F-4D97-AF65-F5344CB8AC3E}">
         <p14:creationId xmlns:p14="http://schemas.microsoft.com/office/powerpoint/2010/main" val="2286591281"/>
-      </p:ext>
-    </p:extLst>
-  </p:cSld>
-  <p:clrMapOvr>
-    <a:masterClrMapping/>
-  </p:clrMapOvr>
-  <p:timing>
-    <p:tnLst>
-      <p:par>
-        <p:cTn id="1" dur="indefinite" restart="never" nodeType="tmRoot"/>
-      </p:par>
-    </p:tnLst>
-  </p:timing>
-</p:sld>
-</file>
-
-<file path=ppt/slides/slide2.xml><?xml version="1.0" encoding="utf-8"?>
-<p:sld xmlns:a="http://schemas.openxmlformats.org/drawingml/2006/main" xmlns:r="http://schemas.openxmlformats.org/officeDocument/2006/relationships" xmlns:p="http://schemas.openxmlformats.org/presentationml/2006/main">
-  <p:cSld>
-    <p:spTree>
-      <p:nvGrpSpPr>
-        <p:cNvPr id="1" name=""/>
-        <p:cNvGrpSpPr/>
-        <p:nvPr/>
-      </p:nvGrpSpPr>
-      <p:grpSpPr>
-        <a:xfrm>
-          <a:off x="0" y="0"/>
-          <a:ext cx="0" cy="0"/>
-          <a:chOff x="0" y="0"/>
-          <a:chExt cx="0" cy="0"/>
-        </a:xfrm>
-      </p:grpSpPr>
-      <p:pic>
-        <p:nvPicPr>
-          <p:cNvPr id="6" name="圖片 5"/>
-          <p:cNvPicPr>
-            <a:picLocks noChangeAspect="1"/>
-          </p:cNvPicPr>
-          <p:nvPr/>
-        </p:nvPicPr>
-        <p:blipFill>
-          <a:blip r:embed="rId2"/>
-          <a:stretch>
-            <a:fillRect/>
-          </a:stretch>
-        </p:blipFill>
-        <p:spPr>
-          <a:xfrm>
-            <a:off x="1782421" y="1206631"/>
-            <a:ext cx="8627158" cy="4850810"/>
-          </a:xfrm>
-          <a:prstGeom prst="rect">
-            <a:avLst/>
-          </a:prstGeom>
-        </p:spPr>
-      </p:pic>
-      <p:sp>
-        <p:nvSpPr>
-          <p:cNvPr id="2" name="標題 1"/>
-          <p:cNvSpPr>
-            <a:spLocks noGrp="1"/>
-          </p:cNvSpPr>
-          <p:nvPr>
-            <p:ph type="title"/>
-          </p:nvPr>
-        </p:nvSpPr>
-        <p:spPr/>
-        <p:txBody>
-          <a:bodyPr/>
-          <a:lstStyle/>
-          <a:p>
-            <a:r>
-              <a:rPr lang="zh-TW" altLang="en-US" dirty="0" smtClean="0"/>
-              <a:t>預計使用模板</a:t>
-            </a:r>
-            <a:endParaRPr lang="zh-TW" altLang="en-US" dirty="0"/>
-          </a:p>
-        </p:txBody>
-      </p:sp>
-      <p:sp>
-        <p:nvSpPr>
-          <p:cNvPr id="5" name="矩形 4"/>
-          <p:cNvSpPr/>
-          <p:nvPr/>
-        </p:nvSpPr>
-        <p:spPr>
-          <a:xfrm>
-            <a:off x="1782421" y="6057441"/>
-            <a:ext cx="7518400" cy="646331"/>
-          </a:xfrm>
-          <a:prstGeom prst="rect">
-            <a:avLst/>
-          </a:prstGeom>
-        </p:spPr>
-        <p:txBody>
-          <a:bodyPr wrap="square">
-            <a:spAutoFit/>
-          </a:bodyPr>
-          <a:lstStyle/>
-          <a:p>
-            <a:r>
-              <a:rPr lang="en-US" altLang="zh-TW" b="1" dirty="0"/>
-              <a:t>Building a Responsive Dashboard UI App with Flutter | Step-by-Step </a:t>
-            </a:r>
-            <a:r>
-              <a:rPr lang="en-US" altLang="zh-TW" b="1" dirty="0" smtClean="0"/>
-              <a:t>Tutorial</a:t>
-            </a:r>
-          </a:p>
-          <a:p>
-            <a:r>
-              <a:rPr lang="zh-TW" altLang="en-US" dirty="0" smtClean="0">
-                <a:hlinkClick r:id="rId3"/>
-              </a:rPr>
-              <a:t>https</a:t>
-            </a:r>
-            <a:r>
-              <a:rPr lang="zh-TW" altLang="en-US" dirty="0">
-                <a:hlinkClick r:id="rId3"/>
-              </a:rPr>
-              <a:t>://www.youtube.com/watch?v=fVZqxpNdD6</a:t>
-            </a:r>
-            <a:r>
-              <a:rPr lang="zh-TW" altLang="en-US" dirty="0" smtClean="0">
-                <a:hlinkClick r:id="rId3"/>
-              </a:rPr>
-              <a:t>c</a:t>
-            </a:r>
-            <a:endParaRPr lang="zh-TW" altLang="en-US" dirty="0"/>
-          </a:p>
-        </p:txBody>
-      </p:sp>
-    </p:spTree>
-    <p:extLst>
-      <p:ext uri="{BB962C8B-B14F-4D97-AF65-F5344CB8AC3E}">
-        <p14:creationId xmlns:p14="http://schemas.microsoft.com/office/powerpoint/2010/main" val="916444766"/>
       </p:ext>
     </p:extLst>
   </p:cSld>

--- a/會議記錄/會議記錄.pptx
+++ b/會議記錄/會議記錄.pptx
@@ -217,7 +217,7 @@
           <a:p>
             <a:fld id="{33C68CCD-F31B-437B-965E-855E94FE60A6}" type="datetimeFigureOut">
               <a:rPr lang="zh-TW" altLang="en-US" smtClean="0"/>
-              <a:t>2025/4/4</a:t>
+              <a:t>2025/4/6</a:t>
             </a:fld>
             <a:endParaRPr lang="zh-TW" altLang="en-US"/>
           </a:p>
@@ -622,7 +622,7 @@
           <a:p>
             <a:fld id="{F404DC6C-E353-4FBF-8B7B-7C2F0DFA34E8}" type="datetimeFigureOut">
               <a:rPr lang="zh-TW" altLang="en-US" smtClean="0"/>
-              <a:t>2025/4/4</a:t>
+              <a:t>2025/4/6</a:t>
             </a:fld>
             <a:endParaRPr lang="zh-TW" altLang="en-US"/>
           </a:p>
@@ -792,7 +792,7 @@
           <a:p>
             <a:fld id="{F404DC6C-E353-4FBF-8B7B-7C2F0DFA34E8}" type="datetimeFigureOut">
               <a:rPr lang="zh-TW" altLang="en-US" smtClean="0"/>
-              <a:t>2025/4/4</a:t>
+              <a:t>2025/4/6</a:t>
             </a:fld>
             <a:endParaRPr lang="zh-TW" altLang="en-US"/>
           </a:p>
@@ -972,7 +972,7 @@
           <a:p>
             <a:fld id="{F404DC6C-E353-4FBF-8B7B-7C2F0DFA34E8}" type="datetimeFigureOut">
               <a:rPr lang="zh-TW" altLang="en-US" smtClean="0"/>
-              <a:t>2025/4/4</a:t>
+              <a:t>2025/4/6</a:t>
             </a:fld>
             <a:endParaRPr lang="zh-TW" altLang="en-US"/>
           </a:p>
@@ -1192,7 +1192,7 @@
           <a:p>
             <a:fld id="{F404DC6C-E353-4FBF-8B7B-7C2F0DFA34E8}" type="datetimeFigureOut">
               <a:rPr lang="zh-TW" altLang="en-US" smtClean="0"/>
-              <a:t>2025/4/4</a:t>
+              <a:t>2025/4/6</a:t>
             </a:fld>
             <a:endParaRPr lang="zh-TW" altLang="en-US"/>
           </a:p>
@@ -1438,7 +1438,7 @@
           <a:p>
             <a:fld id="{F404DC6C-E353-4FBF-8B7B-7C2F0DFA34E8}" type="datetimeFigureOut">
               <a:rPr lang="zh-TW" altLang="en-US" smtClean="0"/>
-              <a:t>2025/4/4</a:t>
+              <a:t>2025/4/6</a:t>
             </a:fld>
             <a:endParaRPr lang="zh-TW" altLang="en-US"/>
           </a:p>
@@ -1670,7 +1670,7 @@
           <a:p>
             <a:fld id="{F404DC6C-E353-4FBF-8B7B-7C2F0DFA34E8}" type="datetimeFigureOut">
               <a:rPr lang="zh-TW" altLang="en-US" smtClean="0"/>
-              <a:t>2025/4/4</a:t>
+              <a:t>2025/4/6</a:t>
             </a:fld>
             <a:endParaRPr lang="zh-TW" altLang="en-US"/>
           </a:p>
@@ -2037,7 +2037,7 @@
           <a:p>
             <a:fld id="{F404DC6C-E353-4FBF-8B7B-7C2F0DFA34E8}" type="datetimeFigureOut">
               <a:rPr lang="zh-TW" altLang="en-US" smtClean="0"/>
-              <a:t>2025/4/4</a:t>
+              <a:t>2025/4/6</a:t>
             </a:fld>
             <a:endParaRPr lang="zh-TW" altLang="en-US"/>
           </a:p>
@@ -2155,7 +2155,7 @@
           <a:p>
             <a:fld id="{F404DC6C-E353-4FBF-8B7B-7C2F0DFA34E8}" type="datetimeFigureOut">
               <a:rPr lang="zh-TW" altLang="en-US" smtClean="0"/>
-              <a:t>2025/4/4</a:t>
+              <a:t>2025/4/6</a:t>
             </a:fld>
             <a:endParaRPr lang="zh-TW" altLang="en-US"/>
           </a:p>
@@ -2250,7 +2250,7 @@
           <a:p>
             <a:fld id="{F404DC6C-E353-4FBF-8B7B-7C2F0DFA34E8}" type="datetimeFigureOut">
               <a:rPr lang="zh-TW" altLang="en-US" smtClean="0"/>
-              <a:t>2025/4/4</a:t>
+              <a:t>2025/4/6</a:t>
             </a:fld>
             <a:endParaRPr lang="zh-TW" altLang="en-US"/>
           </a:p>
@@ -2527,7 +2527,7 @@
           <a:p>
             <a:fld id="{F404DC6C-E353-4FBF-8B7B-7C2F0DFA34E8}" type="datetimeFigureOut">
               <a:rPr lang="zh-TW" altLang="en-US" smtClean="0"/>
-              <a:t>2025/4/4</a:t>
+              <a:t>2025/4/6</a:t>
             </a:fld>
             <a:endParaRPr lang="zh-TW" altLang="en-US"/>
           </a:p>
@@ -2784,7 +2784,7 @@
           <a:p>
             <a:fld id="{F404DC6C-E353-4FBF-8B7B-7C2F0DFA34E8}" type="datetimeFigureOut">
               <a:rPr lang="zh-TW" altLang="en-US" smtClean="0"/>
-              <a:t>2025/4/4</a:t>
+              <a:t>2025/4/6</a:t>
             </a:fld>
             <a:endParaRPr lang="zh-TW" altLang="en-US"/>
           </a:p>
@@ -2997,7 +2997,7 @@
           <a:p>
             <a:fld id="{F404DC6C-E353-4FBF-8B7B-7C2F0DFA34E8}" type="datetimeFigureOut">
               <a:rPr lang="zh-TW" altLang="en-US" smtClean="0"/>
-              <a:t>2025/4/4</a:t>
+              <a:t>2025/4/6</a:t>
             </a:fld>
             <a:endParaRPr lang="zh-TW" altLang="en-US"/>
           </a:p>
@@ -5048,7 +5048,6 @@
               <a:rPr lang="en-US" altLang="zh-TW" dirty="0" smtClean="0"/>
               <a:t>)</a:t>
             </a:r>
-            <a:endParaRPr lang="en-US" altLang="zh-TW" dirty="0" smtClean="0"/>
           </a:p>
           <a:p>
             <a:pPr marL="0" indent="0">
@@ -6670,6 +6669,10 @@
             <a:r>
               <a:rPr lang="en-US" altLang="zh-TW" dirty="0" err="1" smtClean="0"/>
               <a:t>GradCAM</a:t>
+            </a:r>
+            <a:r>
+              <a:rPr lang="en-US" altLang="zh-TW" dirty="0" smtClean="0"/>
+              <a:t>[v]</a:t>
             </a:r>
             <a:endParaRPr lang="en-US" altLang="zh-TW" dirty="0" smtClean="0"/>
           </a:p>
@@ -8823,17 +8826,7 @@
                           <a:latin typeface="微軟正黑體" panose="020B0604030504040204" pitchFamily="34" charset="-120"/>
                           <a:ea typeface="微軟正黑體" panose="020B0604030504040204" pitchFamily="34" charset="-120"/>
                         </a:rPr>
-                        <a:t>拍</a:t>
-                      </a:r>
-                      <a:r>
-                        <a:rPr lang="zh-TW" altLang="en-US" dirty="0" smtClean="0">
-                          <a:solidFill>
-                            <a:schemeClr val="tx1"/>
-                          </a:solidFill>
-                          <a:latin typeface="微軟正黑體" panose="020B0604030504040204" pitchFamily="34" charset="-120"/>
-                          <a:ea typeface="微軟正黑體" panose="020B0604030504040204" pitchFamily="34" charset="-120"/>
-                        </a:rPr>
-                        <a:t>影片</a:t>
+                        <a:t>拍影片</a:t>
                       </a:r>
                     </a:p>
                     <a:p>

--- a/會議記錄/會議記錄.pptx
+++ b/會議記錄/會議記錄.pptx
@@ -5,7 +5,7 @@
     <p:sldMasterId id="2147483660" r:id="rId1"/>
   </p:sldMasterIdLst>
   <p:notesMasterIdLst>
-    <p:notesMasterId r:id="rId23"/>
+    <p:notesMasterId r:id="rId26"/>
   </p:notesMasterIdLst>
   <p:sldIdLst>
     <p:sldId id="256" r:id="rId2"/>
@@ -28,7 +28,10 @@
     <p:sldId id="277" r:id="rId19"/>
     <p:sldId id="278" r:id="rId20"/>
     <p:sldId id="279" r:id="rId21"/>
-    <p:sldId id="265" r:id="rId22"/>
+    <p:sldId id="280" r:id="rId22"/>
+    <p:sldId id="281" r:id="rId23"/>
+    <p:sldId id="282" r:id="rId24"/>
+    <p:sldId id="265" r:id="rId25"/>
   </p:sldIdLst>
   <p:sldSz cx="12192000" cy="6858000"/>
   <p:notesSz cx="6858000" cy="9144000"/>
@@ -217,7 +220,7 @@
           <a:p>
             <a:fld id="{33C68CCD-F31B-437B-965E-855E94FE60A6}" type="datetimeFigureOut">
               <a:rPr lang="zh-TW" altLang="en-US" smtClean="0"/>
-              <a:t>2025/4/6</a:t>
+              <a:t>2025/4/11</a:t>
             </a:fld>
             <a:endParaRPr lang="zh-TW" altLang="en-US"/>
           </a:p>
@@ -622,7 +625,7 @@
           <a:p>
             <a:fld id="{F404DC6C-E353-4FBF-8B7B-7C2F0DFA34E8}" type="datetimeFigureOut">
               <a:rPr lang="zh-TW" altLang="en-US" smtClean="0"/>
-              <a:t>2025/4/6</a:t>
+              <a:t>2025/4/11</a:t>
             </a:fld>
             <a:endParaRPr lang="zh-TW" altLang="en-US"/>
           </a:p>
@@ -792,7 +795,7 @@
           <a:p>
             <a:fld id="{F404DC6C-E353-4FBF-8B7B-7C2F0DFA34E8}" type="datetimeFigureOut">
               <a:rPr lang="zh-TW" altLang="en-US" smtClean="0"/>
-              <a:t>2025/4/6</a:t>
+              <a:t>2025/4/11</a:t>
             </a:fld>
             <a:endParaRPr lang="zh-TW" altLang="en-US"/>
           </a:p>
@@ -972,7 +975,7 @@
           <a:p>
             <a:fld id="{F404DC6C-E353-4FBF-8B7B-7C2F0DFA34E8}" type="datetimeFigureOut">
               <a:rPr lang="zh-TW" altLang="en-US" smtClean="0"/>
-              <a:t>2025/4/6</a:t>
+              <a:t>2025/4/11</a:t>
             </a:fld>
             <a:endParaRPr lang="zh-TW" altLang="en-US"/>
           </a:p>
@@ -1192,7 +1195,7 @@
           <a:p>
             <a:fld id="{F404DC6C-E353-4FBF-8B7B-7C2F0DFA34E8}" type="datetimeFigureOut">
               <a:rPr lang="zh-TW" altLang="en-US" smtClean="0"/>
-              <a:t>2025/4/6</a:t>
+              <a:t>2025/4/11</a:t>
             </a:fld>
             <a:endParaRPr lang="zh-TW" altLang="en-US"/>
           </a:p>
@@ -1438,7 +1441,7 @@
           <a:p>
             <a:fld id="{F404DC6C-E353-4FBF-8B7B-7C2F0DFA34E8}" type="datetimeFigureOut">
               <a:rPr lang="zh-TW" altLang="en-US" smtClean="0"/>
-              <a:t>2025/4/6</a:t>
+              <a:t>2025/4/11</a:t>
             </a:fld>
             <a:endParaRPr lang="zh-TW" altLang="en-US"/>
           </a:p>
@@ -1670,7 +1673,7 @@
           <a:p>
             <a:fld id="{F404DC6C-E353-4FBF-8B7B-7C2F0DFA34E8}" type="datetimeFigureOut">
               <a:rPr lang="zh-TW" altLang="en-US" smtClean="0"/>
-              <a:t>2025/4/6</a:t>
+              <a:t>2025/4/11</a:t>
             </a:fld>
             <a:endParaRPr lang="zh-TW" altLang="en-US"/>
           </a:p>
@@ -2037,7 +2040,7 @@
           <a:p>
             <a:fld id="{F404DC6C-E353-4FBF-8B7B-7C2F0DFA34E8}" type="datetimeFigureOut">
               <a:rPr lang="zh-TW" altLang="en-US" smtClean="0"/>
-              <a:t>2025/4/6</a:t>
+              <a:t>2025/4/11</a:t>
             </a:fld>
             <a:endParaRPr lang="zh-TW" altLang="en-US"/>
           </a:p>
@@ -2155,7 +2158,7 @@
           <a:p>
             <a:fld id="{F404DC6C-E353-4FBF-8B7B-7C2F0DFA34E8}" type="datetimeFigureOut">
               <a:rPr lang="zh-TW" altLang="en-US" smtClean="0"/>
-              <a:t>2025/4/6</a:t>
+              <a:t>2025/4/11</a:t>
             </a:fld>
             <a:endParaRPr lang="zh-TW" altLang="en-US"/>
           </a:p>
@@ -2250,7 +2253,7 @@
           <a:p>
             <a:fld id="{F404DC6C-E353-4FBF-8B7B-7C2F0DFA34E8}" type="datetimeFigureOut">
               <a:rPr lang="zh-TW" altLang="en-US" smtClean="0"/>
-              <a:t>2025/4/6</a:t>
+              <a:t>2025/4/11</a:t>
             </a:fld>
             <a:endParaRPr lang="zh-TW" altLang="en-US"/>
           </a:p>
@@ -2527,7 +2530,7 @@
           <a:p>
             <a:fld id="{F404DC6C-E353-4FBF-8B7B-7C2F0DFA34E8}" type="datetimeFigureOut">
               <a:rPr lang="zh-TW" altLang="en-US" smtClean="0"/>
-              <a:t>2025/4/6</a:t>
+              <a:t>2025/4/11</a:t>
             </a:fld>
             <a:endParaRPr lang="zh-TW" altLang="en-US"/>
           </a:p>
@@ -2784,7 +2787,7 @@
           <a:p>
             <a:fld id="{F404DC6C-E353-4FBF-8B7B-7C2F0DFA34E8}" type="datetimeFigureOut">
               <a:rPr lang="zh-TW" altLang="en-US" smtClean="0"/>
-              <a:t>2025/4/6</a:t>
+              <a:t>2025/4/11</a:t>
             </a:fld>
             <a:endParaRPr lang="zh-TW" altLang="en-US"/>
           </a:p>
@@ -2997,7 +3000,7 @@
           <a:p>
             <a:fld id="{F404DC6C-E353-4FBF-8B7B-7C2F0DFA34E8}" type="datetimeFigureOut">
               <a:rPr lang="zh-TW" altLang="en-US" smtClean="0"/>
-              <a:t>2025/4/6</a:t>
+              <a:t>2025/4/11</a:t>
             </a:fld>
             <a:endParaRPr lang="zh-TW" altLang="en-US"/>
           </a:p>
@@ -6674,7 +6677,6 @@
               <a:rPr lang="en-US" altLang="zh-TW" dirty="0" smtClean="0"/>
               <a:t>[v]</a:t>
             </a:r>
-            <a:endParaRPr lang="en-US" altLang="zh-TW" dirty="0" smtClean="0"/>
           </a:p>
           <a:p>
             <a:r>
@@ -6713,7 +6715,11 @@
           <a:p>
             <a:r>
               <a:rPr lang="zh-TW" altLang="en-US" dirty="0" smtClean="0"/>
-              <a:t>徐：介紹影片劇本</a:t>
+              <a:t>徐</a:t>
+            </a:r>
+            <a:r>
+              <a:rPr lang="zh-TW" altLang="en-US" dirty="0" smtClean="0"/>
+              <a:t>：介紹影片劇本</a:t>
             </a:r>
             <a:r>
               <a:rPr lang="en-US" altLang="zh-TW" dirty="0" smtClean="0"/>
@@ -7009,6 +7015,523 @@
           <a:chExt cx="0" cy="0"/>
         </a:xfrm>
       </p:grpSpPr>
+      <p:sp>
+        <p:nvSpPr>
+          <p:cNvPr id="2" name="標題 1"/>
+          <p:cNvSpPr>
+            <a:spLocks noGrp="1"/>
+          </p:cNvSpPr>
+          <p:nvPr>
+            <p:ph type="title"/>
+          </p:nvPr>
+        </p:nvSpPr>
+        <p:spPr/>
+        <p:txBody>
+          <a:bodyPr/>
+          <a:lstStyle/>
+          <a:p>
+            <a:r>
+              <a:rPr lang="zh-TW" altLang="en-US" dirty="0"/>
+              <a:t>會議記錄</a:t>
+            </a:r>
+            <a:r>
+              <a:rPr lang="en-US" altLang="zh-TW" dirty="0" smtClean="0"/>
+              <a:t>4/11</a:t>
+            </a:r>
+            <a:endParaRPr lang="zh-TW" altLang="en-US" dirty="0"/>
+          </a:p>
+        </p:txBody>
+      </p:sp>
+      <p:sp>
+        <p:nvSpPr>
+          <p:cNvPr id="3" name="內容版面配置區 2"/>
+          <p:cNvSpPr>
+            <a:spLocks noGrp="1"/>
+          </p:cNvSpPr>
+          <p:nvPr>
+            <p:ph idx="1"/>
+          </p:nvPr>
+        </p:nvSpPr>
+        <p:spPr/>
+        <p:txBody>
+          <a:bodyPr/>
+          <a:lstStyle/>
+          <a:p>
+            <a:r>
+              <a:rPr lang="zh-TW" altLang="en-US" dirty="0" smtClean="0"/>
+              <a:t>顏</a:t>
+            </a:r>
+            <a:r>
+              <a:rPr lang="zh-TW" altLang="en-US" dirty="0" smtClean="0"/>
+              <a:t>：</a:t>
+            </a:r>
+            <a:r>
+              <a:rPr lang="zh-TW" altLang="en-US" dirty="0"/>
+              <a:t>前端圖片相關功能</a:t>
+            </a:r>
+            <a:endParaRPr lang="en-US" altLang="zh-TW" dirty="0" smtClean="0"/>
+          </a:p>
+          <a:p>
+            <a:r>
+              <a:rPr lang="zh-TW" altLang="en-US" dirty="0" smtClean="0"/>
+              <a:t>王：圖片改成相對路徑、</a:t>
+            </a:r>
+            <a:r>
+              <a:rPr lang="en-US" altLang="zh-TW" dirty="0" smtClean="0"/>
+              <a:t>AI</a:t>
+            </a:r>
+            <a:r>
+              <a:rPr lang="zh-TW" altLang="en-US" dirty="0" smtClean="0"/>
+              <a:t>的</a:t>
+            </a:r>
+            <a:r>
+              <a:rPr lang="en-US" altLang="zh-TW" dirty="0" smtClean="0"/>
+              <a:t>API(50%)</a:t>
+            </a:r>
+          </a:p>
+          <a:p>
+            <a:r>
+              <a:rPr lang="zh-TW" altLang="en-US" dirty="0" smtClean="0"/>
+              <a:t>徐</a:t>
+            </a:r>
+            <a:r>
+              <a:rPr lang="zh-TW" altLang="en-US" dirty="0" smtClean="0"/>
+              <a:t>：介紹影片劇本</a:t>
+            </a:r>
+            <a:r>
+              <a:rPr lang="en-US" altLang="zh-TW" dirty="0" smtClean="0"/>
+              <a:t>(2~3</a:t>
+            </a:r>
+            <a:r>
+              <a:rPr lang="zh-TW" altLang="en-US" dirty="0" smtClean="0"/>
+              <a:t>分鐘</a:t>
+            </a:r>
+            <a:r>
+              <a:rPr lang="en-US" altLang="zh-TW" dirty="0" smtClean="0"/>
+              <a:t>)</a:t>
+            </a:r>
+            <a:r>
+              <a:rPr lang="zh-TW" altLang="en-US" dirty="0" smtClean="0"/>
+              <a:t>、切片</a:t>
+            </a:r>
+            <a:r>
+              <a:rPr lang="en-US" altLang="zh-TW" dirty="0" smtClean="0"/>
+              <a:t>DEBUG</a:t>
+            </a:r>
+            <a:r>
+              <a:rPr lang="zh-TW" altLang="en-US" dirty="0" smtClean="0"/>
+              <a:t>、阿茲海默模型</a:t>
+            </a:r>
+            <a:r>
+              <a:rPr lang="en-US" altLang="zh-TW" dirty="0" smtClean="0"/>
+              <a:t>(</a:t>
+            </a:r>
+            <a:r>
+              <a:rPr lang="en-US" altLang="zh-TW" dirty="0" smtClean="0"/>
+              <a:t>80%</a:t>
+            </a:r>
+            <a:r>
+              <a:rPr lang="en-US" altLang="zh-TW" dirty="0" smtClean="0"/>
+              <a:t>)</a:t>
+            </a:r>
+            <a:endParaRPr lang="zh-TW" altLang="en-US" dirty="0"/>
+          </a:p>
+        </p:txBody>
+      </p:sp>
+    </p:spTree>
+    <p:extLst>
+      <p:ext uri="{BB962C8B-B14F-4D97-AF65-F5344CB8AC3E}">
+        <p14:creationId xmlns:p14="http://schemas.microsoft.com/office/powerpoint/2010/main" val="2109418091"/>
+      </p:ext>
+    </p:extLst>
+  </p:cSld>
+  <p:clrMapOvr>
+    <a:masterClrMapping/>
+  </p:clrMapOvr>
+</p:sld>
+</file>
+
+<file path=ppt/slides/slide22.xml><?xml version="1.0" encoding="utf-8"?>
+<p:sld xmlns:a="http://schemas.openxmlformats.org/drawingml/2006/main" xmlns:r="http://schemas.openxmlformats.org/officeDocument/2006/relationships" xmlns:p="http://schemas.openxmlformats.org/presentationml/2006/main">
+  <p:cSld>
+    <p:spTree>
+      <p:nvGrpSpPr>
+        <p:cNvPr id="1" name=""/>
+        <p:cNvGrpSpPr/>
+        <p:nvPr/>
+      </p:nvGrpSpPr>
+      <p:grpSpPr>
+        <a:xfrm>
+          <a:off x="0" y="0"/>
+          <a:ext cx="0" cy="0"/>
+          <a:chOff x="0" y="0"/>
+          <a:chExt cx="0" cy="0"/>
+        </a:xfrm>
+      </p:grpSpPr>
+      <p:sp>
+        <p:nvSpPr>
+          <p:cNvPr id="2" name="標題 1"/>
+          <p:cNvSpPr>
+            <a:spLocks noGrp="1"/>
+          </p:cNvSpPr>
+          <p:nvPr>
+            <p:ph type="title"/>
+          </p:nvPr>
+        </p:nvSpPr>
+        <p:spPr/>
+        <p:txBody>
+          <a:bodyPr/>
+          <a:lstStyle/>
+          <a:p>
+            <a:r>
+              <a:rPr lang="zh-TW" altLang="en-US" dirty="0"/>
+              <a:t>下次開會</a:t>
+            </a:r>
+            <a:r>
+              <a:rPr lang="en-US" altLang="zh-TW" dirty="0" smtClean="0"/>
+              <a:t>4/18</a:t>
+            </a:r>
+            <a:endParaRPr lang="zh-TW" altLang="en-US" dirty="0"/>
+          </a:p>
+        </p:txBody>
+      </p:sp>
+      <p:sp>
+        <p:nvSpPr>
+          <p:cNvPr id="3" name="內容版面配置區 2"/>
+          <p:cNvSpPr>
+            <a:spLocks noGrp="1"/>
+          </p:cNvSpPr>
+          <p:nvPr>
+            <p:ph idx="1"/>
+          </p:nvPr>
+        </p:nvSpPr>
+        <p:spPr/>
+        <p:txBody>
+          <a:bodyPr/>
+          <a:lstStyle/>
+          <a:p>
+            <a:r>
+              <a:rPr lang="zh-TW" altLang="en-US" dirty="0" smtClean="0"/>
+              <a:t>顏</a:t>
+            </a:r>
+            <a:r>
+              <a:rPr lang="zh-TW" altLang="en-US" dirty="0" smtClean="0"/>
+              <a:t>：上傳紀錄</a:t>
+            </a:r>
+            <a:r>
+              <a:rPr lang="en-US" altLang="zh-TW" dirty="0" smtClean="0"/>
+              <a:t>(</a:t>
+            </a:r>
+            <a:r>
+              <a:rPr lang="zh-TW" altLang="en-US" dirty="0"/>
+              <a:t>建檔</a:t>
+            </a:r>
+            <a:r>
+              <a:rPr lang="zh-TW" altLang="en-US" dirty="0" smtClean="0"/>
+              <a:t>、</a:t>
+            </a:r>
+            <a:r>
+              <a:rPr lang="en-US" altLang="zh-TW" dirty="0" smtClean="0"/>
+              <a:t>AI</a:t>
+            </a:r>
+            <a:r>
+              <a:rPr lang="zh-TW" altLang="en-US" dirty="0" smtClean="0"/>
+              <a:t>計算、儲存</a:t>
+            </a:r>
+            <a:r>
+              <a:rPr lang="en-US" altLang="zh-TW" dirty="0" smtClean="0"/>
+              <a:t>)</a:t>
+            </a:r>
+            <a:r>
+              <a:rPr lang="zh-TW" altLang="en-US" dirty="0" smtClean="0"/>
+              <a:t>、顯示腦齡圖表</a:t>
+            </a:r>
+            <a:endParaRPr lang="en-US" altLang="zh-TW" dirty="0" smtClean="0"/>
+          </a:p>
+          <a:p>
+            <a:r>
+              <a:rPr lang="zh-TW" altLang="en-US" dirty="0" smtClean="0"/>
+              <a:t>王：</a:t>
+            </a:r>
+            <a:r>
+              <a:rPr lang="en-US" altLang="zh-TW" dirty="0" smtClean="0"/>
+              <a:t>API</a:t>
+            </a:r>
+            <a:r>
+              <a:rPr lang="zh-TW" altLang="en-US" dirty="0" smtClean="0"/>
+              <a:t> </a:t>
+            </a:r>
+            <a:r>
+              <a:rPr lang="en-US" altLang="zh-TW" dirty="0" smtClean="0"/>
+              <a:t>100%</a:t>
+            </a:r>
+            <a:r>
+              <a:rPr lang="zh-TW" altLang="en-US" dirty="0" smtClean="0"/>
+              <a:t> </a:t>
+            </a:r>
+            <a:r>
+              <a:rPr lang="en-US" altLang="zh-TW" dirty="0"/>
+              <a:t>(</a:t>
+            </a:r>
+            <a:r>
+              <a:rPr lang="zh-TW" altLang="en-US" dirty="0"/>
+              <a:t>建檔、</a:t>
+            </a:r>
+            <a:r>
+              <a:rPr lang="en-US" altLang="zh-TW" dirty="0"/>
+              <a:t>AI</a:t>
+            </a:r>
+            <a:r>
+              <a:rPr lang="zh-TW" altLang="en-US" dirty="0"/>
+              <a:t>計算、儲存</a:t>
+            </a:r>
+            <a:r>
+              <a:rPr lang="en-US" altLang="zh-TW" dirty="0"/>
+              <a:t>)</a:t>
+            </a:r>
+            <a:endParaRPr lang="en-US" altLang="zh-TW" dirty="0" smtClean="0"/>
+          </a:p>
+          <a:p>
+            <a:r>
+              <a:rPr lang="zh-TW" altLang="en-US" dirty="0" smtClean="0"/>
+              <a:t>徐：阿茲海默模型串接、切片功能</a:t>
+            </a:r>
+            <a:r>
+              <a:rPr lang="en-US" altLang="zh-TW" dirty="0" smtClean="0"/>
+              <a:t>(</a:t>
+            </a:r>
+            <a:r>
+              <a:rPr lang="zh-TW" altLang="en-US" dirty="0" smtClean="0"/>
+              <a:t>改使用</a:t>
+            </a:r>
+            <a:r>
+              <a:rPr lang="en-US" altLang="zh-TW" dirty="0" err="1" smtClean="0"/>
+              <a:t>sitk</a:t>
+            </a:r>
+            <a:r>
+              <a:rPr lang="en-US" altLang="zh-TW" dirty="0" smtClean="0"/>
+              <a:t>)</a:t>
+            </a:r>
+            <a:r>
+              <a:rPr lang="zh-TW" altLang="en-US" dirty="0" smtClean="0"/>
+              <a:t>、</a:t>
+            </a:r>
+            <a:r>
+              <a:rPr lang="en-US" altLang="zh-TW" dirty="0" smtClean="0"/>
+              <a:t>Grad-CAM(</a:t>
+            </a:r>
+            <a:r>
+              <a:rPr lang="zh-TW" altLang="en-US" dirty="0" smtClean="0"/>
+              <a:t>週五當場做</a:t>
+            </a:r>
+            <a:r>
+              <a:rPr lang="en-US" altLang="zh-TW" dirty="0" smtClean="0"/>
+              <a:t>)</a:t>
+            </a:r>
+            <a:endParaRPr lang="zh-TW" altLang="en-US" dirty="0"/>
+          </a:p>
+        </p:txBody>
+      </p:sp>
+    </p:spTree>
+    <p:extLst>
+      <p:ext uri="{BB962C8B-B14F-4D97-AF65-F5344CB8AC3E}">
+        <p14:creationId xmlns:p14="http://schemas.microsoft.com/office/powerpoint/2010/main" val="3183815964"/>
+      </p:ext>
+    </p:extLst>
+  </p:cSld>
+  <p:clrMapOvr>
+    <a:masterClrMapping/>
+  </p:clrMapOvr>
+</p:sld>
+</file>
+
+<file path=ppt/slides/slide23.xml><?xml version="1.0" encoding="utf-8"?>
+<p:sld xmlns:a="http://schemas.openxmlformats.org/drawingml/2006/main" xmlns:r="http://schemas.openxmlformats.org/officeDocument/2006/relationships" xmlns:p="http://schemas.openxmlformats.org/presentationml/2006/main">
+  <p:cSld>
+    <p:spTree>
+      <p:nvGrpSpPr>
+        <p:cNvPr id="1" name=""/>
+        <p:cNvGrpSpPr/>
+        <p:nvPr/>
+      </p:nvGrpSpPr>
+      <p:grpSpPr>
+        <a:xfrm>
+          <a:off x="0" y="0"/>
+          <a:ext cx="0" cy="0"/>
+          <a:chOff x="0" y="0"/>
+          <a:chExt cx="0" cy="0"/>
+        </a:xfrm>
+      </p:grpSpPr>
+      <p:sp>
+        <p:nvSpPr>
+          <p:cNvPr id="2" name="標題 1"/>
+          <p:cNvSpPr>
+            <a:spLocks noGrp="1"/>
+          </p:cNvSpPr>
+          <p:nvPr>
+            <p:ph type="title"/>
+          </p:nvPr>
+        </p:nvSpPr>
+        <p:spPr/>
+        <p:txBody>
+          <a:bodyPr/>
+          <a:lstStyle/>
+          <a:p>
+            <a:r>
+              <a:rPr lang="zh-TW" altLang="en-US" dirty="0"/>
+              <a:t>實際</a:t>
+            </a:r>
+            <a:r>
+              <a:rPr lang="en-US" altLang="zh-TW" dirty="0"/>
+              <a:t>DEMO</a:t>
+            </a:r>
+            <a:r>
+              <a:rPr lang="zh-TW" altLang="en-US" dirty="0"/>
+              <a:t>畫面</a:t>
+            </a:r>
+          </a:p>
+        </p:txBody>
+      </p:sp>
+      <p:sp>
+        <p:nvSpPr>
+          <p:cNvPr id="3" name="內容版面配置區 2"/>
+          <p:cNvSpPr>
+            <a:spLocks noGrp="1"/>
+          </p:cNvSpPr>
+          <p:nvPr>
+            <p:ph idx="1"/>
+          </p:nvPr>
+        </p:nvSpPr>
+        <p:spPr/>
+        <p:txBody>
+          <a:bodyPr/>
+          <a:lstStyle/>
+          <a:p>
+            <a:r>
+              <a:rPr lang="zh-TW" altLang="en-US" dirty="0" smtClean="0"/>
+              <a:t>管理員註冊、管理員登入、成員列表、新增成員、上傳紀錄</a:t>
+            </a:r>
+            <a:r>
+              <a:rPr lang="en-US" altLang="zh-TW" dirty="0" smtClean="0"/>
+              <a:t>(</a:t>
+            </a:r>
+            <a:r>
+              <a:rPr lang="zh-TW" altLang="en-US" dirty="0" smtClean="0"/>
+              <a:t>建檔、</a:t>
+            </a:r>
+            <a:r>
+              <a:rPr lang="en-US" altLang="zh-TW" dirty="0" smtClean="0"/>
+              <a:t>AI</a:t>
+            </a:r>
+            <a:r>
+              <a:rPr lang="zh-TW" altLang="en-US" dirty="0" smtClean="0"/>
+              <a:t>計算、儲存</a:t>
+            </a:r>
+            <a:r>
+              <a:rPr lang="en-US" altLang="zh-TW" dirty="0" smtClean="0"/>
+              <a:t>)</a:t>
+            </a:r>
+          </a:p>
+          <a:p>
+            <a:r>
+              <a:rPr lang="zh-TW" altLang="en-US" dirty="0" smtClean="0"/>
+              <a:t>成員登入、腦部分析介面</a:t>
+            </a:r>
+            <a:r>
+              <a:rPr lang="en-US" altLang="zh-TW" dirty="0" smtClean="0"/>
+              <a:t>(</a:t>
+            </a:r>
+            <a:r>
+              <a:rPr lang="zh-TW" altLang="en-US" dirty="0" smtClean="0"/>
+              <a:t>腦齡、失智症風險</a:t>
+            </a:r>
+            <a:r>
+              <a:rPr lang="en-US" altLang="zh-TW" dirty="0" smtClean="0"/>
+              <a:t>)</a:t>
+            </a:r>
+            <a:r>
+              <a:rPr lang="zh-TW" altLang="en-US" dirty="0" smtClean="0"/>
+              <a:t>、調閱以往紀錄</a:t>
+            </a:r>
+            <a:endParaRPr lang="en-US" altLang="zh-TW" dirty="0" smtClean="0"/>
+          </a:p>
+          <a:p>
+            <a:r>
+              <a:rPr lang="zh-TW" altLang="en-US" dirty="0" smtClean="0"/>
+              <a:t>病患</a:t>
+            </a:r>
+            <a:r>
+              <a:rPr lang="en-US" altLang="zh-TW" dirty="0" smtClean="0"/>
+              <a:t>1 (50,55,65,70,75) [</a:t>
+            </a:r>
+            <a:r>
+              <a:rPr lang="zh-TW" altLang="en-US" dirty="0" smtClean="0"/>
+              <a:t>完整過程</a:t>
+            </a:r>
+            <a:r>
+              <a:rPr lang="en-US" altLang="zh-TW" dirty="0" smtClean="0"/>
+              <a:t>]</a:t>
+            </a:r>
+          </a:p>
+          <a:p>
+            <a:r>
+              <a:rPr lang="zh-TW" altLang="en-US" dirty="0" smtClean="0"/>
+              <a:t>病患</a:t>
+            </a:r>
+            <a:r>
+              <a:rPr lang="en-US" altLang="zh-TW" dirty="0" smtClean="0"/>
+              <a:t>2 (10,15,20,25,30)</a:t>
+            </a:r>
+            <a:r>
+              <a:rPr lang="zh-TW" altLang="en-US" dirty="0" smtClean="0"/>
+              <a:t> </a:t>
+            </a:r>
+            <a:r>
+              <a:rPr lang="en-US" altLang="zh-TW" dirty="0" smtClean="0"/>
+              <a:t>[</a:t>
+            </a:r>
+            <a:r>
+              <a:rPr lang="zh-TW" altLang="en-US" dirty="0" smtClean="0"/>
+              <a:t>只看結果</a:t>
+            </a:r>
+            <a:r>
+              <a:rPr lang="en-US" altLang="zh-TW" dirty="0" smtClean="0"/>
+              <a:t>]</a:t>
+            </a:r>
+            <a:endParaRPr lang="zh-TW" altLang="en-US" dirty="0"/>
+          </a:p>
+        </p:txBody>
+      </p:sp>
+    </p:spTree>
+    <p:extLst>
+      <p:ext uri="{BB962C8B-B14F-4D97-AF65-F5344CB8AC3E}">
+        <p14:creationId xmlns:p14="http://schemas.microsoft.com/office/powerpoint/2010/main" val="3379814351"/>
+      </p:ext>
+    </p:extLst>
+  </p:cSld>
+  <p:clrMapOvr>
+    <a:masterClrMapping/>
+  </p:clrMapOvr>
+</p:sld>
+</file>
+
+<file path=ppt/slides/slide24.xml><?xml version="1.0" encoding="utf-8"?>
+<p:sld xmlns:a="http://schemas.openxmlformats.org/drawingml/2006/main" xmlns:r="http://schemas.openxmlformats.org/officeDocument/2006/relationships" xmlns:p="http://schemas.openxmlformats.org/presentationml/2006/main">
+  <p:cSld>
+    <p:spTree>
+      <p:nvGrpSpPr>
+        <p:cNvPr id="1" name=""/>
+        <p:cNvGrpSpPr/>
+        <p:nvPr/>
+      </p:nvGrpSpPr>
+      <p:grpSpPr>
+        <a:xfrm>
+          <a:off x="0" y="0"/>
+          <a:ext cx="0" cy="0"/>
+          <a:chOff x="0" y="0"/>
+          <a:chExt cx="0" cy="0"/>
+        </a:xfrm>
+      </p:grpSpPr>
       <p:graphicFrame>
         <p:nvGraphicFramePr>
           <p:cNvPr id="4" name="表格 3"/>
@@ -7018,7 +7541,7 @@
           <p:nvPr>
             <p:extLst>
               <p:ext uri="{D42A27DB-BD31-4B8C-83A1-F6EECF244321}">
-                <p14:modId xmlns:p14="http://schemas.microsoft.com/office/powerpoint/2010/main" val="616096656"/>
+                <p14:modId xmlns:p14="http://schemas.microsoft.com/office/powerpoint/2010/main" val="1191556349"/>
               </p:ext>
             </p:extLst>
           </p:nvPr>
@@ -8161,14 +8684,24 @@
                         <a:t>API</a:t>
                       </a:r>
                       <a:r>
-                        <a:rPr lang="zh-TW" altLang="en-US" dirty="0" smtClean="0">
+                        <a:rPr lang="zh-TW" altLang="en-US" baseline="0" dirty="0" smtClean="0">
                           <a:solidFill>
                             <a:srgbClr val="00B0F0"/>
                           </a:solidFill>
                           <a:latin typeface="微軟正黑體" panose="020B0604030504040204" pitchFamily="34" charset="-120"/>
                           <a:ea typeface="微軟正黑體" panose="020B0604030504040204" pitchFamily="34" charset="-120"/>
                         </a:rPr>
-                        <a:t>全部完成</a:t>
+                        <a:t> </a:t>
+                      </a:r>
+                      <a:r>
+                        <a:rPr lang="en-US" altLang="zh-TW" dirty="0" smtClean="0">
+                          <a:solidFill>
+                            <a:srgbClr val="00B0F0"/>
+                          </a:solidFill>
+                          <a:latin typeface="微軟正黑體" panose="020B0604030504040204" pitchFamily="34" charset="-120"/>
+                          <a:ea typeface="微軟正黑體" panose="020B0604030504040204" pitchFamily="34" charset="-120"/>
+                        </a:rPr>
+                        <a:t>70%</a:t>
                       </a:r>
                       <a:endParaRPr lang="zh-TW" altLang="en-US" dirty="0">
                         <a:solidFill>
@@ -8365,8 +8898,116 @@
                     <a:bodyPr/>
                     <a:lstStyle/>
                     <a:p>
-                      <a:pPr algn="ctr"/>
-                      <a:endParaRPr lang="zh-TW" altLang="en-US" dirty="0">
+                      <a:pPr marL="0" marR="0" lvl="0" indent="0" algn="ctr" defTabSz="914400" rtl="0" eaLnBrk="1" fontAlgn="auto" latinLnBrk="0" hangingPunct="1">
+                        <a:lnSpc>
+                          <a:spcPct val="100000"/>
+                        </a:lnSpc>
+                        <a:spcBef>
+                          <a:spcPts val="0"/>
+                        </a:spcBef>
+                        <a:spcAft>
+                          <a:spcPts val="0"/>
+                        </a:spcAft>
+                        <a:buClrTx/>
+                        <a:buSzTx/>
+                        <a:buFontTx/>
+                        <a:buNone/>
+                        <a:tabLst/>
+                        <a:defRPr/>
+                      </a:pPr>
+                      <a:r>
+                        <a:rPr lang="en-US" altLang="zh-TW" dirty="0" smtClean="0">
+                          <a:solidFill>
+                            <a:srgbClr val="00B0F0"/>
+                          </a:solidFill>
+                          <a:latin typeface="微軟正黑體" panose="020B0604030504040204" pitchFamily="34" charset="-120"/>
+                          <a:ea typeface="微軟正黑體" panose="020B0604030504040204" pitchFamily="34" charset="-120"/>
+                        </a:rPr>
+                        <a:t>API</a:t>
+                      </a:r>
+                      <a:r>
+                        <a:rPr lang="zh-TW" altLang="en-US" dirty="0" smtClean="0">
+                          <a:solidFill>
+                            <a:srgbClr val="00B0F0"/>
+                          </a:solidFill>
+                          <a:latin typeface="微軟正黑體" panose="020B0604030504040204" pitchFamily="34" charset="-120"/>
+                          <a:ea typeface="微軟正黑體" panose="020B0604030504040204" pitchFamily="34" charset="-120"/>
+                        </a:rPr>
+                        <a:t>全部完成</a:t>
+                      </a:r>
+                      <a:r>
+                        <a:rPr lang="en-US" altLang="zh-TW" dirty="0" smtClean="0">
+                          <a:solidFill>
+                            <a:srgbClr val="FF0000"/>
+                          </a:solidFill>
+                          <a:latin typeface="微軟正黑體" panose="020B0604030504040204" pitchFamily="34" charset="-120"/>
+                          <a:ea typeface="微軟正黑體" panose="020B0604030504040204" pitchFamily="34" charset="-120"/>
+                        </a:rPr>
+                        <a:t>(</a:t>
+                      </a:r>
+                      <a:r>
+                        <a:rPr lang="zh-TW" altLang="en-US" dirty="0" smtClean="0">
+                          <a:solidFill>
+                            <a:srgbClr val="FF0000"/>
+                          </a:solidFill>
+                          <a:latin typeface="微軟正黑體" panose="020B0604030504040204" pitchFamily="34" charset="-120"/>
+                          <a:ea typeface="微軟正黑體" panose="020B0604030504040204" pitchFamily="34" charset="-120"/>
+                        </a:rPr>
+                        <a:t>必須</a:t>
+                      </a:r>
+                      <a:r>
+                        <a:rPr lang="en-US" altLang="zh-TW" dirty="0" smtClean="0">
+                          <a:solidFill>
+                            <a:srgbClr val="FF0000"/>
+                          </a:solidFill>
+                          <a:latin typeface="微軟正黑體" panose="020B0604030504040204" pitchFamily="34" charset="-120"/>
+                          <a:ea typeface="微軟正黑體" panose="020B0604030504040204" pitchFamily="34" charset="-120"/>
+                        </a:rPr>
+                        <a:t>)</a:t>
+                      </a:r>
+                    </a:p>
+                    <a:p>
+                      <a:pPr marL="0" marR="0" lvl="0" indent="0" algn="ctr" defTabSz="914400" rtl="0" eaLnBrk="1" fontAlgn="auto" latinLnBrk="0" hangingPunct="1">
+                        <a:lnSpc>
+                          <a:spcPct val="100000"/>
+                        </a:lnSpc>
+                        <a:spcBef>
+                          <a:spcPts val="0"/>
+                        </a:spcBef>
+                        <a:spcAft>
+                          <a:spcPts val="0"/>
+                        </a:spcAft>
+                        <a:buClrTx/>
+                        <a:buSzTx/>
+                        <a:buFontTx/>
+                        <a:buNone/>
+                        <a:tabLst/>
+                        <a:defRPr/>
+                      </a:pPr>
+                      <a:r>
+                        <a:rPr lang="en-US" altLang="zh-TW" dirty="0" smtClean="0">
+                          <a:solidFill>
+                            <a:srgbClr val="FFFF00"/>
+                          </a:solidFill>
+                          <a:latin typeface="微軟正黑體" panose="020B0604030504040204" pitchFamily="34" charset="-120"/>
+                          <a:ea typeface="微軟正黑體" panose="020B0604030504040204" pitchFamily="34" charset="-120"/>
+                        </a:rPr>
+                        <a:t>Ai</a:t>
+                      </a:r>
+                      <a:r>
+                        <a:rPr lang="zh-TW" altLang="en-US" dirty="0" smtClean="0">
+                          <a:solidFill>
+                            <a:srgbClr val="FFFF00"/>
+                          </a:solidFill>
+                          <a:latin typeface="微軟正黑體" panose="020B0604030504040204" pitchFamily="34" charset="-120"/>
+                          <a:ea typeface="微軟正黑體" panose="020B0604030504040204" pitchFamily="34" charset="-120"/>
+                        </a:rPr>
+                        <a:t>模型串接</a:t>
+                      </a:r>
+                      <a:endParaRPr lang="en-US" altLang="zh-TW" dirty="0" smtClean="0">
+                        <a:solidFill>
+                          <a:srgbClr val="FFFF00"/>
+                        </a:solidFill>
                         <a:latin typeface="微軟正黑體" panose="020B0604030504040204" pitchFamily="34" charset="-120"/>
                         <a:ea typeface="微軟正黑體" panose="020B0604030504040204" pitchFamily="34" charset="-120"/>
                       </a:endParaRPr>
@@ -8399,23 +9040,40 @@
                       <a:r>
                         <a:rPr lang="zh-TW" altLang="en-US" dirty="0" smtClean="0">
                           <a:solidFill>
-                            <a:srgbClr val="00B0F0"/>
+                            <a:srgbClr val="FFFF00"/>
                           </a:solidFill>
                           <a:latin typeface="微軟正黑體" panose="020B0604030504040204" pitchFamily="34" charset="-120"/>
                           <a:ea typeface="微軟正黑體" panose="020B0604030504040204" pitchFamily="34" charset="-120"/>
                         </a:rPr>
-                        <a:t>結論與討論撰寫</a:t>
+                        <a:t>實際</a:t>
                       </a:r>
                       <a:r>
                         <a:rPr lang="en-US" altLang="zh-TW" dirty="0" smtClean="0">
                           <a:solidFill>
-                            <a:srgbClr val="00B0F0"/>
+                            <a:srgbClr val="FFFF00"/>
                           </a:solidFill>
                           <a:latin typeface="微軟正黑體" panose="020B0604030504040204" pitchFamily="34" charset="-120"/>
                           <a:ea typeface="微軟正黑體" panose="020B0604030504040204" pitchFamily="34" charset="-120"/>
                         </a:rPr>
-                        <a:t>word</a:t>
+                        <a:t>DEMO</a:t>
                       </a:r>
+                      <a:r>
+                        <a:rPr lang="zh-TW" altLang="en-US" dirty="0" smtClean="0">
+                          <a:solidFill>
+                            <a:srgbClr val="FFFF00"/>
+                          </a:solidFill>
+                          <a:latin typeface="微軟正黑體" panose="020B0604030504040204" pitchFamily="34" charset="-120"/>
+                          <a:ea typeface="微軟正黑體" panose="020B0604030504040204" pitchFamily="34" charset="-120"/>
+                        </a:rPr>
+                        <a:t>內容</a:t>
+                      </a:r>
+                      <a:endParaRPr lang="en-US" altLang="zh-TW" dirty="0" smtClean="0">
+                        <a:solidFill>
+                          <a:srgbClr val="00B0F0"/>
+                        </a:solidFill>
+                        <a:latin typeface="微軟正黑體" panose="020B0604030504040204" pitchFamily="34" charset="-120"/>
+                        <a:ea typeface="微軟正黑體" panose="020B0604030504040204" pitchFamily="34" charset="-120"/>
+                      </a:endParaRPr>
                     </a:p>
                   </a:txBody>
                   <a:tcPr/>

--- a/會議記錄/會議記錄.pptx
+++ b/會議記錄/會議記錄.pptx
@@ -5,7 +5,7 @@
     <p:sldMasterId id="2147483660" r:id="rId1"/>
   </p:sldMasterIdLst>
   <p:notesMasterIdLst>
-    <p:notesMasterId r:id="rId26"/>
+    <p:notesMasterId r:id="rId28"/>
   </p:notesMasterIdLst>
   <p:sldIdLst>
     <p:sldId id="256" r:id="rId2"/>
@@ -30,8 +30,10 @@
     <p:sldId id="279" r:id="rId21"/>
     <p:sldId id="280" r:id="rId22"/>
     <p:sldId id="281" r:id="rId23"/>
-    <p:sldId id="282" r:id="rId24"/>
-    <p:sldId id="265" r:id="rId25"/>
+    <p:sldId id="283" r:id="rId24"/>
+    <p:sldId id="285" r:id="rId25"/>
+    <p:sldId id="282" r:id="rId26"/>
+    <p:sldId id="265" r:id="rId27"/>
   </p:sldIdLst>
   <p:sldSz cx="12192000" cy="6858000"/>
   <p:notesSz cx="6858000" cy="9144000"/>
@@ -220,7 +222,7 @@
           <a:p>
             <a:fld id="{33C68CCD-F31B-437B-965E-855E94FE60A6}" type="datetimeFigureOut">
               <a:rPr lang="zh-TW" altLang="en-US" smtClean="0"/>
-              <a:t>2025/4/11</a:t>
+              <a:t>2025/4/18</a:t>
             </a:fld>
             <a:endParaRPr lang="zh-TW" altLang="en-US"/>
           </a:p>
@@ -625,7 +627,7 @@
           <a:p>
             <a:fld id="{F404DC6C-E353-4FBF-8B7B-7C2F0DFA34E8}" type="datetimeFigureOut">
               <a:rPr lang="zh-TW" altLang="en-US" smtClean="0"/>
-              <a:t>2025/4/11</a:t>
+              <a:t>2025/4/18</a:t>
             </a:fld>
             <a:endParaRPr lang="zh-TW" altLang="en-US"/>
           </a:p>
@@ -795,7 +797,7 @@
           <a:p>
             <a:fld id="{F404DC6C-E353-4FBF-8B7B-7C2F0DFA34E8}" type="datetimeFigureOut">
               <a:rPr lang="zh-TW" altLang="en-US" smtClean="0"/>
-              <a:t>2025/4/11</a:t>
+              <a:t>2025/4/18</a:t>
             </a:fld>
             <a:endParaRPr lang="zh-TW" altLang="en-US"/>
           </a:p>
@@ -975,7 +977,7 @@
           <a:p>
             <a:fld id="{F404DC6C-E353-4FBF-8B7B-7C2F0DFA34E8}" type="datetimeFigureOut">
               <a:rPr lang="zh-TW" altLang="en-US" smtClean="0"/>
-              <a:t>2025/4/11</a:t>
+              <a:t>2025/4/18</a:t>
             </a:fld>
             <a:endParaRPr lang="zh-TW" altLang="en-US"/>
           </a:p>
@@ -1195,7 +1197,7 @@
           <a:p>
             <a:fld id="{F404DC6C-E353-4FBF-8B7B-7C2F0DFA34E8}" type="datetimeFigureOut">
               <a:rPr lang="zh-TW" altLang="en-US" smtClean="0"/>
-              <a:t>2025/4/11</a:t>
+              <a:t>2025/4/18</a:t>
             </a:fld>
             <a:endParaRPr lang="zh-TW" altLang="en-US"/>
           </a:p>
@@ -1441,7 +1443,7 @@
           <a:p>
             <a:fld id="{F404DC6C-E353-4FBF-8B7B-7C2F0DFA34E8}" type="datetimeFigureOut">
               <a:rPr lang="zh-TW" altLang="en-US" smtClean="0"/>
-              <a:t>2025/4/11</a:t>
+              <a:t>2025/4/18</a:t>
             </a:fld>
             <a:endParaRPr lang="zh-TW" altLang="en-US"/>
           </a:p>
@@ -1673,7 +1675,7 @@
           <a:p>
             <a:fld id="{F404DC6C-E353-4FBF-8B7B-7C2F0DFA34E8}" type="datetimeFigureOut">
               <a:rPr lang="zh-TW" altLang="en-US" smtClean="0"/>
-              <a:t>2025/4/11</a:t>
+              <a:t>2025/4/18</a:t>
             </a:fld>
             <a:endParaRPr lang="zh-TW" altLang="en-US"/>
           </a:p>
@@ -2040,7 +2042,7 @@
           <a:p>
             <a:fld id="{F404DC6C-E353-4FBF-8B7B-7C2F0DFA34E8}" type="datetimeFigureOut">
               <a:rPr lang="zh-TW" altLang="en-US" smtClean="0"/>
-              <a:t>2025/4/11</a:t>
+              <a:t>2025/4/18</a:t>
             </a:fld>
             <a:endParaRPr lang="zh-TW" altLang="en-US"/>
           </a:p>
@@ -2158,7 +2160,7 @@
           <a:p>
             <a:fld id="{F404DC6C-E353-4FBF-8B7B-7C2F0DFA34E8}" type="datetimeFigureOut">
               <a:rPr lang="zh-TW" altLang="en-US" smtClean="0"/>
-              <a:t>2025/4/11</a:t>
+              <a:t>2025/4/18</a:t>
             </a:fld>
             <a:endParaRPr lang="zh-TW" altLang="en-US"/>
           </a:p>
@@ -2253,7 +2255,7 @@
           <a:p>
             <a:fld id="{F404DC6C-E353-4FBF-8B7B-7C2F0DFA34E8}" type="datetimeFigureOut">
               <a:rPr lang="zh-TW" altLang="en-US" smtClean="0"/>
-              <a:t>2025/4/11</a:t>
+              <a:t>2025/4/18</a:t>
             </a:fld>
             <a:endParaRPr lang="zh-TW" altLang="en-US"/>
           </a:p>
@@ -2530,7 +2532,7 @@
           <a:p>
             <a:fld id="{F404DC6C-E353-4FBF-8B7B-7C2F0DFA34E8}" type="datetimeFigureOut">
               <a:rPr lang="zh-TW" altLang="en-US" smtClean="0"/>
-              <a:t>2025/4/11</a:t>
+              <a:t>2025/4/18</a:t>
             </a:fld>
             <a:endParaRPr lang="zh-TW" altLang="en-US"/>
           </a:p>
@@ -2787,7 +2789,7 @@
           <a:p>
             <a:fld id="{F404DC6C-E353-4FBF-8B7B-7C2F0DFA34E8}" type="datetimeFigureOut">
               <a:rPr lang="zh-TW" altLang="en-US" smtClean="0"/>
-              <a:t>2025/4/11</a:t>
+              <a:t>2025/4/18</a:t>
             </a:fld>
             <a:endParaRPr lang="zh-TW" altLang="en-US"/>
           </a:p>
@@ -3000,7 +3002,7 @@
           <a:p>
             <a:fld id="{F404DC6C-E353-4FBF-8B7B-7C2F0DFA34E8}" type="datetimeFigureOut">
               <a:rPr lang="zh-TW" altLang="en-US" smtClean="0"/>
-              <a:t>2025/4/11</a:t>
+              <a:t>2025/4/18</a:t>
             </a:fld>
             <a:endParaRPr lang="zh-TW" altLang="en-US"/>
           </a:p>
@@ -6715,11 +6717,7 @@
           <a:p>
             <a:r>
               <a:rPr lang="zh-TW" altLang="en-US" dirty="0" smtClean="0"/>
-              <a:t>徐</a:t>
-            </a:r>
-            <a:r>
-              <a:rPr lang="zh-TW" altLang="en-US" dirty="0" smtClean="0"/>
-              <a:t>：介紹影片劇本</a:t>
+              <a:t>徐：介紹影片劇本</a:t>
             </a:r>
             <a:r>
               <a:rPr lang="en-US" altLang="zh-TW" dirty="0" smtClean="0"/>
@@ -7059,11 +7057,7 @@
           <a:p>
             <a:r>
               <a:rPr lang="zh-TW" altLang="en-US" dirty="0" smtClean="0"/>
-              <a:t>顏</a:t>
-            </a:r>
-            <a:r>
-              <a:rPr lang="zh-TW" altLang="en-US" dirty="0" smtClean="0"/>
-              <a:t>：</a:t>
+              <a:t>顏：</a:t>
             </a:r>
             <a:r>
               <a:rPr lang="zh-TW" altLang="en-US" dirty="0"/>
@@ -7092,11 +7086,7 @@
           <a:p>
             <a:r>
               <a:rPr lang="zh-TW" altLang="en-US" dirty="0" smtClean="0"/>
-              <a:t>徐</a:t>
-            </a:r>
-            <a:r>
-              <a:rPr lang="zh-TW" altLang="en-US" dirty="0" smtClean="0"/>
-              <a:t>：介紹影片劇本</a:t>
+              <a:t>徐：介紹影片劇本</a:t>
             </a:r>
             <a:r>
               <a:rPr lang="en-US" altLang="zh-TW" dirty="0" smtClean="0"/>
@@ -7124,15 +7114,7 @@
             </a:r>
             <a:r>
               <a:rPr lang="en-US" altLang="zh-TW" dirty="0" smtClean="0"/>
-              <a:t>(</a:t>
-            </a:r>
-            <a:r>
-              <a:rPr lang="en-US" altLang="zh-TW" dirty="0" smtClean="0"/>
-              <a:t>80%</a:t>
-            </a:r>
-            <a:r>
-              <a:rPr lang="en-US" altLang="zh-TW" dirty="0" smtClean="0"/>
-              <a:t>)</a:t>
+              <a:t>(80%)</a:t>
             </a:r>
             <a:endParaRPr lang="zh-TW" altLang="en-US" dirty="0"/>
           </a:p>
@@ -7212,11 +7194,7 @@
           <a:p>
             <a:r>
               <a:rPr lang="zh-TW" altLang="en-US" dirty="0" smtClean="0"/>
-              <a:t>顏</a:t>
-            </a:r>
-            <a:r>
-              <a:rPr lang="zh-TW" altLang="en-US" dirty="0" smtClean="0"/>
-              <a:t>：上傳紀錄</a:t>
+              <a:t>顏：上傳紀錄</a:t>
             </a:r>
             <a:r>
               <a:rPr lang="en-US" altLang="zh-TW" dirty="0" smtClean="0"/>
@@ -7378,17 +7356,10 @@
           <a:lstStyle/>
           <a:p>
             <a:r>
-              <a:rPr lang="zh-TW" altLang="en-US" dirty="0"/>
-              <a:t>實際</a:t>
-            </a:r>
-            <a:r>
-              <a:rPr lang="en-US" altLang="zh-TW" dirty="0"/>
-              <a:t>DEMO</a:t>
-            </a:r>
-            <a:r>
-              <a:rPr lang="zh-TW" altLang="en-US" dirty="0"/>
-              <a:t>畫面</a:t>
-            </a:r>
+              <a:rPr lang="zh-TW" altLang="en-US" dirty="0" smtClean="0"/>
+              <a:t>會議記錄</a:t>
+            </a:r>
+            <a:endParaRPr lang="zh-TW" altLang="en-US" dirty="0"/>
           </a:p>
         </p:txBody>
       </p:sp>
@@ -7402,48 +7373,82 @@
             <p:ph idx="1"/>
           </p:nvPr>
         </p:nvSpPr>
-        <p:spPr/>
+        <p:spPr>
+          <a:xfrm>
+            <a:off x="838200" y="1331379"/>
+            <a:ext cx="10515600" cy="4876064"/>
+          </a:xfrm>
+        </p:spPr>
         <p:txBody>
           <a:bodyPr/>
           <a:lstStyle/>
           <a:p>
             <a:r>
-              <a:rPr lang="zh-TW" altLang="en-US" dirty="0" smtClean="0"/>
-              <a:t>管理員註冊、管理員登入、成員列表、新增成員、上傳紀錄</a:t>
-            </a:r>
-            <a:r>
-              <a:rPr lang="en-US" altLang="zh-TW" dirty="0" smtClean="0"/>
+              <a:rPr lang="zh-TW" altLang="en-US" dirty="0"/>
+              <a:t>顏：上傳紀錄</a:t>
+            </a:r>
+            <a:r>
+              <a:rPr lang="en-US" altLang="zh-TW" dirty="0"/>
               <a:t>(</a:t>
             </a:r>
             <a:r>
-              <a:rPr lang="zh-TW" altLang="en-US" dirty="0" smtClean="0"/>
+              <a:rPr lang="zh-TW" altLang="en-US" dirty="0"/>
               <a:t>建檔、</a:t>
             </a:r>
             <a:r>
-              <a:rPr lang="en-US" altLang="zh-TW" dirty="0" smtClean="0"/>
+              <a:rPr lang="en-US" altLang="zh-TW" dirty="0"/>
               <a:t>AI</a:t>
             </a:r>
             <a:r>
               <a:rPr lang="zh-TW" altLang="en-US" dirty="0" smtClean="0"/>
-              <a:t>計算、儲存</a:t>
+              <a:t>計算</a:t>
             </a:r>
             <a:r>
               <a:rPr lang="en-US" altLang="zh-TW" dirty="0" smtClean="0"/>
               <a:t>)</a:t>
             </a:r>
-          </a:p>
-          <a:p>
-            <a:r>
-              <a:rPr lang="zh-TW" altLang="en-US" dirty="0" smtClean="0"/>
-              <a:t>成員登入、腦部分析介面</a:t>
-            </a:r>
-            <a:r>
-              <a:rPr lang="en-US" altLang="zh-TW" dirty="0" smtClean="0"/>
+            <a:r>
+              <a:rPr lang="zh-TW" altLang="en-US" dirty="0" smtClean="0"/>
+              <a:t>串接完成</a:t>
+            </a:r>
+            <a:endParaRPr lang="en-US" altLang="zh-TW" dirty="0"/>
+          </a:p>
+          <a:p>
+            <a:r>
+              <a:rPr lang="zh-TW" altLang="en-US" dirty="0"/>
+              <a:t>王：</a:t>
+            </a:r>
+            <a:r>
+              <a:rPr lang="en-US" altLang="zh-TW" dirty="0"/>
+              <a:t>API</a:t>
+            </a:r>
+            <a:r>
+              <a:rPr lang="zh-TW" altLang="en-US" dirty="0"/>
+              <a:t> </a:t>
+            </a:r>
+            <a:r>
+              <a:rPr lang="en-US" altLang="zh-TW" dirty="0"/>
+              <a:t>100%</a:t>
+            </a:r>
+            <a:r>
+              <a:rPr lang="zh-TW" altLang="en-US" dirty="0"/>
+              <a:t> </a:t>
+            </a:r>
+            <a:r>
+              <a:rPr lang="en-US" altLang="zh-TW" dirty="0"/>
               <a:t>(</a:t>
             </a:r>
             <a:r>
-              <a:rPr lang="zh-TW" altLang="en-US" dirty="0" smtClean="0"/>
-              <a:t>腦齡、失智症風險</a:t>
+              <a:rPr lang="zh-TW" altLang="en-US" dirty="0"/>
+              <a:t>建檔、</a:t>
+            </a:r>
+            <a:r>
+              <a:rPr lang="en-US" altLang="zh-TW" dirty="0"/>
+              <a:t>AI</a:t>
+            </a:r>
+            <a:r>
+              <a:rPr lang="zh-TW" altLang="en-US" dirty="0"/>
+              <a:t>計算、儲存</a:t>
             </a:r>
             <a:r>
               <a:rPr lang="en-US" altLang="zh-TW" dirty="0" smtClean="0"/>
@@ -7451,53 +7456,50 @@
             </a:r>
             <a:r>
               <a:rPr lang="zh-TW" altLang="en-US" dirty="0" smtClean="0"/>
-              <a:t>、調閱以往紀錄</a:t>
-            </a:r>
-            <a:endParaRPr lang="en-US" altLang="zh-TW" dirty="0" smtClean="0"/>
-          </a:p>
-          <a:p>
-            <a:r>
-              <a:rPr lang="zh-TW" altLang="en-US" dirty="0" smtClean="0"/>
-              <a:t>病患</a:t>
-            </a:r>
-            <a:r>
-              <a:rPr lang="en-US" altLang="zh-TW" dirty="0" smtClean="0"/>
-              <a:t>1 (50,55,65,70,75) [</a:t>
-            </a:r>
-            <a:r>
-              <a:rPr lang="zh-TW" altLang="en-US" dirty="0" smtClean="0"/>
-              <a:t>完整過程</a:t>
-            </a:r>
-            <a:r>
-              <a:rPr lang="en-US" altLang="zh-TW" dirty="0" smtClean="0"/>
-              <a:t>]</a:t>
-            </a:r>
-          </a:p>
-          <a:p>
-            <a:r>
-              <a:rPr lang="zh-TW" altLang="en-US" dirty="0" smtClean="0"/>
-              <a:t>病患</a:t>
-            </a:r>
-            <a:r>
-              <a:rPr lang="en-US" altLang="zh-TW" dirty="0" smtClean="0"/>
-              <a:t>2 (10,15,20,25,30)</a:t>
-            </a:r>
-            <a:r>
-              <a:rPr lang="zh-TW" altLang="en-US" dirty="0" smtClean="0"/>
-              <a:t> </a:t>
-            </a:r>
-            <a:r>
-              <a:rPr lang="en-US" altLang="zh-TW" dirty="0" smtClean="0"/>
-              <a:t>[</a:t>
-            </a:r>
-            <a:r>
-              <a:rPr lang="zh-TW" altLang="en-US" dirty="0" smtClean="0"/>
-              <a:t>只看結果</a:t>
-            </a:r>
-            <a:r>
-              <a:rPr lang="en-US" altLang="zh-TW" dirty="0" smtClean="0"/>
-              <a:t>]</a:t>
-            </a:r>
+              <a:t>、重構</a:t>
+            </a:r>
+            <a:endParaRPr lang="en-US" altLang="zh-TW" dirty="0"/>
+          </a:p>
+          <a:p>
+            <a:r>
+              <a:rPr lang="zh-TW" altLang="en-US" dirty="0"/>
+              <a:t>徐：阿茲海默模型串接、切片功能</a:t>
+            </a:r>
+            <a:r>
+              <a:rPr lang="en-US" altLang="zh-TW" dirty="0"/>
+              <a:t>(</a:t>
+            </a:r>
+            <a:r>
+              <a:rPr lang="zh-TW" altLang="en-US" dirty="0"/>
+              <a:t>改使用</a:t>
+            </a:r>
+            <a:r>
+              <a:rPr lang="en-US" altLang="zh-TW" dirty="0" err="1"/>
+              <a:t>sitk</a:t>
+            </a:r>
+            <a:r>
+              <a:rPr lang="en-US" altLang="zh-TW" dirty="0"/>
+              <a:t>)</a:t>
+            </a:r>
+            <a:r>
+              <a:rPr lang="zh-TW" altLang="en-US" dirty="0"/>
+              <a:t>、</a:t>
+            </a:r>
+            <a:r>
+              <a:rPr lang="en-US" altLang="zh-TW" dirty="0"/>
+              <a:t>Grad-CAM(</a:t>
+            </a:r>
+            <a:r>
+              <a:rPr lang="zh-TW" altLang="en-US" dirty="0"/>
+              <a:t>週五當場做</a:t>
+            </a:r>
+            <a:r>
+              <a:rPr lang="en-US" altLang="zh-TW" dirty="0"/>
+              <a:t>)</a:t>
+            </a:r>
+            <a:endParaRPr lang="zh-TW" altLang="en-US" dirty="0"/>
+          </a:p>
+          <a:p>
             <a:endParaRPr lang="zh-TW" altLang="en-US" dirty="0"/>
           </a:p>
         </p:txBody>
@@ -7505,7 +7507,7 @@
     </p:spTree>
     <p:extLst>
       <p:ext uri="{BB962C8B-B14F-4D97-AF65-F5344CB8AC3E}">
-        <p14:creationId xmlns:p14="http://schemas.microsoft.com/office/powerpoint/2010/main" val="3379814351"/>
+        <p14:creationId xmlns:p14="http://schemas.microsoft.com/office/powerpoint/2010/main" val="2270093668"/>
       </p:ext>
     </p:extLst>
   </p:cSld>
@@ -7532,6 +7534,643 @@
           <a:chExt cx="0" cy="0"/>
         </a:xfrm>
       </p:grpSpPr>
+      <p:sp>
+        <p:nvSpPr>
+          <p:cNvPr id="2" name="標題 1"/>
+          <p:cNvSpPr>
+            <a:spLocks noGrp="1"/>
+          </p:cNvSpPr>
+          <p:nvPr>
+            <p:ph type="title"/>
+          </p:nvPr>
+        </p:nvSpPr>
+        <p:spPr/>
+        <p:txBody>
+          <a:bodyPr/>
+          <a:lstStyle/>
+          <a:p>
+            <a:r>
+              <a:rPr lang="zh-TW" altLang="en-US" dirty="0"/>
+              <a:t>下次</a:t>
+            </a:r>
+            <a:r>
+              <a:rPr lang="zh-TW" altLang="en-US" dirty="0" smtClean="0"/>
+              <a:t>會議</a:t>
+            </a:r>
+            <a:r>
+              <a:rPr lang="en-US" altLang="zh-TW" dirty="0" smtClean="0"/>
+              <a:t>4/25</a:t>
+            </a:r>
+            <a:endParaRPr lang="zh-TW" altLang="en-US" dirty="0"/>
+          </a:p>
+        </p:txBody>
+      </p:sp>
+      <p:sp>
+        <p:nvSpPr>
+          <p:cNvPr id="3" name="內容版面配置區 2"/>
+          <p:cNvSpPr>
+            <a:spLocks noGrp="1"/>
+          </p:cNvSpPr>
+          <p:nvPr>
+            <p:ph idx="1"/>
+          </p:nvPr>
+        </p:nvSpPr>
+        <p:spPr/>
+        <p:txBody>
+          <a:bodyPr/>
+          <a:lstStyle/>
+          <a:p>
+            <a:r>
+              <a:rPr lang="zh-TW" altLang="en-US" dirty="0"/>
+              <a:t>顏</a:t>
+            </a:r>
+            <a:r>
+              <a:rPr lang="zh-TW" altLang="en-US" dirty="0" smtClean="0"/>
+              <a:t>：儲存功能</a:t>
+            </a:r>
+            <a:r>
+              <a:rPr lang="en-US" altLang="zh-TW" dirty="0" smtClean="0"/>
+              <a:t>(</a:t>
+            </a:r>
+            <a:r>
+              <a:rPr lang="zh-TW" altLang="en-US" dirty="0" smtClean="0"/>
+              <a:t>切片</a:t>
+            </a:r>
+            <a:r>
+              <a:rPr lang="en-US" altLang="zh-TW" dirty="0" smtClean="0"/>
+              <a:t>)</a:t>
+            </a:r>
+            <a:r>
+              <a:rPr lang="zh-TW" altLang="en-US" dirty="0" smtClean="0"/>
+              <a:t>、顯示影像紀錄功能、腦齡作圖、失智症顯示</a:t>
+            </a:r>
+            <a:endParaRPr lang="en-US" altLang="zh-TW" dirty="0" smtClean="0"/>
+          </a:p>
+          <a:p>
+            <a:r>
+              <a:rPr lang="zh-TW" altLang="en-US" dirty="0" smtClean="0"/>
+              <a:t>王：</a:t>
+            </a:r>
+            <a:r>
+              <a:rPr lang="en-US" altLang="zh-TW" dirty="0" smtClean="0"/>
+              <a:t>Grad-CAM(</a:t>
+            </a:r>
+            <a:r>
+              <a:rPr lang="zh-TW" altLang="en-US" dirty="0"/>
+              <a:t>後端功能串接</a:t>
+            </a:r>
+            <a:r>
+              <a:rPr lang="en-US" altLang="zh-TW" dirty="0" smtClean="0"/>
+              <a:t>)</a:t>
+            </a:r>
+            <a:r>
+              <a:rPr lang="zh-TW" altLang="en-US" dirty="0" smtClean="0"/>
+              <a:t>、開始寫資料</a:t>
+            </a:r>
+            <a:endParaRPr lang="en-US" altLang="zh-TW" dirty="0" smtClean="0"/>
+          </a:p>
+          <a:p>
+            <a:r>
+              <a:rPr lang="zh-TW" altLang="en-US" dirty="0" smtClean="0"/>
+              <a:t>徐：</a:t>
+            </a:r>
+            <a:r>
+              <a:rPr lang="en-US" altLang="zh-TW" dirty="0" smtClean="0"/>
+              <a:t>Grad-CAM</a:t>
+            </a:r>
+            <a:r>
+              <a:rPr lang="zh-TW" altLang="en-US" dirty="0" smtClean="0"/>
+              <a:t>、影片劇本、分鏡構思、找樣本</a:t>
+            </a:r>
+            <a:endParaRPr lang="zh-TW" altLang="en-US" dirty="0"/>
+          </a:p>
+          <a:p>
+            <a:endParaRPr lang="zh-TW" altLang="en-US" dirty="0"/>
+          </a:p>
+        </p:txBody>
+      </p:sp>
+      <p:sp>
+        <p:nvSpPr>
+          <p:cNvPr id="4" name="文字方塊 3"/>
+          <p:cNvSpPr txBox="1"/>
+          <p:nvPr/>
+        </p:nvSpPr>
+        <p:spPr>
+          <a:xfrm>
+            <a:off x="838200" y="3337054"/>
+            <a:ext cx="9794413" cy="1815882"/>
+          </a:xfrm>
+          <a:prstGeom prst="rect">
+            <a:avLst/>
+          </a:prstGeom>
+          <a:noFill/>
+        </p:spPr>
+        <p:txBody>
+          <a:bodyPr wrap="none" rtlCol="0">
+            <a:spAutoFit/>
+          </a:bodyPr>
+          <a:lstStyle/>
+          <a:p>
+            <a:r>
+              <a:rPr lang="zh-TW" altLang="en-US" sz="2800" dirty="0" smtClean="0">
+                <a:solidFill>
+                  <a:schemeClr val="tx1">
+                    <a:lumMod val="65000"/>
+                  </a:schemeClr>
+                </a:solidFill>
+                <a:latin typeface="微軟正黑體" panose="020B0604030504040204" pitchFamily="34" charset="-120"/>
+                <a:ea typeface="微軟正黑體" panose="020B0604030504040204" pitchFamily="34" charset="-120"/>
+              </a:rPr>
+              <a:t>函數 </a:t>
+            </a:r>
+            <a:endParaRPr lang="en-US" altLang="zh-TW" sz="2800" dirty="0" smtClean="0">
+              <a:solidFill>
+                <a:schemeClr val="tx1">
+                  <a:lumMod val="65000"/>
+                </a:schemeClr>
+              </a:solidFill>
+              <a:latin typeface="微軟正黑體" panose="020B0604030504040204" pitchFamily="34" charset="-120"/>
+              <a:ea typeface="微軟正黑體" panose="020B0604030504040204" pitchFamily="34" charset="-120"/>
+            </a:endParaRPr>
+          </a:p>
+          <a:p>
+            <a:r>
+              <a:rPr lang="zh-TW" altLang="en-US" sz="2800" dirty="0" smtClean="0">
+                <a:solidFill>
+                  <a:schemeClr val="tx1">
+                    <a:lumMod val="65000"/>
+                  </a:schemeClr>
+                </a:solidFill>
+                <a:latin typeface="微軟正黑體" panose="020B0604030504040204" pitchFamily="34" charset="-120"/>
+                <a:ea typeface="微軟正黑體" panose="020B0604030504040204" pitchFamily="34" charset="-120"/>
+              </a:rPr>
+              <a:t>輸入：前處理後</a:t>
+            </a:r>
+            <a:r>
+              <a:rPr lang="en-US" altLang="zh-TW" sz="2800" dirty="0" err="1" smtClean="0">
+                <a:solidFill>
+                  <a:schemeClr val="tx1">
+                    <a:lumMod val="65000"/>
+                  </a:schemeClr>
+                </a:solidFill>
+                <a:latin typeface="微軟正黑體" panose="020B0604030504040204" pitchFamily="34" charset="-120"/>
+                <a:ea typeface="微軟正黑體" panose="020B0604030504040204" pitchFamily="34" charset="-120"/>
+              </a:rPr>
+              <a:t>nii</a:t>
+            </a:r>
+            <a:r>
+              <a:rPr lang="zh-TW" altLang="en-US" sz="2800" dirty="0" smtClean="0">
+                <a:solidFill>
+                  <a:schemeClr val="tx1">
+                    <a:lumMod val="65000"/>
+                  </a:schemeClr>
+                </a:solidFill>
+                <a:latin typeface="微軟正黑體" panose="020B0604030504040204" pitchFamily="34" charset="-120"/>
+                <a:ea typeface="微軟正黑體" panose="020B0604030504040204" pitchFamily="34" charset="-120"/>
+              </a:rPr>
+              <a:t>路徑、</a:t>
+            </a:r>
+            <a:r>
+              <a:rPr lang="en-US" altLang="zh-TW" sz="2800" dirty="0" err="1" smtClean="0">
+                <a:solidFill>
+                  <a:schemeClr val="tx1">
+                    <a:lumMod val="65000"/>
+                  </a:schemeClr>
+                </a:solidFill>
+                <a:latin typeface="微軟正黑體" panose="020B0604030504040204" pitchFamily="34" charset="-120"/>
+                <a:ea typeface="微軟正黑體" panose="020B0604030504040204" pitchFamily="34" charset="-120"/>
+              </a:rPr>
+              <a:t>GradCAM</a:t>
+            </a:r>
+            <a:r>
+              <a:rPr lang="zh-TW" altLang="en-US" sz="2800" dirty="0" smtClean="0">
+                <a:solidFill>
+                  <a:schemeClr val="tx1">
+                    <a:lumMod val="65000"/>
+                  </a:schemeClr>
+                </a:solidFill>
+                <a:latin typeface="微軟正黑體" panose="020B0604030504040204" pitchFamily="34" charset="-120"/>
+                <a:ea typeface="微軟正黑體" panose="020B0604030504040204" pitchFamily="34" charset="-120"/>
+              </a:rPr>
+              <a:t> </a:t>
+            </a:r>
+            <a:r>
+              <a:rPr lang="en-US" altLang="zh-TW" sz="2800" dirty="0" err="1" smtClean="0">
+                <a:solidFill>
+                  <a:schemeClr val="tx1">
+                    <a:lumMod val="65000"/>
+                  </a:schemeClr>
+                </a:solidFill>
+                <a:latin typeface="微軟正黑體" panose="020B0604030504040204" pitchFamily="34" charset="-120"/>
+                <a:ea typeface="微軟正黑體" panose="020B0604030504040204" pitchFamily="34" charset="-120"/>
+              </a:rPr>
+              <a:t>nii</a:t>
+            </a:r>
+            <a:r>
+              <a:rPr lang="zh-TW" altLang="en-US" sz="2800" dirty="0" smtClean="0">
+                <a:solidFill>
+                  <a:schemeClr val="tx1">
+                    <a:lumMod val="65000"/>
+                  </a:schemeClr>
+                </a:solidFill>
+                <a:latin typeface="微軟正黑體" panose="020B0604030504040204" pitchFamily="34" charset="-120"/>
+                <a:ea typeface="微軟正黑體" panose="020B0604030504040204" pitchFamily="34" charset="-120"/>
+              </a:rPr>
+              <a:t>路徑、疊合切片路徑</a:t>
+            </a:r>
+            <a:endParaRPr lang="en-US" altLang="zh-TW" sz="2800" dirty="0" smtClean="0">
+              <a:solidFill>
+                <a:schemeClr val="tx1">
+                  <a:lumMod val="65000"/>
+                </a:schemeClr>
+              </a:solidFill>
+              <a:latin typeface="微軟正黑體" panose="020B0604030504040204" pitchFamily="34" charset="-120"/>
+              <a:ea typeface="微軟正黑體" panose="020B0604030504040204" pitchFamily="34" charset="-120"/>
+            </a:endParaRPr>
+          </a:p>
+          <a:p>
+            <a:r>
+              <a:rPr lang="zh-TW" altLang="en-US" sz="2800" dirty="0" smtClean="0">
+                <a:solidFill>
+                  <a:schemeClr val="tx1">
+                    <a:lumMod val="65000"/>
+                  </a:schemeClr>
+                </a:solidFill>
+                <a:latin typeface="微軟正黑體" panose="020B0604030504040204" pitchFamily="34" charset="-120"/>
+                <a:ea typeface="微軟正黑體" panose="020B0604030504040204" pitchFamily="34" charset="-120"/>
+              </a:rPr>
+              <a:t>內容：調整</a:t>
+            </a:r>
+            <a:r>
+              <a:rPr lang="en-US" altLang="zh-TW" sz="2800" dirty="0" smtClean="0">
+                <a:solidFill>
+                  <a:schemeClr val="tx1">
+                    <a:lumMod val="65000"/>
+                  </a:schemeClr>
+                </a:solidFill>
+                <a:latin typeface="微軟正黑體" panose="020B0604030504040204" pitchFamily="34" charset="-120"/>
+                <a:ea typeface="微軟正黑體" panose="020B0604030504040204" pitchFamily="34" charset="-120"/>
+              </a:rPr>
+              <a:t>spacing</a:t>
+            </a:r>
+            <a:r>
+              <a:rPr lang="zh-TW" altLang="en-US" sz="2800" dirty="0" smtClean="0">
+                <a:solidFill>
+                  <a:schemeClr val="tx1">
+                    <a:lumMod val="65000"/>
+                  </a:schemeClr>
+                </a:solidFill>
+                <a:latin typeface="微軟正黑體" panose="020B0604030504040204" pitchFamily="34" charset="-120"/>
+                <a:ea typeface="微軟正黑體" panose="020B0604030504040204" pitchFamily="34" charset="-120"/>
+              </a:rPr>
+              <a:t>、前處理後</a:t>
+            </a:r>
+            <a:r>
+              <a:rPr lang="en-US" altLang="zh-TW" sz="2800" dirty="0" err="1" smtClean="0">
+                <a:solidFill>
+                  <a:schemeClr val="tx1">
+                    <a:lumMod val="65000"/>
+                  </a:schemeClr>
+                </a:solidFill>
+                <a:latin typeface="微軟正黑體" panose="020B0604030504040204" pitchFamily="34" charset="-120"/>
+                <a:ea typeface="微軟正黑體" panose="020B0604030504040204" pitchFamily="34" charset="-120"/>
+              </a:rPr>
+              <a:t>nii</a:t>
+            </a:r>
+            <a:r>
+              <a:rPr lang="zh-TW" altLang="en-US" sz="2800" dirty="0" smtClean="0">
+                <a:solidFill>
+                  <a:schemeClr val="tx1">
+                    <a:lumMod val="65000"/>
+                  </a:schemeClr>
+                </a:solidFill>
+                <a:latin typeface="微軟正黑體" panose="020B0604030504040204" pitchFamily="34" charset="-120"/>
+                <a:ea typeface="微軟正黑體" panose="020B0604030504040204" pitchFamily="34" charset="-120"/>
+              </a:rPr>
+              <a:t>切片、</a:t>
+            </a:r>
+            <a:r>
+              <a:rPr lang="en-US" altLang="zh-TW" sz="2800" dirty="0">
+                <a:solidFill>
+                  <a:schemeClr val="tx1">
+                    <a:lumMod val="65000"/>
+                  </a:schemeClr>
+                </a:solidFill>
+                <a:latin typeface="微軟正黑體" panose="020B0604030504040204" pitchFamily="34" charset="-120"/>
+                <a:ea typeface="微軟正黑體" panose="020B0604030504040204" pitchFamily="34" charset="-120"/>
+              </a:rPr>
+              <a:t> </a:t>
+            </a:r>
+            <a:r>
+              <a:rPr lang="en-US" altLang="zh-TW" sz="2800" dirty="0" err="1">
+                <a:solidFill>
+                  <a:schemeClr val="tx1">
+                    <a:lumMod val="65000"/>
+                  </a:schemeClr>
+                </a:solidFill>
+                <a:latin typeface="微軟正黑體" panose="020B0604030504040204" pitchFamily="34" charset="-120"/>
+                <a:ea typeface="微軟正黑體" panose="020B0604030504040204" pitchFamily="34" charset="-120"/>
+              </a:rPr>
+              <a:t>GradCAM</a:t>
+            </a:r>
+            <a:r>
+              <a:rPr lang="en-US" altLang="zh-TW" sz="2800" dirty="0">
+                <a:solidFill>
+                  <a:schemeClr val="tx1">
+                    <a:lumMod val="65000"/>
+                  </a:schemeClr>
+                </a:solidFill>
+                <a:latin typeface="微軟正黑體" panose="020B0604030504040204" pitchFamily="34" charset="-120"/>
+                <a:ea typeface="微軟正黑體" panose="020B0604030504040204" pitchFamily="34" charset="-120"/>
+              </a:rPr>
+              <a:t> </a:t>
+            </a:r>
+            <a:r>
+              <a:rPr lang="en-US" altLang="zh-TW" sz="2800" dirty="0" err="1" smtClean="0">
+                <a:solidFill>
+                  <a:schemeClr val="tx1">
+                    <a:lumMod val="65000"/>
+                  </a:schemeClr>
+                </a:solidFill>
+                <a:latin typeface="微軟正黑體" panose="020B0604030504040204" pitchFamily="34" charset="-120"/>
+                <a:ea typeface="微軟正黑體" panose="020B0604030504040204" pitchFamily="34" charset="-120"/>
+              </a:rPr>
+              <a:t>nii</a:t>
+            </a:r>
+            <a:r>
+              <a:rPr lang="zh-TW" altLang="en-US" sz="2800" dirty="0" smtClean="0">
+                <a:solidFill>
+                  <a:schemeClr val="tx1">
+                    <a:lumMod val="65000"/>
+                  </a:schemeClr>
+                </a:solidFill>
+                <a:latin typeface="微軟正黑體" panose="020B0604030504040204" pitchFamily="34" charset="-120"/>
+                <a:ea typeface="微軟正黑體" panose="020B0604030504040204" pitchFamily="34" charset="-120"/>
+              </a:rPr>
+              <a:t>切片</a:t>
+            </a:r>
+            <a:r>
+              <a:rPr lang="en-US" altLang="zh-TW" sz="2800" dirty="0" smtClean="0">
+                <a:solidFill>
+                  <a:schemeClr val="tx1">
+                    <a:lumMod val="65000"/>
+                  </a:schemeClr>
+                </a:solidFill>
+                <a:latin typeface="微軟正黑體" panose="020B0604030504040204" pitchFamily="34" charset="-120"/>
+                <a:ea typeface="微軟正黑體" panose="020B0604030504040204" pitchFamily="34" charset="-120"/>
+              </a:rPr>
+              <a:t>…</a:t>
+            </a:r>
+          </a:p>
+          <a:p>
+            <a:r>
+              <a:rPr lang="zh-TW" altLang="en-US" sz="2800" dirty="0" smtClean="0">
+                <a:solidFill>
+                  <a:schemeClr val="tx1">
+                    <a:lumMod val="65000"/>
+                  </a:schemeClr>
+                </a:solidFill>
+                <a:latin typeface="微軟正黑體" panose="020B0604030504040204" pitchFamily="34" charset="-120"/>
+                <a:ea typeface="微軟正黑體" panose="020B0604030504040204" pitchFamily="34" charset="-120"/>
+              </a:rPr>
+              <a:t>輸出：成功</a:t>
+            </a:r>
+            <a:r>
+              <a:rPr lang="en-US" altLang="zh-TW" sz="2800" dirty="0" smtClean="0">
+                <a:solidFill>
+                  <a:schemeClr val="tx1">
+                    <a:lumMod val="65000"/>
+                  </a:schemeClr>
+                </a:solidFill>
+                <a:latin typeface="微軟正黑體" panose="020B0604030504040204" pitchFamily="34" charset="-120"/>
+                <a:ea typeface="微軟正黑體" panose="020B0604030504040204" pitchFamily="34" charset="-120"/>
+              </a:rPr>
+              <a:t>/</a:t>
+            </a:r>
+            <a:r>
+              <a:rPr lang="zh-TW" altLang="en-US" sz="2800" dirty="0" smtClean="0">
+                <a:solidFill>
+                  <a:schemeClr val="tx1">
+                    <a:lumMod val="65000"/>
+                  </a:schemeClr>
+                </a:solidFill>
+                <a:latin typeface="微軟正黑體" panose="020B0604030504040204" pitchFamily="34" charset="-120"/>
+                <a:ea typeface="微軟正黑體" panose="020B0604030504040204" pitchFamily="34" charset="-120"/>
+              </a:rPr>
+              <a:t>失敗</a:t>
+            </a:r>
+            <a:endParaRPr lang="zh-TW" altLang="en-US" sz="2800" dirty="0">
+              <a:solidFill>
+                <a:schemeClr val="tx1">
+                  <a:lumMod val="65000"/>
+                </a:schemeClr>
+              </a:solidFill>
+              <a:latin typeface="微軟正黑體" panose="020B0604030504040204" pitchFamily="34" charset="-120"/>
+              <a:ea typeface="微軟正黑體" panose="020B0604030504040204" pitchFamily="34" charset="-120"/>
+            </a:endParaRPr>
+          </a:p>
+        </p:txBody>
+      </p:sp>
+    </p:spTree>
+    <p:extLst>
+      <p:ext uri="{BB962C8B-B14F-4D97-AF65-F5344CB8AC3E}">
+        <p14:creationId xmlns:p14="http://schemas.microsoft.com/office/powerpoint/2010/main" val="2911017019"/>
+      </p:ext>
+    </p:extLst>
+  </p:cSld>
+  <p:clrMapOvr>
+    <a:masterClrMapping/>
+  </p:clrMapOvr>
+</p:sld>
+</file>
+
+<file path=ppt/slides/slide25.xml><?xml version="1.0" encoding="utf-8"?>
+<p:sld xmlns:a="http://schemas.openxmlformats.org/drawingml/2006/main" xmlns:r="http://schemas.openxmlformats.org/officeDocument/2006/relationships" xmlns:p="http://schemas.openxmlformats.org/presentationml/2006/main">
+  <p:cSld>
+    <p:spTree>
+      <p:nvGrpSpPr>
+        <p:cNvPr id="1" name=""/>
+        <p:cNvGrpSpPr/>
+        <p:nvPr/>
+      </p:nvGrpSpPr>
+      <p:grpSpPr>
+        <a:xfrm>
+          <a:off x="0" y="0"/>
+          <a:ext cx="0" cy="0"/>
+          <a:chOff x="0" y="0"/>
+          <a:chExt cx="0" cy="0"/>
+        </a:xfrm>
+      </p:grpSpPr>
+      <p:sp>
+        <p:nvSpPr>
+          <p:cNvPr id="2" name="標題 1"/>
+          <p:cNvSpPr>
+            <a:spLocks noGrp="1"/>
+          </p:cNvSpPr>
+          <p:nvPr>
+            <p:ph type="title"/>
+          </p:nvPr>
+        </p:nvSpPr>
+        <p:spPr/>
+        <p:txBody>
+          <a:bodyPr/>
+          <a:lstStyle/>
+          <a:p>
+            <a:r>
+              <a:rPr lang="zh-TW" altLang="en-US" dirty="0"/>
+              <a:t>實際</a:t>
+            </a:r>
+            <a:r>
+              <a:rPr lang="en-US" altLang="zh-TW" dirty="0"/>
+              <a:t>DEMO</a:t>
+            </a:r>
+            <a:r>
+              <a:rPr lang="zh-TW" altLang="en-US" dirty="0"/>
+              <a:t>畫面</a:t>
+            </a:r>
+          </a:p>
+        </p:txBody>
+      </p:sp>
+      <p:sp>
+        <p:nvSpPr>
+          <p:cNvPr id="3" name="內容版面配置區 2"/>
+          <p:cNvSpPr>
+            <a:spLocks noGrp="1"/>
+          </p:cNvSpPr>
+          <p:nvPr>
+            <p:ph idx="1"/>
+          </p:nvPr>
+        </p:nvSpPr>
+        <p:spPr/>
+        <p:txBody>
+          <a:bodyPr/>
+          <a:lstStyle/>
+          <a:p>
+            <a:r>
+              <a:rPr lang="zh-TW" altLang="en-US" dirty="0" smtClean="0"/>
+              <a:t>管理員註冊、管理員登入、成員列表、新增成員、上傳紀錄</a:t>
+            </a:r>
+            <a:r>
+              <a:rPr lang="en-US" altLang="zh-TW" dirty="0" smtClean="0"/>
+              <a:t>(</a:t>
+            </a:r>
+            <a:r>
+              <a:rPr lang="zh-TW" altLang="en-US" dirty="0" smtClean="0"/>
+              <a:t>建檔、</a:t>
+            </a:r>
+            <a:r>
+              <a:rPr lang="en-US" altLang="zh-TW" dirty="0" smtClean="0"/>
+              <a:t>AI</a:t>
+            </a:r>
+            <a:r>
+              <a:rPr lang="zh-TW" altLang="en-US" dirty="0" smtClean="0"/>
+              <a:t>計算、儲存</a:t>
+            </a:r>
+            <a:r>
+              <a:rPr lang="en-US" altLang="zh-TW" dirty="0" smtClean="0"/>
+              <a:t>)</a:t>
+            </a:r>
+          </a:p>
+          <a:p>
+            <a:r>
+              <a:rPr lang="zh-TW" altLang="en-US" dirty="0" smtClean="0"/>
+              <a:t>成員登入、腦部分析介面</a:t>
+            </a:r>
+            <a:r>
+              <a:rPr lang="en-US" altLang="zh-TW" dirty="0" smtClean="0"/>
+              <a:t>(</a:t>
+            </a:r>
+            <a:r>
+              <a:rPr lang="zh-TW" altLang="en-US" dirty="0" smtClean="0"/>
+              <a:t>腦齡、失智症風險</a:t>
+            </a:r>
+            <a:r>
+              <a:rPr lang="en-US" altLang="zh-TW" dirty="0" smtClean="0"/>
+              <a:t>)</a:t>
+            </a:r>
+            <a:r>
+              <a:rPr lang="zh-TW" altLang="en-US" dirty="0" smtClean="0"/>
+              <a:t>、調閱以往紀錄</a:t>
+            </a:r>
+            <a:endParaRPr lang="en-US" altLang="zh-TW" dirty="0" smtClean="0"/>
+          </a:p>
+          <a:p>
+            <a:r>
+              <a:rPr lang="zh-TW" altLang="en-US" dirty="0" smtClean="0"/>
+              <a:t>病患</a:t>
+            </a:r>
+            <a:r>
+              <a:rPr lang="en-US" altLang="zh-TW" dirty="0" smtClean="0"/>
+              <a:t>1 (50,55,65,70,75) [</a:t>
+            </a:r>
+            <a:r>
+              <a:rPr lang="zh-TW" altLang="en-US" dirty="0" smtClean="0"/>
+              <a:t>完整過程</a:t>
+            </a:r>
+            <a:r>
+              <a:rPr lang="en-US" altLang="zh-TW" dirty="0" smtClean="0"/>
+              <a:t>]</a:t>
+            </a:r>
+          </a:p>
+          <a:p>
+            <a:r>
+              <a:rPr lang="zh-TW" altLang="en-US" dirty="0" smtClean="0"/>
+              <a:t>病患</a:t>
+            </a:r>
+            <a:r>
+              <a:rPr lang="en-US" altLang="zh-TW" dirty="0" smtClean="0"/>
+              <a:t>2 (10,15,20,25,30)</a:t>
+            </a:r>
+            <a:r>
+              <a:rPr lang="zh-TW" altLang="en-US" dirty="0" smtClean="0"/>
+              <a:t> </a:t>
+            </a:r>
+            <a:r>
+              <a:rPr lang="en-US" altLang="zh-TW" dirty="0" smtClean="0"/>
+              <a:t>[</a:t>
+            </a:r>
+            <a:r>
+              <a:rPr lang="zh-TW" altLang="en-US" dirty="0" smtClean="0"/>
+              <a:t>只看結果</a:t>
+            </a:r>
+            <a:r>
+              <a:rPr lang="en-US" altLang="zh-TW" dirty="0" smtClean="0"/>
+              <a:t>]</a:t>
+            </a:r>
+            <a:endParaRPr lang="zh-TW" altLang="en-US" dirty="0"/>
+          </a:p>
+        </p:txBody>
+      </p:sp>
+    </p:spTree>
+    <p:extLst>
+      <p:ext uri="{BB962C8B-B14F-4D97-AF65-F5344CB8AC3E}">
+        <p14:creationId xmlns:p14="http://schemas.microsoft.com/office/powerpoint/2010/main" val="3379814351"/>
+      </p:ext>
+    </p:extLst>
+  </p:cSld>
+  <p:clrMapOvr>
+    <a:masterClrMapping/>
+  </p:clrMapOvr>
+</p:sld>
+</file>
+
+<file path=ppt/slides/slide26.xml><?xml version="1.0" encoding="utf-8"?>
+<p:sld xmlns:a="http://schemas.openxmlformats.org/drawingml/2006/main" xmlns:r="http://schemas.openxmlformats.org/officeDocument/2006/relationships" xmlns:p="http://schemas.openxmlformats.org/presentationml/2006/main">
+  <p:cSld>
+    <p:spTree>
+      <p:nvGrpSpPr>
+        <p:cNvPr id="1" name=""/>
+        <p:cNvGrpSpPr/>
+        <p:nvPr/>
+      </p:nvGrpSpPr>
+      <p:grpSpPr>
+        <a:xfrm>
+          <a:off x="0" y="0"/>
+          <a:ext cx="0" cy="0"/>
+          <a:chOff x="0" y="0"/>
+          <a:chExt cx="0" cy="0"/>
+        </a:xfrm>
+      </p:grpSpPr>
       <p:graphicFrame>
         <p:nvGraphicFramePr>
           <p:cNvPr id="4" name="表格 3"/>
@@ -7541,14 +8180,14 @@
           <p:nvPr>
             <p:extLst>
               <p:ext uri="{D42A27DB-BD31-4B8C-83A1-F6EECF244321}">
-                <p14:modId xmlns:p14="http://schemas.microsoft.com/office/powerpoint/2010/main" val="1191556349"/>
+                <p14:modId xmlns:p14="http://schemas.microsoft.com/office/powerpoint/2010/main" val="535113537"/>
               </p:ext>
             </p:extLst>
           </p:nvPr>
         </p:nvGraphicFramePr>
         <p:xfrm>
           <a:off x="690879" y="-8175"/>
-          <a:ext cx="10871201" cy="6720212"/>
+          <a:ext cx="10871201" cy="6888515"/>
         </p:xfrm>
         <a:graphic>
           <a:graphicData uri="http://schemas.openxmlformats.org/drawingml/2006/table">
@@ -9276,7 +9915,17 @@
                           <a:latin typeface="微軟正黑體" panose="020B0604030504040204" pitchFamily="34" charset="-120"/>
                           <a:ea typeface="微軟正黑體" panose="020B0604030504040204" pitchFamily="34" charset="-120"/>
                         </a:rPr>
-                        <a:t>作品構想書</a:t>
+                        <a:t>作品構想</a:t>
+                      </a:r>
+                      <a:r>
+                        <a:rPr lang="zh-TW" altLang="en-US" dirty="0" smtClean="0">
+                          <a:solidFill>
+                            <a:srgbClr val="00B0F0"/>
+                          </a:solidFill>
+                          <a:latin typeface="微軟正黑體" panose="020B0604030504040204" pitchFamily="34" charset="-120"/>
+                          <a:ea typeface="微軟正黑體" panose="020B0604030504040204" pitchFamily="34" charset="-120"/>
+                        </a:rPr>
+                        <a:t>書</a:t>
                       </a:r>
                       <a:endParaRPr lang="en-US" altLang="zh-TW" dirty="0" smtClean="0">
                         <a:solidFill>
@@ -9286,6 +9935,35 @@
                         <a:ea typeface="微軟正黑體" panose="020B0604030504040204" pitchFamily="34" charset="-120"/>
                       </a:endParaRPr>
                     </a:p>
+                    <a:p>
+                      <a:pPr marL="0" marR="0" lvl="0" indent="0" algn="l" defTabSz="914400" rtl="0" eaLnBrk="1" fontAlgn="auto" latinLnBrk="0" hangingPunct="1">
+                        <a:lnSpc>
+                          <a:spcPct val="100000"/>
+                        </a:lnSpc>
+                        <a:spcBef>
+                          <a:spcPts val="0"/>
+                        </a:spcBef>
+                        <a:spcAft>
+                          <a:spcPts val="0"/>
+                        </a:spcAft>
+                        <a:buClrTx/>
+                        <a:buSzTx/>
+                        <a:buFontTx/>
+                        <a:buNone/>
+                        <a:tabLst/>
+                        <a:defRPr/>
+                      </a:pPr>
+                      <a:r>
+                        <a:rPr lang="zh-TW" altLang="en-US" dirty="0" smtClean="0">
+                          <a:solidFill>
+                            <a:srgbClr val="FFFF00"/>
+                          </a:solidFill>
+                          <a:latin typeface="微軟正黑體" panose="020B0604030504040204" pitchFamily="34" charset="-120"/>
+                          <a:ea typeface="微軟正黑體" panose="020B0604030504040204" pitchFamily="34" charset="-120"/>
+                        </a:rPr>
+                        <a:t>劇本</a:t>
+                      </a:r>
+                    </a:p>
                   </a:txBody>
                   <a:tcPr/>
                 </a:tc>
@@ -9294,7 +9972,7 @@
                     <a:bodyPr/>
                     <a:lstStyle/>
                     <a:p>
-                      <a:pPr marL="0" marR="0" lvl="0" indent="0" algn="l" defTabSz="914400" rtl="0" eaLnBrk="1" fontAlgn="auto" latinLnBrk="0" hangingPunct="1">
+                      <a:pPr marL="0" marR="0" lvl="0" indent="0" algn="ctr" defTabSz="914400" rtl="0" eaLnBrk="1" fontAlgn="auto" latinLnBrk="0" hangingPunct="1">
                         <a:lnSpc>
                           <a:spcPct val="100000"/>
                         </a:lnSpc>
@@ -9319,8 +9997,25 @@
                           <a:latin typeface="微軟正黑體" panose="020B0604030504040204" pitchFamily="34" charset="-120"/>
                           <a:ea typeface="微軟正黑體" panose="020B0604030504040204" pitchFamily="34" charset="-120"/>
                         </a:rPr>
-                        <a:t>前後端整合完成</a:t>
+                        <a:t>前後端</a:t>
                       </a:r>
+                      <a:r>
+                        <a:rPr lang="zh-TW" altLang="en-US" dirty="0" smtClean="0">
+                          <a:solidFill>
+                            <a:srgbClr val="92D050"/>
+                          </a:solidFill>
+                          <a:latin typeface="微軟正黑體" panose="020B0604030504040204" pitchFamily="34" charset="-120"/>
+                          <a:ea typeface="微軟正黑體" panose="020B0604030504040204" pitchFamily="34" charset="-120"/>
+                        </a:rPr>
+                        <a:t>整合</a:t>
+                      </a:r>
+                      <a:endParaRPr lang="zh-TW" altLang="en-US" dirty="0" smtClean="0">
+                        <a:solidFill>
+                          <a:srgbClr val="92D050"/>
+                        </a:solidFill>
+                        <a:latin typeface="微軟正黑體" panose="020B0604030504040204" pitchFamily="34" charset="-120"/>
+                        <a:ea typeface="微軟正黑體" panose="020B0604030504040204" pitchFamily="34" charset="-120"/>
+                      </a:endParaRPr>
                     </a:p>
                   </a:txBody>
                   <a:tcPr/>
@@ -9459,6 +10154,22 @@
                     <a:bodyPr/>
                     <a:lstStyle/>
                     <a:p>
+                      <a:endParaRPr lang="en-US" altLang="zh-TW" dirty="0" smtClean="0">
+                        <a:solidFill>
+                          <a:srgbClr val="00B0F0"/>
+                        </a:solidFill>
+                        <a:latin typeface="微軟正黑體" panose="020B0604030504040204" pitchFamily="34" charset="-120"/>
+                        <a:ea typeface="微軟正黑體" panose="020B0604030504040204" pitchFamily="34" charset="-120"/>
+                      </a:endParaRPr>
+                    </a:p>
+                  </a:txBody>
+                  <a:tcPr/>
+                </a:tc>
+                <a:tc>
+                  <a:txBody>
+                    <a:bodyPr/>
+                    <a:lstStyle/>
+                    <a:p>
                       <a:pPr marL="0" marR="0" lvl="0" indent="0" algn="l" defTabSz="914400" rtl="0" eaLnBrk="1" fontAlgn="auto" latinLnBrk="0" hangingPunct="1">
                         <a:lnSpc>
                           <a:spcPct val="100000"/>
@@ -9479,30 +10190,51 @@
                       <a:r>
                         <a:rPr lang="zh-TW" altLang="en-US" dirty="0" smtClean="0">
                           <a:solidFill>
-                            <a:schemeClr val="tx1"/>
+                            <a:srgbClr val="92D050"/>
                           </a:solidFill>
                           <a:latin typeface="微軟正黑體" panose="020B0604030504040204" pitchFamily="34" charset="-120"/>
                           <a:ea typeface="微軟正黑體" panose="020B0604030504040204" pitchFamily="34" charset="-120"/>
                         </a:rPr>
-                        <a:t>拍影片</a:t>
+                        <a:t>前後端整合</a:t>
                       </a:r>
-                    </a:p>
-                    <a:p>
-                      <a:endParaRPr lang="en-US" altLang="zh-TW" dirty="0" smtClean="0">
+                      <a:r>
+                        <a:rPr lang="en-US" altLang="zh-TW" dirty="0" smtClean="0">
+                          <a:solidFill>
+                            <a:srgbClr val="92D050"/>
+                          </a:solidFill>
+                          <a:latin typeface="微軟正黑體" panose="020B0604030504040204" pitchFamily="34" charset="-120"/>
+                          <a:ea typeface="微軟正黑體" panose="020B0604030504040204" pitchFamily="34" charset="-120"/>
+                        </a:rPr>
+                        <a:t>(</a:t>
+                      </a:r>
+                      <a:r>
+                        <a:rPr lang="en-US" altLang="zh-TW" dirty="0" err="1" smtClean="0">
+                          <a:solidFill>
+                            <a:srgbClr val="92D050"/>
+                          </a:solidFill>
+                          <a:latin typeface="微軟正黑體" panose="020B0604030504040204" pitchFamily="34" charset="-120"/>
+                          <a:ea typeface="微軟正黑體" panose="020B0604030504040204" pitchFamily="34" charset="-120"/>
+                        </a:rPr>
+                        <a:t>GradCAM</a:t>
+                      </a:r>
+                      <a:r>
+                        <a:rPr lang="en-US" altLang="zh-TW" dirty="0" smtClean="0">
+                          <a:solidFill>
+                            <a:srgbClr val="92D050"/>
+                          </a:solidFill>
+                          <a:latin typeface="微軟正黑體" panose="020B0604030504040204" pitchFamily="34" charset="-120"/>
+                          <a:ea typeface="微軟正黑體" panose="020B0604030504040204" pitchFamily="34" charset="-120"/>
+                        </a:rPr>
+                        <a:t>)</a:t>
+                      </a:r>
+                      <a:endParaRPr lang="zh-TW" altLang="en-US" dirty="0" smtClean="0">
                         <a:solidFill>
-                          <a:srgbClr val="00B0F0"/>
+                          <a:srgbClr val="92D050"/>
                         </a:solidFill>
                         <a:latin typeface="微軟正黑體" panose="020B0604030504040204" pitchFamily="34" charset="-120"/>
                         <a:ea typeface="微軟正黑體" panose="020B0604030504040204" pitchFamily="34" charset="-120"/>
                       </a:endParaRPr>
                     </a:p>
-                  </a:txBody>
-                  <a:tcPr/>
-                </a:tc>
-                <a:tc>
-                  <a:txBody>
-                    <a:bodyPr/>
-                    <a:lstStyle/>
                     <a:p>
                       <a:pPr marL="0" marR="0" lvl="0" indent="0" algn="l" defTabSz="914400" rtl="0" eaLnBrk="1" fontAlgn="auto" latinLnBrk="0" hangingPunct="1">
                         <a:lnSpc>

--- a/會議記錄/會議記錄.pptx
+++ b/會議記錄/會議記錄.pptx
@@ -5,7 +5,7 @@
     <p:sldMasterId id="2147483660" r:id="rId1"/>
   </p:sldMasterIdLst>
   <p:notesMasterIdLst>
-    <p:notesMasterId r:id="rId28"/>
+    <p:notesMasterId r:id="rId30"/>
   </p:notesMasterIdLst>
   <p:sldIdLst>
     <p:sldId id="256" r:id="rId2"/>
@@ -32,8 +32,10 @@
     <p:sldId id="281" r:id="rId23"/>
     <p:sldId id="283" r:id="rId24"/>
     <p:sldId id="285" r:id="rId25"/>
-    <p:sldId id="282" r:id="rId26"/>
-    <p:sldId id="265" r:id="rId27"/>
+    <p:sldId id="286" r:id="rId26"/>
+    <p:sldId id="287" r:id="rId27"/>
+    <p:sldId id="282" r:id="rId28"/>
+    <p:sldId id="265" r:id="rId29"/>
   </p:sldIdLst>
   <p:sldSz cx="12192000" cy="6858000"/>
   <p:notesSz cx="6858000" cy="9144000"/>
@@ -222,7 +224,7 @@
           <a:p>
             <a:fld id="{33C68CCD-F31B-437B-965E-855E94FE60A6}" type="datetimeFigureOut">
               <a:rPr lang="zh-TW" altLang="en-US" smtClean="0"/>
-              <a:t>2025/4/18</a:t>
+              <a:t>2025/4/25</a:t>
             </a:fld>
             <a:endParaRPr lang="zh-TW" altLang="en-US"/>
           </a:p>
@@ -627,7 +629,7 @@
           <a:p>
             <a:fld id="{F404DC6C-E353-4FBF-8B7B-7C2F0DFA34E8}" type="datetimeFigureOut">
               <a:rPr lang="zh-TW" altLang="en-US" smtClean="0"/>
-              <a:t>2025/4/18</a:t>
+              <a:t>2025/4/25</a:t>
             </a:fld>
             <a:endParaRPr lang="zh-TW" altLang="en-US"/>
           </a:p>
@@ -797,7 +799,7 @@
           <a:p>
             <a:fld id="{F404DC6C-E353-4FBF-8B7B-7C2F0DFA34E8}" type="datetimeFigureOut">
               <a:rPr lang="zh-TW" altLang="en-US" smtClean="0"/>
-              <a:t>2025/4/18</a:t>
+              <a:t>2025/4/25</a:t>
             </a:fld>
             <a:endParaRPr lang="zh-TW" altLang="en-US"/>
           </a:p>
@@ -977,7 +979,7 @@
           <a:p>
             <a:fld id="{F404DC6C-E353-4FBF-8B7B-7C2F0DFA34E8}" type="datetimeFigureOut">
               <a:rPr lang="zh-TW" altLang="en-US" smtClean="0"/>
-              <a:t>2025/4/18</a:t>
+              <a:t>2025/4/25</a:t>
             </a:fld>
             <a:endParaRPr lang="zh-TW" altLang="en-US"/>
           </a:p>
@@ -1197,7 +1199,7 @@
           <a:p>
             <a:fld id="{F404DC6C-E353-4FBF-8B7B-7C2F0DFA34E8}" type="datetimeFigureOut">
               <a:rPr lang="zh-TW" altLang="en-US" smtClean="0"/>
-              <a:t>2025/4/18</a:t>
+              <a:t>2025/4/25</a:t>
             </a:fld>
             <a:endParaRPr lang="zh-TW" altLang="en-US"/>
           </a:p>
@@ -1443,7 +1445,7 @@
           <a:p>
             <a:fld id="{F404DC6C-E353-4FBF-8B7B-7C2F0DFA34E8}" type="datetimeFigureOut">
               <a:rPr lang="zh-TW" altLang="en-US" smtClean="0"/>
-              <a:t>2025/4/18</a:t>
+              <a:t>2025/4/25</a:t>
             </a:fld>
             <a:endParaRPr lang="zh-TW" altLang="en-US"/>
           </a:p>
@@ -1675,7 +1677,7 @@
           <a:p>
             <a:fld id="{F404DC6C-E353-4FBF-8B7B-7C2F0DFA34E8}" type="datetimeFigureOut">
               <a:rPr lang="zh-TW" altLang="en-US" smtClean="0"/>
-              <a:t>2025/4/18</a:t>
+              <a:t>2025/4/25</a:t>
             </a:fld>
             <a:endParaRPr lang="zh-TW" altLang="en-US"/>
           </a:p>
@@ -2042,7 +2044,7 @@
           <a:p>
             <a:fld id="{F404DC6C-E353-4FBF-8B7B-7C2F0DFA34E8}" type="datetimeFigureOut">
               <a:rPr lang="zh-TW" altLang="en-US" smtClean="0"/>
-              <a:t>2025/4/18</a:t>
+              <a:t>2025/4/25</a:t>
             </a:fld>
             <a:endParaRPr lang="zh-TW" altLang="en-US"/>
           </a:p>
@@ -2160,7 +2162,7 @@
           <a:p>
             <a:fld id="{F404DC6C-E353-4FBF-8B7B-7C2F0DFA34E8}" type="datetimeFigureOut">
               <a:rPr lang="zh-TW" altLang="en-US" smtClean="0"/>
-              <a:t>2025/4/18</a:t>
+              <a:t>2025/4/25</a:t>
             </a:fld>
             <a:endParaRPr lang="zh-TW" altLang="en-US"/>
           </a:p>
@@ -2255,7 +2257,7 @@
           <a:p>
             <a:fld id="{F404DC6C-E353-4FBF-8B7B-7C2F0DFA34E8}" type="datetimeFigureOut">
               <a:rPr lang="zh-TW" altLang="en-US" smtClean="0"/>
-              <a:t>2025/4/18</a:t>
+              <a:t>2025/4/25</a:t>
             </a:fld>
             <a:endParaRPr lang="zh-TW" altLang="en-US"/>
           </a:p>
@@ -2532,7 +2534,7 @@
           <a:p>
             <a:fld id="{F404DC6C-E353-4FBF-8B7B-7C2F0DFA34E8}" type="datetimeFigureOut">
               <a:rPr lang="zh-TW" altLang="en-US" smtClean="0"/>
-              <a:t>2025/4/18</a:t>
+              <a:t>2025/4/25</a:t>
             </a:fld>
             <a:endParaRPr lang="zh-TW" altLang="en-US"/>
           </a:p>
@@ -2789,7 +2791,7 @@
           <a:p>
             <a:fld id="{F404DC6C-E353-4FBF-8B7B-7C2F0DFA34E8}" type="datetimeFigureOut">
               <a:rPr lang="zh-TW" altLang="en-US" smtClean="0"/>
-              <a:t>2025/4/18</a:t>
+              <a:t>2025/4/25</a:t>
             </a:fld>
             <a:endParaRPr lang="zh-TW" altLang="en-US"/>
           </a:p>
@@ -3002,7 +3004,7 @@
           <a:p>
             <a:fld id="{F404DC6C-E353-4FBF-8B7B-7C2F0DFA34E8}" type="datetimeFigureOut">
               <a:rPr lang="zh-TW" altLang="en-US" smtClean="0"/>
-              <a:t>2025/4/18</a:t>
+              <a:t>2025/4/25</a:t>
             </a:fld>
             <a:endParaRPr lang="zh-TW" altLang="en-US"/>
           </a:p>
@@ -8017,17 +8019,14 @@
           <a:lstStyle/>
           <a:p>
             <a:r>
-              <a:rPr lang="zh-TW" altLang="en-US" dirty="0"/>
-              <a:t>實際</a:t>
-            </a:r>
-            <a:r>
-              <a:rPr lang="en-US" altLang="zh-TW" dirty="0"/>
-              <a:t>DEMO</a:t>
-            </a:r>
-            <a:r>
-              <a:rPr lang="zh-TW" altLang="en-US" dirty="0"/>
-              <a:t>畫面</a:t>
-            </a:r>
+              <a:rPr lang="zh-TW" altLang="en-US" dirty="0" smtClean="0"/>
+              <a:t>會議記錄 </a:t>
+            </a:r>
+            <a:r>
+              <a:rPr lang="en-US" altLang="zh-TW" dirty="0" smtClean="0"/>
+              <a:t>4/25</a:t>
+            </a:r>
+            <a:endParaRPr lang="zh-TW" altLang="en-US" dirty="0"/>
           </a:p>
         </p:txBody>
       </p:sp>
@@ -8043,12 +8042,100 @@
         </p:nvSpPr>
         <p:spPr/>
         <p:txBody>
-          <a:bodyPr/>
+          <a:bodyPr>
+            <a:normAutofit/>
+          </a:bodyPr>
           <a:lstStyle/>
           <a:p>
             <a:r>
-              <a:rPr lang="zh-TW" altLang="en-US" dirty="0" smtClean="0"/>
-              <a:t>管理員註冊、管理員登入、成員列表、新增成員、上傳紀錄</a:t>
+              <a:rPr lang="zh-TW" altLang="en-US" dirty="0"/>
+              <a:t>顏</a:t>
+            </a:r>
+            <a:r>
+              <a:rPr lang="zh-TW" altLang="en-US" dirty="0" smtClean="0"/>
+              <a:t>：</a:t>
+            </a:r>
+            <a:r>
+              <a:rPr lang="zh-TW" altLang="en-US" dirty="0"/>
+              <a:t>前端完成</a:t>
+            </a:r>
+            <a:endParaRPr lang="en-US" altLang="zh-TW" dirty="0"/>
+          </a:p>
+          <a:p>
+            <a:r>
+              <a:rPr lang="zh-TW" altLang="en-US" dirty="0"/>
+              <a:t>王</a:t>
+            </a:r>
+            <a:r>
+              <a:rPr lang="zh-TW" altLang="en-US" dirty="0" smtClean="0"/>
+              <a:t>：開始</a:t>
+            </a:r>
+            <a:r>
+              <a:rPr lang="zh-TW" altLang="en-US" dirty="0"/>
+              <a:t>寫資料</a:t>
+            </a:r>
+            <a:endParaRPr lang="en-US" altLang="zh-TW" dirty="0"/>
+          </a:p>
+          <a:p>
+            <a:r>
+              <a:rPr lang="zh-TW" altLang="en-US" dirty="0"/>
+              <a:t>徐：</a:t>
+            </a:r>
+            <a:r>
+              <a:rPr lang="en-US" altLang="zh-TW" dirty="0" smtClean="0"/>
+              <a:t>Grad-CAM</a:t>
+            </a:r>
+            <a:r>
+              <a:rPr lang="zh-TW" altLang="en-US" dirty="0" smtClean="0"/>
+              <a:t>完成、</a:t>
+            </a:r>
+            <a:r>
+              <a:rPr lang="zh-TW" altLang="en-US" dirty="0"/>
+              <a:t>影片劇本、分鏡構思、</a:t>
+            </a:r>
+            <a:r>
+              <a:rPr lang="zh-TW" altLang="en-US" dirty="0">
+                <a:solidFill>
+                  <a:srgbClr val="FF0000"/>
+                </a:solidFill>
+              </a:rPr>
+              <a:t>找</a:t>
+            </a:r>
+            <a:r>
+              <a:rPr lang="zh-TW" altLang="en-US" dirty="0" smtClean="0">
+                <a:solidFill>
+                  <a:srgbClr val="FF0000"/>
+                </a:solidFill>
+              </a:rPr>
+              <a:t>樣本</a:t>
+            </a:r>
+            <a:endParaRPr lang="en-US" altLang="zh-TW" dirty="0" smtClean="0">
+              <a:solidFill>
+                <a:srgbClr val="FF0000"/>
+              </a:solidFill>
+            </a:endParaRPr>
+          </a:p>
+          <a:p>
+            <a:pPr marL="0" indent="0">
+              <a:buNone/>
+            </a:pPr>
+            <a:endParaRPr lang="en-US" altLang="zh-TW" dirty="0">
+              <a:solidFill>
+                <a:srgbClr val="FF0000"/>
+              </a:solidFill>
+            </a:endParaRPr>
+          </a:p>
+          <a:p>
+            <a:r>
+              <a:rPr lang="zh-TW" altLang="en-US" dirty="0" smtClean="0"/>
+              <a:t>顏：工程師、徐：病患、王：醫生</a:t>
+            </a:r>
+            <a:endParaRPr lang="en-US" altLang="zh-TW" dirty="0" smtClean="0"/>
+          </a:p>
+          <a:p>
+            <a:r>
+              <a:rPr lang="zh-TW" altLang="en-US" dirty="0" smtClean="0"/>
+              <a:t>徐：小孩樣本、老人樣本</a:t>
             </a:r>
             <a:r>
               <a:rPr lang="en-US" altLang="zh-TW" dirty="0" smtClean="0"/>
@@ -8056,87 +8143,60 @@
             </a:r>
             <a:r>
               <a:rPr lang="zh-TW" altLang="en-US" dirty="0" smtClean="0"/>
-              <a:t>建檔、</a:t>
+              <a:t>每歲各</a:t>
             </a:r>
             <a:r>
               <a:rPr lang="en-US" altLang="zh-TW" dirty="0" smtClean="0"/>
-              <a:t>AI</a:t>
-            </a:r>
-            <a:r>
-              <a:rPr lang="zh-TW" altLang="en-US" dirty="0" smtClean="0"/>
-              <a:t>計算、儲存</a:t>
+              <a:t>3)</a:t>
+            </a:r>
+          </a:p>
+          <a:p>
+            <a:r>
+              <a:rPr lang="en-US" altLang="zh-TW" dirty="0" smtClean="0"/>
+              <a:t>4/28 16:30</a:t>
+            </a:r>
+            <a:r>
+              <a:rPr lang="zh-TW" altLang="en-US" dirty="0" smtClean="0"/>
+              <a:t>拍攝影片素材：演戲畫面、新增成員、上傳紀錄、瀏覽拍攝紀錄</a:t>
+            </a:r>
+            <a:r>
+              <a:rPr lang="en-US" altLang="zh-TW" dirty="0" smtClean="0"/>
+              <a:t>(</a:t>
+            </a:r>
+            <a:r>
+              <a:rPr lang="zh-TW" altLang="en-US" dirty="0" smtClean="0"/>
+              <a:t>關鍵腦區</a:t>
             </a:r>
             <a:r>
               <a:rPr lang="en-US" altLang="zh-TW" dirty="0" smtClean="0"/>
               <a:t>)</a:t>
             </a:r>
-          </a:p>
-          <a:p>
-            <a:r>
-              <a:rPr lang="zh-TW" altLang="en-US" dirty="0" smtClean="0"/>
-              <a:t>成員登入、腦部分析介面</a:t>
+            <a:r>
+              <a:rPr lang="zh-TW" altLang="en-US" dirty="0" smtClean="0"/>
+              <a:t>、</a:t>
             </a:r>
             <a:r>
               <a:rPr lang="en-US" altLang="zh-TW" dirty="0" smtClean="0"/>
-              <a:t>(</a:t>
-            </a:r>
-            <a:r>
-              <a:rPr lang="zh-TW" altLang="en-US" dirty="0" smtClean="0"/>
-              <a:t>腦齡、失智症風險</a:t>
+              <a:t>DEMO</a:t>
+            </a:r>
+            <a:r>
+              <a:rPr lang="zh-TW" altLang="en-US" dirty="0" smtClean="0"/>
+              <a:t>小孩、</a:t>
             </a:r>
             <a:r>
               <a:rPr lang="en-US" altLang="zh-TW" dirty="0" smtClean="0"/>
-              <a:t>)</a:t>
-            </a:r>
-            <a:r>
-              <a:rPr lang="zh-TW" altLang="en-US" dirty="0" smtClean="0"/>
-              <a:t>、調閱以往紀錄</a:t>
-            </a:r>
-            <a:endParaRPr lang="en-US" altLang="zh-TW" dirty="0" smtClean="0"/>
-          </a:p>
-          <a:p>
-            <a:r>
-              <a:rPr lang="zh-TW" altLang="en-US" dirty="0" smtClean="0"/>
-              <a:t>病患</a:t>
-            </a:r>
-            <a:r>
-              <a:rPr lang="en-US" altLang="zh-TW" dirty="0" smtClean="0"/>
-              <a:t>1 (50,55,65,70,75) [</a:t>
-            </a:r>
-            <a:r>
-              <a:rPr lang="zh-TW" altLang="en-US" dirty="0" smtClean="0"/>
-              <a:t>完整過程</a:t>
-            </a:r>
-            <a:r>
-              <a:rPr lang="en-US" altLang="zh-TW" dirty="0" smtClean="0"/>
-              <a:t>]</a:t>
-            </a:r>
-          </a:p>
-          <a:p>
-            <a:r>
-              <a:rPr lang="zh-TW" altLang="en-US" dirty="0" smtClean="0"/>
-              <a:t>病患</a:t>
-            </a:r>
-            <a:r>
-              <a:rPr lang="en-US" altLang="zh-TW" dirty="0" smtClean="0"/>
-              <a:t>2 (10,15,20,25,30)</a:t>
-            </a:r>
-            <a:r>
-              <a:rPr lang="zh-TW" altLang="en-US" dirty="0" smtClean="0"/>
-              <a:t> </a:t>
-            </a:r>
-            <a:r>
-              <a:rPr lang="en-US" altLang="zh-TW" dirty="0" smtClean="0"/>
-              <a:t>[</a:t>
-            </a:r>
-            <a:r>
-              <a:rPr lang="zh-TW" altLang="en-US" dirty="0" smtClean="0"/>
-              <a:t>只看結果</a:t>
-            </a:r>
-            <a:r>
-              <a:rPr lang="en-US" altLang="zh-TW" dirty="0" smtClean="0"/>
-              <a:t>]</a:t>
-            </a:r>
+              <a:t>DEMO</a:t>
+            </a:r>
+            <a:r>
+              <a:rPr lang="zh-TW" altLang="en-US" dirty="0" smtClean="0"/>
+              <a:t>老人</a:t>
+            </a:r>
+            <a:endParaRPr lang="zh-TW" altLang="en-US" dirty="0"/>
+          </a:p>
+          <a:p>
+            <a:pPr marL="0" indent="0">
+              <a:buNone/>
+            </a:pPr>
             <a:endParaRPr lang="zh-TW" altLang="en-US" dirty="0"/>
           </a:p>
         </p:txBody>
@@ -8144,7 +8204,7 @@
     </p:spTree>
     <p:extLst>
       <p:ext uri="{BB962C8B-B14F-4D97-AF65-F5344CB8AC3E}">
-        <p14:creationId xmlns:p14="http://schemas.microsoft.com/office/powerpoint/2010/main" val="3379814351"/>
+        <p14:creationId xmlns:p14="http://schemas.microsoft.com/office/powerpoint/2010/main" val="2448361603"/>
       </p:ext>
     </p:extLst>
   </p:cSld>
@@ -8171,6 +8231,325 @@
           <a:chExt cx="0" cy="0"/>
         </a:xfrm>
       </p:grpSpPr>
+      <p:sp>
+        <p:nvSpPr>
+          <p:cNvPr id="2" name="標題 1"/>
+          <p:cNvSpPr>
+            <a:spLocks noGrp="1"/>
+          </p:cNvSpPr>
+          <p:nvPr>
+            <p:ph type="title"/>
+          </p:nvPr>
+        </p:nvSpPr>
+        <p:spPr/>
+        <p:txBody>
+          <a:bodyPr/>
+          <a:lstStyle/>
+          <a:p>
+            <a:r>
+              <a:rPr lang="zh-TW" altLang="en-US" dirty="0"/>
+              <a:t>下次開會</a:t>
+            </a:r>
+            <a:r>
+              <a:rPr lang="zh-TW" altLang="en-US" dirty="0" smtClean="0"/>
+              <a:t> </a:t>
+            </a:r>
+            <a:r>
+              <a:rPr lang="en-US" altLang="zh-TW" dirty="0"/>
+              <a:t>5</a:t>
+            </a:r>
+            <a:r>
+              <a:rPr lang="en-US" altLang="zh-TW" dirty="0" smtClean="0"/>
+              <a:t>/1</a:t>
+            </a:r>
+            <a:endParaRPr lang="zh-TW" altLang="en-US" dirty="0"/>
+          </a:p>
+        </p:txBody>
+      </p:sp>
+      <p:sp>
+        <p:nvSpPr>
+          <p:cNvPr id="3" name="內容版面配置區 2"/>
+          <p:cNvSpPr>
+            <a:spLocks noGrp="1"/>
+          </p:cNvSpPr>
+          <p:nvPr>
+            <p:ph idx="1"/>
+          </p:nvPr>
+        </p:nvSpPr>
+        <p:spPr/>
+        <p:txBody>
+          <a:bodyPr/>
+          <a:lstStyle/>
+          <a:p>
+            <a:r>
+              <a:rPr lang="zh-TW" altLang="en-US" dirty="0" smtClean="0"/>
+              <a:t>顏：假日完成部署</a:t>
+            </a:r>
+            <a:endParaRPr lang="en-US" altLang="zh-TW" dirty="0"/>
+          </a:p>
+          <a:p>
+            <a:r>
+              <a:rPr lang="zh-TW" altLang="en-US" dirty="0"/>
+              <a:t>王</a:t>
+            </a:r>
+            <a:r>
+              <a:rPr lang="zh-TW" altLang="en-US" dirty="0" smtClean="0"/>
+              <a:t>：假日完成初版</a:t>
+            </a:r>
+            <a:endParaRPr lang="en-US" altLang="zh-TW" dirty="0" smtClean="0"/>
+          </a:p>
+          <a:p>
+            <a:r>
+              <a:rPr lang="zh-TW" altLang="en-US" smtClean="0"/>
+              <a:t>徐：找樣本、模型動畫、拍影片</a:t>
+            </a:r>
+            <a:endParaRPr lang="zh-TW" altLang="en-US" dirty="0">
+              <a:solidFill>
+                <a:srgbClr val="FF0000"/>
+              </a:solidFill>
+            </a:endParaRPr>
+          </a:p>
+          <a:p>
+            <a:pPr marL="0" indent="0">
+              <a:buNone/>
+            </a:pPr>
+            <a:endParaRPr lang="zh-TW" altLang="en-US" dirty="0"/>
+          </a:p>
+        </p:txBody>
+      </p:sp>
+    </p:spTree>
+    <p:extLst>
+      <p:ext uri="{BB962C8B-B14F-4D97-AF65-F5344CB8AC3E}">
+        <p14:creationId xmlns:p14="http://schemas.microsoft.com/office/powerpoint/2010/main" val="1005396624"/>
+      </p:ext>
+    </p:extLst>
+  </p:cSld>
+  <p:clrMapOvr>
+    <a:masterClrMapping/>
+  </p:clrMapOvr>
+</p:sld>
+</file>
+
+<file path=ppt/slides/slide27.xml><?xml version="1.0" encoding="utf-8"?>
+<p:sld xmlns:a="http://schemas.openxmlformats.org/drawingml/2006/main" xmlns:r="http://schemas.openxmlformats.org/officeDocument/2006/relationships" xmlns:p="http://schemas.openxmlformats.org/presentationml/2006/main">
+  <p:cSld>
+    <p:spTree>
+      <p:nvGrpSpPr>
+        <p:cNvPr id="1" name=""/>
+        <p:cNvGrpSpPr/>
+        <p:nvPr/>
+      </p:nvGrpSpPr>
+      <p:grpSpPr>
+        <a:xfrm>
+          <a:off x="0" y="0"/>
+          <a:ext cx="0" cy="0"/>
+          <a:chOff x="0" y="0"/>
+          <a:chExt cx="0" cy="0"/>
+        </a:xfrm>
+      </p:grpSpPr>
+      <p:sp>
+        <p:nvSpPr>
+          <p:cNvPr id="2" name="標題 1"/>
+          <p:cNvSpPr>
+            <a:spLocks noGrp="1"/>
+          </p:cNvSpPr>
+          <p:nvPr>
+            <p:ph type="title"/>
+          </p:nvPr>
+        </p:nvSpPr>
+        <p:spPr/>
+        <p:txBody>
+          <a:bodyPr/>
+          <a:lstStyle/>
+          <a:p>
+            <a:r>
+              <a:rPr lang="zh-TW" altLang="en-US" dirty="0"/>
+              <a:t>實際</a:t>
+            </a:r>
+            <a:r>
+              <a:rPr lang="en-US" altLang="zh-TW" dirty="0"/>
+              <a:t>DEMO</a:t>
+            </a:r>
+            <a:r>
+              <a:rPr lang="zh-TW" altLang="en-US" dirty="0"/>
+              <a:t>畫面</a:t>
+            </a:r>
+          </a:p>
+        </p:txBody>
+      </p:sp>
+      <p:sp>
+        <p:nvSpPr>
+          <p:cNvPr id="3" name="內容版面配置區 2"/>
+          <p:cNvSpPr>
+            <a:spLocks noGrp="1"/>
+          </p:cNvSpPr>
+          <p:nvPr>
+            <p:ph idx="1"/>
+          </p:nvPr>
+        </p:nvSpPr>
+        <p:spPr/>
+        <p:txBody>
+          <a:bodyPr/>
+          <a:lstStyle/>
+          <a:p>
+            <a:r>
+              <a:rPr lang="zh-TW" altLang="en-US" dirty="0" smtClean="0"/>
+              <a:t>管理員註冊、管理員登入、成員列表、新增成員、上傳紀錄</a:t>
+            </a:r>
+            <a:r>
+              <a:rPr lang="en-US" altLang="zh-TW" dirty="0" smtClean="0"/>
+              <a:t>(</a:t>
+            </a:r>
+            <a:r>
+              <a:rPr lang="zh-TW" altLang="en-US" dirty="0" smtClean="0"/>
+              <a:t>建檔、</a:t>
+            </a:r>
+            <a:r>
+              <a:rPr lang="en-US" altLang="zh-TW" dirty="0" smtClean="0"/>
+              <a:t>AI</a:t>
+            </a:r>
+            <a:r>
+              <a:rPr lang="zh-TW" altLang="en-US" dirty="0" smtClean="0"/>
+              <a:t>計算、儲存</a:t>
+            </a:r>
+            <a:r>
+              <a:rPr lang="en-US" altLang="zh-TW" dirty="0" smtClean="0"/>
+              <a:t>)</a:t>
+            </a:r>
+          </a:p>
+          <a:p>
+            <a:r>
+              <a:rPr lang="zh-TW" altLang="en-US" dirty="0" smtClean="0"/>
+              <a:t>成員登入、腦部分析介面</a:t>
+            </a:r>
+            <a:r>
+              <a:rPr lang="en-US" altLang="zh-TW" dirty="0" smtClean="0"/>
+              <a:t>(</a:t>
+            </a:r>
+            <a:r>
+              <a:rPr lang="zh-TW" altLang="en-US" dirty="0" smtClean="0"/>
+              <a:t>腦齡、失智症風險</a:t>
+            </a:r>
+            <a:r>
+              <a:rPr lang="en-US" altLang="zh-TW" dirty="0" smtClean="0"/>
+              <a:t>)</a:t>
+            </a:r>
+            <a:r>
+              <a:rPr lang="zh-TW" altLang="en-US" dirty="0" smtClean="0"/>
+              <a:t>、調閱以往紀錄</a:t>
+            </a:r>
+            <a:endParaRPr lang="en-US" altLang="zh-TW" dirty="0" smtClean="0"/>
+          </a:p>
+          <a:p>
+            <a:r>
+              <a:rPr lang="zh-TW" altLang="en-US" dirty="0" smtClean="0"/>
+              <a:t>病患</a:t>
+            </a:r>
+            <a:r>
+              <a:rPr lang="en-US" altLang="zh-TW" dirty="0" smtClean="0"/>
+              <a:t>1 (</a:t>
+            </a:r>
+            <a:r>
+              <a:rPr lang="en-US" altLang="zh-TW" dirty="0" smtClean="0">
+                <a:solidFill>
+                  <a:srgbClr val="00B050"/>
+                </a:solidFill>
+              </a:rPr>
+              <a:t>50,</a:t>
+            </a:r>
+            <a:r>
+              <a:rPr lang="en-US" altLang="zh-TW" dirty="0" smtClean="0">
+                <a:solidFill>
+                  <a:srgbClr val="FFFF00"/>
+                </a:solidFill>
+              </a:rPr>
+              <a:t>55,65,</a:t>
+            </a:r>
+            <a:r>
+              <a:rPr lang="en-US" altLang="zh-TW" dirty="0" smtClean="0">
+                <a:solidFill>
+                  <a:srgbClr val="FF0000"/>
+                </a:solidFill>
+              </a:rPr>
+              <a:t>70,75</a:t>
+            </a:r>
+            <a:r>
+              <a:rPr lang="en-US" altLang="zh-TW" dirty="0" smtClean="0"/>
+              <a:t>) [</a:t>
+            </a:r>
+            <a:r>
+              <a:rPr lang="zh-TW" altLang="en-US" dirty="0" smtClean="0"/>
+              <a:t>完整過程</a:t>
+            </a:r>
+            <a:r>
+              <a:rPr lang="en-US" altLang="zh-TW" dirty="0" smtClean="0"/>
+              <a:t>]</a:t>
+            </a:r>
+            <a:r>
+              <a:rPr lang="zh-TW" altLang="en-US" dirty="0"/>
+              <a:t> </a:t>
+            </a:r>
+            <a:endParaRPr lang="en-US" altLang="zh-TW" dirty="0" smtClean="0"/>
+          </a:p>
+          <a:p>
+            <a:r>
+              <a:rPr lang="zh-TW" altLang="en-US" dirty="0" smtClean="0"/>
+              <a:t>病患</a:t>
+            </a:r>
+            <a:r>
+              <a:rPr lang="en-US" altLang="zh-TW" dirty="0" smtClean="0"/>
+              <a:t>2 (10,15,20,25,30)</a:t>
+            </a:r>
+            <a:r>
+              <a:rPr lang="zh-TW" altLang="en-US" dirty="0" smtClean="0"/>
+              <a:t> </a:t>
+            </a:r>
+            <a:r>
+              <a:rPr lang="en-US" altLang="zh-TW" dirty="0" smtClean="0"/>
+              <a:t>[</a:t>
+            </a:r>
+            <a:r>
+              <a:rPr lang="zh-TW" altLang="en-US" dirty="0" smtClean="0"/>
+              <a:t>只看結果</a:t>
+            </a:r>
+            <a:r>
+              <a:rPr lang="en-US" altLang="zh-TW" dirty="0" smtClean="0"/>
+              <a:t>]</a:t>
+            </a:r>
+            <a:endParaRPr lang="zh-TW" altLang="en-US" dirty="0"/>
+          </a:p>
+        </p:txBody>
+      </p:sp>
+    </p:spTree>
+    <p:extLst>
+      <p:ext uri="{BB962C8B-B14F-4D97-AF65-F5344CB8AC3E}">
+        <p14:creationId xmlns:p14="http://schemas.microsoft.com/office/powerpoint/2010/main" val="3379814351"/>
+      </p:ext>
+    </p:extLst>
+  </p:cSld>
+  <p:clrMapOvr>
+    <a:masterClrMapping/>
+  </p:clrMapOvr>
+</p:sld>
+</file>
+
+<file path=ppt/slides/slide28.xml><?xml version="1.0" encoding="utf-8"?>
+<p:sld xmlns:a="http://schemas.openxmlformats.org/drawingml/2006/main" xmlns:r="http://schemas.openxmlformats.org/officeDocument/2006/relationships" xmlns:p="http://schemas.openxmlformats.org/presentationml/2006/main">
+  <p:cSld>
+    <p:spTree>
+      <p:nvGrpSpPr>
+        <p:cNvPr id="1" name=""/>
+        <p:cNvGrpSpPr/>
+        <p:nvPr/>
+      </p:nvGrpSpPr>
+      <p:grpSpPr>
+        <a:xfrm>
+          <a:off x="0" y="0"/>
+          <a:ext cx="0" cy="0"/>
+          <a:chOff x="0" y="0"/>
+          <a:chExt cx="0" cy="0"/>
+        </a:xfrm>
+      </p:grpSpPr>
       <p:graphicFrame>
         <p:nvGraphicFramePr>
           <p:cNvPr id="4" name="表格 3"/>
@@ -8180,14 +8559,14 @@
           <p:nvPr>
             <p:extLst>
               <p:ext uri="{D42A27DB-BD31-4B8C-83A1-F6EECF244321}">
-                <p14:modId xmlns:p14="http://schemas.microsoft.com/office/powerpoint/2010/main" val="535113537"/>
+                <p14:modId xmlns:p14="http://schemas.microsoft.com/office/powerpoint/2010/main" val="2188760271"/>
               </p:ext>
             </p:extLst>
           </p:nvPr>
         </p:nvGraphicFramePr>
         <p:xfrm>
           <a:off x="690879" y="-8175"/>
-          <a:ext cx="10871201" cy="6888515"/>
+          <a:ext cx="10871201" cy="6884792"/>
         </p:xfrm>
         <a:graphic>
           <a:graphicData uri="http://schemas.openxmlformats.org/drawingml/2006/table">
@@ -9915,17 +10294,7 @@
                           <a:latin typeface="微軟正黑體" panose="020B0604030504040204" pitchFamily="34" charset="-120"/>
                           <a:ea typeface="微軟正黑體" panose="020B0604030504040204" pitchFamily="34" charset="-120"/>
                         </a:rPr>
-                        <a:t>作品構想</a:t>
-                      </a:r>
-                      <a:r>
-                        <a:rPr lang="zh-TW" altLang="en-US" dirty="0" smtClean="0">
-                          <a:solidFill>
-                            <a:srgbClr val="00B0F0"/>
-                          </a:solidFill>
-                          <a:latin typeface="微軟正黑體" panose="020B0604030504040204" pitchFamily="34" charset="-120"/>
-                          <a:ea typeface="微軟正黑體" panose="020B0604030504040204" pitchFamily="34" charset="-120"/>
-                        </a:rPr>
-                        <a:t>書</a:t>
+                        <a:t>作品構想書</a:t>
                       </a:r>
                       <a:endParaRPr lang="en-US" altLang="zh-TW" dirty="0" smtClean="0">
                         <a:solidFill>
@@ -9972,7 +10341,7 @@
                     <a:bodyPr/>
                     <a:lstStyle/>
                     <a:p>
-                      <a:pPr marL="0" marR="0" lvl="0" indent="0" algn="ctr" defTabSz="914400" rtl="0" eaLnBrk="1" fontAlgn="auto" latinLnBrk="0" hangingPunct="1">
+                      <a:pPr marL="0" marR="0" lvl="0" indent="0" algn="l" defTabSz="914400" rtl="0" eaLnBrk="1" fontAlgn="auto" latinLnBrk="0" hangingPunct="1">
                         <a:lnSpc>
                           <a:spcPct val="100000"/>
                         </a:lnSpc>
@@ -9997,17 +10366,37 @@
                           <a:latin typeface="微軟正黑體" panose="020B0604030504040204" pitchFamily="34" charset="-120"/>
                           <a:ea typeface="微軟正黑體" panose="020B0604030504040204" pitchFamily="34" charset="-120"/>
                         </a:rPr>
-                        <a:t>前後端</a:t>
+                        <a:t>前後端整合</a:t>
                       </a:r>
                       <a:r>
-                        <a:rPr lang="zh-TW" altLang="en-US" dirty="0" smtClean="0">
+                        <a:rPr lang="en-US" altLang="zh-TW" dirty="0" smtClean="0">
                           <a:solidFill>
                             <a:srgbClr val="92D050"/>
                           </a:solidFill>
                           <a:latin typeface="微軟正黑體" panose="020B0604030504040204" pitchFamily="34" charset="-120"/>
                           <a:ea typeface="微軟正黑體" panose="020B0604030504040204" pitchFamily="34" charset="-120"/>
                         </a:rPr>
-                        <a:t>整合</a:t>
+                        <a:t>(</a:t>
+                      </a:r>
+                      <a:r>
+                        <a:rPr lang="en-US" altLang="zh-TW" dirty="0" err="1" smtClean="0">
+                          <a:solidFill>
+                            <a:srgbClr val="92D050"/>
+                          </a:solidFill>
+                          <a:latin typeface="微軟正黑體" panose="020B0604030504040204" pitchFamily="34" charset="-120"/>
+                          <a:ea typeface="微軟正黑體" panose="020B0604030504040204" pitchFamily="34" charset="-120"/>
+                        </a:rPr>
+                        <a:t>GradCAM</a:t>
+                      </a:r>
+                      <a:r>
+                        <a:rPr lang="en-US" altLang="zh-TW" dirty="0" smtClean="0">
+                          <a:solidFill>
+                            <a:srgbClr val="92D050"/>
+                          </a:solidFill>
+                          <a:latin typeface="微軟正黑體" panose="020B0604030504040204" pitchFamily="34" charset="-120"/>
+                          <a:ea typeface="微軟正黑體" panose="020B0604030504040204" pitchFamily="34" charset="-120"/>
+                        </a:rPr>
+                        <a:t>)</a:t>
                       </a:r>
                       <a:endParaRPr lang="zh-TW" altLang="en-US" dirty="0" smtClean="0">
                         <a:solidFill>
@@ -10154,9 +10543,58 @@
                     <a:bodyPr/>
                     <a:lstStyle/>
                     <a:p>
+                      <a:r>
+                        <a:rPr lang="en-US" altLang="zh-TW" dirty="0" smtClean="0">
+                          <a:solidFill>
+                            <a:schemeClr val="tx1"/>
+                          </a:solidFill>
+                          <a:latin typeface="微軟正黑體" panose="020B0604030504040204" pitchFamily="34" charset="-120"/>
+                          <a:ea typeface="微軟正黑體" panose="020B0604030504040204" pitchFamily="34" charset="-120"/>
+                        </a:rPr>
+                        <a:t>4/28</a:t>
+                      </a:r>
+                      <a:r>
+                        <a:rPr lang="zh-TW" altLang="en-US" dirty="0" smtClean="0">
+                          <a:solidFill>
+                            <a:schemeClr val="tx1"/>
+                          </a:solidFill>
+                          <a:latin typeface="微軟正黑體" panose="020B0604030504040204" pitchFamily="34" charset="-120"/>
+                          <a:ea typeface="微軟正黑體" panose="020B0604030504040204" pitchFamily="34" charset="-120"/>
+                        </a:rPr>
+                        <a:t>拍攝</a:t>
+                      </a:r>
                       <a:endParaRPr lang="en-US" altLang="zh-TW" dirty="0" smtClean="0">
                         <a:solidFill>
-                          <a:srgbClr val="00B0F0"/>
+                          <a:schemeClr val="tx1"/>
+                        </a:solidFill>
+                        <a:latin typeface="微軟正黑體" panose="020B0604030504040204" pitchFamily="34" charset="-120"/>
+                        <a:ea typeface="微軟正黑體" panose="020B0604030504040204" pitchFamily="34" charset="-120"/>
+                      </a:endParaRPr>
+                    </a:p>
+                    <a:p>
+                      <a:r>
+                        <a:rPr lang="en-US" altLang="zh-TW" dirty="0" smtClean="0">
+                          <a:solidFill>
+                            <a:schemeClr val="tx1"/>
+                          </a:solidFill>
+                          <a:latin typeface="微軟正黑體" panose="020B0604030504040204" pitchFamily="34" charset="-120"/>
+                          <a:ea typeface="微軟正黑體" panose="020B0604030504040204" pitchFamily="34" charset="-120"/>
+                        </a:rPr>
+                        <a:t>4/29</a:t>
+                      </a:r>
+                      <a:r>
+                        <a:rPr lang="zh-TW" altLang="en-US" dirty="0" smtClean="0">
+                          <a:solidFill>
+                            <a:schemeClr val="tx1"/>
+                          </a:solidFill>
+                          <a:latin typeface="微軟正黑體" panose="020B0604030504040204" pitchFamily="34" charset="-120"/>
+                          <a:ea typeface="微軟正黑體" panose="020B0604030504040204" pitchFamily="34" charset="-120"/>
+                        </a:rPr>
+                        <a:t>拍完影片</a:t>
+                      </a:r>
+                      <a:endParaRPr lang="en-US" altLang="zh-TW" dirty="0" smtClean="0">
+                        <a:solidFill>
+                          <a:schemeClr val="tx1"/>
                         </a:solidFill>
                         <a:latin typeface="微軟正黑體" panose="020B0604030504040204" pitchFamily="34" charset="-120"/>
                         <a:ea typeface="微軟正黑體" panose="020B0604030504040204" pitchFamily="34" charset="-120"/>
@@ -10169,72 +10607,6 @@
                   <a:txBody>
                     <a:bodyPr/>
                     <a:lstStyle/>
-                    <a:p>
-                      <a:pPr marL="0" marR="0" lvl="0" indent="0" algn="l" defTabSz="914400" rtl="0" eaLnBrk="1" fontAlgn="auto" latinLnBrk="0" hangingPunct="1">
-                        <a:lnSpc>
-                          <a:spcPct val="100000"/>
-                        </a:lnSpc>
-                        <a:spcBef>
-                          <a:spcPts val="0"/>
-                        </a:spcBef>
-                        <a:spcAft>
-                          <a:spcPts val="0"/>
-                        </a:spcAft>
-                        <a:buClrTx/>
-                        <a:buSzTx/>
-                        <a:buFontTx/>
-                        <a:buNone/>
-                        <a:tabLst/>
-                        <a:defRPr/>
-                      </a:pPr>
-                      <a:r>
-                        <a:rPr lang="zh-TW" altLang="en-US" dirty="0" smtClean="0">
-                          <a:solidFill>
-                            <a:srgbClr val="92D050"/>
-                          </a:solidFill>
-                          <a:latin typeface="微軟正黑體" panose="020B0604030504040204" pitchFamily="34" charset="-120"/>
-                          <a:ea typeface="微軟正黑體" panose="020B0604030504040204" pitchFamily="34" charset="-120"/>
-                        </a:rPr>
-                        <a:t>前後端整合</a:t>
-                      </a:r>
-                      <a:r>
-                        <a:rPr lang="en-US" altLang="zh-TW" dirty="0" smtClean="0">
-                          <a:solidFill>
-                            <a:srgbClr val="92D050"/>
-                          </a:solidFill>
-                          <a:latin typeface="微軟正黑體" panose="020B0604030504040204" pitchFamily="34" charset="-120"/>
-                          <a:ea typeface="微軟正黑體" panose="020B0604030504040204" pitchFamily="34" charset="-120"/>
-                        </a:rPr>
-                        <a:t>(</a:t>
-                      </a:r>
-                      <a:r>
-                        <a:rPr lang="en-US" altLang="zh-TW" dirty="0" err="1" smtClean="0">
-                          <a:solidFill>
-                            <a:srgbClr val="92D050"/>
-                          </a:solidFill>
-                          <a:latin typeface="微軟正黑體" panose="020B0604030504040204" pitchFamily="34" charset="-120"/>
-                          <a:ea typeface="微軟正黑體" panose="020B0604030504040204" pitchFamily="34" charset="-120"/>
-                        </a:rPr>
-                        <a:t>GradCAM</a:t>
-                      </a:r>
-                      <a:r>
-                        <a:rPr lang="en-US" altLang="zh-TW" dirty="0" smtClean="0">
-                          <a:solidFill>
-                            <a:srgbClr val="92D050"/>
-                          </a:solidFill>
-                          <a:latin typeface="微軟正黑體" panose="020B0604030504040204" pitchFamily="34" charset="-120"/>
-                          <a:ea typeface="微軟正黑體" panose="020B0604030504040204" pitchFamily="34" charset="-120"/>
-                        </a:rPr>
-                        <a:t>)</a:t>
-                      </a:r>
-                      <a:endParaRPr lang="zh-TW" altLang="en-US" dirty="0" smtClean="0">
-                        <a:solidFill>
-                          <a:srgbClr val="92D050"/>
-                        </a:solidFill>
-                        <a:latin typeface="微軟正黑體" panose="020B0604030504040204" pitchFamily="34" charset="-120"/>
-                        <a:ea typeface="微軟正黑體" panose="020B0604030504040204" pitchFamily="34" charset="-120"/>
-                      </a:endParaRPr>
-                    </a:p>
                     <a:p>
                       <a:pPr marL="0" marR="0" lvl="0" indent="0" algn="l" defTabSz="914400" rtl="0" eaLnBrk="1" fontAlgn="auto" latinLnBrk="0" hangingPunct="1">
                         <a:lnSpc>
@@ -10379,20 +10751,29 @@
                     <a:lstStyle/>
                     <a:p>
                       <a:r>
-                        <a:rPr lang="zh-TW" altLang="en-US" dirty="0" smtClean="0">
+                        <a:rPr lang="en-US" altLang="zh-TW" dirty="0" smtClean="0">
+                          <a:solidFill>
+                            <a:srgbClr val="FFFF00"/>
+                          </a:solidFill>
                           <a:latin typeface="微軟正黑體" panose="020B0604030504040204" pitchFamily="34" charset="-120"/>
                           <a:ea typeface="微軟正黑體" panose="020B0604030504040204" pitchFamily="34" charset="-120"/>
                         </a:rPr>
-                        <a:t>介紹影片</a:t>
+                        <a:t>5/4</a:t>
                       </a:r>
                       <a:r>
-                        <a:rPr lang="en-US" altLang="zh-TW" dirty="0" smtClean="0">
+                        <a:rPr lang="zh-TW" altLang="en-US" dirty="0" smtClean="0">
+                          <a:solidFill>
+                            <a:srgbClr val="FFFF00"/>
+                          </a:solidFill>
                           <a:latin typeface="微軟正黑體" panose="020B0604030504040204" pitchFamily="34" charset="-120"/>
                           <a:ea typeface="微軟正黑體" panose="020B0604030504040204" pitchFamily="34" charset="-120"/>
                         </a:rPr>
-                        <a:t>(3min)</a:t>
+                        <a:t>影片完成</a:t>
                       </a:r>
                       <a:endParaRPr lang="zh-TW" altLang="en-US" dirty="0">
+                        <a:solidFill>
+                          <a:srgbClr val="FFFF00"/>
+                        </a:solidFill>
                         <a:latin typeface="微軟正黑體" panose="020B0604030504040204" pitchFamily="34" charset="-120"/>
                         <a:ea typeface="微軟正黑體" panose="020B0604030504040204" pitchFamily="34" charset="-120"/>
                       </a:endParaRPr>
